--- a/AulasAvancado/src/main/resources/br/com/Aula2/Servlets.pptx
+++ b/AulasAvancado/src/main/resources/br/com/Aula2/Servlets.pptx
@@ -5,23 +5,22 @@
     <p:sldMasterId id="2147483648" r:id="rId1"/>
   </p:sldMasterIdLst>
   <p:notesMasterIdLst>
-    <p:notesMasterId r:id="rId13"/>
+    <p:notesMasterId r:id="rId12"/>
   </p:notesMasterIdLst>
   <p:handoutMasterIdLst>
-    <p:handoutMasterId r:id="rId14"/>
+    <p:handoutMasterId r:id="rId13"/>
   </p:handoutMasterIdLst>
   <p:sldIdLst>
     <p:sldId id="257" r:id="rId2"/>
     <p:sldId id="258" r:id="rId3"/>
     <p:sldId id="259" r:id="rId4"/>
-    <p:sldId id="283" r:id="rId5"/>
-    <p:sldId id="281" r:id="rId6"/>
-    <p:sldId id="285" r:id="rId7"/>
-    <p:sldId id="273" r:id="rId8"/>
-    <p:sldId id="275" r:id="rId9"/>
-    <p:sldId id="284" r:id="rId10"/>
-    <p:sldId id="280" r:id="rId11"/>
-    <p:sldId id="287" r:id="rId12"/>
+    <p:sldId id="288" r:id="rId5"/>
+    <p:sldId id="289" r:id="rId6"/>
+    <p:sldId id="283" r:id="rId7"/>
+    <p:sldId id="290" r:id="rId8"/>
+    <p:sldId id="284" r:id="rId9"/>
+    <p:sldId id="280" r:id="rId10"/>
+    <p:sldId id="287" r:id="rId11"/>
   </p:sldIdLst>
   <p:sldSz cx="9144000" cy="6858000" type="screen4x3"/>
   <p:notesSz cx="6858000" cy="9144000"/>
@@ -120,7 +119,7 @@
   </p:defaultTextStyle>
   <p:extLst>
     <p:ext uri="{EFAFB233-063F-42B5-8137-9DF3F51BA10A}">
-      <p15:sldGuideLst xmlns:p15="http://schemas.microsoft.com/office/powerpoint/2012/main" xmlns="">
+      <p15:sldGuideLst xmlns="" xmlns:p15="http://schemas.microsoft.com/office/powerpoint/2012/main">
         <p15:guide id="1" orient="horz" pos="2160">
           <p15:clr>
             <a:srgbClr val="A4A3A4"/>
@@ -827,99 +826,6 @@
     </p:spTree>
     <p:extLst>
       <p:ext uri="{BB962C8B-B14F-4D97-AF65-F5344CB8AC3E}">
-        <p14:creationId xmlns:p14="http://schemas.microsoft.com/office/powerpoint/2010/main" val="2477212209"/>
-      </p:ext>
-    </p:extLst>
-  </p:cSld>
-  <p:clrMapOvr>
-    <a:masterClrMapping/>
-  </p:clrMapOvr>
-</p:notes>
-</file>
-
-<file path=ppt/notesSlides/notesSlide11.xml><?xml version="1.0" encoding="utf-8"?>
-<p:notes xmlns:a="http://schemas.openxmlformats.org/drawingml/2006/main" xmlns:r="http://schemas.openxmlformats.org/officeDocument/2006/relationships" xmlns:p="http://schemas.openxmlformats.org/presentationml/2006/main">
-  <p:cSld>
-    <p:spTree>
-      <p:nvGrpSpPr>
-        <p:cNvPr id="1" name=""/>
-        <p:cNvGrpSpPr/>
-        <p:nvPr/>
-      </p:nvGrpSpPr>
-      <p:grpSpPr>
-        <a:xfrm>
-          <a:off x="0" y="0"/>
-          <a:ext cx="0" cy="0"/>
-          <a:chOff x="0" y="0"/>
-          <a:chExt cx="0" cy="0"/>
-        </a:xfrm>
-      </p:grpSpPr>
-      <p:sp>
-        <p:nvSpPr>
-          <p:cNvPr id="2" name="Rectangle 2"/>
-          <p:cNvSpPr>
-            <a:spLocks noGrp="1" noRot="1" noChangeAspect="1"/>
-          </p:cNvSpPr>
-          <p:nvPr>
-            <p:ph type="sldImg"/>
-          </p:nvPr>
-        </p:nvSpPr>
-        <p:spPr/>
-      </p:sp>
-      <p:sp>
-        <p:nvSpPr>
-          <p:cNvPr id="3" name="Rectangle 3"/>
-          <p:cNvSpPr>
-            <a:spLocks noGrp="1"/>
-          </p:cNvSpPr>
-          <p:nvPr>
-            <p:ph type="body" idx="1"/>
-          </p:nvPr>
-        </p:nvSpPr>
-        <p:spPr/>
-        <p:txBody>
-          <a:bodyPr/>
-          <a:lstStyle/>
-          <a:p>
-            <a:pPr marL="342900" lvl="0" indent="-342900">
-              <a:spcBef>
-                <a:spcPct val="20000"/>
-              </a:spcBef>
-              <a:buFont typeface="Arial"/>
-              <a:buChar char="•"/>
-              <a:defRPr lang="pt-BR"/>
-            </a:pPr>
-            <a:endParaRPr lang="pt-BR" dirty="0"/>
-          </a:p>
-        </p:txBody>
-      </p:sp>
-      <p:sp>
-        <p:nvSpPr>
-          <p:cNvPr id="4" name="Rectangle 4"/>
-          <p:cNvSpPr>
-            <a:spLocks noGrp="1"/>
-          </p:cNvSpPr>
-          <p:nvPr>
-            <p:ph type="sldNum" sz="quarter" idx="10"/>
-          </p:nvPr>
-        </p:nvSpPr>
-        <p:spPr/>
-        <p:txBody>
-          <a:bodyPr/>
-          <a:lstStyle/>
-          <a:p>
-            <a:fld id="{61807874-5299-41B2-A37A-6AA3547857F4}" type="slidenum">
-              <a:rPr lang="pt-BR" smtClean="0"/>
-              <a:pPr/>
-              <a:t>11</a:t>
-            </a:fld>
-            <a:endParaRPr lang="pt-BR"/>
-          </a:p>
-        </p:txBody>
-      </p:sp>
-    </p:spTree>
-    <p:extLst>
-      <p:ext uri="{BB962C8B-B14F-4D97-AF65-F5344CB8AC3E}">
         <p14:creationId xmlns:p14="http://schemas.microsoft.com/office/powerpoint/2010/main" val="3649887134"/>
       </p:ext>
     </p:extLst>
@@ -974,7 +880,149 @@
           <a:bodyPr/>
           <a:lstStyle/>
           <a:p>
-            <a:endParaRPr lang="pt-BR"/>
+            <a:r>
+              <a:rPr lang="pt-BR" sz="1200" b="1" i="0" u="none" strike="noStrike" kern="1200" baseline="0" dirty="0" err="1" smtClean="0">
+                <a:solidFill>
+                  <a:schemeClr val="tx1"/>
+                </a:solidFill>
+                <a:latin typeface="+mn-lt"/>
+                <a:ea typeface="+mn-ea"/>
+                <a:cs typeface="+mn-cs"/>
+              </a:rPr>
+              <a:t>WebServlets</a:t>
+            </a:r>
+            <a:r>
+              <a:rPr lang="pt-BR" sz="1200" b="0" i="0" u="none" strike="noStrike" kern="1200" baseline="0" dirty="0" smtClean="0">
+                <a:solidFill>
+                  <a:schemeClr val="tx1"/>
+                </a:solidFill>
+                <a:latin typeface="+mn-lt"/>
+                <a:ea typeface="+mn-ea"/>
+                <a:cs typeface="+mn-cs"/>
+              </a:rPr>
+              <a:t> são a base das aplicações Web em Java EE. </a:t>
+            </a:r>
+          </a:p>
+          <a:p>
+            <a:r>
+              <a:rPr lang="pt-BR" sz="1200" b="0" i="0" u="none" strike="noStrike" kern="1200" baseline="0" dirty="0" smtClean="0">
+                <a:solidFill>
+                  <a:schemeClr val="tx1"/>
+                </a:solidFill>
+                <a:latin typeface="+mn-lt"/>
+                <a:ea typeface="+mn-ea"/>
+                <a:cs typeface="+mn-cs"/>
+              </a:rPr>
+              <a:t>Embora a principal API para criação de aplicações Web seja </a:t>
+            </a:r>
+            <a:r>
+              <a:rPr lang="pt-BR" sz="1200" b="0" i="0" u="none" strike="noStrike" kern="1200" baseline="0" dirty="0" err="1" smtClean="0">
+                <a:solidFill>
+                  <a:schemeClr val="tx1"/>
+                </a:solidFill>
+                <a:latin typeface="+mn-lt"/>
+                <a:ea typeface="+mn-ea"/>
+                <a:cs typeface="+mn-cs"/>
+              </a:rPr>
+              <a:t>JavaServer</a:t>
+            </a:r>
+            <a:r>
+              <a:rPr lang="pt-BR" sz="1200" b="0" i="0" u="none" strike="noStrike" kern="1200" baseline="0" dirty="0" smtClean="0">
+                <a:solidFill>
+                  <a:schemeClr val="tx1"/>
+                </a:solidFill>
+                <a:latin typeface="+mn-lt"/>
+                <a:ea typeface="+mn-ea"/>
+                <a:cs typeface="+mn-cs"/>
+              </a:rPr>
+              <a:t> Faces, </a:t>
+            </a:r>
+          </a:p>
+          <a:p>
+            <a:r>
+              <a:rPr lang="pt-BR" sz="1200" b="0" i="0" u="none" strike="noStrike" kern="1200" baseline="0" dirty="0" err="1" smtClean="0">
+                <a:solidFill>
+                  <a:schemeClr val="tx1"/>
+                </a:solidFill>
+                <a:latin typeface="+mn-lt"/>
+                <a:ea typeface="+mn-ea"/>
+                <a:cs typeface="+mn-cs"/>
+              </a:rPr>
+              <a:t>WebServlets</a:t>
+            </a:r>
+            <a:r>
+              <a:rPr lang="pt-BR" sz="1200" b="0" i="0" u="none" strike="noStrike" kern="1200" baseline="0" dirty="0" smtClean="0">
+                <a:solidFill>
+                  <a:schemeClr val="tx1"/>
+                </a:solidFill>
+                <a:latin typeface="+mn-lt"/>
+                <a:ea typeface="+mn-ea"/>
+                <a:cs typeface="+mn-cs"/>
+              </a:rPr>
+              <a:t> é a plataforma básica sobre a qual JSF é construído.</a:t>
+            </a:r>
+          </a:p>
+          <a:p>
+            <a:r>
+              <a:rPr lang="pt-BR" sz="1200" b="0" i="0" u="none" strike="noStrike" kern="1200" baseline="0" dirty="0" err="1" smtClean="0">
+                <a:solidFill>
+                  <a:schemeClr val="tx1"/>
+                </a:solidFill>
+                <a:latin typeface="+mn-lt"/>
+                <a:ea typeface="+mn-ea"/>
+                <a:cs typeface="+mn-cs"/>
+              </a:rPr>
+              <a:t>WebServlets</a:t>
+            </a:r>
+            <a:r>
+              <a:rPr lang="pt-BR" sz="1200" b="0" i="0" u="none" strike="noStrike" kern="1200" baseline="0" dirty="0" smtClean="0">
+                <a:solidFill>
+                  <a:schemeClr val="tx1"/>
+                </a:solidFill>
+                <a:latin typeface="+mn-lt"/>
+                <a:ea typeface="+mn-ea"/>
+                <a:cs typeface="+mn-cs"/>
+              </a:rPr>
+              <a:t> serve de suporte para serviços como REST e SOAP. Além de ser base </a:t>
+            </a:r>
+          </a:p>
+          <a:p>
+            <a:r>
+              <a:rPr lang="pt-BR" sz="1200" b="0" i="0" u="none" strike="noStrike" kern="1200" baseline="0" dirty="0" smtClean="0">
+                <a:solidFill>
+                  <a:schemeClr val="tx1"/>
+                </a:solidFill>
+                <a:latin typeface="+mn-lt"/>
+                <a:ea typeface="+mn-ea"/>
+                <a:cs typeface="+mn-cs"/>
+              </a:rPr>
+              <a:t>Para Frameworks MVC como Spring , </a:t>
+            </a:r>
+            <a:r>
+              <a:rPr lang="pt-BR" sz="1200" b="0" i="0" u="none" strike="noStrike" kern="1200" baseline="0" dirty="0" err="1" smtClean="0">
+                <a:solidFill>
+                  <a:schemeClr val="tx1"/>
+                </a:solidFill>
+                <a:latin typeface="+mn-lt"/>
+                <a:ea typeface="+mn-ea"/>
+                <a:cs typeface="+mn-cs"/>
+              </a:rPr>
+              <a:t>Strutus</a:t>
+            </a:r>
+            <a:r>
+              <a:rPr lang="pt-BR" sz="1200" b="0" i="0" u="none" strike="noStrike" kern="1200" baseline="0" dirty="0" smtClean="0">
+                <a:solidFill>
+                  <a:schemeClr val="tx1"/>
+                </a:solidFill>
+                <a:latin typeface="+mn-lt"/>
+                <a:ea typeface="+mn-ea"/>
+                <a:cs typeface="+mn-cs"/>
+              </a:rPr>
+              <a:t>, GWT.</a:t>
+            </a:r>
+          </a:p>
+          <a:p>
+            <a:endParaRPr lang="pt-BR" dirty="0"/>
           </a:p>
         </p:txBody>
       </p:sp>
@@ -1062,218 +1110,6 @@
               <a:buChar char="•"/>
               <a:defRPr lang="pt-BR"/>
             </a:pPr>
-            <a:r>
-              <a:rPr kumimoji="0" lang="pt-BR" sz="1200" b="0" i="0" u="none" strike="noStrike" kern="0" cap="none" spc="0" normalizeH="0" baseline="0" dirty="0">
-                <a:ln>
-                  <a:noFill/>
-                </a:ln>
-                <a:solidFill>
-                  <a:schemeClr val="tx1"/>
-                </a:solidFill>
-                <a:effectLst/>
-                <a:uLnTx/>
-                <a:uFillTx/>
-              </a:rPr>
-              <a:t>Singularidade do </a:t>
-            </a:r>
-            <a:r>
-              <a:rPr kumimoji="0" lang="pt-BR" sz="1200" b="0" i="0" u="none" strike="noStrike" kern="0" cap="none" spc="0" normalizeH="0" baseline="0" dirty="0" err="1">
-                <a:ln>
-                  <a:noFill/>
-                </a:ln>
-                <a:solidFill>
-                  <a:schemeClr val="tx1"/>
-                </a:solidFill>
-                <a:effectLst/>
-                <a:uLnTx/>
-                <a:uFillTx/>
-              </a:rPr>
-              <a:t>java</a:t>
-            </a:r>
-            <a:r>
-              <a:rPr kumimoji="0" lang="pt-BR" sz="1200" b="0" i="0" u="none" strike="noStrike" kern="0" cap="none" spc="0" normalizeH="0" baseline="0" dirty="0">
-                <a:ln>
-                  <a:noFill/>
-                </a:ln>
-                <a:solidFill>
-                  <a:schemeClr val="tx1"/>
-                </a:solidFill>
-                <a:effectLst/>
-                <a:uLnTx/>
-                <a:uFillTx/>
-              </a:rPr>
-              <a:t> </a:t>
-            </a:r>
-            <a:r>
-              <a:rPr kumimoji="0" lang="pt-BR" sz="1200" b="0" i="0" u="none" strike="noStrike" kern="0" cap="none" spc="0" normalizeH="0" baseline="0" dirty="0" err="1">
-                <a:ln>
-                  <a:noFill/>
-                </a:ln>
-                <a:solidFill>
-                  <a:schemeClr val="tx1"/>
-                </a:solidFill>
-                <a:effectLst/>
-                <a:uLnTx/>
-                <a:uFillTx/>
-              </a:rPr>
-              <a:t>ee</a:t>
-            </a:r>
-            <a:r>
-              <a:rPr kumimoji="0" lang="pt-BR" sz="1200" b="0" i="0" u="none" strike="noStrike" kern="0" cap="none" spc="0" normalizeH="0" baseline="0" dirty="0">
-                <a:ln>
-                  <a:noFill/>
-                </a:ln>
-                <a:solidFill>
-                  <a:schemeClr val="tx1"/>
-                </a:solidFill>
-                <a:effectLst/>
-                <a:uLnTx/>
-                <a:uFillTx/>
-              </a:rPr>
-              <a:t> é a dependência de um </a:t>
-            </a:r>
-            <a:r>
-              <a:rPr kumimoji="0" lang="pt-BR" sz="1200" b="0" i="0" u="none" strike="noStrike" kern="0" cap="none" spc="0" normalizeH="0" baseline="0" dirty="0" err="1">
-                <a:ln>
-                  <a:noFill/>
-                </a:ln>
-                <a:solidFill>
-                  <a:schemeClr val="tx1"/>
-                </a:solidFill>
-                <a:effectLst/>
-                <a:uLnTx/>
-                <a:uFillTx/>
-              </a:rPr>
-              <a:t>servlet</a:t>
-            </a:r>
-            <a:r>
-              <a:rPr kumimoji="0" lang="pt-BR" sz="1200" b="0" i="0" u="none" strike="noStrike" kern="0" cap="none" spc="0" normalizeH="0" baseline="0" dirty="0">
-                <a:ln>
-                  <a:noFill/>
-                </a:ln>
-                <a:solidFill>
-                  <a:schemeClr val="tx1"/>
-                </a:solidFill>
-                <a:effectLst/>
-                <a:uLnTx/>
-                <a:uFillTx/>
-              </a:rPr>
-              <a:t> container para executar as aplicações desenvolvidas.</a:t>
-            </a:r>
-          </a:p>
-          <a:p>
-            <a:pPr marL="342900" lvl="0" indent="-342900">
-              <a:spcBef>
-                <a:spcPct val="20000"/>
-              </a:spcBef>
-              <a:buFont typeface="Arial"/>
-              <a:buChar char="•"/>
-              <a:defRPr lang="pt-BR"/>
-            </a:pPr>
-            <a:r>
-              <a:rPr kumimoji="0" lang="pt-BR" sz="1200" b="0" i="0" u="none" strike="noStrike" kern="0" cap="none" spc="0" normalizeH="0" baseline="0" dirty="0">
-                <a:ln>
-                  <a:noFill/>
-                </a:ln>
-                <a:solidFill>
-                  <a:schemeClr val="tx1"/>
-                </a:solidFill>
-                <a:effectLst/>
-                <a:uLnTx/>
-                <a:uFillTx/>
-              </a:rPr>
-              <a:t>Falamos de JAVA EE, falamos de </a:t>
-            </a:r>
-            <a:r>
-              <a:rPr kumimoji="0" lang="pt-BR" sz="1200" b="0" i="0" u="none" strike="noStrike" kern="0" cap="none" spc="0" normalizeH="0" baseline="0" dirty="0" err="1">
-                <a:ln>
-                  <a:noFill/>
-                </a:ln>
-                <a:solidFill>
-                  <a:schemeClr val="tx1"/>
-                </a:solidFill>
-                <a:effectLst/>
-                <a:uLnTx/>
-                <a:uFillTx/>
-              </a:rPr>
-              <a:t>java</a:t>
-            </a:r>
-            <a:r>
-              <a:rPr kumimoji="0" lang="pt-BR" sz="1200" b="0" i="0" u="none" strike="noStrike" kern="0" cap="none" spc="0" normalizeH="0" baseline="0" dirty="0">
-                <a:ln>
-                  <a:noFill/>
-                </a:ln>
-                <a:solidFill>
-                  <a:schemeClr val="tx1"/>
-                </a:solidFill>
-                <a:effectLst/>
-                <a:uLnTx/>
-                <a:uFillTx/>
-              </a:rPr>
-              <a:t> para web.</a:t>
-            </a:r>
-          </a:p>
-          <a:p>
-            <a:pPr marL="342900" lvl="0" indent="-342900">
-              <a:spcBef>
-                <a:spcPct val="20000"/>
-              </a:spcBef>
-              <a:buFont typeface="Arial"/>
-              <a:buChar char="•"/>
-              <a:defRPr lang="pt-BR"/>
-            </a:pPr>
-            <a:r>
-              <a:rPr kumimoji="0" lang="pt-BR" sz="1200" b="0" i="0" u="none" strike="noStrike" kern="0" cap="none" spc="0" normalizeH="0" baseline="0" dirty="0">
-                <a:ln>
-                  <a:noFill/>
-                </a:ln>
-                <a:solidFill>
-                  <a:schemeClr val="tx1"/>
-                </a:solidFill>
-                <a:effectLst/>
-                <a:uLnTx/>
-                <a:uFillTx/>
-              </a:rPr>
-              <a:t>Java </a:t>
-            </a:r>
-            <a:r>
-              <a:rPr kumimoji="0" lang="pt-BR" sz="1200" b="0" i="0" u="none" strike="noStrike" kern="0" cap="none" spc="0" normalizeH="0" baseline="0" dirty="0" err="1">
-                <a:ln>
-                  <a:noFill/>
-                </a:ln>
-                <a:solidFill>
-                  <a:schemeClr val="tx1"/>
-                </a:solidFill>
-                <a:effectLst/>
-                <a:uLnTx/>
-                <a:uFillTx/>
-              </a:rPr>
-              <a:t>ee</a:t>
-            </a:r>
-            <a:r>
-              <a:rPr kumimoji="0" lang="pt-BR" sz="1200" b="0" i="0" u="none" strike="noStrike" kern="0" cap="none" spc="0" normalizeH="0" baseline="0" dirty="0">
-                <a:ln>
-                  <a:noFill/>
-                </a:ln>
-                <a:solidFill>
-                  <a:schemeClr val="tx1"/>
-                </a:solidFill>
-                <a:effectLst/>
-                <a:uLnTx/>
-                <a:uFillTx/>
-              </a:rPr>
-              <a:t> é uma extensão do Java se, porém com todos os recursos para aplicações de grande porte voltadas para web.</a:t>
-            </a:r>
-          </a:p>
-          <a:p>
-            <a:pPr marL="342900" lvl="0" indent="-342900">
-              <a:spcBef>
-                <a:spcPct val="20000"/>
-              </a:spcBef>
-              <a:buFont typeface="Arial"/>
-              <a:buChar char="•"/>
-              <a:defRPr lang="pt-BR"/>
-            </a:pPr>
             <a:endParaRPr kumimoji="0" lang="pt-BR" sz="1200" b="0" i="0" u="none" strike="noStrike" kern="0" cap="none" spc="0" normalizeH="0" baseline="0" dirty="0">
               <a:ln>
                 <a:noFill/>
@@ -1285,221 +1121,6 @@
               <a:uLnTx/>
               <a:uFillTx/>
             </a:endParaRPr>
-          </a:p>
-          <a:p>
-            <a:pPr marL="342900" lvl="0" indent="-342900">
-              <a:spcBef>
-                <a:spcPct val="20000"/>
-              </a:spcBef>
-              <a:buFont typeface="Arial"/>
-              <a:buChar char="•"/>
-              <a:defRPr lang="pt-BR"/>
-            </a:pPr>
-            <a:r>
-              <a:rPr kumimoji="0" lang="pt-BR" sz="1200" b="0" i="0" u="none" strike="noStrike" kern="0" cap="none" spc="0" normalizeH="0" baseline="0" dirty="0">
-                <a:ln>
-                  <a:noFill/>
-                </a:ln>
-                <a:solidFill>
-                  <a:schemeClr val="tx1"/>
-                </a:solidFill>
-                <a:effectLst/>
-                <a:uLnTx/>
-                <a:uFillTx/>
-              </a:rPr>
-              <a:t>Java EE é a linguagem que mais emprega no mercado de trabalho.</a:t>
-            </a:r>
-          </a:p>
-          <a:p>
-            <a:pPr marL="342900" lvl="0" indent="-342900">
-              <a:spcBef>
-                <a:spcPct val="20000"/>
-              </a:spcBef>
-              <a:buFont typeface="Arial"/>
-              <a:buChar char="•"/>
-              <a:defRPr lang="pt-BR"/>
-            </a:pPr>
-            <a:r>
-              <a:rPr kumimoji="0" lang="pt-BR" sz="1200" b="0" i="0" u="none" strike="noStrike" kern="0" cap="none" spc="0" normalizeH="0" baseline="0" dirty="0">
-                <a:ln>
-                  <a:noFill/>
-                </a:ln>
-                <a:solidFill>
-                  <a:schemeClr val="tx1"/>
-                </a:solidFill>
-                <a:effectLst/>
-                <a:uLnTx/>
-                <a:uFillTx/>
-              </a:rPr>
-              <a:t>A plataforma é enorme e a comunidade é bastante participativa.</a:t>
-            </a:r>
-          </a:p>
-          <a:p>
-            <a:pPr marL="342900" lvl="0" indent="-342900">
-              <a:spcBef>
-                <a:spcPct val="20000"/>
-              </a:spcBef>
-              <a:buFont typeface="Arial"/>
-              <a:buChar char="•"/>
-              <a:defRPr lang="pt-BR"/>
-            </a:pPr>
-            <a:endParaRPr kumimoji="0" lang="pt-BR" sz="1200" b="0" i="0" u="none" strike="noStrike" kern="0" cap="none" spc="0" normalizeH="0" baseline="0" dirty="0">
-              <a:ln>
-                <a:noFill/>
-              </a:ln>
-              <a:solidFill>
-                <a:schemeClr val="tx1"/>
-              </a:solidFill>
-              <a:effectLst/>
-              <a:uLnTx/>
-              <a:uFillTx/>
-            </a:endParaRPr>
-          </a:p>
-          <a:p>
-            <a:pPr marL="342900" lvl="0" indent="-342900">
-              <a:spcBef>
-                <a:spcPct val="20000"/>
-              </a:spcBef>
-              <a:buFont typeface="Arial"/>
-              <a:buChar char="•"/>
-              <a:defRPr lang="pt-BR"/>
-            </a:pPr>
-            <a:r>
-              <a:rPr kumimoji="0" lang="pt-BR" sz="1200" b="0" i="0" u="none" strike="noStrike" kern="0" cap="none" spc="0" normalizeH="0" baseline="0" dirty="0" err="1">
-                <a:ln>
-                  <a:noFill/>
-                </a:ln>
-                <a:solidFill>
-                  <a:schemeClr val="tx1"/>
-                </a:solidFill>
-                <a:effectLst/>
-                <a:uLnTx/>
-                <a:uFillTx/>
-              </a:rPr>
-              <a:t>JavaSE</a:t>
-            </a:r>
-            <a:r>
-              <a:rPr kumimoji="0" lang="pt-BR" sz="1200" b="0" i="0" u="none" strike="noStrike" kern="0" cap="none" spc="0" normalizeH="0" baseline="0" dirty="0">
-                <a:ln>
-                  <a:noFill/>
-                </a:ln>
-                <a:solidFill>
-                  <a:schemeClr val="tx1"/>
-                </a:solidFill>
-                <a:effectLst/>
-                <a:uLnTx/>
-                <a:uFillTx/>
-              </a:rPr>
-              <a:t> (Standard </a:t>
-            </a:r>
-            <a:r>
-              <a:rPr kumimoji="0" lang="pt-BR" sz="1200" b="0" i="0" u="none" strike="noStrike" kern="0" cap="none" spc="0" normalizeH="0" baseline="0" dirty="0" err="1">
-                <a:ln>
-                  <a:noFill/>
-                </a:ln>
-                <a:solidFill>
-                  <a:schemeClr val="tx1"/>
-                </a:solidFill>
-                <a:effectLst/>
-                <a:uLnTx/>
-                <a:uFillTx/>
-              </a:rPr>
-              <a:t>edition</a:t>
-            </a:r>
-            <a:r>
-              <a:rPr kumimoji="0" lang="pt-BR" sz="1200" b="0" i="0" u="none" strike="noStrike" kern="0" cap="none" spc="0" normalizeH="0" baseline="0" dirty="0">
-                <a:ln>
-                  <a:noFill/>
-                </a:ln>
-                <a:solidFill>
-                  <a:schemeClr val="tx1"/>
-                </a:solidFill>
-                <a:effectLst/>
-                <a:uLnTx/>
-                <a:uFillTx/>
-              </a:rPr>
-              <a:t>)</a:t>
-            </a:r>
-          </a:p>
-          <a:p>
-            <a:pPr marL="342900" lvl="0" indent="-342900">
-              <a:spcBef>
-                <a:spcPct val="20000"/>
-              </a:spcBef>
-              <a:buFont typeface="Arial"/>
-              <a:buChar char="•"/>
-              <a:defRPr lang="pt-BR"/>
-            </a:pPr>
-            <a:r>
-              <a:rPr kumimoji="0" lang="pt-BR" sz="1200" b="0" i="0" u="none" strike="noStrike" kern="0" cap="none" spc="0" normalizeH="0" baseline="0" dirty="0">
-                <a:ln>
-                  <a:noFill/>
-                </a:ln>
-                <a:solidFill>
-                  <a:schemeClr val="tx1"/>
-                </a:solidFill>
-                <a:effectLst/>
-                <a:uLnTx/>
-                <a:uFillTx/>
-              </a:rPr>
-              <a:t>Java EE (</a:t>
-            </a:r>
-            <a:r>
-              <a:rPr kumimoji="0" lang="pt-BR" sz="1200" b="0" i="0" u="none" strike="noStrike" kern="0" cap="none" spc="0" normalizeH="0" baseline="0" dirty="0" err="1">
-                <a:ln>
-                  <a:noFill/>
-                </a:ln>
-                <a:solidFill>
-                  <a:schemeClr val="tx1"/>
-                </a:solidFill>
-                <a:effectLst/>
-                <a:uLnTx/>
-                <a:uFillTx/>
-              </a:rPr>
-              <a:t>Entherprise</a:t>
-            </a:r>
-            <a:r>
-              <a:rPr kumimoji="0" lang="pt-BR" sz="1200" b="0" i="0" u="none" strike="noStrike" kern="0" cap="none" spc="0" normalizeH="0" baseline="0" dirty="0">
-                <a:ln>
-                  <a:noFill/>
-                </a:ln>
-                <a:solidFill>
-                  <a:schemeClr val="tx1"/>
-                </a:solidFill>
-                <a:effectLst/>
-                <a:uLnTx/>
-                <a:uFillTx/>
-              </a:rPr>
-              <a:t> </a:t>
-            </a:r>
-            <a:r>
-              <a:rPr kumimoji="0" lang="pt-BR" sz="1200" b="0" i="0" u="none" strike="noStrike" kern="0" cap="none" spc="0" normalizeH="0" baseline="0" dirty="0" err="1">
-                <a:ln>
-                  <a:noFill/>
-                </a:ln>
-                <a:solidFill>
-                  <a:schemeClr val="tx1"/>
-                </a:solidFill>
-                <a:effectLst/>
-                <a:uLnTx/>
-                <a:uFillTx/>
-              </a:rPr>
-              <a:t>edition</a:t>
-            </a:r>
-            <a:r>
-              <a:rPr kumimoji="0" lang="pt-BR" sz="1200" b="0" i="0" u="none" strike="noStrike" kern="0" cap="none" spc="0" normalizeH="0" baseline="0" dirty="0">
-                <a:ln>
-                  <a:noFill/>
-                </a:ln>
-                <a:solidFill>
-                  <a:schemeClr val="tx1"/>
-                </a:solidFill>
-                <a:effectLst/>
-                <a:uLnTx/>
-                <a:uFillTx/>
-              </a:rPr>
-              <a:t>)</a:t>
-            </a:r>
           </a:p>
         </p:txBody>
       </p:sp>
@@ -1587,17 +1208,100 @@
               <a:buChar char="•"/>
               <a:defRPr lang="pt-BR"/>
             </a:pPr>
-            <a:endParaRPr kumimoji="0" lang="pt-BR" sz="1200" b="0" i="0" u="none" strike="noStrike" kern="0" cap="none" spc="0" normalizeH="0" baseline="0" dirty="0">
-              <a:ln>
-                <a:noFill/>
-              </a:ln>
-              <a:solidFill>
-                <a:schemeClr val="tx1"/>
-              </a:solidFill>
-              <a:effectLst/>
-              <a:uLnTx/>
-              <a:uFillTx/>
-            </a:endParaRPr>
+            <a:r>
+              <a:rPr kumimoji="0" lang="pt-BR" sz="1200" b="0" i="0" u="none" strike="noStrike" kern="0" cap="none" spc="0" normalizeH="0" baseline="0" dirty="0" smtClean="0">
+                <a:ln>
+                  <a:noFill/>
+                </a:ln>
+                <a:solidFill>
+                  <a:schemeClr val="tx1"/>
+                </a:solidFill>
+                <a:effectLst/>
+                <a:uLnTx/>
+                <a:uFillTx/>
+              </a:rPr>
+              <a:t>Classe que é uma extensão da classe </a:t>
+            </a:r>
+            <a:r>
+              <a:rPr kumimoji="0" lang="pt-BR" sz="1200" b="0" i="0" u="none" strike="noStrike" kern="0" cap="none" spc="0" normalizeH="0" baseline="0" dirty="0" err="1" smtClean="0">
+                <a:ln>
+                  <a:noFill/>
+                </a:ln>
+                <a:solidFill>
+                  <a:schemeClr val="tx1"/>
+                </a:solidFill>
+                <a:effectLst/>
+                <a:uLnTx/>
+                <a:uFillTx/>
+              </a:rPr>
+              <a:t>HttpServlet</a:t>
+            </a:r>
+            <a:r>
+              <a:rPr kumimoji="0" lang="pt-BR" sz="1200" b="0" i="0" u="none" strike="noStrike" kern="0" cap="none" spc="0" normalizeH="0" baseline="0" dirty="0" smtClean="0">
+                <a:ln>
+                  <a:noFill/>
+                </a:ln>
+                <a:solidFill>
+                  <a:schemeClr val="tx1"/>
+                </a:solidFill>
+                <a:effectLst/>
+                <a:uLnTx/>
+                <a:uFillTx/>
+              </a:rPr>
+              <a:t> que estende as funcionalidades de um servidor de aplicação, acessando assim requisições e respostas.</a:t>
+            </a:r>
+          </a:p>
+          <a:p>
+            <a:pPr marL="342900" lvl="0" indent="-342900">
+              <a:spcBef>
+                <a:spcPct val="20000"/>
+              </a:spcBef>
+              <a:buFont typeface="Arial"/>
+              <a:buChar char="•"/>
+              <a:defRPr lang="pt-BR"/>
+            </a:pPr>
+            <a:r>
+              <a:rPr kumimoji="0" lang="pt-BR" sz="1200" b="0" i="0" u="none" strike="noStrike" kern="0" cap="none" spc="0" normalizeH="0" baseline="0" dirty="0" smtClean="0">
+                <a:ln>
+                  <a:noFill/>
+                </a:ln>
+                <a:solidFill>
+                  <a:schemeClr val="tx1"/>
+                </a:solidFill>
+                <a:effectLst/>
+                <a:uLnTx/>
+                <a:uFillTx/>
+              </a:rPr>
+              <a:t>Dentro do contexto do padrão MVC seria um </a:t>
+            </a:r>
+            <a:r>
+              <a:rPr kumimoji="0" lang="pt-BR" sz="1200" b="0" i="0" u="none" strike="noStrike" kern="0" cap="none" spc="0" normalizeH="0" baseline="0" dirty="0" err="1" smtClean="0">
+                <a:ln>
+                  <a:noFill/>
+                </a:ln>
+                <a:solidFill>
+                  <a:schemeClr val="tx1"/>
+                </a:solidFill>
+                <a:effectLst/>
+                <a:uLnTx/>
+                <a:uFillTx/>
+              </a:rPr>
+              <a:t>Controller</a:t>
+            </a:r>
+            <a:r>
+              <a:rPr kumimoji="0" lang="pt-BR" sz="1200" b="0" i="0" u="none" strike="noStrike" kern="0" cap="none" spc="0" normalizeH="0" baseline="0" dirty="0" smtClean="0">
+                <a:ln>
+                  <a:noFill/>
+                </a:ln>
+                <a:solidFill>
+                  <a:schemeClr val="tx1"/>
+                </a:solidFill>
+                <a:effectLst/>
+                <a:uLnTx/>
+                <a:uFillTx/>
+              </a:rPr>
+              <a:t>, ele recebe toda e qualquer requisição vindo do cliente, processa e retorna a informação ao cliente em forma de verbo HTTP.</a:t>
+            </a:r>
           </a:p>
         </p:txBody>
       </p:sp>
@@ -1677,40 +1381,122 @@
           <a:bodyPr/>
           <a:lstStyle/>
           <a:p>
-            <a:pPr marL="0" marR="0" lvl="0" indent="0" algn="l" defTabSz="914400" rtl="0" eaLnBrk="1" fontAlgn="auto" latinLnBrk="0" hangingPunct="1">
-              <a:lnSpc>
-                <a:spcPct val="100000"/>
-              </a:lnSpc>
+            <a:pPr marL="342900" lvl="0" indent="-342900">
               <a:spcBef>
-                <a:spcPts val="0"/>
+                <a:spcPct val="20000"/>
               </a:spcBef>
-              <a:spcAft>
-                <a:spcPts val="0"/>
-              </a:spcAft>
-              <a:buClrTx/>
-              <a:buSzTx/>
-              <a:buFontTx/>
-              <a:buNone/>
-              <a:tabLst/>
-              <a:defRPr/>
+              <a:buFont typeface="Arial"/>
+              <a:buChar char="•"/>
+              <a:defRPr lang="pt-BR"/>
             </a:pPr>
             <a:r>
-              <a:rPr lang="pt-BR" sz="1200" kern="0" dirty="0"/>
-              <a:t>Explicar</a:t>
-            </a:r>
-            <a:r>
-              <a:rPr lang="pt-BR" sz="1200" kern="0" baseline="0" dirty="0"/>
-              <a:t> que nós desenvolvemos a aplicação na IDE (eclipse), geramos um WAR (empacotamento dos códigos compilados) esse arquivo é “Instalado” em um servidor, que disponibiliza acesso via Browser </a:t>
-            </a:r>
-            <a:r>
-              <a:rPr lang="pt-BR" sz="1200" kern="0" baseline="0" dirty="0" err="1"/>
-              <a:t>http</a:t>
-            </a:r>
-            <a:r>
-              <a:rPr lang="pt-BR" sz="1200" kern="0" baseline="0" dirty="0"/>
+              <a:rPr kumimoji="0" lang="pt-BR" sz="1200" b="0" i="0" u="none" strike="noStrike" kern="0" cap="none" spc="0" normalizeH="0" baseline="0" dirty="0" smtClean="0">
+                <a:ln>
+                  <a:noFill/>
+                </a:ln>
+                <a:solidFill>
+                  <a:schemeClr val="tx1"/>
+                </a:solidFill>
+                <a:effectLst/>
+                <a:uLnTx/>
+                <a:uFillTx/>
+              </a:rPr>
+              <a:t>A classe </a:t>
+            </a:r>
+            <a:r>
+              <a:rPr kumimoji="0" lang="pt-BR" sz="1200" b="0" i="0" u="none" strike="noStrike" kern="0" cap="none" spc="0" normalizeH="0" baseline="0" dirty="0" err="1" smtClean="0">
+                <a:ln>
+                  <a:noFill/>
+                </a:ln>
+                <a:solidFill>
+                  <a:schemeClr val="tx1"/>
+                </a:solidFill>
+                <a:effectLst/>
+                <a:uLnTx/>
+                <a:uFillTx/>
+              </a:rPr>
+              <a:t>HttpServlet</a:t>
+            </a:r>
+            <a:r>
+              <a:rPr kumimoji="0" lang="pt-BR" sz="1200" b="0" i="0" u="none" strike="noStrike" kern="0" cap="none" spc="0" normalizeH="0" baseline="0" dirty="0" smtClean="0">
+                <a:ln>
+                  <a:noFill/>
+                </a:ln>
+                <a:solidFill>
+                  <a:schemeClr val="tx1"/>
+                </a:solidFill>
+                <a:effectLst/>
+                <a:uLnTx/>
+                <a:uFillTx/>
+              </a:rPr>
+              <a:t> tem um método chamado </a:t>
+            </a:r>
+            <a:r>
+              <a:rPr lang="pt-BR" sz="1200" b="0" i="1" u="none" strike="noStrike" kern="1200" baseline="0" dirty="0" err="1" smtClean="0">
+                <a:solidFill>
+                  <a:schemeClr val="tx1"/>
+                </a:solidFill>
+                <a:latin typeface="+mn-lt"/>
+                <a:ea typeface="+mn-ea"/>
+                <a:cs typeface="+mn-cs"/>
+              </a:rPr>
+              <a:t>service</a:t>
+            </a:r>
+            <a:r>
+              <a:rPr lang="pt-BR" sz="1200" b="0" i="1" u="none" strike="noStrike" kern="1200" baseline="0" dirty="0" smtClean="0">
+                <a:solidFill>
+                  <a:schemeClr val="tx1"/>
+                </a:solidFill>
+                <a:latin typeface="+mn-lt"/>
+                <a:ea typeface="+mn-ea"/>
+                <a:cs typeface="+mn-cs"/>
+              </a:rPr>
+              <a:t>()</a:t>
+            </a:r>
+            <a:r>
+              <a:rPr lang="pt-BR" sz="1200" b="0" i="0" u="none" strike="noStrike" kern="1200" baseline="0" dirty="0" smtClean="0">
+                <a:solidFill>
+                  <a:schemeClr val="tx1"/>
+                </a:solidFill>
+                <a:latin typeface="+mn-lt"/>
+                <a:ea typeface="+mn-ea"/>
+                <a:cs typeface="+mn-cs"/>
+              </a:rPr>
+              <a:t> que dependendo da requisição ele redireciona para o método em questão, por isso nós reescrevemos o os métodos em nosso </a:t>
+            </a:r>
+            <a:r>
+              <a:rPr lang="pt-BR" sz="1200" b="0" i="0" u="none" strike="noStrike" kern="1200" baseline="0" dirty="0" err="1" smtClean="0">
+                <a:solidFill>
+                  <a:schemeClr val="tx1"/>
+                </a:solidFill>
+                <a:latin typeface="+mn-lt"/>
+                <a:ea typeface="+mn-ea"/>
+                <a:cs typeface="+mn-cs"/>
+              </a:rPr>
+              <a:t>WebServlet</a:t>
+            </a:r>
+            <a:r>
+              <a:rPr lang="pt-BR" sz="1200" b="0" i="0" u="none" strike="noStrike" kern="1200" baseline="0" dirty="0" smtClean="0">
+                <a:solidFill>
+                  <a:schemeClr val="tx1"/>
+                </a:solidFill>
+                <a:latin typeface="+mn-lt"/>
+                <a:ea typeface="+mn-ea"/>
+                <a:cs typeface="+mn-cs"/>
+              </a:rPr>
               <a:t>.</a:t>
             </a:r>
-            <a:endParaRPr lang="pt-BR" sz="1200" kern="0" dirty="0"/>
+            <a:endParaRPr kumimoji="0" lang="pt-BR" sz="1200" b="0" i="0" u="none" strike="noStrike" kern="0" cap="none" spc="0" normalizeH="0" baseline="0" dirty="0">
+              <a:ln>
+                <a:noFill/>
+              </a:ln>
+              <a:solidFill>
+                <a:schemeClr val="tx1"/>
+              </a:solidFill>
+              <a:effectLst/>
+              <a:uLnTx/>
+              <a:uFillTx/>
+            </a:endParaRPr>
           </a:p>
         </p:txBody>
       </p:sp>
@@ -1790,24 +1576,89 @@
           <a:bodyPr/>
           <a:lstStyle/>
           <a:p>
-            <a:pPr marL="0" marR="0" lvl="0" indent="0" algn="l" defTabSz="914400" rtl="0" eaLnBrk="1" fontAlgn="auto" latinLnBrk="0" hangingPunct="1">
-              <a:lnSpc>
-                <a:spcPct val="100000"/>
-              </a:lnSpc>
+            <a:pPr marL="342900" lvl="0" indent="-342900">
               <a:spcBef>
-                <a:spcPts val="0"/>
+                <a:spcPct val="20000"/>
               </a:spcBef>
-              <a:spcAft>
-                <a:spcPts val="0"/>
-              </a:spcAft>
-              <a:buClrTx/>
-              <a:buSzTx/>
-              <a:buFontTx/>
+              <a:buFont typeface="Arial"/>
+              <a:buChar char="•"/>
+              <a:defRPr lang="pt-BR"/>
+            </a:pPr>
+            <a:r>
+              <a:rPr lang="pt-BR" sz="2400" kern="0" dirty="0" smtClean="0"/>
+              <a:t>Requisição: </a:t>
+            </a:r>
+          </a:p>
+          <a:p>
+            <a:pPr lvl="1">
+              <a:spcBef>
+                <a:spcPct val="20000"/>
+              </a:spcBef>
+              <a:defRPr lang="pt-BR"/>
+            </a:pPr>
+            <a:r>
+              <a:rPr lang="pt-BR" sz="2400" kern="0" dirty="0" smtClean="0"/>
+              <a:t>São os dados referente a requisição feita pelo cliente</a:t>
+            </a:r>
+          </a:p>
+          <a:p>
+            <a:pPr marL="342900" lvl="0" indent="-342900">
+              <a:spcBef>
+                <a:spcPct val="20000"/>
+              </a:spcBef>
+              <a:buFont typeface="Arial"/>
+              <a:buChar char="•"/>
+              <a:defRPr lang="pt-BR"/>
+            </a:pPr>
+            <a:r>
+              <a:rPr kumimoji="0" lang="pt-BR" sz="1200" b="0" i="0" u="none" strike="noStrike" kern="0" cap="none" spc="0" normalizeH="0" baseline="0" dirty="0" smtClean="0">
+                <a:ln>
+                  <a:noFill/>
+                </a:ln>
+                <a:solidFill>
+                  <a:schemeClr val="tx1"/>
+                </a:solidFill>
+                <a:effectLst/>
+                <a:uLnTx/>
+                <a:uFillTx/>
+              </a:rPr>
+              <a:t>Resposta:</a:t>
+            </a:r>
+          </a:p>
+          <a:p>
+            <a:pPr marL="457200" lvl="1" indent="0">
+              <a:spcBef>
+                <a:spcPct val="20000"/>
+              </a:spcBef>
+              <a:buFont typeface="Arial"/>
               <a:buNone/>
-              <a:tabLst/>
-              <a:defRPr/>
+              <a:defRPr lang="pt-BR"/>
             </a:pPr>
-            <a:endParaRPr lang="pt-BR" sz="1200" kern="0" dirty="0"/>
+            <a:r>
+              <a:rPr kumimoji="0" lang="pt-BR" sz="1200" b="0" i="0" u="none" strike="noStrike" kern="0" cap="none" spc="0" normalizeH="0" baseline="0" dirty="0" smtClean="0">
+                <a:ln>
+                  <a:noFill/>
+                </a:ln>
+                <a:solidFill>
+                  <a:schemeClr val="tx1"/>
+                </a:solidFill>
+                <a:effectLst/>
+                <a:uLnTx/>
+                <a:uFillTx/>
+              </a:rPr>
+              <a:t>São dados referente a resposta do servidor</a:t>
+            </a:r>
+            <a:endParaRPr kumimoji="0" lang="pt-BR" sz="1200" b="0" i="0" u="none" strike="noStrike" kern="0" cap="none" spc="0" normalizeH="0" baseline="0" dirty="0">
+              <a:ln>
+                <a:noFill/>
+              </a:ln>
+              <a:solidFill>
+                <a:schemeClr val="tx1"/>
+              </a:solidFill>
+              <a:effectLst/>
+              <a:uLnTx/>
+              <a:uFillTx/>
+            </a:endParaRPr>
           </a:p>
         </p:txBody>
       </p:sp>
@@ -1887,253 +1738,63 @@
           <a:bodyPr/>
           <a:lstStyle/>
           <a:p>
-            <a:pPr marL="0" marR="0" lvl="0" indent="0" algn="l" defTabSz="914400" rtl="0" eaLnBrk="1" fontAlgn="auto" latinLnBrk="0" hangingPunct="1">
-              <a:lnSpc>
-                <a:spcPct val="100000"/>
-              </a:lnSpc>
-              <a:spcBef>
-                <a:spcPts val="0"/>
-              </a:spcBef>
-              <a:spcAft>
-                <a:spcPts val="0"/>
-              </a:spcAft>
-              <a:buClrTx/>
-              <a:buSzTx/>
-              <a:buFontTx/>
-              <a:buNone/>
-              <a:tabLst/>
-              <a:defRPr/>
-            </a:pPr>
-            <a:r>
-              <a:rPr lang="pt-BR" sz="1200" kern="0" dirty="0"/>
-              <a:t>O</a:t>
-            </a:r>
-            <a:r>
-              <a:rPr lang="pt-BR" sz="1200" kern="0" baseline="0" dirty="0"/>
-              <a:t> que é um Framework </a:t>
-            </a:r>
-            <a:r>
-              <a:rPr lang="pt-BR" sz="1200" dirty="0"/>
-              <a:t>?</a:t>
-            </a:r>
-          </a:p>
-          <a:p>
-            <a:pPr marL="0" marR="0" lvl="0" indent="0" algn="l" defTabSz="914400" rtl="0" eaLnBrk="1" fontAlgn="auto" latinLnBrk="0" hangingPunct="1">
-              <a:lnSpc>
-                <a:spcPct val="100000"/>
-              </a:lnSpc>
-              <a:spcBef>
-                <a:spcPts val="0"/>
-              </a:spcBef>
-              <a:spcAft>
-                <a:spcPts val="0"/>
-              </a:spcAft>
-              <a:buClrTx/>
-              <a:buSzTx/>
-              <a:buFontTx/>
-              <a:buNone/>
-              <a:tabLst/>
-              <a:defRPr/>
-            </a:pPr>
-            <a:r>
-              <a:rPr lang="pt-BR" sz="1200" kern="0" dirty="0"/>
-              <a:t>O que</a:t>
-            </a:r>
-            <a:r>
-              <a:rPr lang="pt-BR" sz="1200" kern="0" baseline="0" dirty="0"/>
-              <a:t> é uma API </a:t>
-            </a:r>
-            <a:r>
-              <a:rPr lang="pt-BR" sz="1200" dirty="0"/>
-              <a:t>?</a:t>
-            </a:r>
-            <a:endParaRPr lang="pt-BR" sz="1200" kern="0" dirty="0"/>
-          </a:p>
-          <a:p>
-            <a:pPr marL="0" marR="0" lvl="0" indent="0" algn="l" defTabSz="914400" rtl="0" eaLnBrk="1" fontAlgn="auto" latinLnBrk="0" hangingPunct="1">
-              <a:lnSpc>
-                <a:spcPct val="100000"/>
-              </a:lnSpc>
-              <a:spcBef>
-                <a:spcPts val="0"/>
-              </a:spcBef>
-              <a:spcAft>
-                <a:spcPts val="0"/>
-              </a:spcAft>
-              <a:buClrTx/>
-              <a:buSzTx/>
-              <a:buFontTx/>
-              <a:buNone/>
-              <a:tabLst/>
-              <a:defRPr/>
-            </a:pPr>
-            <a:r>
-              <a:rPr lang="pt-BR" sz="1200" kern="0" dirty="0"/>
-              <a:t>Chamar atenção</a:t>
-            </a:r>
-            <a:r>
-              <a:rPr lang="pt-BR" sz="1200" kern="0" baseline="0" dirty="0"/>
-              <a:t> para a importância desse ponto para o mercado de trabalho.</a:t>
-            </a:r>
-          </a:p>
-          <a:p>
-            <a:pPr marL="0" marR="0" lvl="0" indent="0" algn="l" defTabSz="914400" rtl="0" eaLnBrk="1" fontAlgn="auto" latinLnBrk="0" hangingPunct="1">
-              <a:lnSpc>
-                <a:spcPct val="100000"/>
-              </a:lnSpc>
-              <a:spcBef>
-                <a:spcPts val="0"/>
-              </a:spcBef>
-              <a:spcAft>
-                <a:spcPts val="0"/>
-              </a:spcAft>
-              <a:buClrTx/>
-              <a:buSzTx/>
-              <a:buFontTx/>
-              <a:buNone/>
-              <a:tabLst/>
-              <a:defRPr/>
-            </a:pPr>
-            <a:endParaRPr lang="pt-BR" sz="1200" kern="0" baseline="0" dirty="0"/>
-          </a:p>
-          <a:p>
-            <a:pPr marL="0" marR="0" lvl="0" indent="0" algn="l" defTabSz="914400" rtl="0" eaLnBrk="1" fontAlgn="auto" latinLnBrk="0" hangingPunct="1">
-              <a:lnSpc>
-                <a:spcPct val="100000"/>
-              </a:lnSpc>
-              <a:spcBef>
-                <a:spcPts val="0"/>
-              </a:spcBef>
-              <a:spcAft>
-                <a:spcPts val="0"/>
-              </a:spcAft>
-              <a:buClrTx/>
-              <a:buSzTx/>
-              <a:buFontTx/>
-              <a:buNone/>
-              <a:tabLst/>
-              <a:defRPr/>
-            </a:pPr>
-            <a:r>
-              <a:rPr lang="pt-BR" sz="1200" kern="0" baseline="0" dirty="0"/>
-              <a:t>Camada web ou front: JSF, JSP, JSTL, JAVA SERVLETS</a:t>
-            </a:r>
-          </a:p>
-          <a:p>
-            <a:pPr marL="0" marR="0" lvl="0" indent="0" algn="l" defTabSz="914400" rtl="0" eaLnBrk="1" fontAlgn="auto" latinLnBrk="0" hangingPunct="1">
-              <a:lnSpc>
-                <a:spcPct val="100000"/>
-              </a:lnSpc>
-              <a:spcBef>
-                <a:spcPts val="0"/>
-              </a:spcBef>
-              <a:spcAft>
-                <a:spcPts val="0"/>
-              </a:spcAft>
-              <a:buClrTx/>
-              <a:buSzTx/>
-              <a:buFontTx/>
-              <a:buNone/>
-              <a:tabLst/>
-              <a:defRPr/>
-            </a:pPr>
-            <a:r>
-              <a:rPr lang="pt-BR" sz="1200" kern="0" baseline="0" dirty="0"/>
-              <a:t>Camada de negócios: EJB</a:t>
-            </a:r>
-          </a:p>
-          <a:p>
-            <a:pPr marL="0" marR="0" lvl="0" indent="0" algn="l" defTabSz="914400" rtl="0" eaLnBrk="1" fontAlgn="auto" latinLnBrk="0" hangingPunct="1">
-              <a:lnSpc>
-                <a:spcPct val="100000"/>
-              </a:lnSpc>
-              <a:spcBef>
-                <a:spcPts val="0"/>
-              </a:spcBef>
-              <a:spcAft>
-                <a:spcPts val="0"/>
-              </a:spcAft>
-              <a:buClrTx/>
-              <a:buSzTx/>
-              <a:buFontTx/>
-              <a:buNone/>
-              <a:tabLst/>
-              <a:defRPr/>
-            </a:pPr>
-            <a:r>
-              <a:rPr lang="pt-BR" sz="1200" kern="0" dirty="0"/>
-              <a:t>Camada de persistência: JPA, JTA, JDBC</a:t>
-            </a:r>
-          </a:p>
-          <a:p>
-            <a:pPr marL="0" marR="0" lvl="0" indent="0" algn="l" defTabSz="914400" rtl="0" eaLnBrk="1" fontAlgn="auto" latinLnBrk="0" hangingPunct="1">
-              <a:lnSpc>
-                <a:spcPct val="100000"/>
-              </a:lnSpc>
-              <a:spcBef>
-                <a:spcPts val="0"/>
-              </a:spcBef>
-              <a:spcAft>
-                <a:spcPts val="0"/>
-              </a:spcAft>
-              <a:buClrTx/>
-              <a:buSzTx/>
-              <a:buFontTx/>
-              <a:buNone/>
-              <a:tabLst/>
-              <a:defRPr/>
-            </a:pPr>
-            <a:r>
-              <a:rPr lang="pt-BR" sz="1200" kern="0" baseline="0" dirty="0"/>
-              <a:t>Camada de serviço: JAX-RS</a:t>
-            </a:r>
-          </a:p>
-          <a:p>
-            <a:pPr marL="0" marR="0" lvl="0" indent="0" algn="l" defTabSz="914400" rtl="0" eaLnBrk="1" fontAlgn="auto" latinLnBrk="0" hangingPunct="1">
-              <a:lnSpc>
-                <a:spcPct val="100000"/>
-              </a:lnSpc>
-              <a:spcBef>
-                <a:spcPts val="0"/>
-              </a:spcBef>
-              <a:spcAft>
-                <a:spcPts val="0"/>
-              </a:spcAft>
-              <a:buClrTx/>
-              <a:buSzTx/>
-              <a:buFontTx/>
-              <a:buNone/>
-              <a:tabLst/>
-              <a:defRPr/>
-            </a:pPr>
-            <a:r>
-              <a:rPr lang="pt-BR" sz="1200" kern="0" baseline="0" dirty="0"/>
-              <a:t>Camada de validação: JAVA BENS VALIDATION</a:t>
-            </a:r>
-          </a:p>
-          <a:p>
-            <a:pPr marL="0" marR="0" lvl="0" indent="0" algn="l" defTabSz="914400" rtl="0" eaLnBrk="1" fontAlgn="auto" latinLnBrk="0" hangingPunct="1">
-              <a:lnSpc>
-                <a:spcPct val="100000"/>
-              </a:lnSpc>
-              <a:spcBef>
-                <a:spcPts val="0"/>
-              </a:spcBef>
-              <a:spcAft>
-                <a:spcPts val="0"/>
-              </a:spcAft>
-              <a:buClrTx/>
-              <a:buSzTx/>
-              <a:buFontTx/>
-              <a:buNone/>
-              <a:tabLst/>
-              <a:defRPr/>
-            </a:pPr>
-            <a:r>
-              <a:rPr lang="pt-BR" sz="1200" kern="0" baseline="0" dirty="0"/>
-              <a:t>Segurança: JAAS</a:t>
-            </a:r>
-            <a:endParaRPr lang="pt-BR" sz="1200" kern="0" dirty="0"/>
+            <a:r>
+              <a:rPr lang="pt-BR" sz="1200" b="0" i="0" u="none" strike="noStrike" kern="1200" baseline="0" dirty="0" smtClean="0">
+                <a:solidFill>
+                  <a:schemeClr val="tx1"/>
+                </a:solidFill>
+                <a:latin typeface="+mn-lt"/>
+                <a:ea typeface="+mn-ea"/>
+                <a:cs typeface="+mn-cs"/>
+              </a:rPr>
+              <a:t>O </a:t>
+            </a:r>
+            <a:r>
+              <a:rPr lang="pt-BR" sz="1200" b="0" i="0" u="none" strike="noStrike" kern="1200" baseline="0" dirty="0" err="1" smtClean="0">
+                <a:solidFill>
+                  <a:schemeClr val="tx1"/>
+                </a:solidFill>
+                <a:latin typeface="+mn-lt"/>
+                <a:ea typeface="+mn-ea"/>
+                <a:cs typeface="+mn-cs"/>
+              </a:rPr>
+              <a:t>servlet</a:t>
+            </a:r>
+            <a:r>
+              <a:rPr lang="pt-BR" sz="1200" b="0" i="0" u="none" strike="noStrike" kern="1200" baseline="0" dirty="0" smtClean="0">
+                <a:solidFill>
+                  <a:schemeClr val="tx1"/>
+                </a:solidFill>
+                <a:latin typeface="+mn-lt"/>
+                <a:ea typeface="+mn-ea"/>
+                <a:cs typeface="+mn-cs"/>
+              </a:rPr>
+              <a:t> permanece ativo até que seja destruído (isto depende de política do container ou</a:t>
+            </a:r>
+          </a:p>
+          <a:p>
+            <a:r>
+              <a:rPr lang="pt-BR" sz="1200" b="0" i="0" u="none" strike="noStrike" kern="1200" baseline="0" dirty="0" smtClean="0">
+                <a:solidFill>
+                  <a:schemeClr val="tx1"/>
+                </a:solidFill>
+                <a:latin typeface="+mn-lt"/>
+                <a:ea typeface="+mn-ea"/>
+                <a:cs typeface="+mn-cs"/>
+              </a:rPr>
+              <a:t>servidor).</a:t>
+            </a:r>
+            <a:endParaRPr kumimoji="0" lang="pt-BR" sz="1200" b="0" i="0" u="none" strike="noStrike" kern="0" cap="none" spc="0" normalizeH="0" baseline="0" dirty="0">
+              <a:ln>
+                <a:noFill/>
+              </a:ln>
+              <a:solidFill>
+                <a:schemeClr val="tx1"/>
+              </a:solidFill>
+              <a:effectLst/>
+              <a:uLnTx/>
+              <a:uFillTx/>
+            </a:endParaRPr>
           </a:p>
         </p:txBody>
       </p:sp>
@@ -2213,333 +1874,6 @@
           <a:bodyPr/>
           <a:lstStyle/>
           <a:p>
-            <a:pPr marL="1257300" lvl="2" indent="-342900">
-              <a:spcBef>
-                <a:spcPct val="20000"/>
-              </a:spcBef>
-              <a:buFont typeface="Arial"/>
-              <a:buChar char="•"/>
-              <a:defRPr lang="pt-BR"/>
-            </a:pPr>
-            <a:r>
-              <a:rPr lang="pt-BR" sz="1000" b="0" i="0" kern="1200" dirty="0">
-                <a:solidFill>
-                  <a:schemeClr val="tx1"/>
-                </a:solidFill>
-                <a:effectLst/>
-                <a:latin typeface="+mn-lt"/>
-                <a:ea typeface="+mn-ea"/>
-                <a:cs typeface="+mn-cs"/>
-              </a:rPr>
-              <a:t>É</a:t>
-            </a:r>
-            <a:r>
-              <a:rPr lang="pt-BR" sz="1000" b="0" i="0" kern="1200" baseline="0" dirty="0">
-                <a:solidFill>
-                  <a:schemeClr val="tx1"/>
-                </a:solidFill>
-                <a:effectLst/>
-                <a:latin typeface="+mn-lt"/>
-                <a:ea typeface="+mn-ea"/>
-                <a:cs typeface="+mn-cs"/>
-              </a:rPr>
-              <a:t> IMPORTANDE ENTENDER AS CAMADAS !</a:t>
-            </a:r>
-            <a:endParaRPr lang="pt-BR" sz="1000" b="0" i="0" kern="1200" dirty="0">
-              <a:solidFill>
-                <a:schemeClr val="tx1"/>
-              </a:solidFill>
-              <a:effectLst/>
-              <a:latin typeface="+mn-lt"/>
-              <a:ea typeface="+mn-ea"/>
-              <a:cs typeface="+mn-cs"/>
-            </a:endParaRPr>
-          </a:p>
-          <a:p>
-            <a:pPr marL="342900" lvl="0" indent="-342900">
-              <a:spcBef>
-                <a:spcPct val="20000"/>
-              </a:spcBef>
-              <a:buFont typeface="Arial"/>
-              <a:buChar char="•"/>
-              <a:defRPr lang="pt-BR"/>
-            </a:pPr>
-            <a:r>
-              <a:rPr lang="pt-BR" sz="1000" b="0" i="0" kern="1200" dirty="0">
-                <a:solidFill>
-                  <a:schemeClr val="tx1"/>
-                </a:solidFill>
-                <a:effectLst/>
-                <a:latin typeface="+mn-lt"/>
-                <a:ea typeface="+mn-ea"/>
-                <a:cs typeface="+mn-cs"/>
-              </a:rPr>
-              <a:t>Cliente: Estão na camada cliente softwares que rodam dentro do browser web, por exemplo, como páginas HTML, </a:t>
-            </a:r>
-            <a:r>
-              <a:rPr lang="pt-BR" sz="1000" b="0" i="0" kern="1200" dirty="0" err="1">
-                <a:solidFill>
-                  <a:schemeClr val="tx1"/>
-                </a:solidFill>
-                <a:effectLst/>
-                <a:latin typeface="+mn-lt"/>
-                <a:ea typeface="+mn-ea"/>
-                <a:cs typeface="+mn-cs"/>
-              </a:rPr>
-              <a:t>JavaScript</a:t>
-            </a:r>
-            <a:r>
-              <a:rPr lang="pt-BR" sz="1000" b="0" i="0" kern="1200" dirty="0">
-                <a:solidFill>
-                  <a:schemeClr val="tx1"/>
-                </a:solidFill>
-                <a:effectLst/>
-                <a:latin typeface="+mn-lt"/>
-                <a:ea typeface="+mn-ea"/>
-                <a:cs typeface="+mn-cs"/>
-              </a:rPr>
-              <a:t>, CSS, etc. </a:t>
-            </a:r>
-          </a:p>
-          <a:p>
-            <a:pPr marL="342900" lvl="0" indent="-342900">
-              <a:spcBef>
-                <a:spcPct val="20000"/>
-              </a:spcBef>
-              <a:buFont typeface="Arial"/>
-              <a:buChar char="•"/>
-              <a:defRPr lang="pt-BR"/>
-            </a:pPr>
-            <a:r>
-              <a:rPr lang="pt-BR" sz="1000" dirty="0"/>
-              <a:t>Web: </a:t>
-            </a:r>
-            <a:r>
-              <a:rPr lang="pt-BR" sz="1200" b="0" i="0" kern="1200" dirty="0">
-                <a:solidFill>
-                  <a:schemeClr val="tx1"/>
-                </a:solidFill>
-                <a:effectLst/>
-                <a:latin typeface="+mn-lt"/>
-                <a:ea typeface="+mn-ea"/>
-                <a:cs typeface="+mn-cs"/>
-              </a:rPr>
-              <a:t>Nessa camada estão os </a:t>
-            </a:r>
-            <a:r>
-              <a:rPr lang="pt-BR" sz="1200" b="0" i="0" kern="1200" dirty="0" err="1">
-                <a:solidFill>
-                  <a:schemeClr val="tx1"/>
-                </a:solidFill>
-                <a:effectLst/>
-                <a:latin typeface="+mn-lt"/>
-                <a:ea typeface="+mn-ea"/>
-                <a:cs typeface="+mn-cs"/>
-              </a:rPr>
-              <a:t>JSPs</a:t>
-            </a:r>
-            <a:r>
-              <a:rPr lang="pt-BR" sz="1200" b="0" i="0" kern="1200" dirty="0">
-                <a:solidFill>
-                  <a:schemeClr val="tx1"/>
-                </a:solidFill>
-                <a:effectLst/>
-                <a:latin typeface="+mn-lt"/>
-                <a:ea typeface="+mn-ea"/>
-                <a:cs typeface="+mn-cs"/>
-              </a:rPr>
-              <a:t>, </a:t>
-            </a:r>
-            <a:r>
-              <a:rPr lang="pt-BR" sz="1200" b="0" i="0" kern="1200" dirty="0" err="1">
-                <a:solidFill>
-                  <a:schemeClr val="tx1"/>
-                </a:solidFill>
-                <a:effectLst/>
-                <a:latin typeface="+mn-lt"/>
-                <a:ea typeface="+mn-ea"/>
-                <a:cs typeface="+mn-cs"/>
-              </a:rPr>
-              <a:t>servlets</a:t>
-            </a:r>
-            <a:r>
-              <a:rPr lang="pt-BR" sz="1200" b="0" i="0" kern="1200" dirty="0">
-                <a:solidFill>
-                  <a:schemeClr val="tx1"/>
-                </a:solidFill>
-                <a:effectLst/>
-                <a:latin typeface="+mn-lt"/>
-                <a:ea typeface="+mn-ea"/>
-                <a:cs typeface="+mn-cs"/>
-              </a:rPr>
-              <a:t>, rodam num servidor web como o </a:t>
-            </a:r>
-            <a:r>
-              <a:rPr lang="pt-BR" sz="1200" b="0" i="0" kern="1200" dirty="0" err="1">
-                <a:solidFill>
-                  <a:schemeClr val="tx1"/>
-                </a:solidFill>
-                <a:effectLst/>
-                <a:latin typeface="+mn-lt"/>
-                <a:ea typeface="+mn-ea"/>
-                <a:cs typeface="+mn-cs"/>
-              </a:rPr>
-              <a:t>Tomcat</a:t>
-            </a:r>
-            <a:r>
-              <a:rPr lang="pt-BR" sz="1200" b="0" i="0" kern="1200" dirty="0">
-                <a:solidFill>
-                  <a:schemeClr val="tx1"/>
-                </a:solidFill>
-                <a:effectLst/>
-                <a:latin typeface="+mn-lt"/>
-                <a:ea typeface="+mn-ea"/>
-                <a:cs typeface="+mn-cs"/>
-              </a:rPr>
-              <a:t>, por exemplo. Normalmente, empacotado em um arquivo WAR (Web </a:t>
-            </a:r>
-            <a:r>
-              <a:rPr lang="pt-BR" sz="1200" b="0" i="0" kern="1200" dirty="0" err="1">
-                <a:solidFill>
-                  <a:schemeClr val="tx1"/>
-                </a:solidFill>
-                <a:effectLst/>
-                <a:latin typeface="+mn-lt"/>
-                <a:ea typeface="+mn-ea"/>
-                <a:cs typeface="+mn-cs"/>
-              </a:rPr>
-              <a:t>Archive</a:t>
-            </a:r>
-            <a:r>
-              <a:rPr lang="pt-BR" sz="1200" b="0" i="0" kern="1200" dirty="0">
-                <a:solidFill>
-                  <a:schemeClr val="tx1"/>
-                </a:solidFill>
-                <a:effectLst/>
-                <a:latin typeface="+mn-lt"/>
-                <a:ea typeface="+mn-ea"/>
-                <a:cs typeface="+mn-cs"/>
-              </a:rPr>
-              <a:t>).</a:t>
-            </a:r>
-          </a:p>
-          <a:p>
-            <a:pPr marL="342900" lvl="0" indent="-342900">
-              <a:spcBef>
-                <a:spcPct val="20000"/>
-              </a:spcBef>
-              <a:buFont typeface="Arial"/>
-              <a:buChar char="•"/>
-              <a:defRPr lang="pt-BR"/>
-            </a:pPr>
-            <a:r>
-              <a:rPr lang="pt-BR" sz="1200" b="0" i="0" kern="1200" dirty="0">
-                <a:solidFill>
-                  <a:schemeClr val="tx1"/>
-                </a:solidFill>
-                <a:effectLst/>
-                <a:latin typeface="+mn-lt"/>
-                <a:ea typeface="+mn-ea"/>
-                <a:cs typeface="+mn-cs"/>
-              </a:rPr>
-              <a:t>Negócios:</a:t>
-            </a:r>
-            <a:r>
-              <a:rPr lang="pt-BR" sz="1200" b="0" i="0" kern="1200" baseline="0" dirty="0">
-                <a:solidFill>
-                  <a:schemeClr val="tx1"/>
-                </a:solidFill>
-                <a:effectLst/>
-                <a:latin typeface="+mn-lt"/>
-                <a:ea typeface="+mn-ea"/>
-                <a:cs typeface="+mn-cs"/>
-              </a:rPr>
-              <a:t> </a:t>
-            </a:r>
-            <a:r>
-              <a:rPr lang="pt-BR" sz="1200" b="0" i="0" kern="1200" dirty="0">
-                <a:solidFill>
-                  <a:schemeClr val="tx1"/>
-                </a:solidFill>
-                <a:effectLst/>
-                <a:latin typeface="+mn-lt"/>
-                <a:ea typeface="+mn-ea"/>
-                <a:cs typeface="+mn-cs"/>
-              </a:rPr>
-              <a:t>Nessa camada Ficam os </a:t>
-            </a:r>
-            <a:r>
-              <a:rPr lang="pt-BR" sz="1200" b="0" i="0" kern="1200" dirty="0" err="1">
-                <a:solidFill>
-                  <a:schemeClr val="tx1"/>
-                </a:solidFill>
-                <a:effectLst/>
-                <a:latin typeface="+mn-lt"/>
-                <a:ea typeface="+mn-ea"/>
-                <a:cs typeface="+mn-cs"/>
-              </a:rPr>
-              <a:t>EJBs</a:t>
-            </a:r>
-            <a:r>
-              <a:rPr lang="pt-BR" sz="1200" b="0" i="0" kern="1200" dirty="0">
-                <a:solidFill>
-                  <a:schemeClr val="tx1"/>
-                </a:solidFill>
-                <a:effectLst/>
-                <a:latin typeface="+mn-lt"/>
-                <a:ea typeface="+mn-ea"/>
-                <a:cs typeface="+mn-cs"/>
-              </a:rPr>
-              <a:t>, classes de negócio, </a:t>
-            </a:r>
-            <a:r>
-              <a:rPr lang="pt-BR" sz="1200" b="0" i="0" kern="1200" dirty="0" err="1">
-                <a:solidFill>
-                  <a:schemeClr val="tx1"/>
-                </a:solidFill>
-                <a:effectLst/>
-                <a:latin typeface="+mn-lt"/>
-                <a:ea typeface="+mn-ea"/>
-                <a:cs typeface="+mn-cs"/>
-              </a:rPr>
-              <a:t>DAOs</a:t>
-            </a:r>
-            <a:r>
-              <a:rPr lang="pt-BR" sz="1200" b="0" i="0" kern="1200" dirty="0">
-                <a:solidFill>
-                  <a:schemeClr val="tx1"/>
-                </a:solidFill>
-                <a:effectLst/>
-                <a:latin typeface="+mn-lt"/>
-                <a:ea typeface="+mn-ea"/>
-                <a:cs typeface="+mn-cs"/>
-              </a:rPr>
-              <a:t>, classes que acessam sistemas externos, etc.</a:t>
-            </a:r>
-          </a:p>
-          <a:p>
-            <a:pPr marL="342900" lvl="0" indent="-342900">
-              <a:spcBef>
-                <a:spcPct val="20000"/>
-              </a:spcBef>
-              <a:buFont typeface="Arial"/>
-              <a:buChar char="•"/>
-              <a:defRPr lang="pt-BR"/>
-            </a:pPr>
-            <a:r>
-              <a:rPr lang="pt-BR" sz="1200" b="0" i="0" kern="1200" dirty="0">
-                <a:solidFill>
-                  <a:schemeClr val="tx1"/>
-                </a:solidFill>
-                <a:effectLst/>
-                <a:latin typeface="+mn-lt"/>
-                <a:ea typeface="+mn-ea"/>
-                <a:cs typeface="+mn-cs"/>
-              </a:rPr>
-              <a:t>Dados: Nessa camada ficam as tabelas de bancos de dados, índices e tudo mais que o servidor de banco suporta. </a:t>
-            </a:r>
-          </a:p>
-          <a:p>
             <a:pPr marL="0" lvl="0" indent="0">
               <a:spcBef>
                 <a:spcPct val="20000"/>
@@ -2585,6 +1919,11 @@
         </p:txBody>
       </p:sp>
     </p:spTree>
+    <p:extLst>
+      <p:ext uri="{BB962C8B-B14F-4D97-AF65-F5344CB8AC3E}">
+        <p14:creationId xmlns:p14="http://schemas.microsoft.com/office/powerpoint/2010/main" val="383213248"/>
+      </p:ext>
+    </p:extLst>
   </p:cSld>
   <p:clrMapOvr>
     <a:masterClrMapping/>
@@ -2636,23 +1975,15 @@
           <a:bodyPr/>
           <a:lstStyle/>
           <a:p>
-            <a:pPr marL="0" lvl="0" indent="0">
+            <a:pPr marL="342900" lvl="0" indent="-342900">
               <a:spcBef>
                 <a:spcPct val="20000"/>
               </a:spcBef>
               <a:buFont typeface="Arial"/>
-              <a:buNone/>
+              <a:buChar char="•"/>
               <a:defRPr lang="pt-BR"/>
             </a:pPr>
-            <a:endParaRPr lang="pt-BR" sz="1200" b="0" i="0" kern="1200" dirty="0">
-              <a:solidFill>
-                <a:schemeClr val="tx1"/>
-              </a:solidFill>
-              <a:effectLst/>
-              <a:latin typeface="+mn-lt"/>
-              <a:ea typeface="+mn-ea"/>
-              <a:cs typeface="+mn-cs"/>
-            </a:endParaRPr>
+            <a:endParaRPr lang="pt-BR" dirty="0"/>
           </a:p>
         </p:txBody>
       </p:sp>
@@ -2683,7 +2014,7 @@
     </p:spTree>
     <p:extLst>
       <p:ext uri="{BB962C8B-B14F-4D97-AF65-F5344CB8AC3E}">
-        <p14:creationId xmlns:p14="http://schemas.microsoft.com/office/powerpoint/2010/main" val="383213248"/>
+        <p14:creationId xmlns:p14="http://schemas.microsoft.com/office/powerpoint/2010/main" val="2477212209"/>
       </p:ext>
     </p:extLst>
   </p:cSld>
@@ -8550,13 +7881,18 @@
           <a:lstStyle/>
           <a:p>
             <a:r>
-              <a:rPr lang="pt-BR" dirty="0">
+              <a:rPr lang="pt-BR" dirty="0" err="1" smtClean="0">
                 <a:solidFill>
                   <a:schemeClr val="tx1"/>
                 </a:solidFill>
               </a:rPr>
-              <a:t>JAVA EE</a:t>
-            </a:r>
+              <a:t>Servlets</a:t>
+            </a:r>
+            <a:endParaRPr lang="pt-BR" dirty="0">
+              <a:solidFill>
+                <a:schemeClr val="tx1"/>
+              </a:solidFill>
+            </a:endParaRPr>
           </a:p>
         </p:txBody>
       </p:sp>
@@ -8606,7 +7942,7 @@
           <p:cNvPr id="11" name="Rectangle 8">
             <a:extLst>
               <a:ext uri="{FF2B5EF4-FFF2-40B4-BE49-F238E27FC236}">
-                <a16:creationId xmlns:a16="http://schemas.microsoft.com/office/drawing/2014/main" xmlns="" id="{E1F0AA30-9C1D-4249-8068-4A45331D9230}"/>
+                <a16:creationId xmlns="" xmlns:a16="http://schemas.microsoft.com/office/drawing/2014/main" id="{E1F0AA30-9C1D-4249-8068-4A45331D9230}"/>
               </a:ext>
             </a:extLst>
           </p:cNvPr>
@@ -8785,11 +8121,7 @@
             </a:r>
             <a:r>
               <a:rPr lang="pt-BR" sz="2400" kern="0" dirty="0" smtClean="0"/>
-              <a:t>		</a:t>
-            </a:r>
-            <a:r>
-              <a:rPr lang="pt-BR" sz="2400" kern="0" dirty="0" smtClean="0"/>
-              <a:t>Davi </a:t>
+              <a:t>		Davi </a:t>
             </a:r>
             <a:r>
               <a:rPr lang="pt-BR" sz="2400" kern="0" dirty="0"/>
@@ -8860,7 +8192,7 @@
           <p:cNvPr id="7" name="Retângulo 6">
             <a:extLst>
               <a:ext uri="{FF2B5EF4-FFF2-40B4-BE49-F238E27FC236}">
-                <a16:creationId xmlns:a16="http://schemas.microsoft.com/office/drawing/2014/main" xmlns="" id="{DE871D51-6822-455D-8B97-7F37D0BA5BB9}"/>
+                <a16:creationId xmlns="" xmlns:a16="http://schemas.microsoft.com/office/drawing/2014/main" id="{DE871D51-6822-455D-8B97-7F37D0BA5BB9}"/>
               </a:ext>
             </a:extLst>
           </p:cNvPr>
@@ -8870,7 +8202,7 @@
         <p:spPr>
           <a:xfrm>
             <a:off x="685800" y="2703016"/>
-            <a:ext cx="7772400" cy="4154984"/>
+            <a:ext cx="7772400" cy="461665"/>
           </a:xfrm>
           <a:prstGeom prst="rect">
             <a:avLst/>
@@ -8883,259 +8215,14 @@
           <a:lstStyle/>
           <a:p>
             <a:pPr marL="457200" indent="-457200">
-              <a:buAutoNum type="arabicParenR"/>
-            </a:pPr>
-            <a:r>
-              <a:rPr lang="pt-BR" sz="2400" b="1" dirty="0" smtClean="0"/>
-              <a:t>Crie</a:t>
-            </a:r>
-            <a:r>
-              <a:rPr lang="pt-BR" sz="2400" b="1" dirty="0" smtClean="0"/>
-              <a:t> um </a:t>
-            </a:r>
-            <a:r>
-              <a:rPr lang="pt-BR" sz="2400" b="1" dirty="0"/>
-              <a:t>projeto </a:t>
-            </a:r>
-            <a:r>
-              <a:rPr lang="pt-BR" sz="2400" b="1" dirty="0" err="1"/>
-              <a:t>maven</a:t>
-            </a:r>
-            <a:r>
-              <a:rPr lang="pt-BR" sz="2400" b="1" dirty="0"/>
-              <a:t>, </a:t>
-            </a:r>
-            <a:r>
-              <a:rPr lang="pt-BR" sz="2400" b="1" dirty="0" smtClean="0"/>
-              <a:t>uma </a:t>
-            </a:r>
-            <a:r>
-              <a:rPr lang="pt-BR" sz="2400" b="1" dirty="0" err="1"/>
-              <a:t>servlet</a:t>
-            </a:r>
-            <a:r>
-              <a:rPr lang="pt-BR" sz="2400" b="1" dirty="0"/>
-              <a:t> </a:t>
-            </a:r>
-            <a:r>
-              <a:rPr lang="pt-BR" sz="2400" b="1" dirty="0" smtClean="0"/>
-              <a:t>com anotação </a:t>
-            </a:r>
-            <a:r>
-              <a:rPr lang="pt-BR" sz="2400" b="1" dirty="0"/>
-              <a:t>@</a:t>
-            </a:r>
-            <a:r>
-              <a:rPr lang="pt-BR" sz="2400" b="1" dirty="0" err="1"/>
-              <a:t>WebServlet</a:t>
-            </a:r>
-            <a:r>
-              <a:rPr lang="pt-BR" sz="2400" b="1" dirty="0"/>
-              <a:t> no seu </a:t>
-            </a:r>
-            <a:r>
-              <a:rPr lang="pt-BR" sz="2400" b="1" dirty="0" err="1"/>
-              <a:t>controller</a:t>
-            </a:r>
-            <a:r>
-              <a:rPr lang="pt-BR" sz="2400" b="1" dirty="0"/>
-              <a:t> e faça uma chamada via HTTP </a:t>
-            </a:r>
-            <a:r>
-              <a:rPr lang="pt-BR" sz="2400" b="1" dirty="0" smtClean="0"/>
-              <a:t>e retornar </a:t>
-            </a:r>
-            <a:r>
-              <a:rPr lang="pt-BR" sz="2400" b="1" dirty="0" smtClean="0"/>
-              <a:t>algum </a:t>
-            </a:r>
-            <a:r>
-              <a:rPr lang="pt-BR" sz="2400" b="1" dirty="0" smtClean="0"/>
-              <a:t>dado na </a:t>
-            </a:r>
-            <a:r>
-              <a:rPr lang="pt-BR" sz="2400" b="1" dirty="0"/>
-              <a:t>resposta.</a:t>
-            </a:r>
-          </a:p>
-          <a:p>
-            <a:r>
-              <a:rPr lang="pt-BR" sz="2400" b="1" dirty="0"/>
-              <a:t>Informações úteis:</a:t>
-            </a:r>
-          </a:p>
-          <a:p>
-            <a:r>
-              <a:rPr lang="pt-BR" sz="2400" b="1" dirty="0"/>
-              <a:t>	Versão do </a:t>
-            </a:r>
-            <a:r>
-              <a:rPr lang="pt-BR" sz="2400" b="1" dirty="0" err="1"/>
-              <a:t>java</a:t>
-            </a:r>
-            <a:r>
-              <a:rPr lang="pt-BR" sz="2400" b="1" dirty="0"/>
-              <a:t>: 1.8 </a:t>
-            </a:r>
-          </a:p>
-          <a:p>
-            <a:r>
-              <a:rPr lang="pt-BR" sz="2400" b="1" dirty="0"/>
-              <a:t>	Eclipse: </a:t>
-            </a:r>
-            <a:r>
-              <a:rPr lang="pt-BR" sz="2400" b="1" dirty="0" err="1"/>
-              <a:t>SimRel</a:t>
-            </a:r>
-            <a:r>
-              <a:rPr lang="pt-BR" sz="2400" b="1" dirty="0"/>
-              <a:t> 2018‑09 </a:t>
-            </a:r>
-          </a:p>
-          <a:p>
-            <a:r>
-              <a:rPr lang="pt-BR" sz="2400" b="1" dirty="0"/>
-              <a:t>	Servidor de aplicação: </a:t>
-            </a:r>
-            <a:r>
-              <a:rPr lang="pt-BR" sz="2400" b="1" dirty="0" err="1"/>
-              <a:t>Wildfly</a:t>
-            </a:r>
-            <a:r>
-              <a:rPr lang="pt-BR" sz="2400" b="1" dirty="0"/>
-              <a:t> 12.0.0.Final </a:t>
-            </a:r>
-          </a:p>
-          <a:p>
-            <a:r>
-              <a:rPr lang="pt-BR" sz="2400" b="1" dirty="0"/>
-              <a:t>	Gerenciador de dependência: </a:t>
-            </a:r>
-            <a:r>
-              <a:rPr lang="pt-BR" sz="2400" b="1" dirty="0" err="1"/>
-              <a:t>Maven</a:t>
-            </a:r>
-            <a:endParaRPr lang="pt-BR" sz="2400" b="1" dirty="0"/>
-          </a:p>
-          <a:p>
-            <a:r>
-              <a:rPr lang="pt-BR" sz="2400" b="1" dirty="0"/>
-              <a:t>	APIS Utilizadas: </a:t>
-            </a:r>
-            <a:r>
-              <a:rPr lang="pt-BR" sz="2400" b="1" dirty="0" err="1"/>
-              <a:t>javaee-api</a:t>
-            </a:r>
-            <a:r>
-              <a:rPr lang="pt-BR" sz="2400" b="1" dirty="0"/>
-              <a:t> versão 8.0</a:t>
-            </a:r>
-          </a:p>
-          <a:p>
-            <a:r>
-              <a:rPr lang="pt-BR" sz="2400" b="1" dirty="0"/>
-              <a:t>	Padrão de projeto: MVC</a:t>
-            </a:r>
-          </a:p>
-        </p:txBody>
-      </p:sp>
-    </p:spTree>
-    <p:extLst>
-      <p:ext uri="{BB962C8B-B14F-4D97-AF65-F5344CB8AC3E}">
-        <p14:creationId xmlns:p14="http://schemas.microsoft.com/office/powerpoint/2010/main" val="1832021912"/>
-      </p:ext>
-    </p:extLst>
-  </p:cSld>
-  <p:clrMapOvr>
-    <a:masterClrMapping/>
-  </p:clrMapOvr>
-  <p:transition>
-    <p:fade/>
-  </p:transition>
-</p:sld>
-</file>
-
-<file path=ppt/slides/slide11.xml><?xml version="1.0" encoding="utf-8"?>
-<p:sld xmlns:a="http://schemas.openxmlformats.org/drawingml/2006/main" xmlns:r="http://schemas.openxmlformats.org/officeDocument/2006/relationships" xmlns:p="http://schemas.openxmlformats.org/presentationml/2006/main">
-  <p:cSld>
-    <p:spTree>
-      <p:nvGrpSpPr>
-        <p:cNvPr id="1" name=""/>
-        <p:cNvGrpSpPr/>
-        <p:nvPr/>
-      </p:nvGrpSpPr>
-      <p:grpSpPr>
-        <a:xfrm>
-          <a:off x="0" y="0"/>
-          <a:ext cx="0" cy="0"/>
-          <a:chOff x="0" y="0"/>
-          <a:chExt cx="0" cy="0"/>
-        </a:xfrm>
-      </p:grpSpPr>
-      <p:sp>
-        <p:nvSpPr>
-          <p:cNvPr id="3" name="Rectangle 8"/>
-          <p:cNvSpPr>
-            <a:spLocks noGrp="1"/>
-          </p:cNvSpPr>
-          <p:nvPr>
-            <p:ph type="title"/>
-          </p:nvPr>
-        </p:nvSpPr>
-        <p:spPr>
-          <a:xfrm>
-            <a:off x="228600" y="1676400"/>
-            <a:ext cx="8229600" cy="1143000"/>
-          </a:xfrm>
-        </p:spPr>
-        <p:txBody>
-          <a:bodyPr>
-            <a:noAutofit/>
-          </a:bodyPr>
-          <a:lstStyle/>
-          <a:p>
-            <a:r>
-              <a:rPr lang="pt-BR" sz="4000" dirty="0"/>
-              <a:t>EXERCÍCIOS:</a:t>
-            </a:r>
-          </a:p>
-        </p:txBody>
-      </p:sp>
-      <p:sp>
-        <p:nvSpPr>
-          <p:cNvPr id="7" name="Retângulo 6">
-            <a:extLst>
-              <a:ext uri="{FF2B5EF4-FFF2-40B4-BE49-F238E27FC236}">
-                <a16:creationId xmlns:a16="http://schemas.microsoft.com/office/drawing/2014/main" xmlns="" id="{DE871D51-6822-455D-8B97-7F37D0BA5BB9}"/>
-              </a:ext>
-            </a:extLst>
-          </p:cNvPr>
-          <p:cNvSpPr/>
-          <p:nvPr/>
-        </p:nvSpPr>
-        <p:spPr>
-          <a:xfrm>
-            <a:off x="685800" y="2703016"/>
-            <a:ext cx="7772400" cy="1569660"/>
-          </a:xfrm>
-          <a:prstGeom prst="rect">
-            <a:avLst/>
-          </a:prstGeom>
-        </p:spPr>
-        <p:txBody>
-          <a:bodyPr wrap="square">
-            <a:spAutoFit/>
-          </a:bodyPr>
-          <a:lstStyle/>
-          <a:p>
-            <a:pPr marL="457200" indent="-457200">
               <a:buFont typeface="+mj-lt"/>
               <a:buAutoNum type="arabicParenR" startAt="2"/>
             </a:pPr>
             <a:r>
-              <a:rPr lang="pt-BR" sz="2400" b="1" dirty="0"/>
-              <a:t>Com seu projeto criado, simule um retorno do banco através da camada DAO do seu projeto e use CDI para injetar as dependências e retornar os dados.</a:t>
-            </a:r>
+              <a:rPr lang="pt-BR" sz="2400" b="1" dirty="0" smtClean="0"/>
+              <a:t>Com</a:t>
+            </a:r>
+            <a:endParaRPr lang="pt-BR" sz="2400" b="1" dirty="0"/>
           </a:p>
         </p:txBody>
       </p:sp>
@@ -9242,20 +8329,30 @@
           <a:p>
             <a:r>
               <a:rPr lang="pt-BR" sz="2400" dirty="0"/>
-              <a:t>Introdução da aula</a:t>
-            </a:r>
+              <a:t>Introdução da </a:t>
+            </a:r>
+            <a:r>
+              <a:rPr lang="pt-BR" sz="2400" dirty="0" smtClean="0"/>
+              <a:t>aula</a:t>
+            </a:r>
+          </a:p>
+          <a:p>
+            <a:r>
+              <a:rPr lang="pt-BR" sz="2400" dirty="0" smtClean="0"/>
+              <a:t>Objetivos</a:t>
+            </a:r>
+            <a:endParaRPr lang="pt-BR" sz="2400" dirty="0"/>
           </a:p>
           <a:p>
             <a:r>
               <a:rPr lang="pt-BR" sz="2400" dirty="0"/>
-              <a:t>O que é ?</a:t>
-            </a:r>
-          </a:p>
-          <a:p>
-            <a:r>
-              <a:rPr lang="pt-BR" sz="2400" dirty="0"/>
-              <a:t>Container e componente.</a:t>
-            </a:r>
+              <a:t>O que é </a:t>
+            </a:r>
+            <a:r>
+              <a:rPr lang="pt-BR" sz="2400" dirty="0" smtClean="0"/>
+              <a:t>?</a:t>
+            </a:r>
+            <a:endParaRPr lang="pt-BR" sz="2400" dirty="0"/>
           </a:p>
           <a:p>
             <a:r>
@@ -9338,9 +8435,10 @@
           <a:lstStyle/>
           <a:p>
             <a:r>
-              <a:rPr lang="pt-BR" sz="4200" dirty="0"/>
-              <a:t>O que é JAVA EE ?</a:t>
-            </a:r>
+              <a:rPr lang="pt-BR" sz="4200" dirty="0" smtClean="0"/>
+              <a:t>Objetivos da aula:</a:t>
+            </a:r>
+            <a:endParaRPr lang="pt-BR" sz="4200" dirty="0"/>
           </a:p>
         </p:txBody>
       </p:sp>
@@ -9397,8 +8495,8 @@
         </p:nvSpPr>
         <p:spPr>
           <a:xfrm>
-            <a:off x="762000" y="2875002"/>
-            <a:ext cx="7086600" cy="1569660"/>
+            <a:off x="762000" y="3212976"/>
+            <a:ext cx="7086600" cy="3046988"/>
           </a:xfrm>
           <a:prstGeom prst="rect">
             <a:avLst/>
@@ -9419,25 +8517,99 @@
               <a:defRPr lang="pt-BR"/>
             </a:pPr>
             <a:r>
-              <a:rPr lang="pt-BR" sz="2400" kern="0" dirty="0"/>
-              <a:t>Java EE, Java Enterprise </a:t>
-            </a:r>
-            <a:r>
-              <a:rPr lang="pt-BR" sz="2400" kern="0" dirty="0" err="1"/>
-              <a:t>Edition</a:t>
-            </a:r>
-            <a:r>
-              <a:rPr lang="pt-BR" sz="2400" kern="0" dirty="0"/>
-              <a:t>, dispõe de um conjunto de </a:t>
-            </a:r>
-            <a:r>
-              <a:rPr lang="pt-BR" sz="2400" kern="0" dirty="0" err="1"/>
-              <a:t>APIs</a:t>
-            </a:r>
-            <a:r>
-              <a:rPr lang="pt-BR" sz="2400" kern="0" dirty="0"/>
-              <a:t> que permitem ao programador desenvolver aplicações voltadas para web.</a:t>
-            </a:r>
+              <a:rPr lang="pt-BR" sz="2400" kern="0" dirty="0" smtClean="0"/>
+              <a:t>Entender os conceitos de </a:t>
+            </a:r>
+            <a:r>
+              <a:rPr lang="pt-BR" sz="2400" kern="0" dirty="0" err="1" smtClean="0"/>
+              <a:t>servlet</a:t>
+            </a:r>
+            <a:endParaRPr lang="pt-BR" sz="2400" kern="0" dirty="0" smtClean="0"/>
+          </a:p>
+          <a:p>
+            <a:pPr marL="342900" lvl="0" indent="-342900">
+              <a:spcBef>
+                <a:spcPct val="20000"/>
+              </a:spcBef>
+              <a:buFont typeface="Arial"/>
+              <a:buChar char="•"/>
+              <a:defRPr lang="pt-BR"/>
+            </a:pPr>
+            <a:r>
+              <a:rPr lang="pt-BR" sz="2400" kern="0" dirty="0" smtClean="0"/>
+              <a:t>Criar um </a:t>
+            </a:r>
+            <a:r>
+              <a:rPr lang="pt-BR" sz="2400" kern="0" dirty="0" err="1" smtClean="0"/>
+              <a:t>controller</a:t>
+            </a:r>
+            <a:r>
+              <a:rPr lang="pt-BR" sz="2400" kern="0" dirty="0" smtClean="0"/>
+              <a:t> que receba uma requisição via </a:t>
+            </a:r>
+            <a:r>
+              <a:rPr lang="pt-BR" sz="2400" kern="0" dirty="0" err="1" smtClean="0"/>
+              <a:t>http</a:t>
+            </a:r>
+            <a:r>
+              <a:rPr lang="pt-BR" sz="2400" kern="0" dirty="0" smtClean="0"/>
+              <a:t>.</a:t>
+            </a:r>
+          </a:p>
+          <a:p>
+            <a:pPr marL="342900" lvl="0" indent="-342900">
+              <a:spcBef>
+                <a:spcPct val="20000"/>
+              </a:spcBef>
+              <a:buFont typeface="Arial"/>
+              <a:buChar char="•"/>
+              <a:defRPr lang="pt-BR"/>
+            </a:pPr>
+            <a:r>
+              <a:rPr lang="pt-BR" sz="2400" kern="0" dirty="0" smtClean="0"/>
+              <a:t>Criar formulários </a:t>
+            </a:r>
+            <a:r>
+              <a:rPr lang="pt-BR" sz="2400" kern="0" dirty="0" err="1" smtClean="0"/>
+              <a:t>html</a:t>
+            </a:r>
+            <a:endParaRPr lang="pt-BR" sz="2400" kern="0" dirty="0" smtClean="0"/>
+          </a:p>
+          <a:p>
+            <a:pPr marL="342900" lvl="0" indent="-342900">
+              <a:spcBef>
+                <a:spcPct val="20000"/>
+              </a:spcBef>
+              <a:buFont typeface="Arial"/>
+              <a:buChar char="•"/>
+              <a:defRPr lang="pt-BR"/>
+            </a:pPr>
+            <a:r>
+              <a:rPr lang="pt-BR" sz="2400" kern="0" dirty="0" smtClean="0"/>
+              <a:t>Receber parâmetros</a:t>
+            </a:r>
+          </a:p>
+          <a:p>
+            <a:pPr marL="342900" lvl="0" indent="-342900">
+              <a:spcBef>
+                <a:spcPct val="20000"/>
+              </a:spcBef>
+              <a:buFont typeface="Arial"/>
+              <a:buChar char="•"/>
+              <a:defRPr lang="pt-BR"/>
+            </a:pPr>
+            <a:endParaRPr lang="pt-BR" sz="2400" kern="0" dirty="0" smtClean="0"/>
+          </a:p>
+          <a:p>
+            <a:pPr marL="342900" lvl="0" indent="-342900">
+              <a:spcBef>
+                <a:spcPct val="20000"/>
+              </a:spcBef>
+              <a:buFont typeface="Arial"/>
+              <a:buChar char="•"/>
+              <a:defRPr lang="pt-BR"/>
+            </a:pPr>
+            <a:endParaRPr lang="pt-BR" sz="2400" kern="0" dirty="0"/>
           </a:p>
         </p:txBody>
       </p:sp>
@@ -9493,7 +8665,19 @@
           <a:p>
             <a:r>
               <a:rPr lang="pt-BR" sz="4200" dirty="0"/>
-              <a:t>Como funciona ?</a:t>
+              <a:t>O que é </a:t>
+            </a:r>
+            <a:r>
+              <a:rPr lang="pt-BR" sz="4200" dirty="0" err="1" smtClean="0"/>
+              <a:t>Servlet</a:t>
+            </a:r>
+            <a:r>
+              <a:rPr lang="pt-BR" sz="4200" dirty="0" smtClean="0"/>
+              <a:t> </a:t>
+            </a:r>
+            <a:r>
+              <a:rPr lang="pt-BR" sz="4200" dirty="0"/>
+              <a:t>?</a:t>
             </a:r>
           </a:p>
         </p:txBody>
@@ -9551,8 +8735,8 @@
         </p:nvSpPr>
         <p:spPr>
           <a:xfrm>
-            <a:off x="762000" y="2875002"/>
-            <a:ext cx="7086600" cy="1938992"/>
+            <a:off x="787513" y="3290500"/>
+            <a:ext cx="7086600" cy="830997"/>
           </a:xfrm>
           <a:prstGeom prst="rect">
             <a:avLst/>
@@ -9573,24 +8757,17 @@
               <a:defRPr lang="pt-BR"/>
             </a:pPr>
             <a:r>
-              <a:rPr lang="pt-BR" sz="2400" kern="0" dirty="0"/>
-              <a:t>Clientes que são os browser acessam servidores que estão hospedados em determinados lugares, as linguagens como </a:t>
-            </a:r>
-            <a:r>
-              <a:rPr lang="pt-BR" sz="2400" kern="0" dirty="0" err="1"/>
-              <a:t>java</a:t>
-            </a:r>
-            <a:r>
-              <a:rPr lang="pt-BR" sz="2400" kern="0" dirty="0"/>
-              <a:t> são apenas uma forma de gerir tais informações através de sistemas.</a:t>
-            </a:r>
+              <a:rPr lang="pt-BR" sz="2400" kern="0" dirty="0" smtClean="0"/>
+              <a:t>Classe utilizada para estender serviços de um servidor de aplicação.</a:t>
+            </a:r>
+            <a:endParaRPr lang="pt-BR" sz="2400" kern="0" dirty="0"/>
           </a:p>
         </p:txBody>
       </p:sp>
     </p:spTree>
     <p:extLst>
       <p:ext uri="{BB962C8B-B14F-4D97-AF65-F5344CB8AC3E}">
-        <p14:creationId xmlns:p14="http://schemas.microsoft.com/office/powerpoint/2010/main" val="676283064"/>
+        <p14:creationId xmlns:p14="http://schemas.microsoft.com/office/powerpoint/2010/main" val="3169223598"/>
       </p:ext>
     </p:extLst>
   </p:cSld>
@@ -9630,7 +8807,12 @@
             <p:ph type="title"/>
           </p:nvPr>
         </p:nvSpPr>
-        <p:spPr/>
+        <p:spPr>
+          <a:xfrm>
+            <a:off x="228600" y="1676400"/>
+            <a:ext cx="8375848" cy="1143000"/>
+          </a:xfrm>
+        </p:spPr>
         <p:txBody>
           <a:bodyPr>
             <a:noAutofit/>
@@ -9638,9 +8820,26 @@
           <a:lstStyle/>
           <a:p>
             <a:r>
-              <a:rPr lang="pt-BR" sz="3800" dirty="0"/>
-              <a:t>O que é um servidor de aplicação ?</a:t>
-            </a:r>
+              <a:rPr lang="pt-BR" sz="4200" dirty="0" smtClean="0"/>
+              <a:t>... </a:t>
+            </a:r>
+            <a:r>
+              <a:rPr lang="pt-BR" sz="4200" dirty="0" err="1" smtClean="0"/>
+              <a:t>extends</a:t>
+            </a:r>
+            <a:r>
+              <a:rPr lang="pt-BR" sz="4200" dirty="0" smtClean="0"/>
+              <a:t> </a:t>
+            </a:r>
+            <a:r>
+              <a:rPr lang="pt-BR" sz="4400" dirty="0" err="1" smtClean="0"/>
+              <a:t>HttpServlet</a:t>
+            </a:r>
+            <a:r>
+              <a:rPr lang="pt-BR" sz="4200" dirty="0"/>
+              <a:t> ?</a:t>
+            </a:r>
+            <a:endParaRPr lang="pt-BR" sz="4200" dirty="0"/>
           </a:p>
         </p:txBody>
       </p:sp>
@@ -9654,8 +8853,8 @@
         </p:nvSpPr>
         <p:spPr>
           <a:xfrm>
-            <a:off x="762000" y="2780928"/>
-            <a:ext cx="7086600" cy="3168352"/>
+            <a:off x="762000" y="2971800"/>
+            <a:ext cx="7086600" cy="2977480"/>
           </a:xfrm>
           <a:prstGeom prst="rect">
             <a:avLst/>
@@ -9667,32 +8866,174 @@
           </a:bodyPr>
           <a:lstStyle/>
           <a:p>
-            <a:pPr>
+            <a:pPr marL="342900" lvl="0" indent="-342900">
+              <a:spcBef>
+                <a:spcPct val="20000"/>
+              </a:spcBef>
+              <a:buFont typeface="Arial"/>
+              <a:buChar char="•"/>
+              <a:defRPr lang="pt-BR"/>
+            </a:pPr>
+            <a:r>
+              <a:rPr kumimoji="0" lang="pt-BR" sz="2400" b="0" i="0" u="none" strike="noStrike" kern="0" cap="none" spc="0" normalizeH="0" baseline="0" dirty="0" err="1" smtClean="0">
+                <a:ln>
+                  <a:noFill/>
+                </a:ln>
+                <a:solidFill>
+                  <a:schemeClr val="tx1"/>
+                </a:solidFill>
+                <a:effectLst/>
+                <a:uLnTx/>
+                <a:uFillTx/>
+              </a:rPr>
+              <a:t>WebServlets</a:t>
+            </a:r>
+            <a:r>
+              <a:rPr kumimoji="0" lang="pt-BR" sz="2400" b="0" i="0" u="none" strike="noStrike" kern="0" cap="none" spc="0" normalizeH="0" dirty="0" smtClean="0">
+                <a:ln>
+                  <a:noFill/>
+                </a:ln>
+                <a:solidFill>
+                  <a:schemeClr val="tx1"/>
+                </a:solidFill>
+                <a:effectLst/>
+                <a:uLnTx/>
+                <a:uFillTx/>
+              </a:rPr>
+              <a:t> </a:t>
+            </a:r>
+            <a:r>
+              <a:rPr kumimoji="0" lang="pt-BR" sz="2400" b="0" i="0" u="none" strike="noStrike" kern="0" cap="none" spc="0" normalizeH="0" dirty="0" err="1" smtClean="0">
+                <a:ln>
+                  <a:noFill/>
+                </a:ln>
+                <a:solidFill>
+                  <a:schemeClr val="tx1"/>
+                </a:solidFill>
+                <a:effectLst/>
+                <a:uLnTx/>
+                <a:uFillTx/>
+              </a:rPr>
+              <a:t>extende</a:t>
+            </a:r>
+            <a:r>
+              <a:rPr kumimoji="0" lang="pt-BR" sz="2400" b="0" i="0" u="none" strike="noStrike" kern="0" cap="none" spc="0" normalizeH="0" dirty="0" smtClean="0">
+                <a:ln>
+                  <a:noFill/>
+                </a:ln>
+                <a:solidFill>
+                  <a:schemeClr val="tx1"/>
+                </a:solidFill>
+                <a:effectLst/>
+                <a:uLnTx/>
+                <a:uFillTx/>
+              </a:rPr>
+              <a:t> “</a:t>
+            </a:r>
+            <a:r>
+              <a:rPr kumimoji="0" lang="pt-BR" sz="2400" b="0" i="0" u="none" strike="noStrike" kern="0" cap="none" spc="0" normalizeH="0" dirty="0" err="1" smtClean="0">
+                <a:ln>
+                  <a:noFill/>
+                </a:ln>
+                <a:solidFill>
+                  <a:schemeClr val="tx1"/>
+                </a:solidFill>
+                <a:effectLst/>
+                <a:uLnTx/>
+                <a:uFillTx/>
+              </a:rPr>
+              <a:t>HttpServlet</a:t>
+            </a:r>
+            <a:r>
+              <a:rPr kumimoji="0" lang="pt-BR" sz="2400" b="0" i="0" u="none" strike="noStrike" kern="0" cap="none" spc="0" normalizeH="0" dirty="0" smtClean="0">
+                <a:ln>
+                  <a:noFill/>
+                </a:ln>
+                <a:solidFill>
+                  <a:schemeClr val="tx1"/>
+                </a:solidFill>
+                <a:effectLst/>
+                <a:uLnTx/>
+                <a:uFillTx/>
+              </a:rPr>
+              <a:t>” </a:t>
+            </a:r>
+            <a:r>
+              <a:rPr lang="pt-BR" sz="2400" kern="0" dirty="0"/>
+              <a:t>do pacote </a:t>
+            </a:r>
+            <a:endParaRPr lang="pt-BR" sz="2400" kern="0" dirty="0" smtClean="0"/>
+          </a:p>
+          <a:p>
+            <a:pPr lvl="0">
               <a:spcBef>
                 <a:spcPct val="20000"/>
               </a:spcBef>
               <a:defRPr lang="pt-BR"/>
             </a:pPr>
             <a:r>
-              <a:rPr lang="pt-BR" sz="2400" dirty="0"/>
-              <a:t>Os </a:t>
-            </a:r>
-            <a:r>
-              <a:rPr lang="pt-BR" sz="2400" b="1" dirty="0"/>
-              <a:t>servidores de aplicações</a:t>
-            </a:r>
-            <a:r>
-              <a:rPr lang="pt-BR" sz="2400" dirty="0"/>
-              <a:t> são programas de servidores numa rede distribuída que fornece o ambiente de execução para um programa de aplicação.</a:t>
-            </a:r>
-            <a:endParaRPr lang="pt-BR" sz="2400" kern="0" dirty="0"/>
+              <a:rPr lang="pt-BR" sz="2400" kern="0" dirty="0" smtClean="0"/>
+              <a:t>“</a:t>
+            </a:r>
+            <a:r>
+              <a:rPr lang="pt-BR" sz="2400" kern="0" dirty="0" err="1" smtClean="0"/>
+              <a:t>javax.servlet.http</a:t>
+            </a:r>
+            <a:r>
+              <a:rPr lang="pt-BR" sz="2400" kern="0" dirty="0" smtClean="0"/>
+              <a:t>” que </a:t>
+            </a:r>
+            <a:r>
+              <a:rPr lang="pt-BR" sz="2400" kern="0" dirty="0" err="1" smtClean="0"/>
+              <a:t>extende</a:t>
+            </a:r>
+            <a:r>
+              <a:rPr lang="pt-BR" sz="2400" kern="0" dirty="0" smtClean="0"/>
+              <a:t> a </a:t>
+            </a:r>
+            <a:r>
+              <a:rPr lang="pt-BR" sz="2400" kern="0" dirty="0"/>
+              <a:t>classe </a:t>
+            </a:r>
+            <a:endParaRPr lang="pt-BR" sz="2400" kern="0" dirty="0" smtClean="0"/>
+          </a:p>
+          <a:p>
+            <a:pPr lvl="0">
+              <a:spcBef>
+                <a:spcPct val="20000"/>
+              </a:spcBef>
+              <a:defRPr lang="pt-BR"/>
+            </a:pPr>
+            <a:r>
+              <a:rPr lang="pt-BR" sz="2400" kern="0" dirty="0" smtClean="0"/>
+              <a:t>“</a:t>
+            </a:r>
+            <a:r>
+              <a:rPr lang="pt-BR" sz="2400" kern="0" dirty="0" err="1" smtClean="0"/>
+              <a:t>GenericServlet</a:t>
+            </a:r>
+            <a:r>
+              <a:rPr lang="pt-BR" sz="2400" kern="0" dirty="0" smtClean="0"/>
+              <a:t>” que implementa 2 interfaces.</a:t>
+            </a:r>
+            <a:endParaRPr kumimoji="0" lang="pt-BR" sz="2400" b="0" i="0" u="none" strike="noStrike" kern="0" cap="none" spc="0" normalizeH="0" baseline="0" dirty="0">
+              <a:ln>
+                <a:noFill/>
+              </a:ln>
+              <a:solidFill>
+                <a:schemeClr val="tx1"/>
+              </a:solidFill>
+              <a:effectLst/>
+              <a:uLnTx/>
+              <a:uFillTx/>
+            </a:endParaRPr>
           </a:p>
         </p:txBody>
       </p:sp>
     </p:spTree>
     <p:extLst>
       <p:ext uri="{BB962C8B-B14F-4D97-AF65-F5344CB8AC3E}">
-        <p14:creationId xmlns:p14="http://schemas.microsoft.com/office/powerpoint/2010/main" val="3085749163"/>
+        <p14:creationId xmlns:p14="http://schemas.microsoft.com/office/powerpoint/2010/main" val="2454104205"/>
       </p:ext>
     </p:extLst>
   </p:cSld>
@@ -9732,7 +9073,12 @@
             <p:ph type="title"/>
           </p:nvPr>
         </p:nvSpPr>
-        <p:spPr/>
+        <p:spPr>
+          <a:xfrm>
+            <a:off x="228600" y="1676400"/>
+            <a:ext cx="8375848" cy="1143000"/>
+          </a:xfrm>
+        </p:spPr>
         <p:txBody>
           <a:bodyPr>
             <a:noAutofit/>
@@ -9740,9 +9086,22 @@
           <a:lstStyle/>
           <a:p>
             <a:r>
-              <a:rPr lang="pt-BR" sz="3800" dirty="0"/>
-              <a:t>O que é um servidor Componente ?</a:t>
-            </a:r>
+              <a:rPr lang="pt-BR" sz="4200" dirty="0" err="1" smtClean="0"/>
+              <a:t>HttpServletRequest</a:t>
+            </a:r>
+            <a:r>
+              <a:rPr lang="pt-BR" sz="4200" dirty="0" smtClean="0"/>
+              <a:t> VS </a:t>
+            </a:r>
+            <a:r>
+              <a:rPr lang="pt-BR" sz="4200" dirty="0" err="1" smtClean="0"/>
+              <a:t>HttpServletResponse</a:t>
+            </a:r>
+            <a:r>
+              <a:rPr lang="pt-BR" sz="4200" dirty="0" smtClean="0"/>
+              <a:t>.</a:t>
+            </a:r>
+            <a:endParaRPr lang="pt-BR" sz="4200" dirty="0"/>
           </a:p>
         </p:txBody>
       </p:sp>
@@ -9756,8 +9115,8 @@
         </p:nvSpPr>
         <p:spPr>
           <a:xfrm>
-            <a:off x="762000" y="2780928"/>
-            <a:ext cx="7086600" cy="3168352"/>
+            <a:off x="762000" y="2971800"/>
+            <a:ext cx="7086600" cy="2977480"/>
           </a:xfrm>
           <a:prstGeom prst="rect">
             <a:avLst/>
@@ -9769,24 +9128,83 @@
           </a:bodyPr>
           <a:lstStyle/>
           <a:p>
-            <a:pPr>
+            <a:pPr marL="342900" lvl="0" indent="-342900">
               <a:spcBef>
                 <a:spcPct val="20000"/>
               </a:spcBef>
+              <a:buFont typeface="Arial"/>
+              <a:buChar char="•"/>
               <a:defRPr lang="pt-BR"/>
             </a:pPr>
-            <a:r>
-              <a:rPr lang="pt-BR" sz="2400" dirty="0"/>
-              <a:t>Componente são os aplicativos desenvolvidos (WAR), que são instalados nos servidores de aplicação.</a:t>
-            </a:r>
-            <a:endParaRPr lang="pt-BR" sz="2400" kern="0" dirty="0"/>
+            <a:endParaRPr kumimoji="0" lang="pt-BR" sz="2400" b="0" i="0" u="none" strike="noStrike" kern="0" cap="none" spc="0" normalizeH="0" baseline="0" dirty="0">
+              <a:ln>
+                <a:noFill/>
+              </a:ln>
+              <a:solidFill>
+                <a:schemeClr val="tx1"/>
+              </a:solidFill>
+              <a:effectLst/>
+              <a:uLnTx/>
+              <a:uFillTx/>
+            </a:endParaRPr>
+          </a:p>
+        </p:txBody>
+      </p:sp>
+      <p:sp>
+        <p:nvSpPr>
+          <p:cNvPr id="2" name="Retângulo 1"/>
+          <p:cNvSpPr/>
+          <p:nvPr/>
+        </p:nvSpPr>
+        <p:spPr>
+          <a:xfrm>
+            <a:off x="762000" y="2875002"/>
+            <a:ext cx="7086600" cy="1274195"/>
+          </a:xfrm>
+          <a:prstGeom prst="rect">
+            <a:avLst/>
+          </a:prstGeom>
+        </p:spPr>
+        <p:txBody>
+          <a:bodyPr wrap="square">
+            <a:spAutoFit/>
+          </a:bodyPr>
+          <a:lstStyle/>
+          <a:p>
+            <a:pPr marL="342900" lvl="0" indent="-342900">
+              <a:spcBef>
+                <a:spcPct val="20000"/>
+              </a:spcBef>
+              <a:buFont typeface="Arial"/>
+              <a:buChar char="•"/>
+              <a:defRPr lang="pt-BR"/>
+            </a:pPr>
+            <a:endParaRPr lang="pt-BR" sz="2400" kern="0" dirty="0" smtClean="0"/>
+          </a:p>
+          <a:p>
+            <a:pPr marL="342900" lvl="0" indent="-342900">
+              <a:spcBef>
+                <a:spcPct val="20000"/>
+              </a:spcBef>
+              <a:buFont typeface="Arial"/>
+              <a:buChar char="•"/>
+              <a:defRPr lang="pt-BR"/>
+            </a:pPr>
+            <a:r>
+              <a:rPr lang="pt-BR" sz="2400" kern="0" dirty="0" err="1" smtClean="0"/>
+              <a:t>Servlet</a:t>
+            </a:r>
+            <a:r>
+              <a:rPr lang="pt-BR" sz="2400" kern="0" dirty="0" smtClean="0"/>
+              <a:t> possui um par de objetos, são os objetos de requisição e resposta.</a:t>
+            </a:r>
           </a:p>
         </p:txBody>
       </p:sp>
     </p:spTree>
     <p:extLst>
       <p:ext uri="{BB962C8B-B14F-4D97-AF65-F5344CB8AC3E}">
-        <p14:creationId xmlns:p14="http://schemas.microsoft.com/office/powerpoint/2010/main" val="667582967"/>
+        <p14:creationId xmlns:p14="http://schemas.microsoft.com/office/powerpoint/2010/main" val="676283064"/>
       </p:ext>
     </p:extLst>
   </p:cSld>
@@ -9826,7 +9244,12 @@
             <p:ph type="title"/>
           </p:nvPr>
         </p:nvSpPr>
-        <p:spPr/>
+        <p:spPr>
+          <a:xfrm>
+            <a:off x="228600" y="1676400"/>
+            <a:ext cx="8375848" cy="1143000"/>
+          </a:xfrm>
+        </p:spPr>
         <p:txBody>
           <a:bodyPr>
             <a:noAutofit/>
@@ -9834,9 +9257,14 @@
           <a:lstStyle/>
           <a:p>
             <a:r>
-              <a:rPr lang="pt-BR" sz="4000" dirty="0"/>
-              <a:t>Quais são as APIS do JAVA EE ?</a:t>
-            </a:r>
+              <a:rPr lang="pt-BR" sz="4200" dirty="0" smtClean="0"/>
+              <a:t>O que é Ciclo de vida </a:t>
+            </a:r>
+            <a:r>
+              <a:rPr lang="pt-BR" sz="4400" dirty="0"/>
+              <a:t>?</a:t>
+            </a:r>
+            <a:endParaRPr lang="pt-BR" sz="4200" dirty="0"/>
           </a:p>
         </p:txBody>
       </p:sp>
@@ -9850,8 +9278,8 @@
         </p:nvSpPr>
         <p:spPr>
           <a:xfrm>
-            <a:off x="762000" y="2780928"/>
-            <a:ext cx="7086600" cy="3168352"/>
+            <a:off x="762000" y="2971800"/>
+            <a:ext cx="7086600" cy="2977480"/>
           </a:xfrm>
           <a:prstGeom prst="rect">
             <a:avLst/>
@@ -9863,53 +9291,180 @@
           </a:bodyPr>
           <a:lstStyle/>
           <a:p>
-            <a:pPr>
+            <a:pPr marL="342900" lvl="0" indent="-342900">
+              <a:spcBef>
+                <a:spcPct val="20000"/>
+              </a:spcBef>
+              <a:buFont typeface="Arial"/>
+              <a:buChar char="•"/>
+              <a:defRPr lang="pt-BR"/>
+            </a:pPr>
+            <a:endParaRPr kumimoji="0" lang="pt-BR" sz="2400" b="0" i="0" u="none" strike="noStrike" kern="0" cap="none" spc="0" normalizeH="0" baseline="0" dirty="0">
+              <a:ln>
+                <a:noFill/>
+              </a:ln>
+              <a:solidFill>
+                <a:schemeClr val="tx1"/>
+              </a:solidFill>
+              <a:effectLst/>
+              <a:uLnTx/>
+              <a:uFillTx/>
+            </a:endParaRPr>
+          </a:p>
+        </p:txBody>
+      </p:sp>
+      <p:sp>
+        <p:nvSpPr>
+          <p:cNvPr id="2" name="Retângulo 1"/>
+          <p:cNvSpPr/>
+          <p:nvPr/>
+        </p:nvSpPr>
+        <p:spPr>
+          <a:xfrm>
+            <a:off x="762000" y="2875002"/>
+            <a:ext cx="7086600" cy="3194721"/>
+          </a:xfrm>
+          <a:prstGeom prst="rect">
+            <a:avLst/>
+          </a:prstGeom>
+        </p:spPr>
+        <p:txBody>
+          <a:bodyPr wrap="square">
+            <a:spAutoFit/>
+          </a:bodyPr>
+          <a:lstStyle/>
+          <a:p>
+            <a:pPr marL="342900" lvl="0" indent="-342900">
+              <a:spcBef>
+                <a:spcPct val="20000"/>
+              </a:spcBef>
+              <a:buFont typeface="Arial"/>
+              <a:buChar char="•"/>
+              <a:defRPr lang="pt-BR"/>
+            </a:pPr>
+            <a:endParaRPr lang="pt-BR" sz="2400" kern="0" dirty="0" smtClean="0"/>
+          </a:p>
+          <a:p>
+            <a:pPr marL="342900" lvl="0" indent="-342900">
+              <a:spcBef>
+                <a:spcPct val="20000"/>
+              </a:spcBef>
+              <a:buFont typeface="Arial"/>
+              <a:buChar char="•"/>
+              <a:defRPr lang="pt-BR"/>
+            </a:pPr>
+            <a:r>
+              <a:rPr lang="pt-BR" sz="2400" kern="0" dirty="0" smtClean="0"/>
+              <a:t>É a definição pela qual irá existir o </a:t>
+            </a:r>
+            <a:r>
+              <a:rPr lang="pt-BR" sz="2400" kern="0" dirty="0" err="1" smtClean="0"/>
+              <a:t>servlet</a:t>
+            </a:r>
+            <a:r>
+              <a:rPr lang="pt-BR" sz="2400" kern="0" dirty="0" smtClean="0"/>
+              <a:t>.</a:t>
+            </a:r>
+          </a:p>
+          <a:p>
+            <a:pPr lvl="0">
               <a:spcBef>
                 <a:spcPct val="20000"/>
               </a:spcBef>
               <a:defRPr lang="pt-BR"/>
             </a:pPr>
-            <a:endParaRPr lang="pt-BR" sz="2400" kern="0" dirty="0">
-              <a:solidFill>
-                <a:srgbClr val="00B0F0"/>
-              </a:solidFill>
-            </a:endParaRPr>
-          </a:p>
-          <a:p>
-            <a:pPr>
-              <a:spcBef>
-                <a:spcPct val="20000"/>
-              </a:spcBef>
-              <a:defRPr lang="pt-BR"/>
-            </a:pPr>
-            <a:endParaRPr lang="pt-BR" sz="2400" kern="0" dirty="0">
-              <a:solidFill>
-                <a:srgbClr val="00B0F0"/>
-              </a:solidFill>
-            </a:endParaRPr>
-          </a:p>
-          <a:p>
-            <a:pPr>
-              <a:spcBef>
-                <a:spcPct val="20000"/>
-              </a:spcBef>
-              <a:defRPr lang="pt-BR"/>
-            </a:pPr>
-            <a:r>
-              <a:rPr lang="pt-BR" sz="2400" kern="0" dirty="0">
-                <a:solidFill>
-                  <a:srgbClr val="00B0F0"/>
-                </a:solidFill>
-              </a:rPr>
-              <a:t>https://docs.oracle.com/javaee/7/api/toc.htm</a:t>
-            </a:r>
+            <a:r>
+              <a:rPr lang="pt-BR" sz="2400" kern="0" dirty="0" smtClean="0"/>
+              <a:t>Um ciclo de vida do </a:t>
+            </a:r>
+            <a:r>
+              <a:rPr lang="pt-BR" sz="2400" dirty="0" err="1" smtClean="0"/>
+              <a:t>Servlet</a:t>
+            </a:r>
+            <a:r>
+              <a:rPr lang="pt-BR" sz="2400" dirty="0" smtClean="0"/>
+              <a:t> é gerenciado pelo </a:t>
+            </a:r>
+            <a:r>
+              <a:rPr lang="pt-BR" sz="2400" dirty="0" err="1" smtClean="0"/>
+              <a:t>ServletContainer</a:t>
+            </a:r>
+            <a:r>
+              <a:rPr lang="pt-BR" sz="2400" dirty="0" smtClean="0"/>
+              <a:t> (</a:t>
+            </a:r>
+            <a:r>
+              <a:rPr lang="pt-BR" sz="2400" dirty="0" err="1" smtClean="0"/>
+              <a:t>Wildfly</a:t>
+            </a:r>
+            <a:r>
+              <a:rPr lang="pt-BR" sz="2400" dirty="0" smtClean="0"/>
+              <a:t>). Quando o </a:t>
+            </a:r>
+            <a:r>
+              <a:rPr lang="pt-BR" sz="2400" dirty="0" err="1"/>
+              <a:t>Servlet</a:t>
+            </a:r>
+            <a:r>
+              <a:rPr lang="pt-BR" sz="2400" dirty="0"/>
+              <a:t> </a:t>
+            </a:r>
+            <a:r>
+              <a:rPr lang="pt-BR" sz="2400" dirty="0" smtClean="0"/>
+              <a:t>é chamado ele inicia </a:t>
+            </a:r>
+            <a:r>
+              <a:rPr lang="pt-BR" sz="2400" dirty="0"/>
+              <a:t>através do método </a:t>
+            </a:r>
+            <a:r>
+              <a:rPr lang="pt-BR" sz="2400" dirty="0" err="1"/>
+              <a:t>init</a:t>
+            </a:r>
+            <a:r>
+              <a:rPr lang="pt-BR" sz="2400" dirty="0"/>
+              <a:t>(), </a:t>
+            </a:r>
+            <a:r>
+              <a:rPr lang="pt-BR" sz="2400" dirty="0" smtClean="0"/>
+              <a:t>e depois chama o método </a:t>
+            </a:r>
+            <a:r>
+              <a:rPr lang="pt-BR" sz="2400" dirty="0" err="1" smtClean="0"/>
+              <a:t>service</a:t>
+            </a:r>
+            <a:r>
+              <a:rPr lang="pt-BR" sz="2400" dirty="0" smtClean="0"/>
+              <a:t>() para atender e tratar às requisições, quando </a:t>
+            </a:r>
+            <a:r>
+              <a:rPr lang="pt-BR" sz="2400" dirty="0"/>
+              <a:t>deve morrer, </a:t>
+            </a:r>
+            <a:r>
+              <a:rPr lang="pt-BR" sz="2400" dirty="0" smtClean="0"/>
+              <a:t>é chamado o </a:t>
+            </a:r>
+            <a:r>
+              <a:rPr lang="pt-BR" sz="2400" dirty="0"/>
+              <a:t>método </a:t>
+            </a:r>
+            <a:r>
+              <a:rPr lang="pt-BR" sz="2400" dirty="0" err="1"/>
+              <a:t>destroy</a:t>
+            </a:r>
+            <a:r>
+              <a:rPr lang="pt-BR" sz="2400" dirty="0"/>
+              <a:t>().</a:t>
+            </a:r>
+            <a:endParaRPr lang="pt-BR" sz="2400" kern="0" dirty="0" smtClean="0"/>
           </a:p>
         </p:txBody>
       </p:sp>
     </p:spTree>
     <p:extLst>
       <p:ext uri="{BB962C8B-B14F-4D97-AF65-F5344CB8AC3E}">
-        <p14:creationId xmlns:p14="http://schemas.microsoft.com/office/powerpoint/2010/main" val="3082416766"/>
+        <p14:creationId xmlns:p14="http://schemas.microsoft.com/office/powerpoint/2010/main" val="4052484874"/>
       </p:ext>
     </p:extLst>
   </p:cSld>
@@ -9958,7 +9513,7 @@
           <a:p>
             <a:r>
               <a:rPr lang="pt-BR" sz="4000" b="0" dirty="0"/>
-              <a:t>Arquitetura de aplicações Java EE.</a:t>
+              <a:t>Resumo.</a:t>
             </a:r>
             <a:endParaRPr lang="pt-BR" sz="4000" dirty="0"/>
           </a:p>
@@ -9987,120 +9542,28 @@
           </a:bodyPr>
           <a:lstStyle/>
           <a:p>
-            <a:pPr marL="342900" lvl="0" indent="-342900">
+            <a:pPr lvl="0">
               <a:spcBef>
                 <a:spcPct val="20000"/>
               </a:spcBef>
-              <a:buFont typeface="Arial"/>
-              <a:buChar char="•"/>
               <a:defRPr lang="pt-BR"/>
             </a:pPr>
+            <a:r>
+              <a:rPr lang="pt-BR" sz="2400" kern="0" dirty="0"/>
+              <a:t>Aprendemos</a:t>
+            </a:r>
+            <a:r>
+              <a:rPr lang="pt-BR" sz="2400" kern="0" dirty="0" smtClean="0"/>
+              <a:t>:</a:t>
+            </a:r>
             <a:endParaRPr lang="pt-BR" sz="2400" kern="0" dirty="0"/>
-          </a:p>
-        </p:txBody>
-      </p:sp>
-      <p:sp>
-        <p:nvSpPr>
-          <p:cNvPr id="2" name="Retângulo 1"/>
-          <p:cNvSpPr/>
-          <p:nvPr/>
-        </p:nvSpPr>
-        <p:spPr>
-          <a:xfrm>
-            <a:off x="762000" y="2852936"/>
-            <a:ext cx="7086600" cy="2939266"/>
-          </a:xfrm>
-          <a:prstGeom prst="rect">
-            <a:avLst/>
-          </a:prstGeom>
-        </p:spPr>
-        <p:txBody>
-          <a:bodyPr wrap="square">
-            <a:spAutoFit/>
-          </a:bodyPr>
-          <a:lstStyle/>
-          <a:p>
-            <a:r>
-              <a:rPr lang="pt-BR" sz="2300" dirty="0"/>
-              <a:t>Java EE se divide em 4 camadas básicas:</a:t>
-            </a:r>
-          </a:p>
-          <a:p>
-            <a:endParaRPr lang="pt-BR" sz="2300" dirty="0"/>
-          </a:p>
-          <a:p>
-            <a:r>
-              <a:rPr lang="pt-BR" sz="2300" b="1" dirty="0"/>
-              <a:t>Camada Cliente </a:t>
-            </a:r>
-            <a:r>
-              <a:rPr lang="pt-BR" sz="2300" b="1" dirty="0">
-                <a:sym typeface="Wingdings" panose="05000000000000000000" pitchFamily="2" charset="2"/>
-              </a:rPr>
-              <a:t></a:t>
-            </a:r>
-            <a:r>
-              <a:rPr lang="pt-BR" sz="2300" dirty="0"/>
-              <a:t> Roda no browser;</a:t>
-            </a:r>
-          </a:p>
-          <a:p>
-            <a:r>
-              <a:rPr lang="pt-BR" sz="2300" b="1" dirty="0"/>
-              <a:t>Camada Web </a:t>
-            </a:r>
-            <a:r>
-              <a:rPr lang="pt-BR" sz="2300" b="1" dirty="0">
-                <a:sym typeface="Wingdings" panose="05000000000000000000" pitchFamily="2" charset="2"/>
-              </a:rPr>
-              <a:t></a:t>
-            </a:r>
-            <a:r>
-              <a:rPr lang="pt-BR" sz="2300" dirty="0"/>
-              <a:t> Servidor de aplicações;</a:t>
-            </a:r>
-          </a:p>
-          <a:p>
-            <a:r>
-              <a:rPr lang="pt-BR" sz="2300" dirty="0"/>
-              <a:t>Camada de negócios </a:t>
-            </a:r>
-            <a:r>
-              <a:rPr lang="pt-BR" sz="2300" dirty="0">
-                <a:sym typeface="Wingdings" panose="05000000000000000000" pitchFamily="2" charset="2"/>
-              </a:rPr>
-              <a:t></a:t>
-            </a:r>
-            <a:r>
-              <a:rPr lang="pt-BR" sz="2300" dirty="0"/>
-              <a:t> Servidor de aplicações;</a:t>
-            </a:r>
-          </a:p>
-          <a:p>
-            <a:r>
-              <a:rPr lang="pt-BR" sz="2300" b="1" dirty="0"/>
-              <a:t>Camada de dados </a:t>
-            </a:r>
-            <a:r>
-              <a:rPr lang="pt-BR" sz="2300" b="1" dirty="0">
-                <a:sym typeface="Wingdings" panose="05000000000000000000" pitchFamily="2" charset="2"/>
-              </a:rPr>
-              <a:t></a:t>
-            </a:r>
-            <a:r>
-              <a:rPr lang="pt-BR" sz="2300" dirty="0"/>
-              <a:t> Banco de dados e sistemas externos;</a:t>
-            </a:r>
-          </a:p>
-          <a:p>
-            <a:endParaRPr lang="pt-BR" sz="2400" dirty="0"/>
           </a:p>
         </p:txBody>
       </p:sp>
     </p:spTree>
     <p:extLst>
       <p:ext uri="{BB962C8B-B14F-4D97-AF65-F5344CB8AC3E}">
-        <p14:creationId xmlns:p14="http://schemas.microsoft.com/office/powerpoint/2010/main" val="1696800455"/>
+        <p14:creationId xmlns:p14="http://schemas.microsoft.com/office/powerpoint/2010/main" val="2027077617"/>
       </p:ext>
     </p:extLst>
   </p:cSld>
@@ -10140,7 +9603,12 @@
             <p:ph type="title"/>
           </p:nvPr>
         </p:nvSpPr>
-        <p:spPr/>
+        <p:spPr>
+          <a:xfrm>
+            <a:off x="228600" y="1676400"/>
+            <a:ext cx="8229600" cy="1143000"/>
+          </a:xfrm>
+        </p:spPr>
         <p:txBody>
           <a:bodyPr>
             <a:noAutofit/>
@@ -10148,135 +9616,54 @@
           <a:lstStyle/>
           <a:p>
             <a:r>
-              <a:rPr lang="pt-BR" sz="4000" b="0" dirty="0"/>
-              <a:t>Resumo.</a:t>
-            </a:r>
-            <a:endParaRPr lang="pt-BR" sz="4000" dirty="0"/>
-          </a:p>
-        </p:txBody>
-      </p:sp>
-      <p:sp>
-        <p:nvSpPr>
-          <p:cNvPr id="4" name="Rectangle 25"/>
-          <p:cNvSpPr txBox="1">
-            <a:spLocks/>
-          </p:cNvSpPr>
+              <a:rPr lang="pt-BR" sz="4000" dirty="0"/>
+              <a:t>EXERCÍCIOS:</a:t>
+            </a:r>
+          </a:p>
+        </p:txBody>
+      </p:sp>
+      <p:sp>
+        <p:nvSpPr>
+          <p:cNvPr id="7" name="Retângulo 6">
+            <a:extLst>
+              <a:ext uri="{FF2B5EF4-FFF2-40B4-BE49-F238E27FC236}">
+                <a16:creationId xmlns="" xmlns:a16="http://schemas.microsoft.com/office/drawing/2014/main" id="{DE871D51-6822-455D-8B97-7F37D0BA5BB9}"/>
+              </a:ext>
+            </a:extLst>
+          </p:cNvPr>
+          <p:cNvSpPr/>
           <p:nvPr/>
         </p:nvSpPr>
         <p:spPr>
           <a:xfrm>
-            <a:off x="762000" y="2924944"/>
-            <a:ext cx="7086600" cy="3456384"/>
+            <a:off x="685800" y="2703016"/>
+            <a:ext cx="7772400" cy="461665"/>
           </a:xfrm>
           <a:prstGeom prst="rect">
             <a:avLst/>
           </a:prstGeom>
         </p:spPr>
         <p:txBody>
-          <a:bodyPr vert="horz">
-            <a:noAutofit/>
+          <a:bodyPr wrap="square">
+            <a:spAutoFit/>
           </a:bodyPr>
           <a:lstStyle/>
           <a:p>
-            <a:pPr lvl="0">
-              <a:spcBef>
-                <a:spcPct val="20000"/>
-              </a:spcBef>
-              <a:defRPr lang="pt-BR"/>
+            <a:pPr marL="457200" indent="-457200">
+              <a:buAutoNum type="arabicParenR"/>
             </a:pPr>
             <a:r>
-              <a:rPr lang="pt-BR" sz="2400" kern="0" dirty="0"/>
-              <a:t>Aprendemos:</a:t>
-            </a:r>
-          </a:p>
-          <a:p>
-            <a:pPr marL="342900" lvl="0" indent="-342900">
-              <a:spcBef>
-                <a:spcPct val="20000"/>
-              </a:spcBef>
-              <a:buFont typeface="Arial"/>
-              <a:buChar char="•"/>
-              <a:defRPr lang="pt-BR"/>
-            </a:pPr>
-            <a:r>
-              <a:rPr lang="pt-BR" sz="2400" kern="0" dirty="0"/>
-              <a:t>Java EE</a:t>
-            </a:r>
-          </a:p>
-          <a:p>
-            <a:pPr marL="342900" lvl="0" indent="-342900">
-              <a:spcBef>
-                <a:spcPct val="20000"/>
-              </a:spcBef>
-              <a:buFont typeface="Arial"/>
-              <a:buChar char="•"/>
-              <a:defRPr lang="pt-BR"/>
-            </a:pPr>
-            <a:r>
-              <a:rPr lang="pt-BR" sz="2400" kern="0" dirty="0"/>
-              <a:t>Servidor de aplicação</a:t>
-            </a:r>
-          </a:p>
-          <a:p>
-            <a:pPr marL="342900" lvl="0" indent="-342900">
-              <a:spcBef>
-                <a:spcPct val="20000"/>
-              </a:spcBef>
-              <a:buFont typeface="Arial"/>
-              <a:buChar char="•"/>
-              <a:defRPr lang="pt-BR"/>
-            </a:pPr>
-            <a:r>
-              <a:rPr lang="pt-BR" sz="2400" kern="0" dirty="0" err="1"/>
-              <a:t>Apis</a:t>
-            </a:r>
-            <a:r>
-              <a:rPr lang="pt-BR" sz="2400" kern="0" dirty="0"/>
-              <a:t> do Java EE</a:t>
-            </a:r>
-          </a:p>
-          <a:p>
-            <a:pPr marL="342900" lvl="0" indent="-342900">
-              <a:spcBef>
-                <a:spcPct val="20000"/>
-              </a:spcBef>
-              <a:buFont typeface="Arial"/>
-              <a:buChar char="•"/>
-              <a:defRPr lang="pt-BR"/>
-            </a:pPr>
-            <a:r>
-              <a:rPr lang="pt-BR" sz="2400" kern="0" dirty="0"/>
-              <a:t>Arquitetura de projetos </a:t>
-            </a:r>
-            <a:r>
-              <a:rPr lang="pt-BR" sz="2400" kern="0" dirty="0" err="1"/>
-              <a:t>java</a:t>
-            </a:r>
-            <a:r>
-              <a:rPr lang="pt-BR" sz="2400" kern="0" dirty="0"/>
-              <a:t> EE</a:t>
-            </a:r>
-          </a:p>
-          <a:p>
-            <a:pPr marL="342900" lvl="0" indent="-342900">
-              <a:spcBef>
-                <a:spcPct val="20000"/>
-              </a:spcBef>
-              <a:buFont typeface="Arial"/>
-              <a:buChar char="•"/>
-              <a:defRPr lang="pt-BR"/>
-            </a:pPr>
-            <a:r>
-              <a:rPr lang="pt-BR" sz="2400" kern="0" dirty="0"/>
-              <a:t>Acesso a banco de dados</a:t>
-            </a:r>
+              <a:rPr lang="pt-BR" sz="2400" b="1" dirty="0" smtClean="0"/>
+              <a:t>Crie</a:t>
+            </a:r>
+            <a:endParaRPr lang="pt-BR" sz="2400" b="1" dirty="0"/>
           </a:p>
         </p:txBody>
       </p:sp>
     </p:spTree>
     <p:extLst>
       <p:ext uri="{BB962C8B-B14F-4D97-AF65-F5344CB8AC3E}">
-        <p14:creationId xmlns:p14="http://schemas.microsoft.com/office/powerpoint/2010/main" val="2027077617"/>
+        <p14:creationId xmlns:p14="http://schemas.microsoft.com/office/powerpoint/2010/main" val="1832021912"/>
       </p:ext>
     </p:extLst>
   </p:cSld>

--- a/AulasAvancado/src/main/resources/br/com/Aula2/Servlets.pptx
+++ b/AulasAvancado/src/main/resources/br/com/Aula2/Servlets.pptx
@@ -5,10 +5,10 @@
     <p:sldMasterId id="2147483648" r:id="rId1"/>
   </p:sldMasterIdLst>
   <p:notesMasterIdLst>
-    <p:notesMasterId r:id="rId12"/>
+    <p:notesMasterId r:id="rId13"/>
   </p:notesMasterIdLst>
   <p:handoutMasterIdLst>
-    <p:handoutMasterId r:id="rId13"/>
+    <p:handoutMasterId r:id="rId14"/>
   </p:handoutMasterIdLst>
   <p:sldIdLst>
     <p:sldId id="257" r:id="rId2"/>
@@ -19,8 +19,9 @@
     <p:sldId id="283" r:id="rId7"/>
     <p:sldId id="290" r:id="rId8"/>
     <p:sldId id="284" r:id="rId9"/>
-    <p:sldId id="280" r:id="rId10"/>
-    <p:sldId id="287" r:id="rId11"/>
+    <p:sldId id="291" r:id="rId10"/>
+    <p:sldId id="280" r:id="rId11"/>
+    <p:sldId id="287" r:id="rId12"/>
   </p:sldIdLst>
   <p:sldSz cx="9144000" cy="6858000" type="screen4x3"/>
   <p:notesSz cx="6858000" cy="9144000"/>
@@ -119,7 +120,7 @@
   </p:defaultTextStyle>
   <p:extLst>
     <p:ext uri="{EFAFB233-063F-42B5-8137-9DF3F51BA10A}">
-      <p15:sldGuideLst xmlns="" xmlns:p15="http://schemas.microsoft.com/office/powerpoint/2012/main">
+      <p15:sldGuideLst xmlns:p15="http://schemas.microsoft.com/office/powerpoint/2012/main">
         <p15:guide id="1" orient="horz" pos="2160">
           <p15:clr>
             <a:srgbClr val="A4A3A4"/>
@@ -221,7 +222,7 @@
             <a:fld id="{54D4857D-62A5-486B-9129-468003D7E020}" type="datetimeFigureOut">
               <a:rPr lang="pt-BR" smtClean="0"/>
               <a:pPr/>
-              <a:t>09/10/2018</a:t>
+              <a:t>10/10/2018</a:t>
             </a:fld>
             <a:endParaRPr lang="pt-BR"/>
           </a:p>
@@ -391,7 +392,7 @@
           <a:p>
             <a:fld id="{2D2EF2CE-B28C-4ED4-8FD0-48BB3F48846A}" type="datetimeFigureOut">
               <a:pPr/>
-              <a:t>09/10/2018</a:t>
+              <a:t>10/10/2018</a:t>
             </a:fld>
             <a:endParaRPr lang="pt-BR"/>
           </a:p>
@@ -795,7 +796,328 @@
               <a:buChar char="•"/>
               <a:defRPr lang="pt-BR"/>
             </a:pPr>
+            <a:r>
+              <a:rPr lang="pt-BR" dirty="0"/>
+              <a:t>A interface </a:t>
+            </a:r>
+            <a:r>
+              <a:rPr lang="pt-BR" dirty="0" err="1"/>
+              <a:t>ServletContext</a:t>
+            </a:r>
+            <a:r>
+              <a:rPr lang="pt-BR" dirty="0"/>
+              <a:t> encapsula informações sobre o contexto ou aplicação. Cada </a:t>
+            </a:r>
+            <a:r>
+              <a:rPr lang="pt-BR" dirty="0" err="1"/>
+              <a:t>servlet</a:t>
+            </a:r>
+            <a:r>
+              <a:rPr lang="pt-BR" dirty="0"/>
+              <a:t> possui um método </a:t>
+            </a:r>
+            <a:r>
+              <a:rPr lang="pt-BR" dirty="0" err="1"/>
+              <a:t>getServletContext</a:t>
+            </a:r>
+            <a:r>
+              <a:rPr lang="pt-BR" dirty="0"/>
+              <a:t>() que devolve o contexto atual. A partir de uma referência ao contexto pode-se interagir com a aplicação inteira e compartilhar informações entre </a:t>
+            </a:r>
+            <a:r>
+              <a:rPr lang="pt-BR" dirty="0" err="1"/>
+              <a:t>servlets</a:t>
+            </a:r>
+            <a:r>
+              <a:rPr lang="pt-BR" dirty="0"/>
+              <a:t>.</a:t>
+            </a:r>
+          </a:p>
+          <a:p>
+            <a:pPr marL="0" lvl="0" indent="0">
+              <a:spcBef>
+                <a:spcPct val="20000"/>
+              </a:spcBef>
+              <a:buFont typeface="Arial"/>
+              <a:buNone/>
+              <a:defRPr lang="pt-BR"/>
+            </a:pPr>
             <a:endParaRPr lang="pt-BR" dirty="0"/>
+          </a:p>
+          <a:p>
+            <a:pPr marL="0" lvl="0" indent="0">
+              <a:spcBef>
+                <a:spcPct val="20000"/>
+              </a:spcBef>
+              <a:buFont typeface="Arial"/>
+              <a:buNone/>
+              <a:defRPr lang="pt-BR"/>
+            </a:pPr>
+            <a:r>
+              <a:rPr lang="pt-BR" dirty="0"/>
+              <a:t>Os principais métodos de </a:t>
+            </a:r>
+            <a:r>
+              <a:rPr lang="pt-BR" dirty="0" err="1"/>
+              <a:t>ServletContext</a:t>
+            </a:r>
+            <a:r>
+              <a:rPr lang="pt-BR" dirty="0"/>
+              <a:t> são: </a:t>
+            </a:r>
+          </a:p>
+          <a:p>
+            <a:pPr marL="0" lvl="0" indent="0">
+              <a:spcBef>
+                <a:spcPct val="20000"/>
+              </a:spcBef>
+              <a:buFont typeface="Arial"/>
+              <a:buNone/>
+              <a:defRPr lang="pt-BR"/>
+            </a:pPr>
+            <a:r>
+              <a:rPr lang="pt-BR" dirty="0"/>
+              <a:t>• </a:t>
+            </a:r>
+            <a:r>
+              <a:rPr lang="pt-BR" dirty="0" err="1"/>
+              <a:t>String</a:t>
+            </a:r>
+            <a:r>
+              <a:rPr lang="pt-BR" dirty="0"/>
+              <a:t> </a:t>
+            </a:r>
+            <a:r>
+              <a:rPr lang="pt-BR" dirty="0" err="1"/>
+              <a:t>getInitParameter</a:t>
+            </a:r>
+            <a:r>
+              <a:rPr lang="pt-BR" dirty="0"/>
+              <a:t>(</a:t>
+            </a:r>
+            <a:r>
+              <a:rPr lang="pt-BR" dirty="0" err="1"/>
+              <a:t>String</a:t>
+            </a:r>
+            <a:r>
+              <a:rPr lang="pt-BR" dirty="0"/>
+              <a:t>): lê parâmetros de inicialização do contexto (não confunda com o método similar de </a:t>
+            </a:r>
+            <a:r>
+              <a:rPr lang="pt-BR" dirty="0" err="1"/>
+              <a:t>ServletConfig</a:t>
+            </a:r>
+            <a:r>
+              <a:rPr lang="pt-BR" dirty="0"/>
+              <a:t>) </a:t>
+            </a:r>
+          </a:p>
+          <a:p>
+            <a:pPr marL="0" lvl="0" indent="0">
+              <a:spcBef>
+                <a:spcPct val="20000"/>
+              </a:spcBef>
+              <a:buFont typeface="Arial"/>
+              <a:buNone/>
+              <a:defRPr lang="pt-BR"/>
+            </a:pPr>
+            <a:r>
+              <a:rPr lang="pt-BR" dirty="0"/>
+              <a:t>• </a:t>
+            </a:r>
+            <a:r>
+              <a:rPr lang="pt-BR" dirty="0" err="1"/>
+              <a:t>Enumeration</a:t>
+            </a:r>
+            <a:r>
+              <a:rPr lang="pt-BR" dirty="0"/>
+              <a:t> </a:t>
+            </a:r>
+            <a:r>
+              <a:rPr lang="pt-BR" dirty="0" err="1"/>
+              <a:t>getInitParameterNames</a:t>
+            </a:r>
+            <a:r>
+              <a:rPr lang="pt-BR" dirty="0"/>
+              <a:t>(): lê lista de parâmetros </a:t>
+            </a:r>
+          </a:p>
+          <a:p>
+            <a:pPr marL="0" lvl="0" indent="0">
+              <a:spcBef>
+                <a:spcPct val="20000"/>
+              </a:spcBef>
+              <a:buFont typeface="Arial"/>
+              <a:buNone/>
+              <a:defRPr lang="pt-BR"/>
+            </a:pPr>
+            <a:r>
+              <a:rPr lang="pt-BR" dirty="0"/>
+              <a:t>• </a:t>
+            </a:r>
+            <a:r>
+              <a:rPr lang="pt-BR" dirty="0" err="1"/>
+              <a:t>InputStream</a:t>
+            </a:r>
+            <a:r>
+              <a:rPr lang="pt-BR" dirty="0"/>
+              <a:t> </a:t>
+            </a:r>
+            <a:r>
+              <a:rPr lang="pt-BR" dirty="0" err="1"/>
+              <a:t>getResourceAsStream</a:t>
+            </a:r>
+            <a:r>
+              <a:rPr lang="pt-BR" dirty="0"/>
+              <a:t>(): lê recurso localizado dentro do contexto como um </a:t>
+            </a:r>
+            <a:r>
+              <a:rPr lang="pt-BR" dirty="0" err="1"/>
+              <a:t>InputStream</a:t>
+            </a:r>
+            <a:r>
+              <a:rPr lang="pt-BR" dirty="0"/>
+              <a:t> </a:t>
+            </a:r>
+          </a:p>
+          <a:p>
+            <a:pPr marL="0" lvl="0" indent="0">
+              <a:spcBef>
+                <a:spcPct val="20000"/>
+              </a:spcBef>
+              <a:buFont typeface="Arial"/>
+              <a:buNone/>
+              <a:defRPr lang="pt-BR"/>
+            </a:pPr>
+            <a:r>
+              <a:rPr lang="pt-BR" dirty="0"/>
+              <a:t>• </a:t>
+            </a:r>
+            <a:r>
+              <a:rPr lang="pt-BR" dirty="0" err="1"/>
+              <a:t>void</a:t>
+            </a:r>
+            <a:r>
+              <a:rPr lang="pt-BR" dirty="0"/>
+              <a:t> </a:t>
+            </a:r>
+            <a:r>
+              <a:rPr lang="pt-BR" dirty="0" err="1"/>
+              <a:t>setAttribute</a:t>
+            </a:r>
+            <a:r>
+              <a:rPr lang="pt-BR" dirty="0"/>
+              <a:t>(</a:t>
+            </a:r>
+            <a:r>
+              <a:rPr lang="pt-BR" dirty="0" err="1"/>
+              <a:t>String</a:t>
+            </a:r>
+            <a:r>
+              <a:rPr lang="pt-BR" dirty="0"/>
+              <a:t> nome, </a:t>
+            </a:r>
+            <a:r>
+              <a:rPr lang="pt-BR" dirty="0" err="1"/>
+              <a:t>Object</a:t>
+            </a:r>
+            <a:r>
+              <a:rPr lang="pt-BR" dirty="0"/>
+              <a:t>): grava um atributo no contexto </a:t>
+            </a:r>
+          </a:p>
+          <a:p>
+            <a:pPr marL="0" lvl="0" indent="0">
+              <a:spcBef>
+                <a:spcPct val="20000"/>
+              </a:spcBef>
+              <a:buFont typeface="Arial"/>
+              <a:buNone/>
+              <a:defRPr lang="pt-BR"/>
+            </a:pPr>
+            <a:r>
+              <a:rPr lang="pt-BR" dirty="0"/>
+              <a:t>• </a:t>
+            </a:r>
+            <a:r>
+              <a:rPr lang="pt-BR" dirty="0" err="1"/>
+              <a:t>Object</a:t>
+            </a:r>
+            <a:r>
+              <a:rPr lang="pt-BR" dirty="0"/>
+              <a:t> </a:t>
+            </a:r>
+            <a:r>
+              <a:rPr lang="pt-BR" dirty="0" err="1"/>
+              <a:t>getAttribute</a:t>
+            </a:r>
+            <a:r>
+              <a:rPr lang="pt-BR" dirty="0"/>
+              <a:t>(</a:t>
+            </a:r>
+            <a:r>
+              <a:rPr lang="pt-BR" dirty="0" err="1"/>
+              <a:t>String</a:t>
+            </a:r>
+            <a:r>
+              <a:rPr lang="pt-BR" dirty="0"/>
+              <a:t> nome): lê um atributo do contexto </a:t>
+            </a:r>
+          </a:p>
+          <a:p>
+            <a:pPr marL="0" lvl="0" indent="0">
+              <a:spcBef>
+                <a:spcPct val="20000"/>
+              </a:spcBef>
+              <a:buFont typeface="Arial"/>
+              <a:buNone/>
+              <a:defRPr lang="pt-BR"/>
+            </a:pPr>
+            <a:r>
+              <a:rPr lang="pt-BR" dirty="0"/>
+              <a:t>• </a:t>
+            </a:r>
+            <a:r>
+              <a:rPr lang="pt-BR" dirty="0" err="1"/>
+              <a:t>void</a:t>
+            </a:r>
+            <a:r>
+              <a:rPr lang="pt-BR" dirty="0"/>
+              <a:t> log(</a:t>
+            </a:r>
+            <a:r>
+              <a:rPr lang="pt-BR" dirty="0" err="1"/>
+              <a:t>String</a:t>
+            </a:r>
+            <a:r>
+              <a:rPr lang="pt-BR" dirty="0"/>
+              <a:t> mensagem): escreve mensagem no log do contexto</a:t>
+            </a:r>
+          </a:p>
+          <a:p>
+            <a:pPr marL="0" lvl="0" indent="0">
+              <a:spcBef>
+                <a:spcPct val="20000"/>
+              </a:spcBef>
+              <a:buFont typeface="Arial"/>
+              <a:buNone/>
+              <a:defRPr lang="pt-BR"/>
+            </a:pPr>
+            <a:endParaRPr lang="pt-BR" dirty="0"/>
+          </a:p>
+          <a:p>
+            <a:pPr marL="0" lvl="0" indent="0">
+              <a:spcBef>
+                <a:spcPct val="20000"/>
+              </a:spcBef>
+              <a:buFont typeface="Arial"/>
+              <a:buNone/>
+              <a:defRPr lang="pt-BR"/>
+            </a:pPr>
+            <a:r>
+              <a:rPr lang="pt-BR" dirty="0"/>
+              <a:t>Criar exemplos !</a:t>
+            </a:r>
           </a:p>
         </p:txBody>
       </p:sp>
@@ -818,6 +1140,99 @@
               <a:rPr lang="pt-BR" smtClean="0"/>
               <a:pPr/>
               <a:t>10</a:t>
+            </a:fld>
+            <a:endParaRPr lang="pt-BR"/>
+          </a:p>
+        </p:txBody>
+      </p:sp>
+    </p:spTree>
+    <p:extLst>
+      <p:ext uri="{BB962C8B-B14F-4D97-AF65-F5344CB8AC3E}">
+        <p14:creationId xmlns:p14="http://schemas.microsoft.com/office/powerpoint/2010/main" val="2477212209"/>
+      </p:ext>
+    </p:extLst>
+  </p:cSld>
+  <p:clrMapOvr>
+    <a:masterClrMapping/>
+  </p:clrMapOvr>
+</p:notes>
+</file>
+
+<file path=ppt/notesSlides/notesSlide11.xml><?xml version="1.0" encoding="utf-8"?>
+<p:notes xmlns:a="http://schemas.openxmlformats.org/drawingml/2006/main" xmlns:r="http://schemas.openxmlformats.org/officeDocument/2006/relationships" xmlns:p="http://schemas.openxmlformats.org/presentationml/2006/main">
+  <p:cSld>
+    <p:spTree>
+      <p:nvGrpSpPr>
+        <p:cNvPr id="1" name=""/>
+        <p:cNvGrpSpPr/>
+        <p:nvPr/>
+      </p:nvGrpSpPr>
+      <p:grpSpPr>
+        <a:xfrm>
+          <a:off x="0" y="0"/>
+          <a:ext cx="0" cy="0"/>
+          <a:chOff x="0" y="0"/>
+          <a:chExt cx="0" cy="0"/>
+        </a:xfrm>
+      </p:grpSpPr>
+      <p:sp>
+        <p:nvSpPr>
+          <p:cNvPr id="2" name="Rectangle 2"/>
+          <p:cNvSpPr>
+            <a:spLocks noGrp="1" noRot="1" noChangeAspect="1"/>
+          </p:cNvSpPr>
+          <p:nvPr>
+            <p:ph type="sldImg"/>
+          </p:nvPr>
+        </p:nvSpPr>
+        <p:spPr/>
+      </p:sp>
+      <p:sp>
+        <p:nvSpPr>
+          <p:cNvPr id="3" name="Rectangle 3"/>
+          <p:cNvSpPr>
+            <a:spLocks noGrp="1"/>
+          </p:cNvSpPr>
+          <p:nvPr>
+            <p:ph type="body" idx="1"/>
+          </p:nvPr>
+        </p:nvSpPr>
+        <p:spPr/>
+        <p:txBody>
+          <a:bodyPr/>
+          <a:lstStyle/>
+          <a:p>
+            <a:pPr marL="342900" lvl="0" indent="-342900">
+              <a:spcBef>
+                <a:spcPct val="20000"/>
+              </a:spcBef>
+              <a:buFont typeface="Arial"/>
+              <a:buChar char="•"/>
+              <a:defRPr lang="pt-BR"/>
+            </a:pPr>
+            <a:endParaRPr lang="pt-BR" dirty="0"/>
+          </a:p>
+        </p:txBody>
+      </p:sp>
+      <p:sp>
+        <p:nvSpPr>
+          <p:cNvPr id="4" name="Rectangle 4"/>
+          <p:cNvSpPr>
+            <a:spLocks noGrp="1"/>
+          </p:cNvSpPr>
+          <p:nvPr>
+            <p:ph type="sldNum" sz="quarter" idx="10"/>
+          </p:nvPr>
+        </p:nvSpPr>
+        <p:spPr/>
+        <p:txBody>
+          <a:bodyPr/>
+          <a:lstStyle/>
+          <a:p>
+            <a:fld id="{61807874-5299-41B2-A37A-6AA3547857F4}" type="slidenum">
+              <a:rPr lang="pt-BR" smtClean="0"/>
+              <a:pPr/>
+              <a:t>11</a:t>
             </a:fld>
             <a:endParaRPr lang="pt-BR"/>
           </a:p>
@@ -881,7 +1296,7 @@
           <a:lstStyle/>
           <a:p>
             <a:r>
-              <a:rPr lang="pt-BR" sz="1200" b="1" i="0" u="none" strike="noStrike" kern="1200" baseline="0" dirty="0" err="1" smtClean="0">
+              <a:rPr lang="pt-BR" sz="1200" b="1" i="0" u="none" strike="noStrike" kern="1200" baseline="0" dirty="0" err="1">
                 <a:solidFill>
                   <a:schemeClr val="tx1"/>
                 </a:solidFill>
@@ -892,7 +1307,7 @@
               <a:t>WebServlets</a:t>
             </a:r>
             <a:r>
-              <a:rPr lang="pt-BR" sz="1200" b="0" i="0" u="none" strike="noStrike" kern="1200" baseline="0" dirty="0" smtClean="0">
+              <a:rPr lang="pt-BR" sz="1200" b="0" i="0" u="none" strike="noStrike" kern="1200" baseline="0" dirty="0">
                 <a:solidFill>
                   <a:schemeClr val="tx1"/>
                 </a:solidFill>
@@ -905,7 +1320,7 @@
           </a:p>
           <a:p>
             <a:r>
-              <a:rPr lang="pt-BR" sz="1200" b="0" i="0" u="none" strike="noStrike" kern="1200" baseline="0" dirty="0" smtClean="0">
+              <a:rPr lang="pt-BR" sz="1200" b="0" i="0" u="none" strike="noStrike" kern="1200" baseline="0" dirty="0">
                 <a:solidFill>
                   <a:schemeClr val="tx1"/>
                 </a:solidFill>
@@ -916,7 +1331,7 @@
               <a:t>Embora a principal API para criação de aplicações Web seja </a:t>
             </a:r>
             <a:r>
-              <a:rPr lang="pt-BR" sz="1200" b="0" i="0" u="none" strike="noStrike" kern="1200" baseline="0" dirty="0" err="1" smtClean="0">
+              <a:rPr lang="pt-BR" sz="1200" b="0" i="0" u="none" strike="noStrike" kern="1200" baseline="0" dirty="0" err="1">
                 <a:solidFill>
                   <a:schemeClr val="tx1"/>
                 </a:solidFill>
@@ -927,7 +1342,7 @@
               <a:t>JavaServer</a:t>
             </a:r>
             <a:r>
-              <a:rPr lang="pt-BR" sz="1200" b="0" i="0" u="none" strike="noStrike" kern="1200" baseline="0" dirty="0" smtClean="0">
+              <a:rPr lang="pt-BR" sz="1200" b="0" i="0" u="none" strike="noStrike" kern="1200" baseline="0" dirty="0">
                 <a:solidFill>
                   <a:schemeClr val="tx1"/>
                 </a:solidFill>
@@ -940,7 +1355,7 @@
           </a:p>
           <a:p>
             <a:r>
-              <a:rPr lang="pt-BR" sz="1200" b="0" i="0" u="none" strike="noStrike" kern="1200" baseline="0" dirty="0" err="1" smtClean="0">
+              <a:rPr lang="pt-BR" sz="1200" b="0" i="0" u="none" strike="noStrike" kern="1200" baseline="0" dirty="0" err="1">
                 <a:solidFill>
                   <a:schemeClr val="tx1"/>
                 </a:solidFill>
@@ -951,7 +1366,7 @@
               <a:t>WebServlets</a:t>
             </a:r>
             <a:r>
-              <a:rPr lang="pt-BR" sz="1200" b="0" i="0" u="none" strike="noStrike" kern="1200" baseline="0" dirty="0" smtClean="0">
+              <a:rPr lang="pt-BR" sz="1200" b="0" i="0" u="none" strike="noStrike" kern="1200" baseline="0" dirty="0">
                 <a:solidFill>
                   <a:schemeClr val="tx1"/>
                 </a:solidFill>
@@ -964,7 +1379,7 @@
           </a:p>
           <a:p>
             <a:r>
-              <a:rPr lang="pt-BR" sz="1200" b="0" i="0" u="none" strike="noStrike" kern="1200" baseline="0" dirty="0" err="1" smtClean="0">
+              <a:rPr lang="pt-BR" sz="1200" b="0" i="0" u="none" strike="noStrike" kern="1200" baseline="0" dirty="0" err="1">
                 <a:solidFill>
                   <a:schemeClr val="tx1"/>
                 </a:solidFill>
@@ -975,7 +1390,7 @@
               <a:t>WebServlets</a:t>
             </a:r>
             <a:r>
-              <a:rPr lang="pt-BR" sz="1200" b="0" i="0" u="none" strike="noStrike" kern="1200" baseline="0" dirty="0" smtClean="0">
+              <a:rPr lang="pt-BR" sz="1200" b="0" i="0" u="none" strike="noStrike" kern="1200" baseline="0" dirty="0">
                 <a:solidFill>
                   <a:schemeClr val="tx1"/>
                 </a:solidFill>
@@ -988,7 +1403,7 @@
           </a:p>
           <a:p>
             <a:r>
-              <a:rPr lang="pt-BR" sz="1200" b="0" i="0" u="none" strike="noStrike" kern="1200" baseline="0" dirty="0" smtClean="0">
+              <a:rPr lang="pt-BR" sz="1200" b="0" i="0" u="none" strike="noStrike" kern="1200" baseline="0" dirty="0">
                 <a:solidFill>
                   <a:schemeClr val="tx1"/>
                 </a:solidFill>
@@ -999,7 +1414,7 @@
               <a:t>Para Frameworks MVC como Spring , </a:t>
             </a:r>
             <a:r>
-              <a:rPr lang="pt-BR" sz="1200" b="0" i="0" u="none" strike="noStrike" kern="1200" baseline="0" dirty="0" err="1" smtClean="0">
+              <a:rPr lang="pt-BR" sz="1200" b="0" i="0" u="none" strike="noStrike" kern="1200" baseline="0" dirty="0" err="1">
                 <a:solidFill>
                   <a:schemeClr val="tx1"/>
                 </a:solidFill>
@@ -1010,7 +1425,7 @@
               <a:t>Strutus</a:t>
             </a:r>
             <a:r>
-              <a:rPr lang="pt-BR" sz="1200" b="0" i="0" u="none" strike="noStrike" kern="1200" baseline="0" dirty="0" smtClean="0">
+              <a:rPr lang="pt-BR" sz="1200" b="0" i="0" u="none" strike="noStrike" kern="1200" baseline="0" dirty="0">
                 <a:solidFill>
                   <a:schemeClr val="tx1"/>
                 </a:solidFill>
@@ -1110,6 +1525,106 @@
               <a:buChar char="•"/>
               <a:defRPr lang="pt-BR"/>
             </a:pPr>
+            <a:r>
+              <a:rPr kumimoji="0" lang="pt-BR" sz="1200" b="0" i="0" u="none" strike="noStrike" kern="0" cap="none" spc="0" normalizeH="0" baseline="0" dirty="0">
+                <a:ln>
+                  <a:noFill/>
+                </a:ln>
+                <a:solidFill>
+                  <a:schemeClr val="tx1"/>
+                </a:solidFill>
+                <a:effectLst/>
+                <a:uLnTx/>
+                <a:uFillTx/>
+              </a:rPr>
+              <a:t>Criar um projeto </a:t>
+            </a:r>
+            <a:r>
+              <a:rPr kumimoji="0" lang="pt-BR" sz="1200" b="0" i="0" u="none" strike="noStrike" kern="0" cap="none" spc="0" normalizeH="0" baseline="0" dirty="0" err="1">
+                <a:ln>
+                  <a:noFill/>
+                </a:ln>
+                <a:solidFill>
+                  <a:schemeClr val="tx1"/>
+                </a:solidFill>
+                <a:effectLst/>
+                <a:uLnTx/>
+                <a:uFillTx/>
+              </a:rPr>
+              <a:t>maven</a:t>
+            </a:r>
+            <a:r>
+              <a:rPr kumimoji="0" lang="pt-BR" sz="1200" b="0" i="0" u="none" strike="noStrike" kern="0" cap="none" spc="0" normalizeH="0" baseline="0" dirty="0">
+                <a:ln>
+                  <a:noFill/>
+                </a:ln>
+                <a:solidFill>
+                  <a:schemeClr val="tx1"/>
+                </a:solidFill>
+                <a:effectLst/>
+                <a:uLnTx/>
+                <a:uFillTx/>
+              </a:rPr>
+              <a:t> nesse momento:</a:t>
+            </a:r>
+          </a:p>
+          <a:p>
+            <a:pPr marL="342900" lvl="0" indent="-342900">
+              <a:spcBef>
+                <a:spcPct val="20000"/>
+              </a:spcBef>
+              <a:buFont typeface="Arial"/>
+              <a:buChar char="•"/>
+              <a:defRPr lang="pt-BR"/>
+            </a:pPr>
+            <a:r>
+              <a:rPr kumimoji="0" lang="pt-BR" sz="1200" b="0" i="0" u="none" strike="noStrike" kern="0" cap="none" spc="0" normalizeH="0" baseline="0" dirty="0">
+                <a:ln>
+                  <a:noFill/>
+                </a:ln>
+                <a:solidFill>
+                  <a:schemeClr val="tx1"/>
+                </a:solidFill>
+                <a:effectLst/>
+                <a:uLnTx/>
+                <a:uFillTx/>
+              </a:rPr>
+              <a:t>Montar a estrutura de pacotes do projeto no padrão MVC</a:t>
+            </a:r>
+          </a:p>
+          <a:p>
+            <a:pPr marL="342900" lvl="0" indent="-342900">
+              <a:spcBef>
+                <a:spcPct val="20000"/>
+              </a:spcBef>
+              <a:buFont typeface="Arial"/>
+              <a:buChar char="•"/>
+              <a:defRPr lang="pt-BR"/>
+            </a:pPr>
+            <a:r>
+              <a:rPr kumimoji="0" lang="pt-BR" sz="1200" b="0" i="0" u="none" strike="noStrike" kern="0" cap="none" spc="0" normalizeH="0" baseline="0" dirty="0">
+                <a:ln>
+                  <a:noFill/>
+                </a:ln>
+                <a:solidFill>
+                  <a:schemeClr val="tx1"/>
+                </a:solidFill>
+                <a:effectLst/>
+                <a:uLnTx/>
+                <a:uFillTx/>
+              </a:rPr>
+              <a:t>Adicionar as dependências no pom.xml</a:t>
+            </a:r>
+          </a:p>
+          <a:p>
+            <a:pPr marL="342900" lvl="0" indent="-342900">
+              <a:spcBef>
+                <a:spcPct val="20000"/>
+              </a:spcBef>
+              <a:buFont typeface="Arial"/>
+              <a:buChar char="•"/>
+              <a:defRPr lang="pt-BR"/>
+            </a:pPr>
             <a:endParaRPr kumimoji="0" lang="pt-BR" sz="1200" b="0" i="0" u="none" strike="noStrike" kern="0" cap="none" spc="0" normalizeH="0" baseline="0" dirty="0">
               <a:ln>
                 <a:noFill/>
@@ -1209,7 +1724,7 @@
               <a:defRPr lang="pt-BR"/>
             </a:pPr>
             <a:r>
-              <a:rPr kumimoji="0" lang="pt-BR" sz="1200" b="0" i="0" u="none" strike="noStrike" kern="0" cap="none" spc="0" normalizeH="0" baseline="0" dirty="0" smtClean="0">
+              <a:rPr kumimoji="0" lang="pt-BR" sz="1200" b="0" i="0" u="none" strike="noStrike" kern="0" cap="none" spc="0" normalizeH="0" baseline="0" dirty="0">
                 <a:ln>
                   <a:noFill/>
                 </a:ln>
@@ -1223,7 +1738,7 @@
               <a:t>Classe que é uma extensão da classe </a:t>
             </a:r>
             <a:r>
-              <a:rPr kumimoji="0" lang="pt-BR" sz="1200" b="0" i="0" u="none" strike="noStrike" kern="0" cap="none" spc="0" normalizeH="0" baseline="0" dirty="0" err="1" smtClean="0">
+              <a:rPr kumimoji="0" lang="pt-BR" sz="1200" b="0" i="0" u="none" strike="noStrike" kern="0" cap="none" spc="0" normalizeH="0" baseline="0" dirty="0" err="1">
                 <a:ln>
                   <a:noFill/>
                 </a:ln>
@@ -1237,7 +1752,7 @@
               <a:t>HttpServlet</a:t>
             </a:r>
             <a:r>
-              <a:rPr kumimoji="0" lang="pt-BR" sz="1200" b="0" i="0" u="none" strike="noStrike" kern="0" cap="none" spc="0" normalizeH="0" baseline="0" dirty="0" smtClean="0">
+              <a:rPr kumimoji="0" lang="pt-BR" sz="1200" b="0" i="0" u="none" strike="noStrike" kern="0" cap="none" spc="0" normalizeH="0" baseline="0" dirty="0">
                 <a:ln>
                   <a:noFill/>
                 </a:ln>
@@ -1261,7 +1776,7 @@
               <a:defRPr lang="pt-BR"/>
             </a:pPr>
             <a:r>
-              <a:rPr kumimoji="0" lang="pt-BR" sz="1200" b="0" i="0" u="none" strike="noStrike" kern="0" cap="none" spc="0" normalizeH="0" baseline="0" dirty="0" smtClean="0">
+              <a:rPr kumimoji="0" lang="pt-BR" sz="1200" b="0" i="0" u="none" strike="noStrike" kern="0" cap="none" spc="0" normalizeH="0" baseline="0" dirty="0">
                 <a:ln>
                   <a:noFill/>
                 </a:ln>
@@ -1275,7 +1790,7 @@
               <a:t>Dentro do contexto do padrão MVC seria um </a:t>
             </a:r>
             <a:r>
-              <a:rPr kumimoji="0" lang="pt-BR" sz="1200" b="0" i="0" u="none" strike="noStrike" kern="0" cap="none" spc="0" normalizeH="0" baseline="0" dirty="0" err="1" smtClean="0">
+              <a:rPr kumimoji="0" lang="pt-BR" sz="1200" b="0" i="0" u="none" strike="noStrike" kern="0" cap="none" spc="0" normalizeH="0" baseline="0" dirty="0" err="1">
                 <a:ln>
                   <a:noFill/>
                 </a:ln>
@@ -1289,7 +1804,7 @@
               <a:t>Controller</a:t>
             </a:r>
             <a:r>
-              <a:rPr kumimoji="0" lang="pt-BR" sz="1200" b="0" i="0" u="none" strike="noStrike" kern="0" cap="none" spc="0" normalizeH="0" baseline="0" dirty="0" smtClean="0">
+              <a:rPr kumimoji="0" lang="pt-BR" sz="1200" b="0" i="0" u="none" strike="noStrike" kern="0" cap="none" spc="0" normalizeH="0" baseline="0" dirty="0">
                 <a:ln>
                   <a:noFill/>
                 </a:ln>
@@ -1390,7 +1905,7 @@
               <a:defRPr lang="pt-BR"/>
             </a:pPr>
             <a:r>
-              <a:rPr kumimoji="0" lang="pt-BR" sz="1200" b="0" i="0" u="none" strike="noStrike" kern="0" cap="none" spc="0" normalizeH="0" baseline="0" dirty="0" smtClean="0">
+              <a:rPr kumimoji="0" lang="pt-BR" sz="1200" b="0" i="0" u="none" strike="noStrike" kern="0" cap="none" spc="0" normalizeH="0" baseline="0" dirty="0">
                 <a:ln>
                   <a:noFill/>
                 </a:ln>
@@ -1404,7 +1919,7 @@
               <a:t>A classe </a:t>
             </a:r>
             <a:r>
-              <a:rPr kumimoji="0" lang="pt-BR" sz="1200" b="0" i="0" u="none" strike="noStrike" kern="0" cap="none" spc="0" normalizeH="0" baseline="0" dirty="0" err="1" smtClean="0">
+              <a:rPr kumimoji="0" lang="pt-BR" sz="1200" b="0" i="0" u="none" strike="noStrike" kern="0" cap="none" spc="0" normalizeH="0" baseline="0" dirty="0" err="1">
                 <a:ln>
                   <a:noFill/>
                 </a:ln>
@@ -1418,7 +1933,7 @@
               <a:t>HttpServlet</a:t>
             </a:r>
             <a:r>
-              <a:rPr kumimoji="0" lang="pt-BR" sz="1200" b="0" i="0" u="none" strike="noStrike" kern="0" cap="none" spc="0" normalizeH="0" baseline="0" dirty="0" smtClean="0">
+              <a:rPr kumimoji="0" lang="pt-BR" sz="1200" b="0" i="0" u="none" strike="noStrike" kern="0" cap="none" spc="0" normalizeH="0" baseline="0" dirty="0">
                 <a:ln>
                   <a:noFill/>
                 </a:ln>
@@ -1432,7 +1947,7 @@
               <a:t> tem um método chamado </a:t>
             </a:r>
             <a:r>
-              <a:rPr lang="pt-BR" sz="1200" b="0" i="1" u="none" strike="noStrike" kern="1200" baseline="0" dirty="0" err="1" smtClean="0">
+              <a:rPr lang="pt-BR" sz="1200" b="0" i="1" u="none" strike="noStrike" kern="1200" baseline="0" dirty="0" err="1">
                 <a:solidFill>
                   <a:schemeClr val="tx1"/>
                 </a:solidFill>
@@ -1443,7 +1958,7 @@
               <a:t>service</a:t>
             </a:r>
             <a:r>
-              <a:rPr lang="pt-BR" sz="1200" b="0" i="1" u="none" strike="noStrike" kern="1200" baseline="0" dirty="0" smtClean="0">
+              <a:rPr lang="pt-BR" sz="1200" b="0" i="1" u="none" strike="noStrike" kern="1200" baseline="0" dirty="0">
                 <a:solidFill>
                   <a:schemeClr val="tx1"/>
                 </a:solidFill>
@@ -1454,7 +1969,7 @@
               <a:t>()</a:t>
             </a:r>
             <a:r>
-              <a:rPr lang="pt-BR" sz="1200" b="0" i="0" u="none" strike="noStrike" kern="1200" baseline="0" dirty="0" smtClean="0">
+              <a:rPr lang="pt-BR" sz="1200" b="0" i="0" u="none" strike="noStrike" kern="1200" baseline="0" dirty="0">
                 <a:solidFill>
                   <a:schemeClr val="tx1"/>
                 </a:solidFill>
@@ -1465,7 +1980,7 @@
               <a:t> que dependendo da requisição ele redireciona para o método em questão, por isso nós reescrevemos o os métodos em nosso </a:t>
             </a:r>
             <a:r>
-              <a:rPr lang="pt-BR" sz="1200" b="0" i="0" u="none" strike="noStrike" kern="1200" baseline="0" dirty="0" err="1" smtClean="0">
+              <a:rPr lang="pt-BR" sz="1200" b="0" i="0" u="none" strike="noStrike" kern="1200" baseline="0" dirty="0" err="1">
                 <a:solidFill>
                   <a:schemeClr val="tx1"/>
                 </a:solidFill>
@@ -1476,7 +1991,7 @@
               <a:t>WebServlet</a:t>
             </a:r>
             <a:r>
-              <a:rPr lang="pt-BR" sz="1200" b="0" i="0" u="none" strike="noStrike" kern="1200" baseline="0" dirty="0" smtClean="0">
+              <a:rPr lang="pt-BR" sz="1200" b="0" i="0" u="none" strike="noStrike" kern="1200" baseline="0" dirty="0">
                 <a:solidFill>
                   <a:schemeClr val="tx1"/>
                 </a:solidFill>
@@ -1485,6 +2000,81 @@
                 <a:cs typeface="+mn-cs"/>
               </a:rPr>
               <a:t>.</a:t>
+            </a:r>
+          </a:p>
+          <a:p>
+            <a:pPr marL="342900" lvl="0" indent="-342900">
+              <a:spcBef>
+                <a:spcPct val="20000"/>
+              </a:spcBef>
+              <a:buFont typeface="Arial"/>
+              <a:buChar char="•"/>
+              <a:defRPr lang="pt-BR"/>
+            </a:pPr>
+            <a:endParaRPr kumimoji="0" lang="pt-BR" sz="1200" b="0" i="0" u="none" strike="noStrike" kern="1200" cap="none" spc="0" normalizeH="0" baseline="0" dirty="0">
+              <a:ln>
+                <a:noFill/>
+              </a:ln>
+              <a:solidFill>
+                <a:schemeClr val="tx1"/>
+              </a:solidFill>
+              <a:effectLst/>
+              <a:uLnTx/>
+              <a:uFillTx/>
+              <a:latin typeface="+mn-lt"/>
+              <a:ea typeface="+mn-ea"/>
+              <a:cs typeface="+mn-cs"/>
+            </a:endParaRPr>
+          </a:p>
+          <a:p>
+            <a:pPr marL="342900" lvl="0" indent="-342900">
+              <a:spcBef>
+                <a:spcPct val="20000"/>
+              </a:spcBef>
+              <a:buFont typeface="Arial"/>
+              <a:buChar char="•"/>
+              <a:defRPr lang="pt-BR"/>
+            </a:pPr>
+            <a:endParaRPr kumimoji="0" lang="pt-BR" sz="1200" b="0" i="0" u="none" strike="noStrike" kern="1200" cap="none" spc="0" normalizeH="0" baseline="0" dirty="0">
+              <a:ln>
+                <a:noFill/>
+              </a:ln>
+              <a:solidFill>
+                <a:schemeClr val="tx1"/>
+              </a:solidFill>
+              <a:effectLst/>
+              <a:uLnTx/>
+              <a:uFillTx/>
+              <a:latin typeface="+mn-lt"/>
+              <a:ea typeface="+mn-ea"/>
+              <a:cs typeface="+mn-cs"/>
+            </a:endParaRPr>
+          </a:p>
+          <a:p>
+            <a:pPr marL="0" lvl="0" indent="0">
+              <a:spcBef>
+                <a:spcPct val="20000"/>
+              </a:spcBef>
+              <a:buFont typeface="Arial"/>
+              <a:buNone/>
+              <a:defRPr lang="pt-BR"/>
+            </a:pPr>
+            <a:r>
+              <a:rPr kumimoji="0" lang="pt-BR" sz="1200" b="0" i="0" u="none" strike="noStrike" kern="1200" cap="none" spc="0" normalizeH="0" baseline="0" dirty="0">
+                <a:ln>
+                  <a:noFill/>
+                </a:ln>
+                <a:solidFill>
+                  <a:schemeClr val="tx1"/>
+                </a:solidFill>
+                <a:effectLst/>
+                <a:uLnTx/>
+                <a:uFillTx/>
+                <a:latin typeface="+mn-lt"/>
+                <a:ea typeface="+mn-ea"/>
+                <a:cs typeface="+mn-cs"/>
+              </a:rPr>
+              <a:t>Mostrar na prática !</a:t>
             </a:r>
             <a:endParaRPr kumimoji="0" lang="pt-BR" sz="1200" b="0" i="0" u="none" strike="noStrike" kern="0" cap="none" spc="0" normalizeH="0" baseline="0" dirty="0">
               <a:ln>
@@ -1573,7 +2163,9 @@
         </p:nvSpPr>
         <p:spPr/>
         <p:txBody>
-          <a:bodyPr/>
+          <a:bodyPr>
+            <a:normAutofit fontScale="47500" lnSpcReduction="20000"/>
+          </a:bodyPr>
           <a:lstStyle/>
           <a:p>
             <a:pPr marL="342900" lvl="0" indent="-342900">
@@ -1585,7 +2177,7 @@
               <a:defRPr lang="pt-BR"/>
             </a:pPr>
             <a:r>
-              <a:rPr lang="pt-BR" sz="2400" kern="0" dirty="0" smtClean="0"/>
+              <a:rPr lang="pt-BR" sz="2400" kern="0" dirty="0"/>
               <a:t>Requisição: </a:t>
             </a:r>
           </a:p>
@@ -1597,9 +2189,372 @@
               <a:defRPr lang="pt-BR"/>
             </a:pPr>
             <a:r>
-              <a:rPr lang="pt-BR" sz="2400" kern="0" dirty="0" smtClean="0"/>
+              <a:rPr lang="pt-BR" sz="2400" kern="0" dirty="0"/>
               <a:t>São os dados referente a requisição feita pelo cliente</a:t>
             </a:r>
+          </a:p>
+          <a:p>
+            <a:pPr lvl="1">
+              <a:spcBef>
+                <a:spcPct val="20000"/>
+              </a:spcBef>
+              <a:defRPr lang="pt-BR"/>
+            </a:pPr>
+            <a:endParaRPr lang="pt-BR" sz="2400" kern="0" dirty="0"/>
+          </a:p>
+          <a:p>
+            <a:pPr lvl="1">
+              <a:spcBef>
+                <a:spcPct val="20000"/>
+              </a:spcBef>
+              <a:defRPr lang="pt-BR"/>
+            </a:pPr>
+            <a:r>
+              <a:rPr lang="pt-BR" sz="2400" dirty="0"/>
+              <a:t>Os métodos de </a:t>
+            </a:r>
+            <a:r>
+              <a:rPr lang="pt-BR" sz="2400" dirty="0" err="1"/>
+              <a:t>HttpServletRequest</a:t>
+            </a:r>
+            <a:r>
+              <a:rPr lang="pt-BR" sz="2400" dirty="0"/>
+              <a:t> permitem extrair informações de qual quer cabeçalho. Pode-se também identificar o método e URL. Estas e outras informações sobre a requisição podem ser obtidas através dos métodos do objeto </a:t>
+            </a:r>
+            <a:r>
+              <a:rPr lang="pt-BR" sz="2400" dirty="0" err="1"/>
+              <a:t>HttpServletRequest</a:t>
+            </a:r>
+            <a:r>
+              <a:rPr lang="pt-BR" sz="2400" dirty="0"/>
+              <a:t>. Alguns deles estão listados abaixo: </a:t>
+            </a:r>
+          </a:p>
+          <a:p>
+            <a:pPr lvl="1">
+              <a:spcBef>
+                <a:spcPct val="20000"/>
+              </a:spcBef>
+              <a:defRPr lang="pt-BR"/>
+            </a:pPr>
+            <a:endParaRPr lang="pt-BR" sz="2400" dirty="0"/>
+          </a:p>
+          <a:p>
+            <a:pPr lvl="1">
+              <a:spcBef>
+                <a:spcPct val="20000"/>
+              </a:spcBef>
+              <a:defRPr lang="pt-BR"/>
+            </a:pPr>
+            <a:r>
+              <a:rPr lang="pt-BR" sz="2400" dirty="0"/>
+              <a:t>• </a:t>
+            </a:r>
+            <a:r>
+              <a:rPr lang="pt-BR" sz="2400" dirty="0" err="1"/>
+              <a:t>Enumeration</a:t>
+            </a:r>
+            <a:r>
+              <a:rPr lang="pt-BR" sz="2400" dirty="0"/>
+              <a:t> </a:t>
+            </a:r>
+            <a:r>
+              <a:rPr lang="pt-BR" sz="2400" dirty="0" err="1"/>
+              <a:t>getHeaderNames</a:t>
+            </a:r>
+            <a:r>
+              <a:rPr lang="pt-BR" sz="2400" dirty="0"/>
+              <a:t>() - obtém nomes dos cabeçalhos</a:t>
+            </a:r>
+          </a:p>
+          <a:p>
+            <a:pPr marL="457200" lvl="1" indent="0">
+              <a:spcBef>
+                <a:spcPct val="20000"/>
+              </a:spcBef>
+              <a:buFont typeface="Arial"/>
+              <a:buNone/>
+              <a:defRPr lang="pt-BR"/>
+            </a:pPr>
+            <a:r>
+              <a:rPr lang="pt-BR" sz="1200" dirty="0"/>
+              <a:t>•  </a:t>
+            </a:r>
+            <a:r>
+              <a:rPr lang="pt-BR" dirty="0" err="1"/>
+              <a:t>String</a:t>
+            </a:r>
+            <a:r>
+              <a:rPr lang="pt-BR" dirty="0"/>
+              <a:t> </a:t>
+            </a:r>
+            <a:r>
+              <a:rPr lang="pt-BR" dirty="0" err="1"/>
+              <a:t>getHeader</a:t>
+            </a:r>
+            <a:r>
+              <a:rPr lang="pt-BR" dirty="0"/>
+              <a:t>("nome") - obtém primeiro valor do cabeçalho </a:t>
+            </a:r>
+          </a:p>
+          <a:p>
+            <a:pPr marL="457200" lvl="1" indent="0">
+              <a:spcBef>
+                <a:spcPct val="20000"/>
+              </a:spcBef>
+              <a:buFont typeface="Arial"/>
+              <a:buNone/>
+              <a:defRPr lang="pt-BR"/>
+            </a:pPr>
+            <a:r>
+              <a:rPr lang="pt-BR" dirty="0"/>
+              <a:t>• </a:t>
+            </a:r>
+            <a:r>
+              <a:rPr lang="pt-BR" dirty="0" err="1"/>
+              <a:t>Enumeration</a:t>
+            </a:r>
+            <a:r>
+              <a:rPr lang="pt-BR" dirty="0"/>
+              <a:t> </a:t>
+            </a:r>
+            <a:r>
+              <a:rPr lang="pt-BR" dirty="0" err="1"/>
+              <a:t>getHeaders</a:t>
+            </a:r>
+            <a:r>
+              <a:rPr lang="pt-BR" dirty="0"/>
+              <a:t>("nome") - todos os valores do cabeçalho </a:t>
+            </a:r>
+          </a:p>
+          <a:p>
+            <a:pPr marL="457200" lvl="1" indent="0">
+              <a:spcBef>
+                <a:spcPct val="20000"/>
+              </a:spcBef>
+              <a:buFont typeface="Arial"/>
+              <a:buNone/>
+              <a:defRPr lang="pt-BR"/>
+            </a:pPr>
+            <a:r>
+              <a:rPr lang="pt-BR" dirty="0"/>
+              <a:t>• </a:t>
+            </a:r>
+            <a:r>
+              <a:rPr lang="pt-BR" dirty="0" err="1"/>
+              <a:t>String</a:t>
+            </a:r>
+            <a:r>
+              <a:rPr lang="pt-BR" dirty="0"/>
+              <a:t> </a:t>
+            </a:r>
+            <a:r>
+              <a:rPr lang="pt-BR" dirty="0" err="1"/>
+              <a:t>getParameter</a:t>
+            </a:r>
+            <a:r>
+              <a:rPr lang="pt-BR" dirty="0"/>
+              <a:t>(param) - obtém parâmetro HTTP </a:t>
+            </a:r>
+          </a:p>
+          <a:p>
+            <a:pPr marL="457200" lvl="1" indent="0">
+              <a:spcBef>
+                <a:spcPct val="20000"/>
+              </a:spcBef>
+              <a:buFont typeface="Arial"/>
+              <a:buNone/>
+              <a:defRPr lang="pt-BR"/>
+            </a:pPr>
+            <a:r>
+              <a:rPr lang="pt-BR" dirty="0"/>
+              <a:t>• </a:t>
+            </a:r>
+            <a:r>
+              <a:rPr lang="pt-BR" dirty="0" err="1"/>
+              <a:t>String</a:t>
+            </a:r>
+            <a:r>
+              <a:rPr lang="pt-BR" dirty="0"/>
+              <a:t>[] </a:t>
+            </a:r>
+            <a:r>
+              <a:rPr lang="pt-BR" dirty="0" err="1"/>
+              <a:t>getParameterValues</a:t>
+            </a:r>
+            <a:r>
+              <a:rPr lang="pt-BR" dirty="0"/>
+              <a:t>(param) - obtém parâmetros repetidos </a:t>
+            </a:r>
+          </a:p>
+          <a:p>
+            <a:pPr marL="457200" lvl="1" indent="0">
+              <a:spcBef>
+                <a:spcPct val="20000"/>
+              </a:spcBef>
+              <a:buFont typeface="Arial"/>
+              <a:buNone/>
+              <a:defRPr lang="pt-BR"/>
+            </a:pPr>
+            <a:r>
+              <a:rPr lang="pt-BR" dirty="0"/>
+              <a:t>• </a:t>
+            </a:r>
+            <a:r>
+              <a:rPr lang="pt-BR" dirty="0" err="1"/>
+              <a:t>Enumeration</a:t>
+            </a:r>
+            <a:r>
+              <a:rPr lang="pt-BR" dirty="0"/>
+              <a:t> </a:t>
+            </a:r>
+            <a:r>
+              <a:rPr lang="pt-BR" dirty="0" err="1"/>
+              <a:t>getParameterNames</a:t>
+            </a:r>
+            <a:r>
+              <a:rPr lang="pt-BR" dirty="0"/>
+              <a:t>() - obtém nomes dos parâmetros </a:t>
+            </a:r>
+          </a:p>
+          <a:p>
+            <a:pPr marL="457200" lvl="1" indent="0">
+              <a:spcBef>
+                <a:spcPct val="20000"/>
+              </a:spcBef>
+              <a:buFont typeface="Arial"/>
+              <a:buNone/>
+              <a:defRPr lang="pt-BR"/>
+            </a:pPr>
+            <a:r>
+              <a:rPr lang="pt-BR" dirty="0"/>
+              <a:t>• Cookie[] </a:t>
+            </a:r>
+            <a:r>
+              <a:rPr lang="pt-BR" dirty="0" err="1"/>
+              <a:t>getCookies</a:t>
+            </a:r>
+            <a:r>
+              <a:rPr lang="pt-BR" dirty="0"/>
+              <a:t>() - recebe cookies do cliente </a:t>
+            </a:r>
+          </a:p>
+          <a:p>
+            <a:pPr marL="457200" lvl="1" indent="0">
+              <a:spcBef>
+                <a:spcPct val="20000"/>
+              </a:spcBef>
+              <a:buFont typeface="Arial"/>
+              <a:buNone/>
+              <a:defRPr lang="pt-BR"/>
+            </a:pPr>
+            <a:r>
+              <a:rPr lang="pt-BR" dirty="0"/>
+              <a:t>• </a:t>
+            </a:r>
+            <a:r>
+              <a:rPr lang="pt-BR" dirty="0" err="1"/>
+              <a:t>HttpSession</a:t>
+            </a:r>
+            <a:r>
+              <a:rPr lang="pt-BR" dirty="0"/>
+              <a:t> </a:t>
+            </a:r>
+            <a:r>
+              <a:rPr lang="pt-BR" dirty="0" err="1"/>
+              <a:t>getSession</a:t>
+            </a:r>
+            <a:r>
+              <a:rPr lang="pt-BR" dirty="0"/>
+              <a:t>() - retorna a sessão </a:t>
+            </a:r>
+          </a:p>
+          <a:p>
+            <a:pPr marL="457200" lvl="1" indent="0">
+              <a:spcBef>
+                <a:spcPct val="20000"/>
+              </a:spcBef>
+              <a:buFont typeface="Arial"/>
+              <a:buNone/>
+              <a:defRPr lang="pt-BR"/>
+            </a:pPr>
+            <a:r>
+              <a:rPr lang="pt-BR" dirty="0"/>
+              <a:t>• </a:t>
+            </a:r>
+            <a:r>
+              <a:rPr lang="pt-BR" dirty="0" err="1"/>
+              <a:t>void</a:t>
+            </a:r>
+            <a:r>
+              <a:rPr lang="pt-BR" dirty="0"/>
+              <a:t> </a:t>
+            </a:r>
+            <a:r>
+              <a:rPr lang="pt-BR" dirty="0" err="1"/>
+              <a:t>setAttribute</a:t>
+            </a:r>
+            <a:r>
+              <a:rPr lang="pt-BR" dirty="0"/>
+              <a:t>("nome", </a:t>
+            </a:r>
+            <a:r>
+              <a:rPr lang="pt-BR" dirty="0" err="1"/>
+              <a:t>obj</a:t>
+            </a:r>
+            <a:r>
+              <a:rPr lang="pt-BR" dirty="0"/>
+              <a:t>) - define um atributo </a:t>
+            </a:r>
+            <a:r>
+              <a:rPr lang="pt-BR" dirty="0" err="1"/>
+              <a:t>obj</a:t>
+            </a:r>
+            <a:r>
+              <a:rPr lang="pt-BR" dirty="0"/>
+              <a:t> chamado "nome". </a:t>
+            </a:r>
+          </a:p>
+          <a:p>
+            <a:pPr marL="457200" lvl="1" indent="0">
+              <a:spcBef>
+                <a:spcPct val="20000"/>
+              </a:spcBef>
+              <a:buFont typeface="Arial"/>
+              <a:buNone/>
+              <a:defRPr lang="pt-BR"/>
+            </a:pPr>
+            <a:r>
+              <a:rPr lang="pt-BR" dirty="0"/>
+              <a:t>• </a:t>
+            </a:r>
+            <a:r>
+              <a:rPr lang="pt-BR" dirty="0" err="1"/>
+              <a:t>Object</a:t>
+            </a:r>
+            <a:r>
+              <a:rPr lang="pt-BR" dirty="0"/>
+              <a:t> </a:t>
+            </a:r>
+            <a:r>
+              <a:rPr lang="pt-BR" dirty="0" err="1"/>
+              <a:t>getAttribute</a:t>
+            </a:r>
+            <a:r>
+              <a:rPr lang="pt-BR" dirty="0"/>
+              <a:t>("nome") - recupera atributo chamado nome</a:t>
+            </a:r>
+            <a:endParaRPr kumimoji="0" lang="pt-BR" sz="1200" b="0" i="0" u="none" strike="noStrike" kern="0" cap="none" spc="0" normalizeH="0" baseline="0" dirty="0">
+              <a:ln>
+                <a:noFill/>
+              </a:ln>
+              <a:solidFill>
+                <a:schemeClr val="tx1"/>
+              </a:solidFill>
+              <a:effectLst/>
+              <a:uLnTx/>
+              <a:uFillTx/>
+            </a:endParaRPr>
           </a:p>
           <a:p>
             <a:pPr marL="342900" lvl="0" indent="-342900">
@@ -1610,8 +2565,29 @@
               <a:buChar char="•"/>
               <a:defRPr lang="pt-BR"/>
             </a:pPr>
-            <a:r>
-              <a:rPr kumimoji="0" lang="pt-BR" sz="1200" b="0" i="0" u="none" strike="noStrike" kern="0" cap="none" spc="0" normalizeH="0" baseline="0" dirty="0" smtClean="0">
+            <a:endParaRPr kumimoji="0" lang="pt-BR" sz="1200" b="0" i="0" u="none" strike="noStrike" kern="0" cap="none" spc="0" normalizeH="0" baseline="0" dirty="0">
+              <a:ln>
+                <a:noFill/>
+              </a:ln>
+              <a:solidFill>
+                <a:schemeClr val="tx1"/>
+              </a:solidFill>
+              <a:effectLst/>
+              <a:uLnTx/>
+              <a:uFillTx/>
+            </a:endParaRPr>
+          </a:p>
+          <a:p>
+            <a:pPr marL="342900" lvl="0" indent="-342900">
+              <a:spcBef>
+                <a:spcPct val="20000"/>
+              </a:spcBef>
+              <a:buFont typeface="Arial"/>
+              <a:buChar char="•"/>
+              <a:defRPr lang="pt-BR"/>
+            </a:pPr>
+            <a:r>
+              <a:rPr kumimoji="0" lang="pt-BR" sz="1200" b="0" i="0" u="none" strike="noStrike" kern="0" cap="none" spc="0" normalizeH="0" baseline="0" dirty="0">
                 <a:ln>
                   <a:noFill/>
                 </a:ln>
@@ -1635,7 +2611,7 @@
               <a:defRPr lang="pt-BR"/>
             </a:pPr>
             <a:r>
-              <a:rPr kumimoji="0" lang="pt-BR" sz="1200" b="0" i="0" u="none" strike="noStrike" kern="0" cap="none" spc="0" normalizeH="0" baseline="0" dirty="0" smtClean="0">
+              <a:rPr kumimoji="0" lang="pt-BR" sz="1200" b="0" i="0" u="none" strike="noStrike" kern="0" cap="none" spc="0" normalizeH="0" baseline="0" dirty="0">
                 <a:ln>
                   <a:noFill/>
                 </a:ln>
@@ -1648,6 +2624,16 @@
               </a:rPr>
               <a:t>São dados referente a resposta do servidor</a:t>
             </a:r>
+          </a:p>
+          <a:p>
+            <a:pPr marL="457200" lvl="1" indent="0">
+              <a:spcBef>
+                <a:spcPct val="20000"/>
+              </a:spcBef>
+              <a:buFont typeface="Arial"/>
+              <a:buNone/>
+              <a:defRPr lang="pt-BR"/>
+            </a:pPr>
             <a:endParaRPr kumimoji="0" lang="pt-BR" sz="1200" b="0" i="0" u="none" strike="noStrike" kern="0" cap="none" spc="0" normalizeH="0" baseline="0" dirty="0">
               <a:ln>
                 <a:noFill/>
@@ -1659,6 +2645,431 @@
               <a:uLnTx/>
               <a:uFillTx/>
             </a:endParaRPr>
+          </a:p>
+          <a:p>
+            <a:pPr marL="457200" lvl="1" indent="0">
+              <a:spcBef>
+                <a:spcPct val="20000"/>
+              </a:spcBef>
+              <a:buFont typeface="Arial"/>
+              <a:buNone/>
+              <a:defRPr lang="pt-BR"/>
+            </a:pPr>
+            <a:r>
+              <a:rPr lang="pt-BR" dirty="0"/>
+              <a:t>Os métodos de </a:t>
+            </a:r>
+            <a:r>
+              <a:rPr lang="pt-BR" dirty="0" err="1"/>
+              <a:t>HttpServletResponse</a:t>
+            </a:r>
+            <a:r>
+              <a:rPr lang="pt-BR" dirty="0"/>
+              <a:t> permitem construir um cabeçalho. Alguns dos principais métodos estão listados abaixo:</a:t>
+            </a:r>
+          </a:p>
+          <a:p>
+            <a:pPr marL="457200" lvl="1" indent="0">
+              <a:spcBef>
+                <a:spcPct val="20000"/>
+              </a:spcBef>
+              <a:buFont typeface="Arial"/>
+              <a:buNone/>
+              <a:defRPr lang="pt-BR"/>
+            </a:pPr>
+            <a:r>
+              <a:rPr lang="pt-BR" dirty="0"/>
+              <a:t>• </a:t>
+            </a:r>
+            <a:r>
+              <a:rPr lang="pt-BR" dirty="0" err="1"/>
+              <a:t>void</a:t>
+            </a:r>
+            <a:r>
+              <a:rPr lang="pt-BR" dirty="0"/>
+              <a:t> </a:t>
+            </a:r>
+            <a:r>
+              <a:rPr lang="pt-BR" dirty="0" err="1"/>
+              <a:t>addHeader</a:t>
+            </a:r>
+            <a:r>
+              <a:rPr lang="pt-BR" dirty="0"/>
+              <a:t>(</a:t>
+            </a:r>
+            <a:r>
+              <a:rPr lang="pt-BR" dirty="0" err="1"/>
+              <a:t>String</a:t>
+            </a:r>
+            <a:r>
+              <a:rPr lang="pt-BR" dirty="0"/>
+              <a:t> nome, </a:t>
+            </a:r>
+            <a:r>
+              <a:rPr lang="pt-BR" dirty="0" err="1"/>
+              <a:t>String</a:t>
+            </a:r>
+            <a:r>
+              <a:rPr lang="pt-BR" dirty="0"/>
+              <a:t> valor) -adiciona cabeçalho HTTP </a:t>
+            </a:r>
+          </a:p>
+          <a:p>
+            <a:pPr marL="457200" lvl="1" indent="0">
+              <a:spcBef>
+                <a:spcPct val="20000"/>
+              </a:spcBef>
+              <a:buFont typeface="Arial"/>
+              <a:buNone/>
+              <a:defRPr lang="pt-BR"/>
+            </a:pPr>
+            <a:r>
+              <a:rPr lang="pt-BR" dirty="0"/>
+              <a:t>• </a:t>
+            </a:r>
+            <a:r>
+              <a:rPr lang="pt-BR" dirty="0" err="1"/>
+              <a:t>void</a:t>
+            </a:r>
+            <a:r>
+              <a:rPr lang="pt-BR" dirty="0"/>
+              <a:t> </a:t>
+            </a:r>
+            <a:r>
+              <a:rPr lang="pt-BR" dirty="0" err="1"/>
+              <a:t>setContentType</a:t>
+            </a:r>
+            <a:r>
+              <a:rPr lang="pt-BR" dirty="0"/>
+              <a:t>(tipo MIME) - define o tipo MIME que será usado para gerar a saída (</a:t>
+            </a:r>
+            <a:r>
+              <a:rPr lang="pt-BR" dirty="0" err="1"/>
+              <a:t>text</a:t>
+            </a:r>
+            <a:r>
+              <a:rPr lang="pt-BR" dirty="0"/>
+              <a:t>/</a:t>
+            </a:r>
+            <a:r>
+              <a:rPr lang="pt-BR" dirty="0" err="1"/>
+              <a:t>html</a:t>
+            </a:r>
+            <a:r>
+              <a:rPr lang="pt-BR" dirty="0"/>
+              <a:t>, </a:t>
+            </a:r>
+            <a:r>
+              <a:rPr lang="pt-BR" dirty="0" err="1"/>
+              <a:t>image</a:t>
+            </a:r>
+            <a:r>
+              <a:rPr lang="pt-BR" dirty="0"/>
+              <a:t>/gif, etc.) </a:t>
+            </a:r>
+          </a:p>
+          <a:p>
+            <a:pPr marL="457200" lvl="1" indent="0">
+              <a:spcBef>
+                <a:spcPct val="20000"/>
+              </a:spcBef>
+              <a:buFont typeface="Arial"/>
+              <a:buNone/>
+              <a:defRPr lang="pt-BR"/>
+            </a:pPr>
+            <a:r>
+              <a:rPr lang="pt-BR" dirty="0"/>
+              <a:t>• </a:t>
+            </a:r>
+            <a:r>
+              <a:rPr lang="pt-BR" dirty="0" err="1"/>
+              <a:t>void</a:t>
+            </a:r>
+            <a:r>
+              <a:rPr lang="pt-BR" dirty="0"/>
+              <a:t> </a:t>
+            </a:r>
+            <a:r>
+              <a:rPr lang="pt-BR" dirty="0" err="1"/>
+              <a:t>sendRedirect</a:t>
+            </a:r>
+            <a:r>
+              <a:rPr lang="pt-BR" dirty="0"/>
+              <a:t>(</a:t>
+            </a:r>
+            <a:r>
+              <a:rPr lang="pt-BR" dirty="0" err="1"/>
+              <a:t>String</a:t>
+            </a:r>
+            <a:r>
+              <a:rPr lang="pt-BR" dirty="0"/>
+              <a:t> </a:t>
+            </a:r>
+            <a:r>
+              <a:rPr lang="pt-BR" dirty="0" err="1"/>
+              <a:t>location</a:t>
+            </a:r>
+            <a:r>
+              <a:rPr lang="pt-BR" dirty="0"/>
+              <a:t>) - envia informação de redirecionamento para o cliente (mesmo que enviar o cabeçalho </a:t>
+            </a:r>
+            <a:r>
+              <a:rPr lang="pt-BR" dirty="0" err="1"/>
+              <a:t>Location</a:t>
+            </a:r>
+            <a:r>
+              <a:rPr lang="pt-BR" dirty="0"/>
+              <a:t>: </a:t>
+            </a:r>
+            <a:r>
+              <a:rPr lang="pt-BR" dirty="0" err="1"/>
+              <a:t>url</a:t>
+            </a:r>
+            <a:r>
+              <a:rPr lang="pt-BR" dirty="0"/>
+              <a:t>) </a:t>
+            </a:r>
+          </a:p>
+          <a:p>
+            <a:pPr marL="457200" lvl="1" indent="0">
+              <a:spcBef>
+                <a:spcPct val="20000"/>
+              </a:spcBef>
+              <a:buFont typeface="Arial"/>
+              <a:buNone/>
+              <a:defRPr lang="pt-BR"/>
+            </a:pPr>
+            <a:r>
+              <a:rPr lang="pt-BR" dirty="0"/>
+              <a:t>• Writer </a:t>
+            </a:r>
+            <a:r>
+              <a:rPr lang="pt-BR" dirty="0" err="1"/>
+              <a:t>getWriter</a:t>
+            </a:r>
+            <a:r>
+              <a:rPr lang="pt-BR" dirty="0"/>
+              <a:t>() - obtém um Writer para gerar a saída. Ideal para saída de texto. </a:t>
+            </a:r>
+          </a:p>
+          <a:p>
+            <a:pPr marL="457200" lvl="1" indent="0">
+              <a:spcBef>
+                <a:spcPct val="20000"/>
+              </a:spcBef>
+              <a:buFont typeface="Arial"/>
+              <a:buNone/>
+              <a:defRPr lang="pt-BR"/>
+            </a:pPr>
+            <a:r>
+              <a:rPr lang="pt-BR" dirty="0"/>
+              <a:t>• </a:t>
+            </a:r>
+            <a:r>
+              <a:rPr lang="pt-BR" dirty="0" err="1"/>
+              <a:t>OutputStream</a:t>
+            </a:r>
+            <a:r>
+              <a:rPr lang="pt-BR" dirty="0"/>
+              <a:t> </a:t>
+            </a:r>
+            <a:r>
+              <a:rPr lang="pt-BR" dirty="0" err="1"/>
+              <a:t>getOutputStream</a:t>
+            </a:r>
+            <a:r>
+              <a:rPr lang="pt-BR" dirty="0"/>
+              <a:t>() - obtém um </a:t>
+            </a:r>
+            <a:r>
+              <a:rPr lang="pt-BR" dirty="0" err="1"/>
+              <a:t>OutputStream</a:t>
+            </a:r>
+            <a:r>
+              <a:rPr lang="pt-BR" dirty="0"/>
+              <a:t>. Ideal para gerar formatos diferentes de texto (imagens, etc.) </a:t>
+            </a:r>
+          </a:p>
+          <a:p>
+            <a:pPr marL="457200" lvl="1" indent="0">
+              <a:spcBef>
+                <a:spcPct val="20000"/>
+              </a:spcBef>
+              <a:buFont typeface="Arial"/>
+              <a:buNone/>
+              <a:defRPr lang="pt-BR"/>
+            </a:pPr>
+            <a:r>
+              <a:rPr lang="pt-BR" dirty="0"/>
+              <a:t>• </a:t>
+            </a:r>
+            <a:r>
+              <a:rPr lang="pt-BR" dirty="0" err="1"/>
+              <a:t>void</a:t>
+            </a:r>
+            <a:r>
+              <a:rPr lang="pt-BR" dirty="0"/>
+              <a:t> </a:t>
+            </a:r>
+            <a:r>
+              <a:rPr lang="pt-BR" dirty="0" err="1"/>
+              <a:t>addCookie</a:t>
+            </a:r>
+            <a:r>
+              <a:rPr lang="pt-BR" dirty="0"/>
+              <a:t>(Cookie c) -adiciona um novo cookie </a:t>
+            </a:r>
+          </a:p>
+          <a:p>
+            <a:pPr marL="457200" lvl="1" indent="0">
+              <a:spcBef>
+                <a:spcPct val="20000"/>
+              </a:spcBef>
+              <a:buFont typeface="Arial"/>
+              <a:buNone/>
+              <a:defRPr lang="pt-BR"/>
+            </a:pPr>
+            <a:r>
+              <a:rPr lang="pt-BR" dirty="0"/>
+              <a:t>• </a:t>
+            </a:r>
+            <a:r>
+              <a:rPr lang="pt-BR" dirty="0" err="1"/>
+              <a:t>void</a:t>
+            </a:r>
+            <a:r>
+              <a:rPr lang="pt-BR" dirty="0"/>
+              <a:t> </a:t>
+            </a:r>
+            <a:r>
+              <a:rPr lang="pt-BR" dirty="0" err="1"/>
+              <a:t>encodeURL</a:t>
+            </a:r>
+            <a:r>
+              <a:rPr lang="pt-BR" dirty="0"/>
+              <a:t>(</a:t>
+            </a:r>
+            <a:r>
+              <a:rPr lang="pt-BR" dirty="0" err="1"/>
+              <a:t>String</a:t>
+            </a:r>
+            <a:r>
+              <a:rPr lang="pt-BR" dirty="0"/>
+              <a:t> </a:t>
+            </a:r>
+            <a:r>
+              <a:rPr lang="pt-BR" dirty="0" err="1"/>
+              <a:t>url</a:t>
+            </a:r>
+            <a:r>
+              <a:rPr lang="pt-BR" dirty="0"/>
+              <a:t>) - envia como anexo da URL a informação de identificador de sessão (</a:t>
+            </a:r>
+            <a:r>
+              <a:rPr lang="pt-BR" dirty="0" err="1"/>
+              <a:t>sessionid</a:t>
+            </a:r>
+            <a:r>
+              <a:rPr lang="pt-BR" dirty="0"/>
+              <a:t>) </a:t>
+            </a:r>
+          </a:p>
+          <a:p>
+            <a:pPr marL="457200" lvl="1" indent="0">
+              <a:spcBef>
+                <a:spcPct val="20000"/>
+              </a:spcBef>
+              <a:buFont typeface="Arial"/>
+              <a:buNone/>
+              <a:defRPr lang="pt-BR"/>
+            </a:pPr>
+            <a:r>
+              <a:rPr lang="pt-BR" dirty="0"/>
+              <a:t>• </a:t>
+            </a:r>
+            <a:r>
+              <a:rPr lang="pt-BR" dirty="0" err="1"/>
+              <a:t>void</a:t>
+            </a:r>
+            <a:r>
+              <a:rPr lang="pt-BR" dirty="0"/>
+              <a:t> reset() - limpa toda a saída inclusive os cabeçalhos </a:t>
+            </a:r>
+          </a:p>
+          <a:p>
+            <a:pPr marL="457200" lvl="1" indent="0">
+              <a:spcBef>
+                <a:spcPct val="20000"/>
+              </a:spcBef>
+              <a:buFont typeface="Arial"/>
+              <a:buNone/>
+              <a:defRPr lang="pt-BR"/>
+            </a:pPr>
+            <a:r>
+              <a:rPr lang="pt-BR" dirty="0"/>
+              <a:t>• </a:t>
+            </a:r>
+            <a:r>
+              <a:rPr lang="pt-BR" dirty="0" err="1"/>
+              <a:t>void</a:t>
+            </a:r>
+            <a:r>
+              <a:rPr lang="pt-BR" dirty="0"/>
+              <a:t> </a:t>
+            </a:r>
+            <a:r>
+              <a:rPr lang="pt-BR" dirty="0" err="1"/>
+              <a:t>resetBuffer</a:t>
+            </a:r>
+            <a:r>
+              <a:rPr lang="pt-BR" dirty="0"/>
+              <a:t>() - limpa toda a saída, exceto cabeçalhos</a:t>
+            </a:r>
+          </a:p>
+          <a:p>
+            <a:pPr marL="457200" lvl="1" indent="0">
+              <a:spcBef>
+                <a:spcPct val="20000"/>
+              </a:spcBef>
+              <a:buFont typeface="Arial"/>
+              <a:buNone/>
+              <a:defRPr lang="pt-BR"/>
+            </a:pPr>
+            <a:endParaRPr kumimoji="0" lang="pt-BR" sz="1200" b="0" i="0" u="none" strike="noStrike" kern="0" cap="none" spc="0" normalizeH="0" baseline="0" dirty="0">
+              <a:ln>
+                <a:noFill/>
+              </a:ln>
+              <a:solidFill>
+                <a:schemeClr val="tx1"/>
+              </a:solidFill>
+              <a:effectLst/>
+              <a:uLnTx/>
+              <a:uFillTx/>
+            </a:endParaRPr>
+          </a:p>
+          <a:p>
+            <a:pPr marL="457200" lvl="1" indent="0">
+              <a:spcBef>
+                <a:spcPct val="20000"/>
+              </a:spcBef>
+              <a:buFont typeface="Arial"/>
+              <a:buNone/>
+              <a:defRPr lang="pt-BR"/>
+            </a:pPr>
+            <a:r>
+              <a:rPr kumimoji="0" lang="pt-BR" sz="1200" b="0" i="0" u="none" strike="noStrike" kern="0" cap="none" spc="0" normalizeH="0" baseline="0" dirty="0">
+                <a:ln>
+                  <a:noFill/>
+                </a:ln>
+                <a:solidFill>
+                  <a:schemeClr val="tx1"/>
+                </a:solidFill>
+                <a:effectLst/>
+                <a:uLnTx/>
+                <a:uFillTx/>
+              </a:rPr>
+              <a:t>Criar um exemplo !</a:t>
+            </a:r>
           </a:p>
         </p:txBody>
       </p:sp>
@@ -1739,7 +3150,7 @@
           <a:lstStyle/>
           <a:p>
             <a:r>
-              <a:rPr lang="pt-BR" sz="1200" b="0" i="0" u="none" strike="noStrike" kern="1200" baseline="0" dirty="0" smtClean="0">
+              <a:rPr lang="pt-BR" sz="1200" b="0" i="0" u="none" strike="noStrike" kern="1200" baseline="0" dirty="0">
                 <a:solidFill>
                   <a:schemeClr val="tx1"/>
                 </a:solidFill>
@@ -1750,7 +3161,7 @@
               <a:t>O </a:t>
             </a:r>
             <a:r>
-              <a:rPr lang="pt-BR" sz="1200" b="0" i="0" u="none" strike="noStrike" kern="1200" baseline="0" dirty="0" err="1" smtClean="0">
+              <a:rPr lang="pt-BR" sz="1200" b="0" i="0" u="none" strike="noStrike" kern="1200" baseline="0" dirty="0" err="1">
                 <a:solidFill>
                   <a:schemeClr val="tx1"/>
                 </a:solidFill>
@@ -1761,7 +3172,7 @@
               <a:t>servlet</a:t>
             </a:r>
             <a:r>
-              <a:rPr lang="pt-BR" sz="1200" b="0" i="0" u="none" strike="noStrike" kern="1200" baseline="0" dirty="0" smtClean="0">
+              <a:rPr lang="pt-BR" sz="1200" b="0" i="0" u="none" strike="noStrike" kern="1200" baseline="0" dirty="0">
                 <a:solidFill>
                   <a:schemeClr val="tx1"/>
                 </a:solidFill>
@@ -1774,7 +3185,7 @@
           </a:p>
           <a:p>
             <a:r>
-              <a:rPr lang="pt-BR" sz="1200" b="0" i="0" u="none" strike="noStrike" kern="1200" baseline="0" dirty="0" smtClean="0">
+              <a:rPr lang="pt-BR" sz="1200" b="0" i="0" u="none" strike="noStrike" kern="1200" baseline="0" dirty="0">
                 <a:solidFill>
                   <a:schemeClr val="tx1"/>
                 </a:solidFill>
@@ -1783,6 +3194,41 @@
                 <a:cs typeface="+mn-cs"/>
               </a:rPr>
               <a:t>servidor).</a:t>
+            </a:r>
+          </a:p>
+          <a:p>
+            <a:endParaRPr kumimoji="0" lang="pt-BR" sz="1200" b="0" i="0" u="none" strike="noStrike" kern="1200" cap="none" spc="0" normalizeH="0" baseline="0" dirty="0">
+              <a:ln>
+                <a:noFill/>
+              </a:ln>
+              <a:solidFill>
+                <a:schemeClr val="tx1"/>
+              </a:solidFill>
+              <a:effectLst/>
+              <a:uLnTx/>
+              <a:uFillTx/>
+              <a:latin typeface="+mn-lt"/>
+              <a:ea typeface="+mn-ea"/>
+              <a:cs typeface="+mn-cs"/>
+            </a:endParaRPr>
+          </a:p>
+          <a:p>
+            <a:r>
+              <a:rPr kumimoji="0" lang="pt-BR" sz="1200" b="0" i="0" u="none" strike="noStrike" kern="1200" cap="none" spc="0" normalizeH="0" baseline="0" dirty="0">
+                <a:ln>
+                  <a:noFill/>
+                </a:ln>
+                <a:solidFill>
+                  <a:schemeClr val="tx1"/>
+                </a:solidFill>
+                <a:effectLst/>
+                <a:uLnTx/>
+                <a:uFillTx/>
+                <a:latin typeface="+mn-lt"/>
+                <a:ea typeface="+mn-ea"/>
+                <a:cs typeface="+mn-cs"/>
+              </a:rPr>
+              <a:t>- Criar um exemplo.</a:t>
             </a:r>
             <a:endParaRPr kumimoji="0" lang="pt-BR" sz="1200" b="0" i="0" u="none" strike="noStrike" kern="0" cap="none" spc="0" normalizeH="0" baseline="0" dirty="0">
               <a:ln>
@@ -1873,6 +3319,100 @@
         <p:txBody>
           <a:bodyPr/>
           <a:lstStyle/>
+          <a:p>
+            <a:pPr marL="0" lvl="0" indent="0">
+              <a:spcBef>
+                <a:spcPct val="20000"/>
+              </a:spcBef>
+              <a:buFont typeface="Arial"/>
+              <a:buNone/>
+              <a:defRPr lang="pt-BR"/>
+            </a:pPr>
+            <a:r>
+              <a:rPr lang="pt-BR" sz="1200" b="1" i="0" kern="1200" dirty="0">
+                <a:solidFill>
+                  <a:schemeClr val="tx1"/>
+                </a:solidFill>
+                <a:effectLst/>
+                <a:latin typeface="+mn-lt"/>
+                <a:ea typeface="+mn-ea"/>
+                <a:cs typeface="+mn-cs"/>
+              </a:rPr>
+              <a:t>GET </a:t>
+            </a:r>
+            <a:r>
+              <a:rPr lang="pt-BR" sz="1200" b="1" i="0" kern="1200" dirty="0">
+                <a:solidFill>
+                  <a:schemeClr val="tx1"/>
+                </a:solidFill>
+                <a:effectLst/>
+                <a:latin typeface="+mn-lt"/>
+                <a:ea typeface="+mn-ea"/>
+                <a:cs typeface="+mn-cs"/>
+                <a:sym typeface="Wingdings" panose="05000000000000000000" pitchFamily="2" charset="2"/>
+              </a:rPr>
+              <a:t></a:t>
+            </a:r>
+            <a:r>
+              <a:rPr lang="pt-BR" sz="1200" b="0" i="0" kern="1200" dirty="0">
+                <a:solidFill>
+                  <a:schemeClr val="tx1"/>
+                </a:solidFill>
+                <a:effectLst/>
+                <a:latin typeface="+mn-lt"/>
+                <a:ea typeface="+mn-ea"/>
+                <a:cs typeface="+mn-cs"/>
+              </a:rPr>
+              <a:t> Método que solicita algum recurso ou objeto ao servidor. Nesse verbo os parâmetros são passados via URL.</a:t>
+            </a:r>
+          </a:p>
+          <a:p>
+            <a:pPr marL="0" lvl="0" indent="0">
+              <a:spcBef>
+                <a:spcPct val="20000"/>
+              </a:spcBef>
+              <a:buFont typeface="Arial"/>
+              <a:buNone/>
+              <a:defRPr lang="pt-BR"/>
+            </a:pPr>
+            <a:r>
+              <a:rPr lang="pt-BR" sz="1200" b="1" i="0" kern="1200" dirty="0">
+                <a:solidFill>
+                  <a:schemeClr val="tx1"/>
+                </a:solidFill>
+                <a:effectLst/>
+                <a:latin typeface="+mn-lt"/>
+                <a:ea typeface="+mn-ea"/>
+                <a:cs typeface="+mn-cs"/>
+              </a:rPr>
+              <a:t>POST </a:t>
+            </a:r>
+            <a:r>
+              <a:rPr lang="pt-BR" sz="1200" b="0" i="0" kern="1200" dirty="0">
+                <a:solidFill>
+                  <a:schemeClr val="tx1"/>
+                </a:solidFill>
+                <a:effectLst/>
+                <a:latin typeface="+mn-lt"/>
+                <a:ea typeface="+mn-ea"/>
+                <a:cs typeface="+mn-cs"/>
+                <a:sym typeface="Wingdings" panose="05000000000000000000" pitchFamily="2" charset="2"/>
+              </a:rPr>
+              <a:t></a:t>
+            </a:r>
+            <a:r>
+              <a:rPr lang="pt-BR" sz="1200" b="0" i="0" kern="1200" dirty="0">
+                <a:solidFill>
+                  <a:schemeClr val="tx1"/>
+                </a:solidFill>
+                <a:effectLst/>
+                <a:latin typeface="+mn-lt"/>
+                <a:ea typeface="+mn-ea"/>
+                <a:cs typeface="+mn-cs"/>
+              </a:rPr>
+              <a:t> Método usado para envio de arquivo/dados ou formulário HTML ao servidor. Dados são enviados via formulário, dentro do corpo da requisição.</a:t>
+            </a:r>
+          </a:p>
           <a:p>
             <a:pPr marL="0" lvl="0" indent="0">
               <a:spcBef>
@@ -1975,15 +3515,139 @@
           <a:bodyPr/>
           <a:lstStyle/>
           <a:p>
-            <a:pPr marL="342900" lvl="0" indent="-342900">
+            <a:pPr marL="0" lvl="0" indent="0">
               <a:spcBef>
                 <a:spcPct val="20000"/>
               </a:spcBef>
               <a:buFont typeface="Arial"/>
-              <a:buChar char="•"/>
+              <a:buNone/>
               <a:defRPr lang="pt-BR"/>
             </a:pPr>
-            <a:endParaRPr lang="pt-BR" dirty="0"/>
+            <a:r>
+              <a:rPr lang="pt-BR" sz="1200" b="1" i="0" kern="1200" dirty="0">
+                <a:solidFill>
+                  <a:schemeClr val="tx1"/>
+                </a:solidFill>
+                <a:effectLst/>
+                <a:latin typeface="+mn-lt"/>
+                <a:ea typeface="+mn-ea"/>
+                <a:cs typeface="+mn-cs"/>
+              </a:rPr>
+              <a:t>GET </a:t>
+            </a:r>
+            <a:r>
+              <a:rPr lang="pt-BR" sz="1200" b="1" i="0" kern="1200" dirty="0">
+                <a:solidFill>
+                  <a:schemeClr val="tx1"/>
+                </a:solidFill>
+                <a:effectLst/>
+                <a:latin typeface="+mn-lt"/>
+                <a:ea typeface="+mn-ea"/>
+                <a:cs typeface="+mn-cs"/>
+                <a:sym typeface="Wingdings" panose="05000000000000000000" pitchFamily="2" charset="2"/>
+              </a:rPr>
+              <a:t></a:t>
+            </a:r>
+            <a:r>
+              <a:rPr lang="pt-BR" sz="1200" b="0" i="0" kern="1200" dirty="0">
+                <a:solidFill>
+                  <a:schemeClr val="tx1"/>
+                </a:solidFill>
+                <a:effectLst/>
+                <a:latin typeface="+mn-lt"/>
+                <a:ea typeface="+mn-ea"/>
+                <a:cs typeface="+mn-cs"/>
+              </a:rPr>
+              <a:t> Método que solicita algum recurso ou objeto ao servidor. Nesse verbo os parâmetros são passados via URL.</a:t>
+            </a:r>
+          </a:p>
+          <a:p>
+            <a:pPr marL="0" lvl="0" indent="0">
+              <a:spcBef>
+                <a:spcPct val="20000"/>
+              </a:spcBef>
+              <a:buFont typeface="Arial"/>
+              <a:buNone/>
+              <a:defRPr lang="pt-BR"/>
+            </a:pPr>
+            <a:r>
+              <a:rPr lang="pt-BR" sz="1200" b="1" i="0" kern="1200" dirty="0">
+                <a:solidFill>
+                  <a:schemeClr val="tx1"/>
+                </a:solidFill>
+                <a:effectLst/>
+                <a:latin typeface="+mn-lt"/>
+                <a:ea typeface="+mn-ea"/>
+                <a:cs typeface="+mn-cs"/>
+              </a:rPr>
+              <a:t>POST </a:t>
+            </a:r>
+            <a:r>
+              <a:rPr lang="pt-BR" sz="1200" b="0" i="0" kern="1200" dirty="0">
+                <a:solidFill>
+                  <a:schemeClr val="tx1"/>
+                </a:solidFill>
+                <a:effectLst/>
+                <a:latin typeface="+mn-lt"/>
+                <a:ea typeface="+mn-ea"/>
+                <a:cs typeface="+mn-cs"/>
+                <a:sym typeface="Wingdings" panose="05000000000000000000" pitchFamily="2" charset="2"/>
+              </a:rPr>
+              <a:t></a:t>
+            </a:r>
+            <a:r>
+              <a:rPr lang="pt-BR" sz="1200" b="0" i="0" kern="1200" dirty="0">
+                <a:solidFill>
+                  <a:schemeClr val="tx1"/>
+                </a:solidFill>
+                <a:effectLst/>
+                <a:latin typeface="+mn-lt"/>
+                <a:ea typeface="+mn-ea"/>
+                <a:cs typeface="+mn-cs"/>
+              </a:rPr>
+              <a:t> Método usado para envio de arquivo/dados ou formulário HTML ao servidor. Dados são enviados via formulário, dentro do corpo da requisição.</a:t>
+            </a:r>
+          </a:p>
+          <a:p>
+            <a:pPr marL="0" lvl="0" indent="0">
+              <a:spcBef>
+                <a:spcPct val="20000"/>
+              </a:spcBef>
+              <a:buFont typeface="Arial"/>
+              <a:buNone/>
+              <a:defRPr lang="pt-BR"/>
+            </a:pPr>
+            <a:endParaRPr lang="pt-BR" sz="1200" b="0" i="0" kern="1200" dirty="0">
+              <a:solidFill>
+                <a:schemeClr val="tx1"/>
+              </a:solidFill>
+              <a:effectLst/>
+              <a:latin typeface="+mn-lt"/>
+              <a:ea typeface="+mn-ea"/>
+              <a:cs typeface="+mn-cs"/>
+            </a:endParaRPr>
+          </a:p>
+          <a:p>
+            <a:pPr marL="0" lvl="0" indent="0">
+              <a:spcBef>
+                <a:spcPct val="20000"/>
+              </a:spcBef>
+              <a:buFont typeface="Arial"/>
+              <a:buNone/>
+              <a:defRPr lang="pt-BR"/>
+            </a:pPr>
+            <a:r>
+              <a:rPr lang="pt-BR" sz="1200" b="0" i="0" kern="1200" dirty="0">
+                <a:solidFill>
+                  <a:schemeClr val="tx1"/>
+                </a:solidFill>
+                <a:effectLst/>
+                <a:latin typeface="+mn-lt"/>
+                <a:ea typeface="+mn-ea"/>
+                <a:cs typeface="+mn-cs"/>
+              </a:rPr>
+              <a:t>Criar um exemplo !</a:t>
+            </a:r>
           </a:p>
         </p:txBody>
       </p:sp>
@@ -2014,7 +3678,7 @@
     </p:spTree>
     <p:extLst>
       <p:ext uri="{BB962C8B-B14F-4D97-AF65-F5344CB8AC3E}">
-        <p14:creationId xmlns:p14="http://schemas.microsoft.com/office/powerpoint/2010/main" val="2477212209"/>
+        <p14:creationId xmlns:p14="http://schemas.microsoft.com/office/powerpoint/2010/main" val="3883848836"/>
       </p:ext>
     </p:extLst>
   </p:cSld>
@@ -2837,7 +4501,7 @@
             <a:fld id="{8F67D422-08A8-451B-9A67-21962FC4B660}" type="datetimeFigureOut">
               <a:rPr kumimoji="0" lang="pt-BR" sz="1100"/>
               <a:pPr algn="r"/>
-              <a:t>09/10/2018</a:t>
+              <a:t>10/10/2018</a:t>
             </a:fld>
             <a:endParaRPr kumimoji="0" lang="pt-BR"/>
           </a:p>
@@ -3059,7 +4723,7 @@
             <a:fld id="{8F67D422-08A8-451B-9A67-21962FC4B660}" type="datetimeFigureOut">
               <a:rPr kumimoji="0" lang="pt-BR" sz="1100"/>
               <a:pPr algn="r"/>
-              <a:t>09/10/2018</a:t>
+              <a:t>10/10/2018</a:t>
             </a:fld>
             <a:endParaRPr kumimoji="0" lang="pt-BR"/>
           </a:p>
@@ -3176,7 +4840,7 @@
             <a:fld id="{8F67D422-08A8-451B-9A67-21962FC4B660}" type="datetimeFigureOut">
               <a:rPr kumimoji="0" lang="pt-BR" sz="1100"/>
               <a:pPr algn="r"/>
-              <a:t>09/10/2018</a:t>
+              <a:t>10/10/2018</a:t>
             </a:fld>
             <a:endParaRPr kumimoji="0" lang="pt-BR"/>
           </a:p>
@@ -3341,7 +5005,7 @@
           <a:p>
             <a:fld id="{1BEBB2CB-903D-46EF-8227-E770ED8FF514}" type="datetimeFigureOut">
               <a:pPr/>
-              <a:t>09/10/2018</a:t>
+              <a:t>10/10/2018</a:t>
             </a:fld>
             <a:endParaRPr kumimoji="0" lang="pt-BR"/>
           </a:p>
@@ -3819,7 +5483,7 @@
           <a:p>
             <a:fld id="{1BEBB2CB-903D-46EF-8227-E770ED8FF514}" type="datetimeFigureOut">
               <a:pPr/>
-              <a:t>09/10/2018</a:t>
+              <a:t>10/10/2018</a:t>
             </a:fld>
             <a:endParaRPr kumimoji="0" lang="pt-BR"/>
           </a:p>
@@ -4427,7 +6091,7 @@
           <a:p>
             <a:fld id="{1BEBB2CB-903D-46EF-8227-E770ED8FF514}" type="datetimeFigureOut">
               <a:pPr/>
-              <a:t>09/10/2018</a:t>
+              <a:t>10/10/2018</a:t>
             </a:fld>
             <a:endParaRPr kumimoji="0" lang="pt-BR"/>
           </a:p>
@@ -4822,7 +6486,7 @@
           <a:p>
             <a:fld id="{1BEBB2CB-903D-46EF-8227-E770ED8FF514}" type="datetimeFigureOut">
               <a:pPr/>
-              <a:t>09/10/2018</a:t>
+              <a:t>10/10/2018</a:t>
             </a:fld>
             <a:endParaRPr kumimoji="0" lang="pt-BR"/>
           </a:p>
@@ -5613,7 +7277,7 @@
           <a:p>
             <a:fld id="{1BEBB2CB-903D-46EF-8227-E770ED8FF514}" type="datetimeFigureOut">
               <a:pPr/>
-              <a:t>09/10/2018</a:t>
+              <a:t>10/10/2018</a:t>
             </a:fld>
             <a:endParaRPr kumimoji="0" lang="pt-BR"/>
           </a:p>
@@ -6707,7 +8371,7 @@
             <a:fld id="{8F67D422-08A8-451B-9A67-21962FC4B660}" type="datetimeFigureOut">
               <a:rPr kumimoji="0" lang="pt-BR" sz="1100"/>
               <a:pPr algn="r"/>
-              <a:t>09/10/2018</a:t>
+              <a:t>10/10/2018</a:t>
             </a:fld>
             <a:endParaRPr kumimoji="0" lang="pt-BR" sz="1050"/>
           </a:p>
@@ -7881,7 +9545,7 @@
           <a:lstStyle/>
           <a:p>
             <a:r>
-              <a:rPr lang="pt-BR" dirty="0" err="1" smtClean="0">
+              <a:rPr lang="pt-BR" dirty="0" err="1">
                 <a:solidFill>
                   <a:schemeClr val="tx1"/>
                 </a:solidFill>
@@ -7942,7 +9606,7 @@
           <p:cNvPr id="11" name="Rectangle 8">
             <a:extLst>
               <a:ext uri="{FF2B5EF4-FFF2-40B4-BE49-F238E27FC236}">
-                <a16:creationId xmlns="" xmlns:a16="http://schemas.microsoft.com/office/drawing/2014/main" id="{E1F0AA30-9C1D-4249-8068-4A45331D9230}"/>
+                <a16:creationId xmlns:a16="http://schemas.microsoft.com/office/drawing/2014/main" id="{E1F0AA30-9C1D-4249-8068-4A45331D9230}"/>
               </a:ext>
             </a:extLst>
           </p:cNvPr>
@@ -8096,36 +9760,15 @@
           <a:p>
             <a:pPr algn="ctr"/>
             <a:r>
-              <a:rPr lang="pt-BR" sz="2400" kern="0" dirty="0" smtClean="0"/>
-              <a:t>	</a:t>
-            </a:r>
-            <a:r>
               <a:rPr lang="pt-BR" sz="2400" kern="0" dirty="0"/>
-              <a:t>		</a:t>
-            </a:r>
-            <a:r>
-              <a:rPr lang="pt-BR" sz="2400" kern="0" dirty="0" smtClean="0"/>
-              <a:t>Professor:</a:t>
-            </a:r>
+              <a:t>			Professor:	</a:t>
+            </a:r>
+          </a:p>
+          <a:p>
+            <a:pPr algn="ctr"/>
             <a:r>
               <a:rPr lang="pt-BR" sz="2400" kern="0" dirty="0"/>
-              <a:t>	</a:t>
-            </a:r>
-            <a:endParaRPr lang="pt-BR" sz="2400" kern="0" dirty="0" smtClean="0"/>
-          </a:p>
-          <a:p>
-            <a:pPr algn="ctr"/>
-            <a:r>
-              <a:rPr lang="pt-BR" sz="2400" kern="0" dirty="0"/>
-              <a:t>	</a:t>
-            </a:r>
-            <a:r>
-              <a:rPr lang="pt-BR" sz="2400" kern="0" dirty="0" smtClean="0"/>
-              <a:t>		Davi </a:t>
-            </a:r>
-            <a:r>
-              <a:rPr lang="pt-BR" sz="2400" kern="0" dirty="0"/>
-              <a:t>Maçana.</a:t>
+              <a:t>			Davi Maçana.</a:t>
             </a:r>
           </a:p>
           <a:p>
@@ -8182,7 +9825,7 @@
           <a:p>
             <a:r>
               <a:rPr lang="pt-BR" sz="4000" dirty="0"/>
-              <a:t>EXERCÍCIOS:</a:t>
+              <a:t>O que é contexto da aplicação ?</a:t>
             </a:r>
           </a:p>
         </p:txBody>
@@ -8192,7 +9835,277 @@
           <p:cNvPr id="7" name="Retângulo 6">
             <a:extLst>
               <a:ext uri="{FF2B5EF4-FFF2-40B4-BE49-F238E27FC236}">
-                <a16:creationId xmlns="" xmlns:a16="http://schemas.microsoft.com/office/drawing/2014/main" id="{DE871D51-6822-455D-8B97-7F37D0BA5BB9}"/>
+                <a16:creationId xmlns:a16="http://schemas.microsoft.com/office/drawing/2014/main" id="{DE871D51-6822-455D-8B97-7F37D0BA5BB9}"/>
+              </a:ext>
+            </a:extLst>
+          </p:cNvPr>
+          <p:cNvSpPr/>
+          <p:nvPr/>
+        </p:nvSpPr>
+        <p:spPr>
+          <a:xfrm>
+            <a:off x="685800" y="2703016"/>
+            <a:ext cx="7772400" cy="4431983"/>
+          </a:xfrm>
+          <a:prstGeom prst="rect">
+            <a:avLst/>
+          </a:prstGeom>
+        </p:spPr>
+        <p:txBody>
+          <a:bodyPr wrap="square">
+            <a:spAutoFit/>
+          </a:bodyPr>
+          <a:lstStyle/>
+          <a:p>
+            <a:r>
+              <a:rPr lang="pt-BR" sz="2400" b="1" dirty="0"/>
+              <a:t>Definição da palavra:</a:t>
+            </a:r>
+          </a:p>
+          <a:p>
+            <a:r>
+              <a:rPr lang="pt-BR" b="1" dirty="0"/>
+              <a:t>- Conjunto de circunstâncias à volta de um acontecimento ou de 	uma situação.</a:t>
+            </a:r>
+            <a:endParaRPr lang="pt-BR" dirty="0"/>
+          </a:p>
+          <a:p>
+            <a:pPr marL="285750" indent="-285750">
+              <a:buFontTx/>
+              <a:buChar char="-"/>
+            </a:pPr>
+            <a:r>
+              <a:rPr lang="pt-BR" b="1" dirty="0"/>
+              <a:t>Aquilo que envolve algo ou alguém.</a:t>
+            </a:r>
+          </a:p>
+          <a:p>
+            <a:pPr marL="285750" indent="-285750">
+              <a:buFontTx/>
+              <a:buChar char="-"/>
+            </a:pPr>
+            <a:endParaRPr lang="pt-BR" b="1" dirty="0"/>
+          </a:p>
+          <a:p>
+            <a:r>
+              <a:rPr lang="pt-BR" dirty="0"/>
+              <a:t>É possível colocar Atributos no escopo do contexto da aplicação, permitindo o compartilhamento entre </a:t>
+            </a:r>
+            <a:r>
+              <a:rPr lang="pt-BR" dirty="0" err="1"/>
+              <a:t>servlets</a:t>
+            </a:r>
+            <a:r>
+              <a:rPr lang="pt-BR" dirty="0"/>
+              <a:t> diferentes.</a:t>
+            </a:r>
+            <a:endParaRPr lang="pt-BR" b="1" dirty="0"/>
+          </a:p>
+          <a:p>
+            <a:r>
+              <a:rPr lang="pt-BR" b="1" dirty="0"/>
+              <a:t>	Ex. </a:t>
+            </a:r>
+            <a:r>
+              <a:rPr lang="pt-BR" b="1" dirty="0" err="1"/>
+              <a:t>setAttribute</a:t>
+            </a:r>
+            <a:r>
+              <a:rPr lang="pt-BR" b="1" dirty="0"/>
+              <a:t>:</a:t>
+            </a:r>
+          </a:p>
+          <a:p>
+            <a:r>
+              <a:rPr lang="pt-BR" dirty="0" err="1"/>
+              <a:t>ServletContext</a:t>
+            </a:r>
+            <a:r>
+              <a:rPr lang="pt-BR" dirty="0"/>
+              <a:t> </a:t>
+            </a:r>
+            <a:r>
+              <a:rPr lang="pt-BR" dirty="0" err="1"/>
+              <a:t>ctx</a:t>
+            </a:r>
+            <a:r>
+              <a:rPr lang="pt-BR" dirty="0"/>
+              <a:t> = </a:t>
+            </a:r>
+            <a:r>
+              <a:rPr lang="pt-BR" dirty="0" err="1"/>
+              <a:t>getServletContext</a:t>
+            </a:r>
+            <a:r>
+              <a:rPr lang="pt-BR" dirty="0"/>
+              <a:t>(); </a:t>
+            </a:r>
+          </a:p>
+          <a:p>
+            <a:r>
+              <a:rPr lang="pt-BR" dirty="0" err="1"/>
+              <a:t>ctx.setAttribute</a:t>
+            </a:r>
+            <a:r>
+              <a:rPr lang="pt-BR" dirty="0"/>
+              <a:t>(“curso", “Java avançado”); </a:t>
+            </a:r>
+            <a:endParaRPr lang="pt-BR" b="1" dirty="0"/>
+          </a:p>
+          <a:p>
+            <a:r>
+              <a:rPr lang="pt-BR" b="1" dirty="0"/>
+              <a:t>	</a:t>
+            </a:r>
+            <a:r>
+              <a:rPr lang="pt-BR" b="1" dirty="0" err="1"/>
+              <a:t>getAttribute</a:t>
+            </a:r>
+            <a:r>
+              <a:rPr lang="pt-BR" b="1" dirty="0"/>
+              <a:t>:</a:t>
+            </a:r>
+          </a:p>
+          <a:p>
+            <a:r>
+              <a:rPr lang="pt-BR" b="1" dirty="0"/>
+              <a:t> </a:t>
+            </a:r>
+            <a:r>
+              <a:rPr lang="en-US" b="1" dirty="0" err="1"/>
+              <a:t>ServletContext</a:t>
+            </a:r>
+            <a:r>
+              <a:rPr lang="en-US" b="1" dirty="0"/>
+              <a:t> </a:t>
+            </a:r>
+            <a:r>
+              <a:rPr lang="en-US" b="1" dirty="0" err="1"/>
+              <a:t>ctx</a:t>
+            </a:r>
+            <a:r>
+              <a:rPr lang="en-US" b="1" dirty="0"/>
+              <a:t> = </a:t>
+            </a:r>
+            <a:r>
+              <a:rPr lang="en-US" b="1" dirty="0" err="1"/>
+              <a:t>getServletContext</a:t>
+            </a:r>
+            <a:r>
+              <a:rPr lang="en-US" b="1" dirty="0"/>
+              <a:t>();</a:t>
+            </a:r>
+          </a:p>
+          <a:p>
+            <a:r>
+              <a:rPr lang="en-US" b="1" dirty="0"/>
+              <a:t>String </a:t>
+            </a:r>
+            <a:r>
+              <a:rPr lang="en-US" b="1" dirty="0" err="1"/>
+              <a:t>curso</a:t>
+            </a:r>
+            <a:r>
+              <a:rPr lang="en-US" b="1" dirty="0"/>
+              <a:t> = </a:t>
+            </a:r>
+            <a:r>
+              <a:rPr lang="en-US" b="1" dirty="0" err="1"/>
+              <a:t>ctx.getAttribute</a:t>
+            </a:r>
+            <a:r>
+              <a:rPr lang="en-US" b="1" dirty="0"/>
+              <a:t>(“</a:t>
+            </a:r>
+            <a:r>
+              <a:rPr lang="en-US" b="1" dirty="0" err="1"/>
+              <a:t>curso</a:t>
+            </a:r>
+            <a:r>
+              <a:rPr lang="en-US" b="1" dirty="0"/>
+              <a:t>");</a:t>
+            </a:r>
+          </a:p>
+          <a:p>
+            <a:endParaRPr lang="pt-BR" b="1" dirty="0"/>
+          </a:p>
+          <a:p>
+            <a:pPr marL="342900" indent="-342900">
+              <a:buFontTx/>
+              <a:buChar char="-"/>
+            </a:pPr>
+            <a:endParaRPr lang="pt-BR" sz="2400" b="1" dirty="0"/>
+          </a:p>
+        </p:txBody>
+      </p:sp>
+    </p:spTree>
+    <p:extLst>
+      <p:ext uri="{BB962C8B-B14F-4D97-AF65-F5344CB8AC3E}">
+        <p14:creationId xmlns:p14="http://schemas.microsoft.com/office/powerpoint/2010/main" val="1832021912"/>
+      </p:ext>
+    </p:extLst>
+  </p:cSld>
+  <p:clrMapOvr>
+    <a:masterClrMapping/>
+  </p:clrMapOvr>
+  <p:transition>
+    <p:fade/>
+  </p:transition>
+</p:sld>
+</file>
+
+<file path=ppt/slides/slide11.xml><?xml version="1.0" encoding="utf-8"?>
+<p:sld xmlns:a="http://schemas.openxmlformats.org/drawingml/2006/main" xmlns:r="http://schemas.openxmlformats.org/officeDocument/2006/relationships" xmlns:p="http://schemas.openxmlformats.org/presentationml/2006/main">
+  <p:cSld>
+    <p:spTree>
+      <p:nvGrpSpPr>
+        <p:cNvPr id="1" name=""/>
+        <p:cNvGrpSpPr/>
+        <p:nvPr/>
+      </p:nvGrpSpPr>
+      <p:grpSpPr>
+        <a:xfrm>
+          <a:off x="0" y="0"/>
+          <a:ext cx="0" cy="0"/>
+          <a:chOff x="0" y="0"/>
+          <a:chExt cx="0" cy="0"/>
+        </a:xfrm>
+      </p:grpSpPr>
+      <p:sp>
+        <p:nvSpPr>
+          <p:cNvPr id="3" name="Rectangle 8"/>
+          <p:cNvSpPr>
+            <a:spLocks noGrp="1"/>
+          </p:cNvSpPr>
+          <p:nvPr>
+            <p:ph type="title"/>
+          </p:nvPr>
+        </p:nvSpPr>
+        <p:spPr>
+          <a:xfrm>
+            <a:off x="228600" y="1676400"/>
+            <a:ext cx="8229600" cy="1143000"/>
+          </a:xfrm>
+        </p:spPr>
+        <p:txBody>
+          <a:bodyPr>
+            <a:noAutofit/>
+          </a:bodyPr>
+          <a:lstStyle/>
+          <a:p>
+            <a:r>
+              <a:rPr lang="pt-BR" sz="4000" dirty="0"/>
+              <a:t>EXERCÍCIOS:</a:t>
+            </a:r>
+          </a:p>
+        </p:txBody>
+      </p:sp>
+      <p:sp>
+        <p:nvSpPr>
+          <p:cNvPr id="7" name="Retângulo 6">
+            <a:extLst>
+              <a:ext uri="{FF2B5EF4-FFF2-40B4-BE49-F238E27FC236}">
+                <a16:creationId xmlns:a16="http://schemas.microsoft.com/office/drawing/2014/main" id="{DE871D51-6822-455D-8B97-7F37D0BA5BB9}"/>
               </a:ext>
             </a:extLst>
           </p:cNvPr>
@@ -8219,10 +10132,9 @@
               <a:buAutoNum type="arabicParenR" startAt="2"/>
             </a:pPr>
             <a:r>
-              <a:rPr lang="pt-BR" sz="2400" b="1" dirty="0" smtClean="0"/>
+              <a:rPr lang="pt-BR" sz="2400" b="1" dirty="0"/>
               <a:t>Com</a:t>
             </a:r>
-            <a:endParaRPr lang="pt-BR" sz="2400" b="1" dirty="0"/>
           </a:p>
         </p:txBody>
       </p:sp>
@@ -8329,45 +10241,55 @@
           <a:p>
             <a:r>
               <a:rPr lang="pt-BR" sz="2400" dirty="0"/>
-              <a:t>Introdução da </a:t>
-            </a:r>
-            <a:r>
-              <a:rPr lang="pt-BR" sz="2400" dirty="0" smtClean="0"/>
-              <a:t>aula</a:t>
-            </a:r>
-          </a:p>
-          <a:p>
-            <a:r>
-              <a:rPr lang="pt-BR" sz="2400" dirty="0" smtClean="0"/>
+              <a:t>Introdução da aula</a:t>
+            </a:r>
+          </a:p>
+          <a:p>
+            <a:r>
+              <a:rPr lang="pt-BR" sz="2400" dirty="0"/>
               <a:t>Objetivos</a:t>
             </a:r>
-            <a:endParaRPr lang="pt-BR" sz="2400" dirty="0"/>
           </a:p>
           <a:p>
             <a:r>
               <a:rPr lang="pt-BR" sz="2400" dirty="0"/>
-              <a:t>O que é </a:t>
-            </a:r>
-            <a:r>
-              <a:rPr lang="pt-BR" sz="2400" dirty="0" smtClean="0"/>
-              <a:t>?</a:t>
-            </a:r>
-            <a:endParaRPr lang="pt-BR" sz="2400" dirty="0"/>
+              <a:t>O que é ?</a:t>
+            </a:r>
           </a:p>
           <a:p>
             <a:r>
               <a:rPr lang="pt-BR" sz="2400" dirty="0" err="1"/>
-              <a:t>Apis</a:t>
+              <a:t>HttpServet</a:t>
             </a:r>
             <a:r>
               <a:rPr lang="pt-BR" sz="2400" dirty="0"/>
-              <a:t> Java EE</a:t>
-            </a:r>
-          </a:p>
-          <a:p>
+              <a:t>, </a:t>
+            </a:r>
+            <a:r>
+              <a:rPr lang="pt-BR" sz="2400" dirty="0" err="1"/>
+              <a:t>Request</a:t>
+            </a:r>
             <a:r>
               <a:rPr lang="pt-BR" sz="2400" dirty="0"/>
-              <a:t>Entendendo a arquitetura.</a:t>
+              <a:t> e Response</a:t>
+            </a:r>
+          </a:p>
+          <a:p>
+            <a:r>
+              <a:rPr lang="pt-BR" sz="2400" dirty="0"/>
+              <a:t>Ciclo de vida</a:t>
+            </a:r>
+          </a:p>
+          <a:p>
+            <a:r>
+              <a:rPr lang="pt-BR" sz="2400" dirty="0"/>
+              <a:t>Verbos HTTP</a:t>
+            </a:r>
+          </a:p>
+          <a:p>
+            <a:r>
+              <a:rPr lang="pt-BR" sz="2400" dirty="0"/>
+              <a:t>Parâmetros</a:t>
             </a:r>
           </a:p>
           <a:p>
@@ -8435,10 +10357,9 @@
           <a:lstStyle/>
           <a:p>
             <a:r>
-              <a:rPr lang="pt-BR" sz="4200" dirty="0" smtClean="0"/>
+              <a:rPr lang="pt-BR" sz="4200" dirty="0"/>
               <a:t>Objetivos da aula:</a:t>
             </a:r>
-            <a:endParaRPr lang="pt-BR" sz="4200" dirty="0"/>
           </a:p>
         </p:txBody>
       </p:sp>
@@ -8517,14 +10438,14 @@
               <a:defRPr lang="pt-BR"/>
             </a:pPr>
             <a:r>
-              <a:rPr lang="pt-BR" sz="2400" kern="0" dirty="0" smtClean="0"/>
+              <a:rPr lang="pt-BR" sz="2400" kern="0" dirty="0"/>
               <a:t>Entender os conceitos de </a:t>
             </a:r>
             <a:r>
-              <a:rPr lang="pt-BR" sz="2400" kern="0" dirty="0" err="1" smtClean="0"/>
+              <a:rPr lang="pt-BR" sz="2400" kern="0" dirty="0" err="1"/>
               <a:t>servlet</a:t>
             </a:r>
-            <a:endParaRPr lang="pt-BR" sz="2400" kern="0" dirty="0" smtClean="0"/>
+            <a:endParaRPr lang="pt-BR" sz="2400" kern="0" dirty="0"/>
           </a:p>
           <a:p>
             <a:pPr marL="342900" lvl="0" indent="-342900">
@@ -8536,23 +10457,23 @@
               <a:defRPr lang="pt-BR"/>
             </a:pPr>
             <a:r>
-              <a:rPr lang="pt-BR" sz="2400" kern="0" dirty="0" smtClean="0"/>
+              <a:rPr lang="pt-BR" sz="2400" kern="0" dirty="0"/>
               <a:t>Criar um </a:t>
             </a:r>
             <a:r>
-              <a:rPr lang="pt-BR" sz="2400" kern="0" dirty="0" err="1" smtClean="0"/>
+              <a:rPr lang="pt-BR" sz="2400" kern="0" dirty="0" err="1"/>
               <a:t>controller</a:t>
             </a:r>
             <a:r>
-              <a:rPr lang="pt-BR" sz="2400" kern="0" dirty="0" smtClean="0"/>
+              <a:rPr lang="pt-BR" sz="2400" kern="0" dirty="0"/>
               <a:t> que receba uma requisição via </a:t>
             </a:r>
             <a:r>
-              <a:rPr lang="pt-BR" sz="2400" kern="0" dirty="0" err="1" smtClean="0"/>
+              <a:rPr lang="pt-BR" sz="2400" kern="0" dirty="0" err="1"/>
               <a:t>http</a:t>
             </a:r>
             <a:r>
-              <a:rPr lang="pt-BR" sz="2400" kern="0" dirty="0" smtClean="0"/>
+              <a:rPr lang="pt-BR" sz="2400" kern="0" dirty="0"/>
               <a:t>.</a:t>
             </a:r>
           </a:p>
@@ -8566,14 +10487,14 @@
               <a:defRPr lang="pt-BR"/>
             </a:pPr>
             <a:r>
-              <a:rPr lang="pt-BR" sz="2400" kern="0" dirty="0" smtClean="0"/>
+              <a:rPr lang="pt-BR" sz="2400" kern="0" dirty="0"/>
               <a:t>Criar formulários </a:t>
             </a:r>
             <a:r>
-              <a:rPr lang="pt-BR" sz="2400" kern="0" dirty="0" err="1" smtClean="0"/>
+              <a:rPr lang="pt-BR" sz="2400" kern="0" dirty="0" err="1"/>
               <a:t>html</a:t>
             </a:r>
-            <a:endParaRPr lang="pt-BR" sz="2400" kern="0" dirty="0" smtClean="0"/>
+            <a:endParaRPr lang="pt-BR" sz="2400" kern="0" dirty="0"/>
           </a:p>
           <a:p>
             <a:pPr marL="342900" lvl="0" indent="-342900">
@@ -8585,7 +10506,7 @@
               <a:defRPr lang="pt-BR"/>
             </a:pPr>
             <a:r>
-              <a:rPr lang="pt-BR" sz="2400" kern="0" dirty="0" smtClean="0"/>
+              <a:rPr lang="pt-BR" sz="2400" kern="0" dirty="0"/>
               <a:t>Receber parâmetros</a:t>
             </a:r>
           </a:p>
@@ -8598,7 +10519,7 @@
               <a:buChar char="•"/>
               <a:defRPr lang="pt-BR"/>
             </a:pPr>
-            <a:endParaRPr lang="pt-BR" sz="2400" kern="0" dirty="0" smtClean="0"/>
+            <a:endParaRPr lang="pt-BR" sz="2400" kern="0" dirty="0"/>
           </a:p>
           <a:p>
             <a:pPr marL="342900" lvl="0" indent="-342900">
@@ -8668,16 +10589,12 @@
               <a:t>O que é </a:t>
             </a:r>
             <a:r>
-              <a:rPr lang="pt-BR" sz="4200" dirty="0" err="1" smtClean="0"/>
+              <a:rPr lang="pt-BR" sz="4200" dirty="0" err="1"/>
               <a:t>Servlet</a:t>
             </a:r>
             <a:r>
-              <a:rPr lang="pt-BR" sz="4200" dirty="0" smtClean="0"/>
-              <a:t> </a:t>
-            </a:r>
-            <a:r>
               <a:rPr lang="pt-BR" sz="4200" dirty="0"/>
-              <a:t>?</a:t>
+              <a:t> ?</a:t>
             </a:r>
           </a:p>
         </p:txBody>
@@ -8757,10 +10674,9 @@
               <a:defRPr lang="pt-BR"/>
             </a:pPr>
             <a:r>
-              <a:rPr lang="pt-BR" sz="2400" kern="0" dirty="0" smtClean="0"/>
+              <a:rPr lang="pt-BR" sz="2400" kern="0" dirty="0"/>
               <a:t>Classe utilizada para estender serviços de um servidor de aplicação.</a:t>
             </a:r>
-            <a:endParaRPr lang="pt-BR" sz="2400" kern="0" dirty="0"/>
           </a:p>
         </p:txBody>
       </p:sp>
@@ -8820,26 +10736,25 @@
           <a:lstStyle/>
           <a:p>
             <a:r>
-              <a:rPr lang="pt-BR" sz="4200" dirty="0" smtClean="0"/>
+              <a:rPr lang="pt-BR" sz="4200" dirty="0"/>
               <a:t>... </a:t>
             </a:r>
             <a:r>
-              <a:rPr lang="pt-BR" sz="4200" dirty="0" err="1" smtClean="0"/>
+              <a:rPr lang="pt-BR" sz="4200" dirty="0" err="1"/>
               <a:t>extends</a:t>
             </a:r>
             <a:r>
-              <a:rPr lang="pt-BR" sz="4200" dirty="0" smtClean="0"/>
+              <a:rPr lang="pt-BR" sz="4200" dirty="0"/>
               <a:t> </a:t>
             </a:r>
             <a:r>
-              <a:rPr lang="pt-BR" sz="4400" dirty="0" err="1" smtClean="0"/>
+              <a:rPr lang="pt-BR" sz="4400" dirty="0" err="1"/>
               <a:t>HttpServlet</a:t>
             </a:r>
             <a:r>
               <a:rPr lang="pt-BR" sz="4200" dirty="0"/>
               <a:t> ?</a:t>
             </a:r>
-            <a:endParaRPr lang="pt-BR" sz="4200" dirty="0"/>
           </a:p>
         </p:txBody>
       </p:sp>
@@ -8875,7 +10790,7 @@
               <a:defRPr lang="pt-BR"/>
             </a:pPr>
             <a:r>
-              <a:rPr kumimoji="0" lang="pt-BR" sz="2400" b="0" i="0" u="none" strike="noStrike" kern="0" cap="none" spc="0" normalizeH="0" baseline="0" dirty="0" err="1" smtClean="0">
+              <a:rPr kumimoji="0" lang="pt-BR" sz="2400" b="0" i="0" u="none" strike="noStrike" kern="0" cap="none" spc="0" normalizeH="0" baseline="0" dirty="0" err="1">
                 <a:ln>
                   <a:noFill/>
                 </a:ln>
@@ -8889,7 +10804,7 @@
               <a:t>WebServlets</a:t>
             </a:r>
             <a:r>
-              <a:rPr kumimoji="0" lang="pt-BR" sz="2400" b="0" i="0" u="none" strike="noStrike" kern="0" cap="none" spc="0" normalizeH="0" dirty="0" smtClean="0">
+              <a:rPr kumimoji="0" lang="pt-BR" sz="2400" b="0" i="0" u="none" strike="noStrike" kern="0" cap="none" spc="0" normalizeH="0" dirty="0">
                 <a:ln>
                   <a:noFill/>
                 </a:ln>
@@ -8903,7 +10818,7 @@
               <a:t> </a:t>
             </a:r>
             <a:r>
-              <a:rPr kumimoji="0" lang="pt-BR" sz="2400" b="0" i="0" u="none" strike="noStrike" kern="0" cap="none" spc="0" normalizeH="0" dirty="0" err="1" smtClean="0">
+              <a:rPr kumimoji="0" lang="pt-BR" sz="2400" b="0" i="0" u="none" strike="noStrike" kern="0" cap="none" spc="0" normalizeH="0" dirty="0" err="1">
                 <a:ln>
                   <a:noFill/>
                 </a:ln>
@@ -8917,7 +10832,7 @@
               <a:t>extende</a:t>
             </a:r>
             <a:r>
-              <a:rPr kumimoji="0" lang="pt-BR" sz="2400" b="0" i="0" u="none" strike="noStrike" kern="0" cap="none" spc="0" normalizeH="0" dirty="0" smtClean="0">
+              <a:rPr kumimoji="0" lang="pt-BR" sz="2400" b="0" i="0" u="none" strike="noStrike" kern="0" cap="none" spc="0" normalizeH="0" dirty="0">
                 <a:ln>
                   <a:noFill/>
                 </a:ln>
@@ -8931,7 +10846,7 @@
               <a:t> “</a:t>
             </a:r>
             <a:r>
-              <a:rPr kumimoji="0" lang="pt-BR" sz="2400" b="0" i="0" u="none" strike="noStrike" kern="0" cap="none" spc="0" normalizeH="0" dirty="0" err="1" smtClean="0">
+              <a:rPr kumimoji="0" lang="pt-BR" sz="2400" b="0" i="0" u="none" strike="noStrike" kern="0" cap="none" spc="0" normalizeH="0" dirty="0" err="1">
                 <a:ln>
                   <a:noFill/>
                 </a:ln>
@@ -8945,7 +10860,7 @@
               <a:t>HttpServlet</a:t>
             </a:r>
             <a:r>
-              <a:rPr kumimoji="0" lang="pt-BR" sz="2400" b="0" i="0" u="none" strike="noStrike" kern="0" cap="none" spc="0" normalizeH="0" dirty="0" smtClean="0">
+              <a:rPr kumimoji="0" lang="pt-BR" sz="2400" b="0" i="0" u="none" strike="noStrike" kern="0" cap="none" spc="0" normalizeH="0" dirty="0">
                 <a:ln>
                   <a:noFill/>
                 </a:ln>
@@ -8962,7 +10877,6 @@
               <a:rPr lang="pt-BR" sz="2400" kern="0" dirty="0"/>
               <a:t>do pacote </a:t>
             </a:r>
-            <a:endParaRPr lang="pt-BR" sz="2400" kern="0" dirty="0" smtClean="0"/>
           </a:p>
           <a:p>
             <a:pPr lvl="0">
@@ -8972,30 +10886,25 @@
               <a:defRPr lang="pt-BR"/>
             </a:pPr>
             <a:r>
-              <a:rPr lang="pt-BR" sz="2400" kern="0" dirty="0" smtClean="0"/>
+              <a:rPr lang="pt-BR" sz="2400" kern="0" dirty="0"/>
               <a:t>“</a:t>
             </a:r>
             <a:r>
-              <a:rPr lang="pt-BR" sz="2400" kern="0" dirty="0" err="1" smtClean="0"/>
+              <a:rPr lang="pt-BR" sz="2400" kern="0" dirty="0" err="1"/>
               <a:t>javax.servlet.http</a:t>
             </a:r>
             <a:r>
-              <a:rPr lang="pt-BR" sz="2400" kern="0" dirty="0" smtClean="0"/>
+              <a:rPr lang="pt-BR" sz="2400" kern="0" dirty="0"/>
               <a:t>” que </a:t>
             </a:r>
             <a:r>
-              <a:rPr lang="pt-BR" sz="2400" kern="0" dirty="0" err="1" smtClean="0"/>
+              <a:rPr lang="pt-BR" sz="2400" kern="0" dirty="0" err="1"/>
               <a:t>extende</a:t>
             </a:r>
             <a:r>
-              <a:rPr lang="pt-BR" sz="2400" kern="0" dirty="0" smtClean="0"/>
-              <a:t> a </a:t>
-            </a:r>
-            <a:r>
               <a:rPr lang="pt-BR" sz="2400" kern="0" dirty="0"/>
-              <a:t>classe </a:t>
-            </a:r>
-            <a:endParaRPr lang="pt-BR" sz="2400" kern="0" dirty="0" smtClean="0"/>
+              <a:t> a classe </a:t>
+            </a:r>
           </a:p>
           <a:p>
             <a:pPr lvl="0">
@@ -9005,15 +10914,15 @@
               <a:defRPr lang="pt-BR"/>
             </a:pPr>
             <a:r>
-              <a:rPr lang="pt-BR" sz="2400" kern="0" dirty="0" smtClean="0"/>
+              <a:rPr lang="pt-BR" sz="2400" kern="0" dirty="0"/>
               <a:t>“</a:t>
             </a:r>
             <a:r>
-              <a:rPr lang="pt-BR" sz="2400" kern="0" dirty="0" err="1" smtClean="0"/>
+              <a:rPr lang="pt-BR" sz="2400" kern="0" dirty="0" err="1"/>
               <a:t>GenericServlet</a:t>
             </a:r>
             <a:r>
-              <a:rPr lang="pt-BR" sz="2400" kern="0" dirty="0" smtClean="0"/>
+              <a:rPr lang="pt-BR" sz="2400" kern="0" dirty="0"/>
               <a:t>” que implementa 2 interfaces.</a:t>
             </a:r>
             <a:endParaRPr kumimoji="0" lang="pt-BR" sz="2400" b="0" i="0" u="none" strike="noStrike" kern="0" cap="none" spc="0" normalizeH="0" baseline="0" dirty="0">
@@ -9086,22 +10995,21 @@
           <a:lstStyle/>
           <a:p>
             <a:r>
-              <a:rPr lang="pt-BR" sz="4200" dirty="0" err="1" smtClean="0"/>
+              <a:rPr lang="pt-BR" sz="4200" dirty="0" err="1"/>
               <a:t>HttpServletRequest</a:t>
             </a:r>
             <a:r>
-              <a:rPr lang="pt-BR" sz="4200" dirty="0" smtClean="0"/>
+              <a:rPr lang="pt-BR" sz="4200" dirty="0"/>
               <a:t> VS </a:t>
             </a:r>
             <a:r>
-              <a:rPr lang="pt-BR" sz="4200" dirty="0" err="1" smtClean="0"/>
+              <a:rPr lang="pt-BR" sz="4200" dirty="0" err="1"/>
               <a:t>HttpServletResponse</a:t>
             </a:r>
             <a:r>
-              <a:rPr lang="pt-BR" sz="4200" dirty="0" smtClean="0"/>
+              <a:rPr lang="pt-BR" sz="4200" dirty="0"/>
               <a:t>.</a:t>
             </a:r>
-            <a:endParaRPr lang="pt-BR" sz="4200" dirty="0"/>
           </a:p>
         </p:txBody>
       </p:sp>
@@ -9179,7 +11087,7 @@
               <a:buChar char="•"/>
               <a:defRPr lang="pt-BR"/>
             </a:pPr>
-            <a:endParaRPr lang="pt-BR" sz="2400" kern="0" dirty="0" smtClean="0"/>
+            <a:endParaRPr lang="pt-BR" sz="2400" kern="0" dirty="0"/>
           </a:p>
           <a:p>
             <a:pPr marL="342900" lvl="0" indent="-342900">
@@ -9191,11 +11099,11 @@
               <a:defRPr lang="pt-BR"/>
             </a:pPr>
             <a:r>
-              <a:rPr lang="pt-BR" sz="2400" kern="0" dirty="0" err="1" smtClean="0"/>
+              <a:rPr lang="pt-BR" sz="2400" kern="0" dirty="0" err="1"/>
               <a:t>Servlet</a:t>
             </a:r>
             <a:r>
-              <a:rPr lang="pt-BR" sz="2400" kern="0" dirty="0" smtClean="0"/>
+              <a:rPr lang="pt-BR" sz="2400" kern="0" dirty="0"/>
               <a:t> possui um par de objetos, são os objetos de requisição e resposta.</a:t>
             </a:r>
           </a:p>
@@ -9257,7 +11165,7 @@
           <a:lstStyle/>
           <a:p>
             <a:r>
-              <a:rPr lang="pt-BR" sz="4200" dirty="0" smtClean="0"/>
+              <a:rPr lang="pt-BR" sz="4200" dirty="0"/>
               <a:t>O que é Ciclo de vida </a:t>
             </a:r>
             <a:r>
@@ -9342,7 +11250,7 @@
               <a:buChar char="•"/>
               <a:defRPr lang="pt-BR"/>
             </a:pPr>
-            <a:endParaRPr lang="pt-BR" sz="2400" kern="0" dirty="0" smtClean="0"/>
+            <a:endParaRPr lang="pt-BR" sz="2400" kern="0" dirty="0"/>
           </a:p>
           <a:p>
             <a:pPr marL="342900" lvl="0" indent="-342900">
@@ -9354,15 +11262,15 @@
               <a:defRPr lang="pt-BR"/>
             </a:pPr>
             <a:r>
-              <a:rPr lang="pt-BR" sz="2400" kern="0" dirty="0" smtClean="0"/>
+              <a:rPr lang="pt-BR" sz="2400" kern="0" dirty="0"/>
               <a:t>É a definição pela qual irá existir o </a:t>
             </a:r>
             <a:r>
-              <a:rPr lang="pt-BR" sz="2400" kern="0" dirty="0" err="1" smtClean="0"/>
+              <a:rPr lang="pt-BR" sz="2400" kern="0" dirty="0" err="1"/>
               <a:t>servlet</a:t>
             </a:r>
             <a:r>
-              <a:rPr lang="pt-BR" sz="2400" kern="0" dirty="0" smtClean="0"/>
+              <a:rPr lang="pt-BR" sz="2400" kern="0" dirty="0"/>
               <a:t>.</a:t>
             </a:r>
           </a:p>
@@ -9374,32 +11282,8 @@
               <a:defRPr lang="pt-BR"/>
             </a:pPr>
             <a:r>
-              <a:rPr lang="pt-BR" sz="2400" kern="0" dirty="0" smtClean="0"/>
+              <a:rPr lang="pt-BR" sz="2400" kern="0" dirty="0"/>
               <a:t>Um ciclo de vida do </a:t>
-            </a:r>
-            <a:r>
-              <a:rPr lang="pt-BR" sz="2400" dirty="0" err="1" smtClean="0"/>
-              <a:t>Servlet</a:t>
-            </a:r>
-            <a:r>
-              <a:rPr lang="pt-BR" sz="2400" dirty="0" smtClean="0"/>
-              <a:t> é gerenciado pelo </a:t>
-            </a:r>
-            <a:r>
-              <a:rPr lang="pt-BR" sz="2400" dirty="0" err="1" smtClean="0"/>
-              <a:t>ServletContainer</a:t>
-            </a:r>
-            <a:r>
-              <a:rPr lang="pt-BR" sz="2400" dirty="0" smtClean="0"/>
-              <a:t> (</a:t>
-            </a:r>
-            <a:r>
-              <a:rPr lang="pt-BR" sz="2400" dirty="0" err="1" smtClean="0"/>
-              <a:t>Wildfly</a:t>
-            </a:r>
-            <a:r>
-              <a:rPr lang="pt-BR" sz="2400" dirty="0" smtClean="0"/>
-              <a:t>). Quando o </a:t>
             </a:r>
             <a:r>
               <a:rPr lang="pt-BR" sz="2400" dirty="0" err="1"/>
@@ -9407,15 +11291,31 @@
             </a:r>
             <a:r>
               <a:rPr lang="pt-BR" sz="2400" dirty="0"/>
-              <a:t> </a:t>
-            </a:r>
-            <a:r>
-              <a:rPr lang="pt-BR" sz="2400" dirty="0" smtClean="0"/>
-              <a:t>é chamado ele inicia </a:t>
+              <a:t> é gerenciado pelo </a:t>
+            </a:r>
+            <a:r>
+              <a:rPr lang="pt-BR" sz="2400" dirty="0" err="1"/>
+              <a:t>ServletContainer</a:t>
             </a:r>
             <a:r>
               <a:rPr lang="pt-BR" sz="2400" dirty="0"/>
-              <a:t>através do método </a:t>
+              <a:t> (</a:t>
+            </a:r>
+            <a:r>
+              <a:rPr lang="pt-BR" sz="2400" dirty="0" err="1"/>
+              <a:t>Wildfly</a:t>
+            </a:r>
+            <a:r>
+              <a:rPr lang="pt-BR" sz="2400" dirty="0"/>
+              <a:t>). Quando o </a:t>
+            </a:r>
+            <a:r>
+              <a:rPr lang="pt-BR" sz="2400" dirty="0" err="1"/>
+              <a:t>Servlet</a:t>
+            </a:r>
+            <a:r>
+              <a:rPr lang="pt-BR" sz="2400" dirty="0"/>
+              <a:t> é chamado ele inicia através do método </a:t>
             </a:r>
             <a:r>
               <a:rPr lang="pt-BR" sz="2400" dirty="0" err="1"/>
@@ -9423,31 +11323,15 @@
             </a:r>
             <a:r>
               <a:rPr lang="pt-BR" sz="2400" dirty="0"/>
-              <a:t>(), </a:t>
-            </a:r>
-            <a:r>
-              <a:rPr lang="pt-BR" sz="2400" dirty="0" smtClean="0"/>
-              <a:t>e depois chama o método </a:t>
-            </a:r>
-            <a:r>
-              <a:rPr lang="pt-BR" sz="2400" dirty="0" err="1" smtClean="0"/>
+              <a:t>(), e depois chama o método </a:t>
+            </a:r>
+            <a:r>
+              <a:rPr lang="pt-BR" sz="2400" dirty="0" err="1"/>
               <a:t>service</a:t>
             </a:r>
             <a:r>
-              <a:rPr lang="pt-BR" sz="2400" dirty="0" smtClean="0"/>
-              <a:t>() para atender e tratar às requisições, quando </a:t>
-            </a:r>
-            <a:r>
               <a:rPr lang="pt-BR" sz="2400" dirty="0"/>
-              <a:t>deve morrer, </a:t>
-            </a:r>
-            <a:r>
-              <a:rPr lang="pt-BR" sz="2400" dirty="0" smtClean="0"/>
-              <a:t>é chamado o </a:t>
-            </a:r>
-            <a:r>
-              <a:rPr lang="pt-BR" sz="2400" dirty="0"/>
-              <a:t>método </a:t>
+              <a:t>() para atender e tratar às requisições, quando deve morrer, é chamado o método </a:t>
             </a:r>
             <a:r>
               <a:rPr lang="pt-BR" sz="2400" dirty="0" err="1"/>
@@ -9457,7 +11341,7 @@
               <a:rPr lang="pt-BR" sz="2400" dirty="0"/>
               <a:t>().</a:t>
             </a:r>
-            <a:endParaRPr lang="pt-BR" sz="2400" kern="0" dirty="0" smtClean="0"/>
+            <a:endParaRPr lang="pt-BR" sz="2400" kern="0" dirty="0"/>
           </a:p>
         </p:txBody>
       </p:sp>
@@ -9513,7 +11397,7 @@
           <a:p>
             <a:r>
               <a:rPr lang="pt-BR" sz="4000" b="0" dirty="0"/>
-              <a:t>Resumo.</a:t>
+              <a:t>Verbos HTTP.</a:t>
             </a:r>
             <a:endParaRPr lang="pt-BR" sz="4000" dirty="0"/>
           </a:p>
@@ -9550,12 +11434,67 @@
             </a:pPr>
             <a:r>
               <a:rPr lang="pt-BR" sz="2400" kern="0" dirty="0"/>
-              <a:t>Aprendemos</a:t>
-            </a:r>
-            <a:r>
-              <a:rPr lang="pt-BR" sz="2400" kern="0" dirty="0" smtClean="0"/>
-              <a:t>:</a:t>
-            </a:r>
+              <a:t>GET </a:t>
+            </a:r>
+            <a:r>
+              <a:rPr lang="pt-BR" sz="2400" kern="0" dirty="0">
+                <a:sym typeface="Wingdings" panose="05000000000000000000" pitchFamily="2" charset="2"/>
+              </a:rPr>
+              <a:t> O Método GET solicita a representação de um recurso específico. Requisições utilizando o Método GET devem retornar apenas dados.</a:t>
+            </a:r>
+          </a:p>
+          <a:p>
+            <a:pPr lvl="0">
+              <a:spcBef>
+                <a:spcPct val="20000"/>
+              </a:spcBef>
+              <a:defRPr lang="pt-BR"/>
+            </a:pPr>
+            <a:r>
+              <a:rPr lang="pt-BR" sz="2400" kern="0" dirty="0">
+                <a:sym typeface="Wingdings" panose="05000000000000000000" pitchFamily="2" charset="2"/>
+              </a:rPr>
+              <a:t>POST  O Método POST é utilizado para submeter uma entidade a um recurso específico, às vezes causando uma mudança no estado do recurso ou solicitando alterações ao servidor.</a:t>
+            </a:r>
+          </a:p>
+          <a:p>
+            <a:pPr lvl="0">
+              <a:spcBef>
+                <a:spcPct val="20000"/>
+              </a:spcBef>
+              <a:defRPr lang="pt-BR"/>
+            </a:pPr>
+            <a:r>
+              <a:rPr lang="pt-BR" sz="2400" kern="0" dirty="0">
+                <a:sym typeface="Wingdings" panose="05000000000000000000" pitchFamily="2" charset="2"/>
+              </a:rPr>
+              <a:t>Outros: </a:t>
+            </a:r>
+          </a:p>
+          <a:p>
+            <a:pPr lvl="0">
+              <a:spcBef>
+                <a:spcPct val="20000"/>
+              </a:spcBef>
+              <a:defRPr lang="pt-BR"/>
+            </a:pPr>
+            <a:r>
+              <a:rPr lang="pt-BR" sz="2400" kern="0" dirty="0">
+                <a:sym typeface="Wingdings" panose="05000000000000000000" pitchFamily="2" charset="2"/>
+              </a:rPr>
+              <a:t>HEAD, PUT, DELETE, OPTIONS, TRACE, PATCH </a:t>
+            </a:r>
+            <a:endParaRPr lang="pt-BR" sz="2400" kern="0" dirty="0"/>
+          </a:p>
+          <a:p>
+            <a:pPr marL="342900" lvl="0" indent="-342900">
+              <a:spcBef>
+                <a:spcPct val="20000"/>
+              </a:spcBef>
+              <a:buFont typeface="Arial" panose="020B0604020202020204" pitchFamily="34" charset="0"/>
+              <a:buChar char="•"/>
+              <a:defRPr lang="pt-BR"/>
+            </a:pPr>
             <a:endParaRPr lang="pt-BR" sz="2400" kern="0" dirty="0"/>
           </a:p>
         </p:txBody>
@@ -9603,12 +11542,7 @@
             <p:ph type="title"/>
           </p:nvPr>
         </p:nvSpPr>
-        <p:spPr>
-          <a:xfrm>
-            <a:off x="228600" y="1676400"/>
-            <a:ext cx="8229600" cy="1143000"/>
-          </a:xfrm>
-        </p:spPr>
+        <p:spPr/>
         <p:txBody>
           <a:bodyPr>
             <a:noAutofit/>
@@ -9616,54 +11550,133 @@
           <a:lstStyle/>
           <a:p>
             <a:r>
-              <a:rPr lang="pt-BR" sz="4000" dirty="0"/>
-              <a:t>EXERCÍCIOS:</a:t>
-            </a:r>
+              <a:rPr lang="pt-BR" sz="4000" b="0" dirty="0"/>
+              <a:t>Parâmetros.</a:t>
+            </a:r>
+            <a:endParaRPr lang="pt-BR" sz="4000" dirty="0"/>
           </a:p>
         </p:txBody>
       </p:sp>
       <p:sp>
         <p:nvSpPr>
-          <p:cNvPr id="7" name="Retângulo 6">
-            <a:extLst>
-              <a:ext uri="{FF2B5EF4-FFF2-40B4-BE49-F238E27FC236}">
-                <a16:creationId xmlns="" xmlns:a16="http://schemas.microsoft.com/office/drawing/2014/main" id="{DE871D51-6822-455D-8B97-7F37D0BA5BB9}"/>
-              </a:ext>
-            </a:extLst>
-          </p:cNvPr>
-          <p:cNvSpPr/>
+          <p:cNvPr id="4" name="Rectangle 25"/>
+          <p:cNvSpPr txBox="1">
+            <a:spLocks/>
+          </p:cNvSpPr>
           <p:nvPr/>
         </p:nvSpPr>
         <p:spPr>
           <a:xfrm>
-            <a:off x="685800" y="2703016"/>
-            <a:ext cx="7772400" cy="461665"/>
+            <a:off x="762000" y="2924944"/>
+            <a:ext cx="7086600" cy="3456384"/>
           </a:xfrm>
           <a:prstGeom prst="rect">
             <a:avLst/>
           </a:prstGeom>
         </p:spPr>
         <p:txBody>
-          <a:bodyPr wrap="square">
-            <a:spAutoFit/>
+          <a:bodyPr vert="horz">
+            <a:noAutofit/>
           </a:bodyPr>
           <a:lstStyle/>
           <a:p>
-            <a:pPr marL="457200" indent="-457200">
-              <a:buAutoNum type="arabicParenR"/>
+            <a:pPr marL="342900" lvl="0" indent="-342900">
+              <a:spcBef>
+                <a:spcPct val="20000"/>
+              </a:spcBef>
+              <a:buFont typeface="Arial" panose="020B0604020202020204" pitchFamily="34" charset="0"/>
+              <a:buChar char="•"/>
+              <a:defRPr lang="pt-BR"/>
             </a:pPr>
             <a:r>
-              <a:rPr lang="pt-BR" sz="2400" b="1" dirty="0" smtClean="0"/>
-              <a:t>Crie</a:t>
-            </a:r>
-            <a:endParaRPr lang="pt-BR" sz="2400" b="1" dirty="0"/>
+              <a:rPr lang="pt-BR" sz="2400" kern="0" dirty="0"/>
+              <a:t> Parâmetros são pares de nome=valor que são enviados pelo cliente concatenados em </a:t>
+            </a:r>
+            <a:r>
+              <a:rPr lang="pt-BR" sz="2400" kern="0" dirty="0" err="1"/>
+              <a:t>strings</a:t>
+            </a:r>
+            <a:r>
+              <a:rPr lang="pt-BR" sz="2400" kern="0" dirty="0"/>
+              <a:t> e separados por “</a:t>
+            </a:r>
+            <a:r>
+              <a:rPr lang="pt-BR" sz="2400" kern="0" dirty="0">
+                <a:latin typeface="Arial" panose="020B0604020202020204" pitchFamily="34" charset="0"/>
+              </a:rPr>
+              <a:t>&amp;</a:t>
+            </a:r>
+            <a:r>
+              <a:rPr lang="pt-BR" sz="2400" kern="0" dirty="0"/>
+              <a:t>”.</a:t>
+            </a:r>
+          </a:p>
+          <a:p>
+            <a:pPr lvl="0">
+              <a:spcBef>
+                <a:spcPct val="20000"/>
+              </a:spcBef>
+              <a:defRPr lang="pt-BR"/>
+            </a:pPr>
+            <a:r>
+              <a:rPr lang="pt-BR" sz="2400" kern="0" dirty="0" err="1"/>
+              <a:t>Ex</a:t>
+            </a:r>
+            <a:r>
+              <a:rPr lang="pt-BR" sz="2400" kern="0" dirty="0"/>
+              <a:t> de parâmetros passados via GET.</a:t>
+            </a:r>
+          </a:p>
+          <a:p>
+            <a:pPr lvl="0">
+              <a:spcBef>
+                <a:spcPct val="20000"/>
+              </a:spcBef>
+              <a:defRPr lang="pt-BR"/>
+            </a:pPr>
+            <a:r>
+              <a:rPr lang="pt-BR" sz="2400" kern="0" dirty="0"/>
+              <a:t>	....?nome=valor</a:t>
+            </a:r>
+            <a:r>
+              <a:rPr lang="pt-BR" sz="2400" kern="0" dirty="0">
+                <a:latin typeface="Arial" panose="020B0604020202020204" pitchFamily="34" charset="0"/>
+              </a:rPr>
+              <a:t>&amp;nome2=valor2</a:t>
+            </a:r>
+          </a:p>
+          <a:p>
+            <a:pPr lvl="0">
+              <a:spcBef>
+                <a:spcPct val="20000"/>
+              </a:spcBef>
+              <a:defRPr lang="pt-BR"/>
+            </a:pPr>
+            <a:endParaRPr lang="pt-BR" sz="2400" kern="0" dirty="0">
+              <a:latin typeface="Arial" panose="020B0604020202020204" pitchFamily="34" charset="0"/>
+            </a:endParaRPr>
+          </a:p>
+          <a:p>
+            <a:pPr lvl="0">
+              <a:spcBef>
+                <a:spcPct val="20000"/>
+              </a:spcBef>
+              <a:defRPr lang="pt-BR"/>
+            </a:pPr>
+            <a:r>
+              <a:rPr lang="pt-BR" sz="2400" kern="0" dirty="0">
+                <a:latin typeface="Arial" panose="020B0604020202020204" pitchFamily="34" charset="0"/>
+              </a:rPr>
+              <a:t>Parâmetro via POST, são enviados dentro da requisição em dados do formulário.</a:t>
+            </a:r>
+            <a:endParaRPr lang="pt-BR" sz="2400" kern="0" dirty="0"/>
           </a:p>
         </p:txBody>
       </p:sp>
     </p:spTree>
     <p:extLst>
       <p:ext uri="{BB962C8B-B14F-4D97-AF65-F5344CB8AC3E}">
-        <p14:creationId xmlns:p14="http://schemas.microsoft.com/office/powerpoint/2010/main" val="1832021912"/>
+        <p14:creationId xmlns:p14="http://schemas.microsoft.com/office/powerpoint/2010/main" val="2814750550"/>
       </p:ext>
     </p:extLst>
   </p:cSld>

--- a/AulasAvancado/src/main/resources/br/com/Aula2/Servlets.pptx
+++ b/AulasAvancado/src/main/resources/br/com/Aula2/Servlets.pptx
@@ -5,23 +5,26 @@
     <p:sldMasterId id="2147483648" r:id="rId1"/>
   </p:sldMasterIdLst>
   <p:notesMasterIdLst>
-    <p:notesMasterId r:id="rId13"/>
+    <p:notesMasterId r:id="rId16"/>
   </p:notesMasterIdLst>
   <p:handoutMasterIdLst>
-    <p:handoutMasterId r:id="rId14"/>
+    <p:handoutMasterId r:id="rId17"/>
   </p:handoutMasterIdLst>
   <p:sldIdLst>
     <p:sldId id="257" r:id="rId2"/>
     <p:sldId id="258" r:id="rId3"/>
     <p:sldId id="259" r:id="rId4"/>
     <p:sldId id="288" r:id="rId5"/>
-    <p:sldId id="289" r:id="rId6"/>
-    <p:sldId id="283" r:id="rId7"/>
-    <p:sldId id="290" r:id="rId8"/>
-    <p:sldId id="284" r:id="rId9"/>
-    <p:sldId id="291" r:id="rId10"/>
-    <p:sldId id="280" r:id="rId11"/>
-    <p:sldId id="287" r:id="rId12"/>
+    <p:sldId id="292" r:id="rId6"/>
+    <p:sldId id="293" r:id="rId7"/>
+    <p:sldId id="289" r:id="rId8"/>
+    <p:sldId id="283" r:id="rId9"/>
+    <p:sldId id="290" r:id="rId10"/>
+    <p:sldId id="284" r:id="rId11"/>
+    <p:sldId id="291" r:id="rId12"/>
+    <p:sldId id="280" r:id="rId13"/>
+    <p:sldId id="294" r:id="rId14"/>
+    <p:sldId id="295" r:id="rId15"/>
   </p:sldIdLst>
   <p:sldSz cx="9144000" cy="6858000" type="screen4x3"/>
   <p:notesSz cx="6858000" cy="9144000"/>
@@ -120,7 +123,7 @@
   </p:defaultTextStyle>
   <p:extLst>
     <p:ext uri="{EFAFB233-063F-42B5-8137-9DF3F51BA10A}">
-      <p15:sldGuideLst xmlns:p15="http://schemas.microsoft.com/office/powerpoint/2012/main">
+      <p15:sldGuideLst xmlns="" xmlns:p15="http://schemas.microsoft.com/office/powerpoint/2012/main">
         <p15:guide id="1" orient="horz" pos="2160">
           <p15:clr>
             <a:srgbClr val="A4A3A4"/>
@@ -222,7 +225,7 @@
             <a:fld id="{54D4857D-62A5-486B-9129-468003D7E020}" type="datetimeFigureOut">
               <a:rPr lang="pt-BR" smtClean="0"/>
               <a:pPr/>
-              <a:t>10/10/2018</a:t>
+              <a:t>12/10/2018</a:t>
             </a:fld>
             <a:endParaRPr lang="pt-BR"/>
           </a:p>
@@ -392,7 +395,7 @@
           <a:p>
             <a:fld id="{2D2EF2CE-B28C-4ED4-8FD0-48BB3F48846A}" type="datetimeFigureOut">
               <a:pPr/>
-              <a:t>10/10/2018</a:t>
+              <a:t>12/10/2018</a:t>
             </a:fld>
             <a:endParaRPr lang="pt-BR"/>
           </a:p>
@@ -788,52 +791,6 @@
           <a:bodyPr/>
           <a:lstStyle/>
           <a:p>
-            <a:pPr marL="342900" lvl="0" indent="-342900">
-              <a:spcBef>
-                <a:spcPct val="20000"/>
-              </a:spcBef>
-              <a:buFont typeface="Arial"/>
-              <a:buChar char="•"/>
-              <a:defRPr lang="pt-BR"/>
-            </a:pPr>
-            <a:r>
-              <a:rPr lang="pt-BR" dirty="0"/>
-              <a:t>A interface </a:t>
-            </a:r>
-            <a:r>
-              <a:rPr lang="pt-BR" dirty="0" err="1"/>
-              <a:t>ServletContext</a:t>
-            </a:r>
-            <a:r>
-              <a:rPr lang="pt-BR" dirty="0"/>
-              <a:t> encapsula informações sobre o contexto ou aplicação. Cada </a:t>
-            </a:r>
-            <a:r>
-              <a:rPr lang="pt-BR" dirty="0" err="1"/>
-              <a:t>servlet</a:t>
-            </a:r>
-            <a:r>
-              <a:rPr lang="pt-BR" dirty="0"/>
-              <a:t> possui um método </a:t>
-            </a:r>
-            <a:r>
-              <a:rPr lang="pt-BR" dirty="0" err="1"/>
-              <a:t>getServletContext</a:t>
-            </a:r>
-            <a:r>
-              <a:rPr lang="pt-BR" dirty="0"/>
-              <a:t>() que devolve o contexto atual. A partir de uma referência ao contexto pode-se interagir com a aplicação inteira e compartilhar informações entre </a:t>
-            </a:r>
-            <a:r>
-              <a:rPr lang="pt-BR" dirty="0" err="1"/>
-              <a:t>servlets</a:t>
-            </a:r>
-            <a:r>
-              <a:rPr lang="pt-BR" dirty="0"/>
-              <a:t>.</a:t>
-            </a:r>
-          </a:p>
-          <a:p>
             <a:pPr marL="0" lvl="0" indent="0">
               <a:spcBef>
                 <a:spcPct val="20000"/>
@@ -842,7 +799,43 @@
               <a:buNone/>
               <a:defRPr lang="pt-BR"/>
             </a:pPr>
-            <a:endParaRPr lang="pt-BR" dirty="0"/>
+            <a:r>
+              <a:rPr lang="pt-BR" sz="1200" b="1" i="0" kern="1200" dirty="0">
+                <a:solidFill>
+                  <a:schemeClr val="tx1"/>
+                </a:solidFill>
+                <a:effectLst/>
+                <a:latin typeface="+mn-lt"/>
+                <a:ea typeface="+mn-ea"/>
+                <a:cs typeface="+mn-cs"/>
+              </a:rPr>
+              <a:t>GET </a:t>
+            </a:r>
+            <a:r>
+              <a:rPr lang="pt-BR" sz="1200" b="1" i="0" kern="1200" dirty="0">
+                <a:solidFill>
+                  <a:schemeClr val="tx1"/>
+                </a:solidFill>
+                <a:effectLst/>
+                <a:latin typeface="+mn-lt"/>
+                <a:ea typeface="+mn-ea"/>
+                <a:cs typeface="+mn-cs"/>
+                <a:sym typeface="Wingdings" panose="05000000000000000000" pitchFamily="2" charset="2"/>
+              </a:rPr>
+              <a:t></a:t>
+            </a:r>
+            <a:r>
+              <a:rPr lang="pt-BR" sz="1200" b="0" i="0" kern="1200" dirty="0">
+                <a:solidFill>
+                  <a:schemeClr val="tx1"/>
+                </a:solidFill>
+                <a:effectLst/>
+                <a:latin typeface="+mn-lt"/>
+                <a:ea typeface="+mn-ea"/>
+                <a:cs typeface="+mn-cs"/>
+              </a:rPr>
+              <a:t> Método que solicita algum recurso ou objeto ao servidor. Nesse verbo os parâmetros são passados via URL.</a:t>
+            </a:r>
           </a:p>
           <a:p>
             <a:pPr marL="0" lvl="0" indent="0">
@@ -854,16 +847,41 @@
               <a:defRPr lang="pt-BR"/>
             </a:pPr>
             <a:r>
-              <a:rPr lang="pt-BR" dirty="0"/>
-              <a:t>Os principais métodos de </a:t>
-            </a:r>
-            <a:r>
-              <a:rPr lang="pt-BR" dirty="0" err="1"/>
-              <a:t>ServletContext</a:t>
-            </a:r>
-            <a:r>
-              <a:rPr lang="pt-BR" dirty="0"/>
-              <a:t> são: </a:t>
+              <a:rPr lang="pt-BR" sz="1200" b="1" i="0" kern="1200" dirty="0">
+                <a:solidFill>
+                  <a:schemeClr val="tx1"/>
+                </a:solidFill>
+                <a:effectLst/>
+                <a:latin typeface="+mn-lt"/>
+                <a:ea typeface="+mn-ea"/>
+                <a:cs typeface="+mn-cs"/>
+              </a:rPr>
+              <a:t>POST </a:t>
+            </a:r>
+            <a:r>
+              <a:rPr lang="pt-BR" sz="1200" b="0" i="0" kern="1200" dirty="0">
+                <a:solidFill>
+                  <a:schemeClr val="tx1"/>
+                </a:solidFill>
+                <a:effectLst/>
+                <a:latin typeface="+mn-lt"/>
+                <a:ea typeface="+mn-ea"/>
+                <a:cs typeface="+mn-cs"/>
+                <a:sym typeface="Wingdings" panose="05000000000000000000" pitchFamily="2" charset="2"/>
+              </a:rPr>
+              <a:t></a:t>
+            </a:r>
+            <a:r>
+              <a:rPr lang="pt-BR" sz="1200" b="0" i="0" kern="1200" dirty="0">
+                <a:solidFill>
+                  <a:schemeClr val="tx1"/>
+                </a:solidFill>
+                <a:effectLst/>
+                <a:latin typeface="+mn-lt"/>
+                <a:ea typeface="+mn-ea"/>
+                <a:cs typeface="+mn-cs"/>
+              </a:rPr>
+              <a:t> Método usado para envio de arquivo/dados ou formulário HTML ao servidor. Dados são enviados via formulário, dentro do corpo da requisição.</a:t>
             </a:r>
           </a:p>
           <a:p>
@@ -875,249 +893,15 @@
               <a:buNone/>
               <a:defRPr lang="pt-BR"/>
             </a:pPr>
-            <a:r>
-              <a:rPr lang="pt-BR" dirty="0"/>
-              <a:t>• </a:t>
-            </a:r>
-            <a:r>
-              <a:rPr lang="pt-BR" dirty="0" err="1"/>
-              <a:t>String</a:t>
-            </a:r>
-            <a:r>
-              <a:rPr lang="pt-BR" dirty="0"/>
-              <a:t> </a:t>
-            </a:r>
-            <a:r>
-              <a:rPr lang="pt-BR" dirty="0" err="1"/>
-              <a:t>getInitParameter</a:t>
-            </a:r>
-            <a:r>
-              <a:rPr lang="pt-BR" dirty="0"/>
-              <a:t>(</a:t>
-            </a:r>
-            <a:r>
-              <a:rPr lang="pt-BR" dirty="0" err="1"/>
-              <a:t>String</a:t>
-            </a:r>
-            <a:r>
-              <a:rPr lang="pt-BR" dirty="0"/>
-              <a:t>): lê parâmetros de inicialização do contexto (não confunda com o método similar de </a:t>
-            </a:r>
-            <a:r>
-              <a:rPr lang="pt-BR" dirty="0" err="1"/>
-              <a:t>ServletConfig</a:t>
-            </a:r>
-            <a:r>
-              <a:rPr lang="pt-BR" dirty="0"/>
-              <a:t>) </a:t>
-            </a:r>
-          </a:p>
-          <a:p>
-            <a:pPr marL="0" lvl="0" indent="0">
-              <a:spcBef>
-                <a:spcPct val="20000"/>
-              </a:spcBef>
-              <a:buFont typeface="Arial"/>
-              <a:buNone/>
-              <a:defRPr lang="pt-BR"/>
-            </a:pPr>
-            <a:r>
-              <a:rPr lang="pt-BR" dirty="0"/>
-              <a:t>• </a:t>
-            </a:r>
-            <a:r>
-              <a:rPr lang="pt-BR" dirty="0" err="1"/>
-              <a:t>Enumeration</a:t>
-            </a:r>
-            <a:r>
-              <a:rPr lang="pt-BR" dirty="0"/>
-              <a:t> </a:t>
-            </a:r>
-            <a:r>
-              <a:rPr lang="pt-BR" dirty="0" err="1"/>
-              <a:t>getInitParameterNames</a:t>
-            </a:r>
-            <a:r>
-              <a:rPr lang="pt-BR" dirty="0"/>
-              <a:t>(): lê lista de parâmetros </a:t>
-            </a:r>
-          </a:p>
-          <a:p>
-            <a:pPr marL="0" lvl="0" indent="0">
-              <a:spcBef>
-                <a:spcPct val="20000"/>
-              </a:spcBef>
-              <a:buFont typeface="Arial"/>
-              <a:buNone/>
-              <a:defRPr lang="pt-BR"/>
-            </a:pPr>
-            <a:r>
-              <a:rPr lang="pt-BR" dirty="0"/>
-              <a:t>• </a:t>
-            </a:r>
-            <a:r>
-              <a:rPr lang="pt-BR" dirty="0" err="1"/>
-              <a:t>InputStream</a:t>
-            </a:r>
-            <a:r>
-              <a:rPr lang="pt-BR" dirty="0"/>
-              <a:t> </a:t>
-            </a:r>
-            <a:r>
-              <a:rPr lang="pt-BR" dirty="0" err="1"/>
-              <a:t>getResourceAsStream</a:t>
-            </a:r>
-            <a:r>
-              <a:rPr lang="pt-BR" dirty="0"/>
-              <a:t>(): lê recurso localizado dentro do contexto como um </a:t>
-            </a:r>
-            <a:r>
-              <a:rPr lang="pt-BR" dirty="0" err="1"/>
-              <a:t>InputStream</a:t>
-            </a:r>
-            <a:r>
-              <a:rPr lang="pt-BR" dirty="0"/>
-              <a:t> </a:t>
-            </a:r>
-          </a:p>
-          <a:p>
-            <a:pPr marL="0" lvl="0" indent="0">
-              <a:spcBef>
-                <a:spcPct val="20000"/>
-              </a:spcBef>
-              <a:buFont typeface="Arial"/>
-              <a:buNone/>
-              <a:defRPr lang="pt-BR"/>
-            </a:pPr>
-            <a:r>
-              <a:rPr lang="pt-BR" dirty="0"/>
-              <a:t>• </a:t>
-            </a:r>
-            <a:r>
-              <a:rPr lang="pt-BR" dirty="0" err="1"/>
-              <a:t>void</a:t>
-            </a:r>
-            <a:r>
-              <a:rPr lang="pt-BR" dirty="0"/>
-              <a:t> </a:t>
-            </a:r>
-            <a:r>
-              <a:rPr lang="pt-BR" dirty="0" err="1"/>
-              <a:t>setAttribute</a:t>
-            </a:r>
-            <a:r>
-              <a:rPr lang="pt-BR" dirty="0"/>
-              <a:t>(</a:t>
-            </a:r>
-            <a:r>
-              <a:rPr lang="pt-BR" dirty="0" err="1"/>
-              <a:t>String</a:t>
-            </a:r>
-            <a:r>
-              <a:rPr lang="pt-BR" dirty="0"/>
-              <a:t> nome, </a:t>
-            </a:r>
-            <a:r>
-              <a:rPr lang="pt-BR" dirty="0" err="1"/>
-              <a:t>Object</a:t>
-            </a:r>
-            <a:r>
-              <a:rPr lang="pt-BR" dirty="0"/>
-              <a:t>): grava um atributo no contexto </a:t>
-            </a:r>
-          </a:p>
-          <a:p>
-            <a:pPr marL="0" lvl="0" indent="0">
-              <a:spcBef>
-                <a:spcPct val="20000"/>
-              </a:spcBef>
-              <a:buFont typeface="Arial"/>
-              <a:buNone/>
-              <a:defRPr lang="pt-BR"/>
-            </a:pPr>
-            <a:r>
-              <a:rPr lang="pt-BR" dirty="0"/>
-              <a:t>• </a:t>
-            </a:r>
-            <a:r>
-              <a:rPr lang="pt-BR" dirty="0" err="1"/>
-              <a:t>Object</a:t>
-            </a:r>
-            <a:r>
-              <a:rPr lang="pt-BR" dirty="0"/>
-              <a:t> </a:t>
-            </a:r>
-            <a:r>
-              <a:rPr lang="pt-BR" dirty="0" err="1"/>
-              <a:t>getAttribute</a:t>
-            </a:r>
-            <a:r>
-              <a:rPr lang="pt-BR" dirty="0"/>
-              <a:t>(</a:t>
-            </a:r>
-            <a:r>
-              <a:rPr lang="pt-BR" dirty="0" err="1"/>
-              <a:t>String</a:t>
-            </a:r>
-            <a:r>
-              <a:rPr lang="pt-BR" dirty="0"/>
-              <a:t> nome): lê um atributo do contexto </a:t>
-            </a:r>
-          </a:p>
-          <a:p>
-            <a:pPr marL="0" lvl="0" indent="0">
-              <a:spcBef>
-                <a:spcPct val="20000"/>
-              </a:spcBef>
-              <a:buFont typeface="Arial"/>
-              <a:buNone/>
-              <a:defRPr lang="pt-BR"/>
-            </a:pPr>
-            <a:r>
-              <a:rPr lang="pt-BR" dirty="0"/>
-              <a:t>• </a:t>
-            </a:r>
-            <a:r>
-              <a:rPr lang="pt-BR" dirty="0" err="1"/>
-              <a:t>void</a:t>
-            </a:r>
-            <a:r>
-              <a:rPr lang="pt-BR" dirty="0"/>
-              <a:t> log(</a:t>
-            </a:r>
-            <a:r>
-              <a:rPr lang="pt-BR" dirty="0" err="1"/>
-              <a:t>String</a:t>
-            </a:r>
-            <a:r>
-              <a:rPr lang="pt-BR" dirty="0"/>
-              <a:t> mensagem): escreve mensagem no log do contexto</a:t>
-            </a:r>
-          </a:p>
-          <a:p>
-            <a:pPr marL="0" lvl="0" indent="0">
-              <a:spcBef>
-                <a:spcPct val="20000"/>
-              </a:spcBef>
-              <a:buFont typeface="Arial"/>
-              <a:buNone/>
-              <a:defRPr lang="pt-BR"/>
-            </a:pPr>
-            <a:endParaRPr lang="pt-BR" dirty="0"/>
-          </a:p>
-          <a:p>
-            <a:pPr marL="0" lvl="0" indent="0">
-              <a:spcBef>
-                <a:spcPct val="20000"/>
-              </a:spcBef>
-              <a:buFont typeface="Arial"/>
-              <a:buNone/>
-              <a:defRPr lang="pt-BR"/>
-            </a:pPr>
-            <a:r>
-              <a:rPr lang="pt-BR" dirty="0"/>
-              <a:t>Criar exemplos !</a:t>
-            </a:r>
+            <a:endParaRPr lang="pt-BR" sz="1200" b="0" i="0" kern="1200" dirty="0">
+              <a:solidFill>
+                <a:schemeClr val="tx1"/>
+              </a:solidFill>
+              <a:effectLst/>
+              <a:latin typeface="+mn-lt"/>
+              <a:ea typeface="+mn-ea"/>
+              <a:cs typeface="+mn-cs"/>
+            </a:endParaRPr>
           </a:p>
         </p:txBody>
       </p:sp>
@@ -1148,7 +932,7 @@
     </p:spTree>
     <p:extLst>
       <p:ext uri="{BB962C8B-B14F-4D97-AF65-F5344CB8AC3E}">
-        <p14:creationId xmlns:p14="http://schemas.microsoft.com/office/powerpoint/2010/main" val="2477212209"/>
+        <p14:creationId xmlns:p14="http://schemas.microsoft.com/office/powerpoint/2010/main" val="383213248"/>
       </p:ext>
     </p:extLst>
   </p:cSld>
@@ -1202,15 +986,139 @@
           <a:bodyPr/>
           <a:lstStyle/>
           <a:p>
-            <a:pPr marL="342900" lvl="0" indent="-342900">
+            <a:pPr marL="0" lvl="0" indent="0">
               <a:spcBef>
                 <a:spcPct val="20000"/>
               </a:spcBef>
               <a:buFont typeface="Arial"/>
-              <a:buChar char="•"/>
+              <a:buNone/>
               <a:defRPr lang="pt-BR"/>
             </a:pPr>
-            <a:endParaRPr lang="pt-BR" dirty="0"/>
+            <a:r>
+              <a:rPr lang="pt-BR" sz="1200" b="1" i="0" kern="1200" dirty="0">
+                <a:solidFill>
+                  <a:schemeClr val="tx1"/>
+                </a:solidFill>
+                <a:effectLst/>
+                <a:latin typeface="+mn-lt"/>
+                <a:ea typeface="+mn-ea"/>
+                <a:cs typeface="+mn-cs"/>
+              </a:rPr>
+              <a:t>GET </a:t>
+            </a:r>
+            <a:r>
+              <a:rPr lang="pt-BR" sz="1200" b="1" i="0" kern="1200" dirty="0">
+                <a:solidFill>
+                  <a:schemeClr val="tx1"/>
+                </a:solidFill>
+                <a:effectLst/>
+                <a:latin typeface="+mn-lt"/>
+                <a:ea typeface="+mn-ea"/>
+                <a:cs typeface="+mn-cs"/>
+                <a:sym typeface="Wingdings" panose="05000000000000000000" pitchFamily="2" charset="2"/>
+              </a:rPr>
+              <a:t></a:t>
+            </a:r>
+            <a:r>
+              <a:rPr lang="pt-BR" sz="1200" b="0" i="0" kern="1200" dirty="0">
+                <a:solidFill>
+                  <a:schemeClr val="tx1"/>
+                </a:solidFill>
+                <a:effectLst/>
+                <a:latin typeface="+mn-lt"/>
+                <a:ea typeface="+mn-ea"/>
+                <a:cs typeface="+mn-cs"/>
+              </a:rPr>
+              <a:t> Método que solicita algum recurso ou objeto ao servidor. Nesse verbo os parâmetros são passados via URL.</a:t>
+            </a:r>
+          </a:p>
+          <a:p>
+            <a:pPr marL="0" lvl="0" indent="0">
+              <a:spcBef>
+                <a:spcPct val="20000"/>
+              </a:spcBef>
+              <a:buFont typeface="Arial"/>
+              <a:buNone/>
+              <a:defRPr lang="pt-BR"/>
+            </a:pPr>
+            <a:r>
+              <a:rPr lang="pt-BR" sz="1200" b="1" i="0" kern="1200" dirty="0">
+                <a:solidFill>
+                  <a:schemeClr val="tx1"/>
+                </a:solidFill>
+                <a:effectLst/>
+                <a:latin typeface="+mn-lt"/>
+                <a:ea typeface="+mn-ea"/>
+                <a:cs typeface="+mn-cs"/>
+              </a:rPr>
+              <a:t>POST </a:t>
+            </a:r>
+            <a:r>
+              <a:rPr lang="pt-BR" sz="1200" b="0" i="0" kern="1200" dirty="0">
+                <a:solidFill>
+                  <a:schemeClr val="tx1"/>
+                </a:solidFill>
+                <a:effectLst/>
+                <a:latin typeface="+mn-lt"/>
+                <a:ea typeface="+mn-ea"/>
+                <a:cs typeface="+mn-cs"/>
+                <a:sym typeface="Wingdings" panose="05000000000000000000" pitchFamily="2" charset="2"/>
+              </a:rPr>
+              <a:t></a:t>
+            </a:r>
+            <a:r>
+              <a:rPr lang="pt-BR" sz="1200" b="0" i="0" kern="1200" dirty="0">
+                <a:solidFill>
+                  <a:schemeClr val="tx1"/>
+                </a:solidFill>
+                <a:effectLst/>
+                <a:latin typeface="+mn-lt"/>
+                <a:ea typeface="+mn-ea"/>
+                <a:cs typeface="+mn-cs"/>
+              </a:rPr>
+              <a:t> Método usado para envio de arquivo/dados ou formulário HTML ao servidor. Dados são enviados via formulário, dentro do corpo da requisição.</a:t>
+            </a:r>
+          </a:p>
+          <a:p>
+            <a:pPr marL="0" lvl="0" indent="0">
+              <a:spcBef>
+                <a:spcPct val="20000"/>
+              </a:spcBef>
+              <a:buFont typeface="Arial"/>
+              <a:buNone/>
+              <a:defRPr lang="pt-BR"/>
+            </a:pPr>
+            <a:endParaRPr lang="pt-BR" sz="1200" b="0" i="0" kern="1200" dirty="0">
+              <a:solidFill>
+                <a:schemeClr val="tx1"/>
+              </a:solidFill>
+              <a:effectLst/>
+              <a:latin typeface="+mn-lt"/>
+              <a:ea typeface="+mn-ea"/>
+              <a:cs typeface="+mn-cs"/>
+            </a:endParaRPr>
+          </a:p>
+          <a:p>
+            <a:pPr marL="0" lvl="0" indent="0">
+              <a:spcBef>
+                <a:spcPct val="20000"/>
+              </a:spcBef>
+              <a:buFont typeface="Arial"/>
+              <a:buNone/>
+              <a:defRPr lang="pt-BR"/>
+            </a:pPr>
+            <a:r>
+              <a:rPr lang="pt-BR" sz="1200" b="0" i="0" kern="1200" dirty="0">
+                <a:solidFill>
+                  <a:schemeClr val="tx1"/>
+                </a:solidFill>
+                <a:effectLst/>
+                <a:latin typeface="+mn-lt"/>
+                <a:ea typeface="+mn-ea"/>
+                <a:cs typeface="+mn-cs"/>
+              </a:rPr>
+              <a:t>Criar um exemplo !</a:t>
+            </a:r>
           </a:p>
         </p:txBody>
       </p:sp>
@@ -1241,7 +1149,2015 @@
     </p:spTree>
     <p:extLst>
       <p:ext uri="{BB962C8B-B14F-4D97-AF65-F5344CB8AC3E}">
-        <p14:creationId xmlns:p14="http://schemas.microsoft.com/office/powerpoint/2010/main" val="3649887134"/>
+        <p14:creationId xmlns:p14="http://schemas.microsoft.com/office/powerpoint/2010/main" val="3883848836"/>
+      </p:ext>
+    </p:extLst>
+  </p:cSld>
+  <p:clrMapOvr>
+    <a:masterClrMapping/>
+  </p:clrMapOvr>
+</p:notes>
+</file>
+
+<file path=ppt/notesSlides/notesSlide12.xml><?xml version="1.0" encoding="utf-8"?>
+<p:notes xmlns:a="http://schemas.openxmlformats.org/drawingml/2006/main" xmlns:r="http://schemas.openxmlformats.org/officeDocument/2006/relationships" xmlns:p="http://schemas.openxmlformats.org/presentationml/2006/main">
+  <p:cSld>
+    <p:spTree>
+      <p:nvGrpSpPr>
+        <p:cNvPr id="1" name=""/>
+        <p:cNvGrpSpPr/>
+        <p:nvPr/>
+      </p:nvGrpSpPr>
+      <p:grpSpPr>
+        <a:xfrm>
+          <a:off x="0" y="0"/>
+          <a:ext cx="0" cy="0"/>
+          <a:chOff x="0" y="0"/>
+          <a:chExt cx="0" cy="0"/>
+        </a:xfrm>
+      </p:grpSpPr>
+      <p:sp>
+        <p:nvSpPr>
+          <p:cNvPr id="2" name="Rectangle 2"/>
+          <p:cNvSpPr>
+            <a:spLocks noGrp="1" noRot="1" noChangeAspect="1"/>
+          </p:cNvSpPr>
+          <p:nvPr>
+            <p:ph type="sldImg"/>
+          </p:nvPr>
+        </p:nvSpPr>
+        <p:spPr/>
+      </p:sp>
+      <p:sp>
+        <p:nvSpPr>
+          <p:cNvPr id="3" name="Rectangle 3"/>
+          <p:cNvSpPr>
+            <a:spLocks noGrp="1"/>
+          </p:cNvSpPr>
+          <p:nvPr>
+            <p:ph type="body" idx="1"/>
+          </p:nvPr>
+        </p:nvSpPr>
+        <p:spPr/>
+        <p:txBody>
+          <a:bodyPr/>
+          <a:lstStyle/>
+          <a:p>
+            <a:pPr marL="342900" lvl="0" indent="-342900">
+              <a:spcBef>
+                <a:spcPct val="20000"/>
+              </a:spcBef>
+              <a:buFont typeface="Arial"/>
+              <a:buChar char="•"/>
+              <a:defRPr lang="pt-BR"/>
+            </a:pPr>
+            <a:r>
+              <a:rPr lang="pt-BR" dirty="0"/>
+              <a:t>A interface </a:t>
+            </a:r>
+            <a:r>
+              <a:rPr lang="pt-BR" dirty="0" err="1"/>
+              <a:t>ServletContext</a:t>
+            </a:r>
+            <a:r>
+              <a:rPr lang="pt-BR" dirty="0"/>
+              <a:t> encapsula informações sobre o contexto ou aplicação. Cada </a:t>
+            </a:r>
+            <a:r>
+              <a:rPr lang="pt-BR" dirty="0" err="1"/>
+              <a:t>servlet</a:t>
+            </a:r>
+            <a:r>
+              <a:rPr lang="pt-BR" dirty="0"/>
+              <a:t> possui um método </a:t>
+            </a:r>
+            <a:r>
+              <a:rPr lang="pt-BR" dirty="0" err="1"/>
+              <a:t>getServletContext</a:t>
+            </a:r>
+            <a:r>
+              <a:rPr lang="pt-BR" dirty="0"/>
+              <a:t>() que devolve o contexto atual. A partir de uma referência ao contexto pode-se interagir com a aplicação inteira e compartilhar informações entre </a:t>
+            </a:r>
+            <a:r>
+              <a:rPr lang="pt-BR" dirty="0" err="1"/>
+              <a:t>servlets</a:t>
+            </a:r>
+            <a:r>
+              <a:rPr lang="pt-BR" dirty="0"/>
+              <a:t>.</a:t>
+            </a:r>
+          </a:p>
+          <a:p>
+            <a:pPr marL="0" lvl="0" indent="0">
+              <a:spcBef>
+                <a:spcPct val="20000"/>
+              </a:spcBef>
+              <a:buFont typeface="Arial"/>
+              <a:buNone/>
+              <a:defRPr lang="pt-BR"/>
+            </a:pPr>
+            <a:endParaRPr lang="pt-BR" dirty="0"/>
+          </a:p>
+          <a:p>
+            <a:pPr marL="0" lvl="0" indent="0">
+              <a:spcBef>
+                <a:spcPct val="20000"/>
+              </a:spcBef>
+              <a:buFont typeface="Arial"/>
+              <a:buNone/>
+              <a:defRPr lang="pt-BR"/>
+            </a:pPr>
+            <a:r>
+              <a:rPr lang="pt-BR" dirty="0"/>
+              <a:t>Os principais métodos de </a:t>
+            </a:r>
+            <a:r>
+              <a:rPr lang="pt-BR" dirty="0" err="1"/>
+              <a:t>ServletContext</a:t>
+            </a:r>
+            <a:r>
+              <a:rPr lang="pt-BR" dirty="0"/>
+              <a:t> são: </a:t>
+            </a:r>
+          </a:p>
+          <a:p>
+            <a:pPr marL="0" lvl="0" indent="0">
+              <a:spcBef>
+                <a:spcPct val="20000"/>
+              </a:spcBef>
+              <a:buFont typeface="Arial"/>
+              <a:buNone/>
+              <a:defRPr lang="pt-BR"/>
+            </a:pPr>
+            <a:r>
+              <a:rPr lang="pt-BR" dirty="0"/>
+              <a:t>• </a:t>
+            </a:r>
+            <a:r>
+              <a:rPr lang="pt-BR" dirty="0" err="1"/>
+              <a:t>String</a:t>
+            </a:r>
+            <a:r>
+              <a:rPr lang="pt-BR" dirty="0"/>
+              <a:t> </a:t>
+            </a:r>
+            <a:r>
+              <a:rPr lang="pt-BR" dirty="0" err="1"/>
+              <a:t>getInitParameter</a:t>
+            </a:r>
+            <a:r>
+              <a:rPr lang="pt-BR" dirty="0"/>
+              <a:t>(</a:t>
+            </a:r>
+            <a:r>
+              <a:rPr lang="pt-BR" dirty="0" err="1"/>
+              <a:t>String</a:t>
+            </a:r>
+            <a:r>
+              <a:rPr lang="pt-BR" dirty="0"/>
+              <a:t>): lê parâmetros de inicialização do contexto (não confunda com o método similar de </a:t>
+            </a:r>
+            <a:r>
+              <a:rPr lang="pt-BR" dirty="0" err="1"/>
+              <a:t>ServletConfig</a:t>
+            </a:r>
+            <a:r>
+              <a:rPr lang="pt-BR" dirty="0"/>
+              <a:t>) </a:t>
+            </a:r>
+          </a:p>
+          <a:p>
+            <a:pPr marL="0" lvl="0" indent="0">
+              <a:spcBef>
+                <a:spcPct val="20000"/>
+              </a:spcBef>
+              <a:buFont typeface="Arial"/>
+              <a:buNone/>
+              <a:defRPr lang="pt-BR"/>
+            </a:pPr>
+            <a:r>
+              <a:rPr lang="pt-BR" dirty="0"/>
+              <a:t>• </a:t>
+            </a:r>
+            <a:r>
+              <a:rPr lang="pt-BR" dirty="0" err="1"/>
+              <a:t>Enumeration</a:t>
+            </a:r>
+            <a:r>
+              <a:rPr lang="pt-BR" dirty="0"/>
+              <a:t> </a:t>
+            </a:r>
+            <a:r>
+              <a:rPr lang="pt-BR" dirty="0" err="1"/>
+              <a:t>getInitParameterNames</a:t>
+            </a:r>
+            <a:r>
+              <a:rPr lang="pt-BR" dirty="0"/>
+              <a:t>(): lê lista de parâmetros </a:t>
+            </a:r>
+          </a:p>
+          <a:p>
+            <a:pPr marL="0" lvl="0" indent="0">
+              <a:spcBef>
+                <a:spcPct val="20000"/>
+              </a:spcBef>
+              <a:buFont typeface="Arial"/>
+              <a:buNone/>
+              <a:defRPr lang="pt-BR"/>
+            </a:pPr>
+            <a:r>
+              <a:rPr lang="pt-BR" dirty="0"/>
+              <a:t>• </a:t>
+            </a:r>
+            <a:r>
+              <a:rPr lang="pt-BR" dirty="0" err="1"/>
+              <a:t>InputStream</a:t>
+            </a:r>
+            <a:r>
+              <a:rPr lang="pt-BR" dirty="0"/>
+              <a:t> </a:t>
+            </a:r>
+            <a:r>
+              <a:rPr lang="pt-BR" dirty="0" err="1"/>
+              <a:t>getResourceAsStream</a:t>
+            </a:r>
+            <a:r>
+              <a:rPr lang="pt-BR" dirty="0"/>
+              <a:t>(): lê recurso localizado dentro do contexto como um </a:t>
+            </a:r>
+            <a:r>
+              <a:rPr lang="pt-BR" dirty="0" err="1"/>
+              <a:t>InputStream</a:t>
+            </a:r>
+            <a:r>
+              <a:rPr lang="pt-BR" dirty="0"/>
+              <a:t> </a:t>
+            </a:r>
+          </a:p>
+          <a:p>
+            <a:pPr marL="0" lvl="0" indent="0">
+              <a:spcBef>
+                <a:spcPct val="20000"/>
+              </a:spcBef>
+              <a:buFont typeface="Arial"/>
+              <a:buNone/>
+              <a:defRPr lang="pt-BR"/>
+            </a:pPr>
+            <a:r>
+              <a:rPr lang="pt-BR" dirty="0"/>
+              <a:t>• </a:t>
+            </a:r>
+            <a:r>
+              <a:rPr lang="pt-BR" dirty="0" err="1"/>
+              <a:t>void</a:t>
+            </a:r>
+            <a:r>
+              <a:rPr lang="pt-BR" dirty="0"/>
+              <a:t> </a:t>
+            </a:r>
+            <a:r>
+              <a:rPr lang="pt-BR" dirty="0" err="1"/>
+              <a:t>setAttribute</a:t>
+            </a:r>
+            <a:r>
+              <a:rPr lang="pt-BR" dirty="0"/>
+              <a:t>(</a:t>
+            </a:r>
+            <a:r>
+              <a:rPr lang="pt-BR" dirty="0" err="1"/>
+              <a:t>String</a:t>
+            </a:r>
+            <a:r>
+              <a:rPr lang="pt-BR" dirty="0"/>
+              <a:t> nome, </a:t>
+            </a:r>
+            <a:r>
+              <a:rPr lang="pt-BR" dirty="0" err="1"/>
+              <a:t>Object</a:t>
+            </a:r>
+            <a:r>
+              <a:rPr lang="pt-BR" dirty="0"/>
+              <a:t>): grava um atributo no contexto </a:t>
+            </a:r>
+          </a:p>
+          <a:p>
+            <a:pPr marL="0" lvl="0" indent="0">
+              <a:spcBef>
+                <a:spcPct val="20000"/>
+              </a:spcBef>
+              <a:buFont typeface="Arial"/>
+              <a:buNone/>
+              <a:defRPr lang="pt-BR"/>
+            </a:pPr>
+            <a:r>
+              <a:rPr lang="pt-BR" dirty="0"/>
+              <a:t>• </a:t>
+            </a:r>
+            <a:r>
+              <a:rPr lang="pt-BR" dirty="0" err="1"/>
+              <a:t>Object</a:t>
+            </a:r>
+            <a:r>
+              <a:rPr lang="pt-BR" dirty="0"/>
+              <a:t> </a:t>
+            </a:r>
+            <a:r>
+              <a:rPr lang="pt-BR" dirty="0" err="1"/>
+              <a:t>getAttribute</a:t>
+            </a:r>
+            <a:r>
+              <a:rPr lang="pt-BR" dirty="0"/>
+              <a:t>(</a:t>
+            </a:r>
+            <a:r>
+              <a:rPr lang="pt-BR" dirty="0" err="1"/>
+              <a:t>String</a:t>
+            </a:r>
+            <a:r>
+              <a:rPr lang="pt-BR" dirty="0"/>
+              <a:t> nome): lê um atributo do contexto </a:t>
+            </a:r>
+          </a:p>
+          <a:p>
+            <a:pPr marL="0" lvl="0" indent="0">
+              <a:spcBef>
+                <a:spcPct val="20000"/>
+              </a:spcBef>
+              <a:buFont typeface="Arial"/>
+              <a:buNone/>
+              <a:defRPr lang="pt-BR"/>
+            </a:pPr>
+            <a:r>
+              <a:rPr lang="pt-BR" dirty="0"/>
+              <a:t>• </a:t>
+            </a:r>
+            <a:r>
+              <a:rPr lang="pt-BR" dirty="0" err="1"/>
+              <a:t>void</a:t>
+            </a:r>
+            <a:r>
+              <a:rPr lang="pt-BR" dirty="0"/>
+              <a:t> log(</a:t>
+            </a:r>
+            <a:r>
+              <a:rPr lang="pt-BR" dirty="0" err="1"/>
+              <a:t>String</a:t>
+            </a:r>
+            <a:r>
+              <a:rPr lang="pt-BR" dirty="0"/>
+              <a:t> mensagem): escreve mensagem no log do contexto</a:t>
+            </a:r>
+          </a:p>
+          <a:p>
+            <a:pPr marL="0" lvl="0" indent="0">
+              <a:spcBef>
+                <a:spcPct val="20000"/>
+              </a:spcBef>
+              <a:buFont typeface="Arial"/>
+              <a:buNone/>
+              <a:defRPr lang="pt-BR"/>
+            </a:pPr>
+            <a:endParaRPr lang="pt-BR" dirty="0"/>
+          </a:p>
+          <a:p>
+            <a:pPr marL="0" lvl="0" indent="0">
+              <a:spcBef>
+                <a:spcPct val="20000"/>
+              </a:spcBef>
+              <a:buFont typeface="Arial"/>
+              <a:buNone/>
+              <a:defRPr lang="pt-BR"/>
+            </a:pPr>
+            <a:r>
+              <a:rPr lang="pt-BR" dirty="0"/>
+              <a:t>Criar exemplos !</a:t>
+            </a:r>
+          </a:p>
+        </p:txBody>
+      </p:sp>
+      <p:sp>
+        <p:nvSpPr>
+          <p:cNvPr id="4" name="Rectangle 4"/>
+          <p:cNvSpPr>
+            <a:spLocks noGrp="1"/>
+          </p:cNvSpPr>
+          <p:nvPr>
+            <p:ph type="sldNum" sz="quarter" idx="10"/>
+          </p:nvPr>
+        </p:nvSpPr>
+        <p:spPr/>
+        <p:txBody>
+          <a:bodyPr/>
+          <a:lstStyle/>
+          <a:p>
+            <a:fld id="{61807874-5299-41B2-A37A-6AA3547857F4}" type="slidenum">
+              <a:rPr lang="pt-BR" smtClean="0"/>
+              <a:pPr/>
+              <a:t>12</a:t>
+            </a:fld>
+            <a:endParaRPr lang="pt-BR"/>
+          </a:p>
+        </p:txBody>
+      </p:sp>
+    </p:spTree>
+    <p:extLst>
+      <p:ext uri="{BB962C8B-B14F-4D97-AF65-F5344CB8AC3E}">
+        <p14:creationId xmlns:p14="http://schemas.microsoft.com/office/powerpoint/2010/main" val="2477212209"/>
+      </p:ext>
+    </p:extLst>
+  </p:cSld>
+  <p:clrMapOvr>
+    <a:masterClrMapping/>
+  </p:clrMapOvr>
+</p:notes>
+</file>
+
+<file path=ppt/notesSlides/notesSlide13.xml><?xml version="1.0" encoding="utf-8"?>
+<p:notes xmlns:a="http://schemas.openxmlformats.org/drawingml/2006/main" xmlns:r="http://schemas.openxmlformats.org/officeDocument/2006/relationships" xmlns:p="http://schemas.openxmlformats.org/presentationml/2006/main">
+  <p:cSld>
+    <p:spTree>
+      <p:nvGrpSpPr>
+        <p:cNvPr id="1" name=""/>
+        <p:cNvGrpSpPr/>
+        <p:nvPr/>
+      </p:nvGrpSpPr>
+      <p:grpSpPr>
+        <a:xfrm>
+          <a:off x="0" y="0"/>
+          <a:ext cx="0" cy="0"/>
+          <a:chOff x="0" y="0"/>
+          <a:chExt cx="0" cy="0"/>
+        </a:xfrm>
+      </p:grpSpPr>
+      <p:sp>
+        <p:nvSpPr>
+          <p:cNvPr id="2" name="Rectangle 2"/>
+          <p:cNvSpPr>
+            <a:spLocks noGrp="1" noRot="1" noChangeAspect="1"/>
+          </p:cNvSpPr>
+          <p:nvPr>
+            <p:ph type="sldImg"/>
+          </p:nvPr>
+        </p:nvSpPr>
+        <p:spPr/>
+      </p:sp>
+      <p:sp>
+        <p:nvSpPr>
+          <p:cNvPr id="3" name="Rectangle 3"/>
+          <p:cNvSpPr>
+            <a:spLocks noGrp="1"/>
+          </p:cNvSpPr>
+          <p:nvPr>
+            <p:ph type="body" idx="1"/>
+          </p:nvPr>
+        </p:nvSpPr>
+        <p:spPr/>
+        <p:txBody>
+          <a:bodyPr/>
+          <a:lstStyle/>
+          <a:p>
+            <a:pPr marL="342900" lvl="0" indent="-342900">
+              <a:spcBef>
+                <a:spcPct val="20000"/>
+              </a:spcBef>
+              <a:buFont typeface="Arial"/>
+              <a:buChar char="•"/>
+              <a:defRPr lang="pt-BR"/>
+            </a:pPr>
+            <a:r>
+              <a:rPr lang="pt-BR" dirty="0" smtClean="0"/>
+              <a:t>Para retornar o contexto atual</a:t>
+            </a:r>
+            <a:r>
+              <a:rPr lang="pt-BR" baseline="0" dirty="0" smtClean="0"/>
+              <a:t> utilizamos o </a:t>
+            </a:r>
+            <a:r>
+              <a:rPr lang="pt-BR" baseline="0" dirty="0" err="1" smtClean="0"/>
+              <a:t>getServletContext</a:t>
+            </a:r>
+            <a:r>
+              <a:rPr lang="pt-BR" baseline="0" dirty="0" smtClean="0"/>
+              <a:t>().</a:t>
+            </a:r>
+          </a:p>
+          <a:p>
+            <a:pPr marL="342900" lvl="0" indent="-342900">
+              <a:spcBef>
+                <a:spcPct val="20000"/>
+              </a:spcBef>
+              <a:buFont typeface="Arial"/>
+              <a:buChar char="•"/>
+              <a:defRPr lang="pt-BR"/>
+            </a:pPr>
+            <a:r>
+              <a:rPr lang="pt-BR" dirty="0" err="1" smtClean="0"/>
+              <a:t>String</a:t>
+            </a:r>
+            <a:r>
+              <a:rPr lang="pt-BR" dirty="0" smtClean="0"/>
+              <a:t> </a:t>
+            </a:r>
+            <a:r>
+              <a:rPr lang="pt-BR" dirty="0" err="1" smtClean="0"/>
+              <a:t>getInitParameter</a:t>
+            </a:r>
+            <a:r>
+              <a:rPr lang="pt-BR" dirty="0" smtClean="0"/>
+              <a:t>(</a:t>
+            </a:r>
+            <a:r>
+              <a:rPr lang="pt-BR" dirty="0" err="1" smtClean="0"/>
+              <a:t>String</a:t>
+            </a:r>
+            <a:r>
+              <a:rPr lang="pt-BR" dirty="0" smtClean="0"/>
+              <a:t>): lê parâmetros de inicialização do contexto (não confunda com o método similar de </a:t>
+            </a:r>
+            <a:r>
+              <a:rPr lang="pt-BR" dirty="0" err="1" smtClean="0"/>
+              <a:t>ServletConfig</a:t>
+            </a:r>
+            <a:r>
+              <a:rPr lang="pt-BR" dirty="0" smtClean="0"/>
+              <a:t>)</a:t>
+            </a:r>
+          </a:p>
+          <a:p>
+            <a:pPr marL="342900" lvl="0" indent="-342900">
+              <a:spcBef>
+                <a:spcPct val="20000"/>
+              </a:spcBef>
+              <a:buFont typeface="Arial"/>
+              <a:buChar char="•"/>
+              <a:defRPr lang="pt-BR"/>
+            </a:pPr>
+            <a:r>
+              <a:rPr lang="pt-BR" dirty="0" err="1" smtClean="0"/>
+              <a:t>Enumeration</a:t>
+            </a:r>
+            <a:r>
+              <a:rPr lang="pt-BR" dirty="0" smtClean="0"/>
+              <a:t> </a:t>
+            </a:r>
+            <a:r>
+              <a:rPr lang="pt-BR" dirty="0" err="1" smtClean="0"/>
+              <a:t>getInitParameterNames</a:t>
+            </a:r>
+            <a:r>
+              <a:rPr lang="pt-BR" dirty="0" smtClean="0"/>
+              <a:t>(): lê lista de parâmetros</a:t>
+            </a:r>
+          </a:p>
+          <a:p>
+            <a:pPr marL="342900" lvl="0" indent="-342900">
+              <a:spcBef>
+                <a:spcPct val="20000"/>
+              </a:spcBef>
+              <a:buFont typeface="Arial"/>
+              <a:buChar char="•"/>
+              <a:defRPr lang="pt-BR"/>
+            </a:pPr>
+            <a:r>
+              <a:rPr lang="pt-BR" dirty="0" err="1" smtClean="0"/>
+              <a:t>InputStream</a:t>
+            </a:r>
+            <a:r>
+              <a:rPr lang="pt-BR" dirty="0" smtClean="0"/>
+              <a:t> </a:t>
+            </a:r>
+            <a:r>
+              <a:rPr lang="pt-BR" dirty="0" err="1" smtClean="0"/>
+              <a:t>getResourceAsStream</a:t>
+            </a:r>
+            <a:r>
+              <a:rPr lang="pt-BR" dirty="0" smtClean="0"/>
+              <a:t>(): lê recurso localizado dentro do contexto como</a:t>
+            </a:r>
+            <a:r>
+              <a:rPr lang="pt-BR" baseline="0" dirty="0" smtClean="0"/>
+              <a:t> </a:t>
+            </a:r>
+            <a:r>
+              <a:rPr lang="pt-BR" dirty="0" smtClean="0"/>
+              <a:t>um </a:t>
+            </a:r>
+            <a:r>
+              <a:rPr lang="pt-BR" dirty="0" err="1" smtClean="0"/>
+              <a:t>InputStream</a:t>
+            </a:r>
+            <a:endParaRPr lang="pt-BR" dirty="0" smtClean="0"/>
+          </a:p>
+          <a:p>
+            <a:pPr marL="342900" lvl="0" indent="-342900">
+              <a:spcBef>
+                <a:spcPct val="20000"/>
+              </a:spcBef>
+              <a:buFont typeface="Arial"/>
+              <a:buChar char="•"/>
+              <a:defRPr lang="pt-BR"/>
+            </a:pPr>
+            <a:r>
+              <a:rPr lang="pt-BR" dirty="0" err="1" smtClean="0"/>
+              <a:t>void</a:t>
+            </a:r>
+            <a:r>
+              <a:rPr lang="pt-BR" dirty="0" smtClean="0"/>
+              <a:t> </a:t>
+            </a:r>
+            <a:r>
+              <a:rPr lang="pt-BR" dirty="0" err="1" smtClean="0"/>
+              <a:t>setAttribute</a:t>
+            </a:r>
+            <a:r>
+              <a:rPr lang="pt-BR" dirty="0" smtClean="0"/>
+              <a:t>(</a:t>
+            </a:r>
+            <a:r>
+              <a:rPr lang="pt-BR" dirty="0" err="1" smtClean="0"/>
+              <a:t>String</a:t>
+            </a:r>
+            <a:r>
+              <a:rPr lang="pt-BR" dirty="0" smtClean="0"/>
+              <a:t> nome, </a:t>
+            </a:r>
+            <a:r>
+              <a:rPr lang="pt-BR" dirty="0" err="1" smtClean="0"/>
+              <a:t>Object</a:t>
+            </a:r>
+            <a:r>
+              <a:rPr lang="pt-BR" dirty="0" smtClean="0"/>
+              <a:t>): grava um atributo no contexto</a:t>
+            </a:r>
+          </a:p>
+          <a:p>
+            <a:pPr marL="342900" lvl="0" indent="-342900">
+              <a:spcBef>
+                <a:spcPct val="20000"/>
+              </a:spcBef>
+              <a:buFont typeface="Arial"/>
+              <a:buChar char="•"/>
+              <a:defRPr lang="pt-BR"/>
+            </a:pPr>
+            <a:r>
+              <a:rPr lang="pt-BR" dirty="0" err="1" smtClean="0"/>
+              <a:t>Object</a:t>
+            </a:r>
+            <a:r>
+              <a:rPr lang="pt-BR" dirty="0" smtClean="0"/>
+              <a:t> </a:t>
+            </a:r>
+            <a:r>
+              <a:rPr lang="pt-BR" dirty="0" err="1" smtClean="0"/>
+              <a:t>getAttribute</a:t>
+            </a:r>
+            <a:r>
+              <a:rPr lang="pt-BR" dirty="0" smtClean="0"/>
+              <a:t>(</a:t>
+            </a:r>
+            <a:r>
+              <a:rPr lang="pt-BR" dirty="0" err="1" smtClean="0"/>
+              <a:t>String</a:t>
+            </a:r>
+            <a:r>
+              <a:rPr lang="pt-BR" dirty="0" smtClean="0"/>
+              <a:t> nome): lê um atributo do contexto</a:t>
+            </a:r>
+          </a:p>
+          <a:p>
+            <a:pPr marL="342900" lvl="0" indent="-342900">
+              <a:spcBef>
+                <a:spcPct val="20000"/>
+              </a:spcBef>
+              <a:buFont typeface="Arial"/>
+              <a:buChar char="•"/>
+              <a:defRPr lang="pt-BR"/>
+            </a:pPr>
+            <a:r>
+              <a:rPr lang="pt-BR" dirty="0" err="1" smtClean="0"/>
+              <a:t>void</a:t>
+            </a:r>
+            <a:r>
+              <a:rPr lang="pt-BR" dirty="0" smtClean="0"/>
+              <a:t> log(</a:t>
+            </a:r>
+            <a:r>
+              <a:rPr lang="pt-BR" dirty="0" err="1" smtClean="0"/>
+              <a:t>String</a:t>
+            </a:r>
+            <a:r>
+              <a:rPr lang="pt-BR" dirty="0" smtClean="0"/>
+              <a:t> mensagem): escreve mensagem no log do contexto</a:t>
+            </a:r>
+          </a:p>
+          <a:p>
+            <a:pPr marL="0" lvl="0" indent="0">
+              <a:spcBef>
+                <a:spcPct val="20000"/>
+              </a:spcBef>
+              <a:buFont typeface="Arial"/>
+              <a:buNone/>
+              <a:defRPr lang="pt-BR"/>
+            </a:pPr>
+            <a:endParaRPr lang="pt-BR" dirty="0" smtClean="0"/>
+          </a:p>
+          <a:p>
+            <a:pPr marL="0" lvl="0" indent="0">
+              <a:spcBef>
+                <a:spcPct val="20000"/>
+              </a:spcBef>
+              <a:buFont typeface="Arial"/>
+              <a:buNone/>
+              <a:defRPr lang="pt-BR"/>
+            </a:pPr>
+            <a:r>
+              <a:rPr lang="pt-BR" dirty="0" smtClean="0"/>
+              <a:t>Podemos</a:t>
+            </a:r>
+            <a:r>
+              <a:rPr lang="pt-BR" baseline="0" dirty="0" smtClean="0"/>
+              <a:t> configurar parâmetros de inicialização de contexto através do web.xml.</a:t>
+            </a:r>
+          </a:p>
+          <a:p>
+            <a:r>
+              <a:rPr lang="pt-BR" sz="1200" b="0" i="0" u="none" strike="noStrike" kern="1200" baseline="0" dirty="0" smtClean="0">
+                <a:solidFill>
+                  <a:schemeClr val="tx1"/>
+                </a:solidFill>
+                <a:latin typeface="+mn-lt"/>
+                <a:ea typeface="+mn-ea"/>
+                <a:cs typeface="+mn-cs"/>
+              </a:rPr>
+              <a:t>&lt;</a:t>
+            </a:r>
+            <a:r>
+              <a:rPr lang="pt-BR" sz="1200" b="0" i="0" u="none" strike="noStrike" kern="1200" baseline="0" dirty="0" err="1" smtClean="0">
+                <a:solidFill>
+                  <a:schemeClr val="tx1"/>
+                </a:solidFill>
+                <a:latin typeface="+mn-lt"/>
+                <a:ea typeface="+mn-ea"/>
+                <a:cs typeface="+mn-cs"/>
+              </a:rPr>
+              <a:t>context</a:t>
+            </a:r>
+            <a:r>
+              <a:rPr lang="pt-BR" sz="1200" b="0" i="0" u="none" strike="noStrike" kern="1200" baseline="0" dirty="0" smtClean="0">
+                <a:solidFill>
+                  <a:schemeClr val="tx1"/>
+                </a:solidFill>
+                <a:latin typeface="+mn-lt"/>
+                <a:ea typeface="+mn-ea"/>
+                <a:cs typeface="+mn-cs"/>
+              </a:rPr>
+              <a:t>-param&gt;</a:t>
+            </a:r>
+          </a:p>
+          <a:p>
+            <a:r>
+              <a:rPr lang="pt-BR" sz="1200" b="0" i="0" u="none" strike="noStrike" kern="1200" baseline="0" dirty="0" smtClean="0">
+                <a:solidFill>
+                  <a:schemeClr val="tx1"/>
+                </a:solidFill>
+                <a:latin typeface="+mn-lt"/>
+                <a:ea typeface="+mn-ea"/>
+                <a:cs typeface="+mn-cs"/>
+              </a:rPr>
+              <a:t>	&lt;param-</a:t>
+            </a:r>
+            <a:r>
+              <a:rPr lang="pt-BR" sz="1200" b="0" i="0" u="none" strike="noStrike" kern="1200" baseline="0" dirty="0" err="1" smtClean="0">
+                <a:solidFill>
+                  <a:schemeClr val="tx1"/>
+                </a:solidFill>
+                <a:latin typeface="+mn-lt"/>
+                <a:ea typeface="+mn-ea"/>
+                <a:cs typeface="+mn-cs"/>
+              </a:rPr>
+              <a:t>name</a:t>
+            </a:r>
+            <a:r>
+              <a:rPr lang="pt-BR" sz="1200" b="0" i="0" u="none" strike="noStrike" kern="1200" baseline="0" dirty="0" smtClean="0">
+                <a:solidFill>
+                  <a:schemeClr val="tx1"/>
+                </a:solidFill>
+                <a:latin typeface="+mn-lt"/>
+                <a:ea typeface="+mn-ea"/>
+                <a:cs typeface="+mn-cs"/>
+              </a:rPr>
+              <a:t>&gt;</a:t>
+            </a:r>
+            <a:r>
+              <a:rPr lang="pt-BR" sz="1200" b="0" i="0" u="none" strike="noStrike" kern="1200" baseline="0" dirty="0" err="1" smtClean="0">
+                <a:solidFill>
+                  <a:schemeClr val="tx1"/>
+                </a:solidFill>
+                <a:latin typeface="+mn-lt"/>
+                <a:ea typeface="+mn-ea"/>
+                <a:cs typeface="+mn-cs"/>
+              </a:rPr>
+              <a:t>tempdir</a:t>
+            </a:r>
+            <a:r>
+              <a:rPr lang="pt-BR" sz="1200" b="0" i="0" u="none" strike="noStrike" kern="1200" baseline="0" dirty="0" smtClean="0">
+                <a:solidFill>
+                  <a:schemeClr val="tx1"/>
+                </a:solidFill>
+                <a:latin typeface="+mn-lt"/>
+                <a:ea typeface="+mn-ea"/>
+                <a:cs typeface="+mn-cs"/>
+              </a:rPr>
+              <a:t>&lt;/param-</a:t>
+            </a:r>
+            <a:r>
+              <a:rPr lang="pt-BR" sz="1200" b="0" i="0" u="none" strike="noStrike" kern="1200" baseline="0" dirty="0" err="1" smtClean="0">
+                <a:solidFill>
+                  <a:schemeClr val="tx1"/>
+                </a:solidFill>
+                <a:latin typeface="+mn-lt"/>
+                <a:ea typeface="+mn-ea"/>
+                <a:cs typeface="+mn-cs"/>
+              </a:rPr>
+              <a:t>name</a:t>
+            </a:r>
+            <a:r>
+              <a:rPr lang="pt-BR" sz="1200" b="0" i="0" u="none" strike="noStrike" kern="1200" baseline="0" dirty="0" smtClean="0">
+                <a:solidFill>
+                  <a:schemeClr val="tx1"/>
+                </a:solidFill>
+                <a:latin typeface="+mn-lt"/>
+                <a:ea typeface="+mn-ea"/>
+                <a:cs typeface="+mn-cs"/>
+              </a:rPr>
+              <a:t>&gt;</a:t>
+            </a:r>
+          </a:p>
+          <a:p>
+            <a:r>
+              <a:rPr lang="pt-BR" sz="1200" b="0" i="0" u="none" strike="noStrike" kern="1200" baseline="0" dirty="0" smtClean="0">
+                <a:solidFill>
+                  <a:schemeClr val="tx1"/>
+                </a:solidFill>
+                <a:latin typeface="+mn-lt"/>
+                <a:ea typeface="+mn-ea"/>
+                <a:cs typeface="+mn-cs"/>
+              </a:rPr>
+              <a:t>	&lt;param-</a:t>
+            </a:r>
+            <a:r>
+              <a:rPr lang="pt-BR" sz="1200" b="0" i="0" u="none" strike="noStrike" kern="1200" baseline="0" dirty="0" err="1" smtClean="0">
+                <a:solidFill>
+                  <a:schemeClr val="tx1"/>
+                </a:solidFill>
+                <a:latin typeface="+mn-lt"/>
+                <a:ea typeface="+mn-ea"/>
+                <a:cs typeface="+mn-cs"/>
+              </a:rPr>
+              <a:t>value</a:t>
+            </a:r>
+            <a:r>
+              <a:rPr lang="pt-BR" sz="1200" b="0" i="0" u="none" strike="noStrike" kern="1200" baseline="0" dirty="0" smtClean="0">
+                <a:solidFill>
+                  <a:schemeClr val="tx1"/>
+                </a:solidFill>
+                <a:latin typeface="+mn-lt"/>
+                <a:ea typeface="+mn-ea"/>
+                <a:cs typeface="+mn-cs"/>
+              </a:rPr>
+              <a:t>&gt;/</a:t>
+            </a:r>
+            <a:r>
+              <a:rPr lang="pt-BR" sz="1200" b="0" i="0" u="none" strike="noStrike" kern="1200" baseline="0" dirty="0" err="1" smtClean="0">
+                <a:solidFill>
+                  <a:schemeClr val="tx1"/>
+                </a:solidFill>
+                <a:latin typeface="+mn-lt"/>
+                <a:ea typeface="+mn-ea"/>
+                <a:cs typeface="+mn-cs"/>
+              </a:rPr>
+              <a:t>tmp</a:t>
+            </a:r>
+            <a:r>
+              <a:rPr lang="pt-BR" sz="1200" b="0" i="0" u="none" strike="noStrike" kern="1200" baseline="0" dirty="0" smtClean="0">
+                <a:solidFill>
+                  <a:schemeClr val="tx1"/>
+                </a:solidFill>
+                <a:latin typeface="+mn-lt"/>
+                <a:ea typeface="+mn-ea"/>
+                <a:cs typeface="+mn-cs"/>
+              </a:rPr>
+              <a:t>&lt;/param-</a:t>
+            </a:r>
+            <a:r>
+              <a:rPr lang="pt-BR" sz="1200" b="0" i="0" u="none" strike="noStrike" kern="1200" baseline="0" dirty="0" err="1" smtClean="0">
+                <a:solidFill>
+                  <a:schemeClr val="tx1"/>
+                </a:solidFill>
+                <a:latin typeface="+mn-lt"/>
+                <a:ea typeface="+mn-ea"/>
+                <a:cs typeface="+mn-cs"/>
+              </a:rPr>
+              <a:t>value</a:t>
+            </a:r>
+            <a:r>
+              <a:rPr lang="pt-BR" sz="1200" b="0" i="0" u="none" strike="noStrike" kern="1200" baseline="0" dirty="0" smtClean="0">
+                <a:solidFill>
+                  <a:schemeClr val="tx1"/>
+                </a:solidFill>
+                <a:latin typeface="+mn-lt"/>
+                <a:ea typeface="+mn-ea"/>
+                <a:cs typeface="+mn-cs"/>
+              </a:rPr>
+              <a:t>&gt;</a:t>
+            </a:r>
+          </a:p>
+          <a:p>
+            <a:r>
+              <a:rPr lang="pt-BR" sz="1200" b="0" i="0" u="none" strike="noStrike" kern="1200" baseline="0" dirty="0" smtClean="0">
+                <a:solidFill>
+                  <a:schemeClr val="tx1"/>
+                </a:solidFill>
+                <a:latin typeface="+mn-lt"/>
+                <a:ea typeface="+mn-ea"/>
+                <a:cs typeface="+mn-cs"/>
+              </a:rPr>
+              <a:t>&lt;/</a:t>
+            </a:r>
+            <a:r>
+              <a:rPr lang="pt-BR" sz="1200" b="0" i="0" u="none" strike="noStrike" kern="1200" baseline="0" dirty="0" err="1" smtClean="0">
+                <a:solidFill>
+                  <a:schemeClr val="tx1"/>
+                </a:solidFill>
+                <a:latin typeface="+mn-lt"/>
+                <a:ea typeface="+mn-ea"/>
+                <a:cs typeface="+mn-cs"/>
+              </a:rPr>
+              <a:t>context</a:t>
+            </a:r>
+            <a:r>
+              <a:rPr lang="pt-BR" sz="1200" b="0" i="0" u="none" strike="noStrike" kern="1200" baseline="0" dirty="0" smtClean="0">
+                <a:solidFill>
+                  <a:schemeClr val="tx1"/>
+                </a:solidFill>
+                <a:latin typeface="+mn-lt"/>
+                <a:ea typeface="+mn-ea"/>
+                <a:cs typeface="+mn-cs"/>
+              </a:rPr>
+              <a:t>-param&gt;</a:t>
+            </a:r>
+          </a:p>
+          <a:p>
+            <a:endParaRPr lang="pt-BR" sz="1200" b="0" i="0" u="none" strike="noStrike" kern="1200" baseline="0" dirty="0" smtClean="0">
+              <a:solidFill>
+                <a:schemeClr val="tx1"/>
+              </a:solidFill>
+              <a:latin typeface="+mn-lt"/>
+              <a:ea typeface="+mn-ea"/>
+              <a:cs typeface="+mn-cs"/>
+            </a:endParaRPr>
+          </a:p>
+          <a:p>
+            <a:r>
+              <a:rPr lang="pt-BR" sz="1200" b="0" i="0" u="none" strike="noStrike" kern="1200" baseline="0" dirty="0" smtClean="0">
+                <a:solidFill>
+                  <a:schemeClr val="tx1"/>
+                </a:solidFill>
+                <a:latin typeface="+mn-lt"/>
+                <a:ea typeface="+mn-ea"/>
+                <a:cs typeface="+mn-cs"/>
+              </a:rPr>
+              <a:t>Para ler:</a:t>
+            </a:r>
+          </a:p>
+          <a:p>
+            <a:r>
+              <a:rPr lang="pt-BR" sz="1200" b="0" i="0" u="none" strike="noStrike" kern="1200" baseline="0" dirty="0" err="1" smtClean="0">
+                <a:solidFill>
+                  <a:schemeClr val="tx1"/>
+                </a:solidFill>
+                <a:latin typeface="+mn-lt"/>
+                <a:ea typeface="+mn-ea"/>
+                <a:cs typeface="+mn-cs"/>
+              </a:rPr>
+              <a:t>ServletContext</a:t>
+            </a:r>
+            <a:r>
+              <a:rPr lang="pt-BR" sz="1200" b="0" i="0" u="none" strike="noStrike" kern="1200" baseline="0" dirty="0" smtClean="0">
+                <a:solidFill>
+                  <a:schemeClr val="tx1"/>
+                </a:solidFill>
+                <a:latin typeface="+mn-lt"/>
+                <a:ea typeface="+mn-ea"/>
+                <a:cs typeface="+mn-cs"/>
+              </a:rPr>
+              <a:t> </a:t>
+            </a:r>
+            <a:r>
+              <a:rPr lang="pt-BR" sz="1200" b="0" i="0" u="none" strike="noStrike" kern="1200" baseline="0" dirty="0" err="1" smtClean="0">
+                <a:solidFill>
+                  <a:schemeClr val="tx1"/>
+                </a:solidFill>
+                <a:latin typeface="+mn-lt"/>
+                <a:ea typeface="+mn-ea"/>
+                <a:cs typeface="+mn-cs"/>
+              </a:rPr>
+              <a:t>ctx</a:t>
+            </a:r>
+            <a:r>
+              <a:rPr lang="pt-BR" sz="1200" b="0" i="0" u="none" strike="noStrike" kern="1200" baseline="0" dirty="0" smtClean="0">
+                <a:solidFill>
+                  <a:schemeClr val="tx1"/>
+                </a:solidFill>
+                <a:latin typeface="+mn-lt"/>
+                <a:ea typeface="+mn-ea"/>
+                <a:cs typeface="+mn-cs"/>
+              </a:rPr>
+              <a:t> = </a:t>
+            </a:r>
+            <a:r>
+              <a:rPr lang="pt-BR" sz="1200" b="0" i="0" u="none" strike="noStrike" kern="1200" baseline="0" dirty="0" err="1" smtClean="0">
+                <a:solidFill>
+                  <a:schemeClr val="tx1"/>
+                </a:solidFill>
+                <a:latin typeface="+mn-lt"/>
+                <a:ea typeface="+mn-ea"/>
+                <a:cs typeface="+mn-cs"/>
+              </a:rPr>
+              <a:t>this.getServletContext</a:t>
+            </a:r>
+            <a:r>
+              <a:rPr lang="pt-BR" sz="1200" b="0" i="0" u="none" strike="noStrike" kern="1200" baseline="0" dirty="0" smtClean="0">
+                <a:solidFill>
+                  <a:schemeClr val="tx1"/>
+                </a:solidFill>
+                <a:latin typeface="+mn-lt"/>
+                <a:ea typeface="+mn-ea"/>
+                <a:cs typeface="+mn-cs"/>
+              </a:rPr>
+              <a:t>();</a:t>
+            </a:r>
+          </a:p>
+          <a:p>
+            <a:r>
+              <a:rPr lang="pt-BR" sz="1200" b="0" i="0" u="none" strike="noStrike" kern="1200" baseline="0" dirty="0" err="1" smtClean="0">
+                <a:solidFill>
+                  <a:schemeClr val="tx1"/>
+                </a:solidFill>
+                <a:latin typeface="+mn-lt"/>
+                <a:ea typeface="+mn-ea"/>
+                <a:cs typeface="+mn-cs"/>
+              </a:rPr>
+              <a:t>String</a:t>
+            </a:r>
+            <a:r>
+              <a:rPr lang="pt-BR" sz="1200" b="0" i="0" u="none" strike="noStrike" kern="1200" baseline="0" dirty="0" smtClean="0">
+                <a:solidFill>
+                  <a:schemeClr val="tx1"/>
+                </a:solidFill>
+                <a:latin typeface="+mn-lt"/>
+                <a:ea typeface="+mn-ea"/>
+                <a:cs typeface="+mn-cs"/>
+              </a:rPr>
+              <a:t> </a:t>
+            </a:r>
+            <a:r>
+              <a:rPr lang="pt-BR" sz="1200" b="0" i="0" u="none" strike="noStrike" kern="1200" baseline="0" dirty="0" err="1" smtClean="0">
+                <a:solidFill>
+                  <a:schemeClr val="tx1"/>
+                </a:solidFill>
+                <a:latin typeface="+mn-lt"/>
+                <a:ea typeface="+mn-ea"/>
+                <a:cs typeface="+mn-cs"/>
+              </a:rPr>
+              <a:t>tempDir</a:t>
+            </a:r>
+            <a:r>
+              <a:rPr lang="pt-BR" sz="1200" b="0" i="0" u="none" strike="noStrike" kern="1200" baseline="0" dirty="0" smtClean="0">
+                <a:solidFill>
+                  <a:schemeClr val="tx1"/>
+                </a:solidFill>
+                <a:latin typeface="+mn-lt"/>
+                <a:ea typeface="+mn-ea"/>
+                <a:cs typeface="+mn-cs"/>
+              </a:rPr>
+              <a:t> = </a:t>
+            </a:r>
+            <a:r>
+              <a:rPr lang="pt-BR" sz="1200" b="0" i="0" u="none" strike="noStrike" kern="1200" baseline="0" dirty="0" err="1" smtClean="0">
+                <a:solidFill>
+                  <a:schemeClr val="tx1"/>
+                </a:solidFill>
+                <a:latin typeface="+mn-lt"/>
+                <a:ea typeface="+mn-ea"/>
+                <a:cs typeface="+mn-cs"/>
+              </a:rPr>
+              <a:t>ctx.getInitParameter</a:t>
+            </a:r>
+            <a:r>
+              <a:rPr lang="pt-BR" sz="1200" b="0" i="0" u="none" strike="noStrike" kern="1200" baseline="0" dirty="0" smtClean="0">
+                <a:solidFill>
+                  <a:schemeClr val="tx1"/>
+                </a:solidFill>
+                <a:latin typeface="+mn-lt"/>
+                <a:ea typeface="+mn-ea"/>
+                <a:cs typeface="+mn-cs"/>
+              </a:rPr>
+              <a:t>("</a:t>
+            </a:r>
+            <a:r>
+              <a:rPr lang="pt-BR" sz="1200" b="0" i="0" u="none" strike="noStrike" kern="1200" baseline="0" dirty="0" err="1" smtClean="0">
+                <a:solidFill>
+                  <a:schemeClr val="tx1"/>
+                </a:solidFill>
+                <a:latin typeface="+mn-lt"/>
+                <a:ea typeface="+mn-ea"/>
+                <a:cs typeface="+mn-cs"/>
+              </a:rPr>
+              <a:t>tempdir</a:t>
+            </a:r>
+            <a:r>
+              <a:rPr lang="pt-BR" sz="1200" b="0" i="0" u="none" strike="noStrike" kern="1200" baseline="0" dirty="0" smtClean="0">
+                <a:solidFill>
+                  <a:schemeClr val="tx1"/>
+                </a:solidFill>
+                <a:latin typeface="+mn-lt"/>
+                <a:ea typeface="+mn-ea"/>
+                <a:cs typeface="+mn-cs"/>
+              </a:rPr>
+              <a:t>");</a:t>
+            </a:r>
+          </a:p>
+          <a:p>
+            <a:endParaRPr lang="pt-BR" sz="1200" b="0" i="0" u="none" strike="noStrike" kern="1200" baseline="0" dirty="0" smtClean="0">
+              <a:solidFill>
+                <a:schemeClr val="tx1"/>
+              </a:solidFill>
+              <a:latin typeface="+mn-lt"/>
+              <a:ea typeface="+mn-ea"/>
+              <a:cs typeface="+mn-cs"/>
+            </a:endParaRPr>
+          </a:p>
+          <a:p>
+            <a:endParaRPr lang="pt-BR" sz="1200" b="0" i="0" u="none" strike="noStrike" kern="1200" baseline="0" dirty="0" smtClean="0">
+              <a:solidFill>
+                <a:schemeClr val="tx1"/>
+              </a:solidFill>
+              <a:latin typeface="+mn-lt"/>
+              <a:ea typeface="+mn-ea"/>
+              <a:cs typeface="+mn-cs"/>
+            </a:endParaRPr>
+          </a:p>
+          <a:p>
+            <a:r>
+              <a:rPr lang="pt-BR" sz="1200" b="0" i="0" u="none" strike="noStrike" kern="1200" baseline="0" dirty="0" smtClean="0">
+                <a:solidFill>
+                  <a:schemeClr val="tx1"/>
+                </a:solidFill>
+                <a:latin typeface="+mn-lt"/>
+                <a:ea typeface="+mn-ea"/>
+                <a:cs typeface="+mn-cs"/>
+              </a:rPr>
+              <a:t>Mostrar algumas na prática e </a:t>
+            </a:r>
+            <a:r>
+              <a:rPr lang="pt-BR" sz="1200" b="0" i="0" u="none" strike="noStrike" kern="1200" baseline="0" dirty="0" err="1" smtClean="0">
+                <a:solidFill>
+                  <a:schemeClr val="tx1"/>
+                </a:solidFill>
+                <a:latin typeface="+mn-lt"/>
+                <a:ea typeface="+mn-ea"/>
+                <a:cs typeface="+mn-cs"/>
+              </a:rPr>
+              <a:t>mostar</a:t>
+            </a:r>
+            <a:r>
+              <a:rPr lang="pt-BR" sz="1200" b="0" i="0" u="none" strike="noStrike" kern="1200" baseline="0" dirty="0" smtClean="0">
+                <a:solidFill>
+                  <a:schemeClr val="tx1"/>
+                </a:solidFill>
+                <a:latin typeface="+mn-lt"/>
+                <a:ea typeface="+mn-ea"/>
+                <a:cs typeface="+mn-cs"/>
+              </a:rPr>
+              <a:t> como gravar dentro </a:t>
+            </a:r>
+            <a:r>
+              <a:rPr lang="pt-BR" sz="1200" b="0" i="0" u="none" strike="noStrike" kern="1200" baseline="0" smtClean="0">
+                <a:solidFill>
+                  <a:schemeClr val="tx1"/>
+                </a:solidFill>
+                <a:latin typeface="+mn-lt"/>
+                <a:ea typeface="+mn-ea"/>
+                <a:cs typeface="+mn-cs"/>
+              </a:rPr>
+              <a:t>do contexto !</a:t>
+            </a:r>
+            <a:endParaRPr lang="pt-BR" sz="1200" b="0" i="0" u="none" strike="noStrike" kern="1200" baseline="0" dirty="0" smtClean="0">
+              <a:solidFill>
+                <a:schemeClr val="tx1"/>
+              </a:solidFill>
+              <a:latin typeface="+mn-lt"/>
+              <a:ea typeface="+mn-ea"/>
+              <a:cs typeface="+mn-cs"/>
+            </a:endParaRPr>
+          </a:p>
+        </p:txBody>
+      </p:sp>
+      <p:sp>
+        <p:nvSpPr>
+          <p:cNvPr id="4" name="Rectangle 4"/>
+          <p:cNvSpPr>
+            <a:spLocks noGrp="1"/>
+          </p:cNvSpPr>
+          <p:nvPr>
+            <p:ph type="sldNum" sz="quarter" idx="10"/>
+          </p:nvPr>
+        </p:nvSpPr>
+        <p:spPr/>
+        <p:txBody>
+          <a:bodyPr/>
+          <a:lstStyle/>
+          <a:p>
+            <a:fld id="{61807874-5299-41B2-A37A-6AA3547857F4}" type="slidenum">
+              <a:rPr lang="pt-BR" smtClean="0"/>
+              <a:pPr/>
+              <a:t>13</a:t>
+            </a:fld>
+            <a:endParaRPr lang="pt-BR"/>
+          </a:p>
+        </p:txBody>
+      </p:sp>
+    </p:spTree>
+    <p:extLst>
+      <p:ext uri="{BB962C8B-B14F-4D97-AF65-F5344CB8AC3E}">
+        <p14:creationId xmlns:p14="http://schemas.microsoft.com/office/powerpoint/2010/main" val="2477212209"/>
+      </p:ext>
+    </p:extLst>
+  </p:cSld>
+  <p:clrMapOvr>
+    <a:masterClrMapping/>
+  </p:clrMapOvr>
+</p:notes>
+</file>
+
+<file path=ppt/notesSlides/notesSlide14.xml><?xml version="1.0" encoding="utf-8"?>
+<p:notes xmlns:a="http://schemas.openxmlformats.org/drawingml/2006/main" xmlns:r="http://schemas.openxmlformats.org/officeDocument/2006/relationships" xmlns:p="http://schemas.openxmlformats.org/presentationml/2006/main">
+  <p:cSld>
+    <p:spTree>
+      <p:nvGrpSpPr>
+        <p:cNvPr id="1" name=""/>
+        <p:cNvGrpSpPr/>
+        <p:nvPr/>
+      </p:nvGrpSpPr>
+      <p:grpSpPr>
+        <a:xfrm>
+          <a:off x="0" y="0"/>
+          <a:ext cx="0" cy="0"/>
+          <a:chOff x="0" y="0"/>
+          <a:chExt cx="0" cy="0"/>
+        </a:xfrm>
+      </p:grpSpPr>
+      <p:sp>
+        <p:nvSpPr>
+          <p:cNvPr id="2" name="Rectangle 2"/>
+          <p:cNvSpPr>
+            <a:spLocks noGrp="1" noRot="1" noChangeAspect="1"/>
+          </p:cNvSpPr>
+          <p:nvPr>
+            <p:ph type="sldImg"/>
+          </p:nvPr>
+        </p:nvSpPr>
+        <p:spPr/>
+      </p:sp>
+      <p:sp>
+        <p:nvSpPr>
+          <p:cNvPr id="3" name="Rectangle 3"/>
+          <p:cNvSpPr>
+            <a:spLocks noGrp="1"/>
+          </p:cNvSpPr>
+          <p:nvPr>
+            <p:ph type="body" idx="1"/>
+          </p:nvPr>
+        </p:nvSpPr>
+        <p:spPr/>
+        <p:txBody>
+          <a:bodyPr/>
+          <a:lstStyle/>
+          <a:p>
+            <a:pPr marL="342900" lvl="0" indent="-342900">
+              <a:spcBef>
+                <a:spcPct val="20000"/>
+              </a:spcBef>
+              <a:buFont typeface="Arial"/>
+              <a:buChar char="•"/>
+              <a:defRPr lang="pt-BR"/>
+            </a:pPr>
+            <a:r>
+              <a:rPr lang="pt-BR" dirty="0" smtClean="0"/>
+              <a:t>Para retornar o contexto atual</a:t>
+            </a:r>
+            <a:r>
+              <a:rPr lang="pt-BR" baseline="0" dirty="0" smtClean="0"/>
+              <a:t> utilizamos o </a:t>
+            </a:r>
+            <a:r>
+              <a:rPr lang="pt-BR" baseline="0" dirty="0" err="1" smtClean="0"/>
+              <a:t>getServletContext</a:t>
+            </a:r>
+            <a:r>
+              <a:rPr lang="pt-BR" baseline="0" dirty="0" smtClean="0"/>
+              <a:t>().</a:t>
+            </a:r>
+          </a:p>
+          <a:p>
+            <a:pPr marL="342900" lvl="0" indent="-342900">
+              <a:spcBef>
+                <a:spcPct val="20000"/>
+              </a:spcBef>
+              <a:buFont typeface="Arial"/>
+              <a:buChar char="•"/>
+              <a:defRPr lang="pt-BR"/>
+            </a:pPr>
+            <a:r>
+              <a:rPr lang="pt-BR" dirty="0" err="1" smtClean="0"/>
+              <a:t>String</a:t>
+            </a:r>
+            <a:r>
+              <a:rPr lang="pt-BR" dirty="0" smtClean="0"/>
+              <a:t> </a:t>
+            </a:r>
+            <a:r>
+              <a:rPr lang="pt-BR" dirty="0" err="1" smtClean="0"/>
+              <a:t>getInitParameter</a:t>
+            </a:r>
+            <a:r>
+              <a:rPr lang="pt-BR" dirty="0" smtClean="0"/>
+              <a:t>(</a:t>
+            </a:r>
+            <a:r>
+              <a:rPr lang="pt-BR" dirty="0" err="1" smtClean="0"/>
+              <a:t>String</a:t>
+            </a:r>
+            <a:r>
+              <a:rPr lang="pt-BR" dirty="0" smtClean="0"/>
+              <a:t>): lê parâmetros de inicialização do contexto (não confunda com o método similar de </a:t>
+            </a:r>
+            <a:r>
+              <a:rPr lang="pt-BR" dirty="0" err="1" smtClean="0"/>
+              <a:t>ServletConfig</a:t>
+            </a:r>
+            <a:r>
+              <a:rPr lang="pt-BR" dirty="0" smtClean="0"/>
+              <a:t>)</a:t>
+            </a:r>
+          </a:p>
+          <a:p>
+            <a:pPr marL="342900" lvl="0" indent="-342900">
+              <a:spcBef>
+                <a:spcPct val="20000"/>
+              </a:spcBef>
+              <a:buFont typeface="Arial"/>
+              <a:buChar char="•"/>
+              <a:defRPr lang="pt-BR"/>
+            </a:pPr>
+            <a:r>
+              <a:rPr lang="pt-BR" dirty="0" err="1" smtClean="0"/>
+              <a:t>Enumeration</a:t>
+            </a:r>
+            <a:r>
+              <a:rPr lang="pt-BR" dirty="0" smtClean="0"/>
+              <a:t> </a:t>
+            </a:r>
+            <a:r>
+              <a:rPr lang="pt-BR" dirty="0" err="1" smtClean="0"/>
+              <a:t>getInitParameterNames</a:t>
+            </a:r>
+            <a:r>
+              <a:rPr lang="pt-BR" dirty="0" smtClean="0"/>
+              <a:t>(): lê lista de parâmetros</a:t>
+            </a:r>
+          </a:p>
+          <a:p>
+            <a:pPr marL="342900" lvl="0" indent="-342900">
+              <a:spcBef>
+                <a:spcPct val="20000"/>
+              </a:spcBef>
+              <a:buFont typeface="Arial"/>
+              <a:buChar char="•"/>
+              <a:defRPr lang="pt-BR"/>
+            </a:pPr>
+            <a:r>
+              <a:rPr lang="pt-BR" dirty="0" err="1" smtClean="0"/>
+              <a:t>InputStream</a:t>
+            </a:r>
+            <a:r>
+              <a:rPr lang="pt-BR" dirty="0" smtClean="0"/>
+              <a:t> </a:t>
+            </a:r>
+            <a:r>
+              <a:rPr lang="pt-BR" dirty="0" err="1" smtClean="0"/>
+              <a:t>getResourceAsStream</a:t>
+            </a:r>
+            <a:r>
+              <a:rPr lang="pt-BR" dirty="0" smtClean="0"/>
+              <a:t>(): lê recurso localizado dentro do contexto como</a:t>
+            </a:r>
+            <a:r>
+              <a:rPr lang="pt-BR" baseline="0" dirty="0" smtClean="0"/>
+              <a:t> </a:t>
+            </a:r>
+            <a:r>
+              <a:rPr lang="pt-BR" dirty="0" smtClean="0"/>
+              <a:t>um </a:t>
+            </a:r>
+            <a:r>
+              <a:rPr lang="pt-BR" dirty="0" err="1" smtClean="0"/>
+              <a:t>InputStream</a:t>
+            </a:r>
+            <a:endParaRPr lang="pt-BR" dirty="0" smtClean="0"/>
+          </a:p>
+          <a:p>
+            <a:pPr marL="342900" lvl="0" indent="-342900">
+              <a:spcBef>
+                <a:spcPct val="20000"/>
+              </a:spcBef>
+              <a:buFont typeface="Arial"/>
+              <a:buChar char="•"/>
+              <a:defRPr lang="pt-BR"/>
+            </a:pPr>
+            <a:r>
+              <a:rPr lang="pt-BR" dirty="0" err="1" smtClean="0"/>
+              <a:t>void</a:t>
+            </a:r>
+            <a:r>
+              <a:rPr lang="pt-BR" dirty="0" smtClean="0"/>
+              <a:t> </a:t>
+            </a:r>
+            <a:r>
+              <a:rPr lang="pt-BR" dirty="0" err="1" smtClean="0"/>
+              <a:t>setAttribute</a:t>
+            </a:r>
+            <a:r>
+              <a:rPr lang="pt-BR" dirty="0" smtClean="0"/>
+              <a:t>(</a:t>
+            </a:r>
+            <a:r>
+              <a:rPr lang="pt-BR" dirty="0" err="1" smtClean="0"/>
+              <a:t>String</a:t>
+            </a:r>
+            <a:r>
+              <a:rPr lang="pt-BR" dirty="0" smtClean="0"/>
+              <a:t> nome, </a:t>
+            </a:r>
+            <a:r>
+              <a:rPr lang="pt-BR" dirty="0" err="1" smtClean="0"/>
+              <a:t>Object</a:t>
+            </a:r>
+            <a:r>
+              <a:rPr lang="pt-BR" dirty="0" smtClean="0"/>
+              <a:t>): grava um atributo no contexto</a:t>
+            </a:r>
+          </a:p>
+          <a:p>
+            <a:pPr marL="342900" lvl="0" indent="-342900">
+              <a:spcBef>
+                <a:spcPct val="20000"/>
+              </a:spcBef>
+              <a:buFont typeface="Arial"/>
+              <a:buChar char="•"/>
+              <a:defRPr lang="pt-BR"/>
+            </a:pPr>
+            <a:r>
+              <a:rPr lang="pt-BR" dirty="0" err="1" smtClean="0"/>
+              <a:t>Object</a:t>
+            </a:r>
+            <a:r>
+              <a:rPr lang="pt-BR" dirty="0" smtClean="0"/>
+              <a:t> </a:t>
+            </a:r>
+            <a:r>
+              <a:rPr lang="pt-BR" dirty="0" err="1" smtClean="0"/>
+              <a:t>getAttribute</a:t>
+            </a:r>
+            <a:r>
+              <a:rPr lang="pt-BR" dirty="0" smtClean="0"/>
+              <a:t>(</a:t>
+            </a:r>
+            <a:r>
+              <a:rPr lang="pt-BR" dirty="0" err="1" smtClean="0"/>
+              <a:t>String</a:t>
+            </a:r>
+            <a:r>
+              <a:rPr lang="pt-BR" dirty="0" smtClean="0"/>
+              <a:t> nome): lê um atributo do contexto</a:t>
+            </a:r>
+          </a:p>
+          <a:p>
+            <a:pPr marL="342900" lvl="0" indent="-342900">
+              <a:spcBef>
+                <a:spcPct val="20000"/>
+              </a:spcBef>
+              <a:buFont typeface="Arial"/>
+              <a:buChar char="•"/>
+              <a:defRPr lang="pt-BR"/>
+            </a:pPr>
+            <a:r>
+              <a:rPr lang="pt-BR" dirty="0" err="1" smtClean="0"/>
+              <a:t>void</a:t>
+            </a:r>
+            <a:r>
+              <a:rPr lang="pt-BR" dirty="0" smtClean="0"/>
+              <a:t> log(</a:t>
+            </a:r>
+            <a:r>
+              <a:rPr lang="pt-BR" dirty="0" err="1" smtClean="0"/>
+              <a:t>String</a:t>
+            </a:r>
+            <a:r>
+              <a:rPr lang="pt-BR" dirty="0" smtClean="0"/>
+              <a:t> mensagem): escreve mensagem no log do contexto</a:t>
+            </a:r>
+          </a:p>
+          <a:p>
+            <a:pPr marL="0" lvl="0" indent="0">
+              <a:spcBef>
+                <a:spcPct val="20000"/>
+              </a:spcBef>
+              <a:buFont typeface="Arial"/>
+              <a:buNone/>
+              <a:defRPr lang="pt-BR"/>
+            </a:pPr>
+            <a:endParaRPr lang="pt-BR" dirty="0" smtClean="0"/>
+          </a:p>
+          <a:p>
+            <a:pPr marL="0" lvl="0" indent="0">
+              <a:spcBef>
+                <a:spcPct val="20000"/>
+              </a:spcBef>
+              <a:buFont typeface="Arial"/>
+              <a:buNone/>
+              <a:defRPr lang="pt-BR"/>
+            </a:pPr>
+            <a:r>
+              <a:rPr lang="pt-BR" dirty="0" smtClean="0"/>
+              <a:t>Podemos</a:t>
+            </a:r>
+            <a:r>
+              <a:rPr lang="pt-BR" baseline="0" dirty="0" smtClean="0"/>
+              <a:t> configurar parâmetros de inicialização de contexto através do web.xml.</a:t>
+            </a:r>
+          </a:p>
+          <a:p>
+            <a:r>
+              <a:rPr lang="pt-BR" sz="1200" b="0" i="0" u="none" strike="noStrike" kern="1200" baseline="0" dirty="0" smtClean="0">
+                <a:solidFill>
+                  <a:schemeClr val="tx1"/>
+                </a:solidFill>
+                <a:latin typeface="+mn-lt"/>
+                <a:ea typeface="+mn-ea"/>
+                <a:cs typeface="+mn-cs"/>
+              </a:rPr>
+              <a:t>&lt;</a:t>
+            </a:r>
+            <a:r>
+              <a:rPr lang="pt-BR" sz="1200" b="0" i="0" u="none" strike="noStrike" kern="1200" baseline="0" dirty="0" err="1" smtClean="0">
+                <a:solidFill>
+                  <a:schemeClr val="tx1"/>
+                </a:solidFill>
+                <a:latin typeface="+mn-lt"/>
+                <a:ea typeface="+mn-ea"/>
+                <a:cs typeface="+mn-cs"/>
+              </a:rPr>
+              <a:t>context</a:t>
+            </a:r>
+            <a:r>
+              <a:rPr lang="pt-BR" sz="1200" b="0" i="0" u="none" strike="noStrike" kern="1200" baseline="0" dirty="0" smtClean="0">
+                <a:solidFill>
+                  <a:schemeClr val="tx1"/>
+                </a:solidFill>
+                <a:latin typeface="+mn-lt"/>
+                <a:ea typeface="+mn-ea"/>
+                <a:cs typeface="+mn-cs"/>
+              </a:rPr>
+              <a:t>-param&gt;</a:t>
+            </a:r>
+          </a:p>
+          <a:p>
+            <a:r>
+              <a:rPr lang="pt-BR" sz="1200" b="0" i="0" u="none" strike="noStrike" kern="1200" baseline="0" dirty="0" smtClean="0">
+                <a:solidFill>
+                  <a:schemeClr val="tx1"/>
+                </a:solidFill>
+                <a:latin typeface="+mn-lt"/>
+                <a:ea typeface="+mn-ea"/>
+                <a:cs typeface="+mn-cs"/>
+              </a:rPr>
+              <a:t>	&lt;param-</a:t>
+            </a:r>
+            <a:r>
+              <a:rPr lang="pt-BR" sz="1200" b="0" i="0" u="none" strike="noStrike" kern="1200" baseline="0" dirty="0" err="1" smtClean="0">
+                <a:solidFill>
+                  <a:schemeClr val="tx1"/>
+                </a:solidFill>
+                <a:latin typeface="+mn-lt"/>
+                <a:ea typeface="+mn-ea"/>
+                <a:cs typeface="+mn-cs"/>
+              </a:rPr>
+              <a:t>name</a:t>
+            </a:r>
+            <a:r>
+              <a:rPr lang="pt-BR" sz="1200" b="0" i="0" u="none" strike="noStrike" kern="1200" baseline="0" dirty="0" smtClean="0">
+                <a:solidFill>
+                  <a:schemeClr val="tx1"/>
+                </a:solidFill>
+                <a:latin typeface="+mn-lt"/>
+                <a:ea typeface="+mn-ea"/>
+                <a:cs typeface="+mn-cs"/>
+              </a:rPr>
+              <a:t>&gt;</a:t>
+            </a:r>
+            <a:r>
+              <a:rPr lang="pt-BR" sz="1200" b="0" i="0" u="none" strike="noStrike" kern="1200" baseline="0" dirty="0" err="1" smtClean="0">
+                <a:solidFill>
+                  <a:schemeClr val="tx1"/>
+                </a:solidFill>
+                <a:latin typeface="+mn-lt"/>
+                <a:ea typeface="+mn-ea"/>
+                <a:cs typeface="+mn-cs"/>
+              </a:rPr>
+              <a:t>tempdir</a:t>
+            </a:r>
+            <a:r>
+              <a:rPr lang="pt-BR" sz="1200" b="0" i="0" u="none" strike="noStrike" kern="1200" baseline="0" dirty="0" smtClean="0">
+                <a:solidFill>
+                  <a:schemeClr val="tx1"/>
+                </a:solidFill>
+                <a:latin typeface="+mn-lt"/>
+                <a:ea typeface="+mn-ea"/>
+                <a:cs typeface="+mn-cs"/>
+              </a:rPr>
+              <a:t>&lt;/param-</a:t>
+            </a:r>
+            <a:r>
+              <a:rPr lang="pt-BR" sz="1200" b="0" i="0" u="none" strike="noStrike" kern="1200" baseline="0" dirty="0" err="1" smtClean="0">
+                <a:solidFill>
+                  <a:schemeClr val="tx1"/>
+                </a:solidFill>
+                <a:latin typeface="+mn-lt"/>
+                <a:ea typeface="+mn-ea"/>
+                <a:cs typeface="+mn-cs"/>
+              </a:rPr>
+              <a:t>name</a:t>
+            </a:r>
+            <a:r>
+              <a:rPr lang="pt-BR" sz="1200" b="0" i="0" u="none" strike="noStrike" kern="1200" baseline="0" dirty="0" smtClean="0">
+                <a:solidFill>
+                  <a:schemeClr val="tx1"/>
+                </a:solidFill>
+                <a:latin typeface="+mn-lt"/>
+                <a:ea typeface="+mn-ea"/>
+                <a:cs typeface="+mn-cs"/>
+              </a:rPr>
+              <a:t>&gt;</a:t>
+            </a:r>
+          </a:p>
+          <a:p>
+            <a:r>
+              <a:rPr lang="pt-BR" sz="1200" b="0" i="0" u="none" strike="noStrike" kern="1200" baseline="0" dirty="0" smtClean="0">
+                <a:solidFill>
+                  <a:schemeClr val="tx1"/>
+                </a:solidFill>
+                <a:latin typeface="+mn-lt"/>
+                <a:ea typeface="+mn-ea"/>
+                <a:cs typeface="+mn-cs"/>
+              </a:rPr>
+              <a:t>	&lt;param-</a:t>
+            </a:r>
+            <a:r>
+              <a:rPr lang="pt-BR" sz="1200" b="0" i="0" u="none" strike="noStrike" kern="1200" baseline="0" dirty="0" err="1" smtClean="0">
+                <a:solidFill>
+                  <a:schemeClr val="tx1"/>
+                </a:solidFill>
+                <a:latin typeface="+mn-lt"/>
+                <a:ea typeface="+mn-ea"/>
+                <a:cs typeface="+mn-cs"/>
+              </a:rPr>
+              <a:t>value</a:t>
+            </a:r>
+            <a:r>
+              <a:rPr lang="pt-BR" sz="1200" b="0" i="0" u="none" strike="noStrike" kern="1200" baseline="0" dirty="0" smtClean="0">
+                <a:solidFill>
+                  <a:schemeClr val="tx1"/>
+                </a:solidFill>
+                <a:latin typeface="+mn-lt"/>
+                <a:ea typeface="+mn-ea"/>
+                <a:cs typeface="+mn-cs"/>
+              </a:rPr>
+              <a:t>&gt;/</a:t>
+            </a:r>
+            <a:r>
+              <a:rPr lang="pt-BR" sz="1200" b="0" i="0" u="none" strike="noStrike" kern="1200" baseline="0" dirty="0" err="1" smtClean="0">
+                <a:solidFill>
+                  <a:schemeClr val="tx1"/>
+                </a:solidFill>
+                <a:latin typeface="+mn-lt"/>
+                <a:ea typeface="+mn-ea"/>
+                <a:cs typeface="+mn-cs"/>
+              </a:rPr>
+              <a:t>tmp</a:t>
+            </a:r>
+            <a:r>
+              <a:rPr lang="pt-BR" sz="1200" b="0" i="0" u="none" strike="noStrike" kern="1200" baseline="0" dirty="0" smtClean="0">
+                <a:solidFill>
+                  <a:schemeClr val="tx1"/>
+                </a:solidFill>
+                <a:latin typeface="+mn-lt"/>
+                <a:ea typeface="+mn-ea"/>
+                <a:cs typeface="+mn-cs"/>
+              </a:rPr>
+              <a:t>&lt;/param-</a:t>
+            </a:r>
+            <a:r>
+              <a:rPr lang="pt-BR" sz="1200" b="0" i="0" u="none" strike="noStrike" kern="1200" baseline="0" dirty="0" err="1" smtClean="0">
+                <a:solidFill>
+                  <a:schemeClr val="tx1"/>
+                </a:solidFill>
+                <a:latin typeface="+mn-lt"/>
+                <a:ea typeface="+mn-ea"/>
+                <a:cs typeface="+mn-cs"/>
+              </a:rPr>
+              <a:t>value</a:t>
+            </a:r>
+            <a:r>
+              <a:rPr lang="pt-BR" sz="1200" b="0" i="0" u="none" strike="noStrike" kern="1200" baseline="0" dirty="0" smtClean="0">
+                <a:solidFill>
+                  <a:schemeClr val="tx1"/>
+                </a:solidFill>
+                <a:latin typeface="+mn-lt"/>
+                <a:ea typeface="+mn-ea"/>
+                <a:cs typeface="+mn-cs"/>
+              </a:rPr>
+              <a:t>&gt;</a:t>
+            </a:r>
+          </a:p>
+          <a:p>
+            <a:r>
+              <a:rPr lang="pt-BR" sz="1200" b="0" i="0" u="none" strike="noStrike" kern="1200" baseline="0" dirty="0" smtClean="0">
+                <a:solidFill>
+                  <a:schemeClr val="tx1"/>
+                </a:solidFill>
+                <a:latin typeface="+mn-lt"/>
+                <a:ea typeface="+mn-ea"/>
+                <a:cs typeface="+mn-cs"/>
+              </a:rPr>
+              <a:t>&lt;/</a:t>
+            </a:r>
+            <a:r>
+              <a:rPr lang="pt-BR" sz="1200" b="0" i="0" u="none" strike="noStrike" kern="1200" baseline="0" dirty="0" err="1" smtClean="0">
+                <a:solidFill>
+                  <a:schemeClr val="tx1"/>
+                </a:solidFill>
+                <a:latin typeface="+mn-lt"/>
+                <a:ea typeface="+mn-ea"/>
+                <a:cs typeface="+mn-cs"/>
+              </a:rPr>
+              <a:t>context</a:t>
+            </a:r>
+            <a:r>
+              <a:rPr lang="pt-BR" sz="1200" b="0" i="0" u="none" strike="noStrike" kern="1200" baseline="0" dirty="0" smtClean="0">
+                <a:solidFill>
+                  <a:schemeClr val="tx1"/>
+                </a:solidFill>
+                <a:latin typeface="+mn-lt"/>
+                <a:ea typeface="+mn-ea"/>
+                <a:cs typeface="+mn-cs"/>
+              </a:rPr>
+              <a:t>-param&gt;</a:t>
+            </a:r>
+          </a:p>
+          <a:p>
+            <a:endParaRPr lang="pt-BR" sz="1200" b="0" i="0" u="none" strike="noStrike" kern="1200" baseline="0" dirty="0" smtClean="0">
+              <a:solidFill>
+                <a:schemeClr val="tx1"/>
+              </a:solidFill>
+              <a:latin typeface="+mn-lt"/>
+              <a:ea typeface="+mn-ea"/>
+              <a:cs typeface="+mn-cs"/>
+            </a:endParaRPr>
+          </a:p>
+          <a:p>
+            <a:r>
+              <a:rPr lang="pt-BR" sz="1200" b="0" i="0" u="none" strike="noStrike" kern="1200" baseline="0" dirty="0" smtClean="0">
+                <a:solidFill>
+                  <a:schemeClr val="tx1"/>
+                </a:solidFill>
+                <a:latin typeface="+mn-lt"/>
+                <a:ea typeface="+mn-ea"/>
+                <a:cs typeface="+mn-cs"/>
+              </a:rPr>
+              <a:t>Para ler:</a:t>
+            </a:r>
+          </a:p>
+          <a:p>
+            <a:r>
+              <a:rPr lang="pt-BR" sz="1200" b="0" i="0" u="none" strike="noStrike" kern="1200" baseline="0" dirty="0" err="1" smtClean="0">
+                <a:solidFill>
+                  <a:schemeClr val="tx1"/>
+                </a:solidFill>
+                <a:latin typeface="+mn-lt"/>
+                <a:ea typeface="+mn-ea"/>
+                <a:cs typeface="+mn-cs"/>
+              </a:rPr>
+              <a:t>ServletContext</a:t>
+            </a:r>
+            <a:r>
+              <a:rPr lang="pt-BR" sz="1200" b="0" i="0" u="none" strike="noStrike" kern="1200" baseline="0" dirty="0" smtClean="0">
+                <a:solidFill>
+                  <a:schemeClr val="tx1"/>
+                </a:solidFill>
+                <a:latin typeface="+mn-lt"/>
+                <a:ea typeface="+mn-ea"/>
+                <a:cs typeface="+mn-cs"/>
+              </a:rPr>
+              <a:t> </a:t>
+            </a:r>
+            <a:r>
+              <a:rPr lang="pt-BR" sz="1200" b="0" i="0" u="none" strike="noStrike" kern="1200" baseline="0" dirty="0" err="1" smtClean="0">
+                <a:solidFill>
+                  <a:schemeClr val="tx1"/>
+                </a:solidFill>
+                <a:latin typeface="+mn-lt"/>
+                <a:ea typeface="+mn-ea"/>
+                <a:cs typeface="+mn-cs"/>
+              </a:rPr>
+              <a:t>ctx</a:t>
+            </a:r>
+            <a:r>
+              <a:rPr lang="pt-BR" sz="1200" b="0" i="0" u="none" strike="noStrike" kern="1200" baseline="0" dirty="0" smtClean="0">
+                <a:solidFill>
+                  <a:schemeClr val="tx1"/>
+                </a:solidFill>
+                <a:latin typeface="+mn-lt"/>
+                <a:ea typeface="+mn-ea"/>
+                <a:cs typeface="+mn-cs"/>
+              </a:rPr>
+              <a:t> = </a:t>
+            </a:r>
+            <a:r>
+              <a:rPr lang="pt-BR" sz="1200" b="0" i="0" u="none" strike="noStrike" kern="1200" baseline="0" dirty="0" err="1" smtClean="0">
+                <a:solidFill>
+                  <a:schemeClr val="tx1"/>
+                </a:solidFill>
+                <a:latin typeface="+mn-lt"/>
+                <a:ea typeface="+mn-ea"/>
+                <a:cs typeface="+mn-cs"/>
+              </a:rPr>
+              <a:t>this.getServletContext</a:t>
+            </a:r>
+            <a:r>
+              <a:rPr lang="pt-BR" sz="1200" b="0" i="0" u="none" strike="noStrike" kern="1200" baseline="0" dirty="0" smtClean="0">
+                <a:solidFill>
+                  <a:schemeClr val="tx1"/>
+                </a:solidFill>
+                <a:latin typeface="+mn-lt"/>
+                <a:ea typeface="+mn-ea"/>
+                <a:cs typeface="+mn-cs"/>
+              </a:rPr>
+              <a:t>();</a:t>
+            </a:r>
+          </a:p>
+          <a:p>
+            <a:r>
+              <a:rPr lang="pt-BR" sz="1200" b="0" i="0" u="none" strike="noStrike" kern="1200" baseline="0" dirty="0" err="1" smtClean="0">
+                <a:solidFill>
+                  <a:schemeClr val="tx1"/>
+                </a:solidFill>
+                <a:latin typeface="+mn-lt"/>
+                <a:ea typeface="+mn-ea"/>
+                <a:cs typeface="+mn-cs"/>
+              </a:rPr>
+              <a:t>String</a:t>
+            </a:r>
+            <a:r>
+              <a:rPr lang="pt-BR" sz="1200" b="0" i="0" u="none" strike="noStrike" kern="1200" baseline="0" dirty="0" smtClean="0">
+                <a:solidFill>
+                  <a:schemeClr val="tx1"/>
+                </a:solidFill>
+                <a:latin typeface="+mn-lt"/>
+                <a:ea typeface="+mn-ea"/>
+                <a:cs typeface="+mn-cs"/>
+              </a:rPr>
+              <a:t> </a:t>
+            </a:r>
+            <a:r>
+              <a:rPr lang="pt-BR" sz="1200" b="0" i="0" u="none" strike="noStrike" kern="1200" baseline="0" dirty="0" err="1" smtClean="0">
+                <a:solidFill>
+                  <a:schemeClr val="tx1"/>
+                </a:solidFill>
+                <a:latin typeface="+mn-lt"/>
+                <a:ea typeface="+mn-ea"/>
+                <a:cs typeface="+mn-cs"/>
+              </a:rPr>
+              <a:t>tempDir</a:t>
+            </a:r>
+            <a:r>
+              <a:rPr lang="pt-BR" sz="1200" b="0" i="0" u="none" strike="noStrike" kern="1200" baseline="0" dirty="0" smtClean="0">
+                <a:solidFill>
+                  <a:schemeClr val="tx1"/>
+                </a:solidFill>
+                <a:latin typeface="+mn-lt"/>
+                <a:ea typeface="+mn-ea"/>
+                <a:cs typeface="+mn-cs"/>
+              </a:rPr>
+              <a:t> = </a:t>
+            </a:r>
+            <a:r>
+              <a:rPr lang="pt-BR" sz="1200" b="0" i="0" u="none" strike="noStrike" kern="1200" baseline="0" dirty="0" err="1" smtClean="0">
+                <a:solidFill>
+                  <a:schemeClr val="tx1"/>
+                </a:solidFill>
+                <a:latin typeface="+mn-lt"/>
+                <a:ea typeface="+mn-ea"/>
+                <a:cs typeface="+mn-cs"/>
+              </a:rPr>
+              <a:t>ctx.getInitParameter</a:t>
+            </a:r>
+            <a:r>
+              <a:rPr lang="pt-BR" sz="1200" b="0" i="0" u="none" strike="noStrike" kern="1200" baseline="0" dirty="0" smtClean="0">
+                <a:solidFill>
+                  <a:schemeClr val="tx1"/>
+                </a:solidFill>
+                <a:latin typeface="+mn-lt"/>
+                <a:ea typeface="+mn-ea"/>
+                <a:cs typeface="+mn-cs"/>
+              </a:rPr>
+              <a:t>("</a:t>
+            </a:r>
+            <a:r>
+              <a:rPr lang="pt-BR" sz="1200" b="0" i="0" u="none" strike="noStrike" kern="1200" baseline="0" dirty="0" err="1" smtClean="0">
+                <a:solidFill>
+                  <a:schemeClr val="tx1"/>
+                </a:solidFill>
+                <a:latin typeface="+mn-lt"/>
+                <a:ea typeface="+mn-ea"/>
+                <a:cs typeface="+mn-cs"/>
+              </a:rPr>
+              <a:t>tempdir</a:t>
+            </a:r>
+            <a:r>
+              <a:rPr lang="pt-BR" sz="1200" b="0" i="0" u="none" strike="noStrike" kern="1200" baseline="0" dirty="0" smtClean="0">
+                <a:solidFill>
+                  <a:schemeClr val="tx1"/>
+                </a:solidFill>
+                <a:latin typeface="+mn-lt"/>
+                <a:ea typeface="+mn-ea"/>
+                <a:cs typeface="+mn-cs"/>
+              </a:rPr>
+              <a:t>");</a:t>
+            </a:r>
+          </a:p>
+          <a:p>
+            <a:endParaRPr lang="pt-BR" sz="1200" b="0" i="0" u="none" strike="noStrike" kern="1200" baseline="0" dirty="0" smtClean="0">
+              <a:solidFill>
+                <a:schemeClr val="tx1"/>
+              </a:solidFill>
+              <a:latin typeface="+mn-lt"/>
+              <a:ea typeface="+mn-ea"/>
+              <a:cs typeface="+mn-cs"/>
+            </a:endParaRPr>
+          </a:p>
+        </p:txBody>
+      </p:sp>
+      <p:sp>
+        <p:nvSpPr>
+          <p:cNvPr id="4" name="Rectangle 4"/>
+          <p:cNvSpPr>
+            <a:spLocks noGrp="1"/>
+          </p:cNvSpPr>
+          <p:nvPr>
+            <p:ph type="sldNum" sz="quarter" idx="10"/>
+          </p:nvPr>
+        </p:nvSpPr>
+        <p:spPr/>
+        <p:txBody>
+          <a:bodyPr/>
+          <a:lstStyle/>
+          <a:p>
+            <a:fld id="{61807874-5299-41B2-A37A-6AA3547857F4}" type="slidenum">
+              <a:rPr lang="pt-BR" smtClean="0"/>
+              <a:pPr/>
+              <a:t>14</a:t>
+            </a:fld>
+            <a:endParaRPr lang="pt-BR"/>
+          </a:p>
+        </p:txBody>
+      </p:sp>
+    </p:spTree>
+    <p:extLst>
+      <p:ext uri="{BB962C8B-B14F-4D97-AF65-F5344CB8AC3E}">
+        <p14:creationId xmlns:p14="http://schemas.microsoft.com/office/powerpoint/2010/main" val="2477212209"/>
       </p:ext>
     </p:extLst>
   </p:cSld>
@@ -1905,7 +3821,7 @@
               <a:defRPr lang="pt-BR"/>
             </a:pPr>
             <a:r>
-              <a:rPr kumimoji="0" lang="pt-BR" sz="1200" b="0" i="0" u="none" strike="noStrike" kern="0" cap="none" spc="0" normalizeH="0" baseline="0" dirty="0">
+              <a:rPr kumimoji="0" lang="pt-BR" sz="1200" b="0" i="0" u="none" strike="noStrike" kern="0" cap="none" spc="0" normalizeH="0" baseline="0" dirty="0" err="1" smtClean="0">
                 <a:ln>
                   <a:noFill/>
                 </a:ln>
@@ -1916,10 +3832,10 @@
                 <a:uLnTx/>
                 <a:uFillTx/>
               </a:rPr>
-              <a:t>A classe </a:t>
-            </a:r>
-            <a:r>
-              <a:rPr kumimoji="0" lang="pt-BR" sz="1200" b="0" i="0" u="none" strike="noStrike" kern="0" cap="none" spc="0" normalizeH="0" baseline="0" dirty="0" err="1">
+              <a:t>Maven</a:t>
+            </a:r>
+            <a:r>
+              <a:rPr kumimoji="0" lang="pt-BR" sz="1200" b="0" i="0" u="none" strike="noStrike" kern="0" cap="none" spc="0" normalizeH="0" baseline="0" dirty="0" smtClean="0">
                 <a:ln>
                   <a:noFill/>
                 </a:ln>
@@ -1930,10 +3846,10 @@
                 <a:uLnTx/>
                 <a:uFillTx/>
               </a:rPr>
-              <a:t>HttpServlet</a:t>
-            </a:r>
-            <a:r>
-              <a:rPr kumimoji="0" lang="pt-BR" sz="1200" b="0" i="0" u="none" strike="noStrike" kern="0" cap="none" spc="0" normalizeH="0" baseline="0" dirty="0">
+              <a:t> </a:t>
+            </a:r>
+            <a:r>
+              <a:rPr kumimoji="0" lang="pt-BR" sz="1200" b="0" i="0" u="none" strike="noStrike" kern="0" cap="none" spc="0" normalizeH="0" baseline="0" dirty="0" err="1" smtClean="0">
                 <a:ln>
                   <a:noFill/>
                 </a:ln>
@@ -1944,62 +3860,21 @@
                 <a:uLnTx/>
                 <a:uFillTx/>
               </a:rPr>
-              <a:t> tem um método chamado </a:t>
-            </a:r>
-            <a:r>
-              <a:rPr lang="pt-BR" sz="1200" b="0" i="1" u="none" strike="noStrike" kern="1200" baseline="0" dirty="0" err="1">
-                <a:solidFill>
-                  <a:schemeClr val="tx1"/>
-                </a:solidFill>
-                <a:latin typeface="+mn-lt"/>
-                <a:ea typeface="+mn-ea"/>
-                <a:cs typeface="+mn-cs"/>
-              </a:rPr>
-              <a:t>service</a:t>
-            </a:r>
-            <a:r>
-              <a:rPr lang="pt-BR" sz="1200" b="0" i="1" u="none" strike="noStrike" kern="1200" baseline="0" dirty="0">
-                <a:solidFill>
-                  <a:schemeClr val="tx1"/>
-                </a:solidFill>
-                <a:latin typeface="+mn-lt"/>
-                <a:ea typeface="+mn-ea"/>
-                <a:cs typeface="+mn-cs"/>
-              </a:rPr>
-              <a:t>()</a:t>
-            </a:r>
-            <a:r>
-              <a:rPr lang="pt-BR" sz="1200" b="0" i="0" u="none" strike="noStrike" kern="1200" baseline="0" dirty="0">
-                <a:solidFill>
-                  <a:schemeClr val="tx1"/>
-                </a:solidFill>
-                <a:latin typeface="+mn-lt"/>
-                <a:ea typeface="+mn-ea"/>
-                <a:cs typeface="+mn-cs"/>
-              </a:rPr>
-              <a:t> que dependendo da requisição ele redireciona para o método em questão, por isso nós reescrevemos o os métodos em nosso </a:t>
-            </a:r>
-            <a:r>
-              <a:rPr lang="pt-BR" sz="1200" b="0" i="0" u="none" strike="noStrike" kern="1200" baseline="0" dirty="0" err="1">
-                <a:solidFill>
-                  <a:schemeClr val="tx1"/>
-                </a:solidFill>
-                <a:latin typeface="+mn-lt"/>
-                <a:ea typeface="+mn-ea"/>
-                <a:cs typeface="+mn-cs"/>
-              </a:rPr>
-              <a:t>WebServlet</a:t>
-            </a:r>
-            <a:r>
-              <a:rPr lang="pt-BR" sz="1200" b="0" i="0" u="none" strike="noStrike" kern="1200" baseline="0" dirty="0">
-                <a:solidFill>
-                  <a:schemeClr val="tx1"/>
-                </a:solidFill>
-                <a:latin typeface="+mn-lt"/>
-                <a:ea typeface="+mn-ea"/>
-                <a:cs typeface="+mn-cs"/>
-              </a:rPr>
-              <a:t>.</a:t>
+              <a:t>project</a:t>
+            </a:r>
+            <a:r>
+              <a:rPr kumimoji="0" lang="pt-BR" sz="1200" b="0" i="0" u="none" strike="noStrike" kern="0" cap="none" spc="0" normalizeH="0" baseline="0" dirty="0" smtClean="0">
+                <a:ln>
+                  <a:noFill/>
+                </a:ln>
+                <a:solidFill>
+                  <a:schemeClr val="tx1"/>
+                </a:solidFill>
+                <a:effectLst/>
+                <a:uLnTx/>
+                <a:uFillTx/>
+              </a:rPr>
+              <a:t> </a:t>
             </a:r>
           </a:p>
           <a:p>
@@ -2011,23 +3886,93 @@
               <a:buChar char="•"/>
               <a:defRPr lang="pt-BR"/>
             </a:pPr>
-            <a:endParaRPr kumimoji="0" lang="pt-BR" sz="1200" b="0" i="0" u="none" strike="noStrike" kern="1200" cap="none" spc="0" normalizeH="0" baseline="0" dirty="0">
-              <a:ln>
-                <a:noFill/>
-              </a:ln>
-              <a:solidFill>
-                <a:schemeClr val="tx1"/>
-              </a:solidFill>
-              <a:effectLst/>
-              <a:uLnTx/>
-              <a:uFillTx/>
-              <a:latin typeface="+mn-lt"/>
-              <a:ea typeface="+mn-ea"/>
-              <a:cs typeface="+mn-cs"/>
-            </a:endParaRPr>
-          </a:p>
-          <a:p>
-            <a:pPr marL="342900" lvl="0" indent="-342900">
+            <a:r>
+              <a:rPr kumimoji="0" lang="pt-BR" sz="1200" b="0" i="0" u="none" strike="noStrike" kern="0" cap="none" spc="0" normalizeH="0" baseline="0" dirty="0" err="1" smtClean="0">
+                <a:ln>
+                  <a:noFill/>
+                </a:ln>
+                <a:solidFill>
+                  <a:schemeClr val="tx1"/>
+                </a:solidFill>
+                <a:effectLst/>
+                <a:uLnTx/>
+                <a:uFillTx/>
+              </a:rPr>
+              <a:t>Create</a:t>
+            </a:r>
+            <a:r>
+              <a:rPr kumimoji="0" lang="pt-BR" sz="1200" b="0" i="0" u="none" strike="noStrike" kern="0" cap="none" spc="0" normalizeH="0" baseline="0" dirty="0" smtClean="0">
+                <a:ln>
+                  <a:noFill/>
+                </a:ln>
+                <a:solidFill>
+                  <a:schemeClr val="tx1"/>
+                </a:solidFill>
+                <a:effectLst/>
+                <a:uLnTx/>
+                <a:uFillTx/>
+              </a:rPr>
+              <a:t> a </a:t>
+            </a:r>
+            <a:r>
+              <a:rPr kumimoji="0" lang="pt-BR" sz="1200" b="0" i="0" u="none" strike="noStrike" kern="0" cap="none" spc="0" normalizeH="0" baseline="0" dirty="0" err="1" smtClean="0">
+                <a:ln>
+                  <a:noFill/>
+                </a:ln>
+                <a:solidFill>
+                  <a:schemeClr val="tx1"/>
+                </a:solidFill>
+                <a:effectLst/>
+                <a:uLnTx/>
+                <a:uFillTx/>
+              </a:rPr>
+              <a:t>Simple</a:t>
+            </a:r>
+            <a:r>
+              <a:rPr kumimoji="0" lang="pt-BR" sz="1200" b="0" i="0" u="none" strike="noStrike" kern="0" cap="none" spc="0" normalizeH="0" baseline="0" dirty="0" smtClean="0">
+                <a:ln>
+                  <a:noFill/>
+                </a:ln>
+                <a:solidFill>
+                  <a:schemeClr val="tx1"/>
+                </a:solidFill>
+                <a:effectLst/>
+                <a:uLnTx/>
+                <a:uFillTx/>
+              </a:rPr>
+              <a:t> Project (</a:t>
+            </a:r>
+            <a:r>
+              <a:rPr kumimoji="0" lang="pt-BR" sz="1200" b="0" i="0" u="none" strike="noStrike" kern="0" cap="none" spc="0" normalizeH="0" baseline="0" dirty="0" err="1" smtClean="0">
+                <a:ln>
+                  <a:noFill/>
+                </a:ln>
+                <a:solidFill>
+                  <a:schemeClr val="tx1"/>
+                </a:solidFill>
+                <a:effectLst/>
+                <a:uLnTx/>
+                <a:uFillTx/>
+              </a:rPr>
+              <a:t>true</a:t>
+            </a:r>
+            <a:r>
+              <a:rPr kumimoji="0" lang="pt-BR" sz="1200" b="0" i="0" u="none" strike="noStrike" kern="0" cap="none" spc="0" normalizeH="0" baseline="0" dirty="0" smtClean="0">
+                <a:ln>
+                  <a:noFill/>
+                </a:ln>
+                <a:solidFill>
+                  <a:schemeClr val="tx1"/>
+                </a:solidFill>
+                <a:effectLst/>
+                <a:uLnTx/>
+                <a:uFillTx/>
+              </a:rPr>
+              <a:t>)</a:t>
+            </a:r>
+          </a:p>
+          <a:p>
+            <a:pPr marL="800100" lvl="1" indent="-342900">
               <a:spcBef>
                 <a:spcPct val="20000"/>
               </a:spcBef>
@@ -2035,32 +3980,8 @@
               <a:buChar char="•"/>
               <a:defRPr lang="pt-BR"/>
             </a:pPr>
-            <a:endParaRPr kumimoji="0" lang="pt-BR" sz="1200" b="0" i="0" u="none" strike="noStrike" kern="1200" cap="none" spc="0" normalizeH="0" baseline="0" dirty="0">
-              <a:ln>
-                <a:noFill/>
-              </a:ln>
-              <a:solidFill>
-                <a:schemeClr val="tx1"/>
-              </a:solidFill>
-              <a:effectLst/>
-              <a:uLnTx/>
-              <a:uFillTx/>
-              <a:latin typeface="+mn-lt"/>
-              <a:ea typeface="+mn-ea"/>
-              <a:cs typeface="+mn-cs"/>
-            </a:endParaRPr>
-          </a:p>
-          <a:p>
-            <a:pPr marL="0" lvl="0" indent="0">
-              <a:spcBef>
-                <a:spcPct val="20000"/>
-              </a:spcBef>
-              <a:buFont typeface="Arial"/>
-              <a:buNone/>
-              <a:defRPr lang="pt-BR"/>
-            </a:pPr>
-            <a:r>
-              <a:rPr kumimoji="0" lang="pt-BR" sz="1200" b="0" i="0" u="none" strike="noStrike" kern="1200" cap="none" spc="0" normalizeH="0" baseline="0" dirty="0">
+            <a:r>
+              <a:rPr kumimoji="0" lang="pt-BR" sz="1200" b="0" i="0" u="none" strike="noStrike" kern="0" cap="none" spc="0" normalizeH="0" baseline="0" dirty="0" err="1" smtClean="0">
                 <a:ln>
                   <a:noFill/>
                 </a:ln>
@@ -2070,11 +3991,8 @@
                 <a:effectLst/>
                 <a:uLnTx/>
                 <a:uFillTx/>
-                <a:latin typeface="+mn-lt"/>
-                <a:ea typeface="+mn-ea"/>
-                <a:cs typeface="+mn-cs"/>
-              </a:rPr>
-              <a:t>Mostrar na prática !</a:t>
+              </a:rPr>
+              <a:t>br.com.servlet</a:t>
             </a:r>
             <a:endParaRPr kumimoji="0" lang="pt-BR" sz="1200" b="0" i="0" u="none" strike="noStrike" kern="0" cap="none" spc="0" normalizeH="0" baseline="0" dirty="0">
               <a:ln>
@@ -2087,6 +4005,327 @@
               <a:uLnTx/>
               <a:uFillTx/>
             </a:endParaRPr>
+          </a:p>
+          <a:p>
+            <a:pPr marL="800100" lvl="1" indent="-342900">
+              <a:spcBef>
+                <a:spcPct val="20000"/>
+              </a:spcBef>
+              <a:buFont typeface="Arial"/>
+              <a:buChar char="•"/>
+              <a:defRPr lang="pt-BR"/>
+            </a:pPr>
+            <a:r>
+              <a:rPr kumimoji="0" lang="pt-BR" sz="1200" b="0" i="0" u="none" strike="noStrike" kern="0" cap="none" spc="0" normalizeH="0" baseline="0" dirty="0" err="1" smtClean="0">
+                <a:ln>
+                  <a:noFill/>
+                </a:ln>
+                <a:solidFill>
+                  <a:schemeClr val="tx1"/>
+                </a:solidFill>
+                <a:effectLst/>
+                <a:uLnTx/>
+                <a:uFillTx/>
+              </a:rPr>
+              <a:t>Servlet</a:t>
+            </a:r>
+            <a:endParaRPr kumimoji="0" lang="pt-BR" sz="1200" b="0" i="0" u="none" strike="noStrike" kern="0" cap="none" spc="0" normalizeH="0" baseline="0" dirty="0" smtClean="0">
+              <a:ln>
+                <a:noFill/>
+              </a:ln>
+              <a:solidFill>
+                <a:schemeClr val="tx1"/>
+              </a:solidFill>
+              <a:effectLst/>
+              <a:uLnTx/>
+              <a:uFillTx/>
+            </a:endParaRPr>
+          </a:p>
+          <a:p>
+            <a:pPr marL="800100" lvl="1" indent="-342900">
+              <a:spcBef>
+                <a:spcPct val="20000"/>
+              </a:spcBef>
+              <a:buFont typeface="Arial"/>
+              <a:buChar char="•"/>
+              <a:defRPr lang="pt-BR"/>
+            </a:pPr>
+            <a:r>
+              <a:rPr kumimoji="0" lang="pt-BR" sz="1200" b="0" i="0" u="none" strike="noStrike" kern="0" cap="none" spc="0" normalizeH="0" baseline="0" dirty="0" smtClean="0">
+                <a:ln>
+                  <a:noFill/>
+                </a:ln>
+                <a:solidFill>
+                  <a:schemeClr val="tx1"/>
+                </a:solidFill>
+                <a:effectLst/>
+                <a:uLnTx/>
+                <a:uFillTx/>
+              </a:rPr>
+              <a:t>Empacotamento </a:t>
+            </a:r>
+            <a:r>
+              <a:rPr kumimoji="0" lang="pt-BR" sz="1200" b="0" i="0" u="none" strike="noStrike" kern="0" cap="none" spc="0" normalizeH="0" baseline="0" dirty="0" err="1" smtClean="0">
+                <a:ln>
+                  <a:noFill/>
+                </a:ln>
+                <a:solidFill>
+                  <a:schemeClr val="tx1"/>
+                </a:solidFill>
+                <a:effectLst/>
+                <a:uLnTx/>
+                <a:uFillTx/>
+              </a:rPr>
+              <a:t>war</a:t>
+            </a:r>
+            <a:endParaRPr kumimoji="0" lang="pt-BR" sz="1200" b="0" i="0" u="none" strike="noStrike" kern="0" cap="none" spc="0" normalizeH="0" baseline="0" dirty="0" smtClean="0">
+              <a:ln>
+                <a:noFill/>
+              </a:ln>
+              <a:solidFill>
+                <a:schemeClr val="tx1"/>
+              </a:solidFill>
+              <a:effectLst/>
+              <a:uLnTx/>
+              <a:uFillTx/>
+            </a:endParaRPr>
+          </a:p>
+          <a:p>
+            <a:pPr marL="342900" lvl="0" indent="-342900">
+              <a:spcBef>
+                <a:spcPct val="20000"/>
+              </a:spcBef>
+              <a:buFont typeface="Arial"/>
+              <a:buChar char="•"/>
+              <a:defRPr lang="pt-BR"/>
+            </a:pPr>
+            <a:r>
+              <a:rPr kumimoji="0" lang="pt-BR" sz="1200" b="0" i="0" u="none" strike="noStrike" kern="0" cap="none" spc="0" normalizeH="0" baseline="0" dirty="0" smtClean="0">
+                <a:ln>
+                  <a:noFill/>
+                </a:ln>
+                <a:solidFill>
+                  <a:schemeClr val="tx1"/>
+                </a:solidFill>
+                <a:effectLst/>
+                <a:uLnTx/>
+                <a:uFillTx/>
+              </a:rPr>
+              <a:t>Clicar botão direito em “Deployment </a:t>
+            </a:r>
+            <a:r>
+              <a:rPr kumimoji="0" lang="pt-BR" sz="1200" b="0" i="0" u="none" strike="noStrike" kern="0" cap="none" spc="0" normalizeH="0" baseline="0" dirty="0" err="1" smtClean="0">
+                <a:ln>
+                  <a:noFill/>
+                </a:ln>
+                <a:solidFill>
+                  <a:schemeClr val="tx1"/>
+                </a:solidFill>
+                <a:effectLst/>
+                <a:uLnTx/>
+                <a:uFillTx/>
+              </a:rPr>
+              <a:t>Descriptor</a:t>
+            </a:r>
+            <a:r>
+              <a:rPr kumimoji="0" lang="pt-BR" sz="1200" b="0" i="0" u="none" strike="noStrike" kern="0" cap="none" spc="0" normalizeH="0" baseline="0" dirty="0" smtClean="0">
+                <a:ln>
+                  <a:noFill/>
+                </a:ln>
+                <a:solidFill>
+                  <a:schemeClr val="tx1"/>
+                </a:solidFill>
+                <a:effectLst/>
+                <a:uLnTx/>
+                <a:uFillTx/>
+              </a:rPr>
+              <a:t>: </a:t>
+            </a:r>
+            <a:r>
+              <a:rPr kumimoji="0" lang="pt-BR" sz="1200" b="0" i="0" u="none" strike="noStrike" kern="0" cap="none" spc="0" normalizeH="0" baseline="0" dirty="0" err="1" smtClean="0">
+                <a:ln>
+                  <a:noFill/>
+                </a:ln>
+                <a:solidFill>
+                  <a:schemeClr val="tx1"/>
+                </a:solidFill>
+                <a:effectLst/>
+                <a:uLnTx/>
+                <a:uFillTx/>
+              </a:rPr>
+              <a:t>Servlet</a:t>
+            </a:r>
+            <a:r>
+              <a:rPr kumimoji="0" lang="pt-BR" sz="1200" b="0" i="0" u="none" strike="noStrike" kern="0" cap="none" spc="0" normalizeH="0" baseline="0" dirty="0" smtClean="0">
+                <a:ln>
+                  <a:noFill/>
+                </a:ln>
+                <a:solidFill>
+                  <a:schemeClr val="tx1"/>
+                </a:solidFill>
+                <a:effectLst/>
+                <a:uLnTx/>
+                <a:uFillTx/>
+              </a:rPr>
+              <a:t>” -&gt; “</a:t>
+            </a:r>
+            <a:r>
+              <a:rPr kumimoji="0" lang="pt-BR" sz="1200" b="0" i="0" u="none" strike="noStrike" kern="0" cap="none" spc="0" normalizeH="0" baseline="0" dirty="0" err="1" smtClean="0">
+                <a:ln>
+                  <a:noFill/>
+                </a:ln>
+                <a:solidFill>
+                  <a:schemeClr val="tx1"/>
+                </a:solidFill>
+                <a:effectLst/>
+                <a:uLnTx/>
+                <a:uFillTx/>
+              </a:rPr>
+              <a:t>Generate</a:t>
+            </a:r>
+            <a:r>
+              <a:rPr kumimoji="0" lang="pt-BR" sz="1200" b="0" i="0" u="none" strike="noStrike" kern="0" cap="none" spc="0" normalizeH="0" baseline="0" dirty="0" smtClean="0">
+                <a:ln>
+                  <a:noFill/>
+                </a:ln>
+                <a:solidFill>
+                  <a:schemeClr val="tx1"/>
+                </a:solidFill>
+                <a:effectLst/>
+                <a:uLnTx/>
+                <a:uFillTx/>
+              </a:rPr>
+              <a:t> </a:t>
+            </a:r>
+            <a:r>
+              <a:rPr kumimoji="0" lang="pt-BR" sz="1200" b="0" i="0" u="none" strike="noStrike" kern="0" cap="none" spc="0" normalizeH="0" baseline="0" dirty="0" err="1" smtClean="0">
+                <a:ln>
+                  <a:noFill/>
+                </a:ln>
+                <a:solidFill>
+                  <a:schemeClr val="tx1"/>
+                </a:solidFill>
+                <a:effectLst/>
+                <a:uLnTx/>
+                <a:uFillTx/>
+              </a:rPr>
+              <a:t>deployment</a:t>
+            </a:r>
+            <a:r>
+              <a:rPr kumimoji="0" lang="pt-BR" sz="1200" b="0" i="0" u="none" strike="noStrike" kern="0" cap="none" spc="0" normalizeH="0" baseline="0" dirty="0" smtClean="0">
+                <a:ln>
+                  <a:noFill/>
+                </a:ln>
+                <a:solidFill>
+                  <a:schemeClr val="tx1"/>
+                </a:solidFill>
+                <a:effectLst/>
+                <a:uLnTx/>
+                <a:uFillTx/>
+              </a:rPr>
+              <a:t> </a:t>
+            </a:r>
+            <a:r>
+              <a:rPr kumimoji="0" lang="pt-BR" sz="1200" b="0" i="0" u="none" strike="noStrike" kern="0" cap="none" spc="0" normalizeH="0" baseline="0" dirty="0" err="1" smtClean="0">
+                <a:ln>
+                  <a:noFill/>
+                </a:ln>
+                <a:solidFill>
+                  <a:schemeClr val="tx1"/>
+                </a:solidFill>
+                <a:effectLst/>
+                <a:uLnTx/>
+                <a:uFillTx/>
+              </a:rPr>
+              <a:t>descriptor</a:t>
+            </a:r>
+            <a:r>
+              <a:rPr kumimoji="0" lang="pt-BR" sz="1200" b="0" i="0" u="none" strike="noStrike" kern="0" cap="none" spc="0" normalizeH="0" baseline="0" dirty="0" smtClean="0">
+                <a:ln>
+                  <a:noFill/>
+                </a:ln>
+                <a:solidFill>
+                  <a:schemeClr val="tx1"/>
+                </a:solidFill>
+                <a:effectLst/>
+                <a:uLnTx/>
+                <a:uFillTx/>
+              </a:rPr>
+              <a:t> </a:t>
+            </a:r>
+            <a:r>
+              <a:rPr kumimoji="0" lang="pt-BR" sz="1200" b="0" i="0" u="none" strike="noStrike" kern="0" cap="none" spc="0" normalizeH="0" baseline="0" dirty="0" err="1" smtClean="0">
+                <a:ln>
+                  <a:noFill/>
+                </a:ln>
+                <a:solidFill>
+                  <a:schemeClr val="tx1"/>
+                </a:solidFill>
+                <a:effectLst/>
+                <a:uLnTx/>
+                <a:uFillTx/>
+              </a:rPr>
+              <a:t>stub</a:t>
+            </a:r>
+            <a:r>
+              <a:rPr kumimoji="0" lang="pt-BR" sz="1200" b="0" i="0" u="none" strike="noStrike" kern="0" cap="none" spc="0" normalizeH="0" baseline="0" dirty="0" smtClean="0">
+                <a:ln>
+                  <a:noFill/>
+                </a:ln>
+                <a:solidFill>
+                  <a:schemeClr val="tx1"/>
+                </a:solidFill>
+                <a:effectLst/>
+                <a:uLnTx/>
+                <a:uFillTx/>
+              </a:rPr>
+              <a:t>” (Gerar WEB.XML)</a:t>
+            </a:r>
+          </a:p>
+          <a:p>
+            <a:pPr marL="0" lvl="0" indent="0">
+              <a:spcBef>
+                <a:spcPct val="20000"/>
+              </a:spcBef>
+              <a:buFont typeface="Arial"/>
+              <a:buNone/>
+              <a:defRPr lang="pt-BR"/>
+            </a:pPr>
+            <a:endParaRPr kumimoji="0" lang="pt-BR" sz="1200" b="0" i="0" u="none" strike="noStrike" kern="0" cap="none" spc="0" normalizeH="0" baseline="0" dirty="0" smtClean="0">
+              <a:ln>
+                <a:noFill/>
+              </a:ln>
+              <a:solidFill>
+                <a:schemeClr val="tx1"/>
+              </a:solidFill>
+              <a:effectLst/>
+              <a:uLnTx/>
+              <a:uFillTx/>
+            </a:endParaRPr>
+          </a:p>
+          <a:p>
+            <a:pPr marL="0" lvl="0" indent="0">
+              <a:spcBef>
+                <a:spcPct val="20000"/>
+              </a:spcBef>
+              <a:buFont typeface="Arial"/>
+              <a:buNone/>
+              <a:defRPr lang="pt-BR"/>
+            </a:pPr>
+            <a:r>
+              <a:rPr kumimoji="0" lang="pt-BR" sz="1200" b="0" i="0" u="none" strike="noStrike" kern="0" cap="none" spc="0" normalizeH="0" baseline="0" dirty="0" smtClean="0">
+                <a:ln>
+                  <a:noFill/>
+                </a:ln>
+                <a:solidFill>
+                  <a:schemeClr val="tx1"/>
+                </a:solidFill>
+                <a:effectLst/>
+                <a:uLnTx/>
+                <a:uFillTx/>
+              </a:rPr>
+              <a:t>Web.xml usado para configurações, porém após as anotações vem deixando de ser utilizados e até mesmo obrigatório.</a:t>
+            </a:r>
           </a:p>
         </p:txBody>
       </p:sp>
@@ -2163,9 +4402,7 @@
         </p:nvSpPr>
         <p:spPr/>
         <p:txBody>
-          <a:bodyPr>
-            <a:normAutofit fontScale="47500" lnSpcReduction="20000"/>
-          </a:bodyPr>
+          <a:bodyPr/>
           <a:lstStyle/>
           <a:p>
             <a:pPr marL="342900" lvl="0" indent="-342900">
@@ -2177,94 +4414,1304 @@
               <a:defRPr lang="pt-BR"/>
             </a:pPr>
             <a:r>
-              <a:rPr lang="pt-BR" sz="2400" kern="0" dirty="0"/>
-              <a:t>Requisição: </a:t>
-            </a:r>
-          </a:p>
-          <a:p>
-            <a:pPr lvl="1">
+              <a:rPr kumimoji="0" lang="pt-BR" sz="1200" b="0" i="0" u="none" strike="noStrike" kern="0" cap="none" spc="0" normalizeH="0" baseline="0" dirty="0" smtClean="0">
+                <a:ln>
+                  <a:noFill/>
+                </a:ln>
+                <a:solidFill>
+                  <a:schemeClr val="tx1"/>
+                </a:solidFill>
+                <a:effectLst/>
+                <a:uLnTx/>
+                <a:uFillTx/>
+              </a:rPr>
+              <a:t>Para ser acessado o </a:t>
+            </a:r>
+            <a:r>
+              <a:rPr kumimoji="0" lang="pt-BR" sz="1200" b="0" i="0" u="none" strike="noStrike" kern="0" cap="none" spc="0" normalizeH="0" baseline="0" dirty="0" err="1" smtClean="0">
+                <a:ln>
+                  <a:noFill/>
+                </a:ln>
+                <a:solidFill>
+                  <a:schemeClr val="tx1"/>
+                </a:solidFill>
+                <a:effectLst/>
+                <a:uLnTx/>
+                <a:uFillTx/>
+              </a:rPr>
+              <a:t>servlet</a:t>
+            </a:r>
+            <a:r>
+              <a:rPr kumimoji="0" lang="pt-BR" sz="1200" b="0" i="0" u="none" strike="noStrike" kern="0" cap="none" spc="0" normalizeH="0" baseline="0" dirty="0" smtClean="0">
+                <a:ln>
+                  <a:noFill/>
+                </a:ln>
+                <a:solidFill>
+                  <a:schemeClr val="tx1"/>
+                </a:solidFill>
+                <a:effectLst/>
+                <a:uLnTx/>
+                <a:uFillTx/>
+              </a:rPr>
+              <a:t> precisa ser mapeado a um caminho acessível no contexto.</a:t>
+            </a:r>
+          </a:p>
+          <a:p>
+            <a:pPr marL="800100" lvl="1" indent="-342900">
               <a:spcBef>
                 <a:spcPct val="20000"/>
               </a:spcBef>
+              <a:buFont typeface="Arial"/>
+              <a:buChar char="•"/>
               <a:defRPr lang="pt-BR"/>
             </a:pPr>
             <a:r>
-              <a:rPr lang="pt-BR" sz="2400" kern="0" dirty="0"/>
-              <a:t>São os dados referente a requisição feita pelo cliente</a:t>
-            </a:r>
-          </a:p>
-          <a:p>
-            <a:pPr lvl="1">
+              <a:rPr kumimoji="0" lang="pt-BR" sz="1200" b="0" i="0" u="none" strike="noStrike" kern="0" cap="none" spc="0" normalizeH="0" baseline="0" dirty="0" smtClean="0">
+                <a:ln>
+                  <a:noFill/>
+                </a:ln>
+                <a:solidFill>
+                  <a:schemeClr val="tx1"/>
+                </a:solidFill>
+                <a:effectLst/>
+                <a:uLnTx/>
+                <a:uFillTx/>
+              </a:rPr>
+              <a:t>Exemplos: “</a:t>
+            </a:r>
+            <a:r>
+              <a:rPr lang="pt-BR" sz="1200" b="1" i="0" u="none" strike="noStrike" kern="1200" baseline="0" dirty="0" smtClean="0">
+                <a:solidFill>
+                  <a:schemeClr val="tx1"/>
+                </a:solidFill>
+                <a:latin typeface="+mn-lt"/>
+                <a:ea typeface="+mn-ea"/>
+                <a:cs typeface="+mn-cs"/>
+              </a:rPr>
+              <a:t>/nome”, “/nome/subnome”, “/”, “/nome/*”, “*.</a:t>
+            </a:r>
+            <a:r>
+              <a:rPr lang="pt-BR" sz="1200" b="1" i="0" u="none" strike="noStrike" kern="1200" baseline="0" dirty="0" err="1" smtClean="0">
+                <a:solidFill>
+                  <a:schemeClr val="tx1"/>
+                </a:solidFill>
+                <a:latin typeface="+mn-lt"/>
+                <a:ea typeface="+mn-ea"/>
+                <a:cs typeface="+mn-cs"/>
+              </a:rPr>
+              <a:t>jsp</a:t>
+            </a:r>
+            <a:r>
+              <a:rPr lang="pt-BR" sz="1200" b="1" i="0" u="none" strike="noStrike" kern="1200" baseline="0" dirty="0" smtClean="0">
+                <a:solidFill>
+                  <a:schemeClr val="tx1"/>
+                </a:solidFill>
+                <a:latin typeface="+mn-lt"/>
+                <a:ea typeface="+mn-ea"/>
+                <a:cs typeface="+mn-cs"/>
+              </a:rPr>
+              <a:t>”</a:t>
+            </a:r>
+          </a:p>
+          <a:p>
+            <a:pPr marL="342900" lvl="0" indent="-342900">
               <a:spcBef>
                 <a:spcPct val="20000"/>
               </a:spcBef>
+              <a:buFont typeface="Arial"/>
+              <a:buChar char="•"/>
               <a:defRPr lang="pt-BR"/>
             </a:pPr>
-            <a:endParaRPr lang="pt-BR" sz="2400" kern="0" dirty="0"/>
-          </a:p>
-          <a:p>
-            <a:pPr lvl="1">
+            <a:r>
+              <a:rPr kumimoji="0" lang="pt-BR" sz="1200" b="0" i="0" u="none" strike="noStrike" kern="0" cap="none" spc="0" normalizeH="0" baseline="0" dirty="0" smtClean="0">
+                <a:ln>
+                  <a:noFill/>
+                </a:ln>
+                <a:solidFill>
+                  <a:schemeClr val="tx1"/>
+                </a:solidFill>
+                <a:effectLst/>
+                <a:uLnTx/>
+                <a:uFillTx/>
+              </a:rPr>
+              <a:t>Usando a anotação @</a:t>
+            </a:r>
+            <a:r>
+              <a:rPr kumimoji="0" lang="pt-BR" sz="1200" b="0" i="0" u="none" strike="noStrike" kern="0" cap="none" spc="0" normalizeH="0" baseline="0" dirty="0" err="1" smtClean="0">
+                <a:ln>
+                  <a:noFill/>
+                </a:ln>
+                <a:solidFill>
+                  <a:schemeClr val="tx1"/>
+                </a:solidFill>
+                <a:effectLst/>
+                <a:uLnTx/>
+                <a:uFillTx/>
+              </a:rPr>
+              <a:t>WebServlet</a:t>
+            </a:r>
+            <a:r>
+              <a:rPr kumimoji="0" lang="pt-BR" sz="1200" b="0" i="0" u="none" strike="noStrike" kern="0" cap="none" spc="0" normalizeH="0" baseline="0" dirty="0" smtClean="0">
+                <a:ln>
+                  <a:noFill/>
+                </a:ln>
+                <a:solidFill>
+                  <a:schemeClr val="tx1"/>
+                </a:solidFill>
+                <a:effectLst/>
+                <a:uLnTx/>
+                <a:uFillTx/>
+              </a:rPr>
+              <a:t>, contendo pelo menos um mapeamento no atributo </a:t>
+            </a:r>
+            <a:r>
+              <a:rPr kumimoji="0" lang="pt-BR" sz="1200" b="0" i="0" u="none" strike="noStrike" kern="0" cap="none" spc="0" normalizeH="0" baseline="0" dirty="0" err="1" smtClean="0">
+                <a:ln>
+                  <a:noFill/>
+                </a:ln>
+                <a:solidFill>
+                  <a:schemeClr val="tx1"/>
+                </a:solidFill>
+                <a:effectLst/>
+                <a:uLnTx/>
+                <a:uFillTx/>
+              </a:rPr>
+              <a:t>value</a:t>
+            </a:r>
+            <a:r>
+              <a:rPr kumimoji="0" lang="pt-BR" sz="1200" b="0" i="0" u="none" strike="noStrike" kern="0" cap="none" spc="0" normalizeH="0" baseline="0" dirty="0" smtClean="0">
+                <a:ln>
+                  <a:noFill/>
+                </a:ln>
+                <a:solidFill>
+                  <a:schemeClr val="tx1"/>
+                </a:solidFill>
+                <a:effectLst/>
+                <a:uLnTx/>
+                <a:uFillTx/>
+              </a:rPr>
+              <a:t>, que é o default:</a:t>
+            </a:r>
+          </a:p>
+          <a:p>
+            <a:pPr marL="800100" lvl="1" indent="-342900">
               <a:spcBef>
                 <a:spcPct val="20000"/>
               </a:spcBef>
+              <a:buFont typeface="Arial"/>
+              <a:buChar char="•"/>
               <a:defRPr lang="pt-BR"/>
             </a:pPr>
             <a:r>
-              <a:rPr lang="pt-BR" sz="2400" dirty="0"/>
-              <a:t>Os métodos de </a:t>
-            </a:r>
-            <a:r>
-              <a:rPr lang="pt-BR" sz="2400" dirty="0" err="1"/>
-              <a:t>HttpServletRequest</a:t>
-            </a:r>
-            <a:r>
-              <a:rPr lang="pt-BR" sz="2400" dirty="0"/>
-              <a:t> permitem extrair informações de qual quer cabeçalho. Pode-se também identificar o método e URL. Estas e outras informações sobre a requisição podem ser obtidas através dos métodos do objeto </a:t>
-            </a:r>
-            <a:r>
-              <a:rPr lang="pt-BR" sz="2400" dirty="0" err="1"/>
-              <a:t>HttpServletRequest</a:t>
-            </a:r>
-            <a:r>
-              <a:rPr lang="pt-BR" sz="2400" dirty="0"/>
-              <a:t>. Alguns deles estão listados abaixo: </a:t>
-            </a:r>
-          </a:p>
-          <a:p>
-            <a:pPr lvl="1">
+              <a:rPr kumimoji="0" lang="pt-BR" sz="1200" b="0" i="0" u="none" strike="noStrike" kern="0" cap="none" spc="0" normalizeH="0" baseline="0" dirty="0" smtClean="0">
+                <a:ln>
+                  <a:noFill/>
+                </a:ln>
+                <a:solidFill>
+                  <a:schemeClr val="tx1"/>
+                </a:solidFill>
+                <a:effectLst/>
+                <a:uLnTx/>
+                <a:uFillTx/>
+              </a:rPr>
+              <a:t>@</a:t>
+            </a:r>
+            <a:r>
+              <a:rPr kumimoji="0" lang="pt-BR" sz="1200" b="0" i="0" u="none" strike="noStrike" kern="0" cap="none" spc="0" normalizeH="0" baseline="0" dirty="0" err="1" smtClean="0">
+                <a:ln>
+                  <a:noFill/>
+                </a:ln>
+                <a:solidFill>
+                  <a:schemeClr val="tx1"/>
+                </a:solidFill>
+                <a:effectLst/>
+                <a:uLnTx/>
+                <a:uFillTx/>
+              </a:rPr>
+              <a:t>WebServlet</a:t>
+            </a:r>
+            <a:r>
+              <a:rPr kumimoji="0" lang="pt-BR" sz="1200" b="0" i="0" u="none" strike="noStrike" kern="0" cap="none" spc="0" normalizeH="0" baseline="0" dirty="0" smtClean="0">
+                <a:ln>
+                  <a:noFill/>
+                </a:ln>
+                <a:solidFill>
+                  <a:schemeClr val="tx1"/>
+                </a:solidFill>
+                <a:effectLst/>
+                <a:uLnTx/>
+                <a:uFillTx/>
+              </a:rPr>
+              <a:t>("/listar")</a:t>
+            </a:r>
+          </a:p>
+          <a:p>
+            <a:pPr marL="800100" lvl="1" indent="-342900">
               <a:spcBef>
                 <a:spcPct val="20000"/>
               </a:spcBef>
+              <a:buFont typeface="Arial"/>
+              <a:buChar char="•"/>
               <a:defRPr lang="pt-BR"/>
             </a:pPr>
-            <a:endParaRPr lang="pt-BR" sz="2400" dirty="0"/>
-          </a:p>
-          <a:p>
-            <a:pPr lvl="1">
+            <a:r>
+              <a:rPr kumimoji="0" lang="pt-BR" sz="1200" b="0" i="0" u="none" strike="noStrike" kern="0" cap="none" spc="0" normalizeH="0" baseline="0" dirty="0" err="1" smtClean="0">
+                <a:ln>
+                  <a:noFill/>
+                </a:ln>
+                <a:solidFill>
+                  <a:schemeClr val="tx1"/>
+                </a:solidFill>
+                <a:effectLst/>
+                <a:uLnTx/>
+                <a:uFillTx/>
+              </a:rPr>
+              <a:t>public</a:t>
+            </a:r>
+            <a:r>
+              <a:rPr kumimoji="0" lang="pt-BR" sz="1200" b="0" i="0" u="none" strike="noStrike" kern="0" cap="none" spc="0" normalizeH="0" baseline="0" dirty="0" smtClean="0">
+                <a:ln>
+                  <a:noFill/>
+                </a:ln>
+                <a:solidFill>
+                  <a:schemeClr val="tx1"/>
+                </a:solidFill>
+                <a:effectLst/>
+                <a:uLnTx/>
+                <a:uFillTx/>
+              </a:rPr>
+              <a:t> </a:t>
+            </a:r>
+            <a:r>
+              <a:rPr kumimoji="0" lang="pt-BR" sz="1200" b="0" i="0" u="none" strike="noStrike" kern="0" cap="none" spc="0" normalizeH="0" baseline="0" dirty="0" err="1" smtClean="0">
+                <a:ln>
+                  <a:noFill/>
+                </a:ln>
+                <a:solidFill>
+                  <a:schemeClr val="tx1"/>
+                </a:solidFill>
+                <a:effectLst/>
+                <a:uLnTx/>
+                <a:uFillTx/>
+              </a:rPr>
+              <a:t>class</a:t>
+            </a:r>
+            <a:r>
+              <a:rPr kumimoji="0" lang="pt-BR" sz="1200" b="0" i="0" u="none" strike="noStrike" kern="0" cap="none" spc="0" normalizeH="0" baseline="0" dirty="0" smtClean="0">
+                <a:ln>
+                  <a:noFill/>
+                </a:ln>
+                <a:solidFill>
+                  <a:schemeClr val="tx1"/>
+                </a:solidFill>
+                <a:effectLst/>
+                <a:uLnTx/>
+                <a:uFillTx/>
+              </a:rPr>
+              <a:t> </a:t>
+            </a:r>
+            <a:r>
+              <a:rPr kumimoji="0" lang="pt-BR" sz="1200" b="0" i="0" u="none" strike="noStrike" kern="0" cap="none" spc="0" normalizeH="0" baseline="0" dirty="0" err="1" smtClean="0">
+                <a:ln>
+                  <a:noFill/>
+                </a:ln>
+                <a:solidFill>
+                  <a:schemeClr val="tx1"/>
+                </a:solidFill>
+                <a:effectLst/>
+                <a:uLnTx/>
+                <a:uFillTx/>
+              </a:rPr>
+              <a:t>ProdutoServlet</a:t>
+            </a:r>
+            <a:r>
+              <a:rPr kumimoji="0" lang="pt-BR" sz="1200" b="0" i="0" u="none" strike="noStrike" kern="0" cap="none" spc="0" normalizeH="0" baseline="0" dirty="0" smtClean="0">
+                <a:ln>
+                  <a:noFill/>
+                </a:ln>
+                <a:solidFill>
+                  <a:schemeClr val="tx1"/>
+                </a:solidFill>
+                <a:effectLst/>
+                <a:uLnTx/>
+                <a:uFillTx/>
+              </a:rPr>
+              <a:t> </a:t>
+            </a:r>
+            <a:r>
+              <a:rPr kumimoji="0" lang="pt-BR" sz="1200" b="0" i="0" u="none" strike="noStrike" kern="0" cap="none" spc="0" normalizeH="0" baseline="0" dirty="0" err="1" smtClean="0">
+                <a:ln>
+                  <a:noFill/>
+                </a:ln>
+                <a:solidFill>
+                  <a:schemeClr val="tx1"/>
+                </a:solidFill>
+                <a:effectLst/>
+                <a:uLnTx/>
+                <a:uFillTx/>
+              </a:rPr>
+              <a:t>extends</a:t>
+            </a:r>
+            <a:r>
+              <a:rPr kumimoji="0" lang="pt-BR" sz="1200" b="0" i="0" u="none" strike="noStrike" kern="0" cap="none" spc="0" normalizeH="0" baseline="0" dirty="0" smtClean="0">
+                <a:ln>
+                  <a:noFill/>
+                </a:ln>
+                <a:solidFill>
+                  <a:schemeClr val="tx1"/>
+                </a:solidFill>
+                <a:effectLst/>
+                <a:uLnTx/>
+                <a:uFillTx/>
+              </a:rPr>
+              <a:t> </a:t>
+            </a:r>
+            <a:r>
+              <a:rPr kumimoji="0" lang="pt-BR" sz="1200" b="0" i="0" u="none" strike="noStrike" kern="0" cap="none" spc="0" normalizeH="0" baseline="0" dirty="0" err="1" smtClean="0">
+                <a:ln>
+                  <a:noFill/>
+                </a:ln>
+                <a:solidFill>
+                  <a:schemeClr val="tx1"/>
+                </a:solidFill>
+                <a:effectLst/>
+                <a:uLnTx/>
+                <a:uFillTx/>
+              </a:rPr>
+              <a:t>HttpServlet</a:t>
+            </a:r>
+            <a:r>
+              <a:rPr kumimoji="0" lang="pt-BR" sz="1200" b="0" i="0" u="none" strike="noStrike" kern="0" cap="none" spc="0" normalizeH="0" baseline="0" dirty="0" smtClean="0">
+                <a:ln>
+                  <a:noFill/>
+                </a:ln>
+                <a:solidFill>
+                  <a:schemeClr val="tx1"/>
+                </a:solidFill>
+                <a:effectLst/>
+                <a:uLnTx/>
+                <a:uFillTx/>
+              </a:rPr>
+              <a:t> { … }</a:t>
+            </a:r>
+          </a:p>
+          <a:p>
+            <a:pPr marL="342900" lvl="0" indent="-342900">
               <a:spcBef>
                 <a:spcPct val="20000"/>
               </a:spcBef>
+              <a:buFont typeface="Arial"/>
+              <a:buChar char="•"/>
               <a:defRPr lang="pt-BR"/>
             </a:pPr>
             <a:r>
-              <a:rPr lang="pt-BR" sz="2400" dirty="0"/>
-              <a:t>• </a:t>
-            </a:r>
-            <a:r>
-              <a:rPr lang="pt-BR" sz="2400" dirty="0" err="1"/>
-              <a:t>Enumeration</a:t>
-            </a:r>
-            <a:r>
-              <a:rPr lang="pt-BR" sz="2400" dirty="0"/>
+              <a:rPr kumimoji="0" lang="pt-BR" sz="1200" b="0" i="0" u="none" strike="noStrike" kern="0" cap="none" spc="0" normalizeH="0" baseline="0" dirty="0" smtClean="0">
+                <a:ln>
+                  <a:noFill/>
+                </a:ln>
+                <a:solidFill>
+                  <a:schemeClr val="tx1"/>
+                </a:solidFill>
+                <a:effectLst/>
+                <a:uLnTx/>
+                <a:uFillTx/>
+              </a:rPr>
+              <a:t>Ou no atributo </a:t>
+            </a:r>
+            <a:r>
+              <a:rPr kumimoji="0" lang="pt-BR" sz="1200" b="0" i="0" u="none" strike="noStrike" kern="0" cap="none" spc="0" normalizeH="0" baseline="0" dirty="0" err="1" smtClean="0">
+                <a:ln>
+                  <a:noFill/>
+                </a:ln>
+                <a:solidFill>
+                  <a:schemeClr val="tx1"/>
+                </a:solidFill>
+                <a:effectLst/>
+                <a:uLnTx/>
+                <a:uFillTx/>
+              </a:rPr>
+              <a:t>urlPatterns</a:t>
+            </a:r>
+            <a:r>
+              <a:rPr kumimoji="0" lang="pt-BR" sz="1200" b="0" i="0" u="none" strike="noStrike" kern="0" cap="none" spc="0" normalizeH="0" baseline="0" dirty="0" smtClean="0">
+                <a:ln>
+                  <a:noFill/>
+                </a:ln>
+                <a:solidFill>
+                  <a:schemeClr val="tx1"/>
+                </a:solidFill>
+                <a:effectLst/>
+                <a:uLnTx/>
+                <a:uFillTx/>
+              </a:rPr>
+              <a:t>, que aceita vários mapeamentos:</a:t>
+            </a:r>
+          </a:p>
+          <a:p>
+            <a:pPr marL="800100" lvl="1" indent="-342900">
+              <a:spcBef>
+                <a:spcPct val="20000"/>
+              </a:spcBef>
+              <a:buFont typeface="Arial"/>
+              <a:buChar char="•"/>
+              <a:defRPr lang="pt-BR"/>
+            </a:pPr>
+            <a:r>
+              <a:rPr kumimoji="0" lang="pt-BR" sz="1200" b="0" i="0" u="none" strike="noStrike" kern="0" cap="none" spc="0" normalizeH="0" baseline="0" dirty="0" smtClean="0">
+                <a:ln>
+                  <a:noFill/>
+                </a:ln>
+                <a:solidFill>
+                  <a:schemeClr val="tx1"/>
+                </a:solidFill>
+                <a:effectLst/>
+                <a:uLnTx/>
+                <a:uFillTx/>
+              </a:rPr>
+              <a:t>@</a:t>
+            </a:r>
+            <a:r>
+              <a:rPr kumimoji="0" lang="pt-BR" sz="1200" b="0" i="0" u="none" strike="noStrike" kern="0" cap="none" spc="0" normalizeH="0" baseline="0" dirty="0" err="1" smtClean="0">
+                <a:ln>
+                  <a:noFill/>
+                </a:ln>
+                <a:solidFill>
+                  <a:schemeClr val="tx1"/>
+                </a:solidFill>
+                <a:effectLst/>
+                <a:uLnTx/>
+                <a:uFillTx/>
+              </a:rPr>
+              <a:t>WebServlet</a:t>
+            </a:r>
+            <a:r>
+              <a:rPr kumimoji="0" lang="pt-BR" sz="1200" b="0" i="0" u="none" strike="noStrike" kern="0" cap="none" spc="0" normalizeH="0" baseline="0" dirty="0" smtClean="0">
+                <a:ln>
+                  <a:noFill/>
+                </a:ln>
+                <a:solidFill>
+                  <a:schemeClr val="tx1"/>
+                </a:solidFill>
+                <a:effectLst/>
+                <a:uLnTx/>
+                <a:uFillTx/>
+              </a:rPr>
+              <a:t>(</a:t>
+            </a:r>
+            <a:r>
+              <a:rPr kumimoji="0" lang="pt-BR" sz="1200" b="0" i="0" u="none" strike="noStrike" kern="0" cap="none" spc="0" normalizeH="0" baseline="0" dirty="0" err="1" smtClean="0">
+                <a:ln>
+                  <a:noFill/>
+                </a:ln>
+                <a:solidFill>
+                  <a:schemeClr val="tx1"/>
+                </a:solidFill>
+                <a:effectLst/>
+                <a:uLnTx/>
+                <a:uFillTx/>
+              </a:rPr>
+              <a:t>urlPatterns</a:t>
+            </a:r>
+            <a:r>
+              <a:rPr kumimoji="0" lang="pt-BR" sz="1200" b="0" i="0" u="none" strike="noStrike" kern="0" cap="none" spc="0" normalizeH="0" baseline="0" dirty="0" smtClean="0">
+                <a:ln>
+                  <a:noFill/>
+                </a:ln>
+                <a:solidFill>
+                  <a:schemeClr val="tx1"/>
+                </a:solidFill>
+                <a:effectLst/>
+                <a:uLnTx/>
+                <a:uFillTx/>
+              </a:rPr>
+              <a:t> = {"/listar", "/detalhar"})</a:t>
+            </a:r>
+          </a:p>
+          <a:p>
+            <a:pPr marL="800100" lvl="1" indent="-342900">
+              <a:spcBef>
+                <a:spcPct val="20000"/>
+              </a:spcBef>
+              <a:buFont typeface="Arial"/>
+              <a:buChar char="•"/>
+              <a:defRPr lang="pt-BR"/>
+            </a:pPr>
+            <a:r>
+              <a:rPr lang="pt-BR" sz="1200" b="0" i="0" u="none" strike="noStrike" kern="1200" baseline="0" dirty="0" err="1" smtClean="0">
+                <a:solidFill>
+                  <a:schemeClr val="tx1"/>
+                </a:solidFill>
+                <a:latin typeface="+mn-lt"/>
+                <a:ea typeface="+mn-ea"/>
+                <a:cs typeface="+mn-cs"/>
+              </a:rPr>
+              <a:t>public</a:t>
+            </a:r>
+            <a:r>
+              <a:rPr lang="pt-BR" sz="1200" b="0" i="0" u="none" strike="noStrike" kern="1200" baseline="0" dirty="0" smtClean="0">
+                <a:solidFill>
+                  <a:schemeClr val="tx1"/>
+                </a:solidFill>
+                <a:latin typeface="+mn-lt"/>
+                <a:ea typeface="+mn-ea"/>
+                <a:cs typeface="+mn-cs"/>
+              </a:rPr>
               <a:t> </a:t>
             </a:r>
             <a:r>
-              <a:rPr lang="pt-BR" sz="2400" dirty="0" err="1"/>
-              <a:t>getHeaderNames</a:t>
-            </a:r>
-            <a:r>
-              <a:rPr lang="pt-BR" sz="2400" dirty="0"/>
-              <a:t>() - obtém nomes dos cabeçalhos</a:t>
+              <a:rPr lang="pt-BR" sz="1200" b="0" i="0" u="none" strike="noStrike" kern="1200" baseline="0" dirty="0" err="1" smtClean="0">
+                <a:solidFill>
+                  <a:schemeClr val="tx1"/>
+                </a:solidFill>
+                <a:latin typeface="+mn-lt"/>
+                <a:ea typeface="+mn-ea"/>
+                <a:cs typeface="+mn-cs"/>
+              </a:rPr>
+              <a:t>class</a:t>
+            </a:r>
+            <a:r>
+              <a:rPr lang="pt-BR" sz="1200" b="0" i="0" u="none" strike="noStrike" kern="1200" baseline="0" dirty="0" smtClean="0">
+                <a:solidFill>
+                  <a:schemeClr val="tx1"/>
+                </a:solidFill>
+                <a:latin typeface="+mn-lt"/>
+                <a:ea typeface="+mn-ea"/>
+                <a:cs typeface="+mn-cs"/>
+              </a:rPr>
+              <a:t> </a:t>
+            </a:r>
+            <a:r>
+              <a:rPr lang="pt-BR" sz="1200" b="0" i="0" u="none" strike="noStrike" kern="1200" baseline="0" dirty="0" err="1" smtClean="0">
+                <a:solidFill>
+                  <a:schemeClr val="tx1"/>
+                </a:solidFill>
+                <a:latin typeface="+mn-lt"/>
+                <a:ea typeface="+mn-ea"/>
+                <a:cs typeface="+mn-cs"/>
+              </a:rPr>
+              <a:t>ProdutoServlet</a:t>
+            </a:r>
+            <a:r>
+              <a:rPr lang="pt-BR" sz="1200" b="0" i="0" u="none" strike="noStrike" kern="1200" baseline="0" dirty="0" smtClean="0">
+                <a:solidFill>
+                  <a:schemeClr val="tx1"/>
+                </a:solidFill>
+                <a:latin typeface="+mn-lt"/>
+                <a:ea typeface="+mn-ea"/>
+                <a:cs typeface="+mn-cs"/>
+              </a:rPr>
+              <a:t> </a:t>
+            </a:r>
+            <a:r>
+              <a:rPr lang="pt-BR" sz="1200" b="0" i="0" u="none" strike="noStrike" kern="1200" baseline="0" dirty="0" err="1" smtClean="0">
+                <a:solidFill>
+                  <a:schemeClr val="tx1"/>
+                </a:solidFill>
+                <a:latin typeface="+mn-lt"/>
+                <a:ea typeface="+mn-ea"/>
+                <a:cs typeface="+mn-cs"/>
+              </a:rPr>
+              <a:t>extends</a:t>
+            </a:r>
+            <a:r>
+              <a:rPr lang="pt-BR" sz="1200" b="0" i="0" u="none" strike="noStrike" kern="1200" baseline="0" dirty="0" smtClean="0">
+                <a:solidFill>
+                  <a:schemeClr val="tx1"/>
+                </a:solidFill>
+                <a:latin typeface="+mn-lt"/>
+                <a:ea typeface="+mn-ea"/>
+                <a:cs typeface="+mn-cs"/>
+              </a:rPr>
+              <a:t> </a:t>
+            </a:r>
+            <a:r>
+              <a:rPr lang="pt-BR" sz="1200" b="0" i="0" u="none" strike="noStrike" kern="1200" baseline="0" dirty="0" err="1" smtClean="0">
+                <a:solidFill>
+                  <a:schemeClr val="tx1"/>
+                </a:solidFill>
+                <a:latin typeface="+mn-lt"/>
+                <a:ea typeface="+mn-ea"/>
+                <a:cs typeface="+mn-cs"/>
+              </a:rPr>
+              <a:t>HttpServlet</a:t>
+            </a:r>
+            <a:r>
+              <a:rPr lang="pt-BR" sz="1200" b="0" i="0" u="none" strike="noStrike" kern="1200" baseline="0" dirty="0" smtClean="0">
+                <a:solidFill>
+                  <a:schemeClr val="tx1"/>
+                </a:solidFill>
+                <a:latin typeface="+mn-lt"/>
+                <a:ea typeface="+mn-ea"/>
+                <a:cs typeface="+mn-cs"/>
+              </a:rPr>
+              <a:t> { … }</a:t>
+            </a:r>
+          </a:p>
+          <a:p>
+            <a:pPr marL="342900" lvl="0" indent="-342900">
+              <a:spcBef>
+                <a:spcPct val="20000"/>
+              </a:spcBef>
+              <a:buFont typeface="Arial"/>
+              <a:buChar char="•"/>
+              <a:defRPr lang="pt-BR"/>
+            </a:pPr>
+            <a:r>
+              <a:rPr kumimoji="0" lang="pt-BR" sz="1200" b="0" i="0" u="none" strike="noStrike" kern="1200" cap="none" spc="0" normalizeH="0" baseline="0" dirty="0" smtClean="0">
+                <a:ln>
+                  <a:noFill/>
+                </a:ln>
+                <a:solidFill>
+                  <a:schemeClr val="tx1"/>
+                </a:solidFill>
+                <a:effectLst/>
+                <a:uLnTx/>
+                <a:uFillTx/>
+                <a:latin typeface="+mn-lt"/>
+                <a:ea typeface="+mn-ea"/>
+                <a:cs typeface="+mn-cs"/>
+              </a:rPr>
+              <a:t>Também pode ser mapeado no web.xml (Descontinuado).</a:t>
+            </a:r>
+          </a:p>
+          <a:p>
+            <a:pPr marL="800100" lvl="1" indent="-342900">
+              <a:spcBef>
+                <a:spcPct val="20000"/>
+              </a:spcBef>
+              <a:buFont typeface="Arial"/>
+              <a:buChar char="•"/>
+              <a:defRPr lang="pt-BR"/>
+            </a:pPr>
+            <a:r>
+              <a:rPr kumimoji="0" lang="pt-BR" sz="1200" b="0" i="0" u="none" strike="noStrike" kern="0" cap="none" spc="0" normalizeH="0" baseline="0" dirty="0" smtClean="0">
+                <a:ln>
+                  <a:noFill/>
+                </a:ln>
+                <a:solidFill>
+                  <a:schemeClr val="tx1"/>
+                </a:solidFill>
+                <a:effectLst/>
+                <a:uLnTx/>
+                <a:uFillTx/>
+              </a:rPr>
+              <a:t>&lt;</a:t>
+            </a:r>
+            <a:r>
+              <a:rPr kumimoji="0" lang="pt-BR" sz="1200" b="0" i="0" u="none" strike="noStrike" kern="0" cap="none" spc="0" normalizeH="0" baseline="0" dirty="0" err="1" smtClean="0">
+                <a:ln>
+                  <a:noFill/>
+                </a:ln>
+                <a:solidFill>
+                  <a:schemeClr val="tx1"/>
+                </a:solidFill>
+                <a:effectLst/>
+                <a:uLnTx/>
+                <a:uFillTx/>
+              </a:rPr>
+              <a:t>servlet</a:t>
+            </a:r>
+            <a:r>
+              <a:rPr kumimoji="0" lang="pt-BR" sz="1200" b="0" i="0" u="none" strike="noStrike" kern="0" cap="none" spc="0" normalizeH="0" baseline="0" dirty="0" smtClean="0">
+                <a:ln>
+                  <a:noFill/>
+                </a:ln>
+                <a:solidFill>
+                  <a:schemeClr val="tx1"/>
+                </a:solidFill>
+                <a:effectLst/>
+                <a:uLnTx/>
+                <a:uFillTx/>
+              </a:rPr>
+              <a:t>&gt;</a:t>
+            </a:r>
+          </a:p>
+          <a:p>
+            <a:pPr marL="1257300" lvl="2" indent="-342900">
+              <a:spcBef>
+                <a:spcPct val="20000"/>
+              </a:spcBef>
+              <a:buFont typeface="Arial"/>
+              <a:buChar char="•"/>
+              <a:defRPr lang="pt-BR"/>
+            </a:pPr>
+            <a:r>
+              <a:rPr kumimoji="0" lang="pt-BR" sz="1200" b="0" i="0" u="none" strike="noStrike" kern="0" cap="none" spc="0" normalizeH="0" baseline="0" dirty="0" smtClean="0">
+                <a:ln>
+                  <a:noFill/>
+                </a:ln>
+                <a:solidFill>
+                  <a:schemeClr val="tx1"/>
+                </a:solidFill>
+                <a:effectLst/>
+                <a:uLnTx/>
+                <a:uFillTx/>
+              </a:rPr>
+              <a:t>&lt;</a:t>
+            </a:r>
+            <a:r>
+              <a:rPr kumimoji="0" lang="pt-BR" sz="1200" b="0" i="0" u="none" strike="noStrike" kern="0" cap="none" spc="0" normalizeH="0" baseline="0" dirty="0" err="1" smtClean="0">
+                <a:ln>
+                  <a:noFill/>
+                </a:ln>
+                <a:solidFill>
+                  <a:schemeClr val="tx1"/>
+                </a:solidFill>
+                <a:effectLst/>
+                <a:uLnTx/>
+                <a:uFillTx/>
+              </a:rPr>
+              <a:t>servlet-name</a:t>
+            </a:r>
+            <a:r>
+              <a:rPr kumimoji="0" lang="pt-BR" sz="1200" b="0" i="0" u="none" strike="noStrike" kern="0" cap="none" spc="0" normalizeH="0" baseline="0" dirty="0" smtClean="0">
+                <a:ln>
+                  <a:noFill/>
+                </a:ln>
+                <a:solidFill>
+                  <a:schemeClr val="tx1"/>
+                </a:solidFill>
+                <a:effectLst/>
+                <a:uLnTx/>
+                <a:uFillTx/>
+              </a:rPr>
+              <a:t>&gt;</a:t>
+            </a:r>
+            <a:r>
+              <a:rPr kumimoji="0" lang="pt-BR" sz="1200" b="0" i="0" u="none" strike="noStrike" kern="0" cap="none" spc="0" normalizeH="0" baseline="0" dirty="0" err="1" smtClean="0">
+                <a:ln>
+                  <a:noFill/>
+                </a:ln>
+                <a:solidFill>
+                  <a:schemeClr val="tx1"/>
+                </a:solidFill>
+                <a:effectLst/>
+                <a:uLnTx/>
+                <a:uFillTx/>
+              </a:rPr>
+              <a:t>umServlet</a:t>
+            </a:r>
+            <a:r>
+              <a:rPr kumimoji="0" lang="pt-BR" sz="1200" b="0" i="0" u="none" strike="noStrike" kern="0" cap="none" spc="0" normalizeH="0" baseline="0" dirty="0" smtClean="0">
+                <a:ln>
+                  <a:noFill/>
+                </a:ln>
+                <a:solidFill>
+                  <a:schemeClr val="tx1"/>
+                </a:solidFill>
+                <a:effectLst/>
+                <a:uLnTx/>
+                <a:uFillTx/>
+              </a:rPr>
+              <a:t>&lt;/</a:t>
+            </a:r>
+            <a:r>
+              <a:rPr kumimoji="0" lang="pt-BR" sz="1200" b="0" i="0" u="none" strike="noStrike" kern="0" cap="none" spc="0" normalizeH="0" baseline="0" dirty="0" err="1" smtClean="0">
+                <a:ln>
+                  <a:noFill/>
+                </a:ln>
+                <a:solidFill>
+                  <a:schemeClr val="tx1"/>
+                </a:solidFill>
+                <a:effectLst/>
+                <a:uLnTx/>
+                <a:uFillTx/>
+              </a:rPr>
+              <a:t>servlet-name</a:t>
+            </a:r>
+            <a:r>
+              <a:rPr kumimoji="0" lang="pt-BR" sz="1200" b="0" i="0" u="none" strike="noStrike" kern="0" cap="none" spc="0" normalizeH="0" baseline="0" dirty="0" smtClean="0">
+                <a:ln>
+                  <a:noFill/>
+                </a:ln>
+                <a:solidFill>
+                  <a:schemeClr val="tx1"/>
+                </a:solidFill>
+                <a:effectLst/>
+                <a:uLnTx/>
+                <a:uFillTx/>
+              </a:rPr>
+              <a:t>&gt;</a:t>
+            </a:r>
+          </a:p>
+          <a:p>
+            <a:pPr marL="1257300" lvl="2" indent="-342900">
+              <a:spcBef>
+                <a:spcPct val="20000"/>
+              </a:spcBef>
+              <a:buFont typeface="Arial"/>
+              <a:buChar char="•"/>
+              <a:defRPr lang="pt-BR"/>
+            </a:pPr>
+            <a:r>
+              <a:rPr kumimoji="0" lang="pt-BR" sz="1200" b="0" i="0" u="none" strike="noStrike" kern="0" cap="none" spc="0" normalizeH="0" baseline="0" dirty="0" smtClean="0">
+                <a:ln>
+                  <a:noFill/>
+                </a:ln>
+                <a:solidFill>
+                  <a:schemeClr val="tx1"/>
+                </a:solidFill>
+                <a:effectLst/>
+                <a:uLnTx/>
+                <a:uFillTx/>
+              </a:rPr>
+              <a:t>&lt;</a:t>
+            </a:r>
+            <a:r>
+              <a:rPr kumimoji="0" lang="pt-BR" sz="1200" b="0" i="0" u="none" strike="noStrike" kern="0" cap="none" spc="0" normalizeH="0" baseline="0" dirty="0" err="1" smtClean="0">
+                <a:ln>
+                  <a:noFill/>
+                </a:ln>
+                <a:solidFill>
+                  <a:schemeClr val="tx1"/>
+                </a:solidFill>
+                <a:effectLst/>
+                <a:uLnTx/>
+                <a:uFillTx/>
+              </a:rPr>
+              <a:t>servlet-class</a:t>
+            </a:r>
+            <a:r>
+              <a:rPr kumimoji="0" lang="pt-BR" sz="1200" b="0" i="0" u="none" strike="noStrike" kern="0" cap="none" spc="0" normalizeH="0" baseline="0" dirty="0" smtClean="0">
+                <a:ln>
+                  <a:noFill/>
+                </a:ln>
+                <a:solidFill>
+                  <a:schemeClr val="tx1"/>
+                </a:solidFill>
+                <a:effectLst/>
+                <a:uLnTx/>
+                <a:uFillTx/>
+              </a:rPr>
+              <a:t>&gt;</a:t>
+            </a:r>
+            <a:r>
+              <a:rPr kumimoji="0" lang="pt-BR" sz="1200" b="0" i="0" u="none" strike="noStrike" kern="0" cap="none" spc="0" normalizeH="0" baseline="0" dirty="0" err="1" smtClean="0">
+                <a:ln>
+                  <a:noFill/>
+                </a:ln>
+                <a:solidFill>
+                  <a:schemeClr val="tx1"/>
+                </a:solidFill>
+                <a:effectLst/>
+                <a:uLnTx/>
+                <a:uFillTx/>
+              </a:rPr>
+              <a:t>pacote.subp.ServletWeb</a:t>
+            </a:r>
+            <a:r>
+              <a:rPr kumimoji="0" lang="pt-BR" sz="1200" b="0" i="0" u="none" strike="noStrike" kern="0" cap="none" spc="0" normalizeH="0" baseline="0" dirty="0" smtClean="0">
+                <a:ln>
+                  <a:noFill/>
+                </a:ln>
+                <a:solidFill>
+                  <a:schemeClr val="tx1"/>
+                </a:solidFill>
+                <a:effectLst/>
+                <a:uLnTx/>
+                <a:uFillTx/>
+              </a:rPr>
+              <a:t>&lt;/</a:t>
+            </a:r>
+            <a:r>
+              <a:rPr kumimoji="0" lang="pt-BR" sz="1200" b="0" i="0" u="none" strike="noStrike" kern="0" cap="none" spc="0" normalizeH="0" baseline="0" dirty="0" err="1" smtClean="0">
+                <a:ln>
+                  <a:noFill/>
+                </a:ln>
+                <a:solidFill>
+                  <a:schemeClr val="tx1"/>
+                </a:solidFill>
+                <a:effectLst/>
+                <a:uLnTx/>
+                <a:uFillTx/>
+              </a:rPr>
+              <a:t>servlet-class</a:t>
+            </a:r>
+            <a:r>
+              <a:rPr kumimoji="0" lang="pt-BR" sz="1200" b="0" i="0" u="none" strike="noStrike" kern="0" cap="none" spc="0" normalizeH="0" baseline="0" dirty="0" smtClean="0">
+                <a:ln>
+                  <a:noFill/>
+                </a:ln>
+                <a:solidFill>
+                  <a:schemeClr val="tx1"/>
+                </a:solidFill>
+                <a:effectLst/>
+                <a:uLnTx/>
+                <a:uFillTx/>
+              </a:rPr>
+              <a:t>&gt;</a:t>
+            </a:r>
+          </a:p>
+          <a:p>
+            <a:pPr marL="800100" lvl="1" indent="-342900">
+              <a:spcBef>
+                <a:spcPct val="20000"/>
+              </a:spcBef>
+              <a:buFont typeface="Arial"/>
+              <a:buChar char="•"/>
+              <a:defRPr lang="pt-BR"/>
+            </a:pPr>
+            <a:r>
+              <a:rPr kumimoji="0" lang="pt-BR" sz="1200" b="0" i="0" u="none" strike="noStrike" kern="0" cap="none" spc="0" normalizeH="0" baseline="0" dirty="0" smtClean="0">
+                <a:ln>
+                  <a:noFill/>
+                </a:ln>
+                <a:solidFill>
+                  <a:schemeClr val="tx1"/>
+                </a:solidFill>
+                <a:effectLst/>
+                <a:uLnTx/>
+                <a:uFillTx/>
+              </a:rPr>
+              <a:t>&lt;/</a:t>
+            </a:r>
+            <a:r>
+              <a:rPr kumimoji="0" lang="pt-BR" sz="1200" b="0" i="0" u="none" strike="noStrike" kern="0" cap="none" spc="0" normalizeH="0" baseline="0" dirty="0" err="1" smtClean="0">
+                <a:ln>
+                  <a:noFill/>
+                </a:ln>
+                <a:solidFill>
+                  <a:schemeClr val="tx1"/>
+                </a:solidFill>
+                <a:effectLst/>
+                <a:uLnTx/>
+                <a:uFillTx/>
+              </a:rPr>
+              <a:t>servlet</a:t>
+            </a:r>
+            <a:r>
+              <a:rPr kumimoji="0" lang="pt-BR" sz="1200" b="0" i="0" u="none" strike="noStrike" kern="0" cap="none" spc="0" normalizeH="0" baseline="0" dirty="0" smtClean="0">
+                <a:ln>
+                  <a:noFill/>
+                </a:ln>
+                <a:solidFill>
+                  <a:schemeClr val="tx1"/>
+                </a:solidFill>
+                <a:effectLst/>
+                <a:uLnTx/>
+                <a:uFillTx/>
+              </a:rPr>
+              <a:t>&gt;</a:t>
+            </a:r>
+          </a:p>
+          <a:p>
+            <a:pPr marL="800100" lvl="1" indent="-342900">
+              <a:spcBef>
+                <a:spcPct val="20000"/>
+              </a:spcBef>
+              <a:buFont typeface="Arial"/>
+              <a:buChar char="•"/>
+              <a:defRPr lang="pt-BR"/>
+            </a:pPr>
+            <a:r>
+              <a:rPr kumimoji="0" lang="pt-BR" sz="1200" b="0" i="0" u="none" strike="noStrike" kern="0" cap="none" spc="0" normalizeH="0" baseline="0" dirty="0" smtClean="0">
+                <a:ln>
+                  <a:noFill/>
+                </a:ln>
+                <a:solidFill>
+                  <a:schemeClr val="tx1"/>
+                </a:solidFill>
+                <a:effectLst/>
+                <a:uLnTx/>
+                <a:uFillTx/>
+              </a:rPr>
+              <a:t>&lt;</a:t>
+            </a:r>
+            <a:r>
+              <a:rPr kumimoji="0" lang="pt-BR" sz="1200" b="0" i="0" u="none" strike="noStrike" kern="0" cap="none" spc="0" normalizeH="0" baseline="0" dirty="0" err="1" smtClean="0">
+                <a:ln>
+                  <a:noFill/>
+                </a:ln>
+                <a:solidFill>
+                  <a:schemeClr val="tx1"/>
+                </a:solidFill>
+                <a:effectLst/>
+                <a:uLnTx/>
+                <a:uFillTx/>
+              </a:rPr>
+              <a:t>servlet-mapping</a:t>
+            </a:r>
+            <a:r>
+              <a:rPr kumimoji="0" lang="pt-BR" sz="1200" b="0" i="0" u="none" strike="noStrike" kern="0" cap="none" spc="0" normalizeH="0" baseline="0" dirty="0" smtClean="0">
+                <a:ln>
+                  <a:noFill/>
+                </a:ln>
+                <a:solidFill>
+                  <a:schemeClr val="tx1"/>
+                </a:solidFill>
+                <a:effectLst/>
+                <a:uLnTx/>
+                <a:uFillTx/>
+              </a:rPr>
+              <a:t>&gt;</a:t>
+            </a:r>
+          </a:p>
+          <a:p>
+            <a:pPr marL="1257300" lvl="2" indent="-342900">
+              <a:spcBef>
+                <a:spcPct val="20000"/>
+              </a:spcBef>
+              <a:buFont typeface="Arial"/>
+              <a:buChar char="•"/>
+              <a:defRPr lang="pt-BR"/>
+            </a:pPr>
+            <a:r>
+              <a:rPr kumimoji="0" lang="pt-BR" sz="1200" b="0" i="0" u="none" strike="noStrike" kern="0" cap="none" spc="0" normalizeH="0" baseline="0" dirty="0" smtClean="0">
+                <a:ln>
+                  <a:noFill/>
+                </a:ln>
+                <a:solidFill>
+                  <a:schemeClr val="tx1"/>
+                </a:solidFill>
+                <a:effectLst/>
+                <a:uLnTx/>
+                <a:uFillTx/>
+              </a:rPr>
+              <a:t>&lt;</a:t>
+            </a:r>
+            <a:r>
+              <a:rPr kumimoji="0" lang="pt-BR" sz="1200" b="0" i="0" u="none" strike="noStrike" kern="0" cap="none" spc="0" normalizeH="0" baseline="0" dirty="0" err="1" smtClean="0">
+                <a:ln>
+                  <a:noFill/>
+                </a:ln>
+                <a:solidFill>
+                  <a:schemeClr val="tx1"/>
+                </a:solidFill>
+                <a:effectLst/>
+                <a:uLnTx/>
+                <a:uFillTx/>
+              </a:rPr>
+              <a:t>servlet-name</a:t>
+            </a:r>
+            <a:r>
+              <a:rPr kumimoji="0" lang="pt-BR" sz="1200" b="0" i="0" u="none" strike="noStrike" kern="0" cap="none" spc="0" normalizeH="0" baseline="0" dirty="0" smtClean="0">
+                <a:ln>
+                  <a:noFill/>
+                </a:ln>
+                <a:solidFill>
+                  <a:schemeClr val="tx1"/>
+                </a:solidFill>
+                <a:effectLst/>
+                <a:uLnTx/>
+                <a:uFillTx/>
+              </a:rPr>
+              <a:t>&gt;</a:t>
+            </a:r>
+            <a:r>
+              <a:rPr kumimoji="0" lang="pt-BR" sz="1200" b="0" i="0" u="none" strike="noStrike" kern="0" cap="none" spc="0" normalizeH="0" baseline="0" dirty="0" err="1" smtClean="0">
+                <a:ln>
+                  <a:noFill/>
+                </a:ln>
+                <a:solidFill>
+                  <a:schemeClr val="tx1"/>
+                </a:solidFill>
+                <a:effectLst/>
+                <a:uLnTx/>
+                <a:uFillTx/>
+              </a:rPr>
+              <a:t>umServlet</a:t>
+            </a:r>
+            <a:r>
+              <a:rPr kumimoji="0" lang="pt-BR" sz="1200" b="0" i="0" u="none" strike="noStrike" kern="0" cap="none" spc="0" normalizeH="0" baseline="0" dirty="0" smtClean="0">
+                <a:ln>
+                  <a:noFill/>
+                </a:ln>
+                <a:solidFill>
+                  <a:schemeClr val="tx1"/>
+                </a:solidFill>
+                <a:effectLst/>
+                <a:uLnTx/>
+                <a:uFillTx/>
+              </a:rPr>
+              <a:t>&lt;/</a:t>
+            </a:r>
+            <a:r>
+              <a:rPr kumimoji="0" lang="pt-BR" sz="1200" b="0" i="0" u="none" strike="noStrike" kern="0" cap="none" spc="0" normalizeH="0" baseline="0" dirty="0" err="1" smtClean="0">
+                <a:ln>
+                  <a:noFill/>
+                </a:ln>
+                <a:solidFill>
+                  <a:schemeClr val="tx1"/>
+                </a:solidFill>
+                <a:effectLst/>
+                <a:uLnTx/>
+                <a:uFillTx/>
+              </a:rPr>
+              <a:t>servlet-name</a:t>
+            </a:r>
+            <a:r>
+              <a:rPr kumimoji="0" lang="pt-BR" sz="1200" b="0" i="0" u="none" strike="noStrike" kern="0" cap="none" spc="0" normalizeH="0" baseline="0" dirty="0" smtClean="0">
+                <a:ln>
+                  <a:noFill/>
+                </a:ln>
+                <a:solidFill>
+                  <a:schemeClr val="tx1"/>
+                </a:solidFill>
+                <a:effectLst/>
+                <a:uLnTx/>
+                <a:uFillTx/>
+              </a:rPr>
+              <a:t>&gt;</a:t>
+            </a:r>
+          </a:p>
+          <a:p>
+            <a:pPr marL="1257300" lvl="2" indent="-342900">
+              <a:spcBef>
+                <a:spcPct val="20000"/>
+              </a:spcBef>
+              <a:buFont typeface="Arial"/>
+              <a:buChar char="•"/>
+              <a:defRPr lang="pt-BR"/>
+            </a:pPr>
+            <a:r>
+              <a:rPr kumimoji="0" lang="pt-BR" sz="1200" b="0" i="0" u="none" strike="noStrike" kern="0" cap="none" spc="0" normalizeH="0" baseline="0" dirty="0" smtClean="0">
+                <a:ln>
+                  <a:noFill/>
+                </a:ln>
+                <a:solidFill>
+                  <a:schemeClr val="tx1"/>
+                </a:solidFill>
+                <a:effectLst/>
+                <a:uLnTx/>
+                <a:uFillTx/>
+              </a:rPr>
+              <a:t>&lt;</a:t>
+            </a:r>
+            <a:r>
+              <a:rPr kumimoji="0" lang="pt-BR" sz="1200" b="0" i="0" u="none" strike="noStrike" kern="0" cap="none" spc="0" normalizeH="0" baseline="0" dirty="0" err="1" smtClean="0">
+                <a:ln>
+                  <a:noFill/>
+                </a:ln>
+                <a:solidFill>
+                  <a:schemeClr val="tx1"/>
+                </a:solidFill>
+                <a:effectLst/>
+                <a:uLnTx/>
+                <a:uFillTx/>
+              </a:rPr>
+              <a:t>url-pattern</a:t>
+            </a:r>
+            <a:r>
+              <a:rPr kumimoji="0" lang="pt-BR" sz="1200" b="0" i="0" u="none" strike="noStrike" kern="0" cap="none" spc="0" normalizeH="0" baseline="0" dirty="0" smtClean="0">
+                <a:ln>
+                  <a:noFill/>
+                </a:ln>
+                <a:solidFill>
+                  <a:schemeClr val="tx1"/>
+                </a:solidFill>
+                <a:effectLst/>
+                <a:uLnTx/>
+                <a:uFillTx/>
+              </a:rPr>
+              <a:t>&gt;/</a:t>
+            </a:r>
+            <a:r>
+              <a:rPr kumimoji="0" lang="pt-BR" sz="1200" b="0" i="0" u="none" strike="noStrike" kern="0" cap="none" spc="0" normalizeH="0" baseline="0" dirty="0" err="1" smtClean="0">
+                <a:ln>
+                  <a:noFill/>
+                </a:ln>
+                <a:solidFill>
+                  <a:schemeClr val="tx1"/>
+                </a:solidFill>
+                <a:effectLst/>
+                <a:uLnTx/>
+                <a:uFillTx/>
+              </a:rPr>
+              <a:t>HelloServlet</a:t>
+            </a:r>
+            <a:r>
+              <a:rPr kumimoji="0" lang="pt-BR" sz="1200" b="0" i="0" u="none" strike="noStrike" kern="0" cap="none" spc="0" normalizeH="0" baseline="0" dirty="0" smtClean="0">
+                <a:ln>
+                  <a:noFill/>
+                </a:ln>
+                <a:solidFill>
+                  <a:schemeClr val="tx1"/>
+                </a:solidFill>
+                <a:effectLst/>
+                <a:uLnTx/>
+                <a:uFillTx/>
+              </a:rPr>
+              <a:t>&lt;/</a:t>
+            </a:r>
+            <a:r>
+              <a:rPr kumimoji="0" lang="pt-BR" sz="1200" b="0" i="0" u="none" strike="noStrike" kern="0" cap="none" spc="0" normalizeH="0" baseline="0" dirty="0" err="1" smtClean="0">
+                <a:ln>
+                  <a:noFill/>
+                </a:ln>
+                <a:solidFill>
+                  <a:schemeClr val="tx1"/>
+                </a:solidFill>
+                <a:effectLst/>
+                <a:uLnTx/>
+                <a:uFillTx/>
+              </a:rPr>
+              <a:t>url-pattern</a:t>
+            </a:r>
+            <a:r>
+              <a:rPr kumimoji="0" lang="pt-BR" sz="1200" b="0" i="0" u="none" strike="noStrike" kern="0" cap="none" spc="0" normalizeH="0" baseline="0" dirty="0" smtClean="0">
+                <a:ln>
+                  <a:noFill/>
+                </a:ln>
+                <a:solidFill>
+                  <a:schemeClr val="tx1"/>
+                </a:solidFill>
+                <a:effectLst/>
+                <a:uLnTx/>
+                <a:uFillTx/>
+              </a:rPr>
+              <a:t>&gt;</a:t>
+            </a:r>
+          </a:p>
+          <a:p>
+            <a:pPr marL="800100" lvl="1" indent="-342900">
+              <a:spcBef>
+                <a:spcPct val="20000"/>
+              </a:spcBef>
+              <a:buFont typeface="Arial"/>
+              <a:buChar char="•"/>
+              <a:defRPr lang="pt-BR"/>
+            </a:pPr>
+            <a:r>
+              <a:rPr kumimoji="0" lang="pt-BR" sz="1200" b="0" i="0" u="none" strike="noStrike" kern="0" cap="none" spc="0" normalizeH="0" baseline="0" dirty="0" smtClean="0">
+                <a:ln>
+                  <a:noFill/>
+                </a:ln>
+                <a:solidFill>
+                  <a:schemeClr val="tx1"/>
+                </a:solidFill>
+                <a:effectLst/>
+                <a:uLnTx/>
+                <a:uFillTx/>
+              </a:rPr>
+              <a:t>&lt;/</a:t>
+            </a:r>
+            <a:r>
+              <a:rPr kumimoji="0" lang="pt-BR" sz="1200" b="0" i="0" u="none" strike="noStrike" kern="0" cap="none" spc="0" normalizeH="0" baseline="0" dirty="0" err="1" smtClean="0">
+                <a:ln>
+                  <a:noFill/>
+                </a:ln>
+                <a:solidFill>
+                  <a:schemeClr val="tx1"/>
+                </a:solidFill>
+                <a:effectLst/>
+                <a:uLnTx/>
+                <a:uFillTx/>
+              </a:rPr>
+              <a:t>servlet-mapping</a:t>
+            </a:r>
+            <a:r>
+              <a:rPr kumimoji="0" lang="pt-BR" sz="1200" b="0" i="0" u="none" strike="noStrike" kern="0" cap="none" spc="0" normalizeH="0" baseline="0" dirty="0" smtClean="0">
+                <a:ln>
+                  <a:noFill/>
+                </a:ln>
+                <a:solidFill>
+                  <a:schemeClr val="tx1"/>
+                </a:solidFill>
+                <a:effectLst/>
+                <a:uLnTx/>
+                <a:uFillTx/>
+              </a:rPr>
+              <a:t>&gt;</a:t>
             </a:r>
           </a:p>
           <a:p>
@@ -2276,275 +5723,7 @@
               <a:buNone/>
               <a:defRPr lang="pt-BR"/>
             </a:pPr>
-            <a:r>
-              <a:rPr lang="pt-BR" sz="1200" dirty="0"/>
-              <a:t>•  </a:t>
-            </a:r>
-            <a:r>
-              <a:rPr lang="pt-BR" dirty="0" err="1"/>
-              <a:t>String</a:t>
-            </a:r>
-            <a:r>
-              <a:rPr lang="pt-BR" dirty="0"/>
-              <a:t> </a:t>
-            </a:r>
-            <a:r>
-              <a:rPr lang="pt-BR" dirty="0" err="1"/>
-              <a:t>getHeader</a:t>
-            </a:r>
-            <a:r>
-              <a:rPr lang="pt-BR" dirty="0"/>
-              <a:t>("nome") - obtém primeiro valor do cabeçalho </a:t>
-            </a:r>
-          </a:p>
-          <a:p>
-            <a:pPr marL="457200" lvl="1" indent="0">
-              <a:spcBef>
-                <a:spcPct val="20000"/>
-              </a:spcBef>
-              <a:buFont typeface="Arial"/>
-              <a:buNone/>
-              <a:defRPr lang="pt-BR"/>
-            </a:pPr>
-            <a:r>
-              <a:rPr lang="pt-BR" dirty="0"/>
-              <a:t>• </a:t>
-            </a:r>
-            <a:r>
-              <a:rPr lang="pt-BR" dirty="0" err="1"/>
-              <a:t>Enumeration</a:t>
-            </a:r>
-            <a:r>
-              <a:rPr lang="pt-BR" dirty="0"/>
-              <a:t> </a:t>
-            </a:r>
-            <a:r>
-              <a:rPr lang="pt-BR" dirty="0" err="1"/>
-              <a:t>getHeaders</a:t>
-            </a:r>
-            <a:r>
-              <a:rPr lang="pt-BR" dirty="0"/>
-              <a:t>("nome") - todos os valores do cabeçalho </a:t>
-            </a:r>
-          </a:p>
-          <a:p>
-            <a:pPr marL="457200" lvl="1" indent="0">
-              <a:spcBef>
-                <a:spcPct val="20000"/>
-              </a:spcBef>
-              <a:buFont typeface="Arial"/>
-              <a:buNone/>
-              <a:defRPr lang="pt-BR"/>
-            </a:pPr>
-            <a:r>
-              <a:rPr lang="pt-BR" dirty="0"/>
-              <a:t>• </a:t>
-            </a:r>
-            <a:r>
-              <a:rPr lang="pt-BR" dirty="0" err="1"/>
-              <a:t>String</a:t>
-            </a:r>
-            <a:r>
-              <a:rPr lang="pt-BR" dirty="0"/>
-              <a:t> </a:t>
-            </a:r>
-            <a:r>
-              <a:rPr lang="pt-BR" dirty="0" err="1"/>
-              <a:t>getParameter</a:t>
-            </a:r>
-            <a:r>
-              <a:rPr lang="pt-BR" dirty="0"/>
-              <a:t>(param) - obtém parâmetro HTTP </a:t>
-            </a:r>
-          </a:p>
-          <a:p>
-            <a:pPr marL="457200" lvl="1" indent="0">
-              <a:spcBef>
-                <a:spcPct val="20000"/>
-              </a:spcBef>
-              <a:buFont typeface="Arial"/>
-              <a:buNone/>
-              <a:defRPr lang="pt-BR"/>
-            </a:pPr>
-            <a:r>
-              <a:rPr lang="pt-BR" dirty="0"/>
-              <a:t>• </a:t>
-            </a:r>
-            <a:r>
-              <a:rPr lang="pt-BR" dirty="0" err="1"/>
-              <a:t>String</a:t>
-            </a:r>
-            <a:r>
-              <a:rPr lang="pt-BR" dirty="0"/>
-              <a:t>[] </a:t>
-            </a:r>
-            <a:r>
-              <a:rPr lang="pt-BR" dirty="0" err="1"/>
-              <a:t>getParameterValues</a:t>
-            </a:r>
-            <a:r>
-              <a:rPr lang="pt-BR" dirty="0"/>
-              <a:t>(param) - obtém parâmetros repetidos </a:t>
-            </a:r>
-          </a:p>
-          <a:p>
-            <a:pPr marL="457200" lvl="1" indent="0">
-              <a:spcBef>
-                <a:spcPct val="20000"/>
-              </a:spcBef>
-              <a:buFont typeface="Arial"/>
-              <a:buNone/>
-              <a:defRPr lang="pt-BR"/>
-            </a:pPr>
-            <a:r>
-              <a:rPr lang="pt-BR" dirty="0"/>
-              <a:t>• </a:t>
-            </a:r>
-            <a:r>
-              <a:rPr lang="pt-BR" dirty="0" err="1"/>
-              <a:t>Enumeration</a:t>
-            </a:r>
-            <a:r>
-              <a:rPr lang="pt-BR" dirty="0"/>
-              <a:t> </a:t>
-            </a:r>
-            <a:r>
-              <a:rPr lang="pt-BR" dirty="0" err="1"/>
-              <a:t>getParameterNames</a:t>
-            </a:r>
-            <a:r>
-              <a:rPr lang="pt-BR" dirty="0"/>
-              <a:t>() - obtém nomes dos parâmetros </a:t>
-            </a:r>
-          </a:p>
-          <a:p>
-            <a:pPr marL="457200" lvl="1" indent="0">
-              <a:spcBef>
-                <a:spcPct val="20000"/>
-              </a:spcBef>
-              <a:buFont typeface="Arial"/>
-              <a:buNone/>
-              <a:defRPr lang="pt-BR"/>
-            </a:pPr>
-            <a:r>
-              <a:rPr lang="pt-BR" dirty="0"/>
-              <a:t>• Cookie[] </a:t>
-            </a:r>
-            <a:r>
-              <a:rPr lang="pt-BR" dirty="0" err="1"/>
-              <a:t>getCookies</a:t>
-            </a:r>
-            <a:r>
-              <a:rPr lang="pt-BR" dirty="0"/>
-              <a:t>() - recebe cookies do cliente </a:t>
-            </a:r>
-          </a:p>
-          <a:p>
-            <a:pPr marL="457200" lvl="1" indent="0">
-              <a:spcBef>
-                <a:spcPct val="20000"/>
-              </a:spcBef>
-              <a:buFont typeface="Arial"/>
-              <a:buNone/>
-              <a:defRPr lang="pt-BR"/>
-            </a:pPr>
-            <a:r>
-              <a:rPr lang="pt-BR" dirty="0"/>
-              <a:t>• </a:t>
-            </a:r>
-            <a:r>
-              <a:rPr lang="pt-BR" dirty="0" err="1"/>
-              <a:t>HttpSession</a:t>
-            </a:r>
-            <a:r>
-              <a:rPr lang="pt-BR" dirty="0"/>
-              <a:t> </a:t>
-            </a:r>
-            <a:r>
-              <a:rPr lang="pt-BR" dirty="0" err="1"/>
-              <a:t>getSession</a:t>
-            </a:r>
-            <a:r>
-              <a:rPr lang="pt-BR" dirty="0"/>
-              <a:t>() - retorna a sessão </a:t>
-            </a:r>
-          </a:p>
-          <a:p>
-            <a:pPr marL="457200" lvl="1" indent="0">
-              <a:spcBef>
-                <a:spcPct val="20000"/>
-              </a:spcBef>
-              <a:buFont typeface="Arial"/>
-              <a:buNone/>
-              <a:defRPr lang="pt-BR"/>
-            </a:pPr>
-            <a:r>
-              <a:rPr lang="pt-BR" dirty="0"/>
-              <a:t>• </a:t>
-            </a:r>
-            <a:r>
-              <a:rPr lang="pt-BR" dirty="0" err="1"/>
-              <a:t>void</a:t>
-            </a:r>
-            <a:r>
-              <a:rPr lang="pt-BR" dirty="0"/>
-              <a:t> </a:t>
-            </a:r>
-            <a:r>
-              <a:rPr lang="pt-BR" dirty="0" err="1"/>
-              <a:t>setAttribute</a:t>
-            </a:r>
-            <a:r>
-              <a:rPr lang="pt-BR" dirty="0"/>
-              <a:t>("nome", </a:t>
-            </a:r>
-            <a:r>
-              <a:rPr lang="pt-BR" dirty="0" err="1"/>
-              <a:t>obj</a:t>
-            </a:r>
-            <a:r>
-              <a:rPr lang="pt-BR" dirty="0"/>
-              <a:t>) - define um atributo </a:t>
-            </a:r>
-            <a:r>
-              <a:rPr lang="pt-BR" dirty="0" err="1"/>
-              <a:t>obj</a:t>
-            </a:r>
-            <a:r>
-              <a:rPr lang="pt-BR" dirty="0"/>
-              <a:t> chamado "nome". </a:t>
-            </a:r>
-          </a:p>
-          <a:p>
-            <a:pPr marL="457200" lvl="1" indent="0">
-              <a:spcBef>
-                <a:spcPct val="20000"/>
-              </a:spcBef>
-              <a:buFont typeface="Arial"/>
-              <a:buNone/>
-              <a:defRPr lang="pt-BR"/>
-            </a:pPr>
-            <a:r>
-              <a:rPr lang="pt-BR" dirty="0"/>
-              <a:t>• </a:t>
-            </a:r>
-            <a:r>
-              <a:rPr lang="pt-BR" dirty="0" err="1"/>
-              <a:t>Object</a:t>
-            </a:r>
-            <a:r>
-              <a:rPr lang="pt-BR" dirty="0"/>
-              <a:t> </a:t>
-            </a:r>
-            <a:r>
-              <a:rPr lang="pt-BR" dirty="0" err="1"/>
-              <a:t>getAttribute</a:t>
-            </a:r>
-            <a:r>
-              <a:rPr lang="pt-BR" dirty="0"/>
-              <a:t>("nome") - recupera atributo chamado nome</a:t>
-            </a:r>
-            <a:endParaRPr kumimoji="0" lang="pt-BR" sz="1200" b="0" i="0" u="none" strike="noStrike" kern="0" cap="none" spc="0" normalizeH="0" baseline="0" dirty="0">
+            <a:endParaRPr kumimoji="0" lang="pt-BR" sz="1200" b="0" i="0" u="none" strike="noStrike" kern="0" cap="none" spc="0" normalizeH="0" baseline="0" dirty="0" smtClean="0">
               <a:ln>
                 <a:noFill/>
               </a:ln>
@@ -2555,521 +5734,6 @@
               <a:uLnTx/>
               <a:uFillTx/>
             </a:endParaRPr>
-          </a:p>
-          <a:p>
-            <a:pPr marL="342900" lvl="0" indent="-342900">
-              <a:spcBef>
-                <a:spcPct val="20000"/>
-              </a:spcBef>
-              <a:buFont typeface="Arial"/>
-              <a:buChar char="•"/>
-              <a:defRPr lang="pt-BR"/>
-            </a:pPr>
-            <a:endParaRPr kumimoji="0" lang="pt-BR" sz="1200" b="0" i="0" u="none" strike="noStrike" kern="0" cap="none" spc="0" normalizeH="0" baseline="0" dirty="0">
-              <a:ln>
-                <a:noFill/>
-              </a:ln>
-              <a:solidFill>
-                <a:schemeClr val="tx1"/>
-              </a:solidFill>
-              <a:effectLst/>
-              <a:uLnTx/>
-              <a:uFillTx/>
-            </a:endParaRPr>
-          </a:p>
-          <a:p>
-            <a:pPr marL="342900" lvl="0" indent="-342900">
-              <a:spcBef>
-                <a:spcPct val="20000"/>
-              </a:spcBef>
-              <a:buFont typeface="Arial"/>
-              <a:buChar char="•"/>
-              <a:defRPr lang="pt-BR"/>
-            </a:pPr>
-            <a:r>
-              <a:rPr kumimoji="0" lang="pt-BR" sz="1200" b="0" i="0" u="none" strike="noStrike" kern="0" cap="none" spc="0" normalizeH="0" baseline="0" dirty="0">
-                <a:ln>
-                  <a:noFill/>
-                </a:ln>
-                <a:solidFill>
-                  <a:schemeClr val="tx1"/>
-                </a:solidFill>
-                <a:effectLst/>
-                <a:uLnTx/>
-                <a:uFillTx/>
-              </a:rPr>
-              <a:t>Resposta:</a:t>
-            </a:r>
-          </a:p>
-          <a:p>
-            <a:pPr marL="457200" lvl="1" indent="0">
-              <a:spcBef>
-                <a:spcPct val="20000"/>
-              </a:spcBef>
-              <a:buFont typeface="Arial"/>
-              <a:buNone/>
-              <a:defRPr lang="pt-BR"/>
-            </a:pPr>
-            <a:r>
-              <a:rPr kumimoji="0" lang="pt-BR" sz="1200" b="0" i="0" u="none" strike="noStrike" kern="0" cap="none" spc="0" normalizeH="0" baseline="0" dirty="0">
-                <a:ln>
-                  <a:noFill/>
-                </a:ln>
-                <a:solidFill>
-                  <a:schemeClr val="tx1"/>
-                </a:solidFill>
-                <a:effectLst/>
-                <a:uLnTx/>
-                <a:uFillTx/>
-              </a:rPr>
-              <a:t>São dados referente a resposta do servidor</a:t>
-            </a:r>
-          </a:p>
-          <a:p>
-            <a:pPr marL="457200" lvl="1" indent="0">
-              <a:spcBef>
-                <a:spcPct val="20000"/>
-              </a:spcBef>
-              <a:buFont typeface="Arial"/>
-              <a:buNone/>
-              <a:defRPr lang="pt-BR"/>
-            </a:pPr>
-            <a:endParaRPr kumimoji="0" lang="pt-BR" sz="1200" b="0" i="0" u="none" strike="noStrike" kern="0" cap="none" spc="0" normalizeH="0" baseline="0" dirty="0">
-              <a:ln>
-                <a:noFill/>
-              </a:ln>
-              <a:solidFill>
-                <a:schemeClr val="tx1"/>
-              </a:solidFill>
-              <a:effectLst/>
-              <a:uLnTx/>
-              <a:uFillTx/>
-            </a:endParaRPr>
-          </a:p>
-          <a:p>
-            <a:pPr marL="457200" lvl="1" indent="0">
-              <a:spcBef>
-                <a:spcPct val="20000"/>
-              </a:spcBef>
-              <a:buFont typeface="Arial"/>
-              <a:buNone/>
-              <a:defRPr lang="pt-BR"/>
-            </a:pPr>
-            <a:r>
-              <a:rPr lang="pt-BR" dirty="0"/>
-              <a:t>Os métodos de </a:t>
-            </a:r>
-            <a:r>
-              <a:rPr lang="pt-BR" dirty="0" err="1"/>
-              <a:t>HttpServletResponse</a:t>
-            </a:r>
-            <a:r>
-              <a:rPr lang="pt-BR" dirty="0"/>
-              <a:t> permitem construir um cabeçalho. Alguns dos principais métodos estão listados abaixo:</a:t>
-            </a:r>
-          </a:p>
-          <a:p>
-            <a:pPr marL="457200" lvl="1" indent="0">
-              <a:spcBef>
-                <a:spcPct val="20000"/>
-              </a:spcBef>
-              <a:buFont typeface="Arial"/>
-              <a:buNone/>
-              <a:defRPr lang="pt-BR"/>
-            </a:pPr>
-            <a:r>
-              <a:rPr lang="pt-BR" dirty="0"/>
-              <a:t>• </a:t>
-            </a:r>
-            <a:r>
-              <a:rPr lang="pt-BR" dirty="0" err="1"/>
-              <a:t>void</a:t>
-            </a:r>
-            <a:r>
-              <a:rPr lang="pt-BR" dirty="0"/>
-              <a:t> </a:t>
-            </a:r>
-            <a:r>
-              <a:rPr lang="pt-BR" dirty="0" err="1"/>
-              <a:t>addHeader</a:t>
-            </a:r>
-            <a:r>
-              <a:rPr lang="pt-BR" dirty="0"/>
-              <a:t>(</a:t>
-            </a:r>
-            <a:r>
-              <a:rPr lang="pt-BR" dirty="0" err="1"/>
-              <a:t>String</a:t>
-            </a:r>
-            <a:r>
-              <a:rPr lang="pt-BR" dirty="0"/>
-              <a:t> nome, </a:t>
-            </a:r>
-            <a:r>
-              <a:rPr lang="pt-BR" dirty="0" err="1"/>
-              <a:t>String</a:t>
-            </a:r>
-            <a:r>
-              <a:rPr lang="pt-BR" dirty="0"/>
-              <a:t> valor) -adiciona cabeçalho HTTP </a:t>
-            </a:r>
-          </a:p>
-          <a:p>
-            <a:pPr marL="457200" lvl="1" indent="0">
-              <a:spcBef>
-                <a:spcPct val="20000"/>
-              </a:spcBef>
-              <a:buFont typeface="Arial"/>
-              <a:buNone/>
-              <a:defRPr lang="pt-BR"/>
-            </a:pPr>
-            <a:r>
-              <a:rPr lang="pt-BR" dirty="0"/>
-              <a:t>• </a:t>
-            </a:r>
-            <a:r>
-              <a:rPr lang="pt-BR" dirty="0" err="1"/>
-              <a:t>void</a:t>
-            </a:r>
-            <a:r>
-              <a:rPr lang="pt-BR" dirty="0"/>
-              <a:t> </a:t>
-            </a:r>
-            <a:r>
-              <a:rPr lang="pt-BR" dirty="0" err="1"/>
-              <a:t>setContentType</a:t>
-            </a:r>
-            <a:r>
-              <a:rPr lang="pt-BR" dirty="0"/>
-              <a:t>(tipo MIME) - define o tipo MIME que será usado para gerar a saída (</a:t>
-            </a:r>
-            <a:r>
-              <a:rPr lang="pt-BR" dirty="0" err="1"/>
-              <a:t>text</a:t>
-            </a:r>
-            <a:r>
-              <a:rPr lang="pt-BR" dirty="0"/>
-              <a:t>/</a:t>
-            </a:r>
-            <a:r>
-              <a:rPr lang="pt-BR" dirty="0" err="1"/>
-              <a:t>html</a:t>
-            </a:r>
-            <a:r>
-              <a:rPr lang="pt-BR" dirty="0"/>
-              <a:t>, </a:t>
-            </a:r>
-            <a:r>
-              <a:rPr lang="pt-BR" dirty="0" err="1"/>
-              <a:t>image</a:t>
-            </a:r>
-            <a:r>
-              <a:rPr lang="pt-BR" dirty="0"/>
-              <a:t>/gif, etc.) </a:t>
-            </a:r>
-          </a:p>
-          <a:p>
-            <a:pPr marL="457200" lvl="1" indent="0">
-              <a:spcBef>
-                <a:spcPct val="20000"/>
-              </a:spcBef>
-              <a:buFont typeface="Arial"/>
-              <a:buNone/>
-              <a:defRPr lang="pt-BR"/>
-            </a:pPr>
-            <a:r>
-              <a:rPr lang="pt-BR" dirty="0"/>
-              <a:t>• </a:t>
-            </a:r>
-            <a:r>
-              <a:rPr lang="pt-BR" dirty="0" err="1"/>
-              <a:t>void</a:t>
-            </a:r>
-            <a:r>
-              <a:rPr lang="pt-BR" dirty="0"/>
-              <a:t> </a:t>
-            </a:r>
-            <a:r>
-              <a:rPr lang="pt-BR" dirty="0" err="1"/>
-              <a:t>sendRedirect</a:t>
-            </a:r>
-            <a:r>
-              <a:rPr lang="pt-BR" dirty="0"/>
-              <a:t>(</a:t>
-            </a:r>
-            <a:r>
-              <a:rPr lang="pt-BR" dirty="0" err="1"/>
-              <a:t>String</a:t>
-            </a:r>
-            <a:r>
-              <a:rPr lang="pt-BR" dirty="0"/>
-              <a:t> </a:t>
-            </a:r>
-            <a:r>
-              <a:rPr lang="pt-BR" dirty="0" err="1"/>
-              <a:t>location</a:t>
-            </a:r>
-            <a:r>
-              <a:rPr lang="pt-BR" dirty="0"/>
-              <a:t>) - envia informação de redirecionamento para o cliente (mesmo que enviar o cabeçalho </a:t>
-            </a:r>
-            <a:r>
-              <a:rPr lang="pt-BR" dirty="0" err="1"/>
-              <a:t>Location</a:t>
-            </a:r>
-            <a:r>
-              <a:rPr lang="pt-BR" dirty="0"/>
-              <a:t>: </a:t>
-            </a:r>
-            <a:r>
-              <a:rPr lang="pt-BR" dirty="0" err="1"/>
-              <a:t>url</a:t>
-            </a:r>
-            <a:r>
-              <a:rPr lang="pt-BR" dirty="0"/>
-              <a:t>) </a:t>
-            </a:r>
-          </a:p>
-          <a:p>
-            <a:pPr marL="457200" lvl="1" indent="0">
-              <a:spcBef>
-                <a:spcPct val="20000"/>
-              </a:spcBef>
-              <a:buFont typeface="Arial"/>
-              <a:buNone/>
-              <a:defRPr lang="pt-BR"/>
-            </a:pPr>
-            <a:r>
-              <a:rPr lang="pt-BR" dirty="0"/>
-              <a:t>• Writer </a:t>
-            </a:r>
-            <a:r>
-              <a:rPr lang="pt-BR" dirty="0" err="1"/>
-              <a:t>getWriter</a:t>
-            </a:r>
-            <a:r>
-              <a:rPr lang="pt-BR" dirty="0"/>
-              <a:t>() - obtém um Writer para gerar a saída. Ideal para saída de texto. </a:t>
-            </a:r>
-          </a:p>
-          <a:p>
-            <a:pPr marL="457200" lvl="1" indent="0">
-              <a:spcBef>
-                <a:spcPct val="20000"/>
-              </a:spcBef>
-              <a:buFont typeface="Arial"/>
-              <a:buNone/>
-              <a:defRPr lang="pt-BR"/>
-            </a:pPr>
-            <a:r>
-              <a:rPr lang="pt-BR" dirty="0"/>
-              <a:t>• </a:t>
-            </a:r>
-            <a:r>
-              <a:rPr lang="pt-BR" dirty="0" err="1"/>
-              <a:t>OutputStream</a:t>
-            </a:r>
-            <a:r>
-              <a:rPr lang="pt-BR" dirty="0"/>
-              <a:t> </a:t>
-            </a:r>
-            <a:r>
-              <a:rPr lang="pt-BR" dirty="0" err="1"/>
-              <a:t>getOutputStream</a:t>
-            </a:r>
-            <a:r>
-              <a:rPr lang="pt-BR" dirty="0"/>
-              <a:t>() - obtém um </a:t>
-            </a:r>
-            <a:r>
-              <a:rPr lang="pt-BR" dirty="0" err="1"/>
-              <a:t>OutputStream</a:t>
-            </a:r>
-            <a:r>
-              <a:rPr lang="pt-BR" dirty="0"/>
-              <a:t>. Ideal para gerar formatos diferentes de texto (imagens, etc.) </a:t>
-            </a:r>
-          </a:p>
-          <a:p>
-            <a:pPr marL="457200" lvl="1" indent="0">
-              <a:spcBef>
-                <a:spcPct val="20000"/>
-              </a:spcBef>
-              <a:buFont typeface="Arial"/>
-              <a:buNone/>
-              <a:defRPr lang="pt-BR"/>
-            </a:pPr>
-            <a:r>
-              <a:rPr lang="pt-BR" dirty="0"/>
-              <a:t>• </a:t>
-            </a:r>
-            <a:r>
-              <a:rPr lang="pt-BR" dirty="0" err="1"/>
-              <a:t>void</a:t>
-            </a:r>
-            <a:r>
-              <a:rPr lang="pt-BR" dirty="0"/>
-              <a:t> </a:t>
-            </a:r>
-            <a:r>
-              <a:rPr lang="pt-BR" dirty="0" err="1"/>
-              <a:t>addCookie</a:t>
-            </a:r>
-            <a:r>
-              <a:rPr lang="pt-BR" dirty="0"/>
-              <a:t>(Cookie c) -adiciona um novo cookie </a:t>
-            </a:r>
-          </a:p>
-          <a:p>
-            <a:pPr marL="457200" lvl="1" indent="0">
-              <a:spcBef>
-                <a:spcPct val="20000"/>
-              </a:spcBef>
-              <a:buFont typeface="Arial"/>
-              <a:buNone/>
-              <a:defRPr lang="pt-BR"/>
-            </a:pPr>
-            <a:r>
-              <a:rPr lang="pt-BR" dirty="0"/>
-              <a:t>• </a:t>
-            </a:r>
-            <a:r>
-              <a:rPr lang="pt-BR" dirty="0" err="1"/>
-              <a:t>void</a:t>
-            </a:r>
-            <a:r>
-              <a:rPr lang="pt-BR" dirty="0"/>
-              <a:t> </a:t>
-            </a:r>
-            <a:r>
-              <a:rPr lang="pt-BR" dirty="0" err="1"/>
-              <a:t>encodeURL</a:t>
-            </a:r>
-            <a:r>
-              <a:rPr lang="pt-BR" dirty="0"/>
-              <a:t>(</a:t>
-            </a:r>
-            <a:r>
-              <a:rPr lang="pt-BR" dirty="0" err="1"/>
-              <a:t>String</a:t>
-            </a:r>
-            <a:r>
-              <a:rPr lang="pt-BR" dirty="0"/>
-              <a:t> </a:t>
-            </a:r>
-            <a:r>
-              <a:rPr lang="pt-BR" dirty="0" err="1"/>
-              <a:t>url</a:t>
-            </a:r>
-            <a:r>
-              <a:rPr lang="pt-BR" dirty="0"/>
-              <a:t>) - envia como anexo da URL a informação de identificador de sessão (</a:t>
-            </a:r>
-            <a:r>
-              <a:rPr lang="pt-BR" dirty="0" err="1"/>
-              <a:t>sessionid</a:t>
-            </a:r>
-            <a:r>
-              <a:rPr lang="pt-BR" dirty="0"/>
-              <a:t>) </a:t>
-            </a:r>
-          </a:p>
-          <a:p>
-            <a:pPr marL="457200" lvl="1" indent="0">
-              <a:spcBef>
-                <a:spcPct val="20000"/>
-              </a:spcBef>
-              <a:buFont typeface="Arial"/>
-              <a:buNone/>
-              <a:defRPr lang="pt-BR"/>
-            </a:pPr>
-            <a:r>
-              <a:rPr lang="pt-BR" dirty="0"/>
-              <a:t>• </a:t>
-            </a:r>
-            <a:r>
-              <a:rPr lang="pt-BR" dirty="0" err="1"/>
-              <a:t>void</a:t>
-            </a:r>
-            <a:r>
-              <a:rPr lang="pt-BR" dirty="0"/>
-              <a:t> reset() - limpa toda a saída inclusive os cabeçalhos </a:t>
-            </a:r>
-          </a:p>
-          <a:p>
-            <a:pPr marL="457200" lvl="1" indent="0">
-              <a:spcBef>
-                <a:spcPct val="20000"/>
-              </a:spcBef>
-              <a:buFont typeface="Arial"/>
-              <a:buNone/>
-              <a:defRPr lang="pt-BR"/>
-            </a:pPr>
-            <a:r>
-              <a:rPr lang="pt-BR" dirty="0"/>
-              <a:t>• </a:t>
-            </a:r>
-            <a:r>
-              <a:rPr lang="pt-BR" dirty="0" err="1"/>
-              <a:t>void</a:t>
-            </a:r>
-            <a:r>
-              <a:rPr lang="pt-BR" dirty="0"/>
-              <a:t> </a:t>
-            </a:r>
-            <a:r>
-              <a:rPr lang="pt-BR" dirty="0" err="1"/>
-              <a:t>resetBuffer</a:t>
-            </a:r>
-            <a:r>
-              <a:rPr lang="pt-BR" dirty="0"/>
-              <a:t>() - limpa toda a saída, exceto cabeçalhos</a:t>
-            </a:r>
-          </a:p>
-          <a:p>
-            <a:pPr marL="457200" lvl="1" indent="0">
-              <a:spcBef>
-                <a:spcPct val="20000"/>
-              </a:spcBef>
-              <a:buFont typeface="Arial"/>
-              <a:buNone/>
-              <a:defRPr lang="pt-BR"/>
-            </a:pPr>
-            <a:endParaRPr kumimoji="0" lang="pt-BR" sz="1200" b="0" i="0" u="none" strike="noStrike" kern="0" cap="none" spc="0" normalizeH="0" baseline="0" dirty="0">
-              <a:ln>
-                <a:noFill/>
-              </a:ln>
-              <a:solidFill>
-                <a:schemeClr val="tx1"/>
-              </a:solidFill>
-              <a:effectLst/>
-              <a:uLnTx/>
-              <a:uFillTx/>
-            </a:endParaRPr>
-          </a:p>
-          <a:p>
-            <a:pPr marL="457200" lvl="1" indent="0">
-              <a:spcBef>
-                <a:spcPct val="20000"/>
-              </a:spcBef>
-              <a:buFont typeface="Arial"/>
-              <a:buNone/>
-              <a:defRPr lang="pt-BR"/>
-            </a:pPr>
-            <a:r>
-              <a:rPr kumimoji="0" lang="pt-BR" sz="1200" b="0" i="0" u="none" strike="noStrike" kern="0" cap="none" spc="0" normalizeH="0" baseline="0" dirty="0">
-                <a:ln>
-                  <a:noFill/>
-                </a:ln>
-                <a:solidFill>
-                  <a:schemeClr val="tx1"/>
-                </a:solidFill>
-                <a:effectLst/>
-                <a:uLnTx/>
-                <a:uFillTx/>
-              </a:rPr>
-              <a:t>Criar um exemplo !</a:t>
-            </a:r>
           </a:p>
         </p:txBody>
       </p:sp>
@@ -3149,8 +5813,58 @@
           <a:bodyPr/>
           <a:lstStyle/>
           <a:p>
-            <a:r>
-              <a:rPr lang="pt-BR" sz="1200" b="0" i="0" u="none" strike="noStrike" kern="1200" baseline="0" dirty="0">
+            <a:pPr marL="342900" lvl="0" indent="-342900">
+              <a:spcBef>
+                <a:spcPct val="20000"/>
+              </a:spcBef>
+              <a:buFont typeface="Arial"/>
+              <a:buChar char="•"/>
+              <a:defRPr lang="pt-BR"/>
+            </a:pPr>
+            <a:r>
+              <a:rPr kumimoji="0" lang="pt-BR" sz="1200" b="0" i="0" u="none" strike="noStrike" kern="0" cap="none" spc="0" normalizeH="0" baseline="0" dirty="0">
+                <a:ln>
+                  <a:noFill/>
+                </a:ln>
+                <a:solidFill>
+                  <a:schemeClr val="tx1"/>
+                </a:solidFill>
+                <a:effectLst/>
+                <a:uLnTx/>
+                <a:uFillTx/>
+              </a:rPr>
+              <a:t>A classe </a:t>
+            </a:r>
+            <a:r>
+              <a:rPr kumimoji="0" lang="pt-BR" sz="1200" b="0" i="0" u="none" strike="noStrike" kern="0" cap="none" spc="0" normalizeH="0" baseline="0" dirty="0" err="1">
+                <a:ln>
+                  <a:noFill/>
+                </a:ln>
+                <a:solidFill>
+                  <a:schemeClr val="tx1"/>
+                </a:solidFill>
+                <a:effectLst/>
+                <a:uLnTx/>
+                <a:uFillTx/>
+              </a:rPr>
+              <a:t>HttpServlet</a:t>
+            </a:r>
+            <a:r>
+              <a:rPr kumimoji="0" lang="pt-BR" sz="1200" b="0" i="0" u="none" strike="noStrike" kern="0" cap="none" spc="0" normalizeH="0" baseline="0" dirty="0">
+                <a:ln>
+                  <a:noFill/>
+                </a:ln>
+                <a:solidFill>
+                  <a:schemeClr val="tx1"/>
+                </a:solidFill>
+                <a:effectLst/>
+                <a:uLnTx/>
+                <a:uFillTx/>
+              </a:rPr>
+              <a:t> tem um método chamado </a:t>
+            </a:r>
+            <a:r>
+              <a:rPr lang="pt-BR" sz="1200" b="0" i="1" u="none" strike="noStrike" kern="1200" baseline="0" dirty="0" err="1">
                 <a:solidFill>
                   <a:schemeClr val="tx1"/>
                 </a:solidFill>
@@ -3158,10 +5872,10 @@
                 <a:ea typeface="+mn-ea"/>
                 <a:cs typeface="+mn-cs"/>
               </a:rPr>
-              <a:t>O </a:t>
-            </a:r>
-            <a:r>
-              <a:rPr lang="pt-BR" sz="1200" b="0" i="0" u="none" strike="noStrike" kern="1200" baseline="0" dirty="0" err="1">
+              <a:t>service</a:t>
+            </a:r>
+            <a:r>
+              <a:rPr lang="pt-BR" sz="1200" b="0" i="1" u="none" strike="noStrike" kern="1200" baseline="0" dirty="0">
                 <a:solidFill>
                   <a:schemeClr val="tx1"/>
                 </a:solidFill>
@@ -3169,7 +5883,7 @@
                 <a:ea typeface="+mn-ea"/>
                 <a:cs typeface="+mn-cs"/>
               </a:rPr>
-              <a:t>servlet</a:t>
+              <a:t>()</a:t>
             </a:r>
             <a:r>
               <a:rPr lang="pt-BR" sz="1200" b="0" i="0" u="none" strike="noStrike" kern="1200" baseline="0" dirty="0">
@@ -3180,12 +5894,10 @@
                 <a:ea typeface="+mn-ea"/>
                 <a:cs typeface="+mn-cs"/>
               </a:rPr>
-              <a:t> permanece ativo até que seja destruído (isto depende de política do container ou</a:t>
-            </a:r>
-          </a:p>
-          <a:p>
-            <a:r>
-              <a:rPr lang="pt-BR" sz="1200" b="0" i="0" u="none" strike="noStrike" kern="1200" baseline="0" dirty="0">
+              <a:t> que dependendo da requisição ele redireciona para o método em questão, por isso nós reescrevemos o os métodos em nosso </a:t>
+            </a:r>
+            <a:r>
+              <a:rPr lang="pt-BR" sz="1200" b="0" i="0" u="none" strike="noStrike" kern="1200" baseline="0" dirty="0" err="1">
                 <a:solidFill>
                   <a:schemeClr val="tx1"/>
                 </a:solidFill>
@@ -3193,10 +5905,29 @@
                 <a:ea typeface="+mn-ea"/>
                 <a:cs typeface="+mn-cs"/>
               </a:rPr>
-              <a:t>servidor).</a:t>
-            </a:r>
-          </a:p>
-          <a:p>
+              <a:t>WebServlet</a:t>
+            </a:r>
+            <a:r>
+              <a:rPr lang="pt-BR" sz="1200" b="0" i="0" u="none" strike="noStrike" kern="1200" baseline="0" dirty="0">
+                <a:solidFill>
+                  <a:schemeClr val="tx1"/>
+                </a:solidFill>
+                <a:latin typeface="+mn-lt"/>
+                <a:ea typeface="+mn-ea"/>
+                <a:cs typeface="+mn-cs"/>
+              </a:rPr>
+              <a:t>.</a:t>
+            </a:r>
+          </a:p>
+          <a:p>
+            <a:pPr marL="342900" lvl="0" indent="-342900">
+              <a:spcBef>
+                <a:spcPct val="20000"/>
+              </a:spcBef>
+              <a:buFont typeface="Arial"/>
+              <a:buChar char="•"/>
+              <a:defRPr lang="pt-BR"/>
+            </a:pPr>
             <a:endParaRPr kumimoji="0" lang="pt-BR" sz="1200" b="0" i="0" u="none" strike="noStrike" kern="1200" cap="none" spc="0" normalizeH="0" baseline="0" dirty="0">
               <a:ln>
                 <a:noFill/>
@@ -3213,6 +5944,38 @@
             </a:endParaRPr>
           </a:p>
           <a:p>
+            <a:pPr marL="342900" lvl="0" indent="-342900">
+              <a:spcBef>
+                <a:spcPct val="20000"/>
+              </a:spcBef>
+              <a:buFont typeface="Arial"/>
+              <a:buChar char="•"/>
+              <a:defRPr lang="pt-BR"/>
+            </a:pPr>
+            <a:endParaRPr kumimoji="0" lang="pt-BR" sz="1200" b="0" i="0" u="none" strike="noStrike" kern="1200" cap="none" spc="0" normalizeH="0" baseline="0" dirty="0">
+              <a:ln>
+                <a:noFill/>
+              </a:ln>
+              <a:solidFill>
+                <a:schemeClr val="tx1"/>
+              </a:solidFill>
+              <a:effectLst/>
+              <a:uLnTx/>
+              <a:uFillTx/>
+              <a:latin typeface="+mn-lt"/>
+              <a:ea typeface="+mn-ea"/>
+              <a:cs typeface="+mn-cs"/>
+            </a:endParaRPr>
+          </a:p>
+          <a:p>
+            <a:pPr marL="0" lvl="0" indent="0">
+              <a:spcBef>
+                <a:spcPct val="20000"/>
+              </a:spcBef>
+              <a:buFont typeface="Arial"/>
+              <a:buNone/>
+              <a:defRPr lang="pt-BR"/>
+            </a:pPr>
             <a:r>
               <a:rPr kumimoji="0" lang="pt-BR" sz="1200" b="0" i="0" u="none" strike="noStrike" kern="1200" cap="none" spc="0" normalizeH="0" baseline="0" dirty="0">
                 <a:ln>
@@ -3228,7 +5991,7 @@
                 <a:ea typeface="+mn-ea"/>
                 <a:cs typeface="+mn-cs"/>
               </a:rPr>
-              <a:t>- Criar um exemplo.</a:t>
+              <a:t>Mostrar na prática !</a:t>
             </a:r>
             <a:endParaRPr kumimoji="0" lang="pt-BR" sz="1200" b="0" i="0" u="none" strike="noStrike" kern="0" cap="none" spc="0" normalizeH="0" baseline="0" dirty="0">
               <a:ln>
@@ -3317,10 +6080,112 @@
         </p:nvSpPr>
         <p:spPr/>
         <p:txBody>
-          <a:bodyPr/>
+          <a:bodyPr>
+            <a:normAutofit fontScale="47500" lnSpcReduction="20000"/>
+          </a:bodyPr>
           <a:lstStyle/>
           <a:p>
-            <a:pPr marL="0" lvl="0" indent="0">
+            <a:pPr marL="342900" lvl="0" indent="-342900">
+              <a:spcBef>
+                <a:spcPct val="20000"/>
+              </a:spcBef>
+              <a:buFont typeface="Arial"/>
+              <a:buChar char="•"/>
+              <a:defRPr lang="pt-BR"/>
+            </a:pPr>
+            <a:r>
+              <a:rPr lang="pt-BR" sz="2400" kern="0" dirty="0"/>
+              <a:t>Requisição: </a:t>
+            </a:r>
+          </a:p>
+          <a:p>
+            <a:pPr lvl="1">
+              <a:spcBef>
+                <a:spcPct val="20000"/>
+              </a:spcBef>
+              <a:defRPr lang="pt-BR"/>
+            </a:pPr>
+            <a:r>
+              <a:rPr lang="pt-BR" sz="2400" kern="0" dirty="0"/>
+              <a:t>São os dados referente a requisição feita pelo cliente</a:t>
+            </a:r>
+          </a:p>
+          <a:p>
+            <a:pPr lvl="1">
+              <a:spcBef>
+                <a:spcPct val="20000"/>
+              </a:spcBef>
+              <a:defRPr lang="pt-BR"/>
+            </a:pPr>
+            <a:endParaRPr lang="pt-BR" sz="2400" kern="0" dirty="0"/>
+          </a:p>
+          <a:p>
+            <a:pPr lvl="1">
+              <a:spcBef>
+                <a:spcPct val="20000"/>
+              </a:spcBef>
+              <a:defRPr lang="pt-BR"/>
+            </a:pPr>
+            <a:r>
+              <a:rPr lang="pt-BR" sz="2400" dirty="0"/>
+              <a:t>Os métodos de </a:t>
+            </a:r>
+            <a:r>
+              <a:rPr lang="pt-BR" sz="2400" dirty="0" err="1"/>
+              <a:t>HttpServletRequest</a:t>
+            </a:r>
+            <a:r>
+              <a:rPr lang="pt-BR" sz="2400" dirty="0"/>
+              <a:t> permitem extrair informações de qual quer cabeçalho. Pode-se também identificar o método e URL. Estas e outras informações sobre a requisição podem ser obtidas através dos métodos do objeto </a:t>
+            </a:r>
+            <a:r>
+              <a:rPr lang="pt-BR" sz="2400" dirty="0" err="1"/>
+              <a:t>HttpServletRequest</a:t>
+            </a:r>
+            <a:r>
+              <a:rPr lang="pt-BR" sz="2400" dirty="0"/>
+              <a:t>. Alguns deles estão listados abaixo: </a:t>
+            </a:r>
+          </a:p>
+          <a:p>
+            <a:pPr lvl="1">
+              <a:spcBef>
+                <a:spcPct val="20000"/>
+              </a:spcBef>
+              <a:defRPr lang="pt-BR"/>
+            </a:pPr>
+            <a:endParaRPr lang="pt-BR" sz="2400" dirty="0"/>
+          </a:p>
+          <a:p>
+            <a:pPr lvl="1">
+              <a:spcBef>
+                <a:spcPct val="20000"/>
+              </a:spcBef>
+              <a:defRPr lang="pt-BR"/>
+            </a:pPr>
+            <a:r>
+              <a:rPr lang="pt-BR" sz="2400" dirty="0"/>
+              <a:t>• </a:t>
+            </a:r>
+            <a:r>
+              <a:rPr lang="pt-BR" sz="2400" dirty="0" err="1"/>
+              <a:t>Enumeration</a:t>
+            </a:r>
+            <a:r>
+              <a:rPr lang="pt-BR" sz="2400" dirty="0"/>
+              <a:t> </a:t>
+            </a:r>
+            <a:r>
+              <a:rPr lang="pt-BR" sz="2400" dirty="0" err="1"/>
+              <a:t>getHeaderNames</a:t>
+            </a:r>
+            <a:r>
+              <a:rPr lang="pt-BR" sz="2400" dirty="0"/>
+              <a:t>() - obtém nomes dos cabeçalhos</a:t>
+            </a:r>
+          </a:p>
+          <a:p>
+            <a:pPr marL="457200" lvl="1" indent="0">
               <a:spcBef>
                 <a:spcPct val="20000"/>
               </a:spcBef>
@@ -3329,45 +6194,28 @@
               <a:defRPr lang="pt-BR"/>
             </a:pPr>
             <a:r>
-              <a:rPr lang="pt-BR" sz="1200" b="1" i="0" kern="1200" dirty="0">
-                <a:solidFill>
-                  <a:schemeClr val="tx1"/>
-                </a:solidFill>
-                <a:effectLst/>
-                <a:latin typeface="+mn-lt"/>
-                <a:ea typeface="+mn-ea"/>
-                <a:cs typeface="+mn-cs"/>
-              </a:rPr>
-              <a:t>GET </a:t>
-            </a:r>
-            <a:r>
-              <a:rPr lang="pt-BR" sz="1200" b="1" i="0" kern="1200" dirty="0">
-                <a:solidFill>
-                  <a:schemeClr val="tx1"/>
-                </a:solidFill>
-                <a:effectLst/>
-                <a:latin typeface="+mn-lt"/>
-                <a:ea typeface="+mn-ea"/>
-                <a:cs typeface="+mn-cs"/>
-                <a:sym typeface="Wingdings" panose="05000000000000000000" pitchFamily="2" charset="2"/>
-              </a:rPr>
-              <a:t></a:t>
-            </a:r>
-            <a:r>
-              <a:rPr lang="pt-BR" sz="1200" b="0" i="0" kern="1200" dirty="0">
-                <a:solidFill>
-                  <a:schemeClr val="tx1"/>
-                </a:solidFill>
-                <a:effectLst/>
-                <a:latin typeface="+mn-lt"/>
-                <a:ea typeface="+mn-ea"/>
-                <a:cs typeface="+mn-cs"/>
-              </a:rPr>
-              <a:t> Método que solicita algum recurso ou objeto ao servidor. Nesse verbo os parâmetros são passados via URL.</a:t>
-            </a:r>
-          </a:p>
-          <a:p>
-            <a:pPr marL="0" lvl="0" indent="0">
+              <a:rPr lang="pt-BR" sz="1200" dirty="0"/>
+              <a:t>•  </a:t>
+            </a:r>
+            <a:r>
+              <a:rPr lang="pt-BR" dirty="0" err="1"/>
+              <a:t>String</a:t>
+            </a:r>
+            <a:r>
+              <a:rPr lang="pt-BR" dirty="0"/>
+              <a:t> </a:t>
+            </a:r>
+            <a:r>
+              <a:rPr lang="pt-BR" dirty="0" err="1"/>
+              <a:t>getHeader</a:t>
+            </a:r>
+            <a:r>
+              <a:rPr lang="pt-BR" dirty="0"/>
+              <a:t>("nome") - obtém primeiro valor do cabeçalho </a:t>
+            </a:r>
+          </a:p>
+          <a:p>
+            <a:pPr marL="457200" lvl="1" indent="0">
               <a:spcBef>
                 <a:spcPct val="20000"/>
               </a:spcBef>
@@ -3376,45 +6224,28 @@
               <a:defRPr lang="pt-BR"/>
             </a:pPr>
             <a:r>
-              <a:rPr lang="pt-BR" sz="1200" b="1" i="0" kern="1200" dirty="0">
-                <a:solidFill>
-                  <a:schemeClr val="tx1"/>
-                </a:solidFill>
-                <a:effectLst/>
-                <a:latin typeface="+mn-lt"/>
-                <a:ea typeface="+mn-ea"/>
-                <a:cs typeface="+mn-cs"/>
-              </a:rPr>
-              <a:t>POST </a:t>
-            </a:r>
-            <a:r>
-              <a:rPr lang="pt-BR" sz="1200" b="0" i="0" kern="1200" dirty="0">
-                <a:solidFill>
-                  <a:schemeClr val="tx1"/>
-                </a:solidFill>
-                <a:effectLst/>
-                <a:latin typeface="+mn-lt"/>
-                <a:ea typeface="+mn-ea"/>
-                <a:cs typeface="+mn-cs"/>
-                <a:sym typeface="Wingdings" panose="05000000000000000000" pitchFamily="2" charset="2"/>
-              </a:rPr>
-              <a:t></a:t>
-            </a:r>
-            <a:r>
-              <a:rPr lang="pt-BR" sz="1200" b="0" i="0" kern="1200" dirty="0">
-                <a:solidFill>
-                  <a:schemeClr val="tx1"/>
-                </a:solidFill>
-                <a:effectLst/>
-                <a:latin typeface="+mn-lt"/>
-                <a:ea typeface="+mn-ea"/>
-                <a:cs typeface="+mn-cs"/>
-              </a:rPr>
-              <a:t> Método usado para envio de arquivo/dados ou formulário HTML ao servidor. Dados são enviados via formulário, dentro do corpo da requisição.</a:t>
-            </a:r>
-          </a:p>
-          <a:p>
-            <a:pPr marL="0" lvl="0" indent="0">
+              <a:rPr lang="pt-BR" dirty="0"/>
+              <a:t>• </a:t>
+            </a:r>
+            <a:r>
+              <a:rPr lang="pt-BR" dirty="0" err="1"/>
+              <a:t>Enumeration</a:t>
+            </a:r>
+            <a:r>
+              <a:rPr lang="pt-BR" dirty="0"/>
+              <a:t> </a:t>
+            </a:r>
+            <a:r>
+              <a:rPr lang="pt-BR" dirty="0" err="1"/>
+              <a:t>getHeaders</a:t>
+            </a:r>
+            <a:r>
+              <a:rPr lang="pt-BR" dirty="0"/>
+              <a:t>("nome") - todos os valores do cabeçalho </a:t>
+            </a:r>
+          </a:p>
+          <a:p>
+            <a:pPr marL="457200" lvl="1" indent="0">
               <a:spcBef>
                 <a:spcPct val="20000"/>
               </a:spcBef>
@@ -3422,15 +6253,740 @@
               <a:buNone/>
               <a:defRPr lang="pt-BR"/>
             </a:pPr>
-            <a:endParaRPr lang="pt-BR" sz="1200" b="0" i="0" kern="1200" dirty="0">
+            <a:r>
+              <a:rPr lang="pt-BR" dirty="0"/>
+              <a:t>• </a:t>
+            </a:r>
+            <a:r>
+              <a:rPr lang="pt-BR" dirty="0" err="1"/>
+              <a:t>String</a:t>
+            </a:r>
+            <a:r>
+              <a:rPr lang="pt-BR" dirty="0"/>
+              <a:t> </a:t>
+            </a:r>
+            <a:r>
+              <a:rPr lang="pt-BR" dirty="0" err="1"/>
+              <a:t>getParameter</a:t>
+            </a:r>
+            <a:r>
+              <a:rPr lang="pt-BR" dirty="0"/>
+              <a:t>(param) - obtém parâmetro HTTP </a:t>
+            </a:r>
+          </a:p>
+          <a:p>
+            <a:pPr marL="457200" lvl="1" indent="0">
+              <a:spcBef>
+                <a:spcPct val="20000"/>
+              </a:spcBef>
+              <a:buFont typeface="Arial"/>
+              <a:buNone/>
+              <a:defRPr lang="pt-BR"/>
+            </a:pPr>
+            <a:r>
+              <a:rPr lang="pt-BR" dirty="0"/>
+              <a:t>• </a:t>
+            </a:r>
+            <a:r>
+              <a:rPr lang="pt-BR" dirty="0" err="1"/>
+              <a:t>String</a:t>
+            </a:r>
+            <a:r>
+              <a:rPr lang="pt-BR" dirty="0"/>
+              <a:t>[] </a:t>
+            </a:r>
+            <a:r>
+              <a:rPr lang="pt-BR" dirty="0" err="1"/>
+              <a:t>getParameterValues</a:t>
+            </a:r>
+            <a:r>
+              <a:rPr lang="pt-BR" dirty="0"/>
+              <a:t>(param) - obtém parâmetros repetidos </a:t>
+            </a:r>
+          </a:p>
+          <a:p>
+            <a:pPr marL="457200" lvl="1" indent="0">
+              <a:spcBef>
+                <a:spcPct val="20000"/>
+              </a:spcBef>
+              <a:buFont typeface="Arial"/>
+              <a:buNone/>
+              <a:defRPr lang="pt-BR"/>
+            </a:pPr>
+            <a:r>
+              <a:rPr lang="pt-BR" dirty="0"/>
+              <a:t>• </a:t>
+            </a:r>
+            <a:r>
+              <a:rPr lang="pt-BR" dirty="0" err="1"/>
+              <a:t>Enumeration</a:t>
+            </a:r>
+            <a:r>
+              <a:rPr lang="pt-BR" dirty="0"/>
+              <a:t> </a:t>
+            </a:r>
+            <a:r>
+              <a:rPr lang="pt-BR" dirty="0" err="1"/>
+              <a:t>getParameterNames</a:t>
+            </a:r>
+            <a:r>
+              <a:rPr lang="pt-BR" dirty="0"/>
+              <a:t>() - obtém nomes dos parâmetros </a:t>
+            </a:r>
+          </a:p>
+          <a:p>
+            <a:pPr marL="457200" lvl="1" indent="0">
+              <a:spcBef>
+                <a:spcPct val="20000"/>
+              </a:spcBef>
+              <a:buFont typeface="Arial"/>
+              <a:buNone/>
+              <a:defRPr lang="pt-BR"/>
+            </a:pPr>
+            <a:r>
+              <a:rPr lang="pt-BR" dirty="0"/>
+              <a:t>• Cookie[] </a:t>
+            </a:r>
+            <a:r>
+              <a:rPr lang="pt-BR" dirty="0" err="1"/>
+              <a:t>getCookies</a:t>
+            </a:r>
+            <a:r>
+              <a:rPr lang="pt-BR" dirty="0"/>
+              <a:t>() - recebe cookies do cliente </a:t>
+            </a:r>
+          </a:p>
+          <a:p>
+            <a:pPr marL="457200" lvl="1" indent="0">
+              <a:spcBef>
+                <a:spcPct val="20000"/>
+              </a:spcBef>
+              <a:buFont typeface="Arial"/>
+              <a:buNone/>
+              <a:defRPr lang="pt-BR"/>
+            </a:pPr>
+            <a:r>
+              <a:rPr lang="pt-BR" dirty="0"/>
+              <a:t>• </a:t>
+            </a:r>
+            <a:r>
+              <a:rPr lang="pt-BR" dirty="0" err="1"/>
+              <a:t>HttpSession</a:t>
+            </a:r>
+            <a:r>
+              <a:rPr lang="pt-BR" dirty="0"/>
+              <a:t> </a:t>
+            </a:r>
+            <a:r>
+              <a:rPr lang="pt-BR" dirty="0" err="1"/>
+              <a:t>getSession</a:t>
+            </a:r>
+            <a:r>
+              <a:rPr lang="pt-BR" dirty="0"/>
+              <a:t>() - retorna a sessão </a:t>
+            </a:r>
+          </a:p>
+          <a:p>
+            <a:pPr marL="457200" lvl="1" indent="0">
+              <a:spcBef>
+                <a:spcPct val="20000"/>
+              </a:spcBef>
+              <a:buFont typeface="Arial"/>
+              <a:buNone/>
+              <a:defRPr lang="pt-BR"/>
+            </a:pPr>
+            <a:r>
+              <a:rPr lang="pt-BR" dirty="0"/>
+              <a:t>• </a:t>
+            </a:r>
+            <a:r>
+              <a:rPr lang="pt-BR" dirty="0" err="1"/>
+              <a:t>void</a:t>
+            </a:r>
+            <a:r>
+              <a:rPr lang="pt-BR" dirty="0"/>
+              <a:t> </a:t>
+            </a:r>
+            <a:r>
+              <a:rPr lang="pt-BR" dirty="0" err="1"/>
+              <a:t>setAttribute</a:t>
+            </a:r>
+            <a:r>
+              <a:rPr lang="pt-BR" dirty="0"/>
+              <a:t>("nome", </a:t>
+            </a:r>
+            <a:r>
+              <a:rPr lang="pt-BR" dirty="0" err="1"/>
+              <a:t>obj</a:t>
+            </a:r>
+            <a:r>
+              <a:rPr lang="pt-BR" dirty="0"/>
+              <a:t>) - define um atributo </a:t>
+            </a:r>
+            <a:r>
+              <a:rPr lang="pt-BR" dirty="0" err="1"/>
+              <a:t>obj</a:t>
+            </a:r>
+            <a:r>
+              <a:rPr lang="pt-BR" dirty="0"/>
+              <a:t> chamado "nome". </a:t>
+            </a:r>
+          </a:p>
+          <a:p>
+            <a:pPr marL="457200" lvl="1" indent="0">
+              <a:spcBef>
+                <a:spcPct val="20000"/>
+              </a:spcBef>
+              <a:buFont typeface="Arial"/>
+              <a:buNone/>
+              <a:defRPr lang="pt-BR"/>
+            </a:pPr>
+            <a:r>
+              <a:rPr lang="pt-BR" dirty="0"/>
+              <a:t>• </a:t>
+            </a:r>
+            <a:r>
+              <a:rPr lang="pt-BR" dirty="0" err="1"/>
+              <a:t>Object</a:t>
+            </a:r>
+            <a:r>
+              <a:rPr lang="pt-BR" dirty="0"/>
+              <a:t> </a:t>
+            </a:r>
+            <a:r>
+              <a:rPr lang="pt-BR" dirty="0" err="1"/>
+              <a:t>getAttribute</a:t>
+            </a:r>
+            <a:r>
+              <a:rPr lang="pt-BR" dirty="0"/>
+              <a:t>("nome") - recupera atributo chamado nome</a:t>
+            </a:r>
+            <a:endParaRPr kumimoji="0" lang="pt-BR" sz="1200" b="0" i="0" u="none" strike="noStrike" kern="0" cap="none" spc="0" normalizeH="0" baseline="0" dirty="0">
+              <a:ln>
+                <a:noFill/>
+              </a:ln>
               <a:solidFill>
                 <a:schemeClr val="tx1"/>
               </a:solidFill>
               <a:effectLst/>
-              <a:latin typeface="+mn-lt"/>
-              <a:ea typeface="+mn-ea"/>
-              <a:cs typeface="+mn-cs"/>
+              <a:uLnTx/>
+              <a:uFillTx/>
             </a:endParaRPr>
+          </a:p>
+          <a:p>
+            <a:pPr marL="342900" lvl="0" indent="-342900">
+              <a:spcBef>
+                <a:spcPct val="20000"/>
+              </a:spcBef>
+              <a:buFont typeface="Arial"/>
+              <a:buChar char="•"/>
+              <a:defRPr lang="pt-BR"/>
+            </a:pPr>
+            <a:endParaRPr kumimoji="0" lang="pt-BR" sz="1200" b="0" i="0" u="none" strike="noStrike" kern="0" cap="none" spc="0" normalizeH="0" baseline="0" dirty="0">
+              <a:ln>
+                <a:noFill/>
+              </a:ln>
+              <a:solidFill>
+                <a:schemeClr val="tx1"/>
+              </a:solidFill>
+              <a:effectLst/>
+              <a:uLnTx/>
+              <a:uFillTx/>
+            </a:endParaRPr>
+          </a:p>
+          <a:p>
+            <a:pPr marL="342900" lvl="0" indent="-342900">
+              <a:spcBef>
+                <a:spcPct val="20000"/>
+              </a:spcBef>
+              <a:buFont typeface="Arial"/>
+              <a:buChar char="•"/>
+              <a:defRPr lang="pt-BR"/>
+            </a:pPr>
+            <a:r>
+              <a:rPr kumimoji="0" lang="pt-BR" sz="1200" b="0" i="0" u="none" strike="noStrike" kern="0" cap="none" spc="0" normalizeH="0" baseline="0" dirty="0">
+                <a:ln>
+                  <a:noFill/>
+                </a:ln>
+                <a:solidFill>
+                  <a:schemeClr val="tx1"/>
+                </a:solidFill>
+                <a:effectLst/>
+                <a:uLnTx/>
+                <a:uFillTx/>
+              </a:rPr>
+              <a:t>Resposta:</a:t>
+            </a:r>
+          </a:p>
+          <a:p>
+            <a:pPr marL="457200" lvl="1" indent="0">
+              <a:spcBef>
+                <a:spcPct val="20000"/>
+              </a:spcBef>
+              <a:buFont typeface="Arial"/>
+              <a:buNone/>
+              <a:defRPr lang="pt-BR"/>
+            </a:pPr>
+            <a:r>
+              <a:rPr kumimoji="0" lang="pt-BR" sz="1200" b="0" i="0" u="none" strike="noStrike" kern="0" cap="none" spc="0" normalizeH="0" baseline="0" dirty="0">
+                <a:ln>
+                  <a:noFill/>
+                </a:ln>
+                <a:solidFill>
+                  <a:schemeClr val="tx1"/>
+                </a:solidFill>
+                <a:effectLst/>
+                <a:uLnTx/>
+                <a:uFillTx/>
+              </a:rPr>
+              <a:t>São dados referente a resposta do servidor</a:t>
+            </a:r>
+          </a:p>
+          <a:p>
+            <a:pPr marL="457200" lvl="1" indent="0">
+              <a:spcBef>
+                <a:spcPct val="20000"/>
+              </a:spcBef>
+              <a:buFont typeface="Arial"/>
+              <a:buNone/>
+              <a:defRPr lang="pt-BR"/>
+            </a:pPr>
+            <a:endParaRPr kumimoji="0" lang="pt-BR" sz="1200" b="0" i="0" u="none" strike="noStrike" kern="0" cap="none" spc="0" normalizeH="0" baseline="0" dirty="0">
+              <a:ln>
+                <a:noFill/>
+              </a:ln>
+              <a:solidFill>
+                <a:schemeClr val="tx1"/>
+              </a:solidFill>
+              <a:effectLst/>
+              <a:uLnTx/>
+              <a:uFillTx/>
+            </a:endParaRPr>
+          </a:p>
+          <a:p>
+            <a:pPr marL="457200" lvl="1" indent="0">
+              <a:spcBef>
+                <a:spcPct val="20000"/>
+              </a:spcBef>
+              <a:buFont typeface="Arial"/>
+              <a:buNone/>
+              <a:defRPr lang="pt-BR"/>
+            </a:pPr>
+            <a:r>
+              <a:rPr lang="pt-BR" dirty="0"/>
+              <a:t>Os métodos de </a:t>
+            </a:r>
+            <a:r>
+              <a:rPr lang="pt-BR" dirty="0" err="1"/>
+              <a:t>HttpServletResponse</a:t>
+            </a:r>
+            <a:r>
+              <a:rPr lang="pt-BR" dirty="0"/>
+              <a:t> permitem construir um cabeçalho. Alguns dos principais métodos estão listados abaixo:</a:t>
+            </a:r>
+          </a:p>
+          <a:p>
+            <a:pPr marL="457200" lvl="1" indent="0">
+              <a:spcBef>
+                <a:spcPct val="20000"/>
+              </a:spcBef>
+              <a:buFont typeface="Arial"/>
+              <a:buNone/>
+              <a:defRPr lang="pt-BR"/>
+            </a:pPr>
+            <a:r>
+              <a:rPr lang="pt-BR" dirty="0"/>
+              <a:t>• </a:t>
+            </a:r>
+            <a:r>
+              <a:rPr lang="pt-BR" dirty="0" err="1"/>
+              <a:t>void</a:t>
+            </a:r>
+            <a:r>
+              <a:rPr lang="pt-BR" dirty="0"/>
+              <a:t> </a:t>
+            </a:r>
+            <a:r>
+              <a:rPr lang="pt-BR" dirty="0" err="1"/>
+              <a:t>addHeader</a:t>
+            </a:r>
+            <a:r>
+              <a:rPr lang="pt-BR" dirty="0"/>
+              <a:t>(</a:t>
+            </a:r>
+            <a:r>
+              <a:rPr lang="pt-BR" dirty="0" err="1"/>
+              <a:t>String</a:t>
+            </a:r>
+            <a:r>
+              <a:rPr lang="pt-BR" dirty="0"/>
+              <a:t> nome, </a:t>
+            </a:r>
+            <a:r>
+              <a:rPr lang="pt-BR" dirty="0" err="1"/>
+              <a:t>String</a:t>
+            </a:r>
+            <a:r>
+              <a:rPr lang="pt-BR" dirty="0"/>
+              <a:t> valor) -adiciona cabeçalho HTTP </a:t>
+            </a:r>
+          </a:p>
+          <a:p>
+            <a:pPr marL="457200" lvl="1" indent="0">
+              <a:spcBef>
+                <a:spcPct val="20000"/>
+              </a:spcBef>
+              <a:buFont typeface="Arial"/>
+              <a:buNone/>
+              <a:defRPr lang="pt-BR"/>
+            </a:pPr>
+            <a:r>
+              <a:rPr lang="pt-BR" dirty="0"/>
+              <a:t>• </a:t>
+            </a:r>
+            <a:r>
+              <a:rPr lang="pt-BR" dirty="0" err="1"/>
+              <a:t>void</a:t>
+            </a:r>
+            <a:r>
+              <a:rPr lang="pt-BR" dirty="0"/>
+              <a:t> </a:t>
+            </a:r>
+            <a:r>
+              <a:rPr lang="pt-BR" dirty="0" err="1"/>
+              <a:t>setContentType</a:t>
+            </a:r>
+            <a:r>
+              <a:rPr lang="pt-BR" dirty="0"/>
+              <a:t>(tipo MIME) - define o tipo MIME que será usado para gerar a saída (</a:t>
+            </a:r>
+            <a:r>
+              <a:rPr lang="pt-BR" dirty="0" err="1"/>
+              <a:t>text</a:t>
+            </a:r>
+            <a:r>
+              <a:rPr lang="pt-BR" dirty="0"/>
+              <a:t>/</a:t>
+            </a:r>
+            <a:r>
+              <a:rPr lang="pt-BR" dirty="0" err="1"/>
+              <a:t>html</a:t>
+            </a:r>
+            <a:r>
+              <a:rPr lang="pt-BR" dirty="0"/>
+              <a:t>, </a:t>
+            </a:r>
+            <a:r>
+              <a:rPr lang="pt-BR" dirty="0" err="1"/>
+              <a:t>image</a:t>
+            </a:r>
+            <a:r>
+              <a:rPr lang="pt-BR" dirty="0"/>
+              <a:t>/gif, etc.) </a:t>
+            </a:r>
+          </a:p>
+          <a:p>
+            <a:pPr marL="457200" lvl="1" indent="0">
+              <a:spcBef>
+                <a:spcPct val="20000"/>
+              </a:spcBef>
+              <a:buFont typeface="Arial"/>
+              <a:buNone/>
+              <a:defRPr lang="pt-BR"/>
+            </a:pPr>
+            <a:r>
+              <a:rPr lang="pt-BR" dirty="0"/>
+              <a:t>• </a:t>
+            </a:r>
+            <a:r>
+              <a:rPr lang="pt-BR" dirty="0" err="1"/>
+              <a:t>void</a:t>
+            </a:r>
+            <a:r>
+              <a:rPr lang="pt-BR" dirty="0"/>
+              <a:t> </a:t>
+            </a:r>
+            <a:r>
+              <a:rPr lang="pt-BR" dirty="0" err="1"/>
+              <a:t>sendRedirect</a:t>
+            </a:r>
+            <a:r>
+              <a:rPr lang="pt-BR" dirty="0"/>
+              <a:t>(</a:t>
+            </a:r>
+            <a:r>
+              <a:rPr lang="pt-BR" dirty="0" err="1"/>
+              <a:t>String</a:t>
+            </a:r>
+            <a:r>
+              <a:rPr lang="pt-BR" dirty="0"/>
+              <a:t> </a:t>
+            </a:r>
+            <a:r>
+              <a:rPr lang="pt-BR" dirty="0" err="1"/>
+              <a:t>location</a:t>
+            </a:r>
+            <a:r>
+              <a:rPr lang="pt-BR" dirty="0"/>
+              <a:t>) - envia informação de redirecionamento para o cliente (mesmo que enviar o cabeçalho </a:t>
+            </a:r>
+            <a:r>
+              <a:rPr lang="pt-BR" dirty="0" err="1"/>
+              <a:t>Location</a:t>
+            </a:r>
+            <a:r>
+              <a:rPr lang="pt-BR" dirty="0"/>
+              <a:t>: </a:t>
+            </a:r>
+            <a:r>
+              <a:rPr lang="pt-BR" dirty="0" err="1"/>
+              <a:t>url</a:t>
+            </a:r>
+            <a:r>
+              <a:rPr lang="pt-BR" dirty="0"/>
+              <a:t>) </a:t>
+            </a:r>
+          </a:p>
+          <a:p>
+            <a:pPr marL="457200" lvl="1" indent="0">
+              <a:spcBef>
+                <a:spcPct val="20000"/>
+              </a:spcBef>
+              <a:buFont typeface="Arial"/>
+              <a:buNone/>
+              <a:defRPr lang="pt-BR"/>
+            </a:pPr>
+            <a:r>
+              <a:rPr lang="pt-BR" dirty="0"/>
+              <a:t>• Writer </a:t>
+            </a:r>
+            <a:r>
+              <a:rPr lang="pt-BR" dirty="0" err="1"/>
+              <a:t>getWriter</a:t>
+            </a:r>
+            <a:r>
+              <a:rPr lang="pt-BR" dirty="0"/>
+              <a:t>() - obtém um Writer para gerar a saída. Ideal para saída de texto. </a:t>
+            </a:r>
+          </a:p>
+          <a:p>
+            <a:pPr marL="457200" lvl="1" indent="0">
+              <a:spcBef>
+                <a:spcPct val="20000"/>
+              </a:spcBef>
+              <a:buFont typeface="Arial"/>
+              <a:buNone/>
+              <a:defRPr lang="pt-BR"/>
+            </a:pPr>
+            <a:r>
+              <a:rPr lang="pt-BR" dirty="0"/>
+              <a:t>• </a:t>
+            </a:r>
+            <a:r>
+              <a:rPr lang="pt-BR" dirty="0" err="1"/>
+              <a:t>OutputStream</a:t>
+            </a:r>
+            <a:r>
+              <a:rPr lang="pt-BR" dirty="0"/>
+              <a:t> </a:t>
+            </a:r>
+            <a:r>
+              <a:rPr lang="pt-BR" dirty="0" err="1"/>
+              <a:t>getOutputStream</a:t>
+            </a:r>
+            <a:r>
+              <a:rPr lang="pt-BR" dirty="0"/>
+              <a:t>() - obtém um </a:t>
+            </a:r>
+            <a:r>
+              <a:rPr lang="pt-BR" dirty="0" err="1"/>
+              <a:t>OutputStream</a:t>
+            </a:r>
+            <a:r>
+              <a:rPr lang="pt-BR" dirty="0"/>
+              <a:t>. Ideal para gerar formatos diferentes de texto (imagens, etc.) </a:t>
+            </a:r>
+          </a:p>
+          <a:p>
+            <a:pPr marL="457200" lvl="1" indent="0">
+              <a:spcBef>
+                <a:spcPct val="20000"/>
+              </a:spcBef>
+              <a:buFont typeface="Arial"/>
+              <a:buNone/>
+              <a:defRPr lang="pt-BR"/>
+            </a:pPr>
+            <a:r>
+              <a:rPr lang="pt-BR" dirty="0"/>
+              <a:t>• </a:t>
+            </a:r>
+            <a:r>
+              <a:rPr lang="pt-BR" dirty="0" err="1"/>
+              <a:t>void</a:t>
+            </a:r>
+            <a:r>
+              <a:rPr lang="pt-BR" dirty="0"/>
+              <a:t> </a:t>
+            </a:r>
+            <a:r>
+              <a:rPr lang="pt-BR" dirty="0" err="1"/>
+              <a:t>addCookie</a:t>
+            </a:r>
+            <a:r>
+              <a:rPr lang="pt-BR" dirty="0"/>
+              <a:t>(Cookie c) -adiciona um novo cookie </a:t>
+            </a:r>
+          </a:p>
+          <a:p>
+            <a:pPr marL="457200" lvl="1" indent="0">
+              <a:spcBef>
+                <a:spcPct val="20000"/>
+              </a:spcBef>
+              <a:buFont typeface="Arial"/>
+              <a:buNone/>
+              <a:defRPr lang="pt-BR"/>
+            </a:pPr>
+            <a:r>
+              <a:rPr lang="pt-BR" dirty="0"/>
+              <a:t>• </a:t>
+            </a:r>
+            <a:r>
+              <a:rPr lang="pt-BR" dirty="0" err="1"/>
+              <a:t>void</a:t>
+            </a:r>
+            <a:r>
+              <a:rPr lang="pt-BR" dirty="0"/>
+              <a:t> </a:t>
+            </a:r>
+            <a:r>
+              <a:rPr lang="pt-BR" dirty="0" err="1"/>
+              <a:t>encodeURL</a:t>
+            </a:r>
+            <a:r>
+              <a:rPr lang="pt-BR" dirty="0"/>
+              <a:t>(</a:t>
+            </a:r>
+            <a:r>
+              <a:rPr lang="pt-BR" dirty="0" err="1"/>
+              <a:t>String</a:t>
+            </a:r>
+            <a:r>
+              <a:rPr lang="pt-BR" dirty="0"/>
+              <a:t> </a:t>
+            </a:r>
+            <a:r>
+              <a:rPr lang="pt-BR" dirty="0" err="1"/>
+              <a:t>url</a:t>
+            </a:r>
+            <a:r>
+              <a:rPr lang="pt-BR" dirty="0"/>
+              <a:t>) - envia como anexo da URL a informação de identificador de sessão (</a:t>
+            </a:r>
+            <a:r>
+              <a:rPr lang="pt-BR" dirty="0" err="1"/>
+              <a:t>sessionid</a:t>
+            </a:r>
+            <a:r>
+              <a:rPr lang="pt-BR" dirty="0"/>
+              <a:t>) </a:t>
+            </a:r>
+          </a:p>
+          <a:p>
+            <a:pPr marL="457200" lvl="1" indent="0">
+              <a:spcBef>
+                <a:spcPct val="20000"/>
+              </a:spcBef>
+              <a:buFont typeface="Arial"/>
+              <a:buNone/>
+              <a:defRPr lang="pt-BR"/>
+            </a:pPr>
+            <a:r>
+              <a:rPr lang="pt-BR" dirty="0"/>
+              <a:t>• </a:t>
+            </a:r>
+            <a:r>
+              <a:rPr lang="pt-BR" dirty="0" err="1"/>
+              <a:t>void</a:t>
+            </a:r>
+            <a:r>
+              <a:rPr lang="pt-BR" dirty="0"/>
+              <a:t> reset() - limpa toda a saída inclusive os cabeçalhos </a:t>
+            </a:r>
+          </a:p>
+          <a:p>
+            <a:pPr marL="457200" lvl="1" indent="0">
+              <a:spcBef>
+                <a:spcPct val="20000"/>
+              </a:spcBef>
+              <a:buFont typeface="Arial"/>
+              <a:buNone/>
+              <a:defRPr lang="pt-BR"/>
+            </a:pPr>
+            <a:r>
+              <a:rPr lang="pt-BR" dirty="0"/>
+              <a:t>• </a:t>
+            </a:r>
+            <a:r>
+              <a:rPr lang="pt-BR" dirty="0" err="1"/>
+              <a:t>void</a:t>
+            </a:r>
+            <a:r>
+              <a:rPr lang="pt-BR" dirty="0"/>
+              <a:t> </a:t>
+            </a:r>
+            <a:r>
+              <a:rPr lang="pt-BR" dirty="0" err="1"/>
+              <a:t>resetBuffer</a:t>
+            </a:r>
+            <a:r>
+              <a:rPr lang="pt-BR" dirty="0"/>
+              <a:t>() - limpa toda a saída, exceto cabeçalhos</a:t>
+            </a:r>
+          </a:p>
+          <a:p>
+            <a:pPr marL="457200" lvl="1" indent="0">
+              <a:spcBef>
+                <a:spcPct val="20000"/>
+              </a:spcBef>
+              <a:buFont typeface="Arial"/>
+              <a:buNone/>
+              <a:defRPr lang="pt-BR"/>
+            </a:pPr>
+            <a:endParaRPr kumimoji="0" lang="pt-BR" sz="1200" b="0" i="0" u="none" strike="noStrike" kern="0" cap="none" spc="0" normalizeH="0" baseline="0" dirty="0">
+              <a:ln>
+                <a:noFill/>
+              </a:ln>
+              <a:solidFill>
+                <a:schemeClr val="tx1"/>
+              </a:solidFill>
+              <a:effectLst/>
+              <a:uLnTx/>
+              <a:uFillTx/>
+            </a:endParaRPr>
+          </a:p>
+          <a:p>
+            <a:pPr marL="457200" lvl="1" indent="0">
+              <a:spcBef>
+                <a:spcPct val="20000"/>
+              </a:spcBef>
+              <a:buFont typeface="Arial"/>
+              <a:buNone/>
+              <a:defRPr lang="pt-BR"/>
+            </a:pPr>
+            <a:r>
+              <a:rPr kumimoji="0" lang="pt-BR" sz="1200" b="0" i="0" u="none" strike="noStrike" kern="0" cap="none" spc="0" normalizeH="0" baseline="0" dirty="0">
+                <a:ln>
+                  <a:noFill/>
+                </a:ln>
+                <a:solidFill>
+                  <a:schemeClr val="tx1"/>
+                </a:solidFill>
+                <a:effectLst/>
+                <a:uLnTx/>
+                <a:uFillTx/>
+              </a:rPr>
+              <a:t>Criar um exemplo !</a:t>
+            </a:r>
           </a:p>
         </p:txBody>
       </p:sp>
@@ -3459,11 +7015,6 @@
         </p:txBody>
       </p:sp>
     </p:spTree>
-    <p:extLst>
-      <p:ext uri="{BB962C8B-B14F-4D97-AF65-F5344CB8AC3E}">
-        <p14:creationId xmlns:p14="http://schemas.microsoft.com/office/powerpoint/2010/main" val="383213248"/>
-      </p:ext>
-    </p:extLst>
   </p:cSld>
   <p:clrMapOvr>
     <a:masterClrMapping/>
@@ -3515,139 +7066,98 @@
           <a:bodyPr/>
           <a:lstStyle/>
           <a:p>
-            <a:pPr marL="0" lvl="0" indent="0">
-              <a:spcBef>
-                <a:spcPct val="20000"/>
-              </a:spcBef>
-              <a:buFont typeface="Arial"/>
-              <a:buNone/>
-              <a:defRPr lang="pt-BR"/>
-            </a:pPr>
-            <a:r>
-              <a:rPr lang="pt-BR" sz="1200" b="1" i="0" kern="1200" dirty="0">
-                <a:solidFill>
-                  <a:schemeClr val="tx1"/>
-                </a:solidFill>
-                <a:effectLst/>
+            <a:r>
+              <a:rPr lang="pt-BR" sz="1200" b="0" i="0" u="none" strike="noStrike" kern="1200" baseline="0" dirty="0">
+                <a:solidFill>
+                  <a:schemeClr val="tx1"/>
+                </a:solidFill>
                 <a:latin typeface="+mn-lt"/>
                 <a:ea typeface="+mn-ea"/>
                 <a:cs typeface="+mn-cs"/>
               </a:rPr>
-              <a:t>GET </a:t>
-            </a:r>
-            <a:r>
-              <a:rPr lang="pt-BR" sz="1200" b="1" i="0" kern="1200" dirty="0">
-                <a:solidFill>
-                  <a:schemeClr val="tx1"/>
-                </a:solidFill>
-                <a:effectLst/>
+              <a:t>O </a:t>
+            </a:r>
+            <a:r>
+              <a:rPr lang="pt-BR" sz="1200" b="0" i="0" u="none" strike="noStrike" kern="1200" baseline="0" dirty="0" err="1">
+                <a:solidFill>
+                  <a:schemeClr val="tx1"/>
+                </a:solidFill>
                 <a:latin typeface="+mn-lt"/>
                 <a:ea typeface="+mn-ea"/>
                 <a:cs typeface="+mn-cs"/>
-                <a:sym typeface="Wingdings" panose="05000000000000000000" pitchFamily="2" charset="2"/>
-              </a:rPr>
-              <a:t></a:t>
-            </a:r>
-            <a:r>
-              <a:rPr lang="pt-BR" sz="1200" b="0" i="0" kern="1200" dirty="0">
-                <a:solidFill>
-                  <a:schemeClr val="tx1"/>
-                </a:solidFill>
-                <a:effectLst/>
+              </a:rPr>
+              <a:t>servlet</a:t>
+            </a:r>
+            <a:r>
+              <a:rPr lang="pt-BR" sz="1200" b="0" i="0" u="none" strike="noStrike" kern="1200" baseline="0" dirty="0">
+                <a:solidFill>
+                  <a:schemeClr val="tx1"/>
+                </a:solidFill>
                 <a:latin typeface="+mn-lt"/>
                 <a:ea typeface="+mn-ea"/>
                 <a:cs typeface="+mn-cs"/>
               </a:rPr>
-              <a:t> Método que solicita algum recurso ou objeto ao servidor. Nesse verbo os parâmetros são passados via URL.</a:t>
-            </a:r>
-          </a:p>
-          <a:p>
-            <a:pPr marL="0" lvl="0" indent="0">
-              <a:spcBef>
-                <a:spcPct val="20000"/>
-              </a:spcBef>
-              <a:buFont typeface="Arial"/>
-              <a:buNone/>
-              <a:defRPr lang="pt-BR"/>
-            </a:pPr>
-            <a:r>
-              <a:rPr lang="pt-BR" sz="1200" b="1" i="0" kern="1200" dirty="0">
-                <a:solidFill>
-                  <a:schemeClr val="tx1"/>
-                </a:solidFill>
-                <a:effectLst/>
+              <a:t> permanece ativo até que seja destruído (isto depende de política do container ou</a:t>
+            </a:r>
+          </a:p>
+          <a:p>
+            <a:r>
+              <a:rPr lang="pt-BR" sz="1200" b="0" i="0" u="none" strike="noStrike" kern="1200" baseline="0" dirty="0">
+                <a:solidFill>
+                  <a:schemeClr val="tx1"/>
+                </a:solidFill>
                 <a:latin typeface="+mn-lt"/>
                 <a:ea typeface="+mn-ea"/>
                 <a:cs typeface="+mn-cs"/>
               </a:rPr>
-              <a:t>POST </a:t>
-            </a:r>
-            <a:r>
-              <a:rPr lang="pt-BR" sz="1200" b="0" i="0" kern="1200" dirty="0">
-                <a:solidFill>
-                  <a:schemeClr val="tx1"/>
-                </a:solidFill>
-                <a:effectLst/>
-                <a:latin typeface="+mn-lt"/>
-                <a:ea typeface="+mn-ea"/>
-                <a:cs typeface="+mn-cs"/>
-                <a:sym typeface="Wingdings" panose="05000000000000000000" pitchFamily="2" charset="2"/>
-              </a:rPr>
-              <a:t></a:t>
-            </a:r>
-            <a:r>
-              <a:rPr lang="pt-BR" sz="1200" b="0" i="0" kern="1200" dirty="0">
-                <a:solidFill>
-                  <a:schemeClr val="tx1"/>
-                </a:solidFill>
-                <a:effectLst/>
-                <a:latin typeface="+mn-lt"/>
-                <a:ea typeface="+mn-ea"/>
-                <a:cs typeface="+mn-cs"/>
-              </a:rPr>
-              <a:t> Método usado para envio de arquivo/dados ou formulário HTML ao servidor. Dados são enviados via formulário, dentro do corpo da requisição.</a:t>
-            </a:r>
-          </a:p>
-          <a:p>
-            <a:pPr marL="0" lvl="0" indent="0">
-              <a:spcBef>
-                <a:spcPct val="20000"/>
-              </a:spcBef>
-              <a:buFont typeface="Arial"/>
-              <a:buNone/>
-              <a:defRPr lang="pt-BR"/>
-            </a:pPr>
-            <a:endParaRPr lang="pt-BR" sz="1200" b="0" i="0" kern="1200" dirty="0">
+              <a:t>servidor).</a:t>
+            </a:r>
+          </a:p>
+          <a:p>
+            <a:endParaRPr kumimoji="0" lang="pt-BR" sz="1200" b="0" i="0" u="none" strike="noStrike" kern="1200" cap="none" spc="0" normalizeH="0" baseline="0" dirty="0">
+              <a:ln>
+                <a:noFill/>
+              </a:ln>
               <a:solidFill>
                 <a:schemeClr val="tx1"/>
               </a:solidFill>
               <a:effectLst/>
+              <a:uLnTx/>
+              <a:uFillTx/>
               <a:latin typeface="+mn-lt"/>
               <a:ea typeface="+mn-ea"/>
               <a:cs typeface="+mn-cs"/>
             </a:endParaRPr>
           </a:p>
           <a:p>
-            <a:pPr marL="0" lvl="0" indent="0">
-              <a:spcBef>
-                <a:spcPct val="20000"/>
-              </a:spcBef>
-              <a:buFont typeface="Arial"/>
-              <a:buNone/>
-              <a:defRPr lang="pt-BR"/>
-            </a:pPr>
-            <a:r>
-              <a:rPr lang="pt-BR" sz="1200" b="0" i="0" kern="1200" dirty="0">
+            <a:r>
+              <a:rPr kumimoji="0" lang="pt-BR" sz="1200" b="0" i="0" u="none" strike="noStrike" kern="1200" cap="none" spc="0" normalizeH="0" baseline="0" dirty="0">
+                <a:ln>
+                  <a:noFill/>
+                </a:ln>
                 <a:solidFill>
                   <a:schemeClr val="tx1"/>
                 </a:solidFill>
                 <a:effectLst/>
+                <a:uLnTx/>
+                <a:uFillTx/>
                 <a:latin typeface="+mn-lt"/>
                 <a:ea typeface="+mn-ea"/>
                 <a:cs typeface="+mn-cs"/>
               </a:rPr>
-              <a:t>Criar um exemplo !</a:t>
-            </a:r>
+              <a:t>- Criar um exemplo.</a:t>
+            </a:r>
+            <a:endParaRPr kumimoji="0" lang="pt-BR" sz="1200" b="0" i="0" u="none" strike="noStrike" kern="0" cap="none" spc="0" normalizeH="0" baseline="0" dirty="0">
+              <a:ln>
+                <a:noFill/>
+              </a:ln>
+              <a:solidFill>
+                <a:schemeClr val="tx1"/>
+              </a:solidFill>
+              <a:effectLst/>
+              <a:uLnTx/>
+              <a:uFillTx/>
+            </a:endParaRPr>
           </a:p>
         </p:txBody>
       </p:sp>
@@ -3676,11 +7186,6 @@
         </p:txBody>
       </p:sp>
     </p:spTree>
-    <p:extLst>
-      <p:ext uri="{BB962C8B-B14F-4D97-AF65-F5344CB8AC3E}">
-        <p14:creationId xmlns:p14="http://schemas.microsoft.com/office/powerpoint/2010/main" val="3883848836"/>
-      </p:ext>
-    </p:extLst>
   </p:cSld>
   <p:clrMapOvr>
     <a:masterClrMapping/>
@@ -4501,7 +8006,7 @@
             <a:fld id="{8F67D422-08A8-451B-9A67-21962FC4B660}" type="datetimeFigureOut">
               <a:rPr kumimoji="0" lang="pt-BR" sz="1100"/>
               <a:pPr algn="r"/>
-              <a:t>10/10/2018</a:t>
+              <a:t>12/10/2018</a:t>
             </a:fld>
             <a:endParaRPr kumimoji="0" lang="pt-BR"/>
           </a:p>
@@ -4723,7 +8228,7 @@
             <a:fld id="{8F67D422-08A8-451B-9A67-21962FC4B660}" type="datetimeFigureOut">
               <a:rPr kumimoji="0" lang="pt-BR" sz="1100"/>
               <a:pPr algn="r"/>
-              <a:t>10/10/2018</a:t>
+              <a:t>12/10/2018</a:t>
             </a:fld>
             <a:endParaRPr kumimoji="0" lang="pt-BR"/>
           </a:p>
@@ -4840,7 +8345,7 @@
             <a:fld id="{8F67D422-08A8-451B-9A67-21962FC4B660}" type="datetimeFigureOut">
               <a:rPr kumimoji="0" lang="pt-BR" sz="1100"/>
               <a:pPr algn="r"/>
-              <a:t>10/10/2018</a:t>
+              <a:t>12/10/2018</a:t>
             </a:fld>
             <a:endParaRPr kumimoji="0" lang="pt-BR"/>
           </a:p>
@@ -5005,7 +8510,7 @@
           <a:p>
             <a:fld id="{1BEBB2CB-903D-46EF-8227-E770ED8FF514}" type="datetimeFigureOut">
               <a:pPr/>
-              <a:t>10/10/2018</a:t>
+              <a:t>12/10/2018</a:t>
             </a:fld>
             <a:endParaRPr kumimoji="0" lang="pt-BR"/>
           </a:p>
@@ -5483,7 +8988,7 @@
           <a:p>
             <a:fld id="{1BEBB2CB-903D-46EF-8227-E770ED8FF514}" type="datetimeFigureOut">
               <a:pPr/>
-              <a:t>10/10/2018</a:t>
+              <a:t>12/10/2018</a:t>
             </a:fld>
             <a:endParaRPr kumimoji="0" lang="pt-BR"/>
           </a:p>
@@ -6091,7 +9596,7 @@
           <a:p>
             <a:fld id="{1BEBB2CB-903D-46EF-8227-E770ED8FF514}" type="datetimeFigureOut">
               <a:pPr/>
-              <a:t>10/10/2018</a:t>
+              <a:t>12/10/2018</a:t>
             </a:fld>
             <a:endParaRPr kumimoji="0" lang="pt-BR"/>
           </a:p>
@@ -6486,7 +9991,7 @@
           <a:p>
             <a:fld id="{1BEBB2CB-903D-46EF-8227-E770ED8FF514}" type="datetimeFigureOut">
               <a:pPr/>
-              <a:t>10/10/2018</a:t>
+              <a:t>12/10/2018</a:t>
             </a:fld>
             <a:endParaRPr kumimoji="0" lang="pt-BR"/>
           </a:p>
@@ -7277,7 +10782,7 @@
           <a:p>
             <a:fld id="{1BEBB2CB-903D-46EF-8227-E770ED8FF514}" type="datetimeFigureOut">
               <a:pPr/>
-              <a:t>10/10/2018</a:t>
+              <a:t>12/10/2018</a:t>
             </a:fld>
             <a:endParaRPr kumimoji="0" lang="pt-BR"/>
           </a:p>
@@ -8371,7 +11876,7 @@
             <a:fld id="{8F67D422-08A8-451B-9A67-21962FC4B660}" type="datetimeFigureOut">
               <a:rPr kumimoji="0" lang="pt-BR" sz="1100"/>
               <a:pPr algn="r"/>
-              <a:t>10/10/2018</a:t>
+              <a:t>12/10/2018</a:t>
             </a:fld>
             <a:endParaRPr kumimoji="0" lang="pt-BR" sz="1050"/>
           </a:p>
@@ -9606,7 +13111,7 @@
           <p:cNvPr id="11" name="Rectangle 8">
             <a:extLst>
               <a:ext uri="{FF2B5EF4-FFF2-40B4-BE49-F238E27FC236}">
-                <a16:creationId xmlns:a16="http://schemas.microsoft.com/office/drawing/2014/main" id="{E1F0AA30-9C1D-4249-8068-4A45331D9230}"/>
+                <a16:creationId xmlns="" xmlns:a16="http://schemas.microsoft.com/office/drawing/2014/main" id="{E1F0AA30-9C1D-4249-8068-4A45331D9230}"/>
               </a:ext>
             </a:extLst>
           </p:cNvPr>
@@ -9811,12 +13316,7 @@
             <p:ph type="title"/>
           </p:nvPr>
         </p:nvSpPr>
-        <p:spPr>
-          <a:xfrm>
-            <a:off x="228600" y="1676400"/>
-            <a:ext cx="8229600" cy="1143000"/>
-          </a:xfrm>
-        </p:spPr>
+        <p:spPr/>
         <p:txBody>
           <a:bodyPr>
             <a:noAutofit/>
@@ -9824,224 +13324,113 @@
           <a:lstStyle/>
           <a:p>
             <a:r>
-              <a:rPr lang="pt-BR" sz="4000" dirty="0"/>
-              <a:t>O que é contexto da aplicação ?</a:t>
-            </a:r>
+              <a:rPr lang="pt-BR" sz="4000" b="0" dirty="0"/>
+              <a:t>Verbos HTTP.</a:t>
+            </a:r>
+            <a:endParaRPr lang="pt-BR" sz="4000" dirty="0"/>
           </a:p>
         </p:txBody>
       </p:sp>
       <p:sp>
         <p:nvSpPr>
-          <p:cNvPr id="7" name="Retângulo 6">
-            <a:extLst>
-              <a:ext uri="{FF2B5EF4-FFF2-40B4-BE49-F238E27FC236}">
-                <a16:creationId xmlns:a16="http://schemas.microsoft.com/office/drawing/2014/main" id="{DE871D51-6822-455D-8B97-7F37D0BA5BB9}"/>
-              </a:ext>
-            </a:extLst>
-          </p:cNvPr>
-          <p:cNvSpPr/>
+          <p:cNvPr id="4" name="Rectangle 25"/>
+          <p:cNvSpPr txBox="1">
+            <a:spLocks/>
+          </p:cNvSpPr>
           <p:nvPr/>
         </p:nvSpPr>
         <p:spPr>
           <a:xfrm>
-            <a:off x="685800" y="2703016"/>
-            <a:ext cx="7772400" cy="4431983"/>
+            <a:off x="762000" y="2924944"/>
+            <a:ext cx="7086600" cy="3456384"/>
           </a:xfrm>
           <a:prstGeom prst="rect">
             <a:avLst/>
           </a:prstGeom>
         </p:spPr>
         <p:txBody>
-          <a:bodyPr wrap="square">
-            <a:spAutoFit/>
+          <a:bodyPr vert="horz">
+            <a:noAutofit/>
           </a:bodyPr>
           <a:lstStyle/>
           <a:p>
-            <a:r>
-              <a:rPr lang="pt-BR" sz="2400" b="1" dirty="0"/>
-              <a:t>Definição da palavra:</a:t>
-            </a:r>
-          </a:p>
-          <a:p>
-            <a:r>
-              <a:rPr lang="pt-BR" b="1" dirty="0"/>
-              <a:t>- Conjunto de circunstâncias à volta de um acontecimento ou de 	uma situação.</a:t>
-            </a:r>
-            <a:endParaRPr lang="pt-BR" dirty="0"/>
-          </a:p>
-          <a:p>
-            <a:pPr marL="285750" indent="-285750">
-              <a:buFontTx/>
-              <a:buChar char="-"/>
+            <a:pPr lvl="0">
+              <a:spcBef>
+                <a:spcPct val="20000"/>
+              </a:spcBef>
+              <a:defRPr lang="pt-BR"/>
             </a:pPr>
             <a:r>
-              <a:rPr lang="pt-BR" b="1" dirty="0"/>
-              <a:t>Aquilo que envolve algo ou alguém.</a:t>
-            </a:r>
-          </a:p>
-          <a:p>
-            <a:pPr marL="285750" indent="-285750">
-              <a:buFontTx/>
-              <a:buChar char="-"/>
+              <a:rPr lang="pt-BR" sz="2400" kern="0" dirty="0"/>
+              <a:t>GET </a:t>
+            </a:r>
+            <a:r>
+              <a:rPr lang="pt-BR" sz="2400" kern="0" dirty="0">
+                <a:sym typeface="Wingdings" panose="05000000000000000000" pitchFamily="2" charset="2"/>
+              </a:rPr>
+              <a:t> O Método GET solicita a representação de um recurso específico. Requisições utilizando o Método GET devem retornar apenas dados.</a:t>
+            </a:r>
+          </a:p>
+          <a:p>
+            <a:pPr lvl="0">
+              <a:spcBef>
+                <a:spcPct val="20000"/>
+              </a:spcBef>
+              <a:defRPr lang="pt-BR"/>
             </a:pPr>
-            <a:endParaRPr lang="pt-BR" b="1" dirty="0"/>
-          </a:p>
-          <a:p>
-            <a:r>
-              <a:rPr lang="pt-BR" dirty="0"/>
-              <a:t>É possível colocar Atributos no escopo do contexto da aplicação, permitindo o compartilhamento entre </a:t>
-            </a:r>
-            <a:r>
-              <a:rPr lang="pt-BR" dirty="0" err="1"/>
-              <a:t>servlets</a:t>
-            </a:r>
-            <a:r>
-              <a:rPr lang="pt-BR" dirty="0"/>
-              <a:t> diferentes.</a:t>
-            </a:r>
-            <a:endParaRPr lang="pt-BR" b="1" dirty="0"/>
-          </a:p>
-          <a:p>
-            <a:r>
-              <a:rPr lang="pt-BR" b="1" dirty="0"/>
-              <a:t>	Ex. </a:t>
-            </a:r>
-            <a:r>
-              <a:rPr lang="pt-BR" b="1" dirty="0" err="1"/>
-              <a:t>setAttribute</a:t>
-            </a:r>
-            <a:r>
-              <a:rPr lang="pt-BR" b="1" dirty="0"/>
-              <a:t>:</a:t>
-            </a:r>
-          </a:p>
-          <a:p>
-            <a:r>
-              <a:rPr lang="pt-BR" dirty="0" err="1"/>
-              <a:t>ServletContext</a:t>
-            </a:r>
-            <a:r>
-              <a:rPr lang="pt-BR" dirty="0"/>
-              <a:t> </a:t>
-            </a:r>
-            <a:r>
-              <a:rPr lang="pt-BR" dirty="0" err="1"/>
-              <a:t>ctx</a:t>
-            </a:r>
-            <a:r>
-              <a:rPr lang="pt-BR" dirty="0"/>
-              <a:t> = </a:t>
-            </a:r>
-            <a:r>
-              <a:rPr lang="pt-BR" dirty="0" err="1"/>
-              <a:t>getServletContext</a:t>
-            </a:r>
-            <a:r>
-              <a:rPr lang="pt-BR" dirty="0"/>
-              <a:t>(); </a:t>
-            </a:r>
-          </a:p>
-          <a:p>
-            <a:r>
-              <a:rPr lang="pt-BR" dirty="0" err="1"/>
-              <a:t>ctx.setAttribute</a:t>
-            </a:r>
-            <a:r>
-              <a:rPr lang="pt-BR" dirty="0"/>
-              <a:t>(“curso", “Java avançado”); </a:t>
-            </a:r>
-            <a:endParaRPr lang="pt-BR" b="1" dirty="0"/>
-          </a:p>
-          <a:p>
-            <a:r>
-              <a:rPr lang="pt-BR" b="1" dirty="0"/>
-              <a:t>	</a:t>
-            </a:r>
-            <a:r>
-              <a:rPr lang="pt-BR" b="1" dirty="0" err="1"/>
-              <a:t>getAttribute</a:t>
-            </a:r>
-            <a:r>
-              <a:rPr lang="pt-BR" b="1" dirty="0"/>
-              <a:t>:</a:t>
-            </a:r>
-          </a:p>
-          <a:p>
-            <a:r>
-              <a:rPr lang="pt-BR" b="1" dirty="0"/>
-              <a:t> </a:t>
-            </a:r>
-            <a:r>
-              <a:rPr lang="en-US" b="1" dirty="0" err="1"/>
-              <a:t>ServletContext</a:t>
-            </a:r>
-            <a:r>
-              <a:rPr lang="en-US" b="1" dirty="0"/>
-              <a:t> </a:t>
-            </a:r>
-            <a:r>
-              <a:rPr lang="en-US" b="1" dirty="0" err="1"/>
-              <a:t>ctx</a:t>
-            </a:r>
-            <a:r>
-              <a:rPr lang="en-US" b="1" dirty="0"/>
-              <a:t> = </a:t>
-            </a:r>
-            <a:r>
-              <a:rPr lang="en-US" b="1" dirty="0" err="1"/>
-              <a:t>getServletContext</a:t>
-            </a:r>
-            <a:r>
-              <a:rPr lang="en-US" b="1" dirty="0"/>
-              <a:t>();</a:t>
-            </a:r>
-          </a:p>
-          <a:p>
-            <a:r>
-              <a:rPr lang="en-US" b="1" dirty="0"/>
-              <a:t>String </a:t>
-            </a:r>
-            <a:r>
-              <a:rPr lang="en-US" b="1" dirty="0" err="1"/>
-              <a:t>curso</a:t>
-            </a:r>
-            <a:r>
-              <a:rPr lang="en-US" b="1" dirty="0"/>
-              <a:t> = </a:t>
-            </a:r>
-            <a:r>
-              <a:rPr lang="en-US" b="1" dirty="0" err="1"/>
-              <a:t>ctx.getAttribute</a:t>
-            </a:r>
-            <a:r>
-              <a:rPr lang="en-US" b="1" dirty="0"/>
-              <a:t>(“</a:t>
-            </a:r>
-            <a:r>
-              <a:rPr lang="en-US" b="1" dirty="0" err="1"/>
-              <a:t>curso</a:t>
-            </a:r>
-            <a:r>
-              <a:rPr lang="en-US" b="1" dirty="0"/>
-              <a:t>");</a:t>
-            </a:r>
-          </a:p>
-          <a:p>
-            <a:endParaRPr lang="pt-BR" b="1" dirty="0"/>
-          </a:p>
-          <a:p>
-            <a:pPr marL="342900" indent="-342900">
-              <a:buFontTx/>
-              <a:buChar char="-"/>
+            <a:r>
+              <a:rPr lang="pt-BR" sz="2400" kern="0" dirty="0">
+                <a:sym typeface="Wingdings" panose="05000000000000000000" pitchFamily="2" charset="2"/>
+              </a:rPr>
+              <a:t>POST  O Método POST é utilizado para submeter uma entidade a um recurso específico, às vezes causando uma mudança no estado do recurso ou solicitando alterações ao servidor.</a:t>
+            </a:r>
+          </a:p>
+          <a:p>
+            <a:pPr lvl="0">
+              <a:spcBef>
+                <a:spcPct val="20000"/>
+              </a:spcBef>
+              <a:defRPr lang="pt-BR"/>
             </a:pPr>
-            <a:endParaRPr lang="pt-BR" sz="2400" b="1" dirty="0"/>
+            <a:r>
+              <a:rPr lang="pt-BR" sz="2400" kern="0" dirty="0">
+                <a:sym typeface="Wingdings" panose="05000000000000000000" pitchFamily="2" charset="2"/>
+              </a:rPr>
+              <a:t>Outros: </a:t>
+            </a:r>
+          </a:p>
+          <a:p>
+            <a:pPr lvl="0">
+              <a:spcBef>
+                <a:spcPct val="20000"/>
+              </a:spcBef>
+              <a:defRPr lang="pt-BR"/>
+            </a:pPr>
+            <a:r>
+              <a:rPr lang="pt-BR" sz="2400" kern="0" dirty="0">
+                <a:sym typeface="Wingdings" panose="05000000000000000000" pitchFamily="2" charset="2"/>
+              </a:rPr>
+              <a:t>HEAD, PUT, DELETE, OPTIONS, TRACE, PATCH </a:t>
+            </a:r>
+            <a:endParaRPr lang="pt-BR" sz="2400" kern="0" dirty="0"/>
+          </a:p>
+          <a:p>
+            <a:pPr marL="342900" lvl="0" indent="-342900">
+              <a:spcBef>
+                <a:spcPct val="20000"/>
+              </a:spcBef>
+              <a:buFont typeface="Arial" panose="020B0604020202020204" pitchFamily="34" charset="0"/>
+              <a:buChar char="•"/>
+              <a:defRPr lang="pt-BR"/>
+            </a:pPr>
+            <a:endParaRPr lang="pt-BR" sz="2400" kern="0" dirty="0"/>
           </a:p>
         </p:txBody>
       </p:sp>
     </p:spTree>
     <p:extLst>
       <p:ext uri="{BB962C8B-B14F-4D97-AF65-F5344CB8AC3E}">
-        <p14:creationId xmlns:p14="http://schemas.microsoft.com/office/powerpoint/2010/main" val="1832021912"/>
+        <p14:creationId xmlns:p14="http://schemas.microsoft.com/office/powerpoint/2010/main" val="2027077617"/>
       </p:ext>
     </p:extLst>
   </p:cSld>
@@ -10081,6 +13470,180 @@
             <p:ph type="title"/>
           </p:nvPr>
         </p:nvSpPr>
+        <p:spPr/>
+        <p:txBody>
+          <a:bodyPr>
+            <a:noAutofit/>
+          </a:bodyPr>
+          <a:lstStyle/>
+          <a:p>
+            <a:r>
+              <a:rPr lang="pt-BR" sz="4000" b="0" dirty="0"/>
+              <a:t>Parâmetros.</a:t>
+            </a:r>
+            <a:endParaRPr lang="pt-BR" sz="4000" dirty="0"/>
+          </a:p>
+        </p:txBody>
+      </p:sp>
+      <p:sp>
+        <p:nvSpPr>
+          <p:cNvPr id="4" name="Rectangle 25"/>
+          <p:cNvSpPr txBox="1">
+            <a:spLocks/>
+          </p:cNvSpPr>
+          <p:nvPr/>
+        </p:nvSpPr>
+        <p:spPr>
+          <a:xfrm>
+            <a:off x="762000" y="2924944"/>
+            <a:ext cx="7086600" cy="3456384"/>
+          </a:xfrm>
+          <a:prstGeom prst="rect">
+            <a:avLst/>
+          </a:prstGeom>
+        </p:spPr>
+        <p:txBody>
+          <a:bodyPr vert="horz">
+            <a:noAutofit/>
+          </a:bodyPr>
+          <a:lstStyle/>
+          <a:p>
+            <a:pPr marL="342900" lvl="0" indent="-342900">
+              <a:spcBef>
+                <a:spcPct val="20000"/>
+              </a:spcBef>
+              <a:buFont typeface="Arial" panose="020B0604020202020204" pitchFamily="34" charset="0"/>
+              <a:buChar char="•"/>
+              <a:defRPr lang="pt-BR"/>
+            </a:pPr>
+            <a:r>
+              <a:rPr lang="pt-BR" sz="2400" kern="0" dirty="0"/>
+              <a:t> Parâmetros são pares de nome=valor que são enviados pelo cliente concatenados em </a:t>
+            </a:r>
+            <a:r>
+              <a:rPr lang="pt-BR" sz="2400" kern="0" dirty="0" err="1"/>
+              <a:t>strings</a:t>
+            </a:r>
+            <a:r>
+              <a:rPr lang="pt-BR" sz="2400" kern="0" dirty="0"/>
+              <a:t> e separados por “</a:t>
+            </a:r>
+            <a:r>
+              <a:rPr lang="pt-BR" sz="2400" kern="0" dirty="0">
+                <a:latin typeface="Arial" panose="020B0604020202020204" pitchFamily="34" charset="0"/>
+              </a:rPr>
+              <a:t>&amp;</a:t>
+            </a:r>
+            <a:r>
+              <a:rPr lang="pt-BR" sz="2400" kern="0" dirty="0"/>
+              <a:t>”.</a:t>
+            </a:r>
+          </a:p>
+          <a:p>
+            <a:pPr lvl="0">
+              <a:spcBef>
+                <a:spcPct val="20000"/>
+              </a:spcBef>
+              <a:defRPr lang="pt-BR"/>
+            </a:pPr>
+            <a:r>
+              <a:rPr lang="pt-BR" sz="2400" kern="0" dirty="0" err="1"/>
+              <a:t>Ex</a:t>
+            </a:r>
+            <a:r>
+              <a:rPr lang="pt-BR" sz="2400" kern="0" dirty="0"/>
+              <a:t> de parâmetros passados via GET.</a:t>
+            </a:r>
+          </a:p>
+          <a:p>
+            <a:pPr lvl="0">
+              <a:spcBef>
+                <a:spcPct val="20000"/>
+              </a:spcBef>
+              <a:defRPr lang="pt-BR"/>
+            </a:pPr>
+            <a:r>
+              <a:rPr lang="pt-BR" sz="2400" kern="0" dirty="0"/>
+              <a:t>	....?nome=valor</a:t>
+            </a:r>
+            <a:r>
+              <a:rPr lang="pt-BR" sz="2400" kern="0" dirty="0">
+                <a:latin typeface="Arial" panose="020B0604020202020204" pitchFamily="34" charset="0"/>
+              </a:rPr>
+              <a:t>&amp;nome2=valor2</a:t>
+            </a:r>
+          </a:p>
+          <a:p>
+            <a:pPr lvl="0">
+              <a:spcBef>
+                <a:spcPct val="20000"/>
+              </a:spcBef>
+              <a:defRPr lang="pt-BR"/>
+            </a:pPr>
+            <a:endParaRPr lang="pt-BR" sz="2400" kern="0" dirty="0">
+              <a:latin typeface="Arial" panose="020B0604020202020204" pitchFamily="34" charset="0"/>
+            </a:endParaRPr>
+          </a:p>
+          <a:p>
+            <a:pPr lvl="0">
+              <a:spcBef>
+                <a:spcPct val="20000"/>
+              </a:spcBef>
+              <a:defRPr lang="pt-BR"/>
+            </a:pPr>
+            <a:r>
+              <a:rPr lang="pt-BR" sz="2400" kern="0" dirty="0">
+                <a:latin typeface="Arial" panose="020B0604020202020204" pitchFamily="34" charset="0"/>
+              </a:rPr>
+              <a:t>Parâmetro via POST, são enviados dentro da requisição em dados do formulário.</a:t>
+            </a:r>
+            <a:endParaRPr lang="pt-BR" sz="2400" kern="0" dirty="0"/>
+          </a:p>
+        </p:txBody>
+      </p:sp>
+    </p:spTree>
+    <p:extLst>
+      <p:ext uri="{BB962C8B-B14F-4D97-AF65-F5344CB8AC3E}">
+        <p14:creationId xmlns:p14="http://schemas.microsoft.com/office/powerpoint/2010/main" val="2814750550"/>
+      </p:ext>
+    </p:extLst>
+  </p:cSld>
+  <p:clrMapOvr>
+    <a:masterClrMapping/>
+  </p:clrMapOvr>
+  <p:transition>
+    <p:fade/>
+  </p:transition>
+</p:sld>
+</file>
+
+<file path=ppt/slides/slide12.xml><?xml version="1.0" encoding="utf-8"?>
+<p:sld xmlns:a="http://schemas.openxmlformats.org/drawingml/2006/main" xmlns:r="http://schemas.openxmlformats.org/officeDocument/2006/relationships" xmlns:p="http://schemas.openxmlformats.org/presentationml/2006/main">
+  <p:cSld>
+    <p:spTree>
+      <p:nvGrpSpPr>
+        <p:cNvPr id="1" name=""/>
+        <p:cNvGrpSpPr/>
+        <p:nvPr/>
+      </p:nvGrpSpPr>
+      <p:grpSpPr>
+        <a:xfrm>
+          <a:off x="0" y="0"/>
+          <a:ext cx="0" cy="0"/>
+          <a:chOff x="0" y="0"/>
+          <a:chExt cx="0" cy="0"/>
+        </a:xfrm>
+      </p:grpSpPr>
+      <p:sp>
+        <p:nvSpPr>
+          <p:cNvPr id="3" name="Rectangle 8"/>
+          <p:cNvSpPr>
+            <a:spLocks noGrp="1"/>
+          </p:cNvSpPr>
+          <p:nvPr>
+            <p:ph type="title"/>
+          </p:nvPr>
+        </p:nvSpPr>
         <p:spPr>
           <a:xfrm>
             <a:off x="228600" y="1676400"/>
@@ -10095,7 +13658,7 @@
           <a:p>
             <a:r>
               <a:rPr lang="pt-BR" sz="4000" dirty="0"/>
-              <a:t>EXERCÍCIOS:</a:t>
+              <a:t>O que é contexto da aplicação ?</a:t>
             </a:r>
           </a:p>
         </p:txBody>
@@ -10105,7 +13668,7 @@
           <p:cNvPr id="7" name="Retângulo 6">
             <a:extLst>
               <a:ext uri="{FF2B5EF4-FFF2-40B4-BE49-F238E27FC236}">
-                <a16:creationId xmlns:a16="http://schemas.microsoft.com/office/drawing/2014/main" id="{DE871D51-6822-455D-8B97-7F37D0BA5BB9}"/>
+                <a16:creationId xmlns="" xmlns:a16="http://schemas.microsoft.com/office/drawing/2014/main" id="{DE871D51-6822-455D-8B97-7F37D0BA5BB9}"/>
               </a:ext>
             </a:extLst>
           </p:cNvPr>
@@ -10115,7 +13678,7 @@
         <p:spPr>
           <a:xfrm>
             <a:off x="685800" y="2703016"/>
-            <a:ext cx="7772400" cy="461665"/>
+            <a:ext cx="7772400" cy="4431983"/>
           </a:xfrm>
           <a:prstGeom prst="rect">
             <a:avLst/>
@@ -10127,21 +13690,465 @@
           </a:bodyPr>
           <a:lstStyle/>
           <a:p>
-            <a:pPr marL="457200" indent="-457200">
-              <a:buFont typeface="+mj-lt"/>
-              <a:buAutoNum type="arabicParenR" startAt="2"/>
+            <a:r>
+              <a:rPr lang="pt-BR" sz="2400" b="1" dirty="0"/>
+              <a:t>Definição da palavra:</a:t>
+            </a:r>
+          </a:p>
+          <a:p>
+            <a:r>
+              <a:rPr lang="pt-BR" b="1" dirty="0"/>
+              <a:t>- Conjunto de circunstâncias à volta de um acontecimento ou de 	uma situação.</a:t>
+            </a:r>
+            <a:endParaRPr lang="pt-BR" dirty="0"/>
+          </a:p>
+          <a:p>
+            <a:pPr marL="285750" indent="-285750">
+              <a:buFontTx/>
+              <a:buChar char="-"/>
             </a:pPr>
             <a:r>
-              <a:rPr lang="pt-BR" sz="2400" b="1" dirty="0"/>
-              <a:t>Com</a:t>
-            </a:r>
+              <a:rPr lang="pt-BR" b="1" dirty="0"/>
+              <a:t>Aquilo que envolve algo ou alguém.</a:t>
+            </a:r>
+          </a:p>
+          <a:p>
+            <a:pPr marL="285750" indent="-285750">
+              <a:buFontTx/>
+              <a:buChar char="-"/>
+            </a:pPr>
+            <a:endParaRPr lang="pt-BR" b="1" dirty="0"/>
+          </a:p>
+          <a:p>
+            <a:r>
+              <a:rPr lang="pt-BR" dirty="0"/>
+              <a:t>É possível colocar Atributos no escopo do contexto da aplicação, permitindo o compartilhamento entre </a:t>
+            </a:r>
+            <a:r>
+              <a:rPr lang="pt-BR" dirty="0" err="1"/>
+              <a:t>servlets</a:t>
+            </a:r>
+            <a:r>
+              <a:rPr lang="pt-BR" dirty="0"/>
+              <a:t> diferentes.</a:t>
+            </a:r>
+            <a:endParaRPr lang="pt-BR" b="1" dirty="0"/>
+          </a:p>
+          <a:p>
+            <a:r>
+              <a:rPr lang="pt-BR" b="1" dirty="0"/>
+              <a:t>	Ex. </a:t>
+            </a:r>
+            <a:r>
+              <a:rPr lang="pt-BR" b="1" dirty="0" err="1"/>
+              <a:t>setAttribute</a:t>
+            </a:r>
+            <a:r>
+              <a:rPr lang="pt-BR" b="1" dirty="0"/>
+              <a:t>:</a:t>
+            </a:r>
+          </a:p>
+          <a:p>
+            <a:r>
+              <a:rPr lang="pt-BR" dirty="0" err="1"/>
+              <a:t>ServletContext</a:t>
+            </a:r>
+            <a:r>
+              <a:rPr lang="pt-BR" dirty="0"/>
+              <a:t> </a:t>
+            </a:r>
+            <a:r>
+              <a:rPr lang="pt-BR" dirty="0" err="1"/>
+              <a:t>ctx</a:t>
+            </a:r>
+            <a:r>
+              <a:rPr lang="pt-BR" dirty="0"/>
+              <a:t> = </a:t>
+            </a:r>
+            <a:r>
+              <a:rPr lang="pt-BR" dirty="0" err="1"/>
+              <a:t>getServletContext</a:t>
+            </a:r>
+            <a:r>
+              <a:rPr lang="pt-BR" dirty="0"/>
+              <a:t>(); </a:t>
+            </a:r>
+          </a:p>
+          <a:p>
+            <a:r>
+              <a:rPr lang="pt-BR" dirty="0" err="1"/>
+              <a:t>ctx.setAttribute</a:t>
+            </a:r>
+            <a:r>
+              <a:rPr lang="pt-BR" dirty="0"/>
+              <a:t>(“curso", “Java avançado”); </a:t>
+            </a:r>
+            <a:endParaRPr lang="pt-BR" b="1" dirty="0"/>
+          </a:p>
+          <a:p>
+            <a:r>
+              <a:rPr lang="pt-BR" b="1" dirty="0"/>
+              <a:t>	</a:t>
+            </a:r>
+            <a:r>
+              <a:rPr lang="pt-BR" b="1" dirty="0" err="1"/>
+              <a:t>getAttribute</a:t>
+            </a:r>
+            <a:r>
+              <a:rPr lang="pt-BR" b="1" dirty="0"/>
+              <a:t>:</a:t>
+            </a:r>
+          </a:p>
+          <a:p>
+            <a:r>
+              <a:rPr lang="pt-BR" b="1" dirty="0"/>
+              <a:t> </a:t>
+            </a:r>
+            <a:r>
+              <a:rPr lang="en-US" b="1" dirty="0" err="1"/>
+              <a:t>ServletContext</a:t>
+            </a:r>
+            <a:r>
+              <a:rPr lang="en-US" b="1" dirty="0"/>
+              <a:t> </a:t>
+            </a:r>
+            <a:r>
+              <a:rPr lang="en-US" b="1" dirty="0" err="1"/>
+              <a:t>ctx</a:t>
+            </a:r>
+            <a:r>
+              <a:rPr lang="en-US" b="1" dirty="0"/>
+              <a:t> = </a:t>
+            </a:r>
+            <a:r>
+              <a:rPr lang="en-US" b="1" dirty="0" err="1"/>
+              <a:t>getServletContext</a:t>
+            </a:r>
+            <a:r>
+              <a:rPr lang="en-US" b="1" dirty="0"/>
+              <a:t>();</a:t>
+            </a:r>
+          </a:p>
+          <a:p>
+            <a:r>
+              <a:rPr lang="en-US" b="1" dirty="0"/>
+              <a:t>String </a:t>
+            </a:r>
+            <a:r>
+              <a:rPr lang="en-US" b="1" dirty="0" err="1"/>
+              <a:t>curso</a:t>
+            </a:r>
+            <a:r>
+              <a:rPr lang="en-US" b="1" dirty="0"/>
+              <a:t> = </a:t>
+            </a:r>
+            <a:r>
+              <a:rPr lang="en-US" b="1" dirty="0" err="1"/>
+              <a:t>ctx.getAttribute</a:t>
+            </a:r>
+            <a:r>
+              <a:rPr lang="en-US" b="1" dirty="0"/>
+              <a:t>(“</a:t>
+            </a:r>
+            <a:r>
+              <a:rPr lang="en-US" b="1" dirty="0" err="1"/>
+              <a:t>curso</a:t>
+            </a:r>
+            <a:r>
+              <a:rPr lang="en-US" b="1" dirty="0"/>
+              <a:t>");</a:t>
+            </a:r>
+          </a:p>
+          <a:p>
+            <a:endParaRPr lang="pt-BR" b="1" dirty="0"/>
+          </a:p>
+          <a:p>
+            <a:pPr marL="342900" indent="-342900">
+              <a:buFontTx/>
+              <a:buChar char="-"/>
+            </a:pPr>
+            <a:endParaRPr lang="pt-BR" sz="2400" b="1" dirty="0"/>
           </a:p>
         </p:txBody>
       </p:sp>
     </p:spTree>
     <p:extLst>
       <p:ext uri="{BB962C8B-B14F-4D97-AF65-F5344CB8AC3E}">
-        <p14:creationId xmlns:p14="http://schemas.microsoft.com/office/powerpoint/2010/main" val="3169650742"/>
+        <p14:creationId xmlns:p14="http://schemas.microsoft.com/office/powerpoint/2010/main" val="1832021912"/>
+      </p:ext>
+    </p:extLst>
+  </p:cSld>
+  <p:clrMapOvr>
+    <a:masterClrMapping/>
+  </p:clrMapOvr>
+  <p:transition>
+    <p:fade/>
+  </p:transition>
+</p:sld>
+</file>
+
+<file path=ppt/slides/slide13.xml><?xml version="1.0" encoding="utf-8"?>
+<p:sld xmlns:a="http://schemas.openxmlformats.org/drawingml/2006/main" xmlns:r="http://schemas.openxmlformats.org/officeDocument/2006/relationships" xmlns:p="http://schemas.openxmlformats.org/presentationml/2006/main">
+  <p:cSld>
+    <p:spTree>
+      <p:nvGrpSpPr>
+        <p:cNvPr id="1" name=""/>
+        <p:cNvGrpSpPr/>
+        <p:nvPr/>
+      </p:nvGrpSpPr>
+      <p:grpSpPr>
+        <a:xfrm>
+          <a:off x="0" y="0"/>
+          <a:ext cx="0" cy="0"/>
+          <a:chOff x="0" y="0"/>
+          <a:chExt cx="0" cy="0"/>
+        </a:xfrm>
+      </p:grpSpPr>
+      <p:sp>
+        <p:nvSpPr>
+          <p:cNvPr id="3" name="Rectangle 8"/>
+          <p:cNvSpPr>
+            <a:spLocks noGrp="1"/>
+          </p:cNvSpPr>
+          <p:nvPr>
+            <p:ph type="title"/>
+          </p:nvPr>
+        </p:nvSpPr>
+        <p:spPr>
+          <a:xfrm>
+            <a:off x="228600" y="1676400"/>
+            <a:ext cx="8229600" cy="1143000"/>
+          </a:xfrm>
+        </p:spPr>
+        <p:txBody>
+          <a:bodyPr>
+            <a:noAutofit/>
+          </a:bodyPr>
+          <a:lstStyle/>
+          <a:p>
+            <a:r>
+              <a:rPr lang="pt-BR" sz="4000" dirty="0" smtClean="0"/>
+              <a:t>Interface </a:t>
+            </a:r>
+            <a:r>
+              <a:rPr lang="pt-BR" sz="4000" dirty="0" err="1" smtClean="0"/>
+              <a:t>ServletContext</a:t>
+            </a:r>
+            <a:endParaRPr lang="pt-BR" sz="4000" dirty="0"/>
+          </a:p>
+        </p:txBody>
+      </p:sp>
+      <p:sp>
+        <p:nvSpPr>
+          <p:cNvPr id="7" name="Retângulo 6">
+            <a:extLst>
+              <a:ext uri="{FF2B5EF4-FFF2-40B4-BE49-F238E27FC236}">
+                <a16:creationId xmlns="" xmlns:a16="http://schemas.microsoft.com/office/drawing/2014/main" id="{DE871D51-6822-455D-8B97-7F37D0BA5BB9}"/>
+              </a:ext>
+            </a:extLst>
+          </p:cNvPr>
+          <p:cNvSpPr/>
+          <p:nvPr/>
+        </p:nvSpPr>
+        <p:spPr>
+          <a:xfrm>
+            <a:off x="685800" y="2703016"/>
+            <a:ext cx="7772400" cy="2246769"/>
+          </a:xfrm>
+          <a:prstGeom prst="rect">
+            <a:avLst/>
+          </a:prstGeom>
+        </p:spPr>
+        <p:txBody>
+          <a:bodyPr wrap="square">
+            <a:spAutoFit/>
+          </a:bodyPr>
+          <a:lstStyle/>
+          <a:p>
+            <a:r>
+              <a:rPr lang="pt-BR" sz="2000" b="1" dirty="0" err="1" smtClean="0"/>
+              <a:t>ServletContext</a:t>
+            </a:r>
+            <a:r>
+              <a:rPr lang="pt-BR" sz="2000" b="1" dirty="0" smtClean="0"/>
+              <a:t> encapsula informações sobre o contexto da aplicação.</a:t>
+            </a:r>
+          </a:p>
+          <a:p>
+            <a:endParaRPr lang="pt-BR" sz="2000" b="1" dirty="0" smtClean="0"/>
+          </a:p>
+          <a:p>
+            <a:r>
+              <a:rPr lang="pt-BR" sz="2000" b="1" dirty="0" smtClean="0"/>
+              <a:t>Qual finalidade </a:t>
+            </a:r>
+            <a:r>
+              <a:rPr lang="pt-BR" sz="2000" dirty="0" smtClean="0"/>
+              <a:t>?</a:t>
+            </a:r>
+          </a:p>
+          <a:p>
+            <a:r>
+              <a:rPr lang="pt-BR" sz="2000" b="1" dirty="0" smtClean="0"/>
+              <a:t>Com a referência do contexto da aplicação podemos interagir co</a:t>
+            </a:r>
+            <a:r>
+              <a:rPr lang="pt-BR" sz="2000" b="1" dirty="0" smtClean="0"/>
+              <a:t>m a aplicação retornando informações, até mesmo entre os </a:t>
+            </a:r>
+            <a:r>
+              <a:rPr lang="pt-BR" sz="2000" b="1" dirty="0" err="1" smtClean="0"/>
+              <a:t>servlets</a:t>
+            </a:r>
+            <a:r>
+              <a:rPr lang="pt-BR" sz="2000" b="1" dirty="0" smtClean="0"/>
+              <a:t>.</a:t>
+            </a:r>
+            <a:endParaRPr lang="en-US" sz="2000" b="1" dirty="0"/>
+          </a:p>
+        </p:txBody>
+      </p:sp>
+    </p:spTree>
+    <p:extLst>
+      <p:ext uri="{BB962C8B-B14F-4D97-AF65-F5344CB8AC3E}">
+        <p14:creationId xmlns:p14="http://schemas.microsoft.com/office/powerpoint/2010/main" val="1483072264"/>
+      </p:ext>
+    </p:extLst>
+  </p:cSld>
+  <p:clrMapOvr>
+    <a:masterClrMapping/>
+  </p:clrMapOvr>
+  <p:transition>
+    <p:fade/>
+  </p:transition>
+</p:sld>
+</file>
+
+<file path=ppt/slides/slide14.xml><?xml version="1.0" encoding="utf-8"?>
+<p:sld xmlns:a="http://schemas.openxmlformats.org/drawingml/2006/main" xmlns:r="http://schemas.openxmlformats.org/officeDocument/2006/relationships" xmlns:p="http://schemas.openxmlformats.org/presentationml/2006/main">
+  <p:cSld>
+    <p:spTree>
+      <p:nvGrpSpPr>
+        <p:cNvPr id="1" name=""/>
+        <p:cNvGrpSpPr/>
+        <p:nvPr/>
+      </p:nvGrpSpPr>
+      <p:grpSpPr>
+        <a:xfrm>
+          <a:off x="0" y="0"/>
+          <a:ext cx="0" cy="0"/>
+          <a:chOff x="0" y="0"/>
+          <a:chExt cx="0" cy="0"/>
+        </a:xfrm>
+      </p:grpSpPr>
+      <p:sp>
+        <p:nvSpPr>
+          <p:cNvPr id="3" name="Rectangle 8"/>
+          <p:cNvSpPr>
+            <a:spLocks noGrp="1"/>
+          </p:cNvSpPr>
+          <p:nvPr>
+            <p:ph type="title"/>
+          </p:nvPr>
+        </p:nvSpPr>
+        <p:spPr>
+          <a:xfrm>
+            <a:off x="228600" y="1676400"/>
+            <a:ext cx="8229600" cy="1143000"/>
+          </a:xfrm>
+        </p:spPr>
+        <p:txBody>
+          <a:bodyPr>
+            <a:noAutofit/>
+          </a:bodyPr>
+          <a:lstStyle/>
+          <a:p>
+            <a:r>
+              <a:rPr lang="pt-BR" sz="4000" dirty="0" smtClean="0"/>
+              <a:t>Interface </a:t>
+            </a:r>
+            <a:r>
+              <a:rPr lang="pt-BR" sz="4000" dirty="0" err="1" smtClean="0"/>
+              <a:t>ServletContext</a:t>
+            </a:r>
+            <a:endParaRPr lang="pt-BR" sz="4000" dirty="0"/>
+          </a:p>
+        </p:txBody>
+      </p:sp>
+      <p:sp>
+        <p:nvSpPr>
+          <p:cNvPr id="7" name="Retângulo 6">
+            <a:extLst>
+              <a:ext uri="{FF2B5EF4-FFF2-40B4-BE49-F238E27FC236}">
+                <a16:creationId xmlns="" xmlns:a16="http://schemas.microsoft.com/office/drawing/2014/main" id="{DE871D51-6822-455D-8B97-7F37D0BA5BB9}"/>
+              </a:ext>
+            </a:extLst>
+          </p:cNvPr>
+          <p:cNvSpPr/>
+          <p:nvPr/>
+        </p:nvSpPr>
+        <p:spPr>
+          <a:xfrm>
+            <a:off x="685800" y="2703016"/>
+            <a:ext cx="7772400" cy="2246769"/>
+          </a:xfrm>
+          <a:prstGeom prst="rect">
+            <a:avLst/>
+          </a:prstGeom>
+        </p:spPr>
+        <p:txBody>
+          <a:bodyPr wrap="square">
+            <a:spAutoFit/>
+          </a:bodyPr>
+          <a:lstStyle/>
+          <a:p>
+            <a:r>
+              <a:rPr lang="pt-BR" sz="2000" b="1" dirty="0" err="1" smtClean="0"/>
+              <a:t>ServletContext</a:t>
+            </a:r>
+            <a:r>
+              <a:rPr lang="pt-BR" sz="2000" b="1" dirty="0" smtClean="0"/>
+              <a:t> encapsula informações sobre o contexto da aplicação.</a:t>
+            </a:r>
+          </a:p>
+          <a:p>
+            <a:endParaRPr lang="pt-BR" sz="2000" b="1" dirty="0" smtClean="0"/>
+          </a:p>
+          <a:p>
+            <a:r>
+              <a:rPr lang="pt-BR" sz="2000" b="1" dirty="0" smtClean="0"/>
+              <a:t>Qual finalidade </a:t>
+            </a:r>
+            <a:r>
+              <a:rPr lang="pt-BR" sz="2000" dirty="0" smtClean="0"/>
+              <a:t>?</a:t>
+            </a:r>
+          </a:p>
+          <a:p>
+            <a:r>
+              <a:rPr lang="pt-BR" sz="2000" b="1" dirty="0" smtClean="0"/>
+              <a:t>Com a referência do contexto da aplicação podemos interagir co</a:t>
+            </a:r>
+            <a:r>
+              <a:rPr lang="pt-BR" sz="2000" b="1" dirty="0" smtClean="0"/>
+              <a:t>m a aplicação retornando informações, até mesmo entre os </a:t>
+            </a:r>
+            <a:r>
+              <a:rPr lang="pt-BR" sz="2000" b="1" dirty="0" err="1" smtClean="0"/>
+              <a:t>servlets</a:t>
+            </a:r>
+            <a:r>
+              <a:rPr lang="pt-BR" sz="2000" b="1" dirty="0" smtClean="0"/>
+              <a:t>.</a:t>
+            </a:r>
+            <a:endParaRPr lang="en-US" sz="2000" b="1" dirty="0"/>
+          </a:p>
+        </p:txBody>
+      </p:sp>
+    </p:spTree>
+    <p:extLst>
+      <p:ext uri="{BB962C8B-B14F-4D97-AF65-F5344CB8AC3E}">
+        <p14:creationId xmlns:p14="http://schemas.microsoft.com/office/powerpoint/2010/main" val="435609940"/>
       </p:ext>
     </p:extLst>
   </p:cSld>
@@ -10253,8 +14260,13 @@
           <a:p>
             <a:r>
               <a:rPr lang="pt-BR" sz="2400" dirty="0"/>
-              <a:t>O que é ?</a:t>
-            </a:r>
+              <a:t>O que é </a:t>
+            </a:r>
+            <a:r>
+              <a:rPr lang="pt-BR" sz="2400" dirty="0" smtClean="0"/>
+              <a:t>?</a:t>
+            </a:r>
+            <a:endParaRPr lang="pt-BR" sz="2400" dirty="0"/>
           </a:p>
           <a:p>
             <a:r>
@@ -10417,7 +14429,7 @@
         <p:spPr>
           <a:xfrm>
             <a:off x="762000" y="3212976"/>
-            <a:ext cx="7086600" cy="3046988"/>
+            <a:ext cx="7086600" cy="3490186"/>
           </a:xfrm>
           <a:prstGeom prst="rect">
             <a:avLst/>
@@ -10457,8 +14469,26 @@
               <a:defRPr lang="pt-BR"/>
             </a:pPr>
             <a:r>
+              <a:rPr lang="pt-BR" sz="2400" kern="0" dirty="0" smtClean="0"/>
+              <a:t>Criar um projeto</a:t>
+            </a:r>
+          </a:p>
+          <a:p>
+            <a:pPr marL="342900" lvl="0" indent="-342900">
+              <a:spcBef>
+                <a:spcPct val="20000"/>
+              </a:spcBef>
+              <a:buFont typeface="Arial"/>
+              <a:buChar char="•"/>
+              <a:defRPr lang="pt-BR"/>
+            </a:pPr>
+            <a:r>
+              <a:rPr lang="pt-BR" sz="2400" kern="0" dirty="0" smtClean="0"/>
+              <a:t>Criar </a:t>
+            </a:r>
+            <a:r>
               <a:rPr lang="pt-BR" sz="2400" kern="0" dirty="0"/>
-              <a:t>Criar um </a:t>
+              <a:t>um </a:t>
             </a:r>
             <a:r>
               <a:rPr lang="pt-BR" sz="2400" kern="0" dirty="0" err="1"/>
@@ -10736,25 +14766,10 @@
           <a:lstStyle/>
           <a:p>
             <a:r>
-              <a:rPr lang="pt-BR" sz="4200" dirty="0"/>
-              <a:t>... </a:t>
-            </a:r>
-            <a:r>
-              <a:rPr lang="pt-BR" sz="4200" dirty="0" err="1"/>
-              <a:t>extends</a:t>
-            </a:r>
-            <a:r>
-              <a:rPr lang="pt-BR" sz="4200" dirty="0"/>
-              <a:t> </a:t>
-            </a:r>
-            <a:r>
-              <a:rPr lang="pt-BR" sz="4400" dirty="0" err="1"/>
-              <a:t>HttpServlet</a:t>
-            </a:r>
-            <a:r>
-              <a:rPr lang="pt-BR" sz="4200" dirty="0"/>
-              <a:t> ?</a:t>
-            </a:r>
+              <a:rPr lang="pt-BR" sz="4200" dirty="0" smtClean="0"/>
+              <a:t>Vamos ao código !</a:t>
+            </a:r>
+            <a:endParaRPr lang="pt-BR" sz="4200" dirty="0"/>
           </a:p>
         </p:txBody>
       </p:sp>
@@ -10789,142 +14804,6 @@
               <a:buChar char="•"/>
               <a:defRPr lang="pt-BR"/>
             </a:pPr>
-            <a:r>
-              <a:rPr kumimoji="0" lang="pt-BR" sz="2400" b="0" i="0" u="none" strike="noStrike" kern="0" cap="none" spc="0" normalizeH="0" baseline="0" dirty="0" err="1">
-                <a:ln>
-                  <a:noFill/>
-                </a:ln>
-                <a:solidFill>
-                  <a:schemeClr val="tx1"/>
-                </a:solidFill>
-                <a:effectLst/>
-                <a:uLnTx/>
-                <a:uFillTx/>
-              </a:rPr>
-              <a:t>WebServlets</a:t>
-            </a:r>
-            <a:r>
-              <a:rPr kumimoji="0" lang="pt-BR" sz="2400" b="0" i="0" u="none" strike="noStrike" kern="0" cap="none" spc="0" normalizeH="0" dirty="0">
-                <a:ln>
-                  <a:noFill/>
-                </a:ln>
-                <a:solidFill>
-                  <a:schemeClr val="tx1"/>
-                </a:solidFill>
-                <a:effectLst/>
-                <a:uLnTx/>
-                <a:uFillTx/>
-              </a:rPr>
-              <a:t> </a:t>
-            </a:r>
-            <a:r>
-              <a:rPr kumimoji="0" lang="pt-BR" sz="2400" b="0" i="0" u="none" strike="noStrike" kern="0" cap="none" spc="0" normalizeH="0" dirty="0" err="1">
-                <a:ln>
-                  <a:noFill/>
-                </a:ln>
-                <a:solidFill>
-                  <a:schemeClr val="tx1"/>
-                </a:solidFill>
-                <a:effectLst/>
-                <a:uLnTx/>
-                <a:uFillTx/>
-              </a:rPr>
-              <a:t>extende</a:t>
-            </a:r>
-            <a:r>
-              <a:rPr kumimoji="0" lang="pt-BR" sz="2400" b="0" i="0" u="none" strike="noStrike" kern="0" cap="none" spc="0" normalizeH="0" dirty="0">
-                <a:ln>
-                  <a:noFill/>
-                </a:ln>
-                <a:solidFill>
-                  <a:schemeClr val="tx1"/>
-                </a:solidFill>
-                <a:effectLst/>
-                <a:uLnTx/>
-                <a:uFillTx/>
-              </a:rPr>
-              <a:t> “</a:t>
-            </a:r>
-            <a:r>
-              <a:rPr kumimoji="0" lang="pt-BR" sz="2400" b="0" i="0" u="none" strike="noStrike" kern="0" cap="none" spc="0" normalizeH="0" dirty="0" err="1">
-                <a:ln>
-                  <a:noFill/>
-                </a:ln>
-                <a:solidFill>
-                  <a:schemeClr val="tx1"/>
-                </a:solidFill>
-                <a:effectLst/>
-                <a:uLnTx/>
-                <a:uFillTx/>
-              </a:rPr>
-              <a:t>HttpServlet</a:t>
-            </a:r>
-            <a:r>
-              <a:rPr kumimoji="0" lang="pt-BR" sz="2400" b="0" i="0" u="none" strike="noStrike" kern="0" cap="none" spc="0" normalizeH="0" dirty="0">
-                <a:ln>
-                  <a:noFill/>
-                </a:ln>
-                <a:solidFill>
-                  <a:schemeClr val="tx1"/>
-                </a:solidFill>
-                <a:effectLst/>
-                <a:uLnTx/>
-                <a:uFillTx/>
-              </a:rPr>
-              <a:t>” </a:t>
-            </a:r>
-            <a:r>
-              <a:rPr lang="pt-BR" sz="2400" kern="0" dirty="0"/>
-              <a:t>do pacote </a:t>
-            </a:r>
-          </a:p>
-          <a:p>
-            <a:pPr lvl="0">
-              <a:spcBef>
-                <a:spcPct val="20000"/>
-              </a:spcBef>
-              <a:defRPr lang="pt-BR"/>
-            </a:pPr>
-            <a:r>
-              <a:rPr lang="pt-BR" sz="2400" kern="0" dirty="0"/>
-              <a:t>“</a:t>
-            </a:r>
-            <a:r>
-              <a:rPr lang="pt-BR" sz="2400" kern="0" dirty="0" err="1"/>
-              <a:t>javax.servlet.http</a:t>
-            </a:r>
-            <a:r>
-              <a:rPr lang="pt-BR" sz="2400" kern="0" dirty="0"/>
-              <a:t>” que </a:t>
-            </a:r>
-            <a:r>
-              <a:rPr lang="pt-BR" sz="2400" kern="0" dirty="0" err="1"/>
-              <a:t>extende</a:t>
-            </a:r>
-            <a:r>
-              <a:rPr lang="pt-BR" sz="2400" kern="0" dirty="0"/>
-              <a:t> a classe </a:t>
-            </a:r>
-          </a:p>
-          <a:p>
-            <a:pPr lvl="0">
-              <a:spcBef>
-                <a:spcPct val="20000"/>
-              </a:spcBef>
-              <a:defRPr lang="pt-BR"/>
-            </a:pPr>
-            <a:r>
-              <a:rPr lang="pt-BR" sz="2400" kern="0" dirty="0"/>
-              <a:t>“</a:t>
-            </a:r>
-            <a:r>
-              <a:rPr lang="pt-BR" sz="2400" kern="0" dirty="0" err="1"/>
-              <a:t>GenericServlet</a:t>
-            </a:r>
-            <a:r>
-              <a:rPr lang="pt-BR" sz="2400" kern="0" dirty="0"/>
-              <a:t>” que implementa 2 interfaces.</a:t>
-            </a:r>
             <a:endParaRPr kumimoji="0" lang="pt-BR" sz="2400" b="0" i="0" u="none" strike="noStrike" kern="0" cap="none" spc="0" normalizeH="0" baseline="0" dirty="0">
               <a:ln>
                 <a:noFill/>
@@ -10939,10 +14818,181 @@
           </a:p>
         </p:txBody>
       </p:sp>
+      <p:sp>
+        <p:nvSpPr>
+          <p:cNvPr id="2" name="Retângulo 1"/>
+          <p:cNvSpPr/>
+          <p:nvPr/>
+        </p:nvSpPr>
+        <p:spPr>
+          <a:xfrm>
+            <a:off x="762000" y="2971800"/>
+            <a:ext cx="7086600" cy="3564053"/>
+          </a:xfrm>
+          <a:prstGeom prst="rect">
+            <a:avLst/>
+          </a:prstGeom>
+        </p:spPr>
+        <p:txBody>
+          <a:bodyPr wrap="square">
+            <a:spAutoFit/>
+          </a:bodyPr>
+          <a:lstStyle/>
+          <a:p>
+            <a:pPr lvl="0">
+              <a:spcBef>
+                <a:spcPct val="20000"/>
+              </a:spcBef>
+              <a:defRPr lang="pt-BR"/>
+            </a:pPr>
+            <a:r>
+              <a:rPr lang="pt-BR" sz="2400" kern="0" dirty="0" smtClean="0"/>
+              <a:t>Iremos utilizar:</a:t>
+            </a:r>
+          </a:p>
+          <a:p>
+            <a:pPr marL="342900" lvl="0" indent="-342900">
+              <a:spcBef>
+                <a:spcPct val="20000"/>
+              </a:spcBef>
+              <a:buFont typeface="Arial" panose="020B0604020202020204" pitchFamily="34" charset="0"/>
+              <a:buChar char="•"/>
+              <a:defRPr lang="pt-BR"/>
+            </a:pPr>
+            <a:r>
+              <a:rPr lang="pt-BR" sz="2400" kern="0" dirty="0" smtClean="0"/>
+              <a:t>IDE </a:t>
+            </a:r>
+            <a:r>
+              <a:rPr lang="pt-BR" sz="2400" kern="0" dirty="0" smtClean="0">
+                <a:sym typeface="Wingdings" panose="05000000000000000000" pitchFamily="2" charset="2"/>
+              </a:rPr>
+              <a:t> ECLIPSE</a:t>
+            </a:r>
+            <a:r>
+              <a:rPr lang="pt-BR" sz="2400" dirty="0"/>
+              <a:t> </a:t>
+            </a:r>
+            <a:r>
+              <a:rPr lang="pt-BR" sz="2400" dirty="0" err="1"/>
+              <a:t>SimRel</a:t>
+            </a:r>
+            <a:r>
+              <a:rPr lang="pt-BR" sz="2400" dirty="0"/>
+              <a:t> </a:t>
+            </a:r>
+            <a:r>
+              <a:rPr lang="pt-BR" sz="2400" dirty="0" smtClean="0"/>
+              <a:t>2018‑09</a:t>
+            </a:r>
+            <a:endParaRPr lang="pt-BR" sz="2400" kern="0" dirty="0" smtClean="0">
+              <a:sym typeface="Wingdings" panose="05000000000000000000" pitchFamily="2" charset="2"/>
+            </a:endParaRPr>
+          </a:p>
+          <a:p>
+            <a:pPr marL="342900" lvl="0" indent="-342900">
+              <a:spcBef>
+                <a:spcPct val="20000"/>
+              </a:spcBef>
+              <a:buFont typeface="Arial" panose="020B0604020202020204" pitchFamily="34" charset="0"/>
+              <a:buChar char="•"/>
+              <a:defRPr lang="pt-BR"/>
+            </a:pPr>
+            <a:r>
+              <a:rPr lang="pt-BR" sz="2400" kern="0" dirty="0" smtClean="0">
+                <a:sym typeface="Wingdings" panose="05000000000000000000" pitchFamily="2" charset="2"/>
+              </a:rPr>
+              <a:t>Servidor de aplicação  </a:t>
+            </a:r>
+            <a:r>
+              <a:rPr lang="pt-BR" sz="2400" kern="0" dirty="0" err="1" smtClean="0">
+                <a:sym typeface="Wingdings" panose="05000000000000000000" pitchFamily="2" charset="2"/>
+              </a:rPr>
+              <a:t>Wildfly</a:t>
+            </a:r>
+            <a:r>
+              <a:rPr lang="pt-BR" sz="2400" kern="0" dirty="0" smtClean="0">
+                <a:sym typeface="Wingdings" panose="05000000000000000000" pitchFamily="2" charset="2"/>
+              </a:rPr>
+              <a:t> 12</a:t>
+            </a:r>
+          </a:p>
+          <a:p>
+            <a:pPr marL="342900" lvl="0" indent="-342900">
+              <a:spcBef>
+                <a:spcPct val="20000"/>
+              </a:spcBef>
+              <a:buFont typeface="Arial" panose="020B0604020202020204" pitchFamily="34" charset="0"/>
+              <a:buChar char="•"/>
+              <a:defRPr lang="pt-BR"/>
+            </a:pPr>
+            <a:r>
+              <a:rPr lang="pt-BR" sz="2400" kern="0" dirty="0" smtClean="0"/>
+              <a:t>Java 1.8</a:t>
+            </a:r>
+          </a:p>
+          <a:p>
+            <a:pPr lvl="0">
+              <a:spcBef>
+                <a:spcPct val="20000"/>
+              </a:spcBef>
+              <a:defRPr lang="pt-BR"/>
+            </a:pPr>
+            <a:endParaRPr lang="pt-BR" sz="2400" kern="0" dirty="0" smtClean="0"/>
+          </a:p>
+          <a:p>
+            <a:pPr marL="457200" lvl="0" indent="-457200">
+              <a:spcBef>
+                <a:spcPct val="20000"/>
+              </a:spcBef>
+              <a:buFont typeface="+mj-lt"/>
+              <a:buAutoNum type="arabicPeriod"/>
+              <a:defRPr lang="pt-BR"/>
+            </a:pPr>
+            <a:r>
+              <a:rPr lang="pt-BR" sz="2400" kern="0" dirty="0" smtClean="0"/>
+              <a:t>Criar primeiro projeto !</a:t>
+            </a:r>
+          </a:p>
+          <a:p>
+            <a:pPr marL="457200" lvl="0" indent="-457200">
+              <a:spcBef>
+                <a:spcPct val="20000"/>
+              </a:spcBef>
+              <a:buFont typeface="+mj-lt"/>
+              <a:buAutoNum type="arabicPeriod"/>
+              <a:defRPr lang="pt-BR"/>
+            </a:pPr>
+            <a:r>
+              <a:rPr lang="pt-BR" sz="2400" kern="0" dirty="0" smtClean="0"/>
+              <a:t>Criar primeiro </a:t>
+            </a:r>
+            <a:r>
+              <a:rPr lang="pt-BR" sz="2400" kern="0" dirty="0" err="1" smtClean="0"/>
+              <a:t>servlet</a:t>
+            </a:r>
+            <a:r>
+              <a:rPr lang="pt-BR" sz="2400" kern="0" dirty="0" smtClean="0"/>
+              <a:t>.</a:t>
+            </a:r>
+          </a:p>
+          <a:p>
+            <a:pPr marL="342900" lvl="0" indent="-342900">
+              <a:spcBef>
+                <a:spcPct val="20000"/>
+              </a:spcBef>
+              <a:buFont typeface="Arial" panose="020B0604020202020204" pitchFamily="34" charset="0"/>
+              <a:buChar char="•"/>
+              <a:defRPr lang="pt-BR"/>
+            </a:pPr>
+            <a:endParaRPr lang="pt-BR" sz="2400" kern="0" dirty="0"/>
+          </a:p>
+        </p:txBody>
+      </p:sp>
     </p:spTree>
     <p:extLst>
       <p:ext uri="{BB962C8B-B14F-4D97-AF65-F5344CB8AC3E}">
-        <p14:creationId xmlns:p14="http://schemas.microsoft.com/office/powerpoint/2010/main" val="2454104205"/>
+        <p14:creationId xmlns:p14="http://schemas.microsoft.com/office/powerpoint/2010/main" val="947139371"/>
       </p:ext>
     </p:extLst>
   </p:cSld>
@@ -10995,21 +15045,14 @@
           <a:lstStyle/>
           <a:p>
             <a:r>
-              <a:rPr lang="pt-BR" sz="4200" dirty="0" err="1"/>
-              <a:t>HttpServletRequest</a:t>
-            </a:r>
-            <a:r>
-              <a:rPr lang="pt-BR" sz="4200" dirty="0"/>
-              <a:t> VS </a:t>
-            </a:r>
-            <a:r>
-              <a:rPr lang="pt-BR" sz="4200" dirty="0" err="1"/>
-              <a:t>HttpServletResponse</a:t>
-            </a:r>
-            <a:r>
-              <a:rPr lang="pt-BR" sz="4200" dirty="0"/>
-              <a:t>.</a:t>
-            </a:r>
+              <a:rPr lang="pt-BR" sz="4200" dirty="0" smtClean="0"/>
+              <a:t>Configurações do </a:t>
+            </a:r>
+            <a:r>
+              <a:rPr lang="pt-BR" sz="4200" dirty="0" err="1" smtClean="0"/>
+              <a:t>Servlet</a:t>
+            </a:r>
+            <a:endParaRPr lang="pt-BR" sz="4200" dirty="0"/>
           </a:p>
         </p:txBody>
       </p:sp>
@@ -11044,6 +15087,80 @@
               <a:buChar char="•"/>
               <a:defRPr lang="pt-BR"/>
             </a:pPr>
+            <a:r>
+              <a:rPr kumimoji="0" lang="pt-BR" sz="2400" b="0" i="0" u="none" strike="noStrike" kern="0" cap="none" spc="0" normalizeH="0" baseline="0" dirty="0" smtClean="0">
+                <a:ln>
+                  <a:noFill/>
+                </a:ln>
+                <a:solidFill>
+                  <a:schemeClr val="tx1"/>
+                </a:solidFill>
+                <a:effectLst/>
+                <a:uLnTx/>
+                <a:uFillTx/>
+              </a:rPr>
+              <a:t>Como acessar meu </a:t>
+            </a:r>
+            <a:r>
+              <a:rPr kumimoji="0" lang="pt-BR" sz="2400" b="0" i="0" u="none" strike="noStrike" kern="0" cap="none" spc="0" normalizeH="0" baseline="0" dirty="0" err="1" smtClean="0">
+                <a:ln>
+                  <a:noFill/>
+                </a:ln>
+                <a:solidFill>
+                  <a:schemeClr val="tx1"/>
+                </a:solidFill>
+                <a:effectLst/>
+                <a:uLnTx/>
+                <a:uFillTx/>
+              </a:rPr>
+              <a:t>servlet</a:t>
+            </a:r>
+            <a:r>
+              <a:rPr kumimoji="0" lang="pt-BR" sz="2400" b="0" i="0" u="none" strike="noStrike" kern="0" cap="none" spc="0" normalizeH="0" baseline="0" dirty="0" smtClean="0">
+                <a:ln>
+                  <a:noFill/>
+                </a:ln>
+                <a:solidFill>
+                  <a:schemeClr val="tx1"/>
+                </a:solidFill>
+                <a:effectLst/>
+                <a:uLnTx/>
+                <a:uFillTx/>
+              </a:rPr>
+              <a:t> </a:t>
+            </a:r>
+            <a:r>
+              <a:rPr lang="pt-BR" sz="2400" dirty="0" smtClean="0"/>
+              <a:t>?</a:t>
+            </a:r>
+          </a:p>
+          <a:p>
+            <a:pPr marL="800100" lvl="1" indent="-342900">
+              <a:spcBef>
+                <a:spcPct val="20000"/>
+              </a:spcBef>
+              <a:buFont typeface="Arial"/>
+              <a:buChar char="•"/>
+              <a:defRPr lang="pt-BR"/>
+            </a:pPr>
+            <a:r>
+              <a:rPr lang="pt-BR" sz="2400" kern="0" dirty="0" smtClean="0"/>
+              <a:t>R: Através dos mapeamentos !</a:t>
+            </a:r>
+            <a:r>
+              <a:rPr kumimoji="0" lang="pt-BR" sz="2400" b="0" i="0" u="none" strike="noStrike" kern="0" cap="none" spc="0" normalizeH="0" baseline="0" dirty="0" smtClean="0">
+                <a:ln>
+                  <a:noFill/>
+                </a:ln>
+                <a:solidFill>
+                  <a:schemeClr val="tx1"/>
+                </a:solidFill>
+                <a:effectLst/>
+                <a:uLnTx/>
+                <a:uFillTx/>
+              </a:rPr>
+              <a:t> </a:t>
+            </a:r>
             <a:endParaRPr kumimoji="0" lang="pt-BR" sz="2400" b="0" i="0" u="none" strike="noStrike" kern="0" cap="none" spc="0" normalizeH="0" baseline="0" dirty="0">
               <a:ln>
                 <a:noFill/>
@@ -11058,61 +15175,10 @@
           </a:p>
         </p:txBody>
       </p:sp>
-      <p:sp>
-        <p:nvSpPr>
-          <p:cNvPr id="2" name="Retângulo 1"/>
-          <p:cNvSpPr/>
-          <p:nvPr/>
-        </p:nvSpPr>
-        <p:spPr>
-          <a:xfrm>
-            <a:off x="762000" y="2875002"/>
-            <a:ext cx="7086600" cy="1274195"/>
-          </a:xfrm>
-          <a:prstGeom prst="rect">
-            <a:avLst/>
-          </a:prstGeom>
-        </p:spPr>
-        <p:txBody>
-          <a:bodyPr wrap="square">
-            <a:spAutoFit/>
-          </a:bodyPr>
-          <a:lstStyle/>
-          <a:p>
-            <a:pPr marL="342900" lvl="0" indent="-342900">
-              <a:spcBef>
-                <a:spcPct val="20000"/>
-              </a:spcBef>
-              <a:buFont typeface="Arial"/>
-              <a:buChar char="•"/>
-              <a:defRPr lang="pt-BR"/>
-            </a:pPr>
-            <a:endParaRPr lang="pt-BR" sz="2400" kern="0" dirty="0"/>
-          </a:p>
-          <a:p>
-            <a:pPr marL="342900" lvl="0" indent="-342900">
-              <a:spcBef>
-                <a:spcPct val="20000"/>
-              </a:spcBef>
-              <a:buFont typeface="Arial"/>
-              <a:buChar char="•"/>
-              <a:defRPr lang="pt-BR"/>
-            </a:pPr>
-            <a:r>
-              <a:rPr lang="pt-BR" sz="2400" kern="0" dirty="0" err="1"/>
-              <a:t>Servlet</a:t>
-            </a:r>
-            <a:r>
-              <a:rPr lang="pt-BR" sz="2400" kern="0" dirty="0"/>
-              <a:t> possui um par de objetos, são os objetos de requisição e resposta.</a:t>
-            </a:r>
-          </a:p>
-        </p:txBody>
-      </p:sp>
     </p:spTree>
     <p:extLst>
       <p:ext uri="{BB962C8B-B14F-4D97-AF65-F5344CB8AC3E}">
-        <p14:creationId xmlns:p14="http://schemas.microsoft.com/office/powerpoint/2010/main" val="676283064"/>
+        <p14:creationId xmlns:p14="http://schemas.microsoft.com/office/powerpoint/2010/main" val="3581676278"/>
       </p:ext>
     </p:extLst>
   </p:cSld>
@@ -11166,13 +15232,24 @@
           <a:p>
             <a:r>
               <a:rPr lang="pt-BR" sz="4200" dirty="0"/>
-              <a:t>O que é Ciclo de vida </a:t>
-            </a:r>
-            <a:r>
-              <a:rPr lang="pt-BR" sz="4400" dirty="0"/>
-              <a:t>?</a:t>
-            </a:r>
-            <a:endParaRPr lang="pt-BR" sz="4200" dirty="0"/>
+              <a:t>... </a:t>
+            </a:r>
+            <a:r>
+              <a:rPr lang="pt-BR" sz="4200" dirty="0" err="1"/>
+              <a:t>extends</a:t>
+            </a:r>
+            <a:r>
+              <a:rPr lang="pt-BR" sz="4200" dirty="0"/>
+              <a:t> </a:t>
+            </a:r>
+            <a:r>
+              <a:rPr lang="pt-BR" sz="4400" dirty="0" err="1"/>
+              <a:t>HttpServlet</a:t>
+            </a:r>
+            <a:r>
+              <a:rPr lang="pt-BR" sz="4200" dirty="0"/>
+              <a:t> ?</a:t>
+            </a:r>
           </a:p>
         </p:txBody>
       </p:sp>
@@ -11207,6 +15284,142 @@
               <a:buChar char="•"/>
               <a:defRPr lang="pt-BR"/>
             </a:pPr>
+            <a:r>
+              <a:rPr kumimoji="0" lang="pt-BR" sz="2400" b="0" i="0" u="none" strike="noStrike" kern="0" cap="none" spc="0" normalizeH="0" baseline="0" dirty="0" err="1">
+                <a:ln>
+                  <a:noFill/>
+                </a:ln>
+                <a:solidFill>
+                  <a:schemeClr val="tx1"/>
+                </a:solidFill>
+                <a:effectLst/>
+                <a:uLnTx/>
+                <a:uFillTx/>
+              </a:rPr>
+              <a:t>WebServlets</a:t>
+            </a:r>
+            <a:r>
+              <a:rPr kumimoji="0" lang="pt-BR" sz="2400" b="0" i="0" u="none" strike="noStrike" kern="0" cap="none" spc="0" normalizeH="0" dirty="0">
+                <a:ln>
+                  <a:noFill/>
+                </a:ln>
+                <a:solidFill>
+                  <a:schemeClr val="tx1"/>
+                </a:solidFill>
+                <a:effectLst/>
+                <a:uLnTx/>
+                <a:uFillTx/>
+              </a:rPr>
+              <a:t> </a:t>
+            </a:r>
+            <a:r>
+              <a:rPr kumimoji="0" lang="pt-BR" sz="2400" b="0" i="0" u="none" strike="noStrike" kern="0" cap="none" spc="0" normalizeH="0" dirty="0" err="1">
+                <a:ln>
+                  <a:noFill/>
+                </a:ln>
+                <a:solidFill>
+                  <a:schemeClr val="tx1"/>
+                </a:solidFill>
+                <a:effectLst/>
+                <a:uLnTx/>
+                <a:uFillTx/>
+              </a:rPr>
+              <a:t>extende</a:t>
+            </a:r>
+            <a:r>
+              <a:rPr kumimoji="0" lang="pt-BR" sz="2400" b="0" i="0" u="none" strike="noStrike" kern="0" cap="none" spc="0" normalizeH="0" dirty="0">
+                <a:ln>
+                  <a:noFill/>
+                </a:ln>
+                <a:solidFill>
+                  <a:schemeClr val="tx1"/>
+                </a:solidFill>
+                <a:effectLst/>
+                <a:uLnTx/>
+                <a:uFillTx/>
+              </a:rPr>
+              <a:t> “</a:t>
+            </a:r>
+            <a:r>
+              <a:rPr kumimoji="0" lang="pt-BR" sz="2400" b="0" i="0" u="none" strike="noStrike" kern="0" cap="none" spc="0" normalizeH="0" dirty="0" err="1">
+                <a:ln>
+                  <a:noFill/>
+                </a:ln>
+                <a:solidFill>
+                  <a:schemeClr val="tx1"/>
+                </a:solidFill>
+                <a:effectLst/>
+                <a:uLnTx/>
+                <a:uFillTx/>
+              </a:rPr>
+              <a:t>HttpServlet</a:t>
+            </a:r>
+            <a:r>
+              <a:rPr kumimoji="0" lang="pt-BR" sz="2400" b="0" i="0" u="none" strike="noStrike" kern="0" cap="none" spc="0" normalizeH="0" dirty="0">
+                <a:ln>
+                  <a:noFill/>
+                </a:ln>
+                <a:solidFill>
+                  <a:schemeClr val="tx1"/>
+                </a:solidFill>
+                <a:effectLst/>
+                <a:uLnTx/>
+                <a:uFillTx/>
+              </a:rPr>
+              <a:t>” </a:t>
+            </a:r>
+            <a:r>
+              <a:rPr lang="pt-BR" sz="2400" kern="0" dirty="0"/>
+              <a:t>do pacote </a:t>
+            </a:r>
+          </a:p>
+          <a:p>
+            <a:pPr lvl="0">
+              <a:spcBef>
+                <a:spcPct val="20000"/>
+              </a:spcBef>
+              <a:defRPr lang="pt-BR"/>
+            </a:pPr>
+            <a:r>
+              <a:rPr lang="pt-BR" sz="2400" kern="0" dirty="0"/>
+              <a:t>“</a:t>
+            </a:r>
+            <a:r>
+              <a:rPr lang="pt-BR" sz="2400" kern="0" dirty="0" err="1"/>
+              <a:t>javax.servlet.http</a:t>
+            </a:r>
+            <a:r>
+              <a:rPr lang="pt-BR" sz="2400" kern="0" dirty="0"/>
+              <a:t>” que </a:t>
+            </a:r>
+            <a:r>
+              <a:rPr lang="pt-BR" sz="2400" kern="0" dirty="0" err="1"/>
+              <a:t>extende</a:t>
+            </a:r>
+            <a:r>
+              <a:rPr lang="pt-BR" sz="2400" kern="0" dirty="0"/>
+              <a:t> a classe </a:t>
+            </a:r>
+          </a:p>
+          <a:p>
+            <a:pPr lvl="0">
+              <a:spcBef>
+                <a:spcPct val="20000"/>
+              </a:spcBef>
+              <a:defRPr lang="pt-BR"/>
+            </a:pPr>
+            <a:r>
+              <a:rPr lang="pt-BR" sz="2400" kern="0" dirty="0"/>
+              <a:t>“</a:t>
+            </a:r>
+            <a:r>
+              <a:rPr lang="pt-BR" sz="2400" kern="0" dirty="0" err="1"/>
+              <a:t>GenericServlet</a:t>
+            </a:r>
+            <a:r>
+              <a:rPr lang="pt-BR" sz="2400" kern="0" dirty="0"/>
+              <a:t>” que implementa 2 interfaces.</a:t>
+            </a:r>
             <a:endParaRPr kumimoji="0" lang="pt-BR" sz="2400" b="0" i="0" u="none" strike="noStrike" kern="0" cap="none" spc="0" normalizeH="0" baseline="0" dirty="0">
               <a:ln>
                 <a:noFill/>
@@ -11221,134 +15434,10 @@
           </a:p>
         </p:txBody>
       </p:sp>
-      <p:sp>
-        <p:nvSpPr>
-          <p:cNvPr id="2" name="Retângulo 1"/>
-          <p:cNvSpPr/>
-          <p:nvPr/>
-        </p:nvSpPr>
-        <p:spPr>
-          <a:xfrm>
-            <a:off x="762000" y="2875002"/>
-            <a:ext cx="7086600" cy="3194721"/>
-          </a:xfrm>
-          <a:prstGeom prst="rect">
-            <a:avLst/>
-          </a:prstGeom>
-        </p:spPr>
-        <p:txBody>
-          <a:bodyPr wrap="square">
-            <a:spAutoFit/>
-          </a:bodyPr>
-          <a:lstStyle/>
-          <a:p>
-            <a:pPr marL="342900" lvl="0" indent="-342900">
-              <a:spcBef>
-                <a:spcPct val="20000"/>
-              </a:spcBef>
-              <a:buFont typeface="Arial"/>
-              <a:buChar char="•"/>
-              <a:defRPr lang="pt-BR"/>
-            </a:pPr>
-            <a:endParaRPr lang="pt-BR" sz="2400" kern="0" dirty="0"/>
-          </a:p>
-          <a:p>
-            <a:pPr marL="342900" lvl="0" indent="-342900">
-              <a:spcBef>
-                <a:spcPct val="20000"/>
-              </a:spcBef>
-              <a:buFont typeface="Arial"/>
-              <a:buChar char="•"/>
-              <a:defRPr lang="pt-BR"/>
-            </a:pPr>
-            <a:r>
-              <a:rPr lang="pt-BR" sz="2400" kern="0" dirty="0"/>
-              <a:t>É a definição pela qual irá existir o </a:t>
-            </a:r>
-            <a:r>
-              <a:rPr lang="pt-BR" sz="2400" kern="0" dirty="0" err="1"/>
-              <a:t>servlet</a:t>
-            </a:r>
-            <a:r>
-              <a:rPr lang="pt-BR" sz="2400" kern="0" dirty="0"/>
-              <a:t>.</a:t>
-            </a:r>
-          </a:p>
-          <a:p>
-            <a:pPr lvl="0">
-              <a:spcBef>
-                <a:spcPct val="20000"/>
-              </a:spcBef>
-              <a:defRPr lang="pt-BR"/>
-            </a:pPr>
-            <a:r>
-              <a:rPr lang="pt-BR" sz="2400" kern="0" dirty="0"/>
-              <a:t>Um ciclo de vida do </a:t>
-            </a:r>
-            <a:r>
-              <a:rPr lang="pt-BR" sz="2400" dirty="0" err="1"/>
-              <a:t>Servlet</a:t>
-            </a:r>
-            <a:r>
-              <a:rPr lang="pt-BR" sz="2400" dirty="0"/>
-              <a:t> é gerenciado pelo </a:t>
-            </a:r>
-            <a:r>
-              <a:rPr lang="pt-BR" sz="2400" dirty="0" err="1"/>
-              <a:t>ServletContainer</a:t>
-            </a:r>
-            <a:r>
-              <a:rPr lang="pt-BR" sz="2400" dirty="0"/>
-              <a:t> (</a:t>
-            </a:r>
-            <a:r>
-              <a:rPr lang="pt-BR" sz="2400" dirty="0" err="1"/>
-              <a:t>Wildfly</a:t>
-            </a:r>
-            <a:r>
-              <a:rPr lang="pt-BR" sz="2400" dirty="0"/>
-              <a:t>). Quando o </a:t>
-            </a:r>
-            <a:r>
-              <a:rPr lang="pt-BR" sz="2400" dirty="0" err="1"/>
-              <a:t>Servlet</a:t>
-            </a:r>
-            <a:r>
-              <a:rPr lang="pt-BR" sz="2400" dirty="0"/>
-              <a:t> é chamado ele inicia através do método </a:t>
-            </a:r>
-            <a:r>
-              <a:rPr lang="pt-BR" sz="2400" dirty="0" err="1"/>
-              <a:t>init</a:t>
-            </a:r>
-            <a:r>
-              <a:rPr lang="pt-BR" sz="2400" dirty="0"/>
-              <a:t>(), e depois chama o método </a:t>
-            </a:r>
-            <a:r>
-              <a:rPr lang="pt-BR" sz="2400" dirty="0" err="1"/>
-              <a:t>service</a:t>
-            </a:r>
-            <a:r>
-              <a:rPr lang="pt-BR" sz="2400" dirty="0"/>
-              <a:t>() para atender e tratar às requisições, quando deve morrer, é chamado o método </a:t>
-            </a:r>
-            <a:r>
-              <a:rPr lang="pt-BR" sz="2400" dirty="0" err="1"/>
-              <a:t>destroy</a:t>
-            </a:r>
-            <a:r>
-              <a:rPr lang="pt-BR" sz="2400" dirty="0"/>
-              <a:t>().</a:t>
-            </a:r>
-            <a:endParaRPr lang="pt-BR" sz="2400" kern="0" dirty="0"/>
-          </a:p>
-        </p:txBody>
-      </p:sp>
     </p:spTree>
     <p:extLst>
       <p:ext uri="{BB962C8B-B14F-4D97-AF65-F5344CB8AC3E}">
-        <p14:creationId xmlns:p14="http://schemas.microsoft.com/office/powerpoint/2010/main" val="4052484874"/>
+        <p14:creationId xmlns:p14="http://schemas.microsoft.com/office/powerpoint/2010/main" val="2454104205"/>
       </p:ext>
     </p:extLst>
   </p:cSld>
@@ -11388,7 +15477,12 @@
             <p:ph type="title"/>
           </p:nvPr>
         </p:nvSpPr>
-        <p:spPr/>
+        <p:spPr>
+          <a:xfrm>
+            <a:off x="228600" y="1676400"/>
+            <a:ext cx="8375848" cy="1143000"/>
+          </a:xfrm>
+        </p:spPr>
         <p:txBody>
           <a:bodyPr>
             <a:noAutofit/>
@@ -11396,10 +15490,21 @@
           <a:lstStyle/>
           <a:p>
             <a:r>
-              <a:rPr lang="pt-BR" sz="4000" b="0" dirty="0"/>
-              <a:t>Verbos HTTP.</a:t>
-            </a:r>
-            <a:endParaRPr lang="pt-BR" sz="4000" dirty="0"/>
+              <a:rPr lang="pt-BR" sz="4200" dirty="0" err="1"/>
+              <a:t>HttpServletRequest</a:t>
+            </a:r>
+            <a:r>
+              <a:rPr lang="pt-BR" sz="4200" dirty="0"/>
+              <a:t> VS </a:t>
+            </a:r>
+            <a:r>
+              <a:rPr lang="pt-BR" sz="4200" dirty="0" err="1"/>
+              <a:t>HttpServletResponse</a:t>
+            </a:r>
+            <a:r>
+              <a:rPr lang="pt-BR" sz="4200" dirty="0"/>
+              <a:t>.</a:t>
+            </a:r>
           </a:p>
         </p:txBody>
       </p:sp>
@@ -11413,8 +15518,8 @@
         </p:nvSpPr>
         <p:spPr>
           <a:xfrm>
-            <a:off x="762000" y="2924944"/>
-            <a:ext cx="7086600" cy="3456384"/>
+            <a:off x="762000" y="2971800"/>
+            <a:ext cx="7086600" cy="2977480"/>
           </a:xfrm>
           <a:prstGeom prst="rect">
             <a:avLst/>
@@ -11426,83 +15531,83 @@
           </a:bodyPr>
           <a:lstStyle/>
           <a:p>
-            <a:pPr lvl="0">
-              <a:spcBef>
-                <a:spcPct val="20000"/>
-              </a:spcBef>
-              <a:defRPr lang="pt-BR"/>
-            </a:pPr>
-            <a:r>
-              <a:rPr lang="pt-BR" sz="2400" kern="0" dirty="0"/>
-              <a:t>GET </a:t>
-            </a:r>
-            <a:r>
-              <a:rPr lang="pt-BR" sz="2400" kern="0" dirty="0">
-                <a:sym typeface="Wingdings" panose="05000000000000000000" pitchFamily="2" charset="2"/>
-              </a:rPr>
-              <a:t> O Método GET solicita a representação de um recurso específico. Requisições utilizando o Método GET devem retornar apenas dados.</a:t>
-            </a:r>
-          </a:p>
-          <a:p>
-            <a:pPr lvl="0">
-              <a:spcBef>
-                <a:spcPct val="20000"/>
-              </a:spcBef>
-              <a:defRPr lang="pt-BR"/>
-            </a:pPr>
-            <a:r>
-              <a:rPr lang="pt-BR" sz="2400" kern="0" dirty="0">
-                <a:sym typeface="Wingdings" panose="05000000000000000000" pitchFamily="2" charset="2"/>
-              </a:rPr>
-              <a:t>POST  O Método POST é utilizado para submeter uma entidade a um recurso específico, às vezes causando uma mudança no estado do recurso ou solicitando alterações ao servidor.</a:t>
-            </a:r>
-          </a:p>
-          <a:p>
-            <a:pPr lvl="0">
-              <a:spcBef>
-                <a:spcPct val="20000"/>
-              </a:spcBef>
-              <a:defRPr lang="pt-BR"/>
-            </a:pPr>
-            <a:r>
-              <a:rPr lang="pt-BR" sz="2400" kern="0" dirty="0">
-                <a:sym typeface="Wingdings" panose="05000000000000000000" pitchFamily="2" charset="2"/>
-              </a:rPr>
-              <a:t>Outros: </a:t>
-            </a:r>
-          </a:p>
-          <a:p>
-            <a:pPr lvl="0">
-              <a:spcBef>
-                <a:spcPct val="20000"/>
-              </a:spcBef>
-              <a:defRPr lang="pt-BR"/>
-            </a:pPr>
-            <a:r>
-              <a:rPr lang="pt-BR" sz="2400" kern="0" dirty="0">
-                <a:sym typeface="Wingdings" panose="05000000000000000000" pitchFamily="2" charset="2"/>
-              </a:rPr>
-              <a:t>HEAD, PUT, DELETE, OPTIONS, TRACE, PATCH </a:t>
-            </a:r>
-            <a:endParaRPr lang="pt-BR" sz="2400" kern="0" dirty="0"/>
-          </a:p>
-          <a:p>
             <a:pPr marL="342900" lvl="0" indent="-342900">
               <a:spcBef>
                 <a:spcPct val="20000"/>
               </a:spcBef>
-              <a:buFont typeface="Arial" panose="020B0604020202020204" pitchFamily="34" charset="0"/>
+              <a:buFont typeface="Arial"/>
+              <a:buChar char="•"/>
+              <a:defRPr lang="pt-BR"/>
+            </a:pPr>
+            <a:endParaRPr kumimoji="0" lang="pt-BR" sz="2400" b="0" i="0" u="none" strike="noStrike" kern="0" cap="none" spc="0" normalizeH="0" baseline="0" dirty="0">
+              <a:ln>
+                <a:noFill/>
+              </a:ln>
+              <a:solidFill>
+                <a:schemeClr val="tx1"/>
+              </a:solidFill>
+              <a:effectLst/>
+              <a:uLnTx/>
+              <a:uFillTx/>
+            </a:endParaRPr>
+          </a:p>
+        </p:txBody>
+      </p:sp>
+      <p:sp>
+        <p:nvSpPr>
+          <p:cNvPr id="2" name="Retângulo 1"/>
+          <p:cNvSpPr/>
+          <p:nvPr/>
+        </p:nvSpPr>
+        <p:spPr>
+          <a:xfrm>
+            <a:off x="762000" y="2875002"/>
+            <a:ext cx="7086600" cy="1274195"/>
+          </a:xfrm>
+          <a:prstGeom prst="rect">
+            <a:avLst/>
+          </a:prstGeom>
+        </p:spPr>
+        <p:txBody>
+          <a:bodyPr wrap="square">
+            <a:spAutoFit/>
+          </a:bodyPr>
+          <a:lstStyle/>
+          <a:p>
+            <a:pPr marL="342900" lvl="0" indent="-342900">
+              <a:spcBef>
+                <a:spcPct val="20000"/>
+              </a:spcBef>
+              <a:buFont typeface="Arial"/>
               <a:buChar char="•"/>
               <a:defRPr lang="pt-BR"/>
             </a:pPr>
             <a:endParaRPr lang="pt-BR" sz="2400" kern="0" dirty="0"/>
+          </a:p>
+          <a:p>
+            <a:pPr marL="342900" lvl="0" indent="-342900">
+              <a:spcBef>
+                <a:spcPct val="20000"/>
+              </a:spcBef>
+              <a:buFont typeface="Arial"/>
+              <a:buChar char="•"/>
+              <a:defRPr lang="pt-BR"/>
+            </a:pPr>
+            <a:r>
+              <a:rPr lang="pt-BR" sz="2400" kern="0" dirty="0" err="1"/>
+              <a:t>Servlet</a:t>
+            </a:r>
+            <a:r>
+              <a:rPr lang="pt-BR" sz="2400" kern="0" dirty="0"/>
+              <a:t> possui um par de objetos, são os objetos de requisição e resposta.</a:t>
+            </a:r>
           </a:p>
         </p:txBody>
       </p:sp>
     </p:spTree>
     <p:extLst>
       <p:ext uri="{BB962C8B-B14F-4D97-AF65-F5344CB8AC3E}">
-        <p14:creationId xmlns:p14="http://schemas.microsoft.com/office/powerpoint/2010/main" val="2027077617"/>
+        <p14:creationId xmlns:p14="http://schemas.microsoft.com/office/powerpoint/2010/main" val="676283064"/>
       </p:ext>
     </p:extLst>
   </p:cSld>
@@ -11542,7 +15647,12 @@
             <p:ph type="title"/>
           </p:nvPr>
         </p:nvSpPr>
-        <p:spPr/>
+        <p:spPr>
+          <a:xfrm>
+            <a:off x="228600" y="1676400"/>
+            <a:ext cx="8375848" cy="1143000"/>
+          </a:xfrm>
+        </p:spPr>
         <p:txBody>
           <a:bodyPr>
             <a:noAutofit/>
@@ -11550,10 +15660,14 @@
           <a:lstStyle/>
           <a:p>
             <a:r>
-              <a:rPr lang="pt-BR" sz="4000" b="0" dirty="0"/>
-              <a:t>Parâmetros.</a:t>
-            </a:r>
-            <a:endParaRPr lang="pt-BR" sz="4000" dirty="0"/>
+              <a:rPr lang="pt-BR" sz="4200" dirty="0"/>
+              <a:t>O que é Ciclo de vida </a:t>
+            </a:r>
+            <a:r>
+              <a:rPr lang="pt-BR" sz="4400" dirty="0"/>
+              <a:t>?</a:t>
+            </a:r>
+            <a:endParaRPr lang="pt-BR" sz="4200" dirty="0"/>
           </a:p>
         </p:txBody>
       </p:sp>
@@ -11567,8 +15681,8 @@
         </p:nvSpPr>
         <p:spPr>
           <a:xfrm>
-            <a:off x="762000" y="2924944"/>
-            <a:ext cx="7086600" cy="3456384"/>
+            <a:off x="762000" y="2971800"/>
+            <a:ext cx="7086600" cy="2977480"/>
           </a:xfrm>
           <a:prstGeom prst="rect">
             <a:avLst/>
@@ -11584,31 +15698,75 @@
               <a:spcBef>
                 <a:spcPct val="20000"/>
               </a:spcBef>
-              <a:buFont typeface="Arial" panose="020B0604020202020204" pitchFamily="34" charset="0"/>
+              <a:buFont typeface="Arial"/>
               <a:buChar char="•"/>
               <a:defRPr lang="pt-BR"/>
             </a:pPr>
+            <a:endParaRPr kumimoji="0" lang="pt-BR" sz="2400" b="0" i="0" u="none" strike="noStrike" kern="0" cap="none" spc="0" normalizeH="0" baseline="0" dirty="0">
+              <a:ln>
+                <a:noFill/>
+              </a:ln>
+              <a:solidFill>
+                <a:schemeClr val="tx1"/>
+              </a:solidFill>
+              <a:effectLst/>
+              <a:uLnTx/>
+              <a:uFillTx/>
+            </a:endParaRPr>
+          </a:p>
+        </p:txBody>
+      </p:sp>
+      <p:sp>
+        <p:nvSpPr>
+          <p:cNvPr id="2" name="Retângulo 1"/>
+          <p:cNvSpPr/>
+          <p:nvPr/>
+        </p:nvSpPr>
+        <p:spPr>
+          <a:xfrm>
+            <a:off x="762000" y="2875002"/>
+            <a:ext cx="7086600" cy="3194721"/>
+          </a:xfrm>
+          <a:prstGeom prst="rect">
+            <a:avLst/>
+          </a:prstGeom>
+        </p:spPr>
+        <p:txBody>
+          <a:bodyPr wrap="square">
+            <a:spAutoFit/>
+          </a:bodyPr>
+          <a:lstStyle/>
+          <a:p>
+            <a:pPr marL="342900" lvl="0" indent="-342900">
+              <a:spcBef>
+                <a:spcPct val="20000"/>
+              </a:spcBef>
+              <a:buFont typeface="Arial"/>
+              <a:buChar char="•"/>
+              <a:defRPr lang="pt-BR"/>
+            </a:pPr>
+            <a:endParaRPr lang="pt-BR" sz="2400" kern="0" dirty="0"/>
+          </a:p>
+          <a:p>
+            <a:pPr marL="342900" lvl="0" indent="-342900">
+              <a:spcBef>
+                <a:spcPct val="20000"/>
+              </a:spcBef>
+              <a:buFont typeface="Arial"/>
+              <a:buChar char="•"/>
+              <a:defRPr lang="pt-BR"/>
+            </a:pPr>
             <a:r>
               <a:rPr lang="pt-BR" sz="2400" kern="0" dirty="0"/>
-              <a:t> Parâmetros são pares de nome=valor que são enviados pelo cliente concatenados em </a:t>
+              <a:t>É a definição pela qual irá existir o </a:t>
             </a:r>
             <a:r>
               <a:rPr lang="pt-BR" sz="2400" kern="0" dirty="0" err="1"/>
-              <a:t>strings</a:t>
+              <a:t>servlet</a:t>
             </a:r>
             <a:r>
               <a:rPr lang="pt-BR" sz="2400" kern="0" dirty="0"/>
-              <a:t> e separados por “</a:t>
-            </a:r>
-            <a:r>
-              <a:rPr lang="pt-BR" sz="2400" kern="0" dirty="0">
-                <a:latin typeface="Arial" panose="020B0604020202020204" pitchFamily="34" charset="0"/>
-              </a:rPr>
-              <a:t>&amp;</a:t>
-            </a:r>
-            <a:r>
-              <a:rPr lang="pt-BR" sz="2400" kern="0" dirty="0"/>
-              <a:t>”.</a:t>
+              <a:t>.</a:t>
             </a:r>
           </a:p>
           <a:p>
@@ -11619,55 +15777,64 @@
               <a:defRPr lang="pt-BR"/>
             </a:pPr>
             <a:r>
-              <a:rPr lang="pt-BR" sz="2400" kern="0" dirty="0" err="1"/>
-              <a:t>Ex</a:t>
-            </a:r>
-            <a:r>
               <a:rPr lang="pt-BR" sz="2400" kern="0" dirty="0"/>
-              <a:t> de parâmetros passados via GET.</a:t>
-            </a:r>
-          </a:p>
-          <a:p>
-            <a:pPr lvl="0">
-              <a:spcBef>
-                <a:spcPct val="20000"/>
-              </a:spcBef>
-              <a:defRPr lang="pt-BR"/>
-            </a:pPr>
-            <a:r>
-              <a:rPr lang="pt-BR" sz="2400" kern="0" dirty="0"/>
-              <a:t>	....?nome=valor</a:t>
-            </a:r>
-            <a:r>
-              <a:rPr lang="pt-BR" sz="2400" kern="0" dirty="0">
-                <a:latin typeface="Arial" panose="020B0604020202020204" pitchFamily="34" charset="0"/>
-              </a:rPr>
-              <a:t>&amp;nome2=valor2</a:t>
-            </a:r>
-          </a:p>
-          <a:p>
-            <a:pPr lvl="0">
-              <a:spcBef>
-                <a:spcPct val="20000"/>
-              </a:spcBef>
-              <a:defRPr lang="pt-BR"/>
-            </a:pPr>
-            <a:endParaRPr lang="pt-BR" sz="2400" kern="0" dirty="0">
-              <a:latin typeface="Arial" panose="020B0604020202020204" pitchFamily="34" charset="0"/>
-            </a:endParaRPr>
-          </a:p>
-          <a:p>
-            <a:pPr lvl="0">
-              <a:spcBef>
-                <a:spcPct val="20000"/>
-              </a:spcBef>
-              <a:defRPr lang="pt-BR"/>
-            </a:pPr>
-            <a:r>
-              <a:rPr lang="pt-BR" sz="2400" kern="0" dirty="0">
-                <a:latin typeface="Arial" panose="020B0604020202020204" pitchFamily="34" charset="0"/>
-              </a:rPr>
-              <a:t>Parâmetro via POST, são enviados dentro da requisição em dados do formulário.</a:t>
+              <a:t>Um ciclo de vida do </a:t>
+            </a:r>
+            <a:r>
+              <a:rPr lang="pt-BR" sz="2400" dirty="0" err="1"/>
+              <a:t>Servlet</a:t>
+            </a:r>
+            <a:r>
+              <a:rPr lang="pt-BR" sz="2400" dirty="0"/>
+              <a:t> é gerenciado pelo </a:t>
+            </a:r>
+            <a:r>
+              <a:rPr lang="pt-BR" sz="2400" dirty="0" err="1"/>
+              <a:t>ServletContainer</a:t>
+            </a:r>
+            <a:r>
+              <a:rPr lang="pt-BR" sz="2400" dirty="0"/>
+              <a:t> (</a:t>
+            </a:r>
+            <a:r>
+              <a:rPr lang="pt-BR" sz="2400" dirty="0" err="1"/>
+              <a:t>Wildfly</a:t>
+            </a:r>
+            <a:r>
+              <a:rPr lang="pt-BR" sz="2400" dirty="0"/>
+              <a:t>). Quando o </a:t>
+            </a:r>
+            <a:r>
+              <a:rPr lang="pt-BR" sz="2400" dirty="0" err="1"/>
+              <a:t>Servlet</a:t>
+            </a:r>
+            <a:r>
+              <a:rPr lang="pt-BR" sz="2400" dirty="0"/>
+              <a:t> é chamado ele inicia através do método </a:t>
+            </a:r>
+            <a:r>
+              <a:rPr lang="pt-BR" sz="2400" dirty="0" err="1"/>
+              <a:t>init</a:t>
+            </a:r>
+            <a:r>
+              <a:rPr lang="pt-BR" sz="2400" dirty="0"/>
+              <a:t>(), e depois chama o método </a:t>
+            </a:r>
+            <a:r>
+              <a:rPr lang="pt-BR" sz="2400" dirty="0" err="1"/>
+              <a:t>service</a:t>
+            </a:r>
+            <a:r>
+              <a:rPr lang="pt-BR" sz="2400" dirty="0"/>
+              <a:t>() para atender e tratar às requisições, quando deve morrer, é chamado o método </a:t>
+            </a:r>
+            <a:r>
+              <a:rPr lang="pt-BR" sz="2400" dirty="0" err="1"/>
+              <a:t>destroy</a:t>
+            </a:r>
+            <a:r>
+              <a:rPr lang="pt-BR" sz="2400" dirty="0"/>
+              <a:t>().</a:t>
             </a:r>
             <a:endParaRPr lang="pt-BR" sz="2400" kern="0" dirty="0"/>
           </a:p>
@@ -11676,7 +15843,7 @@
     </p:spTree>
     <p:extLst>
       <p:ext uri="{BB962C8B-B14F-4D97-AF65-F5344CB8AC3E}">
-        <p14:creationId xmlns:p14="http://schemas.microsoft.com/office/powerpoint/2010/main" val="2814750550"/>
+        <p14:creationId xmlns:p14="http://schemas.microsoft.com/office/powerpoint/2010/main" val="4052484874"/>
       </p:ext>
     </p:extLst>
   </p:cSld>

--- a/AulasAvancado/src/main/resources/br/com/Aula2/Servlets.pptx
+++ b/AulasAvancado/src/main/resources/br/com/Aula2/Servlets.pptx
@@ -5,10 +5,10 @@
     <p:sldMasterId id="2147483648" r:id="rId1"/>
   </p:sldMasterIdLst>
   <p:notesMasterIdLst>
-    <p:notesMasterId r:id="rId16"/>
+    <p:notesMasterId r:id="rId18"/>
   </p:notesMasterIdLst>
   <p:handoutMasterIdLst>
-    <p:handoutMasterId r:id="rId17"/>
+    <p:handoutMasterId r:id="rId19"/>
   </p:handoutMasterIdLst>
   <p:sldIdLst>
     <p:sldId id="257" r:id="rId2"/>
@@ -25,6 +25,8 @@
     <p:sldId id="280" r:id="rId13"/>
     <p:sldId id="294" r:id="rId14"/>
     <p:sldId id="295" r:id="rId15"/>
+    <p:sldId id="296" r:id="rId16"/>
+    <p:sldId id="297" r:id="rId17"/>
   </p:sldIdLst>
   <p:sldSz cx="9144000" cy="6858000" type="screen4x3"/>
   <p:notesSz cx="6858000" cy="9144000"/>
@@ -123,7 +125,7 @@
   </p:defaultTextStyle>
   <p:extLst>
     <p:ext uri="{EFAFB233-063F-42B5-8137-9DF3F51BA10A}">
-      <p15:sldGuideLst xmlns="" xmlns:p15="http://schemas.microsoft.com/office/powerpoint/2012/main">
+      <p15:sldGuideLst xmlns:p15="http://schemas.microsoft.com/office/powerpoint/2012/main" xmlns="">
         <p15:guide id="1" orient="horz" pos="2160">
           <p15:clr>
             <a:srgbClr val="A4A3A4"/>
@@ -3149,6 +3151,572 @@
               <a:rPr lang="pt-BR" smtClean="0"/>
               <a:pPr/>
               <a:t>14</a:t>
+            </a:fld>
+            <a:endParaRPr lang="pt-BR"/>
+          </a:p>
+        </p:txBody>
+      </p:sp>
+    </p:spTree>
+    <p:extLst>
+      <p:ext uri="{BB962C8B-B14F-4D97-AF65-F5344CB8AC3E}">
+        <p14:creationId xmlns:p14="http://schemas.microsoft.com/office/powerpoint/2010/main" val="2477212209"/>
+      </p:ext>
+    </p:extLst>
+  </p:cSld>
+  <p:clrMapOvr>
+    <a:masterClrMapping/>
+  </p:clrMapOvr>
+</p:notes>
+</file>
+
+<file path=ppt/notesSlides/notesSlide15.xml><?xml version="1.0" encoding="utf-8"?>
+<p:notes xmlns:a="http://schemas.openxmlformats.org/drawingml/2006/main" xmlns:r="http://schemas.openxmlformats.org/officeDocument/2006/relationships" xmlns:p="http://schemas.openxmlformats.org/presentationml/2006/main">
+  <p:cSld>
+    <p:spTree>
+      <p:nvGrpSpPr>
+        <p:cNvPr id="1" name=""/>
+        <p:cNvGrpSpPr/>
+        <p:nvPr/>
+      </p:nvGrpSpPr>
+      <p:grpSpPr>
+        <a:xfrm>
+          <a:off x="0" y="0"/>
+          <a:ext cx="0" cy="0"/>
+          <a:chOff x="0" y="0"/>
+          <a:chExt cx="0" cy="0"/>
+        </a:xfrm>
+      </p:grpSpPr>
+      <p:sp>
+        <p:nvSpPr>
+          <p:cNvPr id="2" name="Rectangle 2"/>
+          <p:cNvSpPr>
+            <a:spLocks noGrp="1" noRot="1" noChangeAspect="1"/>
+          </p:cNvSpPr>
+          <p:nvPr>
+            <p:ph type="sldImg"/>
+          </p:nvPr>
+        </p:nvSpPr>
+        <p:spPr/>
+      </p:sp>
+      <p:sp>
+        <p:nvSpPr>
+          <p:cNvPr id="3" name="Rectangle 3"/>
+          <p:cNvSpPr>
+            <a:spLocks noGrp="1"/>
+          </p:cNvSpPr>
+          <p:nvPr>
+            <p:ph type="body" idx="1"/>
+          </p:nvPr>
+        </p:nvSpPr>
+        <p:spPr/>
+        <p:txBody>
+          <a:bodyPr/>
+          <a:lstStyle/>
+          <a:p>
+            <a:r>
+              <a:rPr lang="pt-BR" sz="1200" b="0" i="0" u="none" strike="noStrike" kern="1200" baseline="0" dirty="0" smtClean="0">
+                <a:solidFill>
+                  <a:schemeClr val="tx1"/>
+                </a:solidFill>
+                <a:latin typeface="+mn-lt"/>
+                <a:ea typeface="+mn-ea"/>
+                <a:cs typeface="+mn-cs"/>
+              </a:rPr>
+              <a:t>Caso a configuração seja feita no web.xml:</a:t>
+            </a:r>
+          </a:p>
+          <a:p>
+            <a:r>
+              <a:rPr lang="pt-BR" sz="1200" b="0" i="0" u="none" strike="noStrike" kern="1200" baseline="0" dirty="0" smtClean="0">
+                <a:solidFill>
+                  <a:schemeClr val="tx1"/>
+                </a:solidFill>
+                <a:latin typeface="+mn-lt"/>
+                <a:ea typeface="+mn-ea"/>
+                <a:cs typeface="+mn-cs"/>
+              </a:rPr>
+              <a:t>&lt;</a:t>
+            </a:r>
+            <a:r>
+              <a:rPr lang="pt-BR" sz="1200" b="0" i="0" u="none" strike="noStrike" kern="1200" baseline="0" dirty="0" err="1" smtClean="0">
+                <a:solidFill>
+                  <a:schemeClr val="tx1"/>
+                </a:solidFill>
+                <a:latin typeface="+mn-lt"/>
+                <a:ea typeface="+mn-ea"/>
+                <a:cs typeface="+mn-cs"/>
+              </a:rPr>
+              <a:t>listener</a:t>
+            </a:r>
+            <a:r>
+              <a:rPr lang="pt-BR" sz="1200" b="0" i="0" u="none" strike="noStrike" kern="1200" baseline="0" dirty="0" smtClean="0">
+                <a:solidFill>
+                  <a:schemeClr val="tx1"/>
+                </a:solidFill>
+                <a:latin typeface="+mn-lt"/>
+                <a:ea typeface="+mn-ea"/>
+                <a:cs typeface="+mn-cs"/>
+              </a:rPr>
+              <a:t>&gt;</a:t>
+            </a:r>
+          </a:p>
+          <a:p>
+            <a:r>
+              <a:rPr lang="pt-BR" sz="1200" b="0" i="0" u="none" strike="noStrike" kern="1200" baseline="0" dirty="0" smtClean="0">
+                <a:solidFill>
+                  <a:schemeClr val="tx1"/>
+                </a:solidFill>
+                <a:latin typeface="+mn-lt"/>
+                <a:ea typeface="+mn-ea"/>
+                <a:cs typeface="+mn-cs"/>
+              </a:rPr>
+              <a:t>	&lt;</a:t>
+            </a:r>
+            <a:r>
+              <a:rPr lang="pt-BR" sz="1200" b="0" i="0" u="none" strike="noStrike" kern="1200" baseline="0" dirty="0" err="1" smtClean="0">
+                <a:solidFill>
+                  <a:schemeClr val="tx1"/>
+                </a:solidFill>
+                <a:latin typeface="+mn-lt"/>
+                <a:ea typeface="+mn-ea"/>
+                <a:cs typeface="+mn-cs"/>
+              </a:rPr>
+              <a:t>listener-class</a:t>
+            </a:r>
+            <a:r>
+              <a:rPr lang="pt-BR" sz="1200" b="0" i="0" u="none" strike="noStrike" kern="1200" baseline="0" dirty="0" smtClean="0">
+                <a:solidFill>
+                  <a:schemeClr val="tx1"/>
+                </a:solidFill>
+                <a:latin typeface="+mn-lt"/>
+                <a:ea typeface="+mn-ea"/>
+                <a:cs typeface="+mn-cs"/>
+              </a:rPr>
+              <a:t>&gt;ex01.OuvinteDeContexto&lt;/</a:t>
+            </a:r>
+            <a:r>
+              <a:rPr lang="pt-BR" sz="1200" b="0" i="0" u="none" strike="noStrike" kern="1200" baseline="0" dirty="0" err="1" smtClean="0">
+                <a:solidFill>
+                  <a:schemeClr val="tx1"/>
+                </a:solidFill>
+                <a:latin typeface="+mn-lt"/>
+                <a:ea typeface="+mn-ea"/>
+                <a:cs typeface="+mn-cs"/>
+              </a:rPr>
+              <a:t>listener-class</a:t>
+            </a:r>
+            <a:r>
+              <a:rPr lang="pt-BR" sz="1200" b="0" i="0" u="none" strike="noStrike" kern="1200" baseline="0" dirty="0" smtClean="0">
+                <a:solidFill>
+                  <a:schemeClr val="tx1"/>
+                </a:solidFill>
+                <a:latin typeface="+mn-lt"/>
+                <a:ea typeface="+mn-ea"/>
+                <a:cs typeface="+mn-cs"/>
+              </a:rPr>
+              <a:t>&gt;</a:t>
+            </a:r>
+          </a:p>
+          <a:p>
+            <a:r>
+              <a:rPr lang="pt-BR" sz="1200" b="0" i="0" u="none" strike="noStrike" kern="1200" baseline="0" dirty="0" smtClean="0">
+                <a:solidFill>
+                  <a:schemeClr val="tx1"/>
+                </a:solidFill>
+                <a:latin typeface="+mn-lt"/>
+                <a:ea typeface="+mn-ea"/>
+                <a:cs typeface="+mn-cs"/>
+              </a:rPr>
+              <a:t>&lt;/</a:t>
+            </a:r>
+            <a:r>
+              <a:rPr lang="pt-BR" sz="1200" b="0" i="0" u="none" strike="noStrike" kern="1200" baseline="0" dirty="0" err="1" smtClean="0">
+                <a:solidFill>
+                  <a:schemeClr val="tx1"/>
+                </a:solidFill>
+                <a:latin typeface="+mn-lt"/>
+                <a:ea typeface="+mn-ea"/>
+                <a:cs typeface="+mn-cs"/>
+              </a:rPr>
+              <a:t>listener</a:t>
+            </a:r>
+            <a:r>
+              <a:rPr lang="pt-BR" sz="1200" b="0" i="0" u="none" strike="noStrike" kern="1200" baseline="0" dirty="0" smtClean="0">
+                <a:solidFill>
+                  <a:schemeClr val="tx1"/>
+                </a:solidFill>
+                <a:latin typeface="+mn-lt"/>
+                <a:ea typeface="+mn-ea"/>
+                <a:cs typeface="+mn-cs"/>
+              </a:rPr>
+              <a:t>&gt;</a:t>
+            </a:r>
+          </a:p>
+          <a:p>
+            <a:endParaRPr lang="pt-BR" sz="1200" b="0" i="0" u="none" strike="noStrike" kern="1200" baseline="0" dirty="0" smtClean="0">
+              <a:solidFill>
+                <a:schemeClr val="tx1"/>
+              </a:solidFill>
+              <a:latin typeface="+mn-lt"/>
+              <a:ea typeface="+mn-ea"/>
+              <a:cs typeface="+mn-cs"/>
+            </a:endParaRPr>
+          </a:p>
+          <a:p>
+            <a:r>
+              <a:rPr lang="pt-BR" sz="1200" b="0" i="0" u="none" strike="noStrike" kern="1200" baseline="0" dirty="0" smtClean="0">
+                <a:solidFill>
+                  <a:schemeClr val="tx1"/>
+                </a:solidFill>
+                <a:latin typeface="+mn-lt"/>
+                <a:ea typeface="+mn-ea"/>
+                <a:cs typeface="+mn-cs"/>
+              </a:rPr>
+              <a:t>O objeto </a:t>
+            </a:r>
+            <a:r>
+              <a:rPr lang="pt-BR" sz="1200" b="0" i="1" u="none" strike="noStrike" kern="1200" baseline="0" dirty="0" err="1" smtClean="0">
+                <a:solidFill>
+                  <a:schemeClr val="tx1"/>
+                </a:solidFill>
+                <a:latin typeface="+mn-lt"/>
+                <a:ea typeface="+mn-ea"/>
+                <a:cs typeface="+mn-cs"/>
+              </a:rPr>
+              <a:t>ServletContextEvent</a:t>
+            </a:r>
+            <a:r>
+              <a:rPr lang="pt-BR" sz="1200" b="0" i="0" u="none" strike="noStrike" kern="1200" baseline="0" dirty="0" smtClean="0">
+                <a:solidFill>
+                  <a:schemeClr val="tx1"/>
+                </a:solidFill>
+                <a:latin typeface="+mn-lt"/>
+                <a:ea typeface="+mn-ea"/>
+                <a:cs typeface="+mn-cs"/>
+              </a:rPr>
+              <a:t>, recebido em ambos os métodos, possui um método</a:t>
+            </a:r>
+          </a:p>
+          <a:p>
+            <a:r>
+              <a:rPr lang="pt-BR" sz="1200" b="0" i="1" u="none" strike="noStrike" kern="1200" baseline="0" dirty="0" err="1" smtClean="0">
+                <a:solidFill>
+                  <a:schemeClr val="tx1"/>
+                </a:solidFill>
+                <a:latin typeface="+mn-lt"/>
+                <a:ea typeface="+mn-ea"/>
+                <a:cs typeface="+mn-cs"/>
+              </a:rPr>
+              <a:t>getServletContext</a:t>
+            </a:r>
+            <a:r>
+              <a:rPr lang="pt-BR" sz="1200" b="0" i="1" u="none" strike="noStrike" kern="1200" baseline="0" dirty="0" smtClean="0">
+                <a:solidFill>
+                  <a:schemeClr val="tx1"/>
+                </a:solidFill>
+                <a:latin typeface="+mn-lt"/>
+                <a:ea typeface="+mn-ea"/>
+                <a:cs typeface="+mn-cs"/>
+              </a:rPr>
+              <a:t>() </a:t>
+            </a:r>
+            <a:r>
+              <a:rPr lang="pt-BR" sz="1200" b="0" i="0" u="none" strike="noStrike" kern="1200" baseline="0" dirty="0" smtClean="0">
+                <a:solidFill>
+                  <a:schemeClr val="tx1"/>
+                </a:solidFill>
+                <a:latin typeface="+mn-lt"/>
+                <a:ea typeface="+mn-ea"/>
+                <a:cs typeface="+mn-cs"/>
+              </a:rPr>
+              <a:t>que permite obter o contexto associado.</a:t>
+            </a:r>
+            <a:endParaRPr lang="pt-BR" sz="1200" b="0" i="0" u="none" strike="noStrike" kern="1200" baseline="0" dirty="0" smtClean="0">
+              <a:solidFill>
+                <a:schemeClr val="tx1"/>
+              </a:solidFill>
+              <a:latin typeface="+mn-lt"/>
+              <a:ea typeface="+mn-ea"/>
+              <a:cs typeface="+mn-cs"/>
+            </a:endParaRPr>
+          </a:p>
+        </p:txBody>
+      </p:sp>
+      <p:sp>
+        <p:nvSpPr>
+          <p:cNvPr id="4" name="Rectangle 4"/>
+          <p:cNvSpPr>
+            <a:spLocks noGrp="1"/>
+          </p:cNvSpPr>
+          <p:nvPr>
+            <p:ph type="sldNum" sz="quarter" idx="10"/>
+          </p:nvPr>
+        </p:nvSpPr>
+        <p:spPr/>
+        <p:txBody>
+          <a:bodyPr/>
+          <a:lstStyle/>
+          <a:p>
+            <a:fld id="{61807874-5299-41B2-A37A-6AA3547857F4}" type="slidenum">
+              <a:rPr lang="pt-BR" smtClean="0"/>
+              <a:pPr/>
+              <a:t>15</a:t>
+            </a:fld>
+            <a:endParaRPr lang="pt-BR"/>
+          </a:p>
+        </p:txBody>
+      </p:sp>
+    </p:spTree>
+    <p:extLst>
+      <p:ext uri="{BB962C8B-B14F-4D97-AF65-F5344CB8AC3E}">
+        <p14:creationId xmlns:p14="http://schemas.microsoft.com/office/powerpoint/2010/main" val="2477212209"/>
+      </p:ext>
+    </p:extLst>
+  </p:cSld>
+  <p:clrMapOvr>
+    <a:masterClrMapping/>
+  </p:clrMapOvr>
+</p:notes>
+</file>
+
+<file path=ppt/notesSlides/notesSlide16.xml><?xml version="1.0" encoding="utf-8"?>
+<p:notes xmlns:a="http://schemas.openxmlformats.org/drawingml/2006/main" xmlns:r="http://schemas.openxmlformats.org/officeDocument/2006/relationships" xmlns:p="http://schemas.openxmlformats.org/presentationml/2006/main">
+  <p:cSld>
+    <p:spTree>
+      <p:nvGrpSpPr>
+        <p:cNvPr id="1" name=""/>
+        <p:cNvGrpSpPr/>
+        <p:nvPr/>
+      </p:nvGrpSpPr>
+      <p:grpSpPr>
+        <a:xfrm>
+          <a:off x="0" y="0"/>
+          <a:ext cx="0" cy="0"/>
+          <a:chOff x="0" y="0"/>
+          <a:chExt cx="0" cy="0"/>
+        </a:xfrm>
+      </p:grpSpPr>
+      <p:sp>
+        <p:nvSpPr>
+          <p:cNvPr id="2" name="Rectangle 2"/>
+          <p:cNvSpPr>
+            <a:spLocks noGrp="1" noRot="1" noChangeAspect="1"/>
+          </p:cNvSpPr>
+          <p:nvPr>
+            <p:ph type="sldImg"/>
+          </p:nvPr>
+        </p:nvSpPr>
+        <p:spPr/>
+      </p:sp>
+      <p:sp>
+        <p:nvSpPr>
+          <p:cNvPr id="3" name="Rectangle 3"/>
+          <p:cNvSpPr>
+            <a:spLocks noGrp="1"/>
+          </p:cNvSpPr>
+          <p:nvPr>
+            <p:ph type="body" idx="1"/>
+          </p:nvPr>
+        </p:nvSpPr>
+        <p:spPr/>
+        <p:txBody>
+          <a:bodyPr/>
+          <a:lstStyle/>
+          <a:p>
+            <a:r>
+              <a:rPr lang="pt-BR" sz="1200" b="0" i="0" u="none" strike="noStrike" kern="1200" baseline="0" dirty="0" smtClean="0">
+                <a:solidFill>
+                  <a:schemeClr val="tx1"/>
+                </a:solidFill>
+                <a:latin typeface="+mn-lt"/>
+                <a:ea typeface="+mn-ea"/>
+                <a:cs typeface="+mn-cs"/>
+              </a:rPr>
+              <a:t>Sessão é utilizado para guardar objetos, entre a navegação das páginas.</a:t>
+            </a:r>
+          </a:p>
+          <a:p>
+            <a:r>
+              <a:rPr lang="pt-BR" sz="1200" b="0" i="0" u="none" strike="noStrike" kern="1200" baseline="0" dirty="0" smtClean="0">
+                <a:solidFill>
+                  <a:schemeClr val="tx1"/>
+                </a:solidFill>
+                <a:latin typeface="+mn-lt"/>
+                <a:ea typeface="+mn-ea"/>
+                <a:cs typeface="+mn-cs"/>
+              </a:rPr>
+              <a:t>É utilizado também para guardar dados do usuário após autenticação.</a:t>
+            </a:r>
+          </a:p>
+          <a:p>
+            <a:endParaRPr lang="pt-BR" sz="1200" b="0" i="0" u="none" strike="noStrike" kern="1200" baseline="0" dirty="0" smtClean="0">
+              <a:solidFill>
+                <a:schemeClr val="tx1"/>
+              </a:solidFill>
+              <a:latin typeface="+mn-lt"/>
+              <a:ea typeface="+mn-ea"/>
+              <a:cs typeface="+mn-cs"/>
+            </a:endParaRPr>
+          </a:p>
+          <a:p>
+            <a:r>
+              <a:rPr lang="pt-BR" sz="1200" b="0" i="0" u="none" strike="noStrike" kern="1200" baseline="0" dirty="0" smtClean="0">
+                <a:solidFill>
+                  <a:schemeClr val="tx1"/>
+                </a:solidFill>
+                <a:latin typeface="+mn-lt"/>
+                <a:ea typeface="+mn-ea"/>
+                <a:cs typeface="+mn-cs"/>
+              </a:rPr>
+              <a:t>O protocolo HTTP é </a:t>
+            </a:r>
+            <a:r>
+              <a:rPr lang="pt-BR" sz="1200" b="0" i="0" u="none" strike="noStrike" kern="1200" baseline="0" dirty="0" err="1" smtClean="0">
+                <a:solidFill>
+                  <a:schemeClr val="tx1"/>
+                </a:solidFill>
+                <a:latin typeface="+mn-lt"/>
+                <a:ea typeface="+mn-ea"/>
+                <a:cs typeface="+mn-cs"/>
+              </a:rPr>
+              <a:t>stateless</a:t>
+            </a:r>
+            <a:r>
+              <a:rPr lang="pt-BR" sz="1200" b="0" i="0" u="none" strike="noStrike" kern="1200" baseline="0" dirty="0" smtClean="0">
+                <a:solidFill>
+                  <a:schemeClr val="tx1"/>
+                </a:solidFill>
+                <a:latin typeface="+mn-lt"/>
+                <a:ea typeface="+mn-ea"/>
+                <a:cs typeface="+mn-cs"/>
+              </a:rPr>
+              <a:t>.(não mantém estado)</a:t>
+            </a:r>
+          </a:p>
+          <a:p>
+            <a:r>
+              <a:rPr lang="pt-BR" sz="1200" b="0" i="0" u="none" strike="noStrike" kern="1200" baseline="0" dirty="0" smtClean="0">
+                <a:solidFill>
+                  <a:schemeClr val="tx1"/>
+                </a:solidFill>
+                <a:latin typeface="+mn-lt"/>
+                <a:ea typeface="+mn-ea"/>
+                <a:cs typeface="+mn-cs"/>
+              </a:rPr>
+              <a:t>Então é aí que entram os cookies e sessões.</a:t>
+            </a:r>
+          </a:p>
+          <a:p>
+            <a:endParaRPr lang="pt-BR" sz="1200" b="0" i="0" u="none" strike="noStrike" kern="1200" baseline="0" dirty="0" smtClean="0">
+              <a:solidFill>
+                <a:schemeClr val="tx1"/>
+              </a:solidFill>
+              <a:latin typeface="+mn-lt"/>
+              <a:ea typeface="+mn-ea"/>
+              <a:cs typeface="+mn-cs"/>
+            </a:endParaRPr>
+          </a:p>
+          <a:p>
+            <a:r>
+              <a:rPr lang="pt-BR" sz="1200" b="0" i="0" u="none" strike="noStrike" kern="1200" baseline="0" dirty="0" smtClean="0">
+                <a:solidFill>
+                  <a:schemeClr val="tx1"/>
+                </a:solidFill>
+                <a:latin typeface="+mn-lt"/>
+                <a:ea typeface="+mn-ea"/>
+                <a:cs typeface="+mn-cs"/>
+              </a:rPr>
+              <a:t>Em Java o objeto </a:t>
+            </a:r>
+            <a:r>
+              <a:rPr lang="pt-BR" sz="1200" b="0" i="0" u="none" strike="noStrike" kern="1200" baseline="0" dirty="0" err="1" smtClean="0">
+                <a:solidFill>
+                  <a:schemeClr val="tx1"/>
+                </a:solidFill>
+                <a:latin typeface="+mn-lt"/>
+                <a:ea typeface="+mn-ea"/>
+                <a:cs typeface="+mn-cs"/>
+              </a:rPr>
+              <a:t>HttpSession</a:t>
+            </a:r>
+            <a:r>
+              <a:rPr lang="pt-BR" sz="1200" b="0" i="0" u="none" strike="noStrike" kern="1200" baseline="0" dirty="0" smtClean="0">
+                <a:solidFill>
+                  <a:schemeClr val="tx1"/>
+                </a:solidFill>
+                <a:latin typeface="+mn-lt"/>
+                <a:ea typeface="+mn-ea"/>
+                <a:cs typeface="+mn-cs"/>
+              </a:rPr>
+              <a:t> representa uma sessão, que é obtida a partir de uma requisição.</a:t>
+            </a:r>
+          </a:p>
+          <a:p>
+            <a:r>
+              <a:rPr lang="pt-BR" sz="1200" b="0" i="0" u="none" strike="noStrike" kern="1200" baseline="0" dirty="0" smtClean="0">
+                <a:solidFill>
+                  <a:schemeClr val="tx1"/>
+                </a:solidFill>
+                <a:latin typeface="+mn-lt"/>
+                <a:ea typeface="+mn-ea"/>
+                <a:cs typeface="+mn-cs"/>
+              </a:rPr>
+              <a:t>Para saber se uma sessão é nova, use o método </a:t>
+            </a:r>
+            <a:r>
+              <a:rPr lang="pt-BR" sz="1200" b="0" i="0" u="none" strike="noStrike" kern="1200" baseline="0" dirty="0" err="1" smtClean="0">
+                <a:solidFill>
+                  <a:schemeClr val="tx1"/>
+                </a:solidFill>
+                <a:latin typeface="+mn-lt"/>
+                <a:ea typeface="+mn-ea"/>
+                <a:cs typeface="+mn-cs"/>
+              </a:rPr>
+              <a:t>isNew</a:t>
+            </a:r>
+            <a:r>
+              <a:rPr lang="pt-BR" sz="1200" b="0" i="0" u="none" strike="noStrike" kern="1200" baseline="0" dirty="0" smtClean="0">
+                <a:solidFill>
+                  <a:schemeClr val="tx1"/>
+                </a:solidFill>
+                <a:latin typeface="+mn-lt"/>
+                <a:ea typeface="+mn-ea"/>
+                <a:cs typeface="+mn-cs"/>
+              </a:rPr>
+              <a:t>():</a:t>
+            </a:r>
+          </a:p>
+          <a:p>
+            <a:endParaRPr lang="pt-BR" sz="1200" b="0" i="0" u="none" strike="noStrike" kern="1200" baseline="0" dirty="0" smtClean="0">
+              <a:solidFill>
+                <a:schemeClr val="tx1"/>
+              </a:solidFill>
+              <a:latin typeface="+mn-lt"/>
+              <a:ea typeface="+mn-ea"/>
+              <a:cs typeface="+mn-cs"/>
+            </a:endParaRPr>
+          </a:p>
+        </p:txBody>
+      </p:sp>
+      <p:sp>
+        <p:nvSpPr>
+          <p:cNvPr id="4" name="Rectangle 4"/>
+          <p:cNvSpPr>
+            <a:spLocks noGrp="1"/>
+          </p:cNvSpPr>
+          <p:nvPr>
+            <p:ph type="sldNum" sz="quarter" idx="10"/>
+          </p:nvPr>
+        </p:nvSpPr>
+        <p:spPr/>
+        <p:txBody>
+          <a:bodyPr/>
+          <a:lstStyle/>
+          <a:p>
+            <a:fld id="{61807874-5299-41B2-A37A-6AA3547857F4}" type="slidenum">
+              <a:rPr lang="pt-BR" smtClean="0"/>
+              <a:pPr/>
+              <a:t>16</a:t>
             </a:fld>
             <a:endParaRPr lang="pt-BR"/>
           </a:p>
@@ -12916,7 +13484,7 @@
           <a:lstStyle/>
           <a:p>
             <a:pPr algn="ctr"/>
-            <a:endParaRPr lang="pt-BR"/>
+            <a:endParaRPr lang="pt-BR" dirty="0"/>
           </a:p>
         </p:txBody>
       </p:sp>
@@ -12954,7 +13522,7 @@
           <a:lstStyle/>
           <a:p>
             <a:pPr algn="ctr"/>
-            <a:endParaRPr lang="pt-BR"/>
+            <a:endParaRPr lang="pt-BR" dirty="0"/>
           </a:p>
         </p:txBody>
       </p:sp>
@@ -12992,7 +13560,7 @@
           <a:lstStyle/>
           <a:p>
             <a:pPr algn="ctr"/>
-            <a:endParaRPr lang="pt-BR"/>
+            <a:endParaRPr lang="pt-BR" dirty="0"/>
           </a:p>
         </p:txBody>
       </p:sp>
@@ -13030,7 +13598,7 @@
           <a:lstStyle/>
           <a:p>
             <a:pPr algn="ctr"/>
-            <a:endParaRPr lang="pt-BR"/>
+            <a:endParaRPr lang="pt-BR" dirty="0"/>
           </a:p>
         </p:txBody>
       </p:sp>
@@ -13111,7 +13679,7 @@
           <p:cNvPr id="11" name="Rectangle 8">
             <a:extLst>
               <a:ext uri="{FF2B5EF4-FFF2-40B4-BE49-F238E27FC236}">
-                <a16:creationId xmlns="" xmlns:a16="http://schemas.microsoft.com/office/drawing/2014/main" id="{E1F0AA30-9C1D-4249-8068-4A45331D9230}"/>
+                <a16:creationId xmlns:a16="http://schemas.microsoft.com/office/drawing/2014/main" xmlns="" id="{E1F0AA30-9C1D-4249-8068-4A45331D9230}"/>
               </a:ext>
             </a:extLst>
           </p:cNvPr>
@@ -13668,7 +14236,7 @@
           <p:cNvPr id="7" name="Retângulo 6">
             <a:extLst>
               <a:ext uri="{FF2B5EF4-FFF2-40B4-BE49-F238E27FC236}">
-                <a16:creationId xmlns="" xmlns:a16="http://schemas.microsoft.com/office/drawing/2014/main" id="{DE871D51-6822-455D-8B97-7F37D0BA5BB9}"/>
+                <a16:creationId xmlns:a16="http://schemas.microsoft.com/office/drawing/2014/main" xmlns="" id="{DE871D51-6822-455D-8B97-7F37D0BA5BB9}"/>
               </a:ext>
             </a:extLst>
           </p:cNvPr>
@@ -13943,7 +14511,7 @@
           <p:cNvPr id="7" name="Retângulo 6">
             <a:extLst>
               <a:ext uri="{FF2B5EF4-FFF2-40B4-BE49-F238E27FC236}">
-                <a16:creationId xmlns="" xmlns:a16="http://schemas.microsoft.com/office/drawing/2014/main" id="{DE871D51-6822-455D-8B97-7F37D0BA5BB9}"/>
+                <a16:creationId xmlns:a16="http://schemas.microsoft.com/office/drawing/2014/main" xmlns="" id="{DE871D51-6822-455D-8B97-7F37D0BA5BB9}"/>
               </a:ext>
             </a:extLst>
           </p:cNvPr>
@@ -13990,11 +14558,7 @@
           <a:p>
             <a:r>
               <a:rPr lang="pt-BR" sz="2000" b="1" dirty="0" smtClean="0"/>
-              <a:t>Com a referência do contexto da aplicação podemos interagir co</a:t>
-            </a:r>
-            <a:r>
-              <a:rPr lang="pt-BR" sz="2000" b="1" dirty="0" smtClean="0"/>
-              <a:t>m a aplicação retornando informações, até mesmo entre os </a:t>
+              <a:t>Com a referência do contexto da aplicação podemos interagir com a aplicação retornando informações, até mesmo entre os </a:t>
             </a:r>
             <a:r>
               <a:rPr lang="pt-BR" sz="2000" b="1" dirty="0" err="1" smtClean="0"/>
@@ -14080,7 +14644,7 @@
           <p:cNvPr id="7" name="Retângulo 6">
             <a:extLst>
               <a:ext uri="{FF2B5EF4-FFF2-40B4-BE49-F238E27FC236}">
-                <a16:creationId xmlns="" xmlns:a16="http://schemas.microsoft.com/office/drawing/2014/main" id="{DE871D51-6822-455D-8B97-7F37D0BA5BB9}"/>
+                <a16:creationId xmlns:a16="http://schemas.microsoft.com/office/drawing/2014/main" xmlns="" id="{DE871D51-6822-455D-8B97-7F37D0BA5BB9}"/>
               </a:ext>
             </a:extLst>
           </p:cNvPr>
@@ -14127,11 +14691,7 @@
           <a:p>
             <a:r>
               <a:rPr lang="pt-BR" sz="2000" b="1" dirty="0" smtClean="0"/>
-              <a:t>Com a referência do contexto da aplicação podemos interagir co</a:t>
-            </a:r>
-            <a:r>
-              <a:rPr lang="pt-BR" sz="2000" b="1" dirty="0" smtClean="0"/>
-              <a:t>m a aplicação retornando informações, até mesmo entre os </a:t>
+              <a:t>Com a referência do contexto da aplicação podemos interagir com a aplicação retornando informações, até mesmo entre os </a:t>
             </a:r>
             <a:r>
               <a:rPr lang="pt-BR" sz="2000" b="1" dirty="0" err="1" smtClean="0"/>
@@ -14149,6 +14709,708 @@
     <p:extLst>
       <p:ext uri="{BB962C8B-B14F-4D97-AF65-F5344CB8AC3E}">
         <p14:creationId xmlns:p14="http://schemas.microsoft.com/office/powerpoint/2010/main" val="435609940"/>
+      </p:ext>
+    </p:extLst>
+  </p:cSld>
+  <p:clrMapOvr>
+    <a:masterClrMapping/>
+  </p:clrMapOvr>
+  <p:transition>
+    <p:fade/>
+  </p:transition>
+</p:sld>
+</file>
+
+<file path=ppt/slides/slide15.xml><?xml version="1.0" encoding="utf-8"?>
+<p:sld xmlns:a="http://schemas.openxmlformats.org/drawingml/2006/main" xmlns:r="http://schemas.openxmlformats.org/officeDocument/2006/relationships" xmlns:p="http://schemas.openxmlformats.org/presentationml/2006/main">
+  <p:cSld>
+    <p:spTree>
+      <p:nvGrpSpPr>
+        <p:cNvPr id="1" name=""/>
+        <p:cNvGrpSpPr/>
+        <p:nvPr/>
+      </p:nvGrpSpPr>
+      <p:grpSpPr>
+        <a:xfrm>
+          <a:off x="0" y="0"/>
+          <a:ext cx="0" cy="0"/>
+          <a:chOff x="0" y="0"/>
+          <a:chExt cx="0" cy="0"/>
+        </a:xfrm>
+      </p:grpSpPr>
+      <p:sp>
+        <p:nvSpPr>
+          <p:cNvPr id="3" name="Rectangle 8"/>
+          <p:cNvSpPr>
+            <a:spLocks noGrp="1"/>
+          </p:cNvSpPr>
+          <p:nvPr>
+            <p:ph type="title"/>
+          </p:nvPr>
+        </p:nvSpPr>
+        <p:spPr>
+          <a:xfrm>
+            <a:off x="228600" y="1676400"/>
+            <a:ext cx="8229600" cy="1143000"/>
+          </a:xfrm>
+        </p:spPr>
+        <p:txBody>
+          <a:bodyPr>
+            <a:noAutofit/>
+          </a:bodyPr>
+          <a:lstStyle/>
+          <a:p>
+            <a:r>
+              <a:rPr lang="pt-BR" sz="4000" dirty="0" err="1" smtClean="0"/>
+              <a:t>Listeners</a:t>
+            </a:r>
+            <a:endParaRPr lang="pt-BR" sz="4000" dirty="0"/>
+          </a:p>
+        </p:txBody>
+      </p:sp>
+      <p:sp>
+        <p:nvSpPr>
+          <p:cNvPr id="7" name="Retângulo 6">
+            <a:extLst>
+              <a:ext uri="{FF2B5EF4-FFF2-40B4-BE49-F238E27FC236}">
+                <a16:creationId xmlns:a16="http://schemas.microsoft.com/office/drawing/2014/main" xmlns="" id="{DE871D51-6822-455D-8B97-7F37D0BA5BB9}"/>
+              </a:ext>
+            </a:extLst>
+          </p:cNvPr>
+          <p:cNvSpPr/>
+          <p:nvPr/>
+        </p:nvSpPr>
+        <p:spPr>
+          <a:xfrm>
+            <a:off x="685800" y="2681625"/>
+            <a:ext cx="7772400" cy="3785652"/>
+          </a:xfrm>
+          <a:prstGeom prst="rect">
+            <a:avLst/>
+          </a:prstGeom>
+        </p:spPr>
+        <p:txBody>
+          <a:bodyPr wrap="square">
+            <a:spAutoFit/>
+          </a:bodyPr>
+          <a:lstStyle/>
+          <a:p>
+            <a:r>
+              <a:rPr lang="en-US" sz="2000" b="1" dirty="0" smtClean="0"/>
+              <a:t>Listeners é </a:t>
+            </a:r>
+            <a:r>
+              <a:rPr lang="en-US" sz="2000" b="1" dirty="0" err="1" smtClean="0"/>
+              <a:t>uma</a:t>
+            </a:r>
+            <a:r>
+              <a:rPr lang="en-US" sz="2000" b="1" dirty="0" smtClean="0"/>
+              <a:t> forma de </a:t>
+            </a:r>
+            <a:r>
+              <a:rPr lang="en-US" sz="2000" b="1" dirty="0" err="1" smtClean="0"/>
+              <a:t>controlar</a:t>
+            </a:r>
+            <a:r>
+              <a:rPr lang="en-US" sz="2000" b="1" dirty="0" smtClean="0"/>
+              <a:t> o </a:t>
+            </a:r>
+            <a:r>
+              <a:rPr lang="en-US" sz="2000" b="1" dirty="0" err="1" smtClean="0"/>
+              <a:t>ciclo</a:t>
+            </a:r>
+            <a:r>
+              <a:rPr lang="en-US" sz="2000" b="1" dirty="0" smtClean="0"/>
+              <a:t> de </a:t>
+            </a:r>
+            <a:r>
+              <a:rPr lang="en-US" sz="2000" b="1" dirty="0" err="1" smtClean="0"/>
+              <a:t>vida</a:t>
+            </a:r>
+            <a:r>
+              <a:rPr lang="en-US" sz="2000" b="1" dirty="0" smtClean="0"/>
+              <a:t> do </a:t>
+            </a:r>
+            <a:r>
+              <a:rPr lang="en-US" sz="2000" b="1" dirty="0" err="1" smtClean="0"/>
+              <a:t>contexto</a:t>
+            </a:r>
+            <a:r>
+              <a:rPr lang="en-US" sz="2000" b="1" dirty="0" smtClean="0"/>
+              <a:t> da </a:t>
+            </a:r>
+            <a:r>
+              <a:rPr lang="en-US" sz="2000" b="1" dirty="0" err="1" smtClean="0"/>
+              <a:t>aplicação</a:t>
+            </a:r>
+            <a:r>
+              <a:rPr lang="en-US" sz="2000" b="1" dirty="0" smtClean="0"/>
+              <a:t>. Mas </a:t>
+            </a:r>
+            <a:r>
+              <a:rPr lang="en-US" sz="2000" b="1" dirty="0" err="1" smtClean="0"/>
+              <a:t>nesse</a:t>
+            </a:r>
+            <a:r>
+              <a:rPr lang="en-US" sz="2000" b="1" dirty="0" smtClean="0"/>
+              <a:t> </a:t>
+            </a:r>
+            <a:r>
+              <a:rPr lang="en-US" sz="2000" b="1" dirty="0" err="1" smtClean="0"/>
+              <a:t>momento</a:t>
+            </a:r>
+            <a:r>
+              <a:rPr lang="en-US" sz="2000" b="1" dirty="0" smtClean="0"/>
+              <a:t> </a:t>
+            </a:r>
+            <a:r>
+              <a:rPr lang="en-US" sz="2000" b="1" dirty="0" err="1" smtClean="0"/>
+              <a:t>não</a:t>
+            </a:r>
+            <a:r>
+              <a:rPr lang="en-US" sz="2000" b="1" dirty="0" smtClean="0"/>
+              <a:t> </a:t>
+            </a:r>
+            <a:r>
+              <a:rPr lang="en-US" sz="2000" b="1" dirty="0" err="1" smtClean="0"/>
+              <a:t>temos</a:t>
+            </a:r>
+            <a:r>
+              <a:rPr lang="en-US" sz="2000" b="1" dirty="0" smtClean="0"/>
+              <a:t> </a:t>
+            </a:r>
+            <a:r>
+              <a:rPr lang="en-US" sz="2000" b="1" dirty="0" err="1" smtClean="0"/>
+              <a:t>os</a:t>
+            </a:r>
+            <a:r>
+              <a:rPr lang="en-US" sz="2000" b="1" dirty="0" smtClean="0"/>
+              <a:t> </a:t>
+            </a:r>
+            <a:r>
+              <a:rPr lang="en-US" sz="2000" b="1" dirty="0" err="1" smtClean="0"/>
+              <a:t>métodos</a:t>
+            </a:r>
+            <a:r>
+              <a:rPr lang="en-US" sz="2000" b="1" dirty="0" smtClean="0"/>
+              <a:t> </a:t>
+            </a:r>
+            <a:r>
+              <a:rPr lang="en-US" sz="2000" b="1" dirty="0" err="1" smtClean="0"/>
+              <a:t>init</a:t>
+            </a:r>
+            <a:r>
+              <a:rPr lang="en-US" sz="2000" b="1" dirty="0" smtClean="0"/>
+              <a:t>() e destroy(). Para </a:t>
+            </a:r>
+            <a:r>
+              <a:rPr lang="en-US" sz="2000" b="1" dirty="0" err="1" smtClean="0"/>
+              <a:t>implementação</a:t>
+            </a:r>
+            <a:r>
+              <a:rPr lang="en-US" sz="2000" b="1" dirty="0" smtClean="0"/>
+              <a:t> do listeners </a:t>
+            </a:r>
+            <a:r>
+              <a:rPr lang="en-US" sz="2000" b="1" dirty="0" err="1" smtClean="0"/>
+              <a:t>devemos</a:t>
+            </a:r>
+            <a:r>
+              <a:rPr lang="en-US" sz="2000" b="1" dirty="0" smtClean="0"/>
+              <a:t> </a:t>
+            </a:r>
+            <a:r>
+              <a:rPr lang="en-US" sz="2000" b="1" dirty="0" err="1" smtClean="0"/>
+              <a:t>implementar</a:t>
+            </a:r>
+            <a:r>
+              <a:rPr lang="en-US" sz="2000" b="1" dirty="0" smtClean="0"/>
+              <a:t> a </a:t>
+            </a:r>
+            <a:r>
+              <a:rPr lang="en-US" sz="2000" b="1" dirty="0"/>
+              <a:t>interface </a:t>
+            </a:r>
+            <a:r>
+              <a:rPr lang="en-US" sz="2000" b="1" dirty="0" err="1" smtClean="0"/>
+              <a:t>ServletContextListener</a:t>
+            </a:r>
+            <a:r>
+              <a:rPr lang="en-US" sz="2000" b="1" dirty="0" smtClean="0"/>
+              <a:t>. </a:t>
+            </a:r>
+            <a:r>
+              <a:rPr lang="en-US" sz="2000" b="1" dirty="0" err="1" smtClean="0"/>
+              <a:t>Essa</a:t>
+            </a:r>
+            <a:r>
+              <a:rPr lang="en-US" sz="2000" b="1" dirty="0" smtClean="0"/>
+              <a:t> interface tem </a:t>
+            </a:r>
+            <a:r>
+              <a:rPr lang="en-US" sz="2000" b="1" dirty="0" err="1" smtClean="0"/>
+              <a:t>dois</a:t>
+            </a:r>
+            <a:r>
+              <a:rPr lang="en-US" sz="2000" b="1" dirty="0" smtClean="0"/>
+              <a:t> </a:t>
+            </a:r>
+            <a:r>
+              <a:rPr lang="en-US" sz="2000" b="1" dirty="0" err="1" smtClean="0"/>
+              <a:t>métodos</a:t>
+            </a:r>
+            <a:r>
+              <a:rPr lang="en-US" sz="2000" b="1" dirty="0" smtClean="0"/>
+              <a:t> </a:t>
+            </a:r>
+            <a:r>
+              <a:rPr lang="en-US" sz="2000" b="1" dirty="0" err="1" smtClean="0"/>
+              <a:t>que</a:t>
+            </a:r>
+            <a:r>
+              <a:rPr lang="en-US" sz="2000" b="1" dirty="0" smtClean="0"/>
+              <a:t> </a:t>
+            </a:r>
+            <a:r>
+              <a:rPr lang="en-US" sz="2000" b="1" dirty="0" err="1" smtClean="0"/>
+              <a:t>devemos</a:t>
+            </a:r>
+            <a:r>
+              <a:rPr lang="en-US" sz="2000" b="1" dirty="0"/>
+              <a:t> </a:t>
+            </a:r>
+            <a:r>
+              <a:rPr lang="en-US" sz="2000" b="1" dirty="0" err="1" smtClean="0"/>
+              <a:t>sobrescrever</a:t>
+            </a:r>
+            <a:r>
+              <a:rPr lang="en-US" sz="2000" b="1" dirty="0" smtClean="0"/>
+              <a:t>, </a:t>
+            </a:r>
+            <a:r>
+              <a:rPr lang="en-US" sz="2000" b="1" dirty="0" err="1" smtClean="0"/>
+              <a:t>são</a:t>
+            </a:r>
+            <a:r>
+              <a:rPr lang="en-US" sz="2000" b="1" dirty="0" smtClean="0"/>
+              <a:t> </a:t>
+            </a:r>
+            <a:r>
+              <a:rPr lang="en-US" sz="2000" b="1" dirty="0" err="1" smtClean="0"/>
+              <a:t>eles</a:t>
+            </a:r>
+            <a:r>
+              <a:rPr lang="en-US" sz="2000" b="1" dirty="0" smtClean="0"/>
+              <a:t>:</a:t>
+            </a:r>
+          </a:p>
+          <a:p>
+            <a:pPr marL="342900" indent="-342900">
+              <a:buFont typeface="Arial" panose="020B0604020202020204" pitchFamily="34" charset="0"/>
+              <a:buChar char="•"/>
+            </a:pPr>
+            <a:endParaRPr lang="en-US" sz="2000" b="1" dirty="0" smtClean="0"/>
+          </a:p>
+          <a:p>
+            <a:pPr marL="342900" indent="-342900">
+              <a:buFont typeface="Arial" panose="020B0604020202020204" pitchFamily="34" charset="0"/>
+              <a:buChar char="•"/>
+            </a:pPr>
+            <a:r>
+              <a:rPr lang="en-US" sz="2000" b="1" dirty="0" smtClean="0"/>
+              <a:t>public </a:t>
+            </a:r>
+            <a:r>
+              <a:rPr lang="en-US" sz="2000" b="1" dirty="0"/>
+              <a:t>void </a:t>
+            </a:r>
+            <a:r>
+              <a:rPr lang="en-US" sz="2000" b="1" dirty="0" err="1"/>
+              <a:t>contextInitialized</a:t>
+            </a:r>
+            <a:r>
+              <a:rPr lang="en-US" sz="2000" b="1" dirty="0"/>
+              <a:t>(</a:t>
+            </a:r>
+            <a:r>
+              <a:rPr lang="en-US" sz="2000" b="1" dirty="0" err="1"/>
+              <a:t>ServletContextEvent</a:t>
+            </a:r>
+            <a:r>
+              <a:rPr lang="en-US" sz="2000" b="1" dirty="0"/>
+              <a:t> e</a:t>
+            </a:r>
+            <a:r>
+              <a:rPr lang="en-US" sz="2000" b="1" dirty="0" smtClean="0"/>
+              <a:t>)</a:t>
+            </a:r>
+          </a:p>
+          <a:p>
+            <a:pPr marL="342900" indent="-342900">
+              <a:buFont typeface="Arial" panose="020B0604020202020204" pitchFamily="34" charset="0"/>
+              <a:buChar char="•"/>
+            </a:pPr>
+            <a:r>
+              <a:rPr lang="en-US" sz="2000" b="1" dirty="0" smtClean="0"/>
+              <a:t>public </a:t>
+            </a:r>
+            <a:r>
+              <a:rPr lang="en-US" sz="2000" b="1" dirty="0"/>
+              <a:t>void </a:t>
+            </a:r>
+            <a:r>
+              <a:rPr lang="en-US" sz="2000" b="1" dirty="0" err="1"/>
+              <a:t>contextDestroyed</a:t>
+            </a:r>
+            <a:r>
+              <a:rPr lang="en-US" sz="2000" b="1" dirty="0"/>
+              <a:t>(</a:t>
+            </a:r>
+            <a:r>
+              <a:rPr lang="en-US" sz="2000" b="1" dirty="0" err="1"/>
+              <a:t>ServletContextEvent</a:t>
+            </a:r>
+            <a:r>
+              <a:rPr lang="en-US" sz="2000" b="1" dirty="0"/>
+              <a:t> e</a:t>
+            </a:r>
+            <a:r>
+              <a:rPr lang="en-US" sz="2000" b="1" dirty="0" smtClean="0"/>
+              <a:t>)</a:t>
+            </a:r>
+          </a:p>
+          <a:p>
+            <a:pPr marL="342900" indent="-342900">
+              <a:buFont typeface="Arial" panose="020B0604020202020204" pitchFamily="34" charset="0"/>
+              <a:buChar char="•"/>
+            </a:pPr>
+            <a:endParaRPr lang="en-US" sz="2000" b="1" dirty="0"/>
+          </a:p>
+          <a:p>
+            <a:r>
+              <a:rPr lang="en-US" sz="2000" b="1" dirty="0" err="1" smtClean="0"/>
+              <a:t>Esses</a:t>
+            </a:r>
+            <a:r>
+              <a:rPr lang="en-US" sz="2000" b="1" dirty="0" smtClean="0"/>
+              <a:t> </a:t>
+            </a:r>
+            <a:r>
+              <a:rPr lang="en-US" sz="2000" b="1" dirty="0" err="1" smtClean="0"/>
+              <a:t>métodos</a:t>
+            </a:r>
+            <a:r>
+              <a:rPr lang="en-US" sz="2000" b="1" dirty="0" smtClean="0"/>
+              <a:t> </a:t>
+            </a:r>
+            <a:r>
+              <a:rPr lang="en-US" sz="2000" b="1" dirty="0" err="1" smtClean="0"/>
+              <a:t>são</a:t>
+            </a:r>
+            <a:r>
+              <a:rPr lang="en-US" sz="2000" b="1" dirty="0" smtClean="0"/>
+              <a:t> </a:t>
+            </a:r>
+            <a:r>
+              <a:rPr lang="en-US" sz="2000" b="1" dirty="0" err="1" smtClean="0"/>
+              <a:t>chamados</a:t>
+            </a:r>
+            <a:r>
+              <a:rPr lang="en-US" sz="2000" b="1" dirty="0" smtClean="0"/>
+              <a:t> </a:t>
+            </a:r>
+            <a:r>
+              <a:rPr lang="en-US" sz="2000" b="1" dirty="0" err="1" smtClean="0"/>
+              <a:t>depois</a:t>
+            </a:r>
+            <a:r>
+              <a:rPr lang="en-US" sz="2000" b="1" dirty="0" smtClean="0"/>
+              <a:t> </a:t>
+            </a:r>
+            <a:r>
+              <a:rPr lang="en-US" sz="2000" b="1" dirty="0" err="1" smtClean="0"/>
+              <a:t>que</a:t>
+            </a:r>
+            <a:r>
+              <a:rPr lang="en-US" sz="2000" b="1" dirty="0" smtClean="0"/>
+              <a:t> um </a:t>
+            </a:r>
+            <a:r>
+              <a:rPr lang="en-US" sz="2000" b="1" dirty="0" err="1" smtClean="0"/>
+              <a:t>contexto</a:t>
+            </a:r>
+            <a:r>
+              <a:rPr lang="en-US" sz="2000" b="1" dirty="0" smtClean="0"/>
+              <a:t> é </a:t>
+            </a:r>
+            <a:r>
+              <a:rPr lang="en-US" sz="2000" b="1" dirty="0" err="1" smtClean="0"/>
+              <a:t>criado</a:t>
+            </a:r>
+            <a:r>
+              <a:rPr lang="en-US" sz="2000" b="1" dirty="0" smtClean="0"/>
+              <a:t> e antes </a:t>
+            </a:r>
+            <a:r>
+              <a:rPr lang="en-US" sz="2000" b="1" dirty="0" err="1" smtClean="0"/>
+              <a:t>que</a:t>
+            </a:r>
+            <a:r>
+              <a:rPr lang="en-US" sz="2000" b="1" dirty="0" smtClean="0"/>
+              <a:t> </a:t>
+            </a:r>
+            <a:r>
+              <a:rPr lang="en-US" sz="2000" b="1" dirty="0" err="1" smtClean="0"/>
+              <a:t>ele</a:t>
+            </a:r>
+            <a:r>
+              <a:rPr lang="en-US" sz="2000" b="1" dirty="0" smtClean="0"/>
+              <a:t> </a:t>
+            </a:r>
+            <a:r>
+              <a:rPr lang="en-US" sz="2000" b="1" dirty="0" err="1" smtClean="0"/>
+              <a:t>seja</a:t>
+            </a:r>
+            <a:r>
+              <a:rPr lang="en-US" sz="2000" b="1" dirty="0" smtClean="0"/>
+              <a:t> </a:t>
+            </a:r>
+            <a:r>
+              <a:rPr lang="en-US" sz="2000" b="1" dirty="0" err="1" smtClean="0"/>
+              <a:t>destruído</a:t>
+            </a:r>
+            <a:r>
+              <a:rPr lang="en-US" sz="2000" b="1" dirty="0" smtClean="0"/>
+              <a:t>. A </a:t>
+            </a:r>
+            <a:r>
+              <a:rPr lang="en-US" sz="2000" b="1" dirty="0" err="1" smtClean="0"/>
+              <a:t>classe</a:t>
+            </a:r>
+            <a:r>
+              <a:rPr lang="en-US" sz="2000" b="1" dirty="0" smtClean="0"/>
+              <a:t> </a:t>
+            </a:r>
+            <a:r>
+              <a:rPr lang="en-US" sz="2000" b="1" dirty="0" err="1" smtClean="0"/>
+              <a:t>deve</a:t>
+            </a:r>
+            <a:r>
+              <a:rPr lang="en-US" sz="2000" b="1" dirty="0" smtClean="0"/>
+              <a:t> </a:t>
+            </a:r>
+            <a:r>
+              <a:rPr lang="en-US" sz="2000" b="1" dirty="0" err="1" smtClean="0"/>
+              <a:t>conter</a:t>
+            </a:r>
+            <a:r>
+              <a:rPr lang="en-US" sz="2000" b="1" dirty="0" smtClean="0"/>
+              <a:t> a </a:t>
+            </a:r>
+            <a:r>
+              <a:rPr lang="en-US" sz="2000" b="1" dirty="0" err="1" smtClean="0"/>
+              <a:t>anotação</a:t>
+            </a:r>
+            <a:r>
+              <a:rPr lang="en-US" sz="2000" b="1" dirty="0" smtClean="0"/>
+              <a:t> @</a:t>
+            </a:r>
+            <a:r>
+              <a:rPr lang="en-US" sz="2000" b="1" dirty="0" err="1" smtClean="0"/>
+              <a:t>WebListener</a:t>
+            </a:r>
+            <a:r>
+              <a:rPr lang="en-US" sz="2000" b="1" dirty="0" smtClean="0"/>
+              <a:t>.</a:t>
+            </a:r>
+            <a:endParaRPr lang="en-US" sz="2000" b="1" dirty="0"/>
+          </a:p>
+        </p:txBody>
+      </p:sp>
+    </p:spTree>
+    <p:extLst>
+      <p:ext uri="{BB962C8B-B14F-4D97-AF65-F5344CB8AC3E}">
+        <p14:creationId xmlns:p14="http://schemas.microsoft.com/office/powerpoint/2010/main" val="949538902"/>
+      </p:ext>
+    </p:extLst>
+  </p:cSld>
+  <p:clrMapOvr>
+    <a:masterClrMapping/>
+  </p:clrMapOvr>
+  <p:transition>
+    <p:fade/>
+  </p:transition>
+</p:sld>
+</file>
+
+<file path=ppt/slides/slide16.xml><?xml version="1.0" encoding="utf-8"?>
+<p:sld xmlns:a="http://schemas.openxmlformats.org/drawingml/2006/main" xmlns:r="http://schemas.openxmlformats.org/officeDocument/2006/relationships" xmlns:p="http://schemas.openxmlformats.org/presentationml/2006/main">
+  <p:cSld>
+    <p:spTree>
+      <p:nvGrpSpPr>
+        <p:cNvPr id="1" name=""/>
+        <p:cNvGrpSpPr/>
+        <p:nvPr/>
+      </p:nvGrpSpPr>
+      <p:grpSpPr>
+        <a:xfrm>
+          <a:off x="0" y="0"/>
+          <a:ext cx="0" cy="0"/>
+          <a:chOff x="0" y="0"/>
+          <a:chExt cx="0" cy="0"/>
+        </a:xfrm>
+      </p:grpSpPr>
+      <p:sp>
+        <p:nvSpPr>
+          <p:cNvPr id="3" name="Rectangle 8"/>
+          <p:cNvSpPr>
+            <a:spLocks noGrp="1"/>
+          </p:cNvSpPr>
+          <p:nvPr>
+            <p:ph type="title"/>
+          </p:nvPr>
+        </p:nvSpPr>
+        <p:spPr>
+          <a:xfrm>
+            <a:off x="228600" y="1676400"/>
+            <a:ext cx="8229600" cy="1143000"/>
+          </a:xfrm>
+        </p:spPr>
+        <p:txBody>
+          <a:bodyPr>
+            <a:noAutofit/>
+          </a:bodyPr>
+          <a:lstStyle/>
+          <a:p>
+            <a:r>
+              <a:rPr lang="pt-BR" sz="4000" dirty="0" smtClean="0"/>
+              <a:t>Sess</a:t>
+            </a:r>
+            <a:r>
+              <a:rPr lang="pt-BR" sz="4000" dirty="0" smtClean="0"/>
+              <a:t>ões</a:t>
+            </a:r>
+            <a:endParaRPr lang="pt-BR" sz="4000" dirty="0"/>
+          </a:p>
+        </p:txBody>
+      </p:sp>
+      <p:sp>
+        <p:nvSpPr>
+          <p:cNvPr id="7" name="Retângulo 6">
+            <a:extLst>
+              <a:ext uri="{FF2B5EF4-FFF2-40B4-BE49-F238E27FC236}">
+                <a16:creationId xmlns:a16="http://schemas.microsoft.com/office/drawing/2014/main" xmlns="" id="{DE871D51-6822-455D-8B97-7F37D0BA5BB9}"/>
+              </a:ext>
+            </a:extLst>
+          </p:cNvPr>
+          <p:cNvSpPr/>
+          <p:nvPr/>
+        </p:nvSpPr>
+        <p:spPr>
+          <a:xfrm>
+            <a:off x="685800" y="2681625"/>
+            <a:ext cx="7772400" cy="1323439"/>
+          </a:xfrm>
+          <a:prstGeom prst="rect">
+            <a:avLst/>
+          </a:prstGeom>
+        </p:spPr>
+        <p:txBody>
+          <a:bodyPr wrap="square">
+            <a:spAutoFit/>
+          </a:bodyPr>
+          <a:lstStyle/>
+          <a:p>
+            <a:r>
+              <a:rPr lang="pt-BR" sz="2000" b="1" dirty="0"/>
+              <a:t>Uma sessão HTTP representa o tempo que um cliente acessa uma pagina ou domínio. </a:t>
+            </a:r>
+            <a:r>
+              <a:rPr lang="pt-BR" sz="2000" b="1" dirty="0" smtClean="0"/>
+              <a:t>Uma sessão </a:t>
+            </a:r>
+            <a:r>
+              <a:rPr lang="pt-BR" sz="2000" b="1" dirty="0"/>
+              <a:t>é iniciada com uma requisição, é única para cada </a:t>
+            </a:r>
+            <a:r>
+              <a:rPr lang="pt-BR" sz="2000" b="1" dirty="0" smtClean="0"/>
+              <a:t>cliente(browser) </a:t>
+            </a:r>
+            <a:r>
+              <a:rPr lang="pt-BR" sz="2000" b="1" dirty="0"/>
+              <a:t>e persiste através de </a:t>
+            </a:r>
+            <a:r>
+              <a:rPr lang="pt-BR" sz="2000" b="1" dirty="0" smtClean="0"/>
+              <a:t>várias requisições</a:t>
+            </a:r>
+            <a:r>
+              <a:rPr lang="pt-BR" sz="2000" b="1" dirty="0"/>
+              <a:t>.</a:t>
+            </a:r>
+            <a:endParaRPr lang="en-US" sz="2000" b="1" dirty="0"/>
+          </a:p>
+        </p:txBody>
+      </p:sp>
+      <p:pic>
+        <p:nvPicPr>
+          <p:cNvPr id="1026" name="Picture 2"/>
+          <p:cNvPicPr>
+            <a:picLocks noChangeAspect="1" noChangeArrowheads="1"/>
+          </p:cNvPicPr>
+          <p:nvPr/>
+        </p:nvPicPr>
+        <p:blipFill>
+          <a:blip r:embed="rId3">
+            <a:extLst>
+              <a:ext uri="{28A0092B-C50C-407E-A947-70E740481C1C}">
+                <a14:useLocalDpi xmlns:a14="http://schemas.microsoft.com/office/drawing/2010/main" val="0"/>
+              </a:ext>
+            </a:extLst>
+          </a:blip>
+          <a:srcRect/>
+          <a:stretch>
+            <a:fillRect/>
+          </a:stretch>
+        </p:blipFill>
+        <p:spPr bwMode="auto">
+          <a:xfrm>
+            <a:off x="685800" y="4097254"/>
+            <a:ext cx="7772400" cy="2500098"/>
+          </a:xfrm>
+          <a:prstGeom prst="rect">
+            <a:avLst/>
+          </a:prstGeom>
+          <a:noFill/>
+          <a:ln>
+            <a:noFill/>
+          </a:ln>
+          <a:extLst>
+            <a:ext uri="{909E8E84-426E-40DD-AFC4-6F175D3DCCD1}">
+              <a14:hiddenFill xmlns:a14="http://schemas.microsoft.com/office/drawing/2010/main">
+                <a:solidFill>
+                  <a:schemeClr val="accent1"/>
+                </a:solidFill>
+              </a14:hiddenFill>
+            </a:ext>
+            <a:ext uri="{91240B29-F687-4F45-9708-019B960494DF}">
+              <a14:hiddenLine xmlns:a14="http://schemas.microsoft.com/office/drawing/2010/main" w="9525">
+                <a:solidFill>
+                  <a:schemeClr val="tx1"/>
+                </a:solidFill>
+                <a:miter lim="800000"/>
+                <a:headEnd/>
+                <a:tailEnd/>
+              </a14:hiddenLine>
+            </a:ext>
+          </a:extLst>
+        </p:spPr>
+      </p:pic>
+    </p:spTree>
+    <p:extLst>
+      <p:ext uri="{BB962C8B-B14F-4D97-AF65-F5344CB8AC3E}">
+        <p14:creationId xmlns:p14="http://schemas.microsoft.com/office/powerpoint/2010/main" val="1068927343"/>
       </p:ext>
     </p:extLst>
   </p:cSld>

--- a/AulasAvancado/src/main/resources/br/com/Aula2/Servlets.pptx
+++ b/AulasAvancado/src/main/resources/br/com/Aula2/Servlets.pptx
@@ -5,10 +5,10 @@
     <p:sldMasterId id="2147483648" r:id="rId1"/>
   </p:sldMasterIdLst>
   <p:notesMasterIdLst>
-    <p:notesMasterId r:id="rId18"/>
+    <p:notesMasterId r:id="rId21"/>
   </p:notesMasterIdLst>
   <p:handoutMasterIdLst>
-    <p:handoutMasterId r:id="rId19"/>
+    <p:handoutMasterId r:id="rId22"/>
   </p:handoutMasterIdLst>
   <p:sldIdLst>
     <p:sldId id="257" r:id="rId2"/>
@@ -23,10 +23,13 @@
     <p:sldId id="284" r:id="rId11"/>
     <p:sldId id="291" r:id="rId12"/>
     <p:sldId id="280" r:id="rId13"/>
-    <p:sldId id="294" r:id="rId14"/>
-    <p:sldId id="295" r:id="rId15"/>
-    <p:sldId id="296" r:id="rId16"/>
-    <p:sldId id="297" r:id="rId17"/>
+    <p:sldId id="295" r:id="rId14"/>
+    <p:sldId id="296" r:id="rId15"/>
+    <p:sldId id="297" r:id="rId16"/>
+    <p:sldId id="298" r:id="rId17"/>
+    <p:sldId id="299" r:id="rId18"/>
+    <p:sldId id="300" r:id="rId19"/>
+    <p:sldId id="303" r:id="rId20"/>
   </p:sldIdLst>
   <p:sldSz cx="9144000" cy="6858000" type="screen4x3"/>
   <p:notesSz cx="6858000" cy="9144000"/>
@@ -227,7 +230,7 @@
             <a:fld id="{54D4857D-62A5-486B-9129-468003D7E020}" type="datetimeFigureOut">
               <a:rPr lang="pt-BR" smtClean="0"/>
               <a:pPr/>
-              <a:t>12/10/2018</a:t>
+              <a:t>14/10/2018</a:t>
             </a:fld>
             <a:endParaRPr lang="pt-BR"/>
           </a:p>
@@ -397,7 +400,7 @@
           <a:p>
             <a:fld id="{2D2EF2CE-B28C-4ED4-8FD0-48BB3F48846A}" type="datetimeFigureOut">
               <a:pPr/>
-              <a:t>12/10/2018</a:t>
+              <a:t>14/10/2018</a:t>
             </a:fld>
             <a:endParaRPr lang="pt-BR"/>
           </a:p>
@@ -2301,70 +2304,6 @@
               <a:cs typeface="+mn-cs"/>
             </a:endParaRPr>
           </a:p>
-          <a:p>
-            <a:endParaRPr lang="pt-BR" sz="1200" b="0" i="0" u="none" strike="noStrike" kern="1200" baseline="0" dirty="0" smtClean="0">
-              <a:solidFill>
-                <a:schemeClr val="tx1"/>
-              </a:solidFill>
-              <a:latin typeface="+mn-lt"/>
-              <a:ea typeface="+mn-ea"/>
-              <a:cs typeface="+mn-cs"/>
-            </a:endParaRPr>
-          </a:p>
-          <a:p>
-            <a:r>
-              <a:rPr lang="pt-BR" sz="1200" b="0" i="0" u="none" strike="noStrike" kern="1200" baseline="0" dirty="0" smtClean="0">
-                <a:solidFill>
-                  <a:schemeClr val="tx1"/>
-                </a:solidFill>
-                <a:latin typeface="+mn-lt"/>
-                <a:ea typeface="+mn-ea"/>
-                <a:cs typeface="+mn-cs"/>
-              </a:rPr>
-              <a:t>Mostrar algumas na prática e </a:t>
-            </a:r>
-            <a:r>
-              <a:rPr lang="pt-BR" sz="1200" b="0" i="0" u="none" strike="noStrike" kern="1200" baseline="0" dirty="0" err="1" smtClean="0">
-                <a:solidFill>
-                  <a:schemeClr val="tx1"/>
-                </a:solidFill>
-                <a:latin typeface="+mn-lt"/>
-                <a:ea typeface="+mn-ea"/>
-                <a:cs typeface="+mn-cs"/>
-              </a:rPr>
-              <a:t>mostar</a:t>
-            </a:r>
-            <a:r>
-              <a:rPr lang="pt-BR" sz="1200" b="0" i="0" u="none" strike="noStrike" kern="1200" baseline="0" dirty="0" smtClean="0">
-                <a:solidFill>
-                  <a:schemeClr val="tx1"/>
-                </a:solidFill>
-                <a:latin typeface="+mn-lt"/>
-                <a:ea typeface="+mn-ea"/>
-                <a:cs typeface="+mn-cs"/>
-              </a:rPr>
-              <a:t> como gravar dentro </a:t>
-            </a:r>
-            <a:r>
-              <a:rPr lang="pt-BR" sz="1200" b="0" i="0" u="none" strike="noStrike" kern="1200" baseline="0" smtClean="0">
-                <a:solidFill>
-                  <a:schemeClr val="tx1"/>
-                </a:solidFill>
-                <a:latin typeface="+mn-lt"/>
-                <a:ea typeface="+mn-ea"/>
-                <a:cs typeface="+mn-cs"/>
-              </a:rPr>
-              <a:t>do contexto !</a:t>
-            </a:r>
-            <a:endParaRPr lang="pt-BR" sz="1200" b="0" i="0" u="none" strike="noStrike" kern="1200" baseline="0" dirty="0" smtClean="0">
-              <a:solidFill>
-                <a:schemeClr val="tx1"/>
-              </a:solidFill>
-              <a:latin typeface="+mn-lt"/>
-              <a:ea typeface="+mn-ea"/>
-              <a:cs typeface="+mn-cs"/>
-            </a:endParaRPr>
-          </a:p>
         </p:txBody>
       </p:sp>
       <p:sp>
@@ -2448,270 +2387,6 @@
           <a:bodyPr/>
           <a:lstStyle/>
           <a:p>
-            <a:pPr marL="342900" lvl="0" indent="-342900">
-              <a:spcBef>
-                <a:spcPct val="20000"/>
-              </a:spcBef>
-              <a:buFont typeface="Arial"/>
-              <a:buChar char="•"/>
-              <a:defRPr lang="pt-BR"/>
-            </a:pPr>
-            <a:r>
-              <a:rPr lang="pt-BR" dirty="0" smtClean="0"/>
-              <a:t>Para retornar o contexto atual</a:t>
-            </a:r>
-            <a:r>
-              <a:rPr lang="pt-BR" baseline="0" dirty="0" smtClean="0"/>
-              <a:t> utilizamos o </a:t>
-            </a:r>
-            <a:r>
-              <a:rPr lang="pt-BR" baseline="0" dirty="0" err="1" smtClean="0"/>
-              <a:t>getServletContext</a:t>
-            </a:r>
-            <a:r>
-              <a:rPr lang="pt-BR" baseline="0" dirty="0" smtClean="0"/>
-              <a:t>().</a:t>
-            </a:r>
-          </a:p>
-          <a:p>
-            <a:pPr marL="342900" lvl="0" indent="-342900">
-              <a:spcBef>
-                <a:spcPct val="20000"/>
-              </a:spcBef>
-              <a:buFont typeface="Arial"/>
-              <a:buChar char="•"/>
-              <a:defRPr lang="pt-BR"/>
-            </a:pPr>
-            <a:r>
-              <a:rPr lang="pt-BR" dirty="0" err="1" smtClean="0"/>
-              <a:t>String</a:t>
-            </a:r>
-            <a:r>
-              <a:rPr lang="pt-BR" dirty="0" smtClean="0"/>
-              <a:t> </a:t>
-            </a:r>
-            <a:r>
-              <a:rPr lang="pt-BR" dirty="0" err="1" smtClean="0"/>
-              <a:t>getInitParameter</a:t>
-            </a:r>
-            <a:r>
-              <a:rPr lang="pt-BR" dirty="0" smtClean="0"/>
-              <a:t>(</a:t>
-            </a:r>
-            <a:r>
-              <a:rPr lang="pt-BR" dirty="0" err="1" smtClean="0"/>
-              <a:t>String</a:t>
-            </a:r>
-            <a:r>
-              <a:rPr lang="pt-BR" dirty="0" smtClean="0"/>
-              <a:t>): lê parâmetros de inicialização do contexto (não confunda com o método similar de </a:t>
-            </a:r>
-            <a:r>
-              <a:rPr lang="pt-BR" dirty="0" err="1" smtClean="0"/>
-              <a:t>ServletConfig</a:t>
-            </a:r>
-            <a:r>
-              <a:rPr lang="pt-BR" dirty="0" smtClean="0"/>
-              <a:t>)</a:t>
-            </a:r>
-          </a:p>
-          <a:p>
-            <a:pPr marL="342900" lvl="0" indent="-342900">
-              <a:spcBef>
-                <a:spcPct val="20000"/>
-              </a:spcBef>
-              <a:buFont typeface="Arial"/>
-              <a:buChar char="•"/>
-              <a:defRPr lang="pt-BR"/>
-            </a:pPr>
-            <a:r>
-              <a:rPr lang="pt-BR" dirty="0" err="1" smtClean="0"/>
-              <a:t>Enumeration</a:t>
-            </a:r>
-            <a:r>
-              <a:rPr lang="pt-BR" dirty="0" smtClean="0"/>
-              <a:t> </a:t>
-            </a:r>
-            <a:r>
-              <a:rPr lang="pt-BR" dirty="0" err="1" smtClean="0"/>
-              <a:t>getInitParameterNames</a:t>
-            </a:r>
-            <a:r>
-              <a:rPr lang="pt-BR" dirty="0" smtClean="0"/>
-              <a:t>(): lê lista de parâmetros</a:t>
-            </a:r>
-          </a:p>
-          <a:p>
-            <a:pPr marL="342900" lvl="0" indent="-342900">
-              <a:spcBef>
-                <a:spcPct val="20000"/>
-              </a:spcBef>
-              <a:buFont typeface="Arial"/>
-              <a:buChar char="•"/>
-              <a:defRPr lang="pt-BR"/>
-            </a:pPr>
-            <a:r>
-              <a:rPr lang="pt-BR" dirty="0" err="1" smtClean="0"/>
-              <a:t>InputStream</a:t>
-            </a:r>
-            <a:r>
-              <a:rPr lang="pt-BR" dirty="0" smtClean="0"/>
-              <a:t> </a:t>
-            </a:r>
-            <a:r>
-              <a:rPr lang="pt-BR" dirty="0" err="1" smtClean="0"/>
-              <a:t>getResourceAsStream</a:t>
-            </a:r>
-            <a:r>
-              <a:rPr lang="pt-BR" dirty="0" smtClean="0"/>
-              <a:t>(): lê recurso localizado dentro do contexto como</a:t>
-            </a:r>
-            <a:r>
-              <a:rPr lang="pt-BR" baseline="0" dirty="0" smtClean="0"/>
-              <a:t> </a:t>
-            </a:r>
-            <a:r>
-              <a:rPr lang="pt-BR" dirty="0" smtClean="0"/>
-              <a:t>um </a:t>
-            </a:r>
-            <a:r>
-              <a:rPr lang="pt-BR" dirty="0" err="1" smtClean="0"/>
-              <a:t>InputStream</a:t>
-            </a:r>
-            <a:endParaRPr lang="pt-BR" dirty="0" smtClean="0"/>
-          </a:p>
-          <a:p>
-            <a:pPr marL="342900" lvl="0" indent="-342900">
-              <a:spcBef>
-                <a:spcPct val="20000"/>
-              </a:spcBef>
-              <a:buFont typeface="Arial"/>
-              <a:buChar char="•"/>
-              <a:defRPr lang="pt-BR"/>
-            </a:pPr>
-            <a:r>
-              <a:rPr lang="pt-BR" dirty="0" err="1" smtClean="0"/>
-              <a:t>void</a:t>
-            </a:r>
-            <a:r>
-              <a:rPr lang="pt-BR" dirty="0" smtClean="0"/>
-              <a:t> </a:t>
-            </a:r>
-            <a:r>
-              <a:rPr lang="pt-BR" dirty="0" err="1" smtClean="0"/>
-              <a:t>setAttribute</a:t>
-            </a:r>
-            <a:r>
-              <a:rPr lang="pt-BR" dirty="0" smtClean="0"/>
-              <a:t>(</a:t>
-            </a:r>
-            <a:r>
-              <a:rPr lang="pt-BR" dirty="0" err="1" smtClean="0"/>
-              <a:t>String</a:t>
-            </a:r>
-            <a:r>
-              <a:rPr lang="pt-BR" dirty="0" smtClean="0"/>
-              <a:t> nome, </a:t>
-            </a:r>
-            <a:r>
-              <a:rPr lang="pt-BR" dirty="0" err="1" smtClean="0"/>
-              <a:t>Object</a:t>
-            </a:r>
-            <a:r>
-              <a:rPr lang="pt-BR" dirty="0" smtClean="0"/>
-              <a:t>): grava um atributo no contexto</a:t>
-            </a:r>
-          </a:p>
-          <a:p>
-            <a:pPr marL="342900" lvl="0" indent="-342900">
-              <a:spcBef>
-                <a:spcPct val="20000"/>
-              </a:spcBef>
-              <a:buFont typeface="Arial"/>
-              <a:buChar char="•"/>
-              <a:defRPr lang="pt-BR"/>
-            </a:pPr>
-            <a:r>
-              <a:rPr lang="pt-BR" dirty="0" err="1" smtClean="0"/>
-              <a:t>Object</a:t>
-            </a:r>
-            <a:r>
-              <a:rPr lang="pt-BR" dirty="0" smtClean="0"/>
-              <a:t> </a:t>
-            </a:r>
-            <a:r>
-              <a:rPr lang="pt-BR" dirty="0" err="1" smtClean="0"/>
-              <a:t>getAttribute</a:t>
-            </a:r>
-            <a:r>
-              <a:rPr lang="pt-BR" dirty="0" smtClean="0"/>
-              <a:t>(</a:t>
-            </a:r>
-            <a:r>
-              <a:rPr lang="pt-BR" dirty="0" err="1" smtClean="0"/>
-              <a:t>String</a:t>
-            </a:r>
-            <a:r>
-              <a:rPr lang="pt-BR" dirty="0" smtClean="0"/>
-              <a:t> nome): lê um atributo do contexto</a:t>
-            </a:r>
-          </a:p>
-          <a:p>
-            <a:pPr marL="342900" lvl="0" indent="-342900">
-              <a:spcBef>
-                <a:spcPct val="20000"/>
-              </a:spcBef>
-              <a:buFont typeface="Arial"/>
-              <a:buChar char="•"/>
-              <a:defRPr lang="pt-BR"/>
-            </a:pPr>
-            <a:r>
-              <a:rPr lang="pt-BR" dirty="0" err="1" smtClean="0"/>
-              <a:t>void</a:t>
-            </a:r>
-            <a:r>
-              <a:rPr lang="pt-BR" dirty="0" smtClean="0"/>
-              <a:t> log(</a:t>
-            </a:r>
-            <a:r>
-              <a:rPr lang="pt-BR" dirty="0" err="1" smtClean="0"/>
-              <a:t>String</a:t>
-            </a:r>
-            <a:r>
-              <a:rPr lang="pt-BR" dirty="0" smtClean="0"/>
-              <a:t> mensagem): escreve mensagem no log do contexto</a:t>
-            </a:r>
-          </a:p>
-          <a:p>
-            <a:pPr marL="0" lvl="0" indent="0">
-              <a:spcBef>
-                <a:spcPct val="20000"/>
-              </a:spcBef>
-              <a:buFont typeface="Arial"/>
-              <a:buNone/>
-              <a:defRPr lang="pt-BR"/>
-            </a:pPr>
-            <a:endParaRPr lang="pt-BR" dirty="0" smtClean="0"/>
-          </a:p>
-          <a:p>
-            <a:pPr marL="0" lvl="0" indent="0">
-              <a:spcBef>
-                <a:spcPct val="20000"/>
-              </a:spcBef>
-              <a:buFont typeface="Arial"/>
-              <a:buNone/>
-              <a:defRPr lang="pt-BR"/>
-            </a:pPr>
-            <a:r>
-              <a:rPr lang="pt-BR" dirty="0" smtClean="0"/>
-              <a:t>Podemos</a:t>
-            </a:r>
-            <a:r>
-              <a:rPr lang="pt-BR" baseline="0" dirty="0" smtClean="0"/>
-              <a:t> configurar parâmetros de inicialização de contexto através do web.xml.</a:t>
-            </a:r>
-          </a:p>
-          <a:p>
             <a:r>
               <a:rPr lang="pt-BR" sz="1200" b="0" i="0" u="none" strike="noStrike" kern="1200" baseline="0" dirty="0" smtClean="0">
                 <a:solidFill>
@@ -2721,6 +2396,19 @@
                 <a:ea typeface="+mn-ea"/>
                 <a:cs typeface="+mn-cs"/>
               </a:rPr>
+              <a:t>Caso a configuração seja feita no web.xml:</a:t>
+            </a:r>
+          </a:p>
+          <a:p>
+            <a:r>
+              <a:rPr lang="pt-BR" sz="1200" b="0" i="0" u="none" strike="noStrike" kern="1200" baseline="0" dirty="0" smtClean="0">
+                <a:solidFill>
+                  <a:schemeClr val="tx1"/>
+                </a:solidFill>
+                <a:latin typeface="+mn-lt"/>
+                <a:ea typeface="+mn-ea"/>
+                <a:cs typeface="+mn-cs"/>
+              </a:rPr>
               <a:t>&lt;</a:t>
             </a:r>
             <a:r>
@@ -2732,7 +2420,7 @@
                 <a:ea typeface="+mn-ea"/>
                 <a:cs typeface="+mn-cs"/>
               </a:rPr>
-              <a:t>context</a:t>
+              <a:t>listener</a:t>
             </a:r>
             <a:r>
               <a:rPr lang="pt-BR" sz="1200" b="0" i="0" u="none" strike="noStrike" kern="1200" baseline="0" dirty="0" smtClean="0">
@@ -2743,7 +2431,7 @@
                 <a:ea typeface="+mn-ea"/>
                 <a:cs typeface="+mn-cs"/>
               </a:rPr>
-              <a:t>-param&gt;</a:t>
+              <a:t>&gt;</a:t>
             </a:r>
           </a:p>
           <a:p>
@@ -2756,7 +2444,7 @@
                 <a:ea typeface="+mn-ea"/>
                 <a:cs typeface="+mn-cs"/>
               </a:rPr>
-              <a:t>	&lt;param-</a:t>
+              <a:t>	&lt;</a:t>
             </a:r>
             <a:r>
               <a:rPr lang="pt-BR" sz="1200" b="0" i="0" u="none" strike="noStrike" kern="1200" baseline="0" dirty="0" err="1" smtClean="0">
@@ -2767,7 +2455,7 @@
                 <a:ea typeface="+mn-ea"/>
                 <a:cs typeface="+mn-cs"/>
               </a:rPr>
-              <a:t>name</a:t>
+              <a:t>listener-class</a:t>
             </a:r>
             <a:r>
               <a:rPr lang="pt-BR" sz="1200" b="0" i="0" u="none" strike="noStrike" kern="1200" baseline="0" dirty="0" smtClean="0">
@@ -2778,8 +2466,43 @@
                 <a:ea typeface="+mn-ea"/>
                 <a:cs typeface="+mn-cs"/>
               </a:rPr>
+              <a:t>&gt;ex01.OuvinteDeContexto&lt;/</a:t>
+            </a:r>
+            <a:r>
+              <a:rPr lang="pt-BR" sz="1200" b="0" i="0" u="none" strike="noStrike" kern="1200" baseline="0" dirty="0" err="1" smtClean="0">
+                <a:solidFill>
+                  <a:schemeClr val="tx1"/>
+                </a:solidFill>
+                <a:latin typeface="+mn-lt"/>
+                <a:ea typeface="+mn-ea"/>
+                <a:cs typeface="+mn-cs"/>
+              </a:rPr>
+              <a:t>listener-class</a:t>
+            </a:r>
+            <a:r>
+              <a:rPr lang="pt-BR" sz="1200" b="0" i="0" u="none" strike="noStrike" kern="1200" baseline="0" dirty="0" smtClean="0">
+                <a:solidFill>
+                  <a:schemeClr val="tx1"/>
+                </a:solidFill>
+                <a:latin typeface="+mn-lt"/>
+                <a:ea typeface="+mn-ea"/>
+                <a:cs typeface="+mn-cs"/>
+              </a:rPr>
               <a:t>&gt;</a:t>
             </a:r>
+          </a:p>
+          <a:p>
+            <a:r>
+              <a:rPr lang="pt-BR" sz="1200" b="0" i="0" u="none" strike="noStrike" kern="1200" baseline="0" dirty="0" smtClean="0">
+                <a:solidFill>
+                  <a:schemeClr val="tx1"/>
+                </a:solidFill>
+                <a:latin typeface="+mn-lt"/>
+                <a:ea typeface="+mn-ea"/>
+                <a:cs typeface="+mn-cs"/>
+              </a:rPr>
+              <a:t>&lt;/</a:t>
+            </a:r>
             <a:r>
               <a:rPr lang="pt-BR" sz="1200" b="0" i="0" u="none" strike="noStrike" kern="1200" baseline="0" dirty="0" err="1" smtClean="0">
                 <a:solidFill>
@@ -2789,7 +2512,7 @@
                 <a:ea typeface="+mn-ea"/>
                 <a:cs typeface="+mn-cs"/>
               </a:rPr>
-              <a:t>tempdir</a:t>
+              <a:t>listener</a:t>
             </a:r>
             <a:r>
               <a:rPr lang="pt-BR" sz="1200" b="0" i="0" u="none" strike="noStrike" kern="1200" baseline="0" dirty="0" smtClean="0">
@@ -2800,143 +2523,7 @@
                 <a:ea typeface="+mn-ea"/>
                 <a:cs typeface="+mn-cs"/>
               </a:rPr>
-              <a:t>&lt;/param-</a:t>
-            </a:r>
-            <a:r>
-              <a:rPr lang="pt-BR" sz="1200" b="0" i="0" u="none" strike="noStrike" kern="1200" baseline="0" dirty="0" err="1" smtClean="0">
-                <a:solidFill>
-                  <a:schemeClr val="tx1"/>
-                </a:solidFill>
-                <a:latin typeface="+mn-lt"/>
-                <a:ea typeface="+mn-ea"/>
-                <a:cs typeface="+mn-cs"/>
-              </a:rPr>
-              <a:t>name</a:t>
-            </a:r>
-            <a:r>
-              <a:rPr lang="pt-BR" sz="1200" b="0" i="0" u="none" strike="noStrike" kern="1200" baseline="0" dirty="0" smtClean="0">
-                <a:solidFill>
-                  <a:schemeClr val="tx1"/>
-                </a:solidFill>
-                <a:latin typeface="+mn-lt"/>
-                <a:ea typeface="+mn-ea"/>
-                <a:cs typeface="+mn-cs"/>
-              </a:rPr>
               <a:t>&gt;</a:t>
-            </a:r>
-          </a:p>
-          <a:p>
-            <a:r>
-              <a:rPr lang="pt-BR" sz="1200" b="0" i="0" u="none" strike="noStrike" kern="1200" baseline="0" dirty="0" smtClean="0">
-                <a:solidFill>
-                  <a:schemeClr val="tx1"/>
-                </a:solidFill>
-                <a:latin typeface="+mn-lt"/>
-                <a:ea typeface="+mn-ea"/>
-                <a:cs typeface="+mn-cs"/>
-              </a:rPr>
-              <a:t>	&lt;param-</a:t>
-            </a:r>
-            <a:r>
-              <a:rPr lang="pt-BR" sz="1200" b="0" i="0" u="none" strike="noStrike" kern="1200" baseline="0" dirty="0" err="1" smtClean="0">
-                <a:solidFill>
-                  <a:schemeClr val="tx1"/>
-                </a:solidFill>
-                <a:latin typeface="+mn-lt"/>
-                <a:ea typeface="+mn-ea"/>
-                <a:cs typeface="+mn-cs"/>
-              </a:rPr>
-              <a:t>value</a:t>
-            </a:r>
-            <a:r>
-              <a:rPr lang="pt-BR" sz="1200" b="0" i="0" u="none" strike="noStrike" kern="1200" baseline="0" dirty="0" smtClean="0">
-                <a:solidFill>
-                  <a:schemeClr val="tx1"/>
-                </a:solidFill>
-                <a:latin typeface="+mn-lt"/>
-                <a:ea typeface="+mn-ea"/>
-                <a:cs typeface="+mn-cs"/>
-              </a:rPr>
-              <a:t>&gt;/</a:t>
-            </a:r>
-            <a:r>
-              <a:rPr lang="pt-BR" sz="1200" b="0" i="0" u="none" strike="noStrike" kern="1200" baseline="0" dirty="0" err="1" smtClean="0">
-                <a:solidFill>
-                  <a:schemeClr val="tx1"/>
-                </a:solidFill>
-                <a:latin typeface="+mn-lt"/>
-                <a:ea typeface="+mn-ea"/>
-                <a:cs typeface="+mn-cs"/>
-              </a:rPr>
-              <a:t>tmp</a:t>
-            </a:r>
-            <a:r>
-              <a:rPr lang="pt-BR" sz="1200" b="0" i="0" u="none" strike="noStrike" kern="1200" baseline="0" dirty="0" smtClean="0">
-                <a:solidFill>
-                  <a:schemeClr val="tx1"/>
-                </a:solidFill>
-                <a:latin typeface="+mn-lt"/>
-                <a:ea typeface="+mn-ea"/>
-                <a:cs typeface="+mn-cs"/>
-              </a:rPr>
-              <a:t>&lt;/param-</a:t>
-            </a:r>
-            <a:r>
-              <a:rPr lang="pt-BR" sz="1200" b="0" i="0" u="none" strike="noStrike" kern="1200" baseline="0" dirty="0" err="1" smtClean="0">
-                <a:solidFill>
-                  <a:schemeClr val="tx1"/>
-                </a:solidFill>
-                <a:latin typeface="+mn-lt"/>
-                <a:ea typeface="+mn-ea"/>
-                <a:cs typeface="+mn-cs"/>
-              </a:rPr>
-              <a:t>value</a:t>
-            </a:r>
-            <a:r>
-              <a:rPr lang="pt-BR" sz="1200" b="0" i="0" u="none" strike="noStrike" kern="1200" baseline="0" dirty="0" smtClean="0">
-                <a:solidFill>
-                  <a:schemeClr val="tx1"/>
-                </a:solidFill>
-                <a:latin typeface="+mn-lt"/>
-                <a:ea typeface="+mn-ea"/>
-                <a:cs typeface="+mn-cs"/>
-              </a:rPr>
-              <a:t>&gt;</a:t>
-            </a:r>
-          </a:p>
-          <a:p>
-            <a:r>
-              <a:rPr lang="pt-BR" sz="1200" b="0" i="0" u="none" strike="noStrike" kern="1200" baseline="0" dirty="0" smtClean="0">
-                <a:solidFill>
-                  <a:schemeClr val="tx1"/>
-                </a:solidFill>
-                <a:latin typeface="+mn-lt"/>
-                <a:ea typeface="+mn-ea"/>
-                <a:cs typeface="+mn-cs"/>
-              </a:rPr>
-              <a:t>&lt;/</a:t>
-            </a:r>
-            <a:r>
-              <a:rPr lang="pt-BR" sz="1200" b="0" i="0" u="none" strike="noStrike" kern="1200" baseline="0" dirty="0" err="1" smtClean="0">
-                <a:solidFill>
-                  <a:schemeClr val="tx1"/>
-                </a:solidFill>
-                <a:latin typeface="+mn-lt"/>
-                <a:ea typeface="+mn-ea"/>
-                <a:cs typeface="+mn-cs"/>
-              </a:rPr>
-              <a:t>context</a:t>
-            </a:r>
-            <a:r>
-              <a:rPr lang="pt-BR" sz="1200" b="0" i="0" u="none" strike="noStrike" kern="1200" baseline="0" dirty="0" smtClean="0">
-                <a:solidFill>
-                  <a:schemeClr val="tx1"/>
-                </a:solidFill>
-                <a:latin typeface="+mn-lt"/>
-                <a:ea typeface="+mn-ea"/>
-                <a:cs typeface="+mn-cs"/>
-              </a:rPr>
-              <a:t>-param&gt;</a:t>
             </a:r>
           </a:p>
           <a:p>
@@ -2959,20 +2546,18 @@
                 <a:ea typeface="+mn-ea"/>
                 <a:cs typeface="+mn-cs"/>
               </a:rPr>
-              <a:t>Para ler:</a:t>
-            </a:r>
-          </a:p>
-          <a:p>
-            <a:r>
-              <a:rPr lang="pt-BR" sz="1200" b="0" i="0" u="none" strike="noStrike" kern="1200" baseline="0" dirty="0" err="1" smtClean="0">
-                <a:solidFill>
-                  <a:schemeClr val="tx1"/>
-                </a:solidFill>
-                <a:latin typeface="+mn-lt"/>
-                <a:ea typeface="+mn-ea"/>
-                <a:cs typeface="+mn-cs"/>
-              </a:rPr>
-              <a:t>ServletContext</a:t>
+              <a:t>O objeto </a:t>
+            </a:r>
+            <a:r>
+              <a:rPr lang="pt-BR" sz="1200" b="0" i="1" u="none" strike="noStrike" kern="1200" baseline="0" dirty="0" err="1" smtClean="0">
+                <a:solidFill>
+                  <a:schemeClr val="tx1"/>
+                </a:solidFill>
+                <a:latin typeface="+mn-lt"/>
+                <a:ea typeface="+mn-ea"/>
+                <a:cs typeface="+mn-cs"/>
+              </a:rPr>
+              <a:t>ServletContextEvent</a:t>
             </a:r>
             <a:r>
               <a:rPr lang="pt-BR" sz="1200" b="0" i="0" u="none" strike="noStrike" kern="1200" baseline="0" dirty="0" smtClean="0">
@@ -2983,18 +2568,31 @@
                 <a:ea typeface="+mn-ea"/>
                 <a:cs typeface="+mn-cs"/>
               </a:rPr>
-              <a:t> </a:t>
-            </a:r>
-            <a:r>
-              <a:rPr lang="pt-BR" sz="1200" b="0" i="0" u="none" strike="noStrike" kern="1200" baseline="0" dirty="0" err="1" smtClean="0">
-                <a:solidFill>
-                  <a:schemeClr val="tx1"/>
-                </a:solidFill>
-                <a:latin typeface="+mn-lt"/>
-                <a:ea typeface="+mn-ea"/>
-                <a:cs typeface="+mn-cs"/>
-              </a:rPr>
-              <a:t>ctx</a:t>
+              <a:t>, recebido em ambos os métodos, possui um método</a:t>
+            </a:r>
+          </a:p>
+          <a:p>
+            <a:r>
+              <a:rPr lang="pt-BR" sz="1200" b="0" i="1" u="none" strike="noStrike" kern="1200" baseline="0" dirty="0" err="1" smtClean="0">
+                <a:solidFill>
+                  <a:schemeClr val="tx1"/>
+                </a:solidFill>
+                <a:latin typeface="+mn-lt"/>
+                <a:ea typeface="+mn-ea"/>
+                <a:cs typeface="+mn-cs"/>
+              </a:rPr>
+              <a:t>getServletContext</a:t>
+            </a:r>
+            <a:r>
+              <a:rPr lang="pt-BR" sz="1200" b="0" i="1" u="none" strike="noStrike" kern="1200" baseline="0" dirty="0" smtClean="0">
+                <a:solidFill>
+                  <a:schemeClr val="tx1"/>
+                </a:solidFill>
+                <a:latin typeface="+mn-lt"/>
+                <a:ea typeface="+mn-ea"/>
+                <a:cs typeface="+mn-cs"/>
+              </a:rPr>
+              <a:t>() </a:t>
             </a:r>
             <a:r>
               <a:rPr lang="pt-BR" sz="1200" b="0" i="0" u="none" strike="noStrike" kern="1200" baseline="0" dirty="0" smtClean="0">
@@ -3005,130 +2603,8 @@
                 <a:ea typeface="+mn-ea"/>
                 <a:cs typeface="+mn-cs"/>
               </a:rPr>
-              <a:t> = </a:t>
-            </a:r>
-            <a:r>
-              <a:rPr lang="pt-BR" sz="1200" b="0" i="0" u="none" strike="noStrike" kern="1200" baseline="0" dirty="0" err="1" smtClean="0">
-                <a:solidFill>
-                  <a:schemeClr val="tx1"/>
-                </a:solidFill>
-                <a:latin typeface="+mn-lt"/>
-                <a:ea typeface="+mn-ea"/>
-                <a:cs typeface="+mn-cs"/>
-              </a:rPr>
-              <a:t>this.getServletContext</a:t>
-            </a:r>
-            <a:r>
-              <a:rPr lang="pt-BR" sz="1200" b="0" i="0" u="none" strike="noStrike" kern="1200" baseline="0" dirty="0" smtClean="0">
-                <a:solidFill>
-                  <a:schemeClr val="tx1"/>
-                </a:solidFill>
-                <a:latin typeface="+mn-lt"/>
-                <a:ea typeface="+mn-ea"/>
-                <a:cs typeface="+mn-cs"/>
-              </a:rPr>
-              <a:t>();</a:t>
-            </a:r>
-          </a:p>
-          <a:p>
-            <a:r>
-              <a:rPr lang="pt-BR" sz="1200" b="0" i="0" u="none" strike="noStrike" kern="1200" baseline="0" dirty="0" err="1" smtClean="0">
-                <a:solidFill>
-                  <a:schemeClr val="tx1"/>
-                </a:solidFill>
-                <a:latin typeface="+mn-lt"/>
-                <a:ea typeface="+mn-ea"/>
-                <a:cs typeface="+mn-cs"/>
-              </a:rPr>
-              <a:t>String</a:t>
-            </a:r>
-            <a:r>
-              <a:rPr lang="pt-BR" sz="1200" b="0" i="0" u="none" strike="noStrike" kern="1200" baseline="0" dirty="0" smtClean="0">
-                <a:solidFill>
-                  <a:schemeClr val="tx1"/>
-                </a:solidFill>
-                <a:latin typeface="+mn-lt"/>
-                <a:ea typeface="+mn-ea"/>
-                <a:cs typeface="+mn-cs"/>
-              </a:rPr>
-              <a:t> </a:t>
-            </a:r>
-            <a:r>
-              <a:rPr lang="pt-BR" sz="1200" b="0" i="0" u="none" strike="noStrike" kern="1200" baseline="0" dirty="0" err="1" smtClean="0">
-                <a:solidFill>
-                  <a:schemeClr val="tx1"/>
-                </a:solidFill>
-                <a:latin typeface="+mn-lt"/>
-                <a:ea typeface="+mn-ea"/>
-                <a:cs typeface="+mn-cs"/>
-              </a:rPr>
-              <a:t>tempDir</a:t>
-            </a:r>
-            <a:r>
-              <a:rPr lang="pt-BR" sz="1200" b="0" i="0" u="none" strike="noStrike" kern="1200" baseline="0" dirty="0" smtClean="0">
-                <a:solidFill>
-                  <a:schemeClr val="tx1"/>
-                </a:solidFill>
-                <a:latin typeface="+mn-lt"/>
-                <a:ea typeface="+mn-ea"/>
-                <a:cs typeface="+mn-cs"/>
-              </a:rPr>
-              <a:t> = </a:t>
-            </a:r>
-            <a:r>
-              <a:rPr lang="pt-BR" sz="1200" b="0" i="0" u="none" strike="noStrike" kern="1200" baseline="0" dirty="0" err="1" smtClean="0">
-                <a:solidFill>
-                  <a:schemeClr val="tx1"/>
-                </a:solidFill>
-                <a:latin typeface="+mn-lt"/>
-                <a:ea typeface="+mn-ea"/>
-                <a:cs typeface="+mn-cs"/>
-              </a:rPr>
-              <a:t>ctx.getInitParameter</a:t>
-            </a:r>
-            <a:r>
-              <a:rPr lang="pt-BR" sz="1200" b="0" i="0" u="none" strike="noStrike" kern="1200" baseline="0" dirty="0" smtClean="0">
-                <a:solidFill>
-                  <a:schemeClr val="tx1"/>
-                </a:solidFill>
-                <a:latin typeface="+mn-lt"/>
-                <a:ea typeface="+mn-ea"/>
-                <a:cs typeface="+mn-cs"/>
-              </a:rPr>
-              <a:t>("</a:t>
-            </a:r>
-            <a:r>
-              <a:rPr lang="pt-BR" sz="1200" b="0" i="0" u="none" strike="noStrike" kern="1200" baseline="0" dirty="0" err="1" smtClean="0">
-                <a:solidFill>
-                  <a:schemeClr val="tx1"/>
-                </a:solidFill>
-                <a:latin typeface="+mn-lt"/>
-                <a:ea typeface="+mn-ea"/>
-                <a:cs typeface="+mn-cs"/>
-              </a:rPr>
-              <a:t>tempdir</a:t>
-            </a:r>
-            <a:r>
-              <a:rPr lang="pt-BR" sz="1200" b="0" i="0" u="none" strike="noStrike" kern="1200" baseline="0" dirty="0" smtClean="0">
-                <a:solidFill>
-                  <a:schemeClr val="tx1"/>
-                </a:solidFill>
-                <a:latin typeface="+mn-lt"/>
-                <a:ea typeface="+mn-ea"/>
-                <a:cs typeface="+mn-cs"/>
-              </a:rPr>
-              <a:t>");</a:t>
-            </a:r>
-          </a:p>
-          <a:p>
-            <a:endParaRPr lang="pt-BR" sz="1200" b="0" i="0" u="none" strike="noStrike" kern="1200" baseline="0" dirty="0" smtClean="0">
-              <a:solidFill>
-                <a:schemeClr val="tx1"/>
-              </a:solidFill>
-              <a:latin typeface="+mn-lt"/>
-              <a:ea typeface="+mn-ea"/>
-              <a:cs typeface="+mn-cs"/>
-            </a:endParaRPr>
+              <a:t>que permite obter o contexto associado.</a:t>
+            </a:r>
           </a:p>
         </p:txBody>
       </p:sp>
@@ -3222,7 +2698,7 @@
                 <a:ea typeface="+mn-ea"/>
                 <a:cs typeface="+mn-cs"/>
               </a:rPr>
-              <a:t>Caso a configuração seja feita no web.xml:</a:t>
+              <a:t>Pontos a observar: </a:t>
             </a:r>
           </a:p>
           <a:p>
@@ -3235,7 +2711,7 @@
                 <a:ea typeface="+mn-ea"/>
                 <a:cs typeface="+mn-cs"/>
               </a:rPr>
-              <a:t>&lt;</a:t>
+              <a:t>Definição de sessão, protocolo, </a:t>
             </a:r>
             <a:r>
               <a:rPr lang="pt-BR" sz="1200" b="0" i="0" u="none" strike="noStrike" kern="1200" baseline="0" dirty="0" err="1" smtClean="0">
@@ -3246,7 +2722,7 @@
                 <a:ea typeface="+mn-ea"/>
                 <a:cs typeface="+mn-cs"/>
               </a:rPr>
-              <a:t>listener</a:t>
+              <a:t>http</a:t>
             </a:r>
             <a:r>
               <a:rPr lang="pt-BR" sz="1200" b="0" i="0" u="none" strike="noStrike" kern="1200" baseline="0" dirty="0" smtClean="0">
@@ -3257,10 +2733,19 @@
                 <a:ea typeface="+mn-ea"/>
                 <a:cs typeface="+mn-cs"/>
               </a:rPr>
-              <a:t>&gt;</a:t>
-            </a:r>
-          </a:p>
-          <a:p>
+              <a:t> e </a:t>
+            </a:r>
+            <a:r>
+              <a:rPr lang="pt-BR" sz="1200" b="0" i="0" u="none" strike="noStrike" kern="1200" baseline="0" dirty="0" err="1" smtClean="0">
+                <a:solidFill>
+                  <a:schemeClr val="tx1"/>
+                </a:solidFill>
+                <a:latin typeface="+mn-lt"/>
+                <a:ea typeface="+mn-ea"/>
+                <a:cs typeface="+mn-cs"/>
+              </a:rPr>
+              <a:t>stateless</a:t>
+            </a:r>
             <a:r>
               <a:rPr lang="pt-BR" sz="1200" b="0" i="0" u="none" strike="noStrike" kern="1200" baseline="0" dirty="0" smtClean="0">
                 <a:solidFill>
@@ -3270,86 +2755,7 @@
                 <a:ea typeface="+mn-ea"/>
                 <a:cs typeface="+mn-cs"/>
               </a:rPr>
-              <a:t>	&lt;</a:t>
-            </a:r>
-            <a:r>
-              <a:rPr lang="pt-BR" sz="1200" b="0" i="0" u="none" strike="noStrike" kern="1200" baseline="0" dirty="0" err="1" smtClean="0">
-                <a:solidFill>
-                  <a:schemeClr val="tx1"/>
-                </a:solidFill>
-                <a:latin typeface="+mn-lt"/>
-                <a:ea typeface="+mn-ea"/>
-                <a:cs typeface="+mn-cs"/>
-              </a:rPr>
-              <a:t>listener-class</a:t>
-            </a:r>
-            <a:r>
-              <a:rPr lang="pt-BR" sz="1200" b="0" i="0" u="none" strike="noStrike" kern="1200" baseline="0" dirty="0" smtClean="0">
-                <a:solidFill>
-                  <a:schemeClr val="tx1"/>
-                </a:solidFill>
-                <a:latin typeface="+mn-lt"/>
-                <a:ea typeface="+mn-ea"/>
-                <a:cs typeface="+mn-cs"/>
-              </a:rPr>
-              <a:t>&gt;ex01.OuvinteDeContexto&lt;/</a:t>
-            </a:r>
-            <a:r>
-              <a:rPr lang="pt-BR" sz="1200" b="0" i="0" u="none" strike="noStrike" kern="1200" baseline="0" dirty="0" err="1" smtClean="0">
-                <a:solidFill>
-                  <a:schemeClr val="tx1"/>
-                </a:solidFill>
-                <a:latin typeface="+mn-lt"/>
-                <a:ea typeface="+mn-ea"/>
-                <a:cs typeface="+mn-cs"/>
-              </a:rPr>
-              <a:t>listener-class</a:t>
-            </a:r>
-            <a:r>
-              <a:rPr lang="pt-BR" sz="1200" b="0" i="0" u="none" strike="noStrike" kern="1200" baseline="0" dirty="0" smtClean="0">
-                <a:solidFill>
-                  <a:schemeClr val="tx1"/>
-                </a:solidFill>
-                <a:latin typeface="+mn-lt"/>
-                <a:ea typeface="+mn-ea"/>
-                <a:cs typeface="+mn-cs"/>
-              </a:rPr>
-              <a:t>&gt;</a:t>
-            </a:r>
-          </a:p>
-          <a:p>
-            <a:r>
-              <a:rPr lang="pt-BR" sz="1200" b="0" i="0" u="none" strike="noStrike" kern="1200" baseline="0" dirty="0" smtClean="0">
-                <a:solidFill>
-                  <a:schemeClr val="tx1"/>
-                </a:solidFill>
-                <a:latin typeface="+mn-lt"/>
-                <a:ea typeface="+mn-ea"/>
-                <a:cs typeface="+mn-cs"/>
-              </a:rPr>
-              <a:t>&lt;/</a:t>
-            </a:r>
-            <a:r>
-              <a:rPr lang="pt-BR" sz="1200" b="0" i="0" u="none" strike="noStrike" kern="1200" baseline="0" dirty="0" err="1" smtClean="0">
-                <a:solidFill>
-                  <a:schemeClr val="tx1"/>
-                </a:solidFill>
-                <a:latin typeface="+mn-lt"/>
-                <a:ea typeface="+mn-ea"/>
-                <a:cs typeface="+mn-cs"/>
-              </a:rPr>
-              <a:t>listener</a:t>
-            </a:r>
-            <a:r>
-              <a:rPr lang="pt-BR" sz="1200" b="0" i="0" u="none" strike="noStrike" kern="1200" baseline="0" dirty="0" smtClean="0">
-                <a:solidFill>
-                  <a:schemeClr val="tx1"/>
-                </a:solidFill>
-                <a:latin typeface="+mn-lt"/>
-                <a:ea typeface="+mn-ea"/>
-                <a:cs typeface="+mn-cs"/>
-              </a:rPr>
-              <a:t>&gt;</a:t>
+              <a:t>.</a:t>
             </a:r>
           </a:p>
           <a:p>
@@ -3372,19 +2778,10 @@
                 <a:ea typeface="+mn-ea"/>
                 <a:cs typeface="+mn-cs"/>
               </a:rPr>
-              <a:t>O objeto </a:t>
-            </a:r>
-            <a:r>
-              <a:rPr lang="pt-BR" sz="1200" b="0" i="1" u="none" strike="noStrike" kern="1200" baseline="0" dirty="0" err="1" smtClean="0">
-                <a:solidFill>
-                  <a:schemeClr val="tx1"/>
-                </a:solidFill>
-                <a:latin typeface="+mn-lt"/>
-                <a:ea typeface="+mn-ea"/>
-                <a:cs typeface="+mn-cs"/>
-              </a:rPr>
-              <a:t>ServletContextEvent</a:t>
-            </a:r>
+              <a:t>Sessão: Palavra diretamente ligada a intervalo de tempo em que se define diversas coisas.</a:t>
+            </a:r>
+          </a:p>
+          <a:p>
             <a:r>
               <a:rPr lang="pt-BR" sz="1200" b="0" i="0" u="none" strike="noStrike" kern="1200" baseline="0" dirty="0" smtClean="0">
                 <a:solidFill>
@@ -3394,32 +2791,10 @@
                 <a:ea typeface="+mn-ea"/>
                 <a:cs typeface="+mn-cs"/>
               </a:rPr>
-              <a:t>, recebido em ambos os métodos, possui um método</a:t>
-            </a:r>
-          </a:p>
-          <a:p>
-            <a:r>
-              <a:rPr lang="pt-BR" sz="1200" b="0" i="1" u="none" strike="noStrike" kern="1200" baseline="0" dirty="0" err="1" smtClean="0">
-                <a:solidFill>
-                  <a:schemeClr val="tx1"/>
-                </a:solidFill>
-                <a:latin typeface="+mn-lt"/>
-                <a:ea typeface="+mn-ea"/>
-                <a:cs typeface="+mn-cs"/>
-              </a:rPr>
-              <a:t>getServletContext</a:t>
-            </a:r>
-            <a:r>
-              <a:rPr lang="pt-BR" sz="1200" b="0" i="1" u="none" strike="noStrike" kern="1200" baseline="0" dirty="0" smtClean="0">
-                <a:solidFill>
-                  <a:schemeClr val="tx1"/>
-                </a:solidFill>
-                <a:latin typeface="+mn-lt"/>
-                <a:ea typeface="+mn-ea"/>
-                <a:cs typeface="+mn-cs"/>
-              </a:rPr>
-              <a:t>() </a:t>
-            </a:r>
+              <a:t>	Em sistemas sessão é utilizado para guardar objetos, entre a navegação das páginas. É utilizado também para guardar dados do usuário após autenticação.</a:t>
+            </a:r>
+          </a:p>
+          <a:p>
             <a:r>
               <a:rPr lang="pt-BR" sz="1200" b="0" i="0" u="none" strike="noStrike" kern="1200" baseline="0" dirty="0" smtClean="0">
                 <a:solidFill>
@@ -3429,8 +2804,198 @@
                 <a:ea typeface="+mn-ea"/>
                 <a:cs typeface="+mn-cs"/>
               </a:rPr>
-              <a:t>que permite obter o contexto associado.</a:t>
-            </a:r>
+              <a:t>Protocolo: </a:t>
+            </a:r>
+            <a:r>
+              <a:rPr lang="pt-BR" sz="1200" b="0" i="0" kern="1200" dirty="0" smtClean="0">
+                <a:solidFill>
+                  <a:schemeClr val="tx1"/>
+                </a:solidFill>
+                <a:effectLst/>
+                <a:latin typeface="+mn-lt"/>
+                <a:ea typeface="+mn-ea"/>
+                <a:cs typeface="+mn-cs"/>
+              </a:rPr>
+              <a:t>É uma convenção que controla e possibilita uma conexão, comunicação, transferência de dados entre dois sistemas computacionais.</a:t>
+            </a:r>
+          </a:p>
+          <a:p>
+            <a:r>
+              <a:rPr lang="pt-BR" sz="1200" b="0" i="0" u="none" strike="noStrike" kern="1200" baseline="0" dirty="0" smtClean="0">
+                <a:solidFill>
+                  <a:schemeClr val="tx1"/>
+                </a:solidFill>
+                <a:effectLst/>
+                <a:latin typeface="+mn-lt"/>
+                <a:ea typeface="+mn-ea"/>
+                <a:cs typeface="+mn-cs"/>
+              </a:rPr>
+              <a:t>HTTP: "Protocolo de Transferência de Hipertexto". É um protocolo de comunicação entre sistemas de informação que permite a transferência de dados entre redes de computadores, principalmente na World </a:t>
+            </a:r>
+            <a:r>
+              <a:rPr lang="pt-BR" sz="1200" b="0" i="0" u="none" strike="noStrike" kern="1200" baseline="0" dirty="0" err="1" smtClean="0">
+                <a:solidFill>
+                  <a:schemeClr val="tx1"/>
+                </a:solidFill>
+                <a:effectLst/>
+                <a:latin typeface="+mn-lt"/>
+                <a:ea typeface="+mn-ea"/>
+                <a:cs typeface="+mn-cs"/>
+              </a:rPr>
+              <a:t>Wide</a:t>
+            </a:r>
+            <a:r>
+              <a:rPr lang="pt-BR" sz="1200" b="0" i="0" u="none" strike="noStrike" kern="1200" baseline="0" dirty="0" smtClean="0">
+                <a:solidFill>
+                  <a:schemeClr val="tx1"/>
+                </a:solidFill>
+                <a:effectLst/>
+                <a:latin typeface="+mn-lt"/>
+                <a:ea typeface="+mn-ea"/>
+                <a:cs typeface="+mn-cs"/>
+              </a:rPr>
+              <a:t> Web (Internet).</a:t>
+            </a:r>
+          </a:p>
+          <a:p>
+            <a:endParaRPr lang="pt-BR" sz="1200" b="0" i="0" u="none" strike="noStrike" kern="1200" baseline="0" dirty="0" smtClean="0">
+              <a:solidFill>
+                <a:schemeClr val="tx1"/>
+              </a:solidFill>
+              <a:latin typeface="+mn-lt"/>
+              <a:ea typeface="+mn-ea"/>
+              <a:cs typeface="+mn-cs"/>
+            </a:endParaRPr>
+          </a:p>
+          <a:p>
+            <a:r>
+              <a:rPr lang="pt-BR" sz="1200" b="0" i="0" u="none" strike="noStrike" kern="1200" baseline="0" dirty="0" smtClean="0">
+                <a:solidFill>
+                  <a:schemeClr val="tx1"/>
+                </a:solidFill>
+                <a:latin typeface="+mn-lt"/>
+                <a:ea typeface="+mn-ea"/>
+                <a:cs typeface="+mn-cs"/>
+              </a:rPr>
+              <a:t>O protocolo HTTP é </a:t>
+            </a:r>
+            <a:r>
+              <a:rPr lang="pt-BR" sz="1200" b="0" i="0" u="none" strike="noStrike" kern="1200" baseline="0" dirty="0" err="1" smtClean="0">
+                <a:solidFill>
+                  <a:schemeClr val="tx1"/>
+                </a:solidFill>
+                <a:latin typeface="+mn-lt"/>
+                <a:ea typeface="+mn-ea"/>
+                <a:cs typeface="+mn-cs"/>
+              </a:rPr>
+              <a:t>stateless</a:t>
+            </a:r>
+            <a:r>
+              <a:rPr lang="pt-BR" sz="1200" b="0" i="0" u="none" strike="noStrike" kern="1200" baseline="0" dirty="0" smtClean="0">
+                <a:solidFill>
+                  <a:schemeClr val="tx1"/>
+                </a:solidFill>
+                <a:latin typeface="+mn-lt"/>
+                <a:ea typeface="+mn-ea"/>
+                <a:cs typeface="+mn-cs"/>
+              </a:rPr>
+              <a:t>.(não mantém estado)</a:t>
+            </a:r>
+          </a:p>
+          <a:p>
+            <a:r>
+              <a:rPr lang="pt-BR" sz="1200" b="0" i="0" u="none" strike="noStrike" kern="1200" baseline="0" dirty="0" smtClean="0">
+                <a:solidFill>
+                  <a:schemeClr val="tx1"/>
+                </a:solidFill>
+                <a:latin typeface="+mn-lt"/>
+                <a:ea typeface="+mn-ea"/>
+                <a:cs typeface="+mn-cs"/>
+              </a:rPr>
+              <a:t>Então é aí que entram os cookies e sessões.</a:t>
+            </a:r>
+          </a:p>
+          <a:p>
+            <a:endParaRPr lang="pt-BR" sz="1200" b="0" i="0" u="none" strike="noStrike" kern="1200" baseline="0" dirty="0" smtClean="0">
+              <a:solidFill>
+                <a:schemeClr val="tx1"/>
+              </a:solidFill>
+              <a:latin typeface="+mn-lt"/>
+              <a:ea typeface="+mn-ea"/>
+              <a:cs typeface="+mn-cs"/>
+            </a:endParaRPr>
+          </a:p>
+          <a:p>
+            <a:r>
+              <a:rPr lang="pt-BR" sz="1200" b="0" i="0" u="none" strike="noStrike" kern="1200" baseline="0" dirty="0" smtClean="0">
+                <a:solidFill>
+                  <a:schemeClr val="tx1"/>
+                </a:solidFill>
+                <a:latin typeface="+mn-lt"/>
+                <a:ea typeface="+mn-ea"/>
+                <a:cs typeface="+mn-cs"/>
+              </a:rPr>
+              <a:t>Em Java o objeto </a:t>
+            </a:r>
+            <a:r>
+              <a:rPr lang="pt-BR" sz="1200" b="0" i="0" u="none" strike="noStrike" kern="1200" baseline="0" dirty="0" err="1" smtClean="0">
+                <a:solidFill>
+                  <a:schemeClr val="tx1"/>
+                </a:solidFill>
+                <a:latin typeface="+mn-lt"/>
+                <a:ea typeface="+mn-ea"/>
+                <a:cs typeface="+mn-cs"/>
+              </a:rPr>
+              <a:t>HttpSession</a:t>
+            </a:r>
+            <a:r>
+              <a:rPr lang="pt-BR" sz="1200" b="0" i="0" u="none" strike="noStrike" kern="1200" baseline="0" dirty="0" smtClean="0">
+                <a:solidFill>
+                  <a:schemeClr val="tx1"/>
+                </a:solidFill>
+                <a:latin typeface="+mn-lt"/>
+                <a:ea typeface="+mn-ea"/>
+                <a:cs typeface="+mn-cs"/>
+              </a:rPr>
+              <a:t> representa uma sessão, que é obtida a partir de uma requisição.</a:t>
+            </a:r>
+          </a:p>
+          <a:p>
+            <a:r>
+              <a:rPr lang="pt-BR" sz="1200" b="0" i="0" u="none" strike="noStrike" kern="1200" baseline="0" dirty="0" smtClean="0">
+                <a:solidFill>
+                  <a:schemeClr val="tx1"/>
+                </a:solidFill>
+                <a:latin typeface="+mn-lt"/>
+                <a:ea typeface="+mn-ea"/>
+                <a:cs typeface="+mn-cs"/>
+              </a:rPr>
+              <a:t>Para saber se uma sessão é nova, use o método </a:t>
+            </a:r>
+            <a:r>
+              <a:rPr lang="pt-BR" sz="1200" b="0" i="0" u="none" strike="noStrike" kern="1200" baseline="0" dirty="0" err="1" smtClean="0">
+                <a:solidFill>
+                  <a:schemeClr val="tx1"/>
+                </a:solidFill>
+                <a:latin typeface="+mn-lt"/>
+                <a:ea typeface="+mn-ea"/>
+                <a:cs typeface="+mn-cs"/>
+              </a:rPr>
+              <a:t>isNew</a:t>
+            </a:r>
+            <a:r>
+              <a:rPr lang="pt-BR" sz="1200" b="0" i="0" u="none" strike="noStrike" kern="1200" baseline="0" dirty="0" smtClean="0">
+                <a:solidFill>
+                  <a:schemeClr val="tx1"/>
+                </a:solidFill>
+                <a:latin typeface="+mn-lt"/>
+                <a:ea typeface="+mn-ea"/>
+                <a:cs typeface="+mn-cs"/>
+              </a:rPr>
+              <a:t>():</a:t>
+            </a:r>
+          </a:p>
+          <a:p>
             <a:endParaRPr lang="pt-BR" sz="1200" b="0" i="0" u="none" strike="noStrike" kern="1200" baseline="0" dirty="0" smtClean="0">
               <a:solidFill>
                 <a:schemeClr val="tx1"/>
@@ -3532,10 +3097,8 @@
                 <a:ea typeface="+mn-ea"/>
                 <a:cs typeface="+mn-cs"/>
               </a:rPr>
-              <a:t>Sessão é utilizado para guardar objetos, entre a navegação das páginas.</a:t>
-            </a:r>
-          </a:p>
-          <a:p>
+              <a:t>Cookies </a:t>
+            </a:r>
             <a:r>
               <a:rPr lang="pt-BR" sz="1200" b="0" i="0" u="none" strike="noStrike" kern="1200" baseline="0" dirty="0" smtClean="0">
                 <a:solidFill>
@@ -3544,8 +3107,33 @@
                 <a:latin typeface="+mn-lt"/>
                 <a:ea typeface="+mn-ea"/>
                 <a:cs typeface="+mn-cs"/>
-              </a:rPr>
-              <a:t>É utilizado também para guardar dados do usuário após autenticação.</a:t>
+                <a:sym typeface="Wingdings" panose="05000000000000000000" pitchFamily="2" charset="2"/>
+              </a:rPr>
+              <a:t></a:t>
+            </a:r>
+            <a:r>
+              <a:rPr lang="pt-BR" sz="1200" b="0" i="0" u="none" strike="noStrike" kern="1200" baseline="0" dirty="0" smtClean="0">
+                <a:solidFill>
+                  <a:schemeClr val="tx1"/>
+                </a:solidFill>
+                <a:latin typeface="+mn-lt"/>
+                <a:ea typeface="+mn-ea"/>
+                <a:cs typeface="+mn-cs"/>
+              </a:rPr>
+              <a:t> Geralmente são implementados em sessão, os cookies são gravados no cliente. E servem para guardar preferências do usuário.</a:t>
+            </a:r>
+          </a:p>
+          <a:p>
+            <a:r>
+              <a:rPr lang="pt-BR" sz="1200" b="0" i="0" u="none" strike="noStrike" kern="1200" baseline="0" dirty="0" smtClean="0">
+                <a:solidFill>
+                  <a:schemeClr val="tx1"/>
+                </a:solidFill>
+                <a:latin typeface="+mn-lt"/>
+                <a:ea typeface="+mn-ea"/>
+                <a:cs typeface="+mn-cs"/>
+              </a:rPr>
+              <a:t>	Eles deixam de existir quando o browser do usuário é fechado, mas podemos criar cookies persistentes que nós definimos o tempo dele.</a:t>
             </a:r>
           </a:p>
           <a:p>
@@ -3568,18 +3156,7 @@
                 <a:ea typeface="+mn-ea"/>
                 <a:cs typeface="+mn-cs"/>
               </a:rPr>
-              <a:t>O protocolo HTTP é </a:t>
-            </a:r>
-            <a:r>
-              <a:rPr lang="pt-BR" sz="1200" b="0" i="0" u="none" strike="noStrike" kern="1200" baseline="0" dirty="0" err="1" smtClean="0">
-                <a:solidFill>
-                  <a:schemeClr val="tx1"/>
-                </a:solidFill>
-                <a:latin typeface="+mn-lt"/>
-                <a:ea typeface="+mn-ea"/>
-                <a:cs typeface="+mn-cs"/>
-              </a:rPr>
-              <a:t>stateless</a:t>
+              <a:t>Atributos de sessão </a:t>
             </a:r>
             <a:r>
               <a:rPr lang="pt-BR" sz="1200" b="0" i="0" u="none" strike="noStrike" kern="1200" baseline="0" dirty="0" smtClean="0">
@@ -3589,11 +3166,10 @@
                 <a:latin typeface="+mn-lt"/>
                 <a:ea typeface="+mn-ea"/>
                 <a:cs typeface="+mn-cs"/>
-              </a:rPr>
-              <a:t>.(não mantém estado)</a:t>
-            </a:r>
-          </a:p>
-          <a:p>
+                <a:sym typeface="Wingdings" panose="05000000000000000000" pitchFamily="2" charset="2"/>
+              </a:rPr>
+              <a:t> </a:t>
+            </a:r>
             <a:r>
               <a:rPr lang="pt-BR" sz="1200" b="0" i="0" u="none" strike="noStrike" kern="1200" baseline="0" dirty="0" smtClean="0">
                 <a:solidFill>
@@ -3603,10 +3179,393 @@
                 <a:ea typeface="+mn-ea"/>
                 <a:cs typeface="+mn-cs"/>
               </a:rPr>
-              <a:t>Então é aí que entram os cookies e sessões.</a:t>
-            </a:r>
-          </a:p>
-          <a:p>
+              <a:t> </a:t>
+            </a:r>
+            <a:r>
+              <a:rPr lang="pt-BR" sz="1200" b="0" i="0" u="none" strike="noStrike" kern="1200" baseline="0" dirty="0" smtClean="0">
+                <a:solidFill>
+                  <a:schemeClr val="tx1"/>
+                </a:solidFill>
+                <a:latin typeface="+mn-lt"/>
+                <a:ea typeface="+mn-ea"/>
+                <a:cs typeface="+mn-cs"/>
+              </a:rPr>
+              <a:t>São utilizados para guardar informações na sessão. Ex. Dados de usuário, informações pertinentes a navegação.</a:t>
+            </a:r>
+          </a:p>
+          <a:p>
+            <a:r>
+              <a:rPr lang="pt-BR" sz="1200" b="0" i="0" u="none" strike="noStrike" kern="1200" baseline="0" dirty="0" smtClean="0">
+                <a:solidFill>
+                  <a:schemeClr val="tx1"/>
+                </a:solidFill>
+                <a:latin typeface="+mn-lt"/>
+                <a:ea typeface="+mn-ea"/>
+                <a:cs typeface="+mn-cs"/>
+              </a:rPr>
+              <a:t>Validade de uma sessão </a:t>
+            </a:r>
+            <a:r>
+              <a:rPr lang="pt-BR" sz="1200" b="0" i="0" u="none" strike="noStrike" kern="1200" baseline="0" dirty="0" smtClean="0">
+                <a:solidFill>
+                  <a:schemeClr val="tx1"/>
+                </a:solidFill>
+                <a:latin typeface="+mn-lt"/>
+                <a:ea typeface="+mn-ea"/>
+                <a:cs typeface="+mn-cs"/>
+                <a:sym typeface="Wingdings" panose="05000000000000000000" pitchFamily="2" charset="2"/>
+              </a:rPr>
+              <a:t> Tempo default de uma sessão é 30 minutos.</a:t>
+            </a:r>
+          </a:p>
+          <a:p>
+            <a:r>
+              <a:rPr lang="pt-BR" sz="1200" b="0" i="0" u="none" strike="noStrike" kern="1200" baseline="0" dirty="0" smtClean="0">
+                <a:solidFill>
+                  <a:schemeClr val="tx1"/>
+                </a:solidFill>
+                <a:latin typeface="+mn-lt"/>
+                <a:ea typeface="+mn-ea"/>
+                <a:cs typeface="+mn-cs"/>
+                <a:sym typeface="Wingdings" panose="05000000000000000000" pitchFamily="2" charset="2"/>
+              </a:rPr>
+              <a:t>Podemos alterar o tempo de sessão de 3 formas diferentes.</a:t>
+            </a:r>
+          </a:p>
+          <a:p>
+            <a:r>
+              <a:rPr lang="pt-BR" sz="1200" b="0" i="0" u="none" strike="noStrike" kern="1200" baseline="0" dirty="0" smtClean="0">
+                <a:solidFill>
+                  <a:schemeClr val="tx1"/>
+                </a:solidFill>
+                <a:latin typeface="+mn-lt"/>
+                <a:ea typeface="+mn-ea"/>
+                <a:cs typeface="+mn-cs"/>
+                <a:sym typeface="Wingdings" panose="05000000000000000000" pitchFamily="2" charset="2"/>
+              </a:rPr>
+              <a:t>1- Servidor de aplicação</a:t>
+            </a:r>
+          </a:p>
+          <a:p>
+            <a:pPr lvl="1" fontAlgn="base"/>
+            <a:r>
+              <a:rPr lang="pt-BR" sz="1200" b="1" i="0" kern="1200" dirty="0" smtClean="0">
+                <a:solidFill>
+                  <a:schemeClr val="tx1"/>
+                </a:solidFill>
+                <a:effectLst/>
+                <a:latin typeface="+mn-lt"/>
+                <a:ea typeface="+mn-ea"/>
+                <a:cs typeface="+mn-cs"/>
+              </a:rPr>
+              <a:t>&lt;</a:t>
+            </a:r>
+            <a:r>
+              <a:rPr lang="pt-BR" sz="1200" b="1" i="0" kern="1200" dirty="0" err="1" smtClean="0">
+                <a:solidFill>
+                  <a:schemeClr val="tx1"/>
+                </a:solidFill>
+                <a:effectLst/>
+                <a:latin typeface="+mn-lt"/>
+                <a:ea typeface="+mn-ea"/>
+                <a:cs typeface="+mn-cs"/>
+              </a:rPr>
+              <a:t>subsystem</a:t>
+            </a:r>
+            <a:r>
+              <a:rPr lang="pt-BR" sz="1200" b="0" i="0" kern="1200" dirty="0" smtClean="0">
+                <a:solidFill>
+                  <a:schemeClr val="tx1"/>
+                </a:solidFill>
+                <a:effectLst/>
+                <a:latin typeface="+mn-lt"/>
+                <a:ea typeface="+mn-ea"/>
+                <a:cs typeface="+mn-cs"/>
+              </a:rPr>
+              <a:t> </a:t>
+            </a:r>
+            <a:r>
+              <a:rPr lang="pt-BR" sz="1200" b="0" i="0" kern="1200" dirty="0" err="1" smtClean="0">
+                <a:solidFill>
+                  <a:schemeClr val="tx1"/>
+                </a:solidFill>
+                <a:effectLst/>
+                <a:latin typeface="+mn-lt"/>
+                <a:ea typeface="+mn-ea"/>
+                <a:cs typeface="+mn-cs"/>
+              </a:rPr>
+              <a:t>xmlns</a:t>
+            </a:r>
+            <a:r>
+              <a:rPr lang="pt-BR" sz="1200" b="0" i="0" kern="1200" dirty="0" smtClean="0">
+                <a:solidFill>
+                  <a:schemeClr val="tx1"/>
+                </a:solidFill>
+                <a:effectLst/>
+                <a:latin typeface="+mn-lt"/>
+                <a:ea typeface="+mn-ea"/>
+                <a:cs typeface="+mn-cs"/>
+              </a:rPr>
+              <a:t>="urn:jboss:domain:undertow:3.1"</a:t>
+            </a:r>
+            <a:r>
+              <a:rPr lang="pt-BR" sz="1200" b="1" i="0" kern="1200" dirty="0" smtClean="0">
+                <a:solidFill>
+                  <a:schemeClr val="tx1"/>
+                </a:solidFill>
+                <a:effectLst/>
+                <a:latin typeface="+mn-lt"/>
+                <a:ea typeface="+mn-ea"/>
+                <a:cs typeface="+mn-cs"/>
+              </a:rPr>
+              <a:t>&gt;</a:t>
+            </a:r>
+            <a:endParaRPr lang="pt-BR" sz="1200" b="0" i="0" kern="1200" dirty="0" smtClean="0">
+              <a:solidFill>
+                <a:schemeClr val="tx1"/>
+              </a:solidFill>
+              <a:effectLst/>
+              <a:latin typeface="+mn-lt"/>
+              <a:ea typeface="+mn-ea"/>
+              <a:cs typeface="+mn-cs"/>
+            </a:endParaRPr>
+          </a:p>
+          <a:p>
+            <a:pPr lvl="1" fontAlgn="base"/>
+            <a:r>
+              <a:rPr lang="pt-BR" sz="1200" b="0" i="0" kern="1200" dirty="0" smtClean="0">
+                <a:solidFill>
+                  <a:schemeClr val="tx1"/>
+                </a:solidFill>
+                <a:effectLst/>
+                <a:latin typeface="+mn-lt"/>
+                <a:ea typeface="+mn-ea"/>
+                <a:cs typeface="+mn-cs"/>
+              </a:rPr>
+              <a:t>	</a:t>
+            </a:r>
+            <a:r>
+              <a:rPr lang="pt-BR" sz="1200" b="1" i="0" kern="1200" dirty="0" smtClean="0">
+                <a:solidFill>
+                  <a:schemeClr val="tx1"/>
+                </a:solidFill>
+                <a:effectLst/>
+                <a:latin typeface="+mn-lt"/>
+                <a:ea typeface="+mn-ea"/>
+                <a:cs typeface="+mn-cs"/>
+              </a:rPr>
+              <a:t>&lt;</a:t>
+            </a:r>
+            <a:r>
+              <a:rPr lang="pt-BR" sz="1200" b="1" i="0" kern="1200" dirty="0" err="1" smtClean="0">
+                <a:solidFill>
+                  <a:schemeClr val="tx1"/>
+                </a:solidFill>
+                <a:effectLst/>
+                <a:latin typeface="+mn-lt"/>
+                <a:ea typeface="+mn-ea"/>
+                <a:cs typeface="+mn-cs"/>
+              </a:rPr>
+              <a:t>servlet</a:t>
+            </a:r>
+            <a:r>
+              <a:rPr lang="pt-BR" sz="1200" b="1" i="0" kern="1200" dirty="0" smtClean="0">
+                <a:solidFill>
+                  <a:schemeClr val="tx1"/>
+                </a:solidFill>
+                <a:effectLst/>
+                <a:latin typeface="+mn-lt"/>
+                <a:ea typeface="+mn-ea"/>
+                <a:cs typeface="+mn-cs"/>
+              </a:rPr>
+              <a:t>-container</a:t>
+            </a:r>
+            <a:r>
+              <a:rPr lang="pt-BR" sz="1200" b="0" i="0" kern="1200" dirty="0" smtClean="0">
+                <a:solidFill>
+                  <a:schemeClr val="tx1"/>
+                </a:solidFill>
+                <a:effectLst/>
+                <a:latin typeface="+mn-lt"/>
+                <a:ea typeface="+mn-ea"/>
+                <a:cs typeface="+mn-cs"/>
+              </a:rPr>
+              <a:t> </a:t>
+            </a:r>
+            <a:r>
+              <a:rPr lang="pt-BR" sz="1200" b="0" i="0" kern="1200" dirty="0" err="1" smtClean="0">
+                <a:solidFill>
+                  <a:schemeClr val="tx1"/>
+                </a:solidFill>
+                <a:effectLst/>
+                <a:latin typeface="+mn-lt"/>
+                <a:ea typeface="+mn-ea"/>
+                <a:cs typeface="+mn-cs"/>
+              </a:rPr>
+              <a:t>name</a:t>
+            </a:r>
+            <a:r>
+              <a:rPr lang="pt-BR" sz="1200" b="0" i="0" kern="1200" dirty="0" smtClean="0">
+                <a:solidFill>
+                  <a:schemeClr val="tx1"/>
+                </a:solidFill>
+                <a:effectLst/>
+                <a:latin typeface="+mn-lt"/>
+                <a:ea typeface="+mn-ea"/>
+                <a:cs typeface="+mn-cs"/>
+              </a:rPr>
+              <a:t>="default" default-</a:t>
+            </a:r>
+            <a:r>
+              <a:rPr lang="pt-BR" sz="1200" b="0" i="0" kern="1200" dirty="0" err="1" smtClean="0">
+                <a:solidFill>
+                  <a:schemeClr val="tx1"/>
+                </a:solidFill>
+                <a:effectLst/>
+                <a:latin typeface="+mn-lt"/>
+                <a:ea typeface="+mn-ea"/>
+                <a:cs typeface="+mn-cs"/>
+              </a:rPr>
+              <a:t>session</a:t>
+            </a:r>
+            <a:r>
+              <a:rPr lang="pt-BR" sz="1200" b="0" i="0" kern="1200" dirty="0" smtClean="0">
+                <a:solidFill>
+                  <a:schemeClr val="tx1"/>
+                </a:solidFill>
+                <a:effectLst/>
+                <a:latin typeface="+mn-lt"/>
+                <a:ea typeface="+mn-ea"/>
+                <a:cs typeface="+mn-cs"/>
+              </a:rPr>
+              <a:t>-timeout="30"</a:t>
+            </a:r>
+            <a:r>
+              <a:rPr lang="pt-BR" sz="1200" b="1" i="0" kern="1200" dirty="0" smtClean="0">
+                <a:solidFill>
+                  <a:schemeClr val="tx1"/>
+                </a:solidFill>
+                <a:effectLst/>
+                <a:latin typeface="+mn-lt"/>
+                <a:ea typeface="+mn-ea"/>
+                <a:cs typeface="+mn-cs"/>
+              </a:rPr>
+              <a:t>&gt;</a:t>
+            </a:r>
+            <a:r>
+              <a:rPr lang="pt-BR" sz="1200" b="0" i="0" kern="1200" dirty="0" smtClean="0">
+                <a:solidFill>
+                  <a:schemeClr val="tx1"/>
+                </a:solidFill>
+                <a:effectLst/>
+                <a:latin typeface="+mn-lt"/>
+                <a:ea typeface="+mn-ea"/>
+                <a:cs typeface="+mn-cs"/>
+              </a:rPr>
+              <a:t>  </a:t>
+            </a:r>
+          </a:p>
+          <a:p>
+            <a:pPr lvl="1" fontAlgn="base"/>
+            <a:r>
+              <a:rPr lang="pt-BR" sz="1200" b="1" i="0" kern="1200" dirty="0" smtClean="0">
+                <a:solidFill>
+                  <a:schemeClr val="tx1"/>
+                </a:solidFill>
+                <a:effectLst/>
+                <a:latin typeface="+mn-lt"/>
+                <a:ea typeface="+mn-ea"/>
+                <a:cs typeface="+mn-cs"/>
+              </a:rPr>
+              <a:t>	&lt;/</a:t>
+            </a:r>
+            <a:r>
+              <a:rPr lang="pt-BR" sz="1200" b="1" i="0" kern="1200" dirty="0" err="1" smtClean="0">
+                <a:solidFill>
+                  <a:schemeClr val="tx1"/>
+                </a:solidFill>
+                <a:effectLst/>
+                <a:latin typeface="+mn-lt"/>
+                <a:ea typeface="+mn-ea"/>
+                <a:cs typeface="+mn-cs"/>
+              </a:rPr>
+              <a:t>servlet</a:t>
+            </a:r>
+            <a:r>
+              <a:rPr lang="pt-BR" sz="1200" b="1" i="0" kern="1200" dirty="0" smtClean="0">
+                <a:solidFill>
+                  <a:schemeClr val="tx1"/>
+                </a:solidFill>
+                <a:effectLst/>
+                <a:latin typeface="+mn-lt"/>
+                <a:ea typeface="+mn-ea"/>
+                <a:cs typeface="+mn-cs"/>
+              </a:rPr>
+              <a:t>-container&gt;</a:t>
+            </a:r>
+            <a:r>
+              <a:rPr lang="pt-BR" sz="1200" b="0" i="0" kern="1200" dirty="0" smtClean="0">
+                <a:solidFill>
+                  <a:schemeClr val="tx1"/>
+                </a:solidFill>
+                <a:effectLst/>
+                <a:latin typeface="+mn-lt"/>
+                <a:ea typeface="+mn-ea"/>
+                <a:cs typeface="+mn-cs"/>
+              </a:rPr>
+              <a:t>  </a:t>
+            </a:r>
+          </a:p>
+          <a:p>
+            <a:pPr lvl="1" fontAlgn="base"/>
+            <a:r>
+              <a:rPr lang="pt-BR" sz="1200" b="1" i="0" kern="1200" dirty="0" smtClean="0">
+                <a:solidFill>
+                  <a:schemeClr val="tx1"/>
+                </a:solidFill>
+                <a:effectLst/>
+                <a:latin typeface="+mn-lt"/>
+                <a:ea typeface="+mn-ea"/>
+                <a:cs typeface="+mn-cs"/>
+              </a:rPr>
+              <a:t>&lt;/</a:t>
+            </a:r>
+            <a:r>
+              <a:rPr lang="pt-BR" sz="1200" b="1" i="0" kern="1200" dirty="0" err="1" smtClean="0">
+                <a:solidFill>
+                  <a:schemeClr val="tx1"/>
+                </a:solidFill>
+                <a:effectLst/>
+                <a:latin typeface="+mn-lt"/>
+                <a:ea typeface="+mn-ea"/>
+                <a:cs typeface="+mn-cs"/>
+              </a:rPr>
+              <a:t>subsystem</a:t>
+            </a:r>
+            <a:r>
+              <a:rPr lang="pt-BR" sz="1200" b="1" i="0" kern="1200" dirty="0" smtClean="0">
+                <a:solidFill>
+                  <a:schemeClr val="tx1"/>
+                </a:solidFill>
+                <a:effectLst/>
+                <a:latin typeface="+mn-lt"/>
+                <a:ea typeface="+mn-ea"/>
+                <a:cs typeface="+mn-cs"/>
+              </a:rPr>
+              <a:t>&gt;</a:t>
+            </a:r>
+            <a:r>
+              <a:rPr lang="pt-BR" sz="1200" b="0" i="0" kern="1200" dirty="0" smtClean="0">
+                <a:solidFill>
+                  <a:schemeClr val="tx1"/>
+                </a:solidFill>
+                <a:effectLst/>
+                <a:latin typeface="+mn-lt"/>
+                <a:ea typeface="+mn-ea"/>
+                <a:cs typeface="+mn-cs"/>
+              </a:rPr>
+              <a:t>  </a:t>
+            </a:r>
             <a:endParaRPr lang="pt-BR" sz="1200" b="0" i="0" u="none" strike="noStrike" kern="1200" baseline="0" dirty="0" smtClean="0">
               <a:solidFill>
                 <a:schemeClr val="tx1"/>
@@ -3614,6 +3573,7 @@
               <a:latin typeface="+mn-lt"/>
               <a:ea typeface="+mn-ea"/>
               <a:cs typeface="+mn-cs"/>
+              <a:sym typeface="Wingdings" panose="05000000000000000000" pitchFamily="2" charset="2"/>
             </a:endParaRPr>
           </a:p>
           <a:p>
@@ -3625,8 +3585,9 @@
                 <a:latin typeface="+mn-lt"/>
                 <a:ea typeface="+mn-ea"/>
                 <a:cs typeface="+mn-cs"/>
-              </a:rPr>
-              <a:t>Em Java o objeto </a:t>
+                <a:sym typeface="Wingdings" panose="05000000000000000000" pitchFamily="2" charset="2"/>
+              </a:rPr>
+              <a:t>2- Container (web.xml, essa configuração não é feita via </a:t>
             </a:r>
             <a:r>
               <a:rPr lang="pt-BR" sz="1200" b="0" i="0" u="none" strike="noStrike" kern="1200" baseline="0" dirty="0" err="1" smtClean="0">
@@ -3636,8 +3597,9 @@
                 <a:latin typeface="+mn-lt"/>
                 <a:ea typeface="+mn-ea"/>
                 <a:cs typeface="+mn-cs"/>
-              </a:rPr>
-              <a:t>HttpSession</a:t>
+                <a:sym typeface="Wingdings" panose="05000000000000000000" pitchFamily="2" charset="2"/>
+              </a:rPr>
+              <a:t>annotation</a:t>
             </a:r>
             <a:r>
               <a:rPr lang="pt-BR" sz="1200" b="0" i="0" u="none" strike="noStrike" kern="1200" baseline="0" dirty="0" smtClean="0">
@@ -3647,11 +3609,13 @@
                 <a:latin typeface="+mn-lt"/>
                 <a:ea typeface="+mn-ea"/>
                 <a:cs typeface="+mn-cs"/>
-              </a:rPr>
-              <a:t> representa uma sessão, que é obtida a partir de uma requisição.</a:t>
-            </a:r>
-          </a:p>
-          <a:p>
+                <a:sym typeface="Wingdings" panose="05000000000000000000" pitchFamily="2" charset="2"/>
+              </a:rPr>
+              <a:t>)</a:t>
+            </a:r>
+          </a:p>
+          <a:p>
+            <a:pPr lvl="1"/>
             <a:r>
               <a:rPr lang="pt-BR" sz="1200" b="0" i="0" u="none" strike="noStrike" kern="1200" baseline="0" dirty="0" smtClean="0">
                 <a:solidFill>
@@ -3661,7 +3625,7 @@
                 <a:ea typeface="+mn-ea"/>
                 <a:cs typeface="+mn-cs"/>
               </a:rPr>
-              <a:t>Para saber se uma sessão é nova, use o método </a:t>
+              <a:t>&lt;</a:t>
             </a:r>
             <a:r>
               <a:rPr lang="pt-BR" sz="1200" b="0" i="0" u="none" strike="noStrike" kern="1200" baseline="0" dirty="0" err="1" smtClean="0">
@@ -3672,7 +3636,7 @@
                 <a:ea typeface="+mn-ea"/>
                 <a:cs typeface="+mn-cs"/>
               </a:rPr>
-              <a:t>isNew</a:t>
+              <a:t>session-config</a:t>
             </a:r>
             <a:r>
               <a:rPr lang="pt-BR" sz="1200" b="0" i="0" u="none" strike="noStrike" kern="1200" baseline="0" dirty="0" smtClean="0">
@@ -3683,10 +3647,307 @@
                 <a:ea typeface="+mn-ea"/>
                 <a:cs typeface="+mn-cs"/>
               </a:rPr>
-              <a:t>():</a:t>
-            </a:r>
-          </a:p>
-          <a:p>
+              <a:t>&gt;</a:t>
+            </a:r>
+          </a:p>
+          <a:p>
+            <a:pPr lvl="1"/>
+            <a:r>
+              <a:rPr lang="pt-BR" sz="1200" b="0" i="0" u="none" strike="noStrike" kern="1200" baseline="0" dirty="0" smtClean="0">
+                <a:solidFill>
+                  <a:schemeClr val="tx1"/>
+                </a:solidFill>
+                <a:latin typeface="+mn-lt"/>
+                <a:ea typeface="+mn-ea"/>
+                <a:cs typeface="+mn-cs"/>
+              </a:rPr>
+              <a:t>	&lt;</a:t>
+            </a:r>
+            <a:r>
+              <a:rPr lang="pt-BR" sz="1200" b="0" i="0" u="none" strike="noStrike" kern="1200" baseline="0" dirty="0" err="1" smtClean="0">
+                <a:solidFill>
+                  <a:schemeClr val="tx1"/>
+                </a:solidFill>
+                <a:latin typeface="+mn-lt"/>
+                <a:ea typeface="+mn-ea"/>
+                <a:cs typeface="+mn-cs"/>
+              </a:rPr>
+              <a:t>session</a:t>
+            </a:r>
+            <a:r>
+              <a:rPr lang="pt-BR" sz="1200" b="0" i="0" u="none" strike="noStrike" kern="1200" baseline="0" dirty="0" smtClean="0">
+                <a:solidFill>
+                  <a:schemeClr val="tx1"/>
+                </a:solidFill>
+                <a:latin typeface="+mn-lt"/>
+                <a:ea typeface="+mn-ea"/>
+                <a:cs typeface="+mn-cs"/>
+              </a:rPr>
+              <a:t>-timeout&gt;15&lt;/</a:t>
+            </a:r>
+            <a:r>
+              <a:rPr lang="pt-BR" sz="1200" b="0" i="0" u="none" strike="noStrike" kern="1200" baseline="0" dirty="0" err="1" smtClean="0">
+                <a:solidFill>
+                  <a:schemeClr val="tx1"/>
+                </a:solidFill>
+                <a:latin typeface="+mn-lt"/>
+                <a:ea typeface="+mn-ea"/>
+                <a:cs typeface="+mn-cs"/>
+              </a:rPr>
+              <a:t>session</a:t>
+            </a:r>
+            <a:r>
+              <a:rPr lang="pt-BR" sz="1200" b="0" i="0" u="none" strike="noStrike" kern="1200" baseline="0" dirty="0" smtClean="0">
+                <a:solidFill>
+                  <a:schemeClr val="tx1"/>
+                </a:solidFill>
+                <a:latin typeface="+mn-lt"/>
+                <a:ea typeface="+mn-ea"/>
+                <a:cs typeface="+mn-cs"/>
+              </a:rPr>
+              <a:t>-timeout&gt;</a:t>
+            </a:r>
+          </a:p>
+          <a:p>
+            <a:pPr lvl="1"/>
+            <a:r>
+              <a:rPr lang="pt-BR" sz="1200" b="0" i="0" u="none" strike="noStrike" kern="1200" baseline="0" dirty="0" smtClean="0">
+                <a:solidFill>
+                  <a:schemeClr val="tx1"/>
+                </a:solidFill>
+                <a:latin typeface="+mn-lt"/>
+                <a:ea typeface="+mn-ea"/>
+                <a:cs typeface="+mn-cs"/>
+              </a:rPr>
+              <a:t>&lt;/</a:t>
+            </a:r>
+            <a:r>
+              <a:rPr lang="pt-BR" sz="1200" b="0" i="0" u="none" strike="noStrike" kern="1200" baseline="0" dirty="0" err="1" smtClean="0">
+                <a:solidFill>
+                  <a:schemeClr val="tx1"/>
+                </a:solidFill>
+                <a:latin typeface="+mn-lt"/>
+                <a:ea typeface="+mn-ea"/>
+                <a:cs typeface="+mn-cs"/>
+              </a:rPr>
+              <a:t>session-config</a:t>
+            </a:r>
+            <a:r>
+              <a:rPr lang="pt-BR" sz="1200" b="0" i="0" u="none" strike="noStrike" kern="1200" baseline="0" dirty="0" smtClean="0">
+                <a:solidFill>
+                  <a:schemeClr val="tx1"/>
+                </a:solidFill>
+                <a:latin typeface="+mn-lt"/>
+                <a:ea typeface="+mn-ea"/>
+                <a:cs typeface="+mn-cs"/>
+              </a:rPr>
+              <a:t>&gt;</a:t>
+            </a:r>
+            <a:endParaRPr lang="pt-BR" sz="1200" b="0" i="0" u="none" strike="noStrike" kern="1200" baseline="0" dirty="0" smtClean="0">
+              <a:solidFill>
+                <a:schemeClr val="tx1"/>
+              </a:solidFill>
+              <a:latin typeface="+mn-lt"/>
+              <a:ea typeface="+mn-ea"/>
+              <a:cs typeface="+mn-cs"/>
+              <a:sym typeface="Wingdings" panose="05000000000000000000" pitchFamily="2" charset="2"/>
+            </a:endParaRPr>
+          </a:p>
+          <a:p>
+            <a:r>
+              <a:rPr lang="pt-BR" sz="1200" b="0" i="0" u="none" strike="noStrike" kern="1200" baseline="0" dirty="0" smtClean="0">
+                <a:solidFill>
+                  <a:schemeClr val="tx1"/>
+                </a:solidFill>
+                <a:latin typeface="+mn-lt"/>
+                <a:ea typeface="+mn-ea"/>
+                <a:cs typeface="+mn-cs"/>
+                <a:sym typeface="Wingdings" panose="05000000000000000000" pitchFamily="2" charset="2"/>
+              </a:rPr>
+              <a:t>3- </a:t>
+            </a:r>
+            <a:r>
+              <a:rPr lang="pt-BR" sz="1200" b="0" i="0" u="none" strike="noStrike" kern="1200" baseline="0" dirty="0" err="1" smtClean="0">
+                <a:solidFill>
+                  <a:schemeClr val="tx1"/>
+                </a:solidFill>
+                <a:latin typeface="+mn-lt"/>
+                <a:ea typeface="+mn-ea"/>
+                <a:cs typeface="+mn-cs"/>
+                <a:sym typeface="Wingdings" panose="05000000000000000000" pitchFamily="2" charset="2"/>
+              </a:rPr>
+              <a:t>Servlet</a:t>
+            </a:r>
+            <a:endParaRPr lang="pt-BR" sz="1200" b="0" i="0" u="none" strike="noStrike" kern="1200" baseline="0" dirty="0" smtClean="0">
+              <a:solidFill>
+                <a:schemeClr val="tx1"/>
+              </a:solidFill>
+              <a:latin typeface="+mn-lt"/>
+              <a:ea typeface="+mn-ea"/>
+              <a:cs typeface="+mn-cs"/>
+              <a:sym typeface="Wingdings" panose="05000000000000000000" pitchFamily="2" charset="2"/>
+            </a:endParaRPr>
+          </a:p>
+          <a:p>
+            <a:pPr lvl="1"/>
+            <a:r>
+              <a:rPr lang="pt-BR" sz="1200" b="0" i="0" u="none" strike="noStrike" kern="1200" baseline="0" dirty="0" smtClean="0">
+                <a:solidFill>
+                  <a:schemeClr val="tx1"/>
+                </a:solidFill>
+                <a:latin typeface="+mn-lt"/>
+                <a:ea typeface="+mn-ea"/>
+                <a:cs typeface="+mn-cs"/>
+              </a:rPr>
+              <a:t>• </a:t>
+            </a:r>
+            <a:r>
+              <a:rPr lang="pt-BR" sz="1200" b="0" i="0" u="none" strike="noStrike" kern="1200" baseline="0" dirty="0" err="1" smtClean="0">
+                <a:solidFill>
+                  <a:schemeClr val="tx1"/>
+                </a:solidFill>
+                <a:latin typeface="+mn-lt"/>
+                <a:ea typeface="+mn-ea"/>
+                <a:cs typeface="+mn-cs"/>
+              </a:rPr>
+              <a:t>void</a:t>
+            </a:r>
+            <a:r>
+              <a:rPr lang="pt-BR" sz="1200" b="0" i="0" u="none" strike="noStrike" kern="1200" baseline="0" dirty="0" smtClean="0">
+                <a:solidFill>
+                  <a:schemeClr val="tx1"/>
+                </a:solidFill>
+                <a:latin typeface="+mn-lt"/>
+                <a:ea typeface="+mn-ea"/>
+                <a:cs typeface="+mn-cs"/>
+              </a:rPr>
+              <a:t> </a:t>
+            </a:r>
+            <a:r>
+              <a:rPr lang="pt-BR" sz="1200" b="1" i="0" u="none" strike="noStrike" kern="1200" baseline="0" dirty="0" err="1" smtClean="0">
+                <a:solidFill>
+                  <a:schemeClr val="tx1"/>
+                </a:solidFill>
+                <a:latin typeface="+mn-lt"/>
+                <a:ea typeface="+mn-ea"/>
+                <a:cs typeface="+mn-cs"/>
+              </a:rPr>
+              <a:t>setMaxInactiveInterval</a:t>
+            </a:r>
+            <a:r>
+              <a:rPr lang="pt-BR" sz="1200" b="0" i="0" u="none" strike="noStrike" kern="1200" baseline="0" dirty="0" smtClean="0">
+                <a:solidFill>
+                  <a:schemeClr val="tx1"/>
+                </a:solidFill>
+                <a:latin typeface="+mn-lt"/>
+                <a:ea typeface="+mn-ea"/>
+                <a:cs typeface="+mn-cs"/>
+              </a:rPr>
+              <a:t>(</a:t>
+            </a:r>
+            <a:r>
+              <a:rPr lang="pt-BR" sz="1200" b="0" i="0" u="none" strike="noStrike" kern="1200" baseline="0" dirty="0" err="1" smtClean="0">
+                <a:solidFill>
+                  <a:schemeClr val="tx1"/>
+                </a:solidFill>
+                <a:latin typeface="+mn-lt"/>
+                <a:ea typeface="+mn-ea"/>
+                <a:cs typeface="+mn-cs"/>
+              </a:rPr>
+              <a:t>int</a:t>
+            </a:r>
+            <a:r>
+              <a:rPr lang="pt-BR" sz="1200" b="0" i="0" u="none" strike="noStrike" kern="1200" baseline="0" dirty="0" smtClean="0">
+                <a:solidFill>
+                  <a:schemeClr val="tx1"/>
+                </a:solidFill>
+                <a:latin typeface="+mn-lt"/>
+                <a:ea typeface="+mn-ea"/>
+                <a:cs typeface="+mn-cs"/>
+              </a:rPr>
+              <a:t>) – define novo valor para timeout</a:t>
+            </a:r>
+          </a:p>
+          <a:p>
+            <a:pPr lvl="1"/>
+            <a:r>
+              <a:rPr lang="pt-BR" sz="1200" b="0" i="0" u="none" strike="noStrike" kern="1200" baseline="0" dirty="0" smtClean="0">
+                <a:solidFill>
+                  <a:schemeClr val="tx1"/>
+                </a:solidFill>
+                <a:latin typeface="+mn-lt"/>
+                <a:ea typeface="+mn-ea"/>
+                <a:cs typeface="+mn-cs"/>
+              </a:rPr>
+              <a:t>• </a:t>
+            </a:r>
+            <a:r>
+              <a:rPr lang="pt-BR" sz="1200" b="0" i="0" u="none" strike="noStrike" kern="1200" baseline="0" dirty="0" err="1" smtClean="0">
+                <a:solidFill>
+                  <a:schemeClr val="tx1"/>
+                </a:solidFill>
+                <a:latin typeface="+mn-lt"/>
+                <a:ea typeface="+mn-ea"/>
+                <a:cs typeface="+mn-cs"/>
+              </a:rPr>
+              <a:t>int</a:t>
+            </a:r>
+            <a:r>
+              <a:rPr lang="pt-BR" sz="1200" b="0" i="0" u="none" strike="noStrike" kern="1200" baseline="0" dirty="0" smtClean="0">
+                <a:solidFill>
+                  <a:schemeClr val="tx1"/>
+                </a:solidFill>
+                <a:latin typeface="+mn-lt"/>
+                <a:ea typeface="+mn-ea"/>
+                <a:cs typeface="+mn-cs"/>
+              </a:rPr>
+              <a:t> </a:t>
+            </a:r>
+            <a:r>
+              <a:rPr lang="pt-BR" sz="1200" b="1" i="0" u="none" strike="noStrike" kern="1200" baseline="0" dirty="0" err="1" smtClean="0">
+                <a:solidFill>
+                  <a:schemeClr val="tx1"/>
+                </a:solidFill>
+                <a:latin typeface="+mn-lt"/>
+                <a:ea typeface="+mn-ea"/>
+                <a:cs typeface="+mn-cs"/>
+              </a:rPr>
+              <a:t>getMaxInactiveInterval</a:t>
+            </a:r>
+            <a:r>
+              <a:rPr lang="pt-BR" sz="1200" b="0" i="0" u="none" strike="noStrike" kern="1200" baseline="0" dirty="0" smtClean="0">
+                <a:solidFill>
+                  <a:schemeClr val="tx1"/>
+                </a:solidFill>
+                <a:latin typeface="+mn-lt"/>
+                <a:ea typeface="+mn-ea"/>
+                <a:cs typeface="+mn-cs"/>
+              </a:rPr>
+              <a:t>() – recupera valor de timeout</a:t>
+            </a:r>
+            <a:endParaRPr lang="pt-BR" sz="1200" b="0" i="0" u="none" strike="noStrike" kern="1200" baseline="0" dirty="0" smtClean="0">
+              <a:solidFill>
+                <a:schemeClr val="tx1"/>
+              </a:solidFill>
+              <a:latin typeface="+mn-lt"/>
+              <a:ea typeface="+mn-ea"/>
+              <a:cs typeface="+mn-cs"/>
+              <a:sym typeface="Wingdings" panose="05000000000000000000" pitchFamily="2" charset="2"/>
+            </a:endParaRPr>
+          </a:p>
+          <a:p>
+            <a:r>
+              <a:rPr lang="pt-BR" sz="1200" b="0" i="0" u="none" strike="noStrike" kern="1200" baseline="0" dirty="0" smtClean="0">
+                <a:solidFill>
+                  <a:schemeClr val="tx1"/>
+                </a:solidFill>
+                <a:latin typeface="+mn-lt"/>
+                <a:ea typeface="+mn-ea"/>
+                <a:cs typeface="+mn-cs"/>
+                <a:sym typeface="Wingdings" panose="05000000000000000000" pitchFamily="2" charset="2"/>
+              </a:rPr>
+              <a:t>Lembrando que cada uma sobrepõem a outra.</a:t>
+            </a:r>
             <a:endParaRPr lang="pt-BR" sz="1200" b="0" i="0" u="none" strike="noStrike" kern="1200" baseline="0" dirty="0" smtClean="0">
               <a:solidFill>
                 <a:schemeClr val="tx1"/>
@@ -3717,6 +3978,1008 @@
               <a:rPr lang="pt-BR" smtClean="0"/>
               <a:pPr/>
               <a:t>16</a:t>
+            </a:fld>
+            <a:endParaRPr lang="pt-BR"/>
+          </a:p>
+        </p:txBody>
+      </p:sp>
+    </p:spTree>
+    <p:extLst>
+      <p:ext uri="{BB962C8B-B14F-4D97-AF65-F5344CB8AC3E}">
+        <p14:creationId xmlns:p14="http://schemas.microsoft.com/office/powerpoint/2010/main" val="2477212209"/>
+      </p:ext>
+    </p:extLst>
+  </p:cSld>
+  <p:clrMapOvr>
+    <a:masterClrMapping/>
+  </p:clrMapOvr>
+</p:notes>
+</file>
+
+<file path=ppt/notesSlides/notesSlide17.xml><?xml version="1.0" encoding="utf-8"?>
+<p:notes xmlns:a="http://schemas.openxmlformats.org/drawingml/2006/main" xmlns:r="http://schemas.openxmlformats.org/officeDocument/2006/relationships" xmlns:p="http://schemas.openxmlformats.org/presentationml/2006/main">
+  <p:cSld>
+    <p:spTree>
+      <p:nvGrpSpPr>
+        <p:cNvPr id="1" name=""/>
+        <p:cNvGrpSpPr/>
+        <p:nvPr/>
+      </p:nvGrpSpPr>
+      <p:grpSpPr>
+        <a:xfrm>
+          <a:off x="0" y="0"/>
+          <a:ext cx="0" cy="0"/>
+          <a:chOff x="0" y="0"/>
+          <a:chExt cx="0" cy="0"/>
+        </a:xfrm>
+      </p:grpSpPr>
+      <p:sp>
+        <p:nvSpPr>
+          <p:cNvPr id="2" name="Rectangle 2"/>
+          <p:cNvSpPr>
+            <a:spLocks noGrp="1" noRot="1" noChangeAspect="1"/>
+          </p:cNvSpPr>
+          <p:nvPr>
+            <p:ph type="sldImg"/>
+          </p:nvPr>
+        </p:nvSpPr>
+        <p:spPr/>
+      </p:sp>
+      <p:sp>
+        <p:nvSpPr>
+          <p:cNvPr id="3" name="Rectangle 3"/>
+          <p:cNvSpPr>
+            <a:spLocks noGrp="1"/>
+          </p:cNvSpPr>
+          <p:nvPr>
+            <p:ph type="body" idx="1"/>
+          </p:nvPr>
+        </p:nvSpPr>
+        <p:spPr/>
+        <p:txBody>
+          <a:bodyPr/>
+          <a:lstStyle/>
+          <a:p>
+            <a:r>
+              <a:rPr lang="pt-BR" sz="1200" b="0" i="0" u="none" strike="noStrike" kern="1200" baseline="0" dirty="0" smtClean="0">
+                <a:solidFill>
+                  <a:schemeClr val="tx1"/>
+                </a:solidFill>
+                <a:latin typeface="+mn-lt"/>
+                <a:ea typeface="+mn-ea"/>
+                <a:cs typeface="+mn-cs"/>
+              </a:rPr>
+              <a:t>• Usando variáveis estáticas ou de instância</a:t>
+            </a:r>
+          </a:p>
+          <a:p>
+            <a:r>
+              <a:rPr lang="pt-BR" sz="1200" b="0" i="0" u="none" strike="noStrike" kern="1200" baseline="0" dirty="0" smtClean="0">
+                <a:solidFill>
+                  <a:schemeClr val="tx1"/>
+                </a:solidFill>
+                <a:latin typeface="+mn-lt"/>
+                <a:ea typeface="+mn-ea"/>
+                <a:cs typeface="+mn-cs"/>
+              </a:rPr>
+              <a:t>Devido à natureza dos </a:t>
+            </a:r>
+            <a:r>
+              <a:rPr lang="pt-BR" sz="1200" b="0" i="0" u="none" strike="noStrike" kern="1200" baseline="0" dirty="0" err="1" smtClean="0">
+                <a:solidFill>
+                  <a:schemeClr val="tx1"/>
+                </a:solidFill>
+                <a:latin typeface="+mn-lt"/>
+                <a:ea typeface="+mn-ea"/>
+                <a:cs typeface="+mn-cs"/>
+              </a:rPr>
+              <a:t>servlets</a:t>
+            </a:r>
+            <a:r>
+              <a:rPr lang="pt-BR" sz="1200" b="0" i="0" u="none" strike="noStrike" kern="1200" baseline="0" dirty="0" smtClean="0">
+                <a:solidFill>
+                  <a:schemeClr val="tx1"/>
+                </a:solidFill>
+                <a:latin typeface="+mn-lt"/>
+                <a:ea typeface="+mn-ea"/>
+                <a:cs typeface="+mn-cs"/>
+              </a:rPr>
+              <a:t> e sua forma de execução, não é recomendado o</a:t>
+            </a:r>
+          </a:p>
+          <a:p>
+            <a:r>
+              <a:rPr lang="pt-BR" sz="1200" b="0" i="0" u="none" strike="noStrike" kern="1200" baseline="0" dirty="0" smtClean="0">
+                <a:solidFill>
+                  <a:schemeClr val="tx1"/>
+                </a:solidFill>
+                <a:latin typeface="+mn-lt"/>
+                <a:ea typeface="+mn-ea"/>
+                <a:cs typeface="+mn-cs"/>
+              </a:rPr>
+              <a:t>compartilhamento usando variáveis estáticas e de instancia. A forma recomendada consiste</a:t>
+            </a:r>
+          </a:p>
+          <a:p>
+            <a:r>
+              <a:rPr lang="pt-BR" sz="1200" b="0" i="0" u="none" strike="noStrike" kern="1200" baseline="0" dirty="0" smtClean="0">
+                <a:solidFill>
+                  <a:schemeClr val="tx1"/>
+                </a:solidFill>
+                <a:latin typeface="+mn-lt"/>
+                <a:ea typeface="+mn-ea"/>
+                <a:cs typeface="+mn-cs"/>
+              </a:rPr>
+              <a:t>em usar os métodos </a:t>
+            </a:r>
+            <a:r>
+              <a:rPr lang="pt-BR" sz="1200" b="0" i="0" u="none" strike="noStrike" kern="1200" baseline="0" dirty="0" err="1" smtClean="0">
+                <a:solidFill>
+                  <a:schemeClr val="tx1"/>
+                </a:solidFill>
+                <a:latin typeface="+mn-lt"/>
+                <a:ea typeface="+mn-ea"/>
+                <a:cs typeface="+mn-cs"/>
+              </a:rPr>
+              <a:t>get</a:t>
+            </a:r>
+            <a:r>
+              <a:rPr lang="pt-BR" sz="1200" b="0" i="0" u="none" strike="noStrike" kern="1200" baseline="0" dirty="0" smtClean="0">
+                <a:solidFill>
+                  <a:schemeClr val="tx1"/>
+                </a:solidFill>
+                <a:latin typeface="+mn-lt"/>
+                <a:ea typeface="+mn-ea"/>
+                <a:cs typeface="+mn-cs"/>
+              </a:rPr>
+              <a:t>/</a:t>
+            </a:r>
+            <a:r>
+              <a:rPr lang="pt-BR" sz="1200" b="0" i="0" u="none" strike="noStrike" kern="1200" baseline="0" dirty="0" err="1" smtClean="0">
+                <a:solidFill>
+                  <a:schemeClr val="tx1"/>
+                </a:solidFill>
+                <a:latin typeface="+mn-lt"/>
+                <a:ea typeface="+mn-ea"/>
+                <a:cs typeface="+mn-cs"/>
+              </a:rPr>
+              <a:t>setAttribute</a:t>
+            </a:r>
+            <a:r>
+              <a:rPr lang="pt-BR" sz="1200" b="0" i="0" u="none" strike="noStrike" kern="1200" baseline="0" dirty="0" smtClean="0">
+                <a:solidFill>
+                  <a:schemeClr val="tx1"/>
+                </a:solidFill>
+                <a:latin typeface="+mn-lt"/>
+                <a:ea typeface="+mn-ea"/>
+                <a:cs typeface="+mn-cs"/>
+              </a:rPr>
+              <a:t> contidos nos três objetos de escopo:</a:t>
+            </a:r>
+          </a:p>
+          <a:p>
+            <a:endParaRPr lang="pt-BR" sz="1200" b="0" i="0" u="none" strike="noStrike" kern="1200" baseline="0" dirty="0" smtClean="0">
+              <a:solidFill>
+                <a:schemeClr val="tx1"/>
+              </a:solidFill>
+              <a:latin typeface="+mn-lt"/>
+              <a:ea typeface="+mn-ea"/>
+              <a:cs typeface="+mn-cs"/>
+            </a:endParaRPr>
+          </a:p>
+          <a:p>
+            <a:r>
+              <a:rPr lang="pt-BR" sz="1200" b="0" i="0" u="none" strike="noStrike" kern="1200" baseline="0" dirty="0" smtClean="0">
+                <a:solidFill>
+                  <a:schemeClr val="tx1"/>
+                </a:solidFill>
+                <a:latin typeface="+mn-lt"/>
+                <a:ea typeface="+mn-ea"/>
+                <a:cs typeface="+mn-cs"/>
+              </a:rPr>
+              <a:t>A forma recomendada consiste em usar os métodos </a:t>
+            </a:r>
+            <a:r>
+              <a:rPr lang="pt-BR" sz="1200" b="0" i="0" u="none" strike="noStrike" kern="1200" baseline="0" dirty="0" err="1" smtClean="0">
+                <a:solidFill>
+                  <a:schemeClr val="tx1"/>
+                </a:solidFill>
+                <a:latin typeface="+mn-lt"/>
+                <a:ea typeface="+mn-ea"/>
+                <a:cs typeface="+mn-cs"/>
+              </a:rPr>
+              <a:t>getAttribute</a:t>
+            </a:r>
+            <a:r>
+              <a:rPr lang="pt-BR" sz="1200" b="0" i="0" u="none" strike="noStrike" kern="1200" baseline="0" dirty="0" smtClean="0">
+                <a:solidFill>
+                  <a:schemeClr val="tx1"/>
+                </a:solidFill>
+                <a:latin typeface="+mn-lt"/>
+                <a:ea typeface="+mn-ea"/>
+                <a:cs typeface="+mn-cs"/>
+              </a:rPr>
+              <a:t>/</a:t>
+            </a:r>
+            <a:r>
+              <a:rPr lang="pt-BR" sz="1200" b="0" i="0" u="none" strike="noStrike" kern="1200" baseline="0" dirty="0" err="1" smtClean="0">
+                <a:solidFill>
+                  <a:schemeClr val="tx1"/>
+                </a:solidFill>
+                <a:latin typeface="+mn-lt"/>
+                <a:ea typeface="+mn-ea"/>
+                <a:cs typeface="+mn-cs"/>
+              </a:rPr>
+              <a:t>setAttribute</a:t>
+            </a:r>
+            <a:r>
+              <a:rPr lang="pt-BR" sz="1200" b="0" i="0" u="none" strike="noStrike" kern="1200" baseline="0" dirty="0" smtClean="0">
+                <a:solidFill>
+                  <a:schemeClr val="tx1"/>
+                </a:solidFill>
+                <a:latin typeface="+mn-lt"/>
+                <a:ea typeface="+mn-ea"/>
+                <a:cs typeface="+mn-cs"/>
+              </a:rPr>
+              <a:t> contidos nos três objetos de escopo:</a:t>
+            </a:r>
+          </a:p>
+          <a:p>
+            <a:endParaRPr lang="pt-BR" sz="1200" b="0" i="0" u="none" strike="noStrike" kern="1200" baseline="0" dirty="0" smtClean="0">
+              <a:solidFill>
+                <a:schemeClr val="tx1"/>
+              </a:solidFill>
+              <a:latin typeface="+mn-lt"/>
+              <a:ea typeface="+mn-ea"/>
+              <a:cs typeface="+mn-cs"/>
+            </a:endParaRPr>
+          </a:p>
+          <a:p>
+            <a:r>
+              <a:rPr lang="pt-BR" sz="1200" b="0" i="0" u="none" strike="noStrike" kern="1200" baseline="0" dirty="0" smtClean="0">
+                <a:solidFill>
+                  <a:schemeClr val="tx1"/>
+                </a:solidFill>
+                <a:latin typeface="+mn-lt"/>
+                <a:ea typeface="+mn-ea"/>
+                <a:cs typeface="+mn-cs"/>
+              </a:rPr>
+              <a:t>• </a:t>
+            </a:r>
+            <a:r>
+              <a:rPr lang="pt-BR" sz="1200" b="0" i="0" u="none" strike="noStrike" kern="1200" baseline="0" dirty="0" err="1" smtClean="0">
+                <a:solidFill>
+                  <a:schemeClr val="tx1"/>
+                </a:solidFill>
+                <a:latin typeface="+mn-lt"/>
+                <a:ea typeface="+mn-ea"/>
+                <a:cs typeface="+mn-cs"/>
+              </a:rPr>
+              <a:t>javax.servlet.</a:t>
+            </a:r>
+            <a:r>
+              <a:rPr lang="pt-BR" sz="1200" b="1" i="0" u="none" strike="noStrike" kern="1200" baseline="0" dirty="0" err="1" smtClean="0">
+                <a:solidFill>
+                  <a:schemeClr val="tx1"/>
+                </a:solidFill>
+                <a:latin typeface="+mn-lt"/>
+                <a:ea typeface="+mn-ea"/>
+                <a:cs typeface="+mn-cs"/>
+              </a:rPr>
+              <a:t>ServletContext</a:t>
+            </a:r>
+            <a:r>
+              <a:rPr lang="pt-BR" sz="1200" b="1" i="0" u="none" strike="noStrike" kern="1200" baseline="0" dirty="0" smtClean="0">
+                <a:solidFill>
+                  <a:schemeClr val="tx1"/>
+                </a:solidFill>
+                <a:latin typeface="+mn-lt"/>
+                <a:ea typeface="+mn-ea"/>
+                <a:cs typeface="+mn-cs"/>
+              </a:rPr>
+              <a:t> </a:t>
+            </a:r>
+            <a:r>
+              <a:rPr lang="pt-BR" sz="1200" b="0" i="0" u="none" strike="noStrike" kern="1200" baseline="0" dirty="0" smtClean="0">
+                <a:solidFill>
+                  <a:schemeClr val="tx1"/>
+                </a:solidFill>
+                <a:latin typeface="+mn-lt"/>
+                <a:ea typeface="+mn-ea"/>
+                <a:cs typeface="+mn-cs"/>
+              </a:rPr>
+              <a:t>– que representa o contexto da aplicação e existe</a:t>
+            </a:r>
+          </a:p>
+          <a:p>
+            <a:r>
+              <a:rPr lang="pt-BR" sz="1200" b="0" i="0" u="none" strike="noStrike" kern="1200" baseline="0" dirty="0" smtClean="0">
+                <a:solidFill>
+                  <a:schemeClr val="tx1"/>
+                </a:solidFill>
+                <a:latin typeface="+mn-lt"/>
+                <a:ea typeface="+mn-ea"/>
+                <a:cs typeface="+mn-cs"/>
+              </a:rPr>
+              <a:t>enquanto a aplicação estiver executando.</a:t>
+            </a:r>
+          </a:p>
+          <a:p>
+            <a:r>
+              <a:rPr lang="pt-BR" sz="1200" b="0" i="0" u="none" strike="noStrike" kern="1200" baseline="0" dirty="0" smtClean="0">
+                <a:solidFill>
+                  <a:schemeClr val="tx1"/>
+                </a:solidFill>
+                <a:latin typeface="+mn-lt"/>
+                <a:ea typeface="+mn-ea"/>
+                <a:cs typeface="+mn-cs"/>
+              </a:rPr>
+              <a:t>• </a:t>
+            </a:r>
+            <a:r>
+              <a:rPr lang="pt-BR" sz="1200" b="0" i="0" u="none" strike="noStrike" kern="1200" baseline="0" dirty="0" err="1" smtClean="0">
+                <a:solidFill>
+                  <a:schemeClr val="tx1"/>
+                </a:solidFill>
+                <a:latin typeface="+mn-lt"/>
+                <a:ea typeface="+mn-ea"/>
+                <a:cs typeface="+mn-cs"/>
+              </a:rPr>
+              <a:t>javax.servlet.http.</a:t>
+            </a:r>
+            <a:r>
+              <a:rPr lang="pt-BR" sz="1200" b="1" i="0" u="none" strike="noStrike" kern="1200" baseline="0" dirty="0" err="1" smtClean="0">
+                <a:solidFill>
+                  <a:schemeClr val="tx1"/>
+                </a:solidFill>
+                <a:latin typeface="+mn-lt"/>
+                <a:ea typeface="+mn-ea"/>
+                <a:cs typeface="+mn-cs"/>
+              </a:rPr>
+              <a:t>HttpSession</a:t>
+            </a:r>
+            <a:r>
+              <a:rPr lang="pt-BR" sz="1200" b="1" i="0" u="none" strike="noStrike" kern="1200" baseline="0" dirty="0" smtClean="0">
+                <a:solidFill>
+                  <a:schemeClr val="tx1"/>
+                </a:solidFill>
+                <a:latin typeface="+mn-lt"/>
+                <a:ea typeface="+mn-ea"/>
+                <a:cs typeface="+mn-cs"/>
+              </a:rPr>
+              <a:t> </a:t>
+            </a:r>
+            <a:r>
+              <a:rPr lang="pt-BR" sz="1200" b="0" i="0" u="none" strike="noStrike" kern="1200" baseline="0" dirty="0" smtClean="0">
+                <a:solidFill>
+                  <a:schemeClr val="tx1"/>
+                </a:solidFill>
+                <a:latin typeface="+mn-lt"/>
+                <a:ea typeface="+mn-ea"/>
+                <a:cs typeface="+mn-cs"/>
+              </a:rPr>
+              <a:t>– que representa o contexto da sessão do cliente e</a:t>
+            </a:r>
+          </a:p>
+          <a:p>
+            <a:r>
+              <a:rPr lang="pt-BR" sz="1200" b="0" i="0" u="none" strike="noStrike" kern="1200" baseline="0" dirty="0" smtClean="0">
+                <a:solidFill>
+                  <a:schemeClr val="tx1"/>
+                </a:solidFill>
+                <a:latin typeface="+mn-lt"/>
+                <a:ea typeface="+mn-ea"/>
+                <a:cs typeface="+mn-cs"/>
+              </a:rPr>
+              <a:t>existe enquanto o cliente estiver conectado.</a:t>
+            </a:r>
+          </a:p>
+          <a:p>
+            <a:r>
+              <a:rPr lang="pt-BR" sz="1200" b="0" i="0" u="none" strike="noStrike" kern="1200" baseline="0" dirty="0" smtClean="0">
+                <a:solidFill>
+                  <a:schemeClr val="tx1"/>
+                </a:solidFill>
+                <a:latin typeface="+mn-lt"/>
+                <a:ea typeface="+mn-ea"/>
+                <a:cs typeface="+mn-cs"/>
+              </a:rPr>
+              <a:t>• </a:t>
+            </a:r>
+            <a:r>
+              <a:rPr lang="pt-BR" sz="1200" b="0" i="0" u="none" strike="noStrike" kern="1200" baseline="0" dirty="0" err="1" smtClean="0">
+                <a:solidFill>
+                  <a:schemeClr val="tx1"/>
+                </a:solidFill>
+                <a:latin typeface="+mn-lt"/>
+                <a:ea typeface="+mn-ea"/>
+                <a:cs typeface="+mn-cs"/>
+              </a:rPr>
+              <a:t>javax.servlet.</a:t>
+            </a:r>
+            <a:r>
+              <a:rPr lang="pt-BR" sz="1200" b="1" i="0" u="none" strike="noStrike" kern="1200" baseline="0" dirty="0" err="1" smtClean="0">
+                <a:solidFill>
+                  <a:schemeClr val="tx1"/>
+                </a:solidFill>
+                <a:latin typeface="+mn-lt"/>
+                <a:ea typeface="+mn-ea"/>
+                <a:cs typeface="+mn-cs"/>
+              </a:rPr>
+              <a:t>ServletRequest</a:t>
+            </a:r>
+            <a:r>
+              <a:rPr lang="pt-BR" sz="1200" b="1" i="0" u="none" strike="noStrike" kern="1200" baseline="0" dirty="0" smtClean="0">
+                <a:solidFill>
+                  <a:schemeClr val="tx1"/>
+                </a:solidFill>
+                <a:latin typeface="+mn-lt"/>
+                <a:ea typeface="+mn-ea"/>
+                <a:cs typeface="+mn-cs"/>
+              </a:rPr>
+              <a:t> </a:t>
+            </a:r>
+            <a:r>
+              <a:rPr lang="pt-BR" sz="1200" b="0" i="0" u="none" strike="noStrike" kern="1200" baseline="0" dirty="0" smtClean="0">
+                <a:solidFill>
+                  <a:schemeClr val="tx1"/>
+                </a:solidFill>
+                <a:latin typeface="+mn-lt"/>
+                <a:ea typeface="+mn-ea"/>
+                <a:cs typeface="+mn-cs"/>
+              </a:rPr>
+              <a:t>– que representa o contexto da requisição e existe</a:t>
+            </a:r>
+          </a:p>
+          <a:p>
+            <a:r>
+              <a:rPr lang="pt-BR" sz="1200" b="0" i="0" u="none" strike="noStrike" kern="1200" baseline="0" dirty="0" smtClean="0">
+                <a:solidFill>
+                  <a:schemeClr val="tx1"/>
+                </a:solidFill>
+                <a:latin typeface="+mn-lt"/>
+                <a:ea typeface="+mn-ea"/>
+                <a:cs typeface="+mn-cs"/>
+              </a:rPr>
+              <a:t>enquanto o método </a:t>
+            </a:r>
+            <a:r>
+              <a:rPr lang="pt-BR" sz="1200" b="0" i="0" u="none" strike="noStrike" kern="1200" baseline="0" dirty="0" err="1" smtClean="0">
+                <a:solidFill>
+                  <a:schemeClr val="tx1"/>
+                </a:solidFill>
+                <a:latin typeface="+mn-lt"/>
+                <a:ea typeface="+mn-ea"/>
+                <a:cs typeface="+mn-cs"/>
+              </a:rPr>
+              <a:t>service</a:t>
+            </a:r>
+            <a:r>
+              <a:rPr lang="pt-BR" sz="1200" b="0" i="0" u="none" strike="noStrike" kern="1200" baseline="0" dirty="0" smtClean="0">
+                <a:solidFill>
+                  <a:schemeClr val="tx1"/>
+                </a:solidFill>
+                <a:latin typeface="+mn-lt"/>
+                <a:ea typeface="+mn-ea"/>
+                <a:cs typeface="+mn-cs"/>
+              </a:rPr>
+              <a:t>() não terminar.</a:t>
+            </a:r>
+          </a:p>
+          <a:p>
+            <a:endParaRPr lang="pt-BR" sz="1200" b="0" i="0" u="none" strike="noStrike" kern="1200" baseline="0" dirty="0" smtClean="0">
+              <a:solidFill>
+                <a:schemeClr val="tx1"/>
+              </a:solidFill>
+              <a:latin typeface="+mn-lt"/>
+              <a:ea typeface="+mn-ea"/>
+              <a:cs typeface="+mn-cs"/>
+            </a:endParaRPr>
+          </a:p>
+          <a:p>
+            <a:r>
+              <a:rPr lang="pt-BR" sz="1200" b="0" i="0" u="none" strike="noStrike" kern="1200" baseline="0" dirty="0" smtClean="0">
+                <a:solidFill>
+                  <a:schemeClr val="tx1"/>
+                </a:solidFill>
+                <a:latin typeface="+mn-lt"/>
+                <a:ea typeface="+mn-ea"/>
+                <a:cs typeface="+mn-cs"/>
+              </a:rPr>
+              <a:t>Lembrar quais são os “maiores” escopos.</a:t>
+            </a:r>
+          </a:p>
+          <a:p>
+            <a:endParaRPr lang="pt-BR" sz="1200" b="0" i="0" u="none" strike="noStrike" kern="1200" baseline="0" dirty="0" smtClean="0">
+              <a:solidFill>
+                <a:schemeClr val="tx1"/>
+              </a:solidFill>
+              <a:latin typeface="+mn-lt"/>
+              <a:ea typeface="+mn-ea"/>
+              <a:cs typeface="+mn-cs"/>
+            </a:endParaRPr>
+          </a:p>
+          <a:p>
+            <a:r>
+              <a:rPr lang="pt-BR" sz="1200" b="0" i="0" u="none" strike="noStrike" kern="1200" baseline="0" dirty="0" smtClean="0">
+                <a:solidFill>
+                  <a:schemeClr val="tx1"/>
+                </a:solidFill>
+                <a:latin typeface="+mn-lt"/>
+                <a:ea typeface="+mn-ea"/>
+                <a:cs typeface="+mn-cs"/>
+              </a:rPr>
+              <a:t>Portanto, para gravar dados em um objeto de persistência na memória, deve-se usar:</a:t>
+            </a:r>
+          </a:p>
+          <a:p>
+            <a:r>
+              <a:rPr lang="pt-BR" sz="1200" b="0" i="0" u="none" strike="noStrike" kern="1200" baseline="0" dirty="0" err="1" smtClean="0">
+                <a:solidFill>
+                  <a:schemeClr val="tx1"/>
+                </a:solidFill>
+                <a:latin typeface="+mn-lt"/>
+                <a:ea typeface="+mn-ea"/>
+                <a:cs typeface="+mn-cs"/>
+              </a:rPr>
+              <a:t>objeto.setAttribute</a:t>
+            </a:r>
+            <a:r>
+              <a:rPr lang="pt-BR" sz="1200" b="0" i="0" u="none" strike="noStrike" kern="1200" baseline="0" dirty="0" smtClean="0">
+                <a:solidFill>
+                  <a:schemeClr val="tx1"/>
+                </a:solidFill>
+                <a:latin typeface="+mn-lt"/>
+                <a:ea typeface="+mn-ea"/>
+                <a:cs typeface="+mn-cs"/>
+              </a:rPr>
+              <a:t>("nome", dados);</a:t>
+            </a:r>
+          </a:p>
+          <a:p>
+            <a:r>
+              <a:rPr lang="pt-BR" sz="1200" b="0" i="0" u="none" strike="noStrike" kern="1200" baseline="0" dirty="0" smtClean="0">
+                <a:solidFill>
+                  <a:schemeClr val="tx1"/>
+                </a:solidFill>
+                <a:latin typeface="+mn-lt"/>
+                <a:ea typeface="+mn-ea"/>
+                <a:cs typeface="+mn-cs"/>
+              </a:rPr>
+              <a:t>E para recuperar ou remover os dados:</a:t>
+            </a:r>
+          </a:p>
+          <a:p>
+            <a:r>
+              <a:rPr lang="pt-BR" sz="1200" b="0" i="0" u="none" strike="noStrike" kern="1200" baseline="0" dirty="0" err="1" smtClean="0">
+                <a:solidFill>
+                  <a:schemeClr val="tx1"/>
+                </a:solidFill>
+                <a:latin typeface="+mn-lt"/>
+                <a:ea typeface="+mn-ea"/>
+                <a:cs typeface="+mn-cs"/>
+              </a:rPr>
+              <a:t>Object</a:t>
+            </a:r>
+            <a:r>
+              <a:rPr lang="pt-BR" sz="1200" b="0" i="0" u="none" strike="noStrike" kern="1200" baseline="0" dirty="0" smtClean="0">
+                <a:solidFill>
+                  <a:schemeClr val="tx1"/>
+                </a:solidFill>
+                <a:latin typeface="+mn-lt"/>
+                <a:ea typeface="+mn-ea"/>
+                <a:cs typeface="+mn-cs"/>
+              </a:rPr>
+              <a:t> dados = </a:t>
+            </a:r>
+            <a:r>
+              <a:rPr lang="pt-BR" sz="1200" b="0" i="0" u="none" strike="noStrike" kern="1200" baseline="0" dirty="0" err="1" smtClean="0">
+                <a:solidFill>
+                  <a:schemeClr val="tx1"/>
+                </a:solidFill>
+                <a:latin typeface="+mn-lt"/>
+                <a:ea typeface="+mn-ea"/>
+                <a:cs typeface="+mn-cs"/>
+              </a:rPr>
+              <a:t>objeto.getAttribute</a:t>
+            </a:r>
+            <a:r>
+              <a:rPr lang="pt-BR" sz="1200" b="0" i="0" u="none" strike="noStrike" kern="1200" baseline="0" dirty="0" smtClean="0">
+                <a:solidFill>
+                  <a:schemeClr val="tx1"/>
+                </a:solidFill>
+                <a:latin typeface="+mn-lt"/>
+                <a:ea typeface="+mn-ea"/>
+                <a:cs typeface="+mn-cs"/>
+              </a:rPr>
+              <a:t>("nome");</a:t>
+            </a:r>
+          </a:p>
+          <a:p>
+            <a:r>
+              <a:rPr lang="pt-BR" sz="1200" b="0" i="0" u="none" strike="noStrike" kern="1200" baseline="0" dirty="0" err="1" smtClean="0">
+                <a:solidFill>
+                  <a:schemeClr val="tx1"/>
+                </a:solidFill>
+                <a:latin typeface="+mn-lt"/>
+                <a:ea typeface="+mn-ea"/>
+                <a:cs typeface="+mn-cs"/>
+              </a:rPr>
+              <a:t>objeto.removeAttribute</a:t>
+            </a:r>
+            <a:r>
+              <a:rPr lang="pt-BR" sz="1200" b="0" i="0" u="none" strike="noStrike" kern="1200" baseline="0" dirty="0" smtClean="0">
+                <a:solidFill>
+                  <a:schemeClr val="tx1"/>
+                </a:solidFill>
+                <a:latin typeface="+mn-lt"/>
+                <a:ea typeface="+mn-ea"/>
+                <a:cs typeface="+mn-cs"/>
+              </a:rPr>
+              <a:t>("nome");</a:t>
+            </a:r>
+          </a:p>
+        </p:txBody>
+      </p:sp>
+      <p:sp>
+        <p:nvSpPr>
+          <p:cNvPr id="4" name="Rectangle 4"/>
+          <p:cNvSpPr>
+            <a:spLocks noGrp="1"/>
+          </p:cNvSpPr>
+          <p:nvPr>
+            <p:ph type="sldNum" sz="quarter" idx="10"/>
+          </p:nvPr>
+        </p:nvSpPr>
+        <p:spPr/>
+        <p:txBody>
+          <a:bodyPr/>
+          <a:lstStyle/>
+          <a:p>
+            <a:fld id="{61807874-5299-41B2-A37A-6AA3547857F4}" type="slidenum">
+              <a:rPr lang="pt-BR" smtClean="0"/>
+              <a:pPr/>
+              <a:t>17</a:t>
+            </a:fld>
+            <a:endParaRPr lang="pt-BR"/>
+          </a:p>
+        </p:txBody>
+      </p:sp>
+    </p:spTree>
+    <p:extLst>
+      <p:ext uri="{BB962C8B-B14F-4D97-AF65-F5344CB8AC3E}">
+        <p14:creationId xmlns:p14="http://schemas.microsoft.com/office/powerpoint/2010/main" val="2477212209"/>
+      </p:ext>
+    </p:extLst>
+  </p:cSld>
+  <p:clrMapOvr>
+    <a:masterClrMapping/>
+  </p:clrMapOvr>
+</p:notes>
+</file>
+
+<file path=ppt/notesSlides/notesSlide18.xml><?xml version="1.0" encoding="utf-8"?>
+<p:notes xmlns:a="http://schemas.openxmlformats.org/drawingml/2006/main" xmlns:r="http://schemas.openxmlformats.org/officeDocument/2006/relationships" xmlns:p="http://schemas.openxmlformats.org/presentationml/2006/main">
+  <p:cSld>
+    <p:spTree>
+      <p:nvGrpSpPr>
+        <p:cNvPr id="1" name=""/>
+        <p:cNvGrpSpPr/>
+        <p:nvPr/>
+      </p:nvGrpSpPr>
+      <p:grpSpPr>
+        <a:xfrm>
+          <a:off x="0" y="0"/>
+          <a:ext cx="0" cy="0"/>
+          <a:chOff x="0" y="0"/>
+          <a:chExt cx="0" cy="0"/>
+        </a:xfrm>
+      </p:grpSpPr>
+      <p:sp>
+        <p:nvSpPr>
+          <p:cNvPr id="2" name="Rectangle 2"/>
+          <p:cNvSpPr>
+            <a:spLocks noGrp="1" noRot="1" noChangeAspect="1"/>
+          </p:cNvSpPr>
+          <p:nvPr>
+            <p:ph type="sldImg"/>
+          </p:nvPr>
+        </p:nvSpPr>
+        <p:spPr/>
+      </p:sp>
+      <p:sp>
+        <p:nvSpPr>
+          <p:cNvPr id="3" name="Rectangle 3"/>
+          <p:cNvSpPr>
+            <a:spLocks noGrp="1"/>
+          </p:cNvSpPr>
+          <p:nvPr>
+            <p:ph type="body" idx="1"/>
+          </p:nvPr>
+        </p:nvSpPr>
+        <p:spPr/>
+        <p:txBody>
+          <a:bodyPr/>
+          <a:lstStyle/>
+          <a:p>
+            <a:r>
+              <a:rPr lang="pt-BR" sz="1200" b="0" i="0" u="none" strike="noStrike" kern="1200" baseline="0" dirty="0" smtClean="0">
+                <a:solidFill>
+                  <a:schemeClr val="tx1"/>
+                </a:solidFill>
+                <a:latin typeface="+mn-lt"/>
+                <a:ea typeface="+mn-ea"/>
+                <a:cs typeface="+mn-cs"/>
+              </a:rPr>
+              <a:t>Filtros </a:t>
+            </a:r>
+            <a:r>
+              <a:rPr lang="pt-BR" sz="1200" b="0" i="0" u="none" strike="noStrike" kern="1200" baseline="0" dirty="0" err="1" smtClean="0">
+                <a:solidFill>
+                  <a:schemeClr val="tx1"/>
+                </a:solidFill>
+                <a:latin typeface="+mn-lt"/>
+                <a:ea typeface="+mn-ea"/>
+                <a:cs typeface="+mn-cs"/>
+              </a:rPr>
+              <a:t>sao</a:t>
+            </a:r>
+            <a:r>
+              <a:rPr lang="pt-BR" sz="1200" b="0" i="0" u="none" strike="noStrike" kern="1200" baseline="0" dirty="0" smtClean="0">
+                <a:solidFill>
+                  <a:schemeClr val="tx1"/>
+                </a:solidFill>
+                <a:latin typeface="+mn-lt"/>
+                <a:ea typeface="+mn-ea"/>
+                <a:cs typeface="+mn-cs"/>
+              </a:rPr>
+              <a:t> criados implementando a interface </a:t>
+            </a:r>
+            <a:r>
+              <a:rPr lang="pt-BR" sz="1200" b="0" i="1" u="none" strike="noStrike" kern="1200" baseline="0" dirty="0" err="1" smtClean="0">
+                <a:solidFill>
+                  <a:schemeClr val="tx1"/>
+                </a:solidFill>
+                <a:latin typeface="+mn-lt"/>
+                <a:ea typeface="+mn-ea"/>
+                <a:cs typeface="+mn-cs"/>
+              </a:rPr>
+              <a:t>javax.servlet.Filter</a:t>
+            </a:r>
+            <a:r>
+              <a:rPr lang="pt-BR" sz="1200" b="0" i="1" u="none" strike="noStrike" kern="1200" baseline="0" dirty="0" smtClean="0">
+                <a:solidFill>
+                  <a:schemeClr val="tx1"/>
+                </a:solidFill>
+                <a:latin typeface="+mn-lt"/>
+                <a:ea typeface="+mn-ea"/>
+                <a:cs typeface="+mn-cs"/>
+              </a:rPr>
+              <a:t> </a:t>
+            </a:r>
+            <a:r>
+              <a:rPr lang="pt-BR" sz="1200" b="0" i="0" u="none" strike="noStrike" kern="1200" baseline="0" dirty="0" smtClean="0">
+                <a:solidFill>
+                  <a:schemeClr val="tx1"/>
+                </a:solidFill>
+                <a:latin typeface="+mn-lt"/>
+                <a:ea typeface="+mn-ea"/>
+                <a:cs typeface="+mn-cs"/>
+              </a:rPr>
+              <a:t>e mapeados a </a:t>
+            </a:r>
+            <a:r>
+              <a:rPr lang="pt-BR" sz="1200" b="0" i="0" u="none" strike="noStrike" kern="1200" baseline="0" dirty="0" err="1" smtClean="0">
+                <a:solidFill>
+                  <a:schemeClr val="tx1"/>
+                </a:solidFill>
+                <a:latin typeface="+mn-lt"/>
+                <a:ea typeface="+mn-ea"/>
+                <a:cs typeface="+mn-cs"/>
+              </a:rPr>
+              <a:t>servlets</a:t>
+            </a:r>
+            <a:endParaRPr lang="pt-BR" sz="1200" b="0" i="0" u="none" strike="noStrike" kern="1200" baseline="0" dirty="0" smtClean="0">
+              <a:solidFill>
+                <a:schemeClr val="tx1"/>
+              </a:solidFill>
+              <a:latin typeface="+mn-lt"/>
+              <a:ea typeface="+mn-ea"/>
+              <a:cs typeface="+mn-cs"/>
+            </a:endParaRPr>
+          </a:p>
+          <a:p>
+            <a:r>
+              <a:rPr lang="pt-BR" sz="1200" b="0" i="0" u="none" strike="noStrike" kern="1200" baseline="0" dirty="0" smtClean="0">
+                <a:solidFill>
+                  <a:schemeClr val="tx1"/>
+                </a:solidFill>
+                <a:latin typeface="+mn-lt"/>
+                <a:ea typeface="+mn-ea"/>
+                <a:cs typeface="+mn-cs"/>
+              </a:rPr>
+              <a:t>através de anotações </a:t>
+            </a:r>
+            <a:r>
+              <a:rPr lang="pt-BR" sz="1200" b="0" i="1" u="none" strike="noStrike" kern="1200" baseline="0" dirty="0" smtClean="0">
+                <a:solidFill>
+                  <a:schemeClr val="tx1"/>
+                </a:solidFill>
+                <a:latin typeface="+mn-lt"/>
+                <a:ea typeface="+mn-ea"/>
+                <a:cs typeface="+mn-cs"/>
+              </a:rPr>
+              <a:t>@</a:t>
+            </a:r>
+            <a:r>
+              <a:rPr lang="pt-BR" sz="1200" b="0" i="1" u="none" strike="noStrike" kern="1200" baseline="0" dirty="0" err="1" smtClean="0">
+                <a:solidFill>
+                  <a:schemeClr val="tx1"/>
+                </a:solidFill>
+                <a:latin typeface="+mn-lt"/>
+                <a:ea typeface="+mn-ea"/>
+                <a:cs typeface="+mn-cs"/>
+              </a:rPr>
+              <a:t>WebFilter</a:t>
+            </a:r>
+            <a:r>
+              <a:rPr lang="pt-BR" sz="1200" b="0" i="1" u="none" strike="noStrike" kern="1200" baseline="0" dirty="0" smtClean="0">
+                <a:solidFill>
+                  <a:schemeClr val="tx1"/>
+                </a:solidFill>
+                <a:latin typeface="+mn-lt"/>
+                <a:ea typeface="+mn-ea"/>
+                <a:cs typeface="+mn-cs"/>
+              </a:rPr>
+              <a:t> </a:t>
+            </a:r>
+            <a:r>
+              <a:rPr lang="pt-BR" sz="1200" b="0" i="0" u="none" strike="noStrike" kern="1200" baseline="0" dirty="0" smtClean="0">
+                <a:solidFill>
+                  <a:schemeClr val="tx1"/>
+                </a:solidFill>
+                <a:latin typeface="+mn-lt"/>
+                <a:ea typeface="+mn-ea"/>
+                <a:cs typeface="+mn-cs"/>
+              </a:rPr>
+              <a:t>ou via </a:t>
+            </a:r>
+            <a:r>
+              <a:rPr lang="pt-BR" sz="1200" b="0" i="1" u="none" strike="noStrike" kern="1200" baseline="0" dirty="0" smtClean="0">
+                <a:solidFill>
+                  <a:schemeClr val="tx1"/>
+                </a:solidFill>
+                <a:latin typeface="+mn-lt"/>
+                <a:ea typeface="+mn-ea"/>
+                <a:cs typeface="+mn-cs"/>
+              </a:rPr>
+              <a:t>web.xml</a:t>
+            </a:r>
+            <a:r>
+              <a:rPr lang="pt-BR" sz="1200" b="0" i="0" u="none" strike="noStrike" kern="1200" baseline="0" dirty="0" smtClean="0">
+                <a:solidFill>
+                  <a:schemeClr val="tx1"/>
+                </a:solidFill>
+                <a:latin typeface="+mn-lt"/>
+                <a:ea typeface="+mn-ea"/>
+                <a:cs typeface="+mn-cs"/>
+              </a:rPr>
+              <a:t>.</a:t>
+            </a:r>
+          </a:p>
+        </p:txBody>
+      </p:sp>
+      <p:sp>
+        <p:nvSpPr>
+          <p:cNvPr id="4" name="Rectangle 4"/>
+          <p:cNvSpPr>
+            <a:spLocks noGrp="1"/>
+          </p:cNvSpPr>
+          <p:nvPr>
+            <p:ph type="sldNum" sz="quarter" idx="10"/>
+          </p:nvPr>
+        </p:nvSpPr>
+        <p:spPr/>
+        <p:txBody>
+          <a:bodyPr/>
+          <a:lstStyle/>
+          <a:p>
+            <a:fld id="{61807874-5299-41B2-A37A-6AA3547857F4}" type="slidenum">
+              <a:rPr lang="pt-BR" smtClean="0"/>
+              <a:pPr/>
+              <a:t>18</a:t>
+            </a:fld>
+            <a:endParaRPr lang="pt-BR"/>
+          </a:p>
+        </p:txBody>
+      </p:sp>
+    </p:spTree>
+    <p:extLst>
+      <p:ext uri="{BB962C8B-B14F-4D97-AF65-F5344CB8AC3E}">
+        <p14:creationId xmlns:p14="http://schemas.microsoft.com/office/powerpoint/2010/main" val="2477212209"/>
+      </p:ext>
+    </p:extLst>
+  </p:cSld>
+  <p:clrMapOvr>
+    <a:masterClrMapping/>
+  </p:clrMapOvr>
+</p:notes>
+</file>
+
+<file path=ppt/notesSlides/notesSlide19.xml><?xml version="1.0" encoding="utf-8"?>
+<p:notes xmlns:a="http://schemas.openxmlformats.org/drawingml/2006/main" xmlns:r="http://schemas.openxmlformats.org/officeDocument/2006/relationships" xmlns:p="http://schemas.openxmlformats.org/presentationml/2006/main">
+  <p:cSld>
+    <p:spTree>
+      <p:nvGrpSpPr>
+        <p:cNvPr id="1" name=""/>
+        <p:cNvGrpSpPr/>
+        <p:nvPr/>
+      </p:nvGrpSpPr>
+      <p:grpSpPr>
+        <a:xfrm>
+          <a:off x="0" y="0"/>
+          <a:ext cx="0" cy="0"/>
+          <a:chOff x="0" y="0"/>
+          <a:chExt cx="0" cy="0"/>
+        </a:xfrm>
+      </p:grpSpPr>
+      <p:sp>
+        <p:nvSpPr>
+          <p:cNvPr id="2" name="Rectangle 2"/>
+          <p:cNvSpPr>
+            <a:spLocks noGrp="1" noRot="1" noChangeAspect="1"/>
+          </p:cNvSpPr>
+          <p:nvPr>
+            <p:ph type="sldImg"/>
+          </p:nvPr>
+        </p:nvSpPr>
+        <p:spPr/>
+      </p:sp>
+      <p:sp>
+        <p:nvSpPr>
+          <p:cNvPr id="3" name="Rectangle 3"/>
+          <p:cNvSpPr>
+            <a:spLocks noGrp="1"/>
+          </p:cNvSpPr>
+          <p:nvPr>
+            <p:ph type="body" idx="1"/>
+          </p:nvPr>
+        </p:nvSpPr>
+        <p:spPr/>
+        <p:txBody>
+          <a:bodyPr/>
+          <a:lstStyle/>
+          <a:p>
+            <a:endParaRPr lang="pt-BR" sz="1200" b="0" i="0" u="none" strike="noStrike" kern="1200" baseline="0" dirty="0" smtClean="0">
+              <a:solidFill>
+                <a:schemeClr val="tx1"/>
+              </a:solidFill>
+              <a:latin typeface="+mn-lt"/>
+              <a:ea typeface="+mn-ea"/>
+              <a:cs typeface="+mn-cs"/>
+            </a:endParaRPr>
+          </a:p>
+        </p:txBody>
+      </p:sp>
+      <p:sp>
+        <p:nvSpPr>
+          <p:cNvPr id="4" name="Rectangle 4"/>
+          <p:cNvSpPr>
+            <a:spLocks noGrp="1"/>
+          </p:cNvSpPr>
+          <p:nvPr>
+            <p:ph type="sldNum" sz="quarter" idx="10"/>
+          </p:nvPr>
+        </p:nvSpPr>
+        <p:spPr/>
+        <p:txBody>
+          <a:bodyPr/>
+          <a:lstStyle/>
+          <a:p>
+            <a:fld id="{61807874-5299-41B2-A37A-6AA3547857F4}" type="slidenum">
+              <a:rPr lang="pt-BR" smtClean="0"/>
+              <a:pPr/>
+              <a:t>19</a:t>
             </a:fld>
             <a:endParaRPr lang="pt-BR"/>
           </a:p>
@@ -8574,7 +9837,7 @@
             <a:fld id="{8F67D422-08A8-451B-9A67-21962FC4B660}" type="datetimeFigureOut">
               <a:rPr kumimoji="0" lang="pt-BR" sz="1100"/>
               <a:pPr algn="r"/>
-              <a:t>12/10/2018</a:t>
+              <a:t>14/10/2018</a:t>
             </a:fld>
             <a:endParaRPr kumimoji="0" lang="pt-BR"/>
           </a:p>
@@ -8796,7 +10059,7 @@
             <a:fld id="{8F67D422-08A8-451B-9A67-21962FC4B660}" type="datetimeFigureOut">
               <a:rPr kumimoji="0" lang="pt-BR" sz="1100"/>
               <a:pPr algn="r"/>
-              <a:t>12/10/2018</a:t>
+              <a:t>14/10/2018</a:t>
             </a:fld>
             <a:endParaRPr kumimoji="0" lang="pt-BR"/>
           </a:p>
@@ -8913,7 +10176,7 @@
             <a:fld id="{8F67D422-08A8-451B-9A67-21962FC4B660}" type="datetimeFigureOut">
               <a:rPr kumimoji="0" lang="pt-BR" sz="1100"/>
               <a:pPr algn="r"/>
-              <a:t>12/10/2018</a:t>
+              <a:t>14/10/2018</a:t>
             </a:fld>
             <a:endParaRPr kumimoji="0" lang="pt-BR"/>
           </a:p>
@@ -9078,7 +10341,7 @@
           <a:p>
             <a:fld id="{1BEBB2CB-903D-46EF-8227-E770ED8FF514}" type="datetimeFigureOut">
               <a:pPr/>
-              <a:t>12/10/2018</a:t>
+              <a:t>14/10/2018</a:t>
             </a:fld>
             <a:endParaRPr kumimoji="0" lang="pt-BR"/>
           </a:p>
@@ -9556,7 +10819,7 @@
           <a:p>
             <a:fld id="{1BEBB2CB-903D-46EF-8227-E770ED8FF514}" type="datetimeFigureOut">
               <a:pPr/>
-              <a:t>12/10/2018</a:t>
+              <a:t>14/10/2018</a:t>
             </a:fld>
             <a:endParaRPr kumimoji="0" lang="pt-BR"/>
           </a:p>
@@ -10164,7 +11427,7 @@
           <a:p>
             <a:fld id="{1BEBB2CB-903D-46EF-8227-E770ED8FF514}" type="datetimeFigureOut">
               <a:pPr/>
-              <a:t>12/10/2018</a:t>
+              <a:t>14/10/2018</a:t>
             </a:fld>
             <a:endParaRPr kumimoji="0" lang="pt-BR"/>
           </a:p>
@@ -10559,7 +11822,7 @@
           <a:p>
             <a:fld id="{1BEBB2CB-903D-46EF-8227-E770ED8FF514}" type="datetimeFigureOut">
               <a:pPr/>
-              <a:t>12/10/2018</a:t>
+              <a:t>14/10/2018</a:t>
             </a:fld>
             <a:endParaRPr kumimoji="0" lang="pt-BR"/>
           </a:p>
@@ -11350,7 +12613,7 @@
           <a:p>
             <a:fld id="{1BEBB2CB-903D-46EF-8227-E770ED8FF514}" type="datetimeFigureOut">
               <a:pPr/>
-              <a:t>12/10/2018</a:t>
+              <a:t>14/10/2018</a:t>
             </a:fld>
             <a:endParaRPr kumimoji="0" lang="pt-BR"/>
           </a:p>
@@ -12444,7 +13707,7 @@
             <a:fld id="{8F67D422-08A8-451B-9A67-21962FC4B660}" type="datetimeFigureOut">
               <a:rPr kumimoji="0" lang="pt-BR" sz="1100"/>
               <a:pPr algn="r"/>
-              <a:t>12/10/2018</a:t>
+              <a:t>14/10/2018</a:t>
             </a:fld>
             <a:endParaRPr kumimoji="0" lang="pt-BR" sz="1050"/>
           </a:p>
@@ -14575,7 +15838,7 @@
     </p:spTree>
     <p:extLst>
       <p:ext uri="{BB962C8B-B14F-4D97-AF65-F5344CB8AC3E}">
-        <p14:creationId xmlns:p14="http://schemas.microsoft.com/office/powerpoint/2010/main" val="1483072264"/>
+        <p14:creationId xmlns:p14="http://schemas.microsoft.com/office/powerpoint/2010/main" val="435609940"/>
       </p:ext>
     </p:extLst>
   </p:cSld>
@@ -14628,12 +15891,8 @@
           <a:lstStyle/>
           <a:p>
             <a:r>
-              <a:rPr lang="pt-BR" sz="4000" dirty="0" smtClean="0"/>
-              <a:t>Interface </a:t>
-            </a:r>
-            <a:r>
               <a:rPr lang="pt-BR" sz="4000" dirty="0" err="1" smtClean="0"/>
-              <a:t>ServletContext</a:t>
+              <a:t>Listeners</a:t>
             </a:r>
             <a:endParaRPr lang="pt-BR" sz="4000" dirty="0"/>
           </a:p>
@@ -14653,8 +15912,8 @@
         </p:nvSpPr>
         <p:spPr>
           <a:xfrm>
-            <a:off x="685800" y="2703016"/>
-            <a:ext cx="7772400" cy="2246769"/>
+            <a:off x="685800" y="2681625"/>
+            <a:ext cx="7772400" cy="3785652"/>
           </a:xfrm>
           <a:prstGeom prst="rect">
             <a:avLst/>
@@ -14667,38 +15926,431 @@
           <a:lstStyle/>
           <a:p>
             <a:r>
-              <a:rPr lang="pt-BR" sz="2000" b="1" dirty="0" err="1" smtClean="0"/>
-              <a:t>ServletContext</a:t>
-            </a:r>
-            <a:r>
-              <a:rPr lang="pt-BR" sz="2000" b="1" dirty="0" smtClean="0"/>
-              <a:t> encapsula informações sobre o contexto da aplicação.</a:t>
-            </a:r>
-          </a:p>
-          <a:p>
-            <a:endParaRPr lang="pt-BR" sz="2000" b="1" dirty="0" smtClean="0"/>
-          </a:p>
-          <a:p>
-            <a:r>
-              <a:rPr lang="pt-BR" sz="2000" b="1" dirty="0" smtClean="0"/>
-              <a:t>Qual finalidade </a:t>
-            </a:r>
-            <a:r>
-              <a:rPr lang="pt-BR" sz="2000" dirty="0" smtClean="0"/>
-              <a:t>?</a:t>
-            </a:r>
-          </a:p>
-          <a:p>
-            <a:r>
-              <a:rPr lang="pt-BR" sz="2000" b="1" dirty="0" smtClean="0"/>
-              <a:t>Com a referência do contexto da aplicação podemos interagir com a aplicação retornando informações, até mesmo entre os </a:t>
-            </a:r>
-            <a:r>
-              <a:rPr lang="pt-BR" sz="2000" b="1" dirty="0" err="1" smtClean="0"/>
-              <a:t>servlets</a:t>
-            </a:r>
-            <a:r>
-              <a:rPr lang="pt-BR" sz="2000" b="1" dirty="0" smtClean="0"/>
+              <a:rPr lang="en-US" sz="2000" b="1" dirty="0" smtClean="0"/>
+              <a:t>Listeners é </a:t>
+            </a:r>
+            <a:r>
+              <a:rPr lang="en-US" sz="2000" b="1" dirty="0" err="1" smtClean="0"/>
+              <a:t>uma</a:t>
+            </a:r>
+            <a:r>
+              <a:rPr lang="en-US" sz="2000" b="1" dirty="0" smtClean="0"/>
+              <a:t> forma de </a:t>
+            </a:r>
+            <a:r>
+              <a:rPr lang="en-US" sz="2000" b="1" dirty="0" err="1" smtClean="0"/>
+              <a:t>controlar</a:t>
+            </a:r>
+            <a:r>
+              <a:rPr lang="en-US" sz="2000" b="1" dirty="0" smtClean="0"/>
+              <a:t> o </a:t>
+            </a:r>
+            <a:r>
+              <a:rPr lang="en-US" sz="2000" b="1" dirty="0" err="1" smtClean="0"/>
+              <a:t>ciclo</a:t>
+            </a:r>
+            <a:r>
+              <a:rPr lang="en-US" sz="2000" b="1" dirty="0" smtClean="0"/>
+              <a:t> de </a:t>
+            </a:r>
+            <a:r>
+              <a:rPr lang="en-US" sz="2000" b="1" dirty="0" err="1" smtClean="0"/>
+              <a:t>vida</a:t>
+            </a:r>
+            <a:r>
+              <a:rPr lang="en-US" sz="2000" b="1" dirty="0" smtClean="0"/>
+              <a:t> do </a:t>
+            </a:r>
+            <a:r>
+              <a:rPr lang="en-US" sz="2000" b="1" dirty="0" err="1" smtClean="0"/>
+              <a:t>contexto</a:t>
+            </a:r>
+            <a:r>
+              <a:rPr lang="en-US" sz="2000" b="1" dirty="0" smtClean="0"/>
+              <a:t> da </a:t>
+            </a:r>
+            <a:r>
+              <a:rPr lang="en-US" sz="2000" b="1" dirty="0" err="1" smtClean="0"/>
+              <a:t>aplicação</a:t>
+            </a:r>
+            <a:r>
+              <a:rPr lang="en-US" sz="2000" b="1" dirty="0" smtClean="0"/>
+              <a:t>. Mas </a:t>
+            </a:r>
+            <a:r>
+              <a:rPr lang="en-US" sz="2000" b="1" dirty="0" err="1" smtClean="0"/>
+              <a:t>nesse</a:t>
+            </a:r>
+            <a:r>
+              <a:rPr lang="en-US" sz="2000" b="1" dirty="0" smtClean="0"/>
+              <a:t> </a:t>
+            </a:r>
+            <a:r>
+              <a:rPr lang="en-US" sz="2000" b="1" dirty="0" err="1" smtClean="0"/>
+              <a:t>momento</a:t>
+            </a:r>
+            <a:r>
+              <a:rPr lang="en-US" sz="2000" b="1" dirty="0" smtClean="0"/>
+              <a:t> </a:t>
+            </a:r>
+            <a:r>
+              <a:rPr lang="en-US" sz="2000" b="1" dirty="0" err="1" smtClean="0"/>
+              <a:t>não</a:t>
+            </a:r>
+            <a:r>
+              <a:rPr lang="en-US" sz="2000" b="1" dirty="0" smtClean="0"/>
+              <a:t> </a:t>
+            </a:r>
+            <a:r>
+              <a:rPr lang="en-US" sz="2000" b="1" dirty="0" err="1" smtClean="0"/>
+              <a:t>temos</a:t>
+            </a:r>
+            <a:r>
+              <a:rPr lang="en-US" sz="2000" b="1" dirty="0" smtClean="0"/>
+              <a:t> </a:t>
+            </a:r>
+            <a:r>
+              <a:rPr lang="en-US" sz="2000" b="1" dirty="0" err="1" smtClean="0"/>
+              <a:t>os</a:t>
+            </a:r>
+            <a:r>
+              <a:rPr lang="en-US" sz="2000" b="1" dirty="0" smtClean="0"/>
+              <a:t> </a:t>
+            </a:r>
+            <a:r>
+              <a:rPr lang="en-US" sz="2000" b="1" dirty="0" err="1" smtClean="0"/>
+              <a:t>métodos</a:t>
+            </a:r>
+            <a:r>
+              <a:rPr lang="en-US" sz="2000" b="1" dirty="0" smtClean="0"/>
+              <a:t> </a:t>
+            </a:r>
+            <a:r>
+              <a:rPr lang="en-US" sz="2000" b="1" dirty="0" err="1" smtClean="0"/>
+              <a:t>init</a:t>
+            </a:r>
+            <a:r>
+              <a:rPr lang="en-US" sz="2000" b="1" dirty="0" smtClean="0"/>
+              <a:t>() e destroy(). Para </a:t>
+            </a:r>
+            <a:r>
+              <a:rPr lang="en-US" sz="2000" b="1" dirty="0" err="1" smtClean="0"/>
+              <a:t>implementação</a:t>
+            </a:r>
+            <a:r>
+              <a:rPr lang="en-US" sz="2000" b="1" dirty="0" smtClean="0"/>
+              <a:t> do listeners </a:t>
+            </a:r>
+            <a:r>
+              <a:rPr lang="en-US" sz="2000" b="1" dirty="0" err="1" smtClean="0"/>
+              <a:t>devemos</a:t>
+            </a:r>
+            <a:r>
+              <a:rPr lang="en-US" sz="2000" b="1" dirty="0" smtClean="0"/>
+              <a:t> </a:t>
+            </a:r>
+            <a:r>
+              <a:rPr lang="en-US" sz="2000" b="1" dirty="0" err="1" smtClean="0"/>
+              <a:t>implementar</a:t>
+            </a:r>
+            <a:r>
+              <a:rPr lang="en-US" sz="2000" b="1" dirty="0" smtClean="0"/>
+              <a:t> a </a:t>
+            </a:r>
+            <a:r>
+              <a:rPr lang="en-US" sz="2000" b="1" dirty="0"/>
+              <a:t>interface </a:t>
+            </a:r>
+            <a:r>
+              <a:rPr lang="en-US" sz="2000" b="1" dirty="0" err="1" smtClean="0"/>
+              <a:t>ServletContextListener</a:t>
+            </a:r>
+            <a:r>
+              <a:rPr lang="en-US" sz="2000" b="1" dirty="0" smtClean="0"/>
+              <a:t>. </a:t>
+            </a:r>
+            <a:r>
+              <a:rPr lang="en-US" sz="2000" b="1" dirty="0" err="1" smtClean="0"/>
+              <a:t>Essa</a:t>
+            </a:r>
+            <a:r>
+              <a:rPr lang="en-US" sz="2000" b="1" dirty="0" smtClean="0"/>
+              <a:t> interface tem </a:t>
+            </a:r>
+            <a:r>
+              <a:rPr lang="en-US" sz="2000" b="1" dirty="0" err="1" smtClean="0"/>
+              <a:t>dois</a:t>
+            </a:r>
+            <a:r>
+              <a:rPr lang="en-US" sz="2000" b="1" dirty="0" smtClean="0"/>
+              <a:t> </a:t>
+            </a:r>
+            <a:r>
+              <a:rPr lang="en-US" sz="2000" b="1" dirty="0" err="1" smtClean="0"/>
+              <a:t>métodos</a:t>
+            </a:r>
+            <a:r>
+              <a:rPr lang="en-US" sz="2000" b="1" dirty="0" smtClean="0"/>
+              <a:t> </a:t>
+            </a:r>
+            <a:r>
+              <a:rPr lang="en-US" sz="2000" b="1" dirty="0" err="1" smtClean="0"/>
+              <a:t>que</a:t>
+            </a:r>
+            <a:r>
+              <a:rPr lang="en-US" sz="2000" b="1" dirty="0" smtClean="0"/>
+              <a:t> </a:t>
+            </a:r>
+            <a:r>
+              <a:rPr lang="en-US" sz="2000" b="1" dirty="0" err="1" smtClean="0"/>
+              <a:t>devemos</a:t>
+            </a:r>
+            <a:r>
+              <a:rPr lang="en-US" sz="2000" b="1" dirty="0"/>
+              <a:t> </a:t>
+            </a:r>
+            <a:r>
+              <a:rPr lang="en-US" sz="2000" b="1" dirty="0" err="1" smtClean="0"/>
+              <a:t>sobrescrever</a:t>
+            </a:r>
+            <a:r>
+              <a:rPr lang="en-US" sz="2000" b="1" dirty="0" smtClean="0"/>
+              <a:t>, </a:t>
+            </a:r>
+            <a:r>
+              <a:rPr lang="en-US" sz="2000" b="1" dirty="0" err="1" smtClean="0"/>
+              <a:t>são</a:t>
+            </a:r>
+            <a:r>
+              <a:rPr lang="en-US" sz="2000" b="1" dirty="0" smtClean="0"/>
+              <a:t> </a:t>
+            </a:r>
+            <a:r>
+              <a:rPr lang="en-US" sz="2000" b="1" dirty="0" err="1" smtClean="0"/>
+              <a:t>eles</a:t>
+            </a:r>
+            <a:r>
+              <a:rPr lang="en-US" sz="2000" b="1" dirty="0" smtClean="0"/>
+              <a:t>:</a:t>
+            </a:r>
+          </a:p>
+          <a:p>
+            <a:pPr marL="342900" indent="-342900">
+              <a:buFont typeface="Arial" panose="020B0604020202020204" pitchFamily="34" charset="0"/>
+              <a:buChar char="•"/>
+            </a:pPr>
+            <a:endParaRPr lang="en-US" sz="2000" b="1" dirty="0" smtClean="0"/>
+          </a:p>
+          <a:p>
+            <a:pPr marL="342900" indent="-342900">
+              <a:buFont typeface="Arial" panose="020B0604020202020204" pitchFamily="34" charset="0"/>
+              <a:buChar char="•"/>
+            </a:pPr>
+            <a:r>
+              <a:rPr lang="en-US" sz="2000" b="1" dirty="0" smtClean="0"/>
+              <a:t>public </a:t>
+            </a:r>
+            <a:r>
+              <a:rPr lang="en-US" sz="2000" b="1" dirty="0"/>
+              <a:t>void </a:t>
+            </a:r>
+            <a:r>
+              <a:rPr lang="en-US" sz="2000" b="1" dirty="0" err="1"/>
+              <a:t>contextInitialized</a:t>
+            </a:r>
+            <a:r>
+              <a:rPr lang="en-US" sz="2000" b="1" dirty="0"/>
+              <a:t>(</a:t>
+            </a:r>
+            <a:r>
+              <a:rPr lang="en-US" sz="2000" b="1" dirty="0" err="1"/>
+              <a:t>ServletContextEvent</a:t>
+            </a:r>
+            <a:r>
+              <a:rPr lang="en-US" sz="2000" b="1" dirty="0"/>
+              <a:t> e</a:t>
+            </a:r>
+            <a:r>
+              <a:rPr lang="en-US" sz="2000" b="1" dirty="0" smtClean="0"/>
+              <a:t>)</a:t>
+            </a:r>
+          </a:p>
+          <a:p>
+            <a:pPr marL="342900" indent="-342900">
+              <a:buFont typeface="Arial" panose="020B0604020202020204" pitchFamily="34" charset="0"/>
+              <a:buChar char="•"/>
+            </a:pPr>
+            <a:r>
+              <a:rPr lang="en-US" sz="2000" b="1" dirty="0" smtClean="0"/>
+              <a:t>public </a:t>
+            </a:r>
+            <a:r>
+              <a:rPr lang="en-US" sz="2000" b="1" dirty="0"/>
+              <a:t>void </a:t>
+            </a:r>
+            <a:r>
+              <a:rPr lang="en-US" sz="2000" b="1" dirty="0" err="1"/>
+              <a:t>contextDestroyed</a:t>
+            </a:r>
+            <a:r>
+              <a:rPr lang="en-US" sz="2000" b="1" dirty="0"/>
+              <a:t>(</a:t>
+            </a:r>
+            <a:r>
+              <a:rPr lang="en-US" sz="2000" b="1" dirty="0" err="1"/>
+              <a:t>ServletContextEvent</a:t>
+            </a:r>
+            <a:r>
+              <a:rPr lang="en-US" sz="2000" b="1" dirty="0"/>
+              <a:t> e</a:t>
+            </a:r>
+            <a:r>
+              <a:rPr lang="en-US" sz="2000" b="1" dirty="0" smtClean="0"/>
+              <a:t>)</a:t>
+            </a:r>
+          </a:p>
+          <a:p>
+            <a:pPr marL="342900" indent="-342900">
+              <a:buFont typeface="Arial" panose="020B0604020202020204" pitchFamily="34" charset="0"/>
+              <a:buChar char="•"/>
+            </a:pPr>
+            <a:endParaRPr lang="en-US" sz="2000" b="1" dirty="0"/>
+          </a:p>
+          <a:p>
+            <a:r>
+              <a:rPr lang="en-US" sz="2000" b="1" dirty="0" err="1" smtClean="0"/>
+              <a:t>Esses</a:t>
+            </a:r>
+            <a:r>
+              <a:rPr lang="en-US" sz="2000" b="1" dirty="0" smtClean="0"/>
+              <a:t> </a:t>
+            </a:r>
+            <a:r>
+              <a:rPr lang="en-US" sz="2000" b="1" dirty="0" err="1" smtClean="0"/>
+              <a:t>métodos</a:t>
+            </a:r>
+            <a:r>
+              <a:rPr lang="en-US" sz="2000" b="1" dirty="0" smtClean="0"/>
+              <a:t> </a:t>
+            </a:r>
+            <a:r>
+              <a:rPr lang="en-US" sz="2000" b="1" dirty="0" err="1" smtClean="0"/>
+              <a:t>são</a:t>
+            </a:r>
+            <a:r>
+              <a:rPr lang="en-US" sz="2000" b="1" dirty="0" smtClean="0"/>
+              <a:t> </a:t>
+            </a:r>
+            <a:r>
+              <a:rPr lang="en-US" sz="2000" b="1" dirty="0" err="1" smtClean="0"/>
+              <a:t>chamados</a:t>
+            </a:r>
+            <a:r>
+              <a:rPr lang="en-US" sz="2000" b="1" dirty="0" smtClean="0"/>
+              <a:t> </a:t>
+            </a:r>
+            <a:r>
+              <a:rPr lang="en-US" sz="2000" b="1" dirty="0" err="1" smtClean="0"/>
+              <a:t>depois</a:t>
+            </a:r>
+            <a:r>
+              <a:rPr lang="en-US" sz="2000" b="1" dirty="0" smtClean="0"/>
+              <a:t> </a:t>
+            </a:r>
+            <a:r>
+              <a:rPr lang="en-US" sz="2000" b="1" dirty="0" err="1" smtClean="0"/>
+              <a:t>que</a:t>
+            </a:r>
+            <a:r>
+              <a:rPr lang="en-US" sz="2000" b="1" dirty="0" smtClean="0"/>
+              <a:t> um </a:t>
+            </a:r>
+            <a:r>
+              <a:rPr lang="en-US" sz="2000" b="1" dirty="0" err="1" smtClean="0"/>
+              <a:t>contexto</a:t>
+            </a:r>
+            <a:r>
+              <a:rPr lang="en-US" sz="2000" b="1" dirty="0" smtClean="0"/>
+              <a:t> é </a:t>
+            </a:r>
+            <a:r>
+              <a:rPr lang="en-US" sz="2000" b="1" dirty="0" err="1" smtClean="0"/>
+              <a:t>criado</a:t>
+            </a:r>
+            <a:r>
+              <a:rPr lang="en-US" sz="2000" b="1" dirty="0" smtClean="0"/>
+              <a:t> e antes </a:t>
+            </a:r>
+            <a:r>
+              <a:rPr lang="en-US" sz="2000" b="1" dirty="0" err="1" smtClean="0"/>
+              <a:t>que</a:t>
+            </a:r>
+            <a:r>
+              <a:rPr lang="en-US" sz="2000" b="1" dirty="0" smtClean="0"/>
+              <a:t> </a:t>
+            </a:r>
+            <a:r>
+              <a:rPr lang="en-US" sz="2000" b="1" dirty="0" err="1" smtClean="0"/>
+              <a:t>ele</a:t>
+            </a:r>
+            <a:r>
+              <a:rPr lang="en-US" sz="2000" b="1" dirty="0" smtClean="0"/>
+              <a:t> </a:t>
+            </a:r>
+            <a:r>
+              <a:rPr lang="en-US" sz="2000" b="1" dirty="0" err="1" smtClean="0"/>
+              <a:t>seja</a:t>
+            </a:r>
+            <a:r>
+              <a:rPr lang="en-US" sz="2000" b="1" dirty="0" smtClean="0"/>
+              <a:t> </a:t>
+            </a:r>
+            <a:r>
+              <a:rPr lang="en-US" sz="2000" b="1" dirty="0" err="1" smtClean="0"/>
+              <a:t>destruído</a:t>
+            </a:r>
+            <a:r>
+              <a:rPr lang="en-US" sz="2000" b="1" dirty="0" smtClean="0"/>
+              <a:t>. A </a:t>
+            </a:r>
+            <a:r>
+              <a:rPr lang="en-US" sz="2000" b="1" dirty="0" err="1" smtClean="0"/>
+              <a:t>classe</a:t>
+            </a:r>
+            <a:r>
+              <a:rPr lang="en-US" sz="2000" b="1" dirty="0" smtClean="0"/>
+              <a:t> </a:t>
+            </a:r>
+            <a:r>
+              <a:rPr lang="en-US" sz="2000" b="1" dirty="0" err="1" smtClean="0"/>
+              <a:t>deve</a:t>
+            </a:r>
+            <a:r>
+              <a:rPr lang="en-US" sz="2000" b="1" dirty="0" smtClean="0"/>
+              <a:t> </a:t>
+            </a:r>
+            <a:r>
+              <a:rPr lang="en-US" sz="2000" b="1" dirty="0" err="1" smtClean="0"/>
+              <a:t>conter</a:t>
+            </a:r>
+            <a:r>
+              <a:rPr lang="en-US" sz="2000" b="1" dirty="0" smtClean="0"/>
+              <a:t> a </a:t>
+            </a:r>
+            <a:r>
+              <a:rPr lang="en-US" sz="2000" b="1" dirty="0" err="1" smtClean="0"/>
+              <a:t>anotação</a:t>
+            </a:r>
+            <a:r>
+              <a:rPr lang="en-US" sz="2000" b="1" dirty="0" smtClean="0"/>
+              <a:t> @</a:t>
+            </a:r>
+            <a:r>
+              <a:rPr lang="en-US" sz="2000" b="1" dirty="0" err="1" smtClean="0"/>
+              <a:t>WebListener</a:t>
+            </a:r>
+            <a:r>
+              <a:rPr lang="en-US" sz="2000" b="1" dirty="0" smtClean="0"/>
               <a:t>.</a:t>
             </a:r>
             <a:endParaRPr lang="en-US" sz="2000" b="1" dirty="0"/>
@@ -14708,7 +16360,7 @@
     </p:spTree>
     <p:extLst>
       <p:ext uri="{BB962C8B-B14F-4D97-AF65-F5344CB8AC3E}">
-        <p14:creationId xmlns:p14="http://schemas.microsoft.com/office/powerpoint/2010/main" val="435609940"/>
+        <p14:creationId xmlns:p14="http://schemas.microsoft.com/office/powerpoint/2010/main" val="949538902"/>
       </p:ext>
     </p:extLst>
   </p:cSld>
@@ -14761,8 +16413,8 @@
           <a:lstStyle/>
           <a:p>
             <a:r>
-              <a:rPr lang="pt-BR" sz="4000" dirty="0" err="1" smtClean="0"/>
-              <a:t>Listeners</a:t>
+              <a:rPr lang="pt-BR" sz="4000" dirty="0" smtClean="0"/>
+              <a:t>Sessões</a:t>
             </a:r>
             <a:endParaRPr lang="pt-BR" sz="4000" dirty="0"/>
           </a:p>
@@ -14783,7 +16435,7 @@
         <p:spPr>
           <a:xfrm>
             <a:off x="685800" y="2681625"/>
-            <a:ext cx="7772400" cy="3785652"/>
+            <a:ext cx="7772400" cy="1323439"/>
           </a:xfrm>
           <a:prstGeom prst="rect">
             <a:avLst/>
@@ -14796,441 +16448,71 @@
           <a:lstStyle/>
           <a:p>
             <a:r>
-              <a:rPr lang="en-US" sz="2000" b="1" dirty="0" smtClean="0"/>
-              <a:t>Listeners é </a:t>
-            </a:r>
-            <a:r>
-              <a:rPr lang="en-US" sz="2000" b="1" dirty="0" err="1" smtClean="0"/>
-              <a:t>uma</a:t>
-            </a:r>
-            <a:r>
-              <a:rPr lang="en-US" sz="2000" b="1" dirty="0" smtClean="0"/>
-              <a:t> forma de </a:t>
-            </a:r>
-            <a:r>
-              <a:rPr lang="en-US" sz="2000" b="1" dirty="0" err="1" smtClean="0"/>
-              <a:t>controlar</a:t>
-            </a:r>
-            <a:r>
-              <a:rPr lang="en-US" sz="2000" b="1" dirty="0" smtClean="0"/>
-              <a:t> o </a:t>
-            </a:r>
-            <a:r>
-              <a:rPr lang="en-US" sz="2000" b="1" dirty="0" err="1" smtClean="0"/>
-              <a:t>ciclo</a:t>
-            </a:r>
-            <a:r>
-              <a:rPr lang="en-US" sz="2000" b="1" dirty="0" smtClean="0"/>
-              <a:t> de </a:t>
-            </a:r>
-            <a:r>
-              <a:rPr lang="en-US" sz="2000" b="1" dirty="0" err="1" smtClean="0"/>
-              <a:t>vida</a:t>
-            </a:r>
-            <a:r>
-              <a:rPr lang="en-US" sz="2000" b="1" dirty="0" smtClean="0"/>
-              <a:t> do </a:t>
-            </a:r>
-            <a:r>
-              <a:rPr lang="en-US" sz="2000" b="1" dirty="0" err="1" smtClean="0"/>
-              <a:t>contexto</a:t>
-            </a:r>
-            <a:r>
-              <a:rPr lang="en-US" sz="2000" b="1" dirty="0" smtClean="0"/>
-              <a:t> da </a:t>
-            </a:r>
-            <a:r>
-              <a:rPr lang="en-US" sz="2000" b="1" dirty="0" err="1" smtClean="0"/>
-              <a:t>aplicação</a:t>
-            </a:r>
-            <a:r>
-              <a:rPr lang="en-US" sz="2000" b="1" dirty="0" smtClean="0"/>
-              <a:t>. Mas </a:t>
-            </a:r>
-            <a:r>
-              <a:rPr lang="en-US" sz="2000" b="1" dirty="0" err="1" smtClean="0"/>
-              <a:t>nesse</a:t>
-            </a:r>
-            <a:r>
-              <a:rPr lang="en-US" sz="2000" b="1" dirty="0" smtClean="0"/>
-              <a:t> </a:t>
-            </a:r>
-            <a:r>
-              <a:rPr lang="en-US" sz="2000" b="1" dirty="0" err="1" smtClean="0"/>
-              <a:t>momento</a:t>
-            </a:r>
-            <a:r>
-              <a:rPr lang="en-US" sz="2000" b="1" dirty="0" smtClean="0"/>
-              <a:t> </a:t>
-            </a:r>
-            <a:r>
-              <a:rPr lang="en-US" sz="2000" b="1" dirty="0" err="1" smtClean="0"/>
-              <a:t>não</a:t>
-            </a:r>
-            <a:r>
-              <a:rPr lang="en-US" sz="2000" b="1" dirty="0" smtClean="0"/>
-              <a:t> </a:t>
-            </a:r>
-            <a:r>
-              <a:rPr lang="en-US" sz="2000" b="1" dirty="0" err="1" smtClean="0"/>
-              <a:t>temos</a:t>
-            </a:r>
-            <a:r>
-              <a:rPr lang="en-US" sz="2000" b="1" dirty="0" smtClean="0"/>
-              <a:t> </a:t>
-            </a:r>
-            <a:r>
-              <a:rPr lang="en-US" sz="2000" b="1" dirty="0" err="1" smtClean="0"/>
-              <a:t>os</a:t>
-            </a:r>
-            <a:r>
-              <a:rPr lang="en-US" sz="2000" b="1" dirty="0" smtClean="0"/>
-              <a:t> </a:t>
-            </a:r>
-            <a:r>
-              <a:rPr lang="en-US" sz="2000" b="1" dirty="0" err="1" smtClean="0"/>
-              <a:t>métodos</a:t>
-            </a:r>
-            <a:r>
-              <a:rPr lang="en-US" sz="2000" b="1" dirty="0" smtClean="0"/>
-              <a:t> </a:t>
-            </a:r>
-            <a:r>
-              <a:rPr lang="en-US" sz="2000" b="1" dirty="0" err="1" smtClean="0"/>
-              <a:t>init</a:t>
-            </a:r>
-            <a:r>
-              <a:rPr lang="en-US" sz="2000" b="1" dirty="0" smtClean="0"/>
-              <a:t>() e destroy(). Para </a:t>
-            </a:r>
-            <a:r>
-              <a:rPr lang="en-US" sz="2000" b="1" dirty="0" err="1" smtClean="0"/>
-              <a:t>implementação</a:t>
-            </a:r>
-            <a:r>
-              <a:rPr lang="en-US" sz="2000" b="1" dirty="0" smtClean="0"/>
-              <a:t> do listeners </a:t>
-            </a:r>
-            <a:r>
-              <a:rPr lang="en-US" sz="2000" b="1" dirty="0" err="1" smtClean="0"/>
-              <a:t>devemos</a:t>
-            </a:r>
-            <a:r>
-              <a:rPr lang="en-US" sz="2000" b="1" dirty="0" smtClean="0"/>
-              <a:t> </a:t>
-            </a:r>
-            <a:r>
-              <a:rPr lang="en-US" sz="2000" b="1" dirty="0" err="1" smtClean="0"/>
-              <a:t>implementar</a:t>
-            </a:r>
-            <a:r>
-              <a:rPr lang="en-US" sz="2000" b="1" dirty="0" smtClean="0"/>
-              <a:t> a </a:t>
-            </a:r>
-            <a:r>
-              <a:rPr lang="en-US" sz="2000" b="1" dirty="0"/>
-              <a:t>interface </a:t>
-            </a:r>
-            <a:r>
-              <a:rPr lang="en-US" sz="2000" b="1" dirty="0" err="1" smtClean="0"/>
-              <a:t>ServletContextListener</a:t>
-            </a:r>
-            <a:r>
-              <a:rPr lang="en-US" sz="2000" b="1" dirty="0" smtClean="0"/>
-              <a:t>. </a:t>
-            </a:r>
-            <a:r>
-              <a:rPr lang="en-US" sz="2000" b="1" dirty="0" err="1" smtClean="0"/>
-              <a:t>Essa</a:t>
-            </a:r>
-            <a:r>
-              <a:rPr lang="en-US" sz="2000" b="1" dirty="0" smtClean="0"/>
-              <a:t> interface tem </a:t>
-            </a:r>
-            <a:r>
-              <a:rPr lang="en-US" sz="2000" b="1" dirty="0" err="1" smtClean="0"/>
-              <a:t>dois</a:t>
-            </a:r>
-            <a:r>
-              <a:rPr lang="en-US" sz="2000" b="1" dirty="0" smtClean="0"/>
-              <a:t> </a:t>
-            </a:r>
-            <a:r>
-              <a:rPr lang="en-US" sz="2000" b="1" dirty="0" err="1" smtClean="0"/>
-              <a:t>métodos</a:t>
-            </a:r>
-            <a:r>
-              <a:rPr lang="en-US" sz="2000" b="1" dirty="0" smtClean="0"/>
-              <a:t> </a:t>
-            </a:r>
-            <a:r>
-              <a:rPr lang="en-US" sz="2000" b="1" dirty="0" err="1" smtClean="0"/>
-              <a:t>que</a:t>
-            </a:r>
-            <a:r>
-              <a:rPr lang="en-US" sz="2000" b="1" dirty="0" smtClean="0"/>
-              <a:t> </a:t>
-            </a:r>
-            <a:r>
-              <a:rPr lang="en-US" sz="2000" b="1" dirty="0" err="1" smtClean="0"/>
-              <a:t>devemos</a:t>
-            </a:r>
-            <a:r>
-              <a:rPr lang="en-US" sz="2000" b="1" dirty="0"/>
-              <a:t> </a:t>
-            </a:r>
-            <a:r>
-              <a:rPr lang="en-US" sz="2000" b="1" dirty="0" err="1" smtClean="0"/>
-              <a:t>sobrescrever</a:t>
-            </a:r>
-            <a:r>
-              <a:rPr lang="en-US" sz="2000" b="1" dirty="0" smtClean="0"/>
-              <a:t>, </a:t>
-            </a:r>
-            <a:r>
-              <a:rPr lang="en-US" sz="2000" b="1" dirty="0" err="1" smtClean="0"/>
-              <a:t>são</a:t>
-            </a:r>
-            <a:r>
-              <a:rPr lang="en-US" sz="2000" b="1" dirty="0" smtClean="0"/>
-              <a:t> </a:t>
-            </a:r>
-            <a:r>
-              <a:rPr lang="en-US" sz="2000" b="1" dirty="0" err="1" smtClean="0"/>
-              <a:t>eles</a:t>
-            </a:r>
-            <a:r>
-              <a:rPr lang="en-US" sz="2000" b="1" dirty="0" smtClean="0"/>
-              <a:t>:</a:t>
-            </a:r>
-          </a:p>
-          <a:p>
-            <a:pPr marL="342900" indent="-342900">
-              <a:buFont typeface="Arial" panose="020B0604020202020204" pitchFamily="34" charset="0"/>
-              <a:buChar char="•"/>
-            </a:pPr>
-            <a:endParaRPr lang="en-US" sz="2000" b="1" dirty="0" smtClean="0"/>
-          </a:p>
-          <a:p>
-            <a:pPr marL="342900" indent="-342900">
-              <a:buFont typeface="Arial" panose="020B0604020202020204" pitchFamily="34" charset="0"/>
-              <a:buChar char="•"/>
-            </a:pPr>
-            <a:r>
-              <a:rPr lang="en-US" sz="2000" b="1" dirty="0" smtClean="0"/>
-              <a:t>public </a:t>
-            </a:r>
-            <a:r>
-              <a:rPr lang="en-US" sz="2000" b="1" dirty="0"/>
-              <a:t>void </a:t>
-            </a:r>
-            <a:r>
-              <a:rPr lang="en-US" sz="2000" b="1" dirty="0" err="1"/>
-              <a:t>contextInitialized</a:t>
-            </a:r>
-            <a:r>
-              <a:rPr lang="en-US" sz="2000" b="1" dirty="0"/>
-              <a:t>(</a:t>
-            </a:r>
-            <a:r>
-              <a:rPr lang="en-US" sz="2000" b="1" dirty="0" err="1"/>
-              <a:t>ServletContextEvent</a:t>
-            </a:r>
-            <a:r>
-              <a:rPr lang="en-US" sz="2000" b="1" dirty="0"/>
-              <a:t> e</a:t>
-            </a:r>
-            <a:r>
-              <a:rPr lang="en-US" sz="2000" b="1" dirty="0" smtClean="0"/>
-              <a:t>)</a:t>
-            </a:r>
-          </a:p>
-          <a:p>
-            <a:pPr marL="342900" indent="-342900">
-              <a:buFont typeface="Arial" panose="020B0604020202020204" pitchFamily="34" charset="0"/>
-              <a:buChar char="•"/>
-            </a:pPr>
-            <a:r>
-              <a:rPr lang="en-US" sz="2000" b="1" dirty="0" smtClean="0"/>
-              <a:t>public </a:t>
-            </a:r>
-            <a:r>
-              <a:rPr lang="en-US" sz="2000" b="1" dirty="0"/>
-              <a:t>void </a:t>
-            </a:r>
-            <a:r>
-              <a:rPr lang="en-US" sz="2000" b="1" dirty="0" err="1"/>
-              <a:t>contextDestroyed</a:t>
-            </a:r>
-            <a:r>
-              <a:rPr lang="en-US" sz="2000" b="1" dirty="0"/>
-              <a:t>(</a:t>
-            </a:r>
-            <a:r>
-              <a:rPr lang="en-US" sz="2000" b="1" dirty="0" err="1"/>
-              <a:t>ServletContextEvent</a:t>
-            </a:r>
-            <a:r>
-              <a:rPr lang="en-US" sz="2000" b="1" dirty="0"/>
-              <a:t> e</a:t>
-            </a:r>
-            <a:r>
-              <a:rPr lang="en-US" sz="2000" b="1" dirty="0" smtClean="0"/>
-              <a:t>)</a:t>
-            </a:r>
-          </a:p>
-          <a:p>
-            <a:pPr marL="342900" indent="-342900">
-              <a:buFont typeface="Arial" panose="020B0604020202020204" pitchFamily="34" charset="0"/>
-              <a:buChar char="•"/>
-            </a:pPr>
-            <a:endParaRPr lang="en-US" sz="2000" b="1" dirty="0"/>
-          </a:p>
-          <a:p>
-            <a:r>
-              <a:rPr lang="en-US" sz="2000" b="1" dirty="0" err="1" smtClean="0"/>
-              <a:t>Esses</a:t>
-            </a:r>
-            <a:r>
-              <a:rPr lang="en-US" sz="2000" b="1" dirty="0" smtClean="0"/>
-              <a:t> </a:t>
-            </a:r>
-            <a:r>
-              <a:rPr lang="en-US" sz="2000" b="1" dirty="0" err="1" smtClean="0"/>
-              <a:t>métodos</a:t>
-            </a:r>
-            <a:r>
-              <a:rPr lang="en-US" sz="2000" b="1" dirty="0" smtClean="0"/>
-              <a:t> </a:t>
-            </a:r>
-            <a:r>
-              <a:rPr lang="en-US" sz="2000" b="1" dirty="0" err="1" smtClean="0"/>
-              <a:t>são</a:t>
-            </a:r>
-            <a:r>
-              <a:rPr lang="en-US" sz="2000" b="1" dirty="0" smtClean="0"/>
-              <a:t> </a:t>
-            </a:r>
-            <a:r>
-              <a:rPr lang="en-US" sz="2000" b="1" dirty="0" err="1" smtClean="0"/>
-              <a:t>chamados</a:t>
-            </a:r>
-            <a:r>
-              <a:rPr lang="en-US" sz="2000" b="1" dirty="0" smtClean="0"/>
-              <a:t> </a:t>
-            </a:r>
-            <a:r>
-              <a:rPr lang="en-US" sz="2000" b="1" dirty="0" err="1" smtClean="0"/>
-              <a:t>depois</a:t>
-            </a:r>
-            <a:r>
-              <a:rPr lang="en-US" sz="2000" b="1" dirty="0" smtClean="0"/>
-              <a:t> </a:t>
-            </a:r>
-            <a:r>
-              <a:rPr lang="en-US" sz="2000" b="1" dirty="0" err="1" smtClean="0"/>
-              <a:t>que</a:t>
-            </a:r>
-            <a:r>
-              <a:rPr lang="en-US" sz="2000" b="1" dirty="0" smtClean="0"/>
-              <a:t> um </a:t>
-            </a:r>
-            <a:r>
-              <a:rPr lang="en-US" sz="2000" b="1" dirty="0" err="1" smtClean="0"/>
-              <a:t>contexto</a:t>
-            </a:r>
-            <a:r>
-              <a:rPr lang="en-US" sz="2000" b="1" dirty="0" smtClean="0"/>
-              <a:t> é </a:t>
-            </a:r>
-            <a:r>
-              <a:rPr lang="en-US" sz="2000" b="1" dirty="0" err="1" smtClean="0"/>
-              <a:t>criado</a:t>
-            </a:r>
-            <a:r>
-              <a:rPr lang="en-US" sz="2000" b="1" dirty="0" smtClean="0"/>
-              <a:t> e antes </a:t>
-            </a:r>
-            <a:r>
-              <a:rPr lang="en-US" sz="2000" b="1" dirty="0" err="1" smtClean="0"/>
-              <a:t>que</a:t>
-            </a:r>
-            <a:r>
-              <a:rPr lang="en-US" sz="2000" b="1" dirty="0" smtClean="0"/>
-              <a:t> </a:t>
-            </a:r>
-            <a:r>
-              <a:rPr lang="en-US" sz="2000" b="1" dirty="0" err="1" smtClean="0"/>
-              <a:t>ele</a:t>
-            </a:r>
-            <a:r>
-              <a:rPr lang="en-US" sz="2000" b="1" dirty="0" smtClean="0"/>
-              <a:t> </a:t>
-            </a:r>
-            <a:r>
-              <a:rPr lang="en-US" sz="2000" b="1" dirty="0" err="1" smtClean="0"/>
-              <a:t>seja</a:t>
-            </a:r>
-            <a:r>
-              <a:rPr lang="en-US" sz="2000" b="1" dirty="0" smtClean="0"/>
-              <a:t> </a:t>
-            </a:r>
-            <a:r>
-              <a:rPr lang="en-US" sz="2000" b="1" dirty="0" err="1" smtClean="0"/>
-              <a:t>destruído</a:t>
-            </a:r>
-            <a:r>
-              <a:rPr lang="en-US" sz="2000" b="1" dirty="0" smtClean="0"/>
-              <a:t>. A </a:t>
-            </a:r>
-            <a:r>
-              <a:rPr lang="en-US" sz="2000" b="1" dirty="0" err="1" smtClean="0"/>
-              <a:t>classe</a:t>
-            </a:r>
-            <a:r>
-              <a:rPr lang="en-US" sz="2000" b="1" dirty="0" smtClean="0"/>
-              <a:t> </a:t>
-            </a:r>
-            <a:r>
-              <a:rPr lang="en-US" sz="2000" b="1" dirty="0" err="1" smtClean="0"/>
-              <a:t>deve</a:t>
-            </a:r>
-            <a:r>
-              <a:rPr lang="en-US" sz="2000" b="1" dirty="0" smtClean="0"/>
-              <a:t> </a:t>
-            </a:r>
-            <a:r>
-              <a:rPr lang="en-US" sz="2000" b="1" dirty="0" err="1" smtClean="0"/>
-              <a:t>conter</a:t>
-            </a:r>
-            <a:r>
-              <a:rPr lang="en-US" sz="2000" b="1" dirty="0" smtClean="0"/>
-              <a:t> a </a:t>
-            </a:r>
-            <a:r>
-              <a:rPr lang="en-US" sz="2000" b="1" dirty="0" err="1" smtClean="0"/>
-              <a:t>anotação</a:t>
-            </a:r>
-            <a:r>
-              <a:rPr lang="en-US" sz="2000" b="1" dirty="0" smtClean="0"/>
-              <a:t> @</a:t>
-            </a:r>
-            <a:r>
-              <a:rPr lang="en-US" sz="2000" b="1" dirty="0" err="1" smtClean="0"/>
-              <a:t>WebListener</a:t>
-            </a:r>
-            <a:r>
-              <a:rPr lang="en-US" sz="2000" b="1" dirty="0" smtClean="0"/>
-              <a:t>.</a:t>
+              <a:rPr lang="pt-BR" sz="2000" b="1" dirty="0" smtClean="0"/>
+              <a:t>Tendo como base que os sistemas são desenvolvidos com base no protocolo HTTP, que não mantém estado, é necessário utilizar do recurso de sessões para guardar estados de objetos entre navegações de páginas.</a:t>
             </a:r>
             <a:endParaRPr lang="en-US" sz="2000" b="1" dirty="0"/>
           </a:p>
         </p:txBody>
       </p:sp>
+      <p:pic>
+        <p:nvPicPr>
+          <p:cNvPr id="1026" name="Picture 2"/>
+          <p:cNvPicPr>
+            <a:picLocks noChangeAspect="1" noChangeArrowheads="1"/>
+          </p:cNvPicPr>
+          <p:nvPr/>
+        </p:nvPicPr>
+        <p:blipFill>
+          <a:blip r:embed="rId3">
+            <a:extLst>
+              <a:ext uri="{28A0092B-C50C-407E-A947-70E740481C1C}">
+                <a14:useLocalDpi xmlns:a14="http://schemas.microsoft.com/office/drawing/2010/main" val="0"/>
+              </a:ext>
+            </a:extLst>
+          </a:blip>
+          <a:srcRect/>
+          <a:stretch>
+            <a:fillRect/>
+          </a:stretch>
+        </p:blipFill>
+        <p:spPr bwMode="auto">
+          <a:xfrm>
+            <a:off x="685800" y="4097254"/>
+            <a:ext cx="7772400" cy="2500098"/>
+          </a:xfrm>
+          <a:prstGeom prst="rect">
+            <a:avLst/>
+          </a:prstGeom>
+          <a:noFill/>
+          <a:ln>
+            <a:noFill/>
+          </a:ln>
+          <a:extLst>
+            <a:ext uri="{909E8E84-426E-40DD-AFC4-6F175D3DCCD1}">
+              <a14:hiddenFill xmlns:a14="http://schemas.microsoft.com/office/drawing/2010/main">
+                <a:solidFill>
+                  <a:schemeClr val="accent1"/>
+                </a:solidFill>
+              </a14:hiddenFill>
+            </a:ext>
+            <a:ext uri="{91240B29-F687-4F45-9708-019B960494DF}">
+              <a14:hiddenLine xmlns:a14="http://schemas.microsoft.com/office/drawing/2010/main" w="9525">
+                <a:solidFill>
+                  <a:schemeClr val="tx1"/>
+                </a:solidFill>
+                <a:miter lim="800000"/>
+                <a:headEnd/>
+                <a:tailEnd/>
+              </a14:hiddenLine>
+            </a:ext>
+          </a:extLst>
+        </p:spPr>
+      </p:pic>
     </p:spTree>
     <p:extLst>
       <p:ext uri="{BB962C8B-B14F-4D97-AF65-F5344CB8AC3E}">
-        <p14:creationId xmlns:p14="http://schemas.microsoft.com/office/powerpoint/2010/main" val="949538902"/>
+        <p14:creationId xmlns:p14="http://schemas.microsoft.com/office/powerpoint/2010/main" val="1068927343"/>
       </p:ext>
     </p:extLst>
   </p:cSld>
@@ -15284,11 +16566,7 @@
           <a:p>
             <a:r>
               <a:rPr lang="pt-BR" sz="4000" dirty="0" smtClean="0"/>
-              <a:t>Sess</a:t>
-            </a:r>
-            <a:r>
-              <a:rPr lang="pt-BR" sz="4000" dirty="0" smtClean="0"/>
-              <a:t>ões</a:t>
+              <a:t>Sessões</a:t>
             </a:r>
             <a:endParaRPr lang="pt-BR" sz="4000" dirty="0"/>
           </a:p>
@@ -15321,96 +16599,438 @@
           </a:bodyPr>
           <a:lstStyle/>
           <a:p>
-            <a:r>
-              <a:rPr lang="pt-BR" sz="2000" b="1" dirty="0"/>
-              <a:t>Uma sessão HTTP representa o tempo que um cliente acessa uma pagina ou domínio. </a:t>
-            </a:r>
+            <a:pPr marL="342900" indent="-342900">
+              <a:buFont typeface="Arial" panose="020B0604020202020204" pitchFamily="34" charset="0"/>
+              <a:buChar char="•"/>
+            </a:pPr>
             <a:r>
               <a:rPr lang="pt-BR" sz="2000" b="1" dirty="0" smtClean="0"/>
-              <a:t>Uma sessão </a:t>
-            </a:r>
-            <a:r>
-              <a:rPr lang="pt-BR" sz="2000" b="1" dirty="0"/>
-              <a:t>é iniciada com uma requisição, é única para cada </a:t>
-            </a:r>
+              <a:t>Cookies</a:t>
+            </a:r>
+          </a:p>
+          <a:p>
+            <a:pPr marL="342900" indent="-342900">
+              <a:buFont typeface="Arial" panose="020B0604020202020204" pitchFamily="34" charset="0"/>
+              <a:buChar char="•"/>
+            </a:pPr>
             <a:r>
               <a:rPr lang="pt-BR" sz="2000" b="1" dirty="0" smtClean="0"/>
-              <a:t>cliente(browser) </a:t>
-            </a:r>
-            <a:r>
-              <a:rPr lang="pt-BR" sz="2000" b="1" dirty="0"/>
-              <a:t>e persiste através de </a:t>
-            </a:r>
+              <a:t>Atributos de sessão</a:t>
+            </a:r>
+          </a:p>
+          <a:p>
+            <a:pPr marL="342900" indent="-342900">
+              <a:buFont typeface="Arial" panose="020B0604020202020204" pitchFamily="34" charset="0"/>
+              <a:buChar char="•"/>
+            </a:pPr>
             <a:r>
               <a:rPr lang="pt-BR" sz="2000" b="1" dirty="0" smtClean="0"/>
-              <a:t>várias requisições</a:t>
-            </a:r>
-            <a:r>
-              <a:rPr lang="pt-BR" sz="2000" b="1" dirty="0"/>
-              <a:t>.</a:t>
-            </a:r>
-            <a:endParaRPr lang="en-US" sz="2000" b="1" dirty="0"/>
+              <a:t>Validade de uma </a:t>
+            </a:r>
+            <a:r>
+              <a:rPr lang="pt-BR" sz="2000" b="1" dirty="0" smtClean="0"/>
+              <a:t>sessão</a:t>
+            </a:r>
+          </a:p>
+          <a:p>
+            <a:endParaRPr lang="pt-BR" sz="2000" b="1" dirty="0" smtClean="0"/>
           </a:p>
         </p:txBody>
       </p:sp>
-      <p:pic>
-        <p:nvPicPr>
-          <p:cNvPr id="1026" name="Picture 2"/>
-          <p:cNvPicPr>
-            <a:picLocks noChangeAspect="1" noChangeArrowheads="1"/>
-          </p:cNvPicPr>
-          <p:nvPr/>
-        </p:nvPicPr>
-        <p:blipFill>
-          <a:blip r:embed="rId3">
+    </p:spTree>
+    <p:extLst>
+      <p:ext uri="{BB962C8B-B14F-4D97-AF65-F5344CB8AC3E}">
+        <p14:creationId xmlns:p14="http://schemas.microsoft.com/office/powerpoint/2010/main" val="1456758856"/>
+      </p:ext>
+    </p:extLst>
+  </p:cSld>
+  <p:clrMapOvr>
+    <a:masterClrMapping/>
+  </p:clrMapOvr>
+  <p:transition>
+    <p:fade/>
+  </p:transition>
+</p:sld>
+</file>
+
+<file path=ppt/slides/slide17.xml><?xml version="1.0" encoding="utf-8"?>
+<p:sld xmlns:a="http://schemas.openxmlformats.org/drawingml/2006/main" xmlns:r="http://schemas.openxmlformats.org/officeDocument/2006/relationships" xmlns:p="http://schemas.openxmlformats.org/presentationml/2006/main">
+  <p:cSld>
+    <p:spTree>
+      <p:nvGrpSpPr>
+        <p:cNvPr id="1" name=""/>
+        <p:cNvGrpSpPr/>
+        <p:nvPr/>
+      </p:nvGrpSpPr>
+      <p:grpSpPr>
+        <a:xfrm>
+          <a:off x="0" y="0"/>
+          <a:ext cx="0" cy="0"/>
+          <a:chOff x="0" y="0"/>
+          <a:chExt cx="0" cy="0"/>
+        </a:xfrm>
+      </p:grpSpPr>
+      <p:sp>
+        <p:nvSpPr>
+          <p:cNvPr id="3" name="Rectangle 8"/>
+          <p:cNvSpPr>
+            <a:spLocks noGrp="1"/>
+          </p:cNvSpPr>
+          <p:nvPr>
+            <p:ph type="title"/>
+          </p:nvPr>
+        </p:nvSpPr>
+        <p:spPr>
+          <a:xfrm>
+            <a:off x="228600" y="1676400"/>
+            <a:ext cx="8229600" cy="1143000"/>
+          </a:xfrm>
+        </p:spPr>
+        <p:txBody>
+          <a:bodyPr>
+            <a:noAutofit/>
+          </a:bodyPr>
+          <a:lstStyle/>
+          <a:p>
+            <a:r>
+              <a:rPr lang="pt-BR" sz="4000" dirty="0" smtClean="0"/>
+              <a:t>Escopos</a:t>
+            </a:r>
+            <a:endParaRPr lang="pt-BR" sz="4000" dirty="0"/>
+          </a:p>
+        </p:txBody>
+      </p:sp>
+      <p:sp>
+        <p:nvSpPr>
+          <p:cNvPr id="7" name="Retângulo 6">
             <a:extLst>
-              <a:ext uri="{28A0092B-C50C-407E-A947-70E740481C1C}">
-                <a14:useLocalDpi xmlns:a14="http://schemas.microsoft.com/office/drawing/2010/main" val="0"/>
+              <a:ext uri="{FF2B5EF4-FFF2-40B4-BE49-F238E27FC236}">
+                <a16:creationId xmlns:a16="http://schemas.microsoft.com/office/drawing/2014/main" xmlns="" id="{DE871D51-6822-455D-8B97-7F37D0BA5BB9}"/>
               </a:ext>
             </a:extLst>
-          </a:blip>
-          <a:srcRect/>
-          <a:stretch>
-            <a:fillRect/>
-          </a:stretch>
-        </p:blipFill>
-        <p:spPr bwMode="auto">
+          </p:cNvPr>
+          <p:cNvSpPr/>
+          <p:nvPr/>
+        </p:nvSpPr>
+        <p:spPr>
           <a:xfrm>
-            <a:off x="685800" y="4097254"/>
-            <a:ext cx="7772400" cy="2500098"/>
+            <a:off x="685800" y="2681625"/>
+            <a:ext cx="7772400" cy="1938992"/>
           </a:xfrm>
           <a:prstGeom prst="rect">
             <a:avLst/>
           </a:prstGeom>
-          <a:noFill/>
-          <a:ln>
-            <a:noFill/>
-          </a:ln>
-          <a:extLst>
-            <a:ext uri="{909E8E84-426E-40DD-AFC4-6F175D3DCCD1}">
-              <a14:hiddenFill xmlns:a14="http://schemas.microsoft.com/office/drawing/2010/main">
-                <a:solidFill>
-                  <a:schemeClr val="accent1"/>
-                </a:solidFill>
-              </a14:hiddenFill>
-            </a:ext>
-            <a:ext uri="{91240B29-F687-4F45-9708-019B960494DF}">
-              <a14:hiddenLine xmlns:a14="http://schemas.microsoft.com/office/drawing/2010/main" w="9525">
-                <a:solidFill>
-                  <a:schemeClr val="tx1"/>
-                </a:solidFill>
-                <a:miter lim="800000"/>
-                <a:headEnd/>
-                <a:tailEnd/>
-              </a14:hiddenLine>
-            </a:ext>
-          </a:extLst>
         </p:spPr>
-      </p:pic>
+        <p:txBody>
+          <a:bodyPr wrap="square">
+            <a:spAutoFit/>
+          </a:bodyPr>
+          <a:lstStyle/>
+          <a:p>
+            <a:r>
+              <a:rPr lang="pt-BR" sz="2000" b="1" dirty="0" err="1" smtClean="0"/>
+              <a:t>Servlets</a:t>
+            </a:r>
+            <a:r>
+              <a:rPr lang="pt-BR" sz="2000" b="1" dirty="0"/>
+              <a:t> </a:t>
+            </a:r>
+            <a:r>
+              <a:rPr lang="pt-BR" sz="2000" b="1" dirty="0" smtClean="0"/>
+              <a:t>compartilham informações de diversas maneiras, iremos abordar 2 formas:</a:t>
+            </a:r>
+          </a:p>
+          <a:p>
+            <a:pPr marL="342900" indent="-342900">
+              <a:buFont typeface="Arial" panose="020B0604020202020204" pitchFamily="34" charset="0"/>
+              <a:buChar char="•"/>
+            </a:pPr>
+            <a:endParaRPr lang="pt-BR" sz="2000" b="1" dirty="0" smtClean="0"/>
+          </a:p>
+          <a:p>
+            <a:pPr marL="342900" indent="-342900">
+              <a:buFont typeface="Arial" panose="020B0604020202020204" pitchFamily="34" charset="0"/>
+              <a:buChar char="•"/>
+            </a:pPr>
+            <a:r>
+              <a:rPr lang="pt-BR" sz="2000" b="1" dirty="0" smtClean="0"/>
+              <a:t>Meios persistentes </a:t>
+            </a:r>
+            <a:r>
+              <a:rPr lang="pt-BR" sz="2000" b="1" dirty="0" smtClean="0"/>
+              <a:t>(Banco de dados, arquivos e </a:t>
+            </a:r>
+            <a:r>
+              <a:rPr lang="pt-BR" sz="2000" b="1" dirty="0" err="1" smtClean="0"/>
+              <a:t>etc</a:t>
+            </a:r>
+            <a:r>
+              <a:rPr lang="pt-BR" sz="2000" b="1" dirty="0" smtClean="0"/>
+              <a:t>).</a:t>
+            </a:r>
+          </a:p>
+          <a:p>
+            <a:pPr marL="342900" indent="-342900">
+              <a:buFont typeface="Arial" panose="020B0604020202020204" pitchFamily="34" charset="0"/>
+              <a:buChar char="•"/>
+            </a:pPr>
+            <a:r>
+              <a:rPr lang="pt-BR" sz="2000" b="1" dirty="0" smtClean="0"/>
+              <a:t>Objetos na memória por meio de escopo (Requisição, sessão, contexto).</a:t>
+            </a:r>
+            <a:endParaRPr lang="pt-BR" sz="2000" b="1" dirty="0" smtClean="0"/>
+          </a:p>
+        </p:txBody>
+      </p:sp>
     </p:spTree>
     <p:extLst>
       <p:ext uri="{BB962C8B-B14F-4D97-AF65-F5344CB8AC3E}">
-        <p14:creationId xmlns:p14="http://schemas.microsoft.com/office/powerpoint/2010/main" val="1068927343"/>
+        <p14:creationId xmlns:p14="http://schemas.microsoft.com/office/powerpoint/2010/main" val="2174356159"/>
+      </p:ext>
+    </p:extLst>
+  </p:cSld>
+  <p:clrMapOvr>
+    <a:masterClrMapping/>
+  </p:clrMapOvr>
+  <p:transition>
+    <p:fade/>
+  </p:transition>
+</p:sld>
+</file>
+
+<file path=ppt/slides/slide18.xml><?xml version="1.0" encoding="utf-8"?>
+<p:sld xmlns:a="http://schemas.openxmlformats.org/drawingml/2006/main" xmlns:r="http://schemas.openxmlformats.org/officeDocument/2006/relationships" xmlns:p="http://schemas.openxmlformats.org/presentationml/2006/main">
+  <p:cSld>
+    <p:spTree>
+      <p:nvGrpSpPr>
+        <p:cNvPr id="1" name=""/>
+        <p:cNvGrpSpPr/>
+        <p:nvPr/>
+      </p:nvGrpSpPr>
+      <p:grpSpPr>
+        <a:xfrm>
+          <a:off x="0" y="0"/>
+          <a:ext cx="0" cy="0"/>
+          <a:chOff x="0" y="0"/>
+          <a:chExt cx="0" cy="0"/>
+        </a:xfrm>
+      </p:grpSpPr>
+      <p:sp>
+        <p:nvSpPr>
+          <p:cNvPr id="3" name="Rectangle 8"/>
+          <p:cNvSpPr>
+            <a:spLocks noGrp="1"/>
+          </p:cNvSpPr>
+          <p:nvPr>
+            <p:ph type="title"/>
+          </p:nvPr>
+        </p:nvSpPr>
+        <p:spPr>
+          <a:xfrm>
+            <a:off x="228600" y="1676400"/>
+            <a:ext cx="8229600" cy="1143000"/>
+          </a:xfrm>
+        </p:spPr>
+        <p:txBody>
+          <a:bodyPr>
+            <a:noAutofit/>
+          </a:bodyPr>
+          <a:lstStyle/>
+          <a:p>
+            <a:r>
+              <a:rPr lang="pt-BR" sz="4000" dirty="0" smtClean="0"/>
+              <a:t>Filtros</a:t>
+            </a:r>
+            <a:endParaRPr lang="pt-BR" sz="4000" dirty="0"/>
+          </a:p>
+        </p:txBody>
+      </p:sp>
+      <p:sp>
+        <p:nvSpPr>
+          <p:cNvPr id="7" name="Retângulo 6">
+            <a:extLst>
+              <a:ext uri="{FF2B5EF4-FFF2-40B4-BE49-F238E27FC236}">
+                <a16:creationId xmlns:a16="http://schemas.microsoft.com/office/drawing/2014/main" xmlns="" id="{DE871D51-6822-455D-8B97-7F37D0BA5BB9}"/>
+              </a:ext>
+            </a:extLst>
+          </p:cNvPr>
+          <p:cNvSpPr/>
+          <p:nvPr/>
+        </p:nvSpPr>
+        <p:spPr>
+          <a:xfrm>
+            <a:off x="685800" y="2681625"/>
+            <a:ext cx="7772400" cy="2246769"/>
+          </a:xfrm>
+          <a:prstGeom prst="rect">
+            <a:avLst/>
+          </a:prstGeom>
+        </p:spPr>
+        <p:txBody>
+          <a:bodyPr wrap="square">
+            <a:spAutoFit/>
+          </a:bodyPr>
+          <a:lstStyle/>
+          <a:p>
+            <a:r>
+              <a:rPr lang="pt-BR" sz="2000" b="1" dirty="0" smtClean="0"/>
+              <a:t>Filtro serve para interceptar as requisições e respostas antes que chegue ao </a:t>
+            </a:r>
+            <a:r>
+              <a:rPr lang="pt-BR" sz="2000" b="1" dirty="0" err="1" smtClean="0"/>
+              <a:t>servlet</a:t>
+            </a:r>
+            <a:r>
+              <a:rPr lang="pt-BR" sz="2000" b="1" dirty="0" smtClean="0"/>
+              <a:t> de destino, e de volta ao cliente. </a:t>
+            </a:r>
+          </a:p>
+          <a:p>
+            <a:endParaRPr lang="pt-BR" sz="2000" b="1" dirty="0"/>
+          </a:p>
+          <a:p>
+            <a:r>
+              <a:rPr lang="pt-BR" sz="2000" b="1" dirty="0" smtClean="0"/>
+              <a:t>Filtro funciona como um porteiro, que realiza o filtro de tudo que “entra” e que “sai” do contexto da aplicação até o </a:t>
+            </a:r>
+            <a:r>
+              <a:rPr lang="pt-BR" sz="2000" b="1" dirty="0" err="1" smtClean="0"/>
+              <a:t>servlet</a:t>
+            </a:r>
+            <a:r>
+              <a:rPr lang="pt-BR" sz="2000" b="1" dirty="0" smtClean="0"/>
+              <a:t>. Eles podem tratar as requisições para direcioná-las ao melhor caminho ou até mesmo alterar uma mensage</a:t>
+            </a:r>
+            <a:r>
+              <a:rPr lang="pt-BR" sz="2000" b="1" dirty="0" smtClean="0"/>
+              <a:t>m.</a:t>
+            </a:r>
+            <a:endParaRPr lang="pt-BR" sz="2000" b="1" dirty="0" smtClean="0"/>
+          </a:p>
+        </p:txBody>
+      </p:sp>
+    </p:spTree>
+    <p:extLst>
+      <p:ext uri="{BB962C8B-B14F-4D97-AF65-F5344CB8AC3E}">
+        <p14:creationId xmlns:p14="http://schemas.microsoft.com/office/powerpoint/2010/main" val="4116898096"/>
+      </p:ext>
+    </p:extLst>
+  </p:cSld>
+  <p:clrMapOvr>
+    <a:masterClrMapping/>
+  </p:clrMapOvr>
+  <p:transition>
+    <p:fade/>
+  </p:transition>
+</p:sld>
+</file>
+
+<file path=ppt/slides/slide19.xml><?xml version="1.0" encoding="utf-8"?>
+<p:sld xmlns:a="http://schemas.openxmlformats.org/drawingml/2006/main" xmlns:r="http://schemas.openxmlformats.org/officeDocument/2006/relationships" xmlns:p="http://schemas.openxmlformats.org/presentationml/2006/main">
+  <p:cSld>
+    <p:spTree>
+      <p:nvGrpSpPr>
+        <p:cNvPr id="1" name=""/>
+        <p:cNvGrpSpPr/>
+        <p:nvPr/>
+      </p:nvGrpSpPr>
+      <p:grpSpPr>
+        <a:xfrm>
+          <a:off x="0" y="0"/>
+          <a:ext cx="0" cy="0"/>
+          <a:chOff x="0" y="0"/>
+          <a:chExt cx="0" cy="0"/>
+        </a:xfrm>
+      </p:grpSpPr>
+      <p:sp>
+        <p:nvSpPr>
+          <p:cNvPr id="3" name="Rectangle 8"/>
+          <p:cNvSpPr>
+            <a:spLocks noGrp="1"/>
+          </p:cNvSpPr>
+          <p:nvPr>
+            <p:ph type="title"/>
+          </p:nvPr>
+        </p:nvSpPr>
+        <p:spPr>
+          <a:xfrm>
+            <a:off x="228600" y="1676400"/>
+            <a:ext cx="8229600" cy="1143000"/>
+          </a:xfrm>
+        </p:spPr>
+        <p:txBody>
+          <a:bodyPr>
+            <a:noAutofit/>
+          </a:bodyPr>
+          <a:lstStyle/>
+          <a:p>
+            <a:r>
+              <a:rPr lang="pt-BR" sz="4000" b="0" dirty="0"/>
+              <a:t>JSP (</a:t>
+            </a:r>
+            <a:r>
+              <a:rPr lang="pt-BR" sz="4000" b="0" dirty="0" err="1"/>
+              <a:t>JavaServer</a:t>
+            </a:r>
+            <a:r>
+              <a:rPr lang="pt-BR" sz="4000" b="0" dirty="0"/>
+              <a:t> </a:t>
+            </a:r>
+            <a:r>
+              <a:rPr lang="pt-BR" sz="4000" b="0" dirty="0" err="1"/>
+              <a:t>Pages</a:t>
+            </a:r>
+            <a:r>
+              <a:rPr lang="pt-BR" sz="4000" b="0" dirty="0"/>
+              <a:t>) e </a:t>
+            </a:r>
+            <a:r>
+              <a:rPr lang="pt-BR" sz="4000" b="0" dirty="0" err="1"/>
+              <a:t>Taglibs</a:t>
+            </a:r>
+            <a:endParaRPr lang="pt-BR" sz="4000" dirty="0"/>
+          </a:p>
+        </p:txBody>
+      </p:sp>
+      <p:sp>
+        <p:nvSpPr>
+          <p:cNvPr id="7" name="Retângulo 6">
+            <a:extLst>
+              <a:ext uri="{FF2B5EF4-FFF2-40B4-BE49-F238E27FC236}">
+                <a16:creationId xmlns:a16="http://schemas.microsoft.com/office/drawing/2014/main" xmlns="" id="{DE871D51-6822-455D-8B97-7F37D0BA5BB9}"/>
+              </a:ext>
+            </a:extLst>
+          </p:cNvPr>
+          <p:cNvSpPr/>
+          <p:nvPr/>
+        </p:nvSpPr>
+        <p:spPr>
+          <a:xfrm>
+            <a:off x="685800" y="2681625"/>
+            <a:ext cx="7772400" cy="400110"/>
+          </a:xfrm>
+          <a:prstGeom prst="rect">
+            <a:avLst/>
+          </a:prstGeom>
+        </p:spPr>
+        <p:txBody>
+          <a:bodyPr wrap="square">
+            <a:spAutoFit/>
+          </a:bodyPr>
+          <a:lstStyle/>
+          <a:p>
+            <a:r>
+              <a:rPr lang="pt-BR" sz="2000" b="1" dirty="0" smtClean="0"/>
+              <a:t>d</a:t>
+            </a:r>
+            <a:endParaRPr lang="pt-BR" sz="2000" b="1" dirty="0" smtClean="0"/>
+          </a:p>
+        </p:txBody>
+      </p:sp>
+    </p:spTree>
+    <p:extLst>
+      <p:ext uri="{BB962C8B-B14F-4D97-AF65-F5344CB8AC3E}">
+        <p14:creationId xmlns:p14="http://schemas.microsoft.com/office/powerpoint/2010/main" val="153802748"/>
       </p:ext>
     </p:extLst>
   </p:cSld>

--- a/AulasAvancado/src/main/resources/br/com/Aula2/Servlets.pptx
+++ b/AulasAvancado/src/main/resources/br/com/Aula2/Servlets.pptx
@@ -5,10 +5,10 @@
     <p:sldMasterId id="2147483648" r:id="rId1"/>
   </p:sldMasterIdLst>
   <p:notesMasterIdLst>
-    <p:notesMasterId r:id="rId21"/>
+    <p:notesMasterId r:id="rId23"/>
   </p:notesMasterIdLst>
   <p:handoutMasterIdLst>
-    <p:handoutMasterId r:id="rId22"/>
+    <p:handoutMasterId r:id="rId24"/>
   </p:handoutMasterIdLst>
   <p:sldIdLst>
     <p:sldId id="257" r:id="rId2"/>
@@ -30,6 +30,8 @@
     <p:sldId id="299" r:id="rId18"/>
     <p:sldId id="300" r:id="rId19"/>
     <p:sldId id="303" r:id="rId20"/>
+    <p:sldId id="304" r:id="rId21"/>
+    <p:sldId id="305" r:id="rId22"/>
   </p:sldIdLst>
   <p:sldSz cx="9144000" cy="6858000" type="screen4x3"/>
   <p:notesSz cx="6858000" cy="9144000"/>
@@ -128,7 +130,7 @@
   </p:defaultTextStyle>
   <p:extLst>
     <p:ext uri="{EFAFB233-063F-42B5-8137-9DF3F51BA10A}">
-      <p15:sldGuideLst xmlns:p15="http://schemas.microsoft.com/office/powerpoint/2012/main" xmlns="">
+      <p15:sldGuideLst xmlns="" xmlns:p15="http://schemas.microsoft.com/office/powerpoint/2012/main">
         <p15:guide id="1" orient="horz" pos="2160">
           <p15:clr>
             <a:srgbClr val="A4A3A4"/>
@@ -3179,18 +3181,7 @@
                 <a:ea typeface="+mn-ea"/>
                 <a:cs typeface="+mn-cs"/>
               </a:rPr>
-              <a:t> </a:t>
-            </a:r>
-            <a:r>
-              <a:rPr lang="pt-BR" sz="1200" b="0" i="0" u="none" strike="noStrike" kern="1200" baseline="0" dirty="0" smtClean="0">
-                <a:solidFill>
-                  <a:schemeClr val="tx1"/>
-                </a:solidFill>
-                <a:latin typeface="+mn-lt"/>
-                <a:ea typeface="+mn-ea"/>
-                <a:cs typeface="+mn-cs"/>
-              </a:rPr>
-              <a:t>São utilizados para guardar informações na sessão. Ex. Dados de usuário, informações pertinentes a navegação.</a:t>
+              <a:t> São utilizados para guardar informações na sessão. Ex. Dados de usuário, informações pertinentes a navegação.</a:t>
             </a:r>
           </a:p>
           <a:p>
@@ -5213,6 +5204,1355 @@
         </p:txBody>
       </p:sp>
     </p:spTree>
+  </p:cSld>
+  <p:clrMapOvr>
+    <a:masterClrMapping/>
+  </p:clrMapOvr>
+</p:notes>
+</file>
+
+<file path=ppt/notesSlides/notesSlide20.xml><?xml version="1.0" encoding="utf-8"?>
+<p:notes xmlns:a="http://schemas.openxmlformats.org/drawingml/2006/main" xmlns:r="http://schemas.openxmlformats.org/officeDocument/2006/relationships" xmlns:p="http://schemas.openxmlformats.org/presentationml/2006/main">
+  <p:cSld>
+    <p:spTree>
+      <p:nvGrpSpPr>
+        <p:cNvPr id="1" name=""/>
+        <p:cNvGrpSpPr/>
+        <p:nvPr/>
+      </p:nvGrpSpPr>
+      <p:grpSpPr>
+        <a:xfrm>
+          <a:off x="0" y="0"/>
+          <a:ext cx="0" cy="0"/>
+          <a:chOff x="0" y="0"/>
+          <a:chExt cx="0" cy="0"/>
+        </a:xfrm>
+      </p:grpSpPr>
+      <p:sp>
+        <p:nvSpPr>
+          <p:cNvPr id="2" name="Rectangle 2"/>
+          <p:cNvSpPr>
+            <a:spLocks noGrp="1" noRot="1" noChangeAspect="1"/>
+          </p:cNvSpPr>
+          <p:nvPr>
+            <p:ph type="sldImg"/>
+          </p:nvPr>
+        </p:nvSpPr>
+        <p:spPr/>
+      </p:sp>
+      <p:sp>
+        <p:nvSpPr>
+          <p:cNvPr id="3" name="Rectangle 3"/>
+          <p:cNvSpPr>
+            <a:spLocks noGrp="1"/>
+          </p:cNvSpPr>
+          <p:nvPr>
+            <p:ph type="body" idx="1"/>
+          </p:nvPr>
+        </p:nvSpPr>
+        <p:spPr/>
+        <p:txBody>
+          <a:bodyPr/>
+          <a:lstStyle/>
+          <a:p>
+            <a:r>
+              <a:rPr lang="pt-BR" sz="1200" b="0" i="0" u="none" strike="noStrike" kern="1200" baseline="0" dirty="0" smtClean="0">
+                <a:solidFill>
+                  <a:schemeClr val="tx1"/>
+                </a:solidFill>
+                <a:latin typeface="+mn-lt"/>
+                <a:ea typeface="+mn-ea"/>
+                <a:cs typeface="+mn-cs"/>
+              </a:rPr>
+              <a:t>Para usar JSTL em uma página JSP é preciso declarar </a:t>
+            </a:r>
+            <a:r>
+              <a:rPr lang="pt-BR" sz="1200" b="0" i="0" u="none" strike="noStrike" kern="1200" baseline="0" dirty="0" err="1" smtClean="0">
+                <a:solidFill>
+                  <a:schemeClr val="tx1"/>
+                </a:solidFill>
+                <a:latin typeface="+mn-lt"/>
+                <a:ea typeface="+mn-ea"/>
+                <a:cs typeface="+mn-cs"/>
+              </a:rPr>
+              <a:t>taglib</a:t>
+            </a:r>
+            <a:r>
+              <a:rPr lang="pt-BR" sz="1200" b="0" i="0" u="none" strike="noStrike" kern="1200" baseline="0" dirty="0" smtClean="0">
+                <a:solidFill>
+                  <a:schemeClr val="tx1"/>
+                </a:solidFill>
+                <a:latin typeface="+mn-lt"/>
+                <a:ea typeface="+mn-ea"/>
+                <a:cs typeface="+mn-cs"/>
+              </a:rPr>
+              <a:t> em cada página (não é</a:t>
+            </a:r>
+          </a:p>
+          <a:p>
+            <a:r>
+              <a:rPr lang="pt-BR" sz="1200" b="0" i="0" u="none" strike="noStrike" kern="1200" baseline="0" dirty="0" smtClean="0">
+                <a:solidFill>
+                  <a:schemeClr val="tx1"/>
+                </a:solidFill>
+                <a:latin typeface="+mn-lt"/>
+                <a:ea typeface="+mn-ea"/>
+                <a:cs typeface="+mn-cs"/>
+              </a:rPr>
+              <a:t>necessário declarar em web.xml ou incluir </a:t>
+            </a:r>
+            <a:r>
+              <a:rPr lang="pt-BR" sz="1200" b="0" i="0" u="none" strike="noStrike" kern="1200" baseline="0" dirty="0" err="1" smtClean="0">
+                <a:solidFill>
+                  <a:schemeClr val="tx1"/>
+                </a:solidFill>
+                <a:latin typeface="+mn-lt"/>
+                <a:ea typeface="+mn-ea"/>
+                <a:cs typeface="+mn-cs"/>
+              </a:rPr>
+              <a:t>TLDs</a:t>
+            </a:r>
+            <a:r>
+              <a:rPr lang="pt-BR" sz="1200" b="0" i="0" u="none" strike="noStrike" kern="1200" baseline="0" dirty="0" smtClean="0">
+                <a:solidFill>
+                  <a:schemeClr val="tx1"/>
+                </a:solidFill>
+                <a:latin typeface="+mn-lt"/>
+                <a:ea typeface="+mn-ea"/>
+                <a:cs typeface="+mn-cs"/>
+              </a:rPr>
+              <a:t> em WEB-INF, como ocorre com outras</a:t>
+            </a:r>
+          </a:p>
+          <a:p>
+            <a:r>
+              <a:rPr lang="pt-BR" sz="1200" b="0" i="0" u="none" strike="noStrike" kern="1200" baseline="0" dirty="0" smtClean="0">
+                <a:solidFill>
+                  <a:schemeClr val="tx1"/>
+                </a:solidFill>
+                <a:latin typeface="+mn-lt"/>
+                <a:ea typeface="+mn-ea"/>
+                <a:cs typeface="+mn-cs"/>
+              </a:rPr>
+              <a:t>bibliotecas, porque a distribuição faz parte do container Java EE):</a:t>
+            </a:r>
+          </a:p>
+          <a:p>
+            <a:r>
+              <a:rPr lang="pt-BR" sz="1200" b="0" i="0" u="none" strike="noStrike" kern="1200" baseline="0" dirty="0" smtClean="0">
+                <a:solidFill>
+                  <a:schemeClr val="tx1"/>
+                </a:solidFill>
+                <a:latin typeface="+mn-lt"/>
+                <a:ea typeface="+mn-ea"/>
+                <a:cs typeface="+mn-cs"/>
+              </a:rPr>
+              <a:t>&lt;%@ </a:t>
+            </a:r>
+            <a:r>
+              <a:rPr lang="pt-BR" sz="1200" b="0" i="0" u="none" strike="noStrike" kern="1200" baseline="0" dirty="0" err="1" smtClean="0">
+                <a:solidFill>
+                  <a:schemeClr val="tx1"/>
+                </a:solidFill>
+                <a:latin typeface="+mn-lt"/>
+                <a:ea typeface="+mn-ea"/>
+                <a:cs typeface="+mn-cs"/>
+              </a:rPr>
+              <a:t>taglib</a:t>
+            </a:r>
+            <a:r>
+              <a:rPr lang="pt-BR" sz="1200" b="0" i="0" u="none" strike="noStrike" kern="1200" baseline="0" dirty="0" smtClean="0">
+                <a:solidFill>
+                  <a:schemeClr val="tx1"/>
+                </a:solidFill>
+                <a:latin typeface="+mn-lt"/>
+                <a:ea typeface="+mn-ea"/>
+                <a:cs typeface="+mn-cs"/>
+              </a:rPr>
+              <a:t> </a:t>
+            </a:r>
+            <a:r>
+              <a:rPr lang="pt-BR" sz="1200" b="0" i="0" u="none" strike="noStrike" kern="1200" baseline="0" dirty="0" err="1" smtClean="0">
+                <a:solidFill>
+                  <a:schemeClr val="tx1"/>
+                </a:solidFill>
+                <a:latin typeface="+mn-lt"/>
+                <a:ea typeface="+mn-ea"/>
+                <a:cs typeface="+mn-cs"/>
+              </a:rPr>
+              <a:t>prefix</a:t>
+            </a:r>
+            <a:r>
+              <a:rPr lang="pt-BR" sz="1200" b="0" i="0" u="none" strike="noStrike" kern="1200" baseline="0" dirty="0" smtClean="0">
+                <a:solidFill>
+                  <a:schemeClr val="tx1"/>
+                </a:solidFill>
+                <a:latin typeface="+mn-lt"/>
+                <a:ea typeface="+mn-ea"/>
+                <a:cs typeface="+mn-cs"/>
+              </a:rPr>
+              <a:t>="c“ uri="http://java.sun.com/jsp/jstl/core" %&gt;</a:t>
+            </a:r>
+          </a:p>
+          <a:p>
+            <a:r>
+              <a:rPr lang="pt-BR" sz="1200" b="0" i="0" u="none" strike="noStrike" kern="1200" baseline="0" dirty="0" smtClean="0">
+                <a:solidFill>
+                  <a:schemeClr val="tx1"/>
+                </a:solidFill>
+                <a:latin typeface="+mn-lt"/>
+                <a:ea typeface="+mn-ea"/>
+                <a:cs typeface="+mn-cs"/>
+              </a:rPr>
+              <a:t>&lt;</a:t>
+            </a:r>
+            <a:r>
+              <a:rPr lang="pt-BR" sz="1200" b="0" i="0" u="none" strike="noStrike" kern="1200" baseline="0" dirty="0" err="1" smtClean="0">
+                <a:solidFill>
+                  <a:schemeClr val="tx1"/>
+                </a:solidFill>
+                <a:latin typeface="+mn-lt"/>
+                <a:ea typeface="+mn-ea"/>
+                <a:cs typeface="+mn-cs"/>
+              </a:rPr>
+              <a:t>html</a:t>
+            </a:r>
+            <a:r>
+              <a:rPr lang="pt-BR" sz="1200" b="0" i="0" u="none" strike="noStrike" kern="1200" baseline="0" dirty="0" smtClean="0">
+                <a:solidFill>
+                  <a:schemeClr val="tx1"/>
+                </a:solidFill>
+                <a:latin typeface="+mn-lt"/>
+                <a:ea typeface="+mn-ea"/>
+                <a:cs typeface="+mn-cs"/>
+              </a:rPr>
+              <a:t>&gt;</a:t>
+            </a:r>
+          </a:p>
+          <a:p>
+            <a:r>
+              <a:rPr lang="pt-BR" sz="1200" b="0" i="0" u="none" strike="noStrike" kern="1200" baseline="0" dirty="0" smtClean="0">
+                <a:solidFill>
+                  <a:schemeClr val="tx1"/>
+                </a:solidFill>
+                <a:latin typeface="+mn-lt"/>
+                <a:ea typeface="+mn-ea"/>
+                <a:cs typeface="+mn-cs"/>
+              </a:rPr>
+              <a:t>           &lt;</a:t>
+            </a:r>
+            <a:r>
+              <a:rPr lang="pt-BR" sz="1200" b="0" i="0" u="none" strike="noStrike" kern="1200" baseline="0" dirty="0" err="1" smtClean="0">
+                <a:solidFill>
+                  <a:schemeClr val="tx1"/>
+                </a:solidFill>
+                <a:latin typeface="+mn-lt"/>
+                <a:ea typeface="+mn-ea"/>
+                <a:cs typeface="+mn-cs"/>
+              </a:rPr>
+              <a:t>head</a:t>
+            </a:r>
+            <a:r>
+              <a:rPr lang="pt-BR" sz="1200" b="0" i="0" u="none" strike="noStrike" kern="1200" baseline="0" dirty="0" smtClean="0">
+                <a:solidFill>
+                  <a:schemeClr val="tx1"/>
+                </a:solidFill>
+                <a:latin typeface="+mn-lt"/>
+                <a:ea typeface="+mn-ea"/>
+                <a:cs typeface="+mn-cs"/>
+              </a:rPr>
+              <a:t>&gt;&lt;</a:t>
+            </a:r>
+            <a:r>
+              <a:rPr lang="pt-BR" sz="1200" b="0" i="0" u="none" strike="noStrike" kern="1200" baseline="0" dirty="0" err="1" smtClean="0">
+                <a:solidFill>
+                  <a:schemeClr val="tx1"/>
+                </a:solidFill>
+                <a:latin typeface="+mn-lt"/>
+                <a:ea typeface="+mn-ea"/>
+                <a:cs typeface="+mn-cs"/>
+              </a:rPr>
+              <a:t>title</a:t>
+            </a:r>
+            <a:r>
+              <a:rPr lang="pt-BR" sz="1200" b="0" i="0" u="none" strike="noStrike" kern="1200" baseline="0" dirty="0" smtClean="0">
+                <a:solidFill>
+                  <a:schemeClr val="tx1"/>
+                </a:solidFill>
+                <a:latin typeface="+mn-lt"/>
+                <a:ea typeface="+mn-ea"/>
+                <a:cs typeface="+mn-cs"/>
+              </a:rPr>
+              <a:t>&gt;</a:t>
+            </a:r>
+            <a:r>
+              <a:rPr lang="pt-BR" sz="1200" b="0" i="0" u="none" strike="noStrike" kern="1200" baseline="0" dirty="0" err="1" smtClean="0">
+                <a:solidFill>
+                  <a:schemeClr val="tx1"/>
+                </a:solidFill>
+                <a:latin typeface="+mn-lt"/>
+                <a:ea typeface="+mn-ea"/>
+                <a:cs typeface="+mn-cs"/>
+              </a:rPr>
+              <a:t>Simple</a:t>
+            </a:r>
+            <a:r>
+              <a:rPr lang="pt-BR" sz="1200" b="0" i="0" u="none" strike="noStrike" kern="1200" baseline="0" dirty="0" smtClean="0">
+                <a:solidFill>
+                  <a:schemeClr val="tx1"/>
+                </a:solidFill>
+                <a:latin typeface="+mn-lt"/>
+                <a:ea typeface="+mn-ea"/>
+                <a:cs typeface="+mn-cs"/>
+              </a:rPr>
+              <a:t> </a:t>
+            </a:r>
+            <a:r>
+              <a:rPr lang="pt-BR" sz="1200" b="0" i="0" u="none" strike="noStrike" kern="1200" baseline="0" dirty="0" err="1" smtClean="0">
+                <a:solidFill>
+                  <a:schemeClr val="tx1"/>
+                </a:solidFill>
+                <a:latin typeface="+mn-lt"/>
+                <a:ea typeface="+mn-ea"/>
+                <a:cs typeface="+mn-cs"/>
+              </a:rPr>
+              <a:t>Example</a:t>
+            </a:r>
+            <a:r>
+              <a:rPr lang="pt-BR" sz="1200" b="0" i="0" u="none" strike="noStrike" kern="1200" baseline="0" dirty="0" smtClean="0">
+                <a:solidFill>
+                  <a:schemeClr val="tx1"/>
+                </a:solidFill>
+                <a:latin typeface="+mn-lt"/>
+                <a:ea typeface="+mn-ea"/>
+                <a:cs typeface="+mn-cs"/>
+              </a:rPr>
+              <a:t>&lt;/</a:t>
+            </a:r>
+            <a:r>
+              <a:rPr lang="pt-BR" sz="1200" b="0" i="0" u="none" strike="noStrike" kern="1200" baseline="0" dirty="0" err="1" smtClean="0">
+                <a:solidFill>
+                  <a:schemeClr val="tx1"/>
+                </a:solidFill>
+                <a:latin typeface="+mn-lt"/>
+                <a:ea typeface="+mn-ea"/>
+                <a:cs typeface="+mn-cs"/>
+              </a:rPr>
+              <a:t>title</a:t>
+            </a:r>
+            <a:r>
+              <a:rPr lang="pt-BR" sz="1200" b="0" i="0" u="none" strike="noStrike" kern="1200" baseline="0" dirty="0" smtClean="0">
+                <a:solidFill>
+                  <a:schemeClr val="tx1"/>
+                </a:solidFill>
+                <a:latin typeface="+mn-lt"/>
+                <a:ea typeface="+mn-ea"/>
+                <a:cs typeface="+mn-cs"/>
+              </a:rPr>
+              <a:t>&gt;&lt;/</a:t>
+            </a:r>
+            <a:r>
+              <a:rPr lang="pt-BR" sz="1200" b="0" i="0" u="none" strike="noStrike" kern="1200" baseline="0" dirty="0" err="1" smtClean="0">
+                <a:solidFill>
+                  <a:schemeClr val="tx1"/>
+                </a:solidFill>
+                <a:latin typeface="+mn-lt"/>
+                <a:ea typeface="+mn-ea"/>
+                <a:cs typeface="+mn-cs"/>
+              </a:rPr>
+              <a:t>head</a:t>
+            </a:r>
+            <a:r>
+              <a:rPr lang="pt-BR" sz="1200" b="0" i="0" u="none" strike="noStrike" kern="1200" baseline="0" dirty="0" smtClean="0">
+                <a:solidFill>
+                  <a:schemeClr val="tx1"/>
+                </a:solidFill>
+                <a:latin typeface="+mn-lt"/>
+                <a:ea typeface="+mn-ea"/>
+                <a:cs typeface="+mn-cs"/>
+              </a:rPr>
+              <a:t>&gt;</a:t>
+            </a:r>
+          </a:p>
+          <a:p>
+            <a:r>
+              <a:rPr lang="pt-BR" sz="1200" b="0" i="0" u="none" strike="noStrike" kern="1200" baseline="0" dirty="0" smtClean="0">
+                <a:solidFill>
+                  <a:schemeClr val="tx1"/>
+                </a:solidFill>
+                <a:latin typeface="+mn-lt"/>
+                <a:ea typeface="+mn-ea"/>
+                <a:cs typeface="+mn-cs"/>
+              </a:rPr>
+              <a:t>&lt;</a:t>
+            </a:r>
+            <a:r>
+              <a:rPr lang="pt-BR" sz="1200" b="0" i="0" u="none" strike="noStrike" kern="1200" baseline="0" dirty="0" err="1" smtClean="0">
+                <a:solidFill>
+                  <a:schemeClr val="tx1"/>
+                </a:solidFill>
+                <a:latin typeface="+mn-lt"/>
+                <a:ea typeface="+mn-ea"/>
+                <a:cs typeface="+mn-cs"/>
+              </a:rPr>
+              <a:t>body</a:t>
+            </a:r>
+            <a:r>
+              <a:rPr lang="pt-BR" sz="1200" b="0" i="0" u="none" strike="noStrike" kern="1200" baseline="0" dirty="0" smtClean="0">
+                <a:solidFill>
+                  <a:schemeClr val="tx1"/>
+                </a:solidFill>
+                <a:latin typeface="+mn-lt"/>
+                <a:ea typeface="+mn-ea"/>
+                <a:cs typeface="+mn-cs"/>
+              </a:rPr>
+              <a:t>&gt;</a:t>
+            </a:r>
+          </a:p>
+          <a:p>
+            <a:pPr lvl="1"/>
+            <a:r>
+              <a:rPr lang="pt-BR" sz="1200" b="0" i="0" u="none" strike="noStrike" kern="1200" baseline="0" dirty="0" smtClean="0">
+                <a:solidFill>
+                  <a:schemeClr val="tx1"/>
+                </a:solidFill>
+                <a:latin typeface="+mn-lt"/>
+                <a:ea typeface="+mn-ea"/>
+                <a:cs typeface="+mn-cs"/>
+              </a:rPr>
+              <a:t>&lt;</a:t>
+            </a:r>
+            <a:r>
+              <a:rPr lang="pt-BR" sz="1200" b="0" i="0" u="none" strike="noStrike" kern="1200" baseline="0" dirty="0" err="1" smtClean="0">
+                <a:solidFill>
+                  <a:schemeClr val="tx1"/>
+                </a:solidFill>
+                <a:latin typeface="+mn-lt"/>
+                <a:ea typeface="+mn-ea"/>
+                <a:cs typeface="+mn-cs"/>
+              </a:rPr>
+              <a:t>c:set</a:t>
+            </a:r>
+            <a:r>
+              <a:rPr lang="pt-BR" sz="1200" b="0" i="0" u="none" strike="noStrike" kern="1200" baseline="0" dirty="0" smtClean="0">
+                <a:solidFill>
+                  <a:schemeClr val="tx1"/>
+                </a:solidFill>
+                <a:latin typeface="+mn-lt"/>
+                <a:ea typeface="+mn-ea"/>
+                <a:cs typeface="+mn-cs"/>
+              </a:rPr>
+              <a:t> var="</a:t>
+            </a:r>
+            <a:r>
+              <a:rPr lang="pt-BR" sz="1200" b="0" i="0" u="none" strike="noStrike" kern="1200" baseline="0" dirty="0" err="1" smtClean="0">
+                <a:solidFill>
+                  <a:schemeClr val="tx1"/>
+                </a:solidFill>
+                <a:latin typeface="+mn-lt"/>
+                <a:ea typeface="+mn-ea"/>
+                <a:cs typeface="+mn-cs"/>
+              </a:rPr>
+              <a:t>browser“value</a:t>
+            </a:r>
+            <a:r>
+              <a:rPr lang="pt-BR" sz="1200" b="0" i="0" u="none" strike="noStrike" kern="1200" baseline="0" dirty="0" smtClean="0">
+                <a:solidFill>
+                  <a:schemeClr val="tx1"/>
+                </a:solidFill>
+                <a:latin typeface="+mn-lt"/>
+                <a:ea typeface="+mn-ea"/>
+                <a:cs typeface="+mn-cs"/>
+              </a:rPr>
+              <a:t>="${header['</a:t>
+            </a:r>
+            <a:r>
+              <a:rPr lang="pt-BR" sz="1200" b="0" i="0" u="none" strike="noStrike" kern="1200" baseline="0" dirty="0" err="1" smtClean="0">
+                <a:solidFill>
+                  <a:schemeClr val="tx1"/>
+                </a:solidFill>
+                <a:latin typeface="+mn-lt"/>
+                <a:ea typeface="+mn-ea"/>
+                <a:cs typeface="+mn-cs"/>
+              </a:rPr>
+              <a:t>User</a:t>
+            </a:r>
+            <a:r>
+              <a:rPr lang="pt-BR" sz="1200" b="0" i="0" u="none" strike="noStrike" kern="1200" baseline="0" dirty="0" smtClean="0">
+                <a:solidFill>
+                  <a:schemeClr val="tx1"/>
+                </a:solidFill>
+                <a:latin typeface="+mn-lt"/>
+                <a:ea typeface="+mn-ea"/>
+                <a:cs typeface="+mn-cs"/>
+              </a:rPr>
+              <a:t>-Agent']}"/&gt;</a:t>
+            </a:r>
+          </a:p>
+          <a:p>
+            <a:pPr lvl="1"/>
+            <a:r>
+              <a:rPr lang="pt-BR" sz="1200" b="0" i="0" u="none" strike="noStrike" kern="1200" baseline="0" dirty="0" smtClean="0">
+                <a:solidFill>
+                  <a:schemeClr val="tx1"/>
+                </a:solidFill>
+                <a:latin typeface="+mn-lt"/>
+                <a:ea typeface="+mn-ea"/>
+                <a:cs typeface="+mn-cs"/>
+              </a:rPr>
+              <a:t>&lt;</a:t>
+            </a:r>
+            <a:r>
+              <a:rPr lang="pt-BR" sz="1200" b="0" i="0" u="none" strike="noStrike" kern="1200" baseline="0" dirty="0" err="1" smtClean="0">
+                <a:solidFill>
+                  <a:schemeClr val="tx1"/>
+                </a:solidFill>
+                <a:latin typeface="+mn-lt"/>
+                <a:ea typeface="+mn-ea"/>
+                <a:cs typeface="+mn-cs"/>
+              </a:rPr>
+              <a:t>c:out</a:t>
+            </a:r>
+            <a:r>
+              <a:rPr lang="pt-BR" sz="1200" b="0" i="0" u="none" strike="noStrike" kern="1200" baseline="0" dirty="0" smtClean="0">
+                <a:solidFill>
+                  <a:schemeClr val="tx1"/>
+                </a:solidFill>
+                <a:latin typeface="+mn-lt"/>
+                <a:ea typeface="+mn-ea"/>
+                <a:cs typeface="+mn-cs"/>
+              </a:rPr>
+              <a:t> </a:t>
+            </a:r>
+            <a:r>
+              <a:rPr lang="pt-BR" sz="1200" b="0" i="0" u="none" strike="noStrike" kern="1200" baseline="0" dirty="0" err="1" smtClean="0">
+                <a:solidFill>
+                  <a:schemeClr val="tx1"/>
+                </a:solidFill>
+                <a:latin typeface="+mn-lt"/>
+                <a:ea typeface="+mn-ea"/>
+                <a:cs typeface="+mn-cs"/>
+              </a:rPr>
+              <a:t>value</a:t>
+            </a:r>
+            <a:r>
+              <a:rPr lang="pt-BR" sz="1200" b="0" i="0" u="none" strike="noStrike" kern="1200" baseline="0" dirty="0" smtClean="0">
+                <a:solidFill>
+                  <a:schemeClr val="tx1"/>
+                </a:solidFill>
+                <a:latin typeface="+mn-lt"/>
+                <a:ea typeface="+mn-ea"/>
+                <a:cs typeface="+mn-cs"/>
+              </a:rPr>
+              <a:t>="${browser}"/&gt;</a:t>
+            </a:r>
+          </a:p>
+          <a:p>
+            <a:r>
+              <a:rPr lang="pt-BR" sz="1200" b="0" i="0" u="none" strike="noStrike" kern="1200" baseline="0" dirty="0" smtClean="0">
+                <a:solidFill>
+                  <a:schemeClr val="tx1"/>
+                </a:solidFill>
+                <a:latin typeface="+mn-lt"/>
+                <a:ea typeface="+mn-ea"/>
+                <a:cs typeface="+mn-cs"/>
+              </a:rPr>
+              <a:t>&lt;/</a:t>
+            </a:r>
+            <a:r>
+              <a:rPr lang="pt-BR" sz="1200" b="0" i="0" u="none" strike="noStrike" kern="1200" baseline="0" dirty="0" err="1" smtClean="0">
+                <a:solidFill>
+                  <a:schemeClr val="tx1"/>
+                </a:solidFill>
+                <a:latin typeface="+mn-lt"/>
+                <a:ea typeface="+mn-ea"/>
+                <a:cs typeface="+mn-cs"/>
+              </a:rPr>
+              <a:t>body</a:t>
+            </a:r>
+            <a:r>
+              <a:rPr lang="pt-BR" sz="1200" b="0" i="0" u="none" strike="noStrike" kern="1200" baseline="0" dirty="0" smtClean="0">
+                <a:solidFill>
+                  <a:schemeClr val="tx1"/>
+                </a:solidFill>
+                <a:latin typeface="+mn-lt"/>
+                <a:ea typeface="+mn-ea"/>
+                <a:cs typeface="+mn-cs"/>
+              </a:rPr>
+              <a:t>&gt;</a:t>
+            </a:r>
+          </a:p>
+          <a:p>
+            <a:r>
+              <a:rPr lang="pt-BR" sz="1200" b="0" i="0" u="none" strike="noStrike" kern="1200" baseline="0" dirty="0" smtClean="0">
+                <a:solidFill>
+                  <a:schemeClr val="tx1"/>
+                </a:solidFill>
+                <a:latin typeface="+mn-lt"/>
+                <a:ea typeface="+mn-ea"/>
+                <a:cs typeface="+mn-cs"/>
+              </a:rPr>
+              <a:t>&lt;/</a:t>
+            </a:r>
+            <a:r>
+              <a:rPr lang="pt-BR" sz="1200" b="0" i="0" u="none" strike="noStrike" kern="1200" baseline="0" dirty="0" err="1" smtClean="0">
+                <a:solidFill>
+                  <a:schemeClr val="tx1"/>
+                </a:solidFill>
+                <a:latin typeface="+mn-lt"/>
+                <a:ea typeface="+mn-ea"/>
+                <a:cs typeface="+mn-cs"/>
+              </a:rPr>
+              <a:t>html</a:t>
+            </a:r>
+            <a:r>
+              <a:rPr lang="pt-BR" sz="1200" b="0" i="0" u="none" strike="noStrike" kern="1200" baseline="0" dirty="0" smtClean="0">
+                <a:solidFill>
+                  <a:schemeClr val="tx1"/>
+                </a:solidFill>
+                <a:latin typeface="+mn-lt"/>
+                <a:ea typeface="+mn-ea"/>
+                <a:cs typeface="+mn-cs"/>
+              </a:rPr>
+              <a:t>&gt;</a:t>
+            </a:r>
+            <a:endParaRPr lang="pt-BR" sz="1200" b="0" i="0" u="none" strike="noStrike" kern="1200" baseline="0" dirty="0" smtClean="0">
+              <a:solidFill>
+                <a:schemeClr val="tx1"/>
+              </a:solidFill>
+              <a:latin typeface="+mn-lt"/>
+              <a:ea typeface="+mn-ea"/>
+              <a:cs typeface="+mn-cs"/>
+            </a:endParaRPr>
+          </a:p>
+        </p:txBody>
+      </p:sp>
+      <p:sp>
+        <p:nvSpPr>
+          <p:cNvPr id="4" name="Rectangle 4"/>
+          <p:cNvSpPr>
+            <a:spLocks noGrp="1"/>
+          </p:cNvSpPr>
+          <p:nvPr>
+            <p:ph type="sldNum" sz="quarter" idx="10"/>
+          </p:nvPr>
+        </p:nvSpPr>
+        <p:spPr/>
+        <p:txBody>
+          <a:bodyPr/>
+          <a:lstStyle/>
+          <a:p>
+            <a:fld id="{61807874-5299-41B2-A37A-6AA3547857F4}" type="slidenum">
+              <a:rPr lang="pt-BR" smtClean="0"/>
+              <a:pPr/>
+              <a:t>20</a:t>
+            </a:fld>
+            <a:endParaRPr lang="pt-BR"/>
+          </a:p>
+        </p:txBody>
+      </p:sp>
+    </p:spTree>
+    <p:extLst>
+      <p:ext uri="{BB962C8B-B14F-4D97-AF65-F5344CB8AC3E}">
+        <p14:creationId xmlns:p14="http://schemas.microsoft.com/office/powerpoint/2010/main" val="2477212209"/>
+      </p:ext>
+    </p:extLst>
+  </p:cSld>
+  <p:clrMapOvr>
+    <a:masterClrMapping/>
+  </p:clrMapOvr>
+</p:notes>
+</file>
+
+<file path=ppt/notesSlides/notesSlide21.xml><?xml version="1.0" encoding="utf-8"?>
+<p:notes xmlns:a="http://schemas.openxmlformats.org/drawingml/2006/main" xmlns:r="http://schemas.openxmlformats.org/officeDocument/2006/relationships" xmlns:p="http://schemas.openxmlformats.org/presentationml/2006/main">
+  <p:cSld>
+    <p:spTree>
+      <p:nvGrpSpPr>
+        <p:cNvPr id="1" name=""/>
+        <p:cNvGrpSpPr/>
+        <p:nvPr/>
+      </p:nvGrpSpPr>
+      <p:grpSpPr>
+        <a:xfrm>
+          <a:off x="0" y="0"/>
+          <a:ext cx="0" cy="0"/>
+          <a:chOff x="0" y="0"/>
+          <a:chExt cx="0" cy="0"/>
+        </a:xfrm>
+      </p:grpSpPr>
+      <p:sp>
+        <p:nvSpPr>
+          <p:cNvPr id="2" name="Rectangle 2"/>
+          <p:cNvSpPr>
+            <a:spLocks noGrp="1" noRot="1" noChangeAspect="1"/>
+          </p:cNvSpPr>
+          <p:nvPr>
+            <p:ph type="sldImg"/>
+          </p:nvPr>
+        </p:nvSpPr>
+        <p:spPr/>
+      </p:sp>
+      <p:sp>
+        <p:nvSpPr>
+          <p:cNvPr id="3" name="Rectangle 3"/>
+          <p:cNvSpPr>
+            <a:spLocks noGrp="1"/>
+          </p:cNvSpPr>
+          <p:nvPr>
+            <p:ph type="body" idx="1"/>
+          </p:nvPr>
+        </p:nvSpPr>
+        <p:spPr/>
+        <p:txBody>
+          <a:bodyPr/>
+          <a:lstStyle/>
+          <a:p>
+            <a:r>
+              <a:rPr lang="pt-BR" sz="1200" b="0" i="0" u="none" strike="noStrike" kern="1200" baseline="0" dirty="0" smtClean="0">
+                <a:solidFill>
+                  <a:schemeClr val="tx1"/>
+                </a:solidFill>
+                <a:latin typeface="+mn-lt"/>
+                <a:ea typeface="+mn-ea"/>
+                <a:cs typeface="+mn-cs"/>
+              </a:rPr>
+              <a:t>Vem principalmente na substituição de utilização de </a:t>
+            </a:r>
+            <a:r>
+              <a:rPr lang="pt-BR" sz="1200" b="0" i="0" u="none" strike="noStrike" kern="1200" baseline="0" dirty="0" err="1" smtClean="0">
+                <a:solidFill>
+                  <a:schemeClr val="tx1"/>
+                </a:solidFill>
+                <a:latin typeface="+mn-lt"/>
+                <a:ea typeface="+mn-ea"/>
+                <a:cs typeface="+mn-cs"/>
+              </a:rPr>
+              <a:t>scriptlet</a:t>
+            </a:r>
+            <a:r>
+              <a:rPr lang="pt-BR" sz="1200" b="0" i="0" u="none" strike="noStrike" kern="1200" baseline="0" dirty="0" smtClean="0">
+                <a:solidFill>
+                  <a:schemeClr val="tx1"/>
+                </a:solidFill>
+                <a:latin typeface="+mn-lt"/>
+                <a:ea typeface="+mn-ea"/>
+                <a:cs typeface="+mn-cs"/>
+              </a:rPr>
+              <a:t>:</a:t>
+            </a:r>
+          </a:p>
+          <a:p>
+            <a:r>
+              <a:rPr lang="pt-BR" sz="1200" b="0" i="0" u="none" strike="noStrike" kern="1200" baseline="0" dirty="0" smtClean="0">
+                <a:solidFill>
+                  <a:schemeClr val="tx1"/>
+                </a:solidFill>
+                <a:latin typeface="+mn-lt"/>
+                <a:ea typeface="+mn-ea"/>
+                <a:cs typeface="+mn-cs"/>
+              </a:rPr>
+              <a:t>Ex.: &lt;% </a:t>
+            </a:r>
+            <a:r>
+              <a:rPr lang="pt-BR" sz="1200" b="0" i="0" u="none" strike="noStrike" kern="1200" baseline="0" dirty="0" err="1" smtClean="0">
+                <a:solidFill>
+                  <a:schemeClr val="tx1"/>
+                </a:solidFill>
+                <a:latin typeface="+mn-lt"/>
+                <a:ea typeface="+mn-ea"/>
+                <a:cs typeface="+mn-cs"/>
+              </a:rPr>
+              <a:t>bean.getPessoa</a:t>
+            </a:r>
+            <a:r>
+              <a:rPr lang="pt-BR" sz="1200" b="0" i="0" u="none" strike="noStrike" kern="1200" baseline="0" dirty="0" smtClean="0">
+                <a:solidFill>
+                  <a:schemeClr val="tx1"/>
+                </a:solidFill>
+                <a:latin typeface="+mn-lt"/>
+                <a:ea typeface="+mn-ea"/>
+                <a:cs typeface="+mn-cs"/>
+              </a:rPr>
+              <a:t>().</a:t>
+            </a:r>
+            <a:r>
+              <a:rPr lang="pt-BR" sz="1200" b="0" i="0" u="none" strike="noStrike" kern="1200" baseline="0" dirty="0" err="1" smtClean="0">
+                <a:solidFill>
+                  <a:schemeClr val="tx1"/>
+                </a:solidFill>
+                <a:latin typeface="+mn-lt"/>
+                <a:ea typeface="+mn-ea"/>
+                <a:cs typeface="+mn-cs"/>
+              </a:rPr>
+              <a:t>getNome</a:t>
+            </a:r>
+            <a:r>
+              <a:rPr lang="pt-BR" sz="1200" b="0" i="0" u="none" strike="noStrike" kern="1200" baseline="0" dirty="0" smtClean="0">
+                <a:solidFill>
+                  <a:schemeClr val="tx1"/>
+                </a:solidFill>
+                <a:latin typeface="+mn-lt"/>
+                <a:ea typeface="+mn-ea"/>
+                <a:cs typeface="+mn-cs"/>
+              </a:rPr>
+              <a:t>() %&gt; usa-se ${</a:t>
+            </a:r>
+            <a:r>
+              <a:rPr lang="pt-BR" sz="1200" b="0" i="0" u="none" strike="noStrike" kern="1200" baseline="0" dirty="0" err="1" smtClean="0">
+                <a:solidFill>
+                  <a:schemeClr val="tx1"/>
+                </a:solidFill>
+                <a:latin typeface="+mn-lt"/>
+                <a:ea typeface="+mn-ea"/>
+                <a:cs typeface="+mn-cs"/>
+              </a:rPr>
+              <a:t>bean.pessoa.nome</a:t>
+            </a:r>
+            <a:r>
+              <a:rPr lang="pt-BR" sz="1200" b="0" i="0" u="none" strike="noStrike" kern="1200" baseline="0" dirty="0" smtClean="0">
+                <a:solidFill>
+                  <a:schemeClr val="tx1"/>
+                </a:solidFill>
+                <a:latin typeface="+mn-lt"/>
+                <a:ea typeface="+mn-ea"/>
+                <a:cs typeface="+mn-cs"/>
+              </a:rPr>
+              <a:t>}.</a:t>
+            </a:r>
+          </a:p>
+          <a:p>
+            <a:endParaRPr lang="pt-BR" sz="1200" b="0" i="0" u="none" strike="noStrike" kern="1200" baseline="0" dirty="0" smtClean="0">
+              <a:solidFill>
+                <a:schemeClr val="tx1"/>
+              </a:solidFill>
+              <a:latin typeface="+mn-lt"/>
+              <a:ea typeface="+mn-ea"/>
+              <a:cs typeface="+mn-cs"/>
+            </a:endParaRPr>
+          </a:p>
+          <a:p>
+            <a:r>
+              <a:rPr lang="pt-BR" sz="1200" b="0" i="0" u="none" strike="noStrike" kern="1200" baseline="0" dirty="0" smtClean="0">
+                <a:solidFill>
+                  <a:schemeClr val="tx1"/>
+                </a:solidFill>
+                <a:latin typeface="+mn-lt"/>
+                <a:ea typeface="+mn-ea"/>
+                <a:cs typeface="+mn-cs"/>
+              </a:rPr>
+              <a:t>EL suporta também expressões simples com operadores aritméticos, relacionais e binários:</a:t>
+            </a:r>
+          </a:p>
+          <a:p>
+            <a:r>
+              <a:rPr lang="pt-BR" sz="1200" b="0" i="0" u="none" strike="noStrike" kern="1200" baseline="0" dirty="0" smtClean="0">
+                <a:solidFill>
+                  <a:schemeClr val="tx1"/>
+                </a:solidFill>
+                <a:latin typeface="+mn-lt"/>
+                <a:ea typeface="+mn-ea"/>
+                <a:cs typeface="+mn-cs"/>
+              </a:rPr>
+              <a:t>${ !(</a:t>
+            </a:r>
+            <a:r>
+              <a:rPr lang="pt-BR" sz="1200" b="0" i="0" u="none" strike="noStrike" kern="1200" baseline="0" dirty="0" err="1" smtClean="0">
+                <a:solidFill>
+                  <a:schemeClr val="tx1"/>
+                </a:solidFill>
+                <a:latin typeface="+mn-lt"/>
+                <a:ea typeface="+mn-ea"/>
+                <a:cs typeface="+mn-cs"/>
+              </a:rPr>
+              <a:t>empty</a:t>
+            </a:r>
+            <a:r>
+              <a:rPr lang="pt-BR" sz="1200" b="0" i="0" u="none" strike="noStrike" kern="1200" baseline="0" dirty="0" smtClean="0">
+                <a:solidFill>
+                  <a:schemeClr val="tx1"/>
+                </a:solidFill>
+                <a:latin typeface="+mn-lt"/>
+                <a:ea typeface="+mn-ea"/>
+                <a:cs typeface="+mn-cs"/>
+              </a:rPr>
+              <a:t> </a:t>
+            </a:r>
+            <a:r>
+              <a:rPr lang="pt-BR" sz="1200" b="0" i="0" u="none" strike="noStrike" kern="1200" baseline="0" dirty="0" err="1" smtClean="0">
+                <a:solidFill>
+                  <a:schemeClr val="tx1"/>
+                </a:solidFill>
+                <a:latin typeface="+mn-lt"/>
+                <a:ea typeface="+mn-ea"/>
+                <a:cs typeface="+mn-cs"/>
+              </a:rPr>
+              <a:t>biblioteca.livros</a:t>
+            </a:r>
+            <a:r>
+              <a:rPr lang="pt-BR" sz="1200" b="0" i="0" u="none" strike="noStrike" kern="1200" baseline="0" dirty="0" smtClean="0">
+                <a:solidFill>
+                  <a:schemeClr val="tx1"/>
+                </a:solidFill>
+                <a:latin typeface="+mn-lt"/>
+                <a:ea typeface="+mn-ea"/>
+                <a:cs typeface="+mn-cs"/>
+              </a:rPr>
+              <a:t>) }</a:t>
+            </a:r>
+          </a:p>
+          <a:p>
+            <a:r>
+              <a:rPr lang="pt-BR" sz="1200" b="0" i="0" u="none" strike="noStrike" kern="1200" baseline="0" dirty="0" smtClean="0">
+                <a:solidFill>
+                  <a:schemeClr val="tx1"/>
+                </a:solidFill>
+                <a:latin typeface="+mn-lt"/>
+                <a:ea typeface="+mn-ea"/>
+                <a:cs typeface="+mn-cs"/>
+              </a:rPr>
+              <a:t>${ </a:t>
+            </a:r>
+            <a:r>
+              <a:rPr lang="pt-BR" sz="1200" b="0" i="0" u="none" strike="noStrike" kern="1200" baseline="0" dirty="0" err="1" smtClean="0">
+                <a:solidFill>
+                  <a:schemeClr val="tx1"/>
+                </a:solidFill>
+                <a:latin typeface="+mn-lt"/>
+                <a:ea typeface="+mn-ea"/>
+                <a:cs typeface="+mn-cs"/>
+              </a:rPr>
+              <a:t>livro.preco</a:t>
+            </a:r>
+            <a:r>
+              <a:rPr lang="pt-BR" sz="1200" b="0" i="0" u="none" strike="noStrike" kern="1200" baseline="0" dirty="0" smtClean="0">
+                <a:solidFill>
+                  <a:schemeClr val="tx1"/>
+                </a:solidFill>
+                <a:latin typeface="+mn-lt"/>
+                <a:ea typeface="+mn-ea"/>
+                <a:cs typeface="+mn-cs"/>
+              </a:rPr>
+              <a:t> * </a:t>
+            </a:r>
+            <a:r>
+              <a:rPr lang="pt-BR" sz="1200" b="0" i="0" u="none" strike="noStrike" kern="1200" baseline="0" dirty="0" err="1" smtClean="0">
+                <a:solidFill>
+                  <a:schemeClr val="tx1"/>
+                </a:solidFill>
+                <a:latin typeface="+mn-lt"/>
+                <a:ea typeface="+mn-ea"/>
+                <a:cs typeface="+mn-cs"/>
+              </a:rPr>
+              <a:t>pedido.quantidade</a:t>
+            </a:r>
+            <a:r>
+              <a:rPr lang="pt-BR" sz="1200" b="0" i="0" u="none" strike="noStrike" kern="1200" baseline="0" dirty="0" smtClean="0">
+                <a:solidFill>
+                  <a:schemeClr val="tx1"/>
+                </a:solidFill>
+                <a:latin typeface="+mn-lt"/>
+                <a:ea typeface="+mn-ea"/>
+                <a:cs typeface="+mn-cs"/>
+              </a:rPr>
+              <a:t> }</a:t>
+            </a:r>
+          </a:p>
+          <a:p>
+            <a:endParaRPr lang="pt-BR" sz="1200" b="0" i="0" u="none" strike="noStrike" kern="1200" baseline="0" dirty="0" smtClean="0">
+              <a:solidFill>
+                <a:schemeClr val="tx1"/>
+              </a:solidFill>
+              <a:latin typeface="+mn-lt"/>
+              <a:ea typeface="+mn-ea"/>
+              <a:cs typeface="+mn-cs"/>
+            </a:endParaRPr>
+          </a:p>
+          <a:p>
+            <a:r>
+              <a:rPr lang="pt-BR" sz="1200" b="0" i="0" u="none" strike="noStrike" kern="1200" baseline="0" dirty="0" err="1" smtClean="0">
+                <a:solidFill>
+                  <a:schemeClr val="tx1"/>
+                </a:solidFill>
+                <a:latin typeface="+mn-lt"/>
+                <a:ea typeface="+mn-ea"/>
+                <a:cs typeface="+mn-cs"/>
+              </a:rPr>
+              <a:t>Tambem</a:t>
+            </a:r>
+            <a:r>
+              <a:rPr lang="pt-BR" sz="1200" b="0" i="0" u="none" strike="noStrike" kern="1200" baseline="0" dirty="0" smtClean="0">
+                <a:solidFill>
+                  <a:schemeClr val="tx1"/>
+                </a:solidFill>
+                <a:latin typeface="+mn-lt"/>
+                <a:ea typeface="+mn-ea"/>
+                <a:cs typeface="+mn-cs"/>
+              </a:rPr>
+              <a:t> converte tipos automaticamente e suporta valores default.</a:t>
+            </a:r>
+          </a:p>
+          <a:p>
+            <a:r>
+              <a:rPr lang="pt-BR" sz="1200" b="0" i="0" u="none" strike="noStrike" kern="1200" baseline="0" dirty="0" smtClean="0">
+                <a:solidFill>
+                  <a:schemeClr val="tx1"/>
+                </a:solidFill>
+                <a:latin typeface="+mn-lt"/>
+                <a:ea typeface="+mn-ea"/>
+                <a:cs typeface="+mn-cs"/>
+              </a:rPr>
+              <a:t>&lt;</a:t>
+            </a:r>
+            <a:r>
+              <a:rPr lang="pt-BR" sz="1200" b="0" i="0" u="none" strike="noStrike" kern="1200" baseline="0" dirty="0" err="1" smtClean="0">
+                <a:solidFill>
+                  <a:schemeClr val="tx1"/>
+                </a:solidFill>
+                <a:latin typeface="+mn-lt"/>
+                <a:ea typeface="+mn-ea"/>
+                <a:cs typeface="+mn-cs"/>
+              </a:rPr>
+              <a:t>tag</a:t>
+            </a:r>
+            <a:r>
+              <a:rPr lang="pt-BR" sz="1200" b="0" i="0" u="none" strike="noStrike" kern="1200" baseline="0" dirty="0" smtClean="0">
+                <a:solidFill>
+                  <a:schemeClr val="tx1"/>
+                </a:solidFill>
+                <a:latin typeface="+mn-lt"/>
+                <a:ea typeface="+mn-ea"/>
+                <a:cs typeface="+mn-cs"/>
+              </a:rPr>
+              <a:t> item="${</a:t>
+            </a:r>
+            <a:r>
+              <a:rPr lang="pt-BR" sz="1200" b="0" i="0" u="none" strike="noStrike" kern="1200" baseline="0" dirty="0" err="1" smtClean="0">
+                <a:solidFill>
+                  <a:schemeClr val="tx1"/>
+                </a:solidFill>
+                <a:latin typeface="+mn-lt"/>
+                <a:ea typeface="+mn-ea"/>
+                <a:cs typeface="+mn-cs"/>
+              </a:rPr>
+              <a:t>request.valorNumerico</a:t>
+            </a:r>
+            <a:r>
+              <a:rPr lang="pt-BR" sz="1200" b="0" i="0" u="none" strike="noStrike" kern="1200" baseline="0" dirty="0" smtClean="0">
+                <a:solidFill>
+                  <a:schemeClr val="tx1"/>
+                </a:solidFill>
+                <a:latin typeface="+mn-lt"/>
+                <a:ea typeface="+mn-ea"/>
+                <a:cs typeface="+mn-cs"/>
+              </a:rPr>
+              <a:t>}" /&gt;</a:t>
+            </a:r>
+          </a:p>
+          <a:p>
+            <a:r>
+              <a:rPr lang="pt-BR" sz="1200" b="0" i="0" u="none" strike="noStrike" kern="1200" baseline="0" dirty="0" smtClean="0">
+                <a:solidFill>
+                  <a:schemeClr val="tx1"/>
+                </a:solidFill>
+                <a:latin typeface="+mn-lt"/>
+                <a:ea typeface="+mn-ea"/>
+                <a:cs typeface="+mn-cs"/>
+              </a:rPr>
+              <a:t>&lt;</a:t>
+            </a:r>
+            <a:r>
+              <a:rPr lang="pt-BR" sz="1200" b="0" i="0" u="none" strike="noStrike" kern="1200" baseline="0" dirty="0" err="1" smtClean="0">
+                <a:solidFill>
+                  <a:schemeClr val="tx1"/>
+                </a:solidFill>
+                <a:latin typeface="+mn-lt"/>
+                <a:ea typeface="+mn-ea"/>
+                <a:cs typeface="+mn-cs"/>
+              </a:rPr>
+              <a:t>tag</a:t>
+            </a:r>
+            <a:r>
+              <a:rPr lang="pt-BR" sz="1200" b="0" i="0" u="none" strike="noStrike" kern="1200" baseline="0" dirty="0" smtClean="0">
+                <a:solidFill>
+                  <a:schemeClr val="tx1"/>
+                </a:solidFill>
+                <a:latin typeface="+mn-lt"/>
+                <a:ea typeface="+mn-ea"/>
+                <a:cs typeface="+mn-cs"/>
+              </a:rPr>
+              <a:t> </a:t>
+            </a:r>
+            <a:r>
+              <a:rPr lang="pt-BR" sz="1200" b="0" i="0" u="none" strike="noStrike" kern="1200" baseline="0" dirty="0" err="1" smtClean="0">
+                <a:solidFill>
+                  <a:schemeClr val="tx1"/>
+                </a:solidFill>
+                <a:latin typeface="+mn-lt"/>
+                <a:ea typeface="+mn-ea"/>
+                <a:cs typeface="+mn-cs"/>
+              </a:rPr>
+              <a:t>value</a:t>
+            </a:r>
+            <a:r>
+              <a:rPr lang="pt-BR" sz="1200" b="0" i="0" u="none" strike="noStrike" kern="1200" baseline="0" dirty="0" smtClean="0">
+                <a:solidFill>
+                  <a:schemeClr val="tx1"/>
+                </a:solidFill>
+                <a:latin typeface="+mn-lt"/>
+                <a:ea typeface="+mn-ea"/>
+                <a:cs typeface="+mn-cs"/>
+              </a:rPr>
+              <a:t>="${abc.def}" default="todos" /&gt;</a:t>
+            </a:r>
+          </a:p>
+          <a:p>
+            <a:endParaRPr lang="pt-BR" sz="1200" b="0" i="0" u="none" strike="noStrike" kern="1200" baseline="0" dirty="0" smtClean="0">
+              <a:solidFill>
+                <a:schemeClr val="tx1"/>
+              </a:solidFill>
+              <a:latin typeface="+mn-lt"/>
+              <a:ea typeface="+mn-ea"/>
+              <a:cs typeface="+mn-cs"/>
+            </a:endParaRPr>
+          </a:p>
+          <a:p>
+            <a:r>
+              <a:rPr lang="pt-BR" sz="1200" b="0" i="0" u="none" strike="noStrike" kern="1200" baseline="0" dirty="0" smtClean="0">
+                <a:solidFill>
+                  <a:schemeClr val="tx1"/>
+                </a:solidFill>
+                <a:latin typeface="+mn-lt"/>
+                <a:ea typeface="+mn-ea"/>
+                <a:cs typeface="+mn-cs"/>
+              </a:rPr>
+              <a:t>Exemplos usando JSTL e EL:</a:t>
+            </a:r>
+          </a:p>
+          <a:p>
+            <a:r>
+              <a:rPr lang="pt-BR" sz="1200" b="0" i="0" u="none" strike="noStrike" kern="1200" baseline="0" dirty="0" smtClean="0">
+                <a:solidFill>
+                  <a:schemeClr val="tx1"/>
+                </a:solidFill>
+                <a:latin typeface="+mn-lt"/>
+                <a:ea typeface="+mn-ea"/>
+                <a:cs typeface="+mn-cs"/>
+              </a:rPr>
+              <a:t>&lt;</a:t>
+            </a:r>
+            <a:r>
+              <a:rPr lang="pt-BR" sz="1200" b="0" i="0" u="none" strike="noStrike" kern="1200" baseline="0" dirty="0" err="1" smtClean="0">
+                <a:solidFill>
+                  <a:schemeClr val="tx1"/>
+                </a:solidFill>
+                <a:latin typeface="+mn-lt"/>
+                <a:ea typeface="+mn-ea"/>
+                <a:cs typeface="+mn-cs"/>
+              </a:rPr>
+              <a:t>c:out</a:t>
+            </a:r>
+            <a:r>
+              <a:rPr lang="pt-BR" sz="1200" b="0" i="0" u="none" strike="noStrike" kern="1200" baseline="0" dirty="0" smtClean="0">
+                <a:solidFill>
+                  <a:schemeClr val="tx1"/>
+                </a:solidFill>
+                <a:latin typeface="+mn-lt"/>
+                <a:ea typeface="+mn-ea"/>
+                <a:cs typeface="+mn-cs"/>
+              </a:rPr>
+              <a:t> </a:t>
+            </a:r>
+            <a:r>
+              <a:rPr lang="pt-BR" sz="1200" b="0" i="0" u="none" strike="noStrike" kern="1200" baseline="0" dirty="0" err="1" smtClean="0">
+                <a:solidFill>
+                  <a:schemeClr val="tx1"/>
+                </a:solidFill>
+                <a:latin typeface="+mn-lt"/>
+                <a:ea typeface="+mn-ea"/>
+                <a:cs typeface="+mn-cs"/>
+              </a:rPr>
+              <a:t>value</a:t>
+            </a:r>
+            <a:r>
+              <a:rPr lang="pt-BR" sz="1200" b="0" i="0" u="none" strike="noStrike" kern="1200" baseline="0" dirty="0" smtClean="0">
+                <a:solidFill>
+                  <a:schemeClr val="tx1"/>
+                </a:solidFill>
+                <a:latin typeface="+mn-lt"/>
+                <a:ea typeface="+mn-ea"/>
+                <a:cs typeface="+mn-cs"/>
+              </a:rPr>
+              <a:t>='${</a:t>
+            </a:r>
+            <a:r>
+              <a:rPr lang="pt-BR" sz="1200" b="0" i="0" u="none" strike="noStrike" kern="1200" baseline="0" dirty="0" err="1" smtClean="0">
+                <a:solidFill>
+                  <a:schemeClr val="tx1"/>
+                </a:solidFill>
+                <a:latin typeface="+mn-lt"/>
+                <a:ea typeface="+mn-ea"/>
+                <a:cs typeface="+mn-cs"/>
+              </a:rPr>
+              <a:t>param.emailAddress</a:t>
+            </a:r>
+            <a:r>
+              <a:rPr lang="pt-BR" sz="1200" b="0" i="0" u="none" strike="noStrike" kern="1200" baseline="0" dirty="0" smtClean="0">
+                <a:solidFill>
+                  <a:schemeClr val="tx1"/>
+                </a:solidFill>
+                <a:latin typeface="+mn-lt"/>
+                <a:ea typeface="+mn-ea"/>
+                <a:cs typeface="+mn-cs"/>
+              </a:rPr>
+              <a:t>}'/&gt;</a:t>
+            </a:r>
+          </a:p>
+          <a:p>
+            <a:r>
+              <a:rPr lang="en-US" sz="1200" b="0" i="0" u="none" strike="noStrike" kern="1200" baseline="0" dirty="0" smtClean="0">
+                <a:solidFill>
+                  <a:schemeClr val="tx1"/>
+                </a:solidFill>
+                <a:latin typeface="+mn-lt"/>
+                <a:ea typeface="+mn-ea"/>
+                <a:cs typeface="+mn-cs"/>
+              </a:rPr>
+              <a:t>&lt;</a:t>
+            </a:r>
+            <a:r>
+              <a:rPr lang="en-US" sz="1200" b="0" i="0" u="none" strike="noStrike" kern="1200" baseline="0" dirty="0" err="1" smtClean="0">
+                <a:solidFill>
+                  <a:schemeClr val="tx1"/>
+                </a:solidFill>
+                <a:latin typeface="+mn-lt"/>
+                <a:ea typeface="+mn-ea"/>
+                <a:cs typeface="+mn-cs"/>
+              </a:rPr>
+              <a:t>c:if</a:t>
+            </a:r>
+            <a:r>
+              <a:rPr lang="en-US" sz="1200" b="0" i="0" u="none" strike="noStrike" kern="1200" baseline="0" dirty="0" smtClean="0">
+                <a:solidFill>
+                  <a:schemeClr val="tx1"/>
+                </a:solidFill>
+                <a:latin typeface="+mn-lt"/>
+                <a:ea typeface="+mn-ea"/>
+                <a:cs typeface="+mn-cs"/>
+              </a:rPr>
+              <a:t> test='${not empty </a:t>
+            </a:r>
+            <a:r>
+              <a:rPr lang="en-US" sz="1200" b="0" i="0" u="none" strike="noStrike" kern="1200" baseline="0" dirty="0" err="1" smtClean="0">
+                <a:solidFill>
+                  <a:schemeClr val="tx1"/>
+                </a:solidFill>
+                <a:latin typeface="+mn-lt"/>
+                <a:ea typeface="+mn-ea"/>
+                <a:cs typeface="+mn-cs"/>
+              </a:rPr>
+              <a:t>param.email</a:t>
+            </a:r>
+            <a:r>
+              <a:rPr lang="en-US" sz="1200" b="0" i="0" u="none" strike="noStrike" kern="1200" baseline="0" dirty="0" smtClean="0">
+                <a:solidFill>
+                  <a:schemeClr val="tx1"/>
+                </a:solidFill>
+                <a:latin typeface="+mn-lt"/>
+                <a:ea typeface="+mn-ea"/>
+                <a:cs typeface="+mn-cs"/>
+              </a:rPr>
+              <a:t>}'&gt;</a:t>
+            </a:r>
+          </a:p>
+          <a:p>
+            <a:r>
+              <a:rPr lang="pt-BR" sz="1200" b="0" i="0" u="none" strike="noStrike" kern="1200" baseline="0" dirty="0" smtClean="0">
+                <a:solidFill>
+                  <a:schemeClr val="tx1"/>
+                </a:solidFill>
+                <a:latin typeface="+mn-lt"/>
+                <a:ea typeface="+mn-ea"/>
+                <a:cs typeface="+mn-cs"/>
+              </a:rPr>
+              <a:t>...</a:t>
+            </a:r>
+          </a:p>
+          <a:p>
+            <a:r>
+              <a:rPr lang="pt-BR" sz="1200" b="0" i="0" u="none" strike="noStrike" kern="1200" baseline="0" dirty="0" smtClean="0">
+                <a:solidFill>
+                  <a:schemeClr val="tx1"/>
+                </a:solidFill>
+                <a:latin typeface="+mn-lt"/>
+                <a:ea typeface="+mn-ea"/>
+                <a:cs typeface="+mn-cs"/>
+              </a:rPr>
+              <a:t>&lt;/</a:t>
+            </a:r>
+            <a:r>
+              <a:rPr lang="pt-BR" sz="1200" b="0" i="0" u="none" strike="noStrike" kern="1200" baseline="0" dirty="0" err="1" smtClean="0">
+                <a:solidFill>
+                  <a:schemeClr val="tx1"/>
+                </a:solidFill>
+                <a:latin typeface="+mn-lt"/>
+                <a:ea typeface="+mn-ea"/>
+                <a:cs typeface="+mn-cs"/>
+              </a:rPr>
+              <a:t>c:if</a:t>
+            </a:r>
+            <a:r>
+              <a:rPr lang="pt-BR" sz="1200" b="0" i="0" u="none" strike="noStrike" kern="1200" baseline="0" dirty="0" smtClean="0">
+                <a:solidFill>
+                  <a:schemeClr val="tx1"/>
+                </a:solidFill>
+                <a:latin typeface="+mn-lt"/>
+                <a:ea typeface="+mn-ea"/>
+                <a:cs typeface="+mn-cs"/>
+              </a:rPr>
+              <a:t>&gt;</a:t>
+            </a:r>
+            <a:endParaRPr lang="pt-BR" sz="1200" b="0" i="0" u="none" strike="noStrike" kern="1200" baseline="0" dirty="0" smtClean="0">
+              <a:solidFill>
+                <a:schemeClr val="tx1"/>
+              </a:solidFill>
+              <a:latin typeface="+mn-lt"/>
+              <a:ea typeface="+mn-ea"/>
+              <a:cs typeface="+mn-cs"/>
+            </a:endParaRPr>
+          </a:p>
+        </p:txBody>
+      </p:sp>
+      <p:sp>
+        <p:nvSpPr>
+          <p:cNvPr id="4" name="Rectangle 4"/>
+          <p:cNvSpPr>
+            <a:spLocks noGrp="1"/>
+          </p:cNvSpPr>
+          <p:nvPr>
+            <p:ph type="sldNum" sz="quarter" idx="10"/>
+          </p:nvPr>
+        </p:nvSpPr>
+        <p:spPr/>
+        <p:txBody>
+          <a:bodyPr/>
+          <a:lstStyle/>
+          <a:p>
+            <a:fld id="{61807874-5299-41B2-A37A-6AA3547857F4}" type="slidenum">
+              <a:rPr lang="pt-BR" smtClean="0"/>
+              <a:pPr/>
+              <a:t>21</a:t>
+            </a:fld>
+            <a:endParaRPr lang="pt-BR"/>
+          </a:p>
+        </p:txBody>
+      </p:sp>
+    </p:spTree>
+    <p:extLst>
+      <p:ext uri="{BB962C8B-B14F-4D97-AF65-F5344CB8AC3E}">
+        <p14:creationId xmlns:p14="http://schemas.microsoft.com/office/powerpoint/2010/main" val="2477212209"/>
+      </p:ext>
+    </p:extLst>
   </p:cSld>
   <p:clrMapOvr>
     <a:masterClrMapping/>
@@ -14942,7 +16282,7 @@
           <p:cNvPr id="11" name="Rectangle 8">
             <a:extLst>
               <a:ext uri="{FF2B5EF4-FFF2-40B4-BE49-F238E27FC236}">
-                <a16:creationId xmlns:a16="http://schemas.microsoft.com/office/drawing/2014/main" xmlns="" id="{E1F0AA30-9C1D-4249-8068-4A45331D9230}"/>
+                <a16:creationId xmlns="" xmlns:a16="http://schemas.microsoft.com/office/drawing/2014/main" id="{E1F0AA30-9C1D-4249-8068-4A45331D9230}"/>
               </a:ext>
             </a:extLst>
           </p:cNvPr>
@@ -15499,7 +16839,7 @@
           <p:cNvPr id="7" name="Retângulo 6">
             <a:extLst>
               <a:ext uri="{FF2B5EF4-FFF2-40B4-BE49-F238E27FC236}">
-                <a16:creationId xmlns:a16="http://schemas.microsoft.com/office/drawing/2014/main" xmlns="" id="{DE871D51-6822-455D-8B97-7F37D0BA5BB9}"/>
+                <a16:creationId xmlns="" xmlns:a16="http://schemas.microsoft.com/office/drawing/2014/main" id="{DE871D51-6822-455D-8B97-7F37D0BA5BB9}"/>
               </a:ext>
             </a:extLst>
           </p:cNvPr>
@@ -15774,7 +17114,7 @@
           <p:cNvPr id="7" name="Retângulo 6">
             <a:extLst>
               <a:ext uri="{FF2B5EF4-FFF2-40B4-BE49-F238E27FC236}">
-                <a16:creationId xmlns:a16="http://schemas.microsoft.com/office/drawing/2014/main" xmlns="" id="{DE871D51-6822-455D-8B97-7F37D0BA5BB9}"/>
+                <a16:creationId xmlns="" xmlns:a16="http://schemas.microsoft.com/office/drawing/2014/main" id="{DE871D51-6822-455D-8B97-7F37D0BA5BB9}"/>
               </a:ext>
             </a:extLst>
           </p:cNvPr>
@@ -15903,7 +17243,7 @@
           <p:cNvPr id="7" name="Retângulo 6">
             <a:extLst>
               <a:ext uri="{FF2B5EF4-FFF2-40B4-BE49-F238E27FC236}">
-                <a16:creationId xmlns:a16="http://schemas.microsoft.com/office/drawing/2014/main" xmlns="" id="{DE871D51-6822-455D-8B97-7F37D0BA5BB9}"/>
+                <a16:creationId xmlns="" xmlns:a16="http://schemas.microsoft.com/office/drawing/2014/main" id="{DE871D51-6822-455D-8B97-7F37D0BA5BB9}"/>
               </a:ext>
             </a:extLst>
           </p:cNvPr>
@@ -16425,7 +17765,7 @@
           <p:cNvPr id="7" name="Retângulo 6">
             <a:extLst>
               <a:ext uri="{FF2B5EF4-FFF2-40B4-BE49-F238E27FC236}">
-                <a16:creationId xmlns:a16="http://schemas.microsoft.com/office/drawing/2014/main" xmlns="" id="{DE871D51-6822-455D-8B97-7F37D0BA5BB9}"/>
+                <a16:creationId xmlns="" xmlns:a16="http://schemas.microsoft.com/office/drawing/2014/main" id="{DE871D51-6822-455D-8B97-7F37D0BA5BB9}"/>
               </a:ext>
             </a:extLst>
           </p:cNvPr>
@@ -16577,7 +17917,7 @@
           <p:cNvPr id="7" name="Retângulo 6">
             <a:extLst>
               <a:ext uri="{FF2B5EF4-FFF2-40B4-BE49-F238E27FC236}">
-                <a16:creationId xmlns:a16="http://schemas.microsoft.com/office/drawing/2014/main" xmlns="" id="{DE871D51-6822-455D-8B97-7F37D0BA5BB9}"/>
+                <a16:creationId xmlns="" xmlns:a16="http://schemas.microsoft.com/office/drawing/2014/main" id="{DE871D51-6822-455D-8B97-7F37D0BA5BB9}"/>
               </a:ext>
             </a:extLst>
           </p:cNvPr>
@@ -16625,11 +17965,7 @@
             </a:pPr>
             <a:r>
               <a:rPr lang="pt-BR" sz="2000" b="1" dirty="0" smtClean="0"/>
-              <a:t>Validade de uma </a:t>
-            </a:r>
-            <a:r>
-              <a:rPr lang="pt-BR" sz="2000" b="1" dirty="0" smtClean="0"/>
-              <a:t>sessão</a:t>
+              <a:t>Validade de uma sessão</a:t>
             </a:r>
           </a:p>
           <a:p>
@@ -16705,7 +18041,7 @@
           <p:cNvPr id="7" name="Retângulo 6">
             <a:extLst>
               <a:ext uri="{FF2B5EF4-FFF2-40B4-BE49-F238E27FC236}">
-                <a16:creationId xmlns:a16="http://schemas.microsoft.com/office/drawing/2014/main" xmlns="" id="{DE871D51-6822-455D-8B97-7F37D0BA5BB9}"/>
+                <a16:creationId xmlns="" xmlns:a16="http://schemas.microsoft.com/office/drawing/2014/main" id="{DE871D51-6822-455D-8B97-7F37D0BA5BB9}"/>
               </a:ext>
             </a:extLst>
           </p:cNvPr>
@@ -16754,11 +18090,7 @@
             </a:pPr>
             <a:r>
               <a:rPr lang="pt-BR" sz="2000" b="1" dirty="0" smtClean="0"/>
-              <a:t>Meios persistentes </a:t>
-            </a:r>
-            <a:r>
-              <a:rPr lang="pt-BR" sz="2000" b="1" dirty="0" smtClean="0"/>
-              <a:t>(Banco de dados, arquivos e </a:t>
+              <a:t>Meios persistentes (Banco de dados, arquivos e </a:t>
             </a:r>
             <a:r>
               <a:rPr lang="pt-BR" sz="2000" b="1" dirty="0" err="1" smtClean="0"/>
@@ -16778,7 +18110,6 @@
               <a:rPr lang="pt-BR" sz="2000" b="1" dirty="0" smtClean="0"/>
               <a:t>Objetos na memória por meio de escopo (Requisição, sessão, contexto).</a:t>
             </a:r>
-            <a:endParaRPr lang="pt-BR" sz="2000" b="1" dirty="0" smtClean="0"/>
           </a:p>
         </p:txBody>
       </p:sp>
@@ -16850,7 +18181,7 @@
           <p:cNvPr id="7" name="Retângulo 6">
             <a:extLst>
               <a:ext uri="{FF2B5EF4-FFF2-40B4-BE49-F238E27FC236}">
-                <a16:creationId xmlns:a16="http://schemas.microsoft.com/office/drawing/2014/main" xmlns="" id="{DE871D51-6822-455D-8B97-7F37D0BA5BB9}"/>
+                <a16:creationId xmlns="" xmlns:a16="http://schemas.microsoft.com/office/drawing/2014/main" id="{DE871D51-6822-455D-8B97-7F37D0BA5BB9}"/>
               </a:ext>
             </a:extLst>
           </p:cNvPr>
@@ -16899,13 +18230,8 @@
             </a:r>
             <a:r>
               <a:rPr lang="pt-BR" sz="2000" b="1" dirty="0" smtClean="0"/>
-              <a:t>. Eles podem tratar as requisições para direcioná-las ao melhor caminho ou até mesmo alterar uma mensage</a:t>
-            </a:r>
-            <a:r>
-              <a:rPr lang="pt-BR" sz="2000" b="1" dirty="0" smtClean="0"/>
-              <a:t>m.</a:t>
-            </a:r>
-            <a:endParaRPr lang="pt-BR" sz="2000" b="1" dirty="0" smtClean="0"/>
+              <a:t>. Eles podem tratar as requisições para direcioná-las ao melhor caminho ou até mesmo alterar uma mensagem.</a:t>
+            </a:r>
           </a:p>
         </p:txBody>
       </p:sp>
@@ -16997,7 +18323,7 @@
           <p:cNvPr id="7" name="Retângulo 6">
             <a:extLst>
               <a:ext uri="{FF2B5EF4-FFF2-40B4-BE49-F238E27FC236}">
-                <a16:creationId xmlns:a16="http://schemas.microsoft.com/office/drawing/2014/main" xmlns="" id="{DE871D51-6822-455D-8B97-7F37D0BA5BB9}"/>
+                <a16:creationId xmlns="" xmlns:a16="http://schemas.microsoft.com/office/drawing/2014/main" id="{DE871D51-6822-455D-8B97-7F37D0BA5BB9}"/>
               </a:ext>
             </a:extLst>
           </p:cNvPr>
@@ -17007,7 +18333,7 @@
         <p:spPr>
           <a:xfrm>
             <a:off x="685800" y="2681625"/>
-            <a:ext cx="7772400" cy="400110"/>
+            <a:ext cx="7772400" cy="1631216"/>
           </a:xfrm>
           <a:prstGeom prst="rect">
             <a:avLst/>
@@ -17021,7 +18347,37 @@
           <a:p>
             <a:r>
               <a:rPr lang="pt-BR" sz="2000" b="1" dirty="0" smtClean="0"/>
-              <a:t>d</a:t>
+              <a:t>JSP é uma tecnologia padrão, para criação de </a:t>
+            </a:r>
+            <a:r>
+              <a:rPr lang="pt-BR" sz="2000" b="1" dirty="0" err="1" smtClean="0"/>
+              <a:t>templates</a:t>
+            </a:r>
+            <a:r>
+              <a:rPr lang="pt-BR" sz="2000" b="1" dirty="0" smtClean="0"/>
+              <a:t> para </a:t>
+            </a:r>
+            <a:r>
+              <a:rPr lang="pt-BR" sz="2000" b="1" dirty="0" err="1" smtClean="0"/>
+              <a:t>servlets</a:t>
+            </a:r>
+            <a:r>
+              <a:rPr lang="pt-BR" sz="2000" b="1" dirty="0" smtClean="0"/>
+              <a:t>. Na versão JSF 2 o seu uso não é mais recomendado e deve ser substituído pelo XHTML.</a:t>
+            </a:r>
+          </a:p>
+          <a:p>
+            <a:r>
+              <a:rPr lang="pt-BR" sz="2000" b="1" dirty="0" smtClean="0"/>
+              <a:t>Um arquivo de extensão </a:t>
+            </a:r>
+            <a:r>
+              <a:rPr lang="pt-BR" sz="2000" b="1" dirty="0" err="1" smtClean="0"/>
+              <a:t>jsp</a:t>
+            </a:r>
+            <a:r>
+              <a:rPr lang="pt-BR" sz="2000" b="1" dirty="0" smtClean="0"/>
+              <a:t>, é interpretado pelo servidor que gera um HTML.</a:t>
             </a:r>
             <a:endParaRPr lang="pt-BR" sz="2000" b="1" dirty="0" smtClean="0"/>
           </a:p>
@@ -17208,6 +18564,292 @@
   <p:clrMapOvr>
     <a:masterClrMapping/>
   </p:clrMapOvr>
+</p:sld>
+</file>
+
+<file path=ppt/slides/slide20.xml><?xml version="1.0" encoding="utf-8"?>
+<p:sld xmlns:a="http://schemas.openxmlformats.org/drawingml/2006/main" xmlns:r="http://schemas.openxmlformats.org/officeDocument/2006/relationships" xmlns:p="http://schemas.openxmlformats.org/presentationml/2006/main">
+  <p:cSld>
+    <p:spTree>
+      <p:nvGrpSpPr>
+        <p:cNvPr id="1" name=""/>
+        <p:cNvGrpSpPr/>
+        <p:nvPr/>
+      </p:nvGrpSpPr>
+      <p:grpSpPr>
+        <a:xfrm>
+          <a:off x="0" y="0"/>
+          <a:ext cx="0" cy="0"/>
+          <a:chOff x="0" y="0"/>
+          <a:chExt cx="0" cy="0"/>
+        </a:xfrm>
+      </p:grpSpPr>
+      <p:sp>
+        <p:nvSpPr>
+          <p:cNvPr id="3" name="Rectangle 8"/>
+          <p:cNvSpPr>
+            <a:spLocks noGrp="1"/>
+          </p:cNvSpPr>
+          <p:nvPr>
+            <p:ph type="title"/>
+          </p:nvPr>
+        </p:nvSpPr>
+        <p:spPr>
+          <a:xfrm>
+            <a:off x="228600" y="1676400"/>
+            <a:ext cx="8229600" cy="1143000"/>
+          </a:xfrm>
+        </p:spPr>
+        <p:txBody>
+          <a:bodyPr>
+            <a:noAutofit/>
+          </a:bodyPr>
+          <a:lstStyle/>
+          <a:p>
+            <a:r>
+              <a:rPr lang="pt-BR" sz="4000" b="0" dirty="0" smtClean="0"/>
+              <a:t>JSTL</a:t>
+            </a:r>
+            <a:endParaRPr lang="pt-BR" sz="4000" dirty="0"/>
+          </a:p>
+        </p:txBody>
+      </p:sp>
+      <p:sp>
+        <p:nvSpPr>
+          <p:cNvPr id="7" name="Retângulo 6">
+            <a:extLst>
+              <a:ext uri="{FF2B5EF4-FFF2-40B4-BE49-F238E27FC236}">
+                <a16:creationId xmlns="" xmlns:a16="http://schemas.microsoft.com/office/drawing/2014/main" id="{DE871D51-6822-455D-8B97-7F37D0BA5BB9}"/>
+              </a:ext>
+            </a:extLst>
+          </p:cNvPr>
+          <p:cNvSpPr/>
+          <p:nvPr/>
+        </p:nvSpPr>
+        <p:spPr>
+          <a:xfrm>
+            <a:off x="685800" y="2681625"/>
+            <a:ext cx="7772400" cy="2246769"/>
+          </a:xfrm>
+          <a:prstGeom prst="rect">
+            <a:avLst/>
+          </a:prstGeom>
+        </p:spPr>
+        <p:txBody>
+          <a:bodyPr wrap="square">
+            <a:spAutoFit/>
+          </a:bodyPr>
+          <a:lstStyle/>
+          <a:p>
+            <a:r>
+              <a:rPr lang="pt-BR" sz="2000" dirty="0"/>
+              <a:t>JSTL é uma biblioteca de </a:t>
+            </a:r>
+            <a:r>
+              <a:rPr lang="pt-BR" sz="2000" dirty="0" err="1"/>
+              <a:t>tags</a:t>
+            </a:r>
+            <a:r>
+              <a:rPr lang="pt-BR" sz="2000" dirty="0"/>
+              <a:t> que permite que o autor de páginas controle a geração de</a:t>
+            </a:r>
+          </a:p>
+          <a:p>
+            <a:r>
+              <a:rPr lang="pt-BR" sz="2000" dirty="0"/>
+              <a:t>código HTML usando laços e blocos condicionais, transformações e comunicação com</a:t>
+            </a:r>
+          </a:p>
+          <a:p>
+            <a:r>
+              <a:rPr lang="pt-BR" sz="2000" dirty="0"/>
+              <a:t>objetos externos, sem a necessidade de usar scripts. JSTL (junto com EL) são a forma</a:t>
+            </a:r>
+          </a:p>
+          <a:p>
+            <a:r>
+              <a:rPr lang="pt-BR" sz="2000" dirty="0"/>
+              <a:t>recomendada de usar JSP.</a:t>
+            </a:r>
+            <a:endParaRPr lang="pt-BR" sz="2000" b="1" dirty="0" smtClean="0"/>
+          </a:p>
+        </p:txBody>
+      </p:sp>
+    </p:spTree>
+    <p:extLst>
+      <p:ext uri="{BB962C8B-B14F-4D97-AF65-F5344CB8AC3E}">
+        <p14:creationId xmlns:p14="http://schemas.microsoft.com/office/powerpoint/2010/main" val="774755765"/>
+      </p:ext>
+    </p:extLst>
+  </p:cSld>
+  <p:clrMapOvr>
+    <a:masterClrMapping/>
+  </p:clrMapOvr>
+  <p:transition>
+    <p:fade/>
+  </p:transition>
+</p:sld>
+</file>
+
+<file path=ppt/slides/slide21.xml><?xml version="1.0" encoding="utf-8"?>
+<p:sld xmlns:a="http://schemas.openxmlformats.org/drawingml/2006/main" xmlns:r="http://schemas.openxmlformats.org/officeDocument/2006/relationships" xmlns:p="http://schemas.openxmlformats.org/presentationml/2006/main">
+  <p:cSld>
+    <p:spTree>
+      <p:nvGrpSpPr>
+        <p:cNvPr id="1" name=""/>
+        <p:cNvGrpSpPr/>
+        <p:nvPr/>
+      </p:nvGrpSpPr>
+      <p:grpSpPr>
+        <a:xfrm>
+          <a:off x="0" y="0"/>
+          <a:ext cx="0" cy="0"/>
+          <a:chOff x="0" y="0"/>
+          <a:chExt cx="0" cy="0"/>
+        </a:xfrm>
+      </p:grpSpPr>
+      <p:sp>
+        <p:nvSpPr>
+          <p:cNvPr id="3" name="Rectangle 8"/>
+          <p:cNvSpPr>
+            <a:spLocks noGrp="1"/>
+          </p:cNvSpPr>
+          <p:nvPr>
+            <p:ph type="title"/>
+          </p:nvPr>
+        </p:nvSpPr>
+        <p:spPr>
+          <a:xfrm>
+            <a:off x="228600" y="1676400"/>
+            <a:ext cx="8229600" cy="1143000"/>
+          </a:xfrm>
+        </p:spPr>
+        <p:txBody>
+          <a:bodyPr>
+            <a:noAutofit/>
+          </a:bodyPr>
+          <a:lstStyle/>
+          <a:p>
+            <a:r>
+              <a:rPr lang="pt-BR" sz="4000" b="0" dirty="0"/>
+              <a:t>EL (Expression </a:t>
+            </a:r>
+            <a:r>
+              <a:rPr lang="pt-BR" sz="4000" b="0" dirty="0" err="1"/>
+              <a:t>Language</a:t>
+            </a:r>
+            <a:r>
+              <a:rPr lang="pt-BR" sz="4000" b="0" dirty="0"/>
+              <a:t>)</a:t>
+            </a:r>
+            <a:endParaRPr lang="pt-BR" sz="4000" dirty="0"/>
+          </a:p>
+        </p:txBody>
+      </p:sp>
+      <p:sp>
+        <p:nvSpPr>
+          <p:cNvPr id="7" name="Retângulo 6">
+            <a:extLst>
+              <a:ext uri="{FF2B5EF4-FFF2-40B4-BE49-F238E27FC236}">
+                <a16:creationId xmlns="" xmlns:a16="http://schemas.microsoft.com/office/drawing/2014/main" id="{DE871D51-6822-455D-8B97-7F37D0BA5BB9}"/>
+              </a:ext>
+            </a:extLst>
+          </p:cNvPr>
+          <p:cNvSpPr/>
+          <p:nvPr/>
+        </p:nvSpPr>
+        <p:spPr>
+          <a:xfrm>
+            <a:off x="685800" y="2681625"/>
+            <a:ext cx="7772400" cy="1015663"/>
+          </a:xfrm>
+          <a:prstGeom prst="rect">
+            <a:avLst/>
+          </a:prstGeom>
+        </p:spPr>
+        <p:txBody>
+          <a:bodyPr wrap="square">
+            <a:spAutoFit/>
+          </a:bodyPr>
+          <a:lstStyle/>
+          <a:p>
+            <a:r>
+              <a:rPr lang="pt-BR" sz="2000" dirty="0" smtClean="0"/>
+              <a:t>Linguagem criada para viabilizar comunicação entre </a:t>
+            </a:r>
+            <a:r>
+              <a:rPr lang="pt-BR" sz="2000" dirty="0" err="1" smtClean="0"/>
+              <a:t>views</a:t>
+            </a:r>
+            <a:r>
+              <a:rPr lang="pt-BR" sz="2000" dirty="0" smtClean="0"/>
+              <a:t> (páginas </a:t>
+            </a:r>
+            <a:r>
+              <a:rPr lang="pt-BR" sz="2000" dirty="0" err="1" smtClean="0"/>
+              <a:t>jsp</a:t>
+            </a:r>
+            <a:r>
+              <a:rPr lang="pt-BR" sz="2000" dirty="0" smtClean="0"/>
+              <a:t>, </a:t>
+            </a:r>
+            <a:r>
+              <a:rPr lang="pt-BR" sz="2000" dirty="0" err="1" smtClean="0"/>
+              <a:t>xhtml</a:t>
+            </a:r>
+            <a:r>
+              <a:rPr lang="pt-BR" sz="2000" dirty="0" smtClean="0"/>
+              <a:t>, </a:t>
+            </a:r>
+            <a:r>
+              <a:rPr lang="pt-BR" sz="2000" dirty="0" err="1" smtClean="0"/>
+              <a:t>html</a:t>
+            </a:r>
+            <a:r>
+              <a:rPr lang="pt-BR" sz="2000" dirty="0" smtClean="0"/>
+              <a:t>) e </a:t>
+            </a:r>
+            <a:r>
+              <a:rPr lang="pt-BR" sz="2000" dirty="0" err="1" smtClean="0"/>
+              <a:t>Controllers</a:t>
+            </a:r>
+            <a:r>
+              <a:rPr lang="pt-BR" sz="2000" dirty="0" smtClean="0"/>
+              <a:t> (</a:t>
+            </a:r>
+            <a:r>
+              <a:rPr lang="pt-BR" sz="2000" dirty="0" err="1" smtClean="0"/>
+              <a:t>beans</a:t>
+            </a:r>
+            <a:r>
+              <a:rPr lang="pt-BR" sz="2000" dirty="0" smtClean="0"/>
+              <a:t> e outros objetos </a:t>
+            </a:r>
+            <a:r>
+              <a:rPr lang="pt-BR" sz="2000" dirty="0" err="1" smtClean="0"/>
+              <a:t>java</a:t>
+            </a:r>
+            <a:r>
+              <a:rPr lang="pt-BR" sz="2000" dirty="0" smtClean="0"/>
+              <a:t>), em aplicação baseadas em MVC.</a:t>
+            </a:r>
+            <a:endParaRPr lang="pt-BR" sz="2000" b="1" dirty="0" smtClean="0"/>
+          </a:p>
+        </p:txBody>
+      </p:sp>
+    </p:spTree>
+    <p:extLst>
+      <p:ext uri="{BB962C8B-B14F-4D97-AF65-F5344CB8AC3E}">
+        <p14:creationId xmlns:p14="http://schemas.microsoft.com/office/powerpoint/2010/main" val="2957019486"/>
+      </p:ext>
+    </p:extLst>
+  </p:cSld>
+  <p:clrMapOvr>
+    <a:masterClrMapping/>
+  </p:clrMapOvr>
+  <p:transition>
+    <p:fade/>
+  </p:transition>
 </p:sld>
 </file>
 
